--- a/Masterarbeit_Skizze.pptx
+++ b/Masterarbeit_Skizze.pptx
@@ -26,7 +26,8 @@
     <p:sldId id="275" r:id="rId20"/>
     <p:sldId id="276" r:id="rId21"/>
     <p:sldId id="278" r:id="rId22"/>
-    <p:sldId id="277" r:id="rId23"/>
+    <p:sldId id="279" r:id="rId23"/>
+    <p:sldId id="277" r:id="rId24"/>
   </p:sldIdLst>
   <p:sldSz cx="12192000" cy="6858000"/>
   <p:notesSz cx="6797675" cy="9926638"/>
@@ -3869,6 +3870,753 @@
 </file>
 
 <file path=ppt/diagrams/colors6.xml><?xml version="1.0" encoding="utf-8"?>
+<dgm:colorsDef xmlns:dgm="http://schemas.openxmlformats.org/drawingml/2006/diagram" xmlns:a="http://schemas.openxmlformats.org/drawingml/2006/main" uniqueId="urn:microsoft.com/office/officeart/2005/8/colors/accent1_2">
+  <dgm:title val=""/>
+  <dgm:desc val=""/>
+  <dgm:catLst>
+    <dgm:cat type="accent1" pri="11200"/>
+  </dgm:catLst>
+  <dgm:styleLbl name="node0">
+    <dgm:fillClrLst meth="repeat">
+      <a:schemeClr val="accent1"/>
+    </dgm:fillClrLst>
+    <dgm:linClrLst meth="repeat">
+      <a:schemeClr val="lt1"/>
+    </dgm:linClrLst>
+    <dgm:effectClrLst/>
+    <dgm:txLinClrLst/>
+    <dgm:txFillClrLst/>
+    <dgm:txEffectClrLst/>
+  </dgm:styleLbl>
+  <dgm:styleLbl name="alignNode1">
+    <dgm:fillClrLst meth="repeat">
+      <a:schemeClr val="accent1"/>
+    </dgm:fillClrLst>
+    <dgm:linClrLst meth="repeat">
+      <a:schemeClr val="accent1"/>
+    </dgm:linClrLst>
+    <dgm:effectClrLst/>
+    <dgm:txLinClrLst/>
+    <dgm:txFillClrLst/>
+    <dgm:txEffectClrLst/>
+  </dgm:styleLbl>
+  <dgm:styleLbl name="node1">
+    <dgm:fillClrLst meth="repeat">
+      <a:schemeClr val="accent1"/>
+    </dgm:fillClrLst>
+    <dgm:linClrLst meth="repeat">
+      <a:schemeClr val="lt1"/>
+    </dgm:linClrLst>
+    <dgm:effectClrLst/>
+    <dgm:txLinClrLst/>
+    <dgm:txFillClrLst/>
+    <dgm:txEffectClrLst/>
+  </dgm:styleLbl>
+  <dgm:styleLbl name="lnNode1">
+    <dgm:fillClrLst meth="repeat">
+      <a:schemeClr val="accent1"/>
+    </dgm:fillClrLst>
+    <dgm:linClrLst meth="repeat">
+      <a:schemeClr val="lt1"/>
+    </dgm:linClrLst>
+    <dgm:effectClrLst/>
+    <dgm:txLinClrLst/>
+    <dgm:txFillClrLst/>
+    <dgm:txEffectClrLst/>
+  </dgm:styleLbl>
+  <dgm:styleLbl name="vennNode1">
+    <dgm:fillClrLst meth="repeat">
+      <a:schemeClr val="accent1">
+        <a:alpha val="50000"/>
+      </a:schemeClr>
+    </dgm:fillClrLst>
+    <dgm:linClrLst meth="repeat">
+      <a:schemeClr val="lt1"/>
+    </dgm:linClrLst>
+    <dgm:effectClrLst/>
+    <dgm:txLinClrLst/>
+    <dgm:txFillClrLst/>
+    <dgm:txEffectClrLst/>
+  </dgm:styleLbl>
+  <dgm:styleLbl name="node2">
+    <dgm:fillClrLst meth="repeat">
+      <a:schemeClr val="accent1"/>
+    </dgm:fillClrLst>
+    <dgm:linClrLst meth="repeat">
+      <a:schemeClr val="lt1"/>
+    </dgm:linClrLst>
+    <dgm:effectClrLst/>
+    <dgm:txLinClrLst/>
+    <dgm:txFillClrLst/>
+    <dgm:txEffectClrLst/>
+  </dgm:styleLbl>
+  <dgm:styleLbl name="node3">
+    <dgm:fillClrLst meth="repeat">
+      <a:schemeClr val="accent1"/>
+    </dgm:fillClrLst>
+    <dgm:linClrLst meth="repeat">
+      <a:schemeClr val="lt1"/>
+    </dgm:linClrLst>
+    <dgm:effectClrLst/>
+    <dgm:txLinClrLst/>
+    <dgm:txFillClrLst/>
+    <dgm:txEffectClrLst/>
+  </dgm:styleLbl>
+  <dgm:styleLbl name="node4">
+    <dgm:fillClrLst meth="repeat">
+      <a:schemeClr val="accent1"/>
+    </dgm:fillClrLst>
+    <dgm:linClrLst meth="repeat">
+      <a:schemeClr val="lt1"/>
+    </dgm:linClrLst>
+    <dgm:effectClrLst/>
+    <dgm:txLinClrLst/>
+    <dgm:txFillClrLst/>
+    <dgm:txEffectClrLst/>
+  </dgm:styleLbl>
+  <dgm:styleLbl name="fgImgPlace1">
+    <dgm:fillClrLst meth="repeat">
+      <a:schemeClr val="accent1">
+        <a:tint val="50000"/>
+      </a:schemeClr>
+    </dgm:fillClrLst>
+    <dgm:linClrLst meth="repeat">
+      <a:schemeClr val="lt1"/>
+    </dgm:linClrLst>
+    <dgm:effectClrLst/>
+    <dgm:txLinClrLst/>
+    <dgm:txFillClrLst meth="repeat">
+      <a:schemeClr val="lt1"/>
+    </dgm:txFillClrLst>
+    <dgm:txEffectClrLst/>
+  </dgm:styleLbl>
+  <dgm:styleLbl name="alignImgPlace1">
+    <dgm:fillClrLst meth="repeat">
+      <a:schemeClr val="accent1">
+        <a:tint val="50000"/>
+      </a:schemeClr>
+    </dgm:fillClrLst>
+    <dgm:linClrLst meth="repeat">
+      <a:schemeClr val="lt1"/>
+    </dgm:linClrLst>
+    <dgm:effectClrLst/>
+    <dgm:txLinClrLst/>
+    <dgm:txFillClrLst meth="repeat">
+      <a:schemeClr val="lt1"/>
+    </dgm:txFillClrLst>
+    <dgm:txEffectClrLst/>
+  </dgm:styleLbl>
+  <dgm:styleLbl name="bgImgPlace1">
+    <dgm:fillClrLst meth="repeat">
+      <a:schemeClr val="accent1">
+        <a:tint val="50000"/>
+      </a:schemeClr>
+    </dgm:fillClrLst>
+    <dgm:linClrLst meth="repeat">
+      <a:schemeClr val="lt1"/>
+    </dgm:linClrLst>
+    <dgm:effectClrLst/>
+    <dgm:txLinClrLst/>
+    <dgm:txFillClrLst meth="repeat">
+      <a:schemeClr val="lt1"/>
+    </dgm:txFillClrLst>
+    <dgm:txEffectClrLst/>
+  </dgm:styleLbl>
+  <dgm:styleLbl name="sibTrans2D1">
+    <dgm:fillClrLst meth="repeat">
+      <a:schemeClr val="accent1">
+        <a:tint val="60000"/>
+      </a:schemeClr>
+    </dgm:fillClrLst>
+    <dgm:linClrLst meth="repeat">
+      <a:schemeClr val="accent1">
+        <a:tint val="60000"/>
+      </a:schemeClr>
+    </dgm:linClrLst>
+    <dgm:effectClrLst/>
+    <dgm:txLinClrLst/>
+    <dgm:txFillClrLst/>
+    <dgm:txEffectClrLst/>
+  </dgm:styleLbl>
+  <dgm:styleLbl name="fgSibTrans2D1">
+    <dgm:fillClrLst meth="repeat">
+      <a:schemeClr val="accent1">
+        <a:tint val="60000"/>
+      </a:schemeClr>
+    </dgm:fillClrLst>
+    <dgm:linClrLst meth="repeat">
+      <a:schemeClr val="accent1">
+        <a:tint val="60000"/>
+      </a:schemeClr>
+    </dgm:linClrLst>
+    <dgm:effectClrLst/>
+    <dgm:txLinClrLst/>
+    <dgm:txFillClrLst/>
+    <dgm:txEffectClrLst/>
+  </dgm:styleLbl>
+  <dgm:styleLbl name="bgSibTrans2D1">
+    <dgm:fillClrLst meth="repeat">
+      <a:schemeClr val="accent1">
+        <a:tint val="60000"/>
+      </a:schemeClr>
+    </dgm:fillClrLst>
+    <dgm:linClrLst meth="repeat">
+      <a:schemeClr val="accent1">
+        <a:tint val="60000"/>
+      </a:schemeClr>
+    </dgm:linClrLst>
+    <dgm:effectClrLst/>
+    <dgm:txLinClrLst/>
+    <dgm:txFillClrLst/>
+    <dgm:txEffectClrLst/>
+  </dgm:styleLbl>
+  <dgm:styleLbl name="sibTrans1D1">
+    <dgm:fillClrLst meth="repeat">
+      <a:schemeClr val="accent1"/>
+    </dgm:fillClrLst>
+    <dgm:linClrLst meth="repeat">
+      <a:schemeClr val="accent1"/>
+    </dgm:linClrLst>
+    <dgm:effectClrLst/>
+    <dgm:txLinClrLst/>
+    <dgm:txFillClrLst meth="repeat">
+      <a:schemeClr val="tx1"/>
+    </dgm:txFillClrLst>
+    <dgm:txEffectClrLst/>
+  </dgm:styleLbl>
+  <dgm:styleLbl name="callout">
+    <dgm:fillClrLst meth="repeat">
+      <a:schemeClr val="accent1"/>
+    </dgm:fillClrLst>
+    <dgm:linClrLst meth="repeat">
+      <a:schemeClr val="accent1">
+        <a:tint val="50000"/>
+      </a:schemeClr>
+    </dgm:linClrLst>
+    <dgm:effectClrLst/>
+    <dgm:txLinClrLst/>
+    <dgm:txFillClrLst meth="repeat">
+      <a:schemeClr val="tx1"/>
+    </dgm:txFillClrLst>
+    <dgm:txEffectClrLst/>
+  </dgm:styleLbl>
+  <dgm:styleLbl name="asst0">
+    <dgm:fillClrLst meth="repeat">
+      <a:schemeClr val="accent1"/>
+    </dgm:fillClrLst>
+    <dgm:linClrLst meth="repeat">
+      <a:schemeClr val="lt1"/>
+    </dgm:linClrLst>
+    <dgm:effectClrLst/>
+    <dgm:txLinClrLst/>
+    <dgm:txFillClrLst/>
+    <dgm:txEffectClrLst/>
+  </dgm:styleLbl>
+  <dgm:styleLbl name="asst1">
+    <dgm:fillClrLst meth="repeat">
+      <a:schemeClr val="accent1"/>
+    </dgm:fillClrLst>
+    <dgm:linClrLst meth="repeat">
+      <a:schemeClr val="lt1"/>
+    </dgm:linClrLst>
+    <dgm:effectClrLst/>
+    <dgm:txLinClrLst/>
+    <dgm:txFillClrLst/>
+    <dgm:txEffectClrLst/>
+  </dgm:styleLbl>
+  <dgm:styleLbl name="asst2">
+    <dgm:fillClrLst meth="repeat">
+      <a:schemeClr val="accent1"/>
+    </dgm:fillClrLst>
+    <dgm:linClrLst meth="repeat">
+      <a:schemeClr val="lt1"/>
+    </dgm:linClrLst>
+    <dgm:effectClrLst/>
+    <dgm:txLinClrLst/>
+    <dgm:txFillClrLst/>
+    <dgm:txEffectClrLst/>
+  </dgm:styleLbl>
+  <dgm:styleLbl name="asst3">
+    <dgm:fillClrLst meth="repeat">
+      <a:schemeClr val="accent1"/>
+    </dgm:fillClrLst>
+    <dgm:linClrLst meth="repeat">
+      <a:schemeClr val="lt1"/>
+    </dgm:linClrLst>
+    <dgm:effectClrLst/>
+    <dgm:txLinClrLst/>
+    <dgm:txFillClrLst/>
+    <dgm:txEffectClrLst/>
+  </dgm:styleLbl>
+  <dgm:styleLbl name="asst4">
+    <dgm:fillClrLst meth="repeat">
+      <a:schemeClr val="accent1"/>
+    </dgm:fillClrLst>
+    <dgm:linClrLst meth="repeat">
+      <a:schemeClr val="lt1"/>
+    </dgm:linClrLst>
+    <dgm:effectClrLst/>
+    <dgm:txLinClrLst/>
+    <dgm:txFillClrLst/>
+    <dgm:txEffectClrLst/>
+  </dgm:styleLbl>
+  <dgm:styleLbl name="parChTrans2D1">
+    <dgm:fillClrLst meth="repeat">
+      <a:schemeClr val="accent1">
+        <a:tint val="60000"/>
+      </a:schemeClr>
+    </dgm:fillClrLst>
+    <dgm:linClrLst meth="repeat">
+      <a:schemeClr val="accent1">
+        <a:tint val="60000"/>
+      </a:schemeClr>
+    </dgm:linClrLst>
+    <dgm:effectClrLst/>
+    <dgm:txLinClrLst/>
+    <dgm:txFillClrLst meth="repeat">
+      <a:schemeClr val="lt1"/>
+    </dgm:txFillClrLst>
+    <dgm:txEffectClrLst/>
+  </dgm:styleLbl>
+  <dgm:styleLbl name="parChTrans2D2">
+    <dgm:fillClrLst meth="repeat">
+      <a:schemeClr val="accent1"/>
+    </dgm:fillClrLst>
+    <dgm:linClrLst meth="repeat">
+      <a:schemeClr val="accent1"/>
+    </dgm:linClrLst>
+    <dgm:effectClrLst/>
+    <dgm:txLinClrLst/>
+    <dgm:txFillClrLst meth="repeat">
+      <a:schemeClr val="lt1"/>
+    </dgm:txFillClrLst>
+    <dgm:txEffectClrLst/>
+  </dgm:styleLbl>
+  <dgm:styleLbl name="parChTrans2D3">
+    <dgm:fillClrLst meth="repeat">
+      <a:schemeClr val="accent1"/>
+    </dgm:fillClrLst>
+    <dgm:linClrLst meth="repeat">
+      <a:schemeClr val="accent1"/>
+    </dgm:linClrLst>
+    <dgm:effectClrLst/>
+    <dgm:txLinClrLst/>
+    <dgm:txFillClrLst meth="repeat">
+      <a:schemeClr val="lt1"/>
+    </dgm:txFillClrLst>
+    <dgm:txEffectClrLst/>
+  </dgm:styleLbl>
+  <dgm:styleLbl name="parChTrans2D4">
+    <dgm:fillClrLst meth="repeat">
+      <a:schemeClr val="accent1"/>
+    </dgm:fillClrLst>
+    <dgm:linClrLst meth="repeat">
+      <a:schemeClr val="accent1"/>
+    </dgm:linClrLst>
+    <dgm:effectClrLst/>
+    <dgm:txLinClrLst/>
+    <dgm:txFillClrLst meth="repeat">
+      <a:schemeClr val="lt1"/>
+    </dgm:txFillClrLst>
+    <dgm:txEffectClrLst/>
+  </dgm:styleLbl>
+  <dgm:styleLbl name="parChTrans1D1">
+    <dgm:fillClrLst meth="repeat">
+      <a:schemeClr val="accent1"/>
+    </dgm:fillClrLst>
+    <dgm:linClrLst meth="repeat">
+      <a:schemeClr val="accent1">
+        <a:shade val="60000"/>
+      </a:schemeClr>
+    </dgm:linClrLst>
+    <dgm:effectClrLst/>
+    <dgm:txLinClrLst/>
+    <dgm:txFillClrLst meth="repeat">
+      <a:schemeClr val="tx1"/>
+    </dgm:txFillClrLst>
+    <dgm:txEffectClrLst/>
+  </dgm:styleLbl>
+  <dgm:styleLbl name="parChTrans1D2">
+    <dgm:fillClrLst meth="repeat">
+      <a:schemeClr val="accent1"/>
+    </dgm:fillClrLst>
+    <dgm:linClrLst meth="repeat">
+      <a:schemeClr val="accent1">
+        <a:shade val="60000"/>
+      </a:schemeClr>
+    </dgm:linClrLst>
+    <dgm:effectClrLst/>
+    <dgm:txLinClrLst/>
+    <dgm:txFillClrLst meth="repeat">
+      <a:schemeClr val="tx1"/>
+    </dgm:txFillClrLst>
+    <dgm:txEffectClrLst/>
+  </dgm:styleLbl>
+  <dgm:styleLbl name="parChTrans1D3">
+    <dgm:fillClrLst meth="repeat">
+      <a:schemeClr val="accent1"/>
+    </dgm:fillClrLst>
+    <dgm:linClrLst meth="repeat">
+      <a:schemeClr val="accent1">
+        <a:shade val="80000"/>
+      </a:schemeClr>
+    </dgm:linClrLst>
+    <dgm:effectClrLst/>
+    <dgm:txLinClrLst/>
+    <dgm:txFillClrLst meth="repeat">
+      <a:schemeClr val="tx1"/>
+    </dgm:txFillClrLst>
+    <dgm:txEffectClrLst/>
+  </dgm:styleLbl>
+  <dgm:styleLbl name="parChTrans1D4">
+    <dgm:fillClrLst meth="repeat">
+      <a:schemeClr val="accent1"/>
+    </dgm:fillClrLst>
+    <dgm:linClrLst meth="repeat">
+      <a:schemeClr val="accent1">
+        <a:shade val="80000"/>
+      </a:schemeClr>
+    </dgm:linClrLst>
+    <dgm:effectClrLst/>
+    <dgm:txLinClrLst/>
+    <dgm:txFillClrLst meth="repeat">
+      <a:schemeClr val="tx1"/>
+    </dgm:txFillClrLst>
+    <dgm:txEffectClrLst/>
+  </dgm:styleLbl>
+  <dgm:styleLbl name="fgAcc1">
+    <dgm:fillClrLst meth="repeat">
+      <a:schemeClr val="lt1">
+        <a:alpha val="90000"/>
+      </a:schemeClr>
+    </dgm:fillClrLst>
+    <dgm:linClrLst meth="repeat">
+      <a:schemeClr val="accent1"/>
+    </dgm:linClrLst>
+    <dgm:effectClrLst/>
+    <dgm:txLinClrLst/>
+    <dgm:txFillClrLst meth="repeat">
+      <a:schemeClr val="dk1"/>
+    </dgm:txFillClrLst>
+    <dgm:txEffectClrLst/>
+  </dgm:styleLbl>
+  <dgm:styleLbl name="conFgAcc1">
+    <dgm:fillClrLst meth="repeat">
+      <a:schemeClr val="lt1">
+        <a:alpha val="90000"/>
+      </a:schemeClr>
+    </dgm:fillClrLst>
+    <dgm:linClrLst meth="repeat">
+      <a:schemeClr val="accent1"/>
+    </dgm:linClrLst>
+    <dgm:effectClrLst/>
+    <dgm:txLinClrLst/>
+    <dgm:txFillClrLst meth="repeat">
+      <a:schemeClr val="dk1"/>
+    </dgm:txFillClrLst>
+    <dgm:txEffectClrLst/>
+  </dgm:styleLbl>
+  <dgm:styleLbl name="alignAcc1">
+    <dgm:fillClrLst meth="repeat">
+      <a:schemeClr val="lt1">
+        <a:alpha val="90000"/>
+      </a:schemeClr>
+    </dgm:fillClrLst>
+    <dgm:linClrLst meth="repeat">
+      <a:schemeClr val="accent1"/>
+    </dgm:linClrLst>
+    <dgm:effectClrLst/>
+    <dgm:txLinClrLst/>
+    <dgm:txFillClrLst meth="repeat">
+      <a:schemeClr val="dk1"/>
+    </dgm:txFillClrLst>
+    <dgm:txEffectClrLst/>
+  </dgm:styleLbl>
+  <dgm:styleLbl name="trAlignAcc1">
+    <dgm:fillClrLst meth="repeat">
+      <a:schemeClr val="lt1">
+        <a:alpha val="40000"/>
+      </a:schemeClr>
+    </dgm:fillClrLst>
+    <dgm:linClrLst meth="repeat">
+      <a:schemeClr val="accent1"/>
+    </dgm:linClrLst>
+    <dgm:effectClrLst/>
+    <dgm:txLinClrLst/>
+    <dgm:txFillClrLst meth="repeat">
+      <a:schemeClr val="dk1"/>
+    </dgm:txFillClrLst>
+    <dgm:txEffectClrLst/>
+  </dgm:styleLbl>
+  <dgm:styleLbl name="bgAcc1">
+    <dgm:fillClrLst meth="repeat">
+      <a:schemeClr val="lt1">
+        <a:alpha val="90000"/>
+      </a:schemeClr>
+    </dgm:fillClrLst>
+    <dgm:linClrLst meth="repeat">
+      <a:schemeClr val="accent1"/>
+    </dgm:linClrLst>
+    <dgm:effectClrLst/>
+    <dgm:txLinClrLst/>
+    <dgm:txFillClrLst meth="repeat">
+      <a:schemeClr val="dk1"/>
+    </dgm:txFillClrLst>
+    <dgm:txEffectClrLst/>
+  </dgm:styleLbl>
+  <dgm:styleLbl name="solidFgAcc1">
+    <dgm:fillClrLst meth="repeat">
+      <a:schemeClr val="lt1"/>
+    </dgm:fillClrLst>
+    <dgm:linClrLst meth="repeat">
+      <a:schemeClr val="accent1"/>
+    </dgm:linClrLst>
+    <dgm:effectClrLst/>
+    <dgm:txLinClrLst/>
+    <dgm:txFillClrLst meth="repeat">
+      <a:schemeClr val="dk1"/>
+    </dgm:txFillClrLst>
+    <dgm:txEffectClrLst/>
+  </dgm:styleLbl>
+  <dgm:styleLbl name="solidAlignAcc1">
+    <dgm:fillClrLst meth="repeat">
+      <a:schemeClr val="lt1"/>
+    </dgm:fillClrLst>
+    <dgm:linClrLst meth="repeat">
+      <a:schemeClr val="accent1"/>
+    </dgm:linClrLst>
+    <dgm:effectClrLst/>
+    <dgm:txLinClrLst/>
+    <dgm:txFillClrLst meth="repeat">
+      <a:schemeClr val="dk1"/>
+    </dgm:txFillClrLst>
+    <dgm:txEffectClrLst/>
+  </dgm:styleLbl>
+  <dgm:styleLbl name="solidBgAcc1">
+    <dgm:fillClrLst meth="repeat">
+      <a:schemeClr val="lt1"/>
+    </dgm:fillClrLst>
+    <dgm:linClrLst meth="repeat">
+      <a:schemeClr val="accent1"/>
+    </dgm:linClrLst>
+    <dgm:effectClrLst/>
+    <dgm:txLinClrLst/>
+    <dgm:txFillClrLst meth="repeat">
+      <a:schemeClr val="dk1"/>
+    </dgm:txFillClrLst>
+    <dgm:txEffectClrLst/>
+  </dgm:styleLbl>
+  <dgm:styleLbl name="fgAccFollowNode1">
+    <dgm:fillClrLst meth="repeat">
+      <a:schemeClr val="accent1">
+        <a:alpha val="90000"/>
+        <a:tint val="40000"/>
+      </a:schemeClr>
+    </dgm:fillClrLst>
+    <dgm:linClrLst meth="repeat">
+      <a:schemeClr val="accent1">
+        <a:alpha val="90000"/>
+        <a:tint val="40000"/>
+      </a:schemeClr>
+    </dgm:linClrLst>
+    <dgm:effectClrLst/>
+    <dgm:txLinClrLst/>
+    <dgm:txFillClrLst meth="repeat">
+      <a:schemeClr val="dk1"/>
+    </dgm:txFillClrLst>
+    <dgm:txEffectClrLst/>
+  </dgm:styleLbl>
+  <dgm:styleLbl name="alignAccFollowNode1">
+    <dgm:fillClrLst meth="repeat">
+      <a:schemeClr val="accent1">
+        <a:alpha val="90000"/>
+        <a:tint val="40000"/>
+      </a:schemeClr>
+    </dgm:fillClrLst>
+    <dgm:linClrLst meth="repeat">
+      <a:schemeClr val="accent1">
+        <a:alpha val="90000"/>
+        <a:tint val="40000"/>
+      </a:schemeClr>
+    </dgm:linClrLst>
+    <dgm:effectClrLst/>
+    <dgm:txLinClrLst/>
+    <dgm:txFillClrLst meth="repeat">
+      <a:schemeClr val="dk1"/>
+    </dgm:txFillClrLst>
+    <dgm:txEffectClrLst/>
+  </dgm:styleLbl>
+  <dgm:styleLbl name="bgAccFollowNode1">
+    <dgm:fillClrLst meth="repeat">
+      <a:schemeClr val="accent1">
+        <a:alpha val="90000"/>
+        <a:tint val="40000"/>
+      </a:schemeClr>
+    </dgm:fillClrLst>
+    <dgm:linClrLst meth="repeat">
+      <a:schemeClr val="accent1">
+        <a:alpha val="90000"/>
+        <a:tint val="40000"/>
+      </a:schemeClr>
+    </dgm:linClrLst>
+    <dgm:effectClrLst/>
+    <dgm:txLinClrLst/>
+    <dgm:txFillClrLst meth="repeat">
+      <a:schemeClr val="dk1"/>
+    </dgm:txFillClrLst>
+    <dgm:txEffectClrLst/>
+  </dgm:styleLbl>
+  <dgm:styleLbl name="fgAcc0">
+    <dgm:fillClrLst meth="repeat">
+      <a:schemeClr val="lt1">
+        <a:alpha val="90000"/>
+      </a:schemeClr>
+    </dgm:fillClrLst>
+    <dgm:linClrLst meth="repeat">
+      <a:schemeClr val="accent1"/>
+    </dgm:linClrLst>
+    <dgm:effectClrLst/>
+    <dgm:txLinClrLst/>
+    <dgm:txFillClrLst meth="repeat">
+      <a:schemeClr val="dk1"/>
+    </dgm:txFillClrLst>
+    <dgm:txEffectClrLst/>
+  </dgm:styleLbl>
+  <dgm:styleLbl name="fgAcc2">
+    <dgm:fillClrLst meth="repeat">
+      <a:schemeClr val="lt1">
+        <a:alpha val="90000"/>
+      </a:schemeClr>
+    </dgm:fillClrLst>
+    <dgm:linClrLst meth="repeat">
+      <a:schemeClr val="accent1"/>
+    </dgm:linClrLst>
+    <dgm:effectClrLst/>
+    <dgm:txLinClrLst/>
+    <dgm:txFillClrLst meth="repeat">
+      <a:schemeClr val="dk1"/>
+    </dgm:txFillClrLst>
+    <dgm:txEffectClrLst/>
+  </dgm:styleLbl>
+  <dgm:styleLbl name="fgAcc3">
+    <dgm:fillClrLst meth="repeat">
+      <a:schemeClr val="lt1">
+        <a:alpha val="90000"/>
+      </a:schemeClr>
+    </dgm:fillClrLst>
+    <dgm:linClrLst meth="repeat">
+      <a:schemeClr val="accent1"/>
+    </dgm:linClrLst>
+    <dgm:effectClrLst/>
+    <dgm:txLinClrLst/>
+    <dgm:txFillClrLst meth="repeat">
+      <a:schemeClr val="dk1"/>
+    </dgm:txFillClrLst>
+    <dgm:txEffectClrLst/>
+  </dgm:styleLbl>
+  <dgm:styleLbl name="fgAcc4">
+    <dgm:fillClrLst meth="repeat">
+      <a:schemeClr val="lt1">
+        <a:alpha val="90000"/>
+      </a:schemeClr>
+    </dgm:fillClrLst>
+    <dgm:linClrLst meth="repeat">
+      <a:schemeClr val="accent1"/>
+    </dgm:linClrLst>
+    <dgm:effectClrLst/>
+    <dgm:txLinClrLst/>
+    <dgm:txFillClrLst meth="repeat">
+      <a:schemeClr val="dk1"/>
+    </dgm:txFillClrLst>
+    <dgm:txEffectClrLst/>
+  </dgm:styleLbl>
+  <dgm:styleLbl name="bgShp">
+    <dgm:fillClrLst meth="repeat">
+      <a:schemeClr val="accent1">
+        <a:tint val="40000"/>
+      </a:schemeClr>
+    </dgm:fillClrLst>
+    <dgm:linClrLst meth="repeat">
+      <a:schemeClr val="accent1"/>
+    </dgm:linClrLst>
+    <dgm:effectClrLst/>
+    <dgm:txLinClrLst/>
+    <dgm:txFillClrLst meth="repeat">
+      <a:schemeClr val="dk1"/>
+    </dgm:txFillClrLst>
+    <dgm:txEffectClrLst/>
+  </dgm:styleLbl>
+  <dgm:styleLbl name="dkBgShp">
+    <dgm:fillClrLst meth="repeat">
+      <a:schemeClr val="accent1">
+        <a:shade val="80000"/>
+      </a:schemeClr>
+    </dgm:fillClrLst>
+    <dgm:linClrLst meth="repeat">
+      <a:schemeClr val="accent1"/>
+    </dgm:linClrLst>
+    <dgm:effectClrLst/>
+    <dgm:txLinClrLst/>
+    <dgm:txFillClrLst meth="repeat">
+      <a:schemeClr val="lt1"/>
+    </dgm:txFillClrLst>
+    <dgm:txEffectClrLst/>
+  </dgm:styleLbl>
+  <dgm:styleLbl name="trBgShp">
+    <dgm:fillClrLst meth="repeat">
+      <a:schemeClr val="accent1">
+        <a:tint val="50000"/>
+        <a:alpha val="40000"/>
+      </a:schemeClr>
+    </dgm:fillClrLst>
+    <dgm:linClrLst meth="repeat">
+      <a:schemeClr val="accent1"/>
+    </dgm:linClrLst>
+    <dgm:effectClrLst/>
+    <dgm:txLinClrLst/>
+    <dgm:txFillClrLst meth="repeat">
+      <a:schemeClr val="lt1"/>
+    </dgm:txFillClrLst>
+    <dgm:txEffectClrLst/>
+  </dgm:styleLbl>
+  <dgm:styleLbl name="fgShp">
+    <dgm:fillClrLst meth="repeat">
+      <a:schemeClr val="accent1">
+        <a:tint val="60000"/>
+      </a:schemeClr>
+    </dgm:fillClrLst>
+    <dgm:linClrLst meth="repeat">
+      <a:schemeClr val="lt1"/>
+    </dgm:linClrLst>
+    <dgm:effectClrLst/>
+    <dgm:txLinClrLst/>
+    <dgm:txFillClrLst meth="repeat">
+      <a:schemeClr val="dk1"/>
+    </dgm:txFillClrLst>
+    <dgm:txEffectClrLst/>
+  </dgm:styleLbl>
+  <dgm:styleLbl name="revTx">
+    <dgm:fillClrLst meth="repeat">
+      <a:schemeClr val="lt1">
+        <a:alpha val="0"/>
+      </a:schemeClr>
+    </dgm:fillClrLst>
+    <dgm:linClrLst meth="repeat">
+      <a:schemeClr val="dk1">
+        <a:alpha val="0"/>
+      </a:schemeClr>
+    </dgm:linClrLst>
+    <dgm:effectClrLst/>
+    <dgm:txLinClrLst/>
+    <dgm:txFillClrLst meth="repeat">
+      <a:schemeClr val="tx1"/>
+    </dgm:txFillClrLst>
+    <dgm:txEffectClrLst/>
+  </dgm:styleLbl>
+</dgm:colorsDef>
+</file>
+
+<file path=ppt/diagrams/colors7.xml><?xml version="1.0" encoding="utf-8"?>
 <dgm:colorsDef xmlns:dgm="http://schemas.openxmlformats.org/drawingml/2006/diagram" xmlns:a="http://schemas.openxmlformats.org/drawingml/2006/main" uniqueId="urn:microsoft.com/office/officeart/2005/8/colors/accent1_2">
   <dgm:title val=""/>
   <dgm:desc val=""/>
@@ -5429,10 +6177,24 @@
           <a:avLst/>
         </a:prstGeom>
       </dgm:spPr>
+      <dgm:t>
+        <a:bodyPr/>
+        <a:lstStyle/>
+        <a:p>
+          <a:endParaRPr lang="de-DE"/>
+        </a:p>
+      </dgm:t>
     </dgm:pt>
     <dgm:pt modelId="{B2BA0E98-7C6C-40B6-9FD3-87AA3925BD64}" type="pres">
       <dgm:prSet presAssocID="{A527273E-42AD-4A7E-9118-681D249AAD73}" presName="connectorText" presStyleLbl="sibTrans2D1" presStyleIdx="0" presStyleCnt="2"/>
       <dgm:spPr/>
+      <dgm:t>
+        <a:bodyPr/>
+        <a:lstStyle/>
+        <a:p>
+          <a:endParaRPr lang="de-DE"/>
+        </a:p>
+      </dgm:t>
     </dgm:pt>
     <dgm:pt modelId="{E8BCA89B-82EF-454C-A0E7-B837F80BA303}" type="pres">
       <dgm:prSet presAssocID="{A318569D-831F-470B-BAB3-812FDEF6021C}" presName="node" presStyleLbl="node1" presStyleIdx="1" presStyleCnt="3" custScaleX="588546" custScaleY="173939" custLinFactX="-622898" custLinFactY="-95866" custLinFactNeighborX="-700000" custLinFactNeighborY="-100000">
@@ -5456,10 +6218,24 @@
           <a:avLst/>
         </a:prstGeom>
       </dgm:spPr>
+      <dgm:t>
+        <a:bodyPr/>
+        <a:lstStyle/>
+        <a:p>
+          <a:endParaRPr lang="de-DE"/>
+        </a:p>
+      </dgm:t>
     </dgm:pt>
     <dgm:pt modelId="{27B7C9CE-26AB-4571-86BA-ECA985312961}" type="pres">
       <dgm:prSet presAssocID="{3F0594E2-D046-43E1-9F3E-DBD92EDB6E36}" presName="connectorText" presStyleLbl="sibTrans2D1" presStyleIdx="1" presStyleCnt="2"/>
       <dgm:spPr/>
+      <dgm:t>
+        <a:bodyPr/>
+        <a:lstStyle/>
+        <a:p>
+          <a:endParaRPr lang="de-DE"/>
+        </a:p>
+      </dgm:t>
     </dgm:pt>
     <dgm:pt modelId="{0A97FDCC-82E7-41C1-8687-6E35D8D163B5}" type="pres">
       <dgm:prSet presAssocID="{CA8E837B-E8D6-4AE8-AD5F-4841D7D0B680}" presName="node" presStyleLbl="node1" presStyleIdx="2" presStyleCnt="3" custFlipHor="1" custScaleX="544853" custScaleY="173564" custLinFactX="-442891" custLinFactY="-94885" custLinFactNeighborX="-500000" custLinFactNeighborY="-100000">
@@ -5478,17 +6254,17 @@
     </dgm:pt>
   </dgm:ptLst>
   <dgm:cxnLst>
+    <dgm:cxn modelId="{0CCAD3E5-FF5D-45A0-975B-6E469D45BBC6}" type="presOf" srcId="{3F0594E2-D046-43E1-9F3E-DBD92EDB6E36}" destId="{27B7C9CE-26AB-4571-86BA-ECA985312961}" srcOrd="1" destOrd="0" presId="urn:microsoft.com/office/officeart/2005/8/layout/process1"/>
+    <dgm:cxn modelId="{264AB117-5DFC-4A66-A0E4-F3911B2C8785}" type="presOf" srcId="{CA8E837B-E8D6-4AE8-AD5F-4841D7D0B680}" destId="{0A97FDCC-82E7-41C1-8687-6E35D8D163B5}" srcOrd="0" destOrd="0" presId="urn:microsoft.com/office/officeart/2005/8/layout/process1"/>
+    <dgm:cxn modelId="{EF393ADA-FABC-4583-ABC7-C1B2DDDD653F}" srcId="{18FAC1E6-C5CF-47A9-A33D-7A31614049C3}" destId="{A318569D-831F-470B-BAB3-812FDEF6021C}" srcOrd="1" destOrd="0" parTransId="{8826AA37-B320-459A-9CB7-4702B2FCA6AB}" sibTransId="{3F0594E2-D046-43E1-9F3E-DBD92EDB6E36}"/>
+    <dgm:cxn modelId="{C6B31597-0CAD-4966-8DC4-A22B00504BC3}" type="presOf" srcId="{A527273E-42AD-4A7E-9118-681D249AAD73}" destId="{4C95733D-4436-4872-BCF3-0568E5C31ABB}" srcOrd="0" destOrd="0" presId="urn:microsoft.com/office/officeart/2005/8/layout/process1"/>
     <dgm:cxn modelId="{340E2F05-7DF1-4481-95F1-BF9A7DA02E81}" type="presOf" srcId="{3F0594E2-D046-43E1-9F3E-DBD92EDB6E36}" destId="{0751CB5F-0CAD-43C2-8096-ACF69257E054}" srcOrd="0" destOrd="0" presId="urn:microsoft.com/office/officeart/2005/8/layout/process1"/>
+    <dgm:cxn modelId="{6DD379D1-9475-4531-AA76-EA3E25E59E60}" type="presOf" srcId="{A318569D-831F-470B-BAB3-812FDEF6021C}" destId="{E8BCA89B-82EF-454C-A0E7-B837F80BA303}" srcOrd="0" destOrd="0" presId="urn:microsoft.com/office/officeart/2005/8/layout/process1"/>
+    <dgm:cxn modelId="{8ED55531-9D3C-4EE7-B456-6ABC1E0A755B}" srcId="{18FAC1E6-C5CF-47A9-A33D-7A31614049C3}" destId="{CA8E837B-E8D6-4AE8-AD5F-4841D7D0B680}" srcOrd="2" destOrd="0" parTransId="{6E22C970-CFE9-4898-8D2C-85BAA3176A23}" sibTransId="{A015E625-CD17-4FE2-B14B-3E04B8D1F675}"/>
+    <dgm:cxn modelId="{0B0E357A-6666-42FB-8742-806AE604CED9}" type="presOf" srcId="{18FAC1E6-C5CF-47A9-A33D-7A31614049C3}" destId="{56F983B9-4FEA-4137-92B0-30EDC00631CB}" srcOrd="0" destOrd="0" presId="urn:microsoft.com/office/officeart/2005/8/layout/process1"/>
+    <dgm:cxn modelId="{4CC92DE0-1A55-4FEC-881B-726D2E69314A}" srcId="{18FAC1E6-C5CF-47A9-A33D-7A31614049C3}" destId="{0721BB28-D2F8-4DC7-B464-6055BEE33A3F}" srcOrd="0" destOrd="0" parTransId="{D03F987D-83BC-4A17-9F07-0ADA42CCE944}" sibTransId="{A527273E-42AD-4A7E-9118-681D249AAD73}"/>
     <dgm:cxn modelId="{A4BB0589-8721-44EA-B3C8-976F63583787}" type="presOf" srcId="{A527273E-42AD-4A7E-9118-681D249AAD73}" destId="{B2BA0E98-7C6C-40B6-9FD3-87AA3925BD64}" srcOrd="1" destOrd="0" presId="urn:microsoft.com/office/officeart/2005/8/layout/process1"/>
-    <dgm:cxn modelId="{264AB117-5DFC-4A66-A0E4-F3911B2C8785}" type="presOf" srcId="{CA8E837B-E8D6-4AE8-AD5F-4841D7D0B680}" destId="{0A97FDCC-82E7-41C1-8687-6E35D8D163B5}" srcOrd="0" destOrd="0" presId="urn:microsoft.com/office/officeart/2005/8/layout/process1"/>
-    <dgm:cxn modelId="{6DD379D1-9475-4531-AA76-EA3E25E59E60}" type="presOf" srcId="{A318569D-831F-470B-BAB3-812FDEF6021C}" destId="{E8BCA89B-82EF-454C-A0E7-B837F80BA303}" srcOrd="0" destOrd="0" presId="urn:microsoft.com/office/officeart/2005/8/layout/process1"/>
-    <dgm:cxn modelId="{C6B31597-0CAD-4966-8DC4-A22B00504BC3}" type="presOf" srcId="{A527273E-42AD-4A7E-9118-681D249AAD73}" destId="{4C95733D-4436-4872-BCF3-0568E5C31ABB}" srcOrd="0" destOrd="0" presId="urn:microsoft.com/office/officeart/2005/8/layout/process1"/>
-    <dgm:cxn modelId="{EF393ADA-FABC-4583-ABC7-C1B2DDDD653F}" srcId="{18FAC1E6-C5CF-47A9-A33D-7A31614049C3}" destId="{A318569D-831F-470B-BAB3-812FDEF6021C}" srcOrd="1" destOrd="0" parTransId="{8826AA37-B320-459A-9CB7-4702B2FCA6AB}" sibTransId="{3F0594E2-D046-43E1-9F3E-DBD92EDB6E36}"/>
     <dgm:cxn modelId="{C23D5F49-1A39-401D-B73E-C08116D9E55C}" type="presOf" srcId="{0721BB28-D2F8-4DC7-B464-6055BEE33A3F}" destId="{D45BCB76-F478-47EA-B0E1-6BFA6F2C3A14}" srcOrd="0" destOrd="0" presId="urn:microsoft.com/office/officeart/2005/8/layout/process1"/>
-    <dgm:cxn modelId="{8ED55531-9D3C-4EE7-B456-6ABC1E0A755B}" srcId="{18FAC1E6-C5CF-47A9-A33D-7A31614049C3}" destId="{CA8E837B-E8D6-4AE8-AD5F-4841D7D0B680}" srcOrd="2" destOrd="0" parTransId="{6E22C970-CFE9-4898-8D2C-85BAA3176A23}" sibTransId="{A015E625-CD17-4FE2-B14B-3E04B8D1F675}"/>
-    <dgm:cxn modelId="{4CC92DE0-1A55-4FEC-881B-726D2E69314A}" srcId="{18FAC1E6-C5CF-47A9-A33D-7A31614049C3}" destId="{0721BB28-D2F8-4DC7-B464-6055BEE33A3F}" srcOrd="0" destOrd="0" parTransId="{D03F987D-83BC-4A17-9F07-0ADA42CCE944}" sibTransId="{A527273E-42AD-4A7E-9118-681D249AAD73}"/>
-    <dgm:cxn modelId="{0B0E357A-6666-42FB-8742-806AE604CED9}" type="presOf" srcId="{18FAC1E6-C5CF-47A9-A33D-7A31614049C3}" destId="{56F983B9-4FEA-4137-92B0-30EDC00631CB}" srcOrd="0" destOrd="0" presId="urn:microsoft.com/office/officeart/2005/8/layout/process1"/>
-    <dgm:cxn modelId="{0CCAD3E5-FF5D-45A0-975B-6E469D45BBC6}" type="presOf" srcId="{3F0594E2-D046-43E1-9F3E-DBD92EDB6E36}" destId="{27B7C9CE-26AB-4571-86BA-ECA985312961}" srcOrd="1" destOrd="0" presId="urn:microsoft.com/office/officeart/2005/8/layout/process1"/>
     <dgm:cxn modelId="{54DC4E8E-AA11-4BFB-AE93-1699703B2714}" type="presParOf" srcId="{56F983B9-4FEA-4137-92B0-30EDC00631CB}" destId="{D45BCB76-F478-47EA-B0E1-6BFA6F2C3A14}" srcOrd="0" destOrd="0" presId="urn:microsoft.com/office/officeart/2005/8/layout/process1"/>
     <dgm:cxn modelId="{FFE567AD-DE1F-4EB9-9190-5CF830884D6F}" type="presParOf" srcId="{56F983B9-4FEA-4137-92B0-30EDC00631CB}" destId="{4C95733D-4436-4872-BCF3-0568E5C31ABB}" srcOrd="1" destOrd="0" presId="urn:microsoft.com/office/officeart/2005/8/layout/process1"/>
     <dgm:cxn modelId="{AF1A73D0-C4DA-4458-9CD0-E23E936DD342}" type="presParOf" srcId="{4C95733D-4436-4872-BCF3-0568E5C31ABB}" destId="{B2BA0E98-7C6C-40B6-9FD3-87AA3925BD64}" srcOrd="0" destOrd="0" presId="urn:microsoft.com/office/officeart/2005/8/layout/process1"/>
@@ -5688,10 +6464,24 @@
           <a:avLst/>
         </a:prstGeom>
       </dgm:spPr>
+      <dgm:t>
+        <a:bodyPr/>
+        <a:lstStyle/>
+        <a:p>
+          <a:endParaRPr lang="de-DE"/>
+        </a:p>
+      </dgm:t>
     </dgm:pt>
     <dgm:pt modelId="{B2BA0E98-7C6C-40B6-9FD3-87AA3925BD64}" type="pres">
       <dgm:prSet presAssocID="{A527273E-42AD-4A7E-9118-681D249AAD73}" presName="connectorText" presStyleLbl="sibTrans2D1" presStyleIdx="0" presStyleCnt="2"/>
       <dgm:spPr/>
+      <dgm:t>
+        <a:bodyPr/>
+        <a:lstStyle/>
+        <a:p>
+          <a:endParaRPr lang="de-DE"/>
+        </a:p>
+      </dgm:t>
     </dgm:pt>
     <dgm:pt modelId="{E8BCA89B-82EF-454C-A0E7-B837F80BA303}" type="pres">
       <dgm:prSet presAssocID="{A318569D-831F-470B-BAB3-812FDEF6021C}" presName="node" presStyleLbl="node1" presStyleIdx="1" presStyleCnt="3" custScaleX="588546" custScaleY="173939" custLinFactX="-622898" custLinFactY="-95866" custLinFactNeighborX="-700000" custLinFactNeighborY="-100000">
@@ -5715,10 +6505,24 @@
           <a:avLst/>
         </a:prstGeom>
       </dgm:spPr>
+      <dgm:t>
+        <a:bodyPr/>
+        <a:lstStyle/>
+        <a:p>
+          <a:endParaRPr lang="de-DE"/>
+        </a:p>
+      </dgm:t>
     </dgm:pt>
     <dgm:pt modelId="{27B7C9CE-26AB-4571-86BA-ECA985312961}" type="pres">
       <dgm:prSet presAssocID="{3F0594E2-D046-43E1-9F3E-DBD92EDB6E36}" presName="connectorText" presStyleLbl="sibTrans2D1" presStyleIdx="1" presStyleCnt="2"/>
       <dgm:spPr/>
+      <dgm:t>
+        <a:bodyPr/>
+        <a:lstStyle/>
+        <a:p>
+          <a:endParaRPr lang="de-DE"/>
+        </a:p>
+      </dgm:t>
     </dgm:pt>
     <dgm:pt modelId="{0A97FDCC-82E7-41C1-8687-6E35D8D163B5}" type="pres">
       <dgm:prSet presAssocID="{CA8E837B-E8D6-4AE8-AD5F-4841D7D0B680}" presName="node" presStyleLbl="node1" presStyleIdx="2" presStyleCnt="3" custFlipHor="1" custScaleX="544853" custScaleY="173564" custLinFactX="-442891" custLinFactY="-94885" custLinFactNeighborX="-500000" custLinFactNeighborY="-100000">
@@ -5737,17 +6541,17 @@
     </dgm:pt>
   </dgm:ptLst>
   <dgm:cxnLst>
-    <dgm:cxn modelId="{C23D5F49-1A39-401D-B73E-C08116D9E55C}" type="presOf" srcId="{0721BB28-D2F8-4DC7-B464-6055BEE33A3F}" destId="{D45BCB76-F478-47EA-B0E1-6BFA6F2C3A14}" srcOrd="0" destOrd="0" presId="urn:microsoft.com/office/officeart/2005/8/layout/process1"/>
-    <dgm:cxn modelId="{8ED55531-9D3C-4EE7-B456-6ABC1E0A755B}" srcId="{18FAC1E6-C5CF-47A9-A33D-7A31614049C3}" destId="{CA8E837B-E8D6-4AE8-AD5F-4841D7D0B680}" srcOrd="2" destOrd="0" parTransId="{6E22C970-CFE9-4898-8D2C-85BAA3176A23}" sibTransId="{A015E625-CD17-4FE2-B14B-3E04B8D1F675}"/>
-    <dgm:cxn modelId="{A4BB0589-8721-44EA-B3C8-976F63583787}" type="presOf" srcId="{A527273E-42AD-4A7E-9118-681D249AAD73}" destId="{B2BA0E98-7C6C-40B6-9FD3-87AA3925BD64}" srcOrd="1" destOrd="0" presId="urn:microsoft.com/office/officeart/2005/8/layout/process1"/>
-    <dgm:cxn modelId="{6DD379D1-9475-4531-AA76-EA3E25E59E60}" type="presOf" srcId="{A318569D-831F-470B-BAB3-812FDEF6021C}" destId="{E8BCA89B-82EF-454C-A0E7-B837F80BA303}" srcOrd="0" destOrd="0" presId="urn:microsoft.com/office/officeart/2005/8/layout/process1"/>
-    <dgm:cxn modelId="{4CC92DE0-1A55-4FEC-881B-726D2E69314A}" srcId="{18FAC1E6-C5CF-47A9-A33D-7A31614049C3}" destId="{0721BB28-D2F8-4DC7-B464-6055BEE33A3F}" srcOrd="0" destOrd="0" parTransId="{D03F987D-83BC-4A17-9F07-0ADA42CCE944}" sibTransId="{A527273E-42AD-4A7E-9118-681D249AAD73}"/>
     <dgm:cxn modelId="{0CCAD3E5-FF5D-45A0-975B-6E469D45BBC6}" type="presOf" srcId="{3F0594E2-D046-43E1-9F3E-DBD92EDB6E36}" destId="{27B7C9CE-26AB-4571-86BA-ECA985312961}" srcOrd="1" destOrd="0" presId="urn:microsoft.com/office/officeart/2005/8/layout/process1"/>
-    <dgm:cxn modelId="{0B0E357A-6666-42FB-8742-806AE604CED9}" type="presOf" srcId="{18FAC1E6-C5CF-47A9-A33D-7A31614049C3}" destId="{56F983B9-4FEA-4137-92B0-30EDC00631CB}" srcOrd="0" destOrd="0" presId="urn:microsoft.com/office/officeart/2005/8/layout/process1"/>
     <dgm:cxn modelId="{264AB117-5DFC-4A66-A0E4-F3911B2C8785}" type="presOf" srcId="{CA8E837B-E8D6-4AE8-AD5F-4841D7D0B680}" destId="{0A97FDCC-82E7-41C1-8687-6E35D8D163B5}" srcOrd="0" destOrd="0" presId="urn:microsoft.com/office/officeart/2005/8/layout/process1"/>
+    <dgm:cxn modelId="{EF393ADA-FABC-4583-ABC7-C1B2DDDD653F}" srcId="{18FAC1E6-C5CF-47A9-A33D-7A31614049C3}" destId="{A318569D-831F-470B-BAB3-812FDEF6021C}" srcOrd="1" destOrd="0" parTransId="{8826AA37-B320-459A-9CB7-4702B2FCA6AB}" sibTransId="{3F0594E2-D046-43E1-9F3E-DBD92EDB6E36}"/>
     <dgm:cxn modelId="{C6B31597-0CAD-4966-8DC4-A22B00504BC3}" type="presOf" srcId="{A527273E-42AD-4A7E-9118-681D249AAD73}" destId="{4C95733D-4436-4872-BCF3-0568E5C31ABB}" srcOrd="0" destOrd="0" presId="urn:microsoft.com/office/officeart/2005/8/layout/process1"/>
     <dgm:cxn modelId="{340E2F05-7DF1-4481-95F1-BF9A7DA02E81}" type="presOf" srcId="{3F0594E2-D046-43E1-9F3E-DBD92EDB6E36}" destId="{0751CB5F-0CAD-43C2-8096-ACF69257E054}" srcOrd="0" destOrd="0" presId="urn:microsoft.com/office/officeart/2005/8/layout/process1"/>
-    <dgm:cxn modelId="{EF393ADA-FABC-4583-ABC7-C1B2DDDD653F}" srcId="{18FAC1E6-C5CF-47A9-A33D-7A31614049C3}" destId="{A318569D-831F-470B-BAB3-812FDEF6021C}" srcOrd="1" destOrd="0" parTransId="{8826AA37-B320-459A-9CB7-4702B2FCA6AB}" sibTransId="{3F0594E2-D046-43E1-9F3E-DBD92EDB6E36}"/>
+    <dgm:cxn modelId="{6DD379D1-9475-4531-AA76-EA3E25E59E60}" type="presOf" srcId="{A318569D-831F-470B-BAB3-812FDEF6021C}" destId="{E8BCA89B-82EF-454C-A0E7-B837F80BA303}" srcOrd="0" destOrd="0" presId="urn:microsoft.com/office/officeart/2005/8/layout/process1"/>
+    <dgm:cxn modelId="{8ED55531-9D3C-4EE7-B456-6ABC1E0A755B}" srcId="{18FAC1E6-C5CF-47A9-A33D-7A31614049C3}" destId="{CA8E837B-E8D6-4AE8-AD5F-4841D7D0B680}" srcOrd="2" destOrd="0" parTransId="{6E22C970-CFE9-4898-8D2C-85BAA3176A23}" sibTransId="{A015E625-CD17-4FE2-B14B-3E04B8D1F675}"/>
+    <dgm:cxn modelId="{0B0E357A-6666-42FB-8742-806AE604CED9}" type="presOf" srcId="{18FAC1E6-C5CF-47A9-A33D-7A31614049C3}" destId="{56F983B9-4FEA-4137-92B0-30EDC00631CB}" srcOrd="0" destOrd="0" presId="urn:microsoft.com/office/officeart/2005/8/layout/process1"/>
+    <dgm:cxn modelId="{4CC92DE0-1A55-4FEC-881B-726D2E69314A}" srcId="{18FAC1E6-C5CF-47A9-A33D-7A31614049C3}" destId="{0721BB28-D2F8-4DC7-B464-6055BEE33A3F}" srcOrd="0" destOrd="0" parTransId="{D03F987D-83BC-4A17-9F07-0ADA42CCE944}" sibTransId="{A527273E-42AD-4A7E-9118-681D249AAD73}"/>
+    <dgm:cxn modelId="{A4BB0589-8721-44EA-B3C8-976F63583787}" type="presOf" srcId="{A527273E-42AD-4A7E-9118-681D249AAD73}" destId="{B2BA0E98-7C6C-40B6-9FD3-87AA3925BD64}" srcOrd="1" destOrd="0" presId="urn:microsoft.com/office/officeart/2005/8/layout/process1"/>
+    <dgm:cxn modelId="{C23D5F49-1A39-401D-B73E-C08116D9E55C}" type="presOf" srcId="{0721BB28-D2F8-4DC7-B464-6055BEE33A3F}" destId="{D45BCB76-F478-47EA-B0E1-6BFA6F2C3A14}" srcOrd="0" destOrd="0" presId="urn:microsoft.com/office/officeart/2005/8/layout/process1"/>
     <dgm:cxn modelId="{54DC4E8E-AA11-4BFB-AE93-1699703B2714}" type="presParOf" srcId="{56F983B9-4FEA-4137-92B0-30EDC00631CB}" destId="{D45BCB76-F478-47EA-B0E1-6BFA6F2C3A14}" srcOrd="0" destOrd="0" presId="urn:microsoft.com/office/officeart/2005/8/layout/process1"/>
     <dgm:cxn modelId="{FFE567AD-DE1F-4EB9-9190-5CF830884D6F}" type="presParOf" srcId="{56F983B9-4FEA-4137-92B0-30EDC00631CB}" destId="{4C95733D-4436-4872-BCF3-0568E5C31ABB}" srcOrd="1" destOrd="0" presId="urn:microsoft.com/office/officeart/2005/8/layout/process1"/>
     <dgm:cxn modelId="{AF1A73D0-C4DA-4458-9CD0-E23E936DD342}" type="presParOf" srcId="{4C95733D-4436-4872-BCF3-0568E5C31ABB}" destId="{B2BA0E98-7C6C-40B6-9FD3-87AA3925BD64}" srcOrd="0" destOrd="0" presId="urn:microsoft.com/office/officeart/2005/8/layout/process1"/>
@@ -5947,10 +6751,24 @@
           <a:avLst/>
         </a:prstGeom>
       </dgm:spPr>
+      <dgm:t>
+        <a:bodyPr/>
+        <a:lstStyle/>
+        <a:p>
+          <a:endParaRPr lang="de-DE"/>
+        </a:p>
+      </dgm:t>
     </dgm:pt>
     <dgm:pt modelId="{B2BA0E98-7C6C-40B6-9FD3-87AA3925BD64}" type="pres">
       <dgm:prSet presAssocID="{A527273E-42AD-4A7E-9118-681D249AAD73}" presName="connectorText" presStyleLbl="sibTrans2D1" presStyleIdx="0" presStyleCnt="2"/>
       <dgm:spPr/>
+      <dgm:t>
+        <a:bodyPr/>
+        <a:lstStyle/>
+        <a:p>
+          <a:endParaRPr lang="de-DE"/>
+        </a:p>
+      </dgm:t>
     </dgm:pt>
     <dgm:pt modelId="{E8BCA89B-82EF-454C-A0E7-B837F80BA303}" type="pres">
       <dgm:prSet presAssocID="{A318569D-831F-470B-BAB3-812FDEF6021C}" presName="node" presStyleLbl="node1" presStyleIdx="1" presStyleCnt="3" custScaleX="588546" custScaleY="173939" custLinFactX="-622898" custLinFactY="-95866" custLinFactNeighborX="-700000" custLinFactNeighborY="-100000">
@@ -5974,10 +6792,24 @@
           <a:avLst/>
         </a:prstGeom>
       </dgm:spPr>
+      <dgm:t>
+        <a:bodyPr/>
+        <a:lstStyle/>
+        <a:p>
+          <a:endParaRPr lang="de-DE"/>
+        </a:p>
+      </dgm:t>
     </dgm:pt>
     <dgm:pt modelId="{27B7C9CE-26AB-4571-86BA-ECA985312961}" type="pres">
       <dgm:prSet presAssocID="{3F0594E2-D046-43E1-9F3E-DBD92EDB6E36}" presName="connectorText" presStyleLbl="sibTrans2D1" presStyleIdx="1" presStyleCnt="2"/>
       <dgm:spPr/>
+      <dgm:t>
+        <a:bodyPr/>
+        <a:lstStyle/>
+        <a:p>
+          <a:endParaRPr lang="de-DE"/>
+        </a:p>
+      </dgm:t>
     </dgm:pt>
     <dgm:pt modelId="{0A97FDCC-82E7-41C1-8687-6E35D8D163B5}" type="pres">
       <dgm:prSet presAssocID="{CA8E837B-E8D6-4AE8-AD5F-4841D7D0B680}" presName="node" presStyleLbl="node1" presStyleIdx="2" presStyleCnt="3" custFlipHor="1" custScaleX="544853" custScaleY="173564" custLinFactX="-442891" custLinFactY="-94885" custLinFactNeighborX="-500000" custLinFactNeighborY="-100000">
@@ -5996,17 +6828,17 @@
     </dgm:pt>
   </dgm:ptLst>
   <dgm:cxnLst>
+    <dgm:cxn modelId="{0CCAD3E5-FF5D-45A0-975B-6E469D45BBC6}" type="presOf" srcId="{3F0594E2-D046-43E1-9F3E-DBD92EDB6E36}" destId="{27B7C9CE-26AB-4571-86BA-ECA985312961}" srcOrd="1" destOrd="0" presId="urn:microsoft.com/office/officeart/2005/8/layout/process1"/>
+    <dgm:cxn modelId="{264AB117-5DFC-4A66-A0E4-F3911B2C8785}" type="presOf" srcId="{CA8E837B-E8D6-4AE8-AD5F-4841D7D0B680}" destId="{0A97FDCC-82E7-41C1-8687-6E35D8D163B5}" srcOrd="0" destOrd="0" presId="urn:microsoft.com/office/officeart/2005/8/layout/process1"/>
+    <dgm:cxn modelId="{EF393ADA-FABC-4583-ABC7-C1B2DDDD653F}" srcId="{18FAC1E6-C5CF-47A9-A33D-7A31614049C3}" destId="{A318569D-831F-470B-BAB3-812FDEF6021C}" srcOrd="1" destOrd="0" parTransId="{8826AA37-B320-459A-9CB7-4702B2FCA6AB}" sibTransId="{3F0594E2-D046-43E1-9F3E-DBD92EDB6E36}"/>
+    <dgm:cxn modelId="{C6B31597-0CAD-4966-8DC4-A22B00504BC3}" type="presOf" srcId="{A527273E-42AD-4A7E-9118-681D249AAD73}" destId="{4C95733D-4436-4872-BCF3-0568E5C31ABB}" srcOrd="0" destOrd="0" presId="urn:microsoft.com/office/officeart/2005/8/layout/process1"/>
     <dgm:cxn modelId="{340E2F05-7DF1-4481-95F1-BF9A7DA02E81}" type="presOf" srcId="{3F0594E2-D046-43E1-9F3E-DBD92EDB6E36}" destId="{0751CB5F-0CAD-43C2-8096-ACF69257E054}" srcOrd="0" destOrd="0" presId="urn:microsoft.com/office/officeart/2005/8/layout/process1"/>
+    <dgm:cxn modelId="{6DD379D1-9475-4531-AA76-EA3E25E59E60}" type="presOf" srcId="{A318569D-831F-470B-BAB3-812FDEF6021C}" destId="{E8BCA89B-82EF-454C-A0E7-B837F80BA303}" srcOrd="0" destOrd="0" presId="urn:microsoft.com/office/officeart/2005/8/layout/process1"/>
+    <dgm:cxn modelId="{8ED55531-9D3C-4EE7-B456-6ABC1E0A755B}" srcId="{18FAC1E6-C5CF-47A9-A33D-7A31614049C3}" destId="{CA8E837B-E8D6-4AE8-AD5F-4841D7D0B680}" srcOrd="2" destOrd="0" parTransId="{6E22C970-CFE9-4898-8D2C-85BAA3176A23}" sibTransId="{A015E625-CD17-4FE2-B14B-3E04B8D1F675}"/>
+    <dgm:cxn modelId="{0B0E357A-6666-42FB-8742-806AE604CED9}" type="presOf" srcId="{18FAC1E6-C5CF-47A9-A33D-7A31614049C3}" destId="{56F983B9-4FEA-4137-92B0-30EDC00631CB}" srcOrd="0" destOrd="0" presId="urn:microsoft.com/office/officeart/2005/8/layout/process1"/>
+    <dgm:cxn modelId="{4CC92DE0-1A55-4FEC-881B-726D2E69314A}" srcId="{18FAC1E6-C5CF-47A9-A33D-7A31614049C3}" destId="{0721BB28-D2F8-4DC7-B464-6055BEE33A3F}" srcOrd="0" destOrd="0" parTransId="{D03F987D-83BC-4A17-9F07-0ADA42CCE944}" sibTransId="{A527273E-42AD-4A7E-9118-681D249AAD73}"/>
     <dgm:cxn modelId="{A4BB0589-8721-44EA-B3C8-976F63583787}" type="presOf" srcId="{A527273E-42AD-4A7E-9118-681D249AAD73}" destId="{B2BA0E98-7C6C-40B6-9FD3-87AA3925BD64}" srcOrd="1" destOrd="0" presId="urn:microsoft.com/office/officeart/2005/8/layout/process1"/>
-    <dgm:cxn modelId="{264AB117-5DFC-4A66-A0E4-F3911B2C8785}" type="presOf" srcId="{CA8E837B-E8D6-4AE8-AD5F-4841D7D0B680}" destId="{0A97FDCC-82E7-41C1-8687-6E35D8D163B5}" srcOrd="0" destOrd="0" presId="urn:microsoft.com/office/officeart/2005/8/layout/process1"/>
-    <dgm:cxn modelId="{6DD379D1-9475-4531-AA76-EA3E25E59E60}" type="presOf" srcId="{A318569D-831F-470B-BAB3-812FDEF6021C}" destId="{E8BCA89B-82EF-454C-A0E7-B837F80BA303}" srcOrd="0" destOrd="0" presId="urn:microsoft.com/office/officeart/2005/8/layout/process1"/>
-    <dgm:cxn modelId="{C6B31597-0CAD-4966-8DC4-A22B00504BC3}" type="presOf" srcId="{A527273E-42AD-4A7E-9118-681D249AAD73}" destId="{4C95733D-4436-4872-BCF3-0568E5C31ABB}" srcOrd="0" destOrd="0" presId="urn:microsoft.com/office/officeart/2005/8/layout/process1"/>
-    <dgm:cxn modelId="{EF393ADA-FABC-4583-ABC7-C1B2DDDD653F}" srcId="{18FAC1E6-C5CF-47A9-A33D-7A31614049C3}" destId="{A318569D-831F-470B-BAB3-812FDEF6021C}" srcOrd="1" destOrd="0" parTransId="{8826AA37-B320-459A-9CB7-4702B2FCA6AB}" sibTransId="{3F0594E2-D046-43E1-9F3E-DBD92EDB6E36}"/>
     <dgm:cxn modelId="{C23D5F49-1A39-401D-B73E-C08116D9E55C}" type="presOf" srcId="{0721BB28-D2F8-4DC7-B464-6055BEE33A3F}" destId="{D45BCB76-F478-47EA-B0E1-6BFA6F2C3A14}" srcOrd="0" destOrd="0" presId="urn:microsoft.com/office/officeart/2005/8/layout/process1"/>
-    <dgm:cxn modelId="{8ED55531-9D3C-4EE7-B456-6ABC1E0A755B}" srcId="{18FAC1E6-C5CF-47A9-A33D-7A31614049C3}" destId="{CA8E837B-E8D6-4AE8-AD5F-4841D7D0B680}" srcOrd="2" destOrd="0" parTransId="{6E22C970-CFE9-4898-8D2C-85BAA3176A23}" sibTransId="{A015E625-CD17-4FE2-B14B-3E04B8D1F675}"/>
-    <dgm:cxn modelId="{4CC92DE0-1A55-4FEC-881B-726D2E69314A}" srcId="{18FAC1E6-C5CF-47A9-A33D-7A31614049C3}" destId="{0721BB28-D2F8-4DC7-B464-6055BEE33A3F}" srcOrd="0" destOrd="0" parTransId="{D03F987D-83BC-4A17-9F07-0ADA42CCE944}" sibTransId="{A527273E-42AD-4A7E-9118-681D249AAD73}"/>
-    <dgm:cxn modelId="{0B0E357A-6666-42FB-8742-806AE604CED9}" type="presOf" srcId="{18FAC1E6-C5CF-47A9-A33D-7A31614049C3}" destId="{56F983B9-4FEA-4137-92B0-30EDC00631CB}" srcOrd="0" destOrd="0" presId="urn:microsoft.com/office/officeart/2005/8/layout/process1"/>
-    <dgm:cxn modelId="{0CCAD3E5-FF5D-45A0-975B-6E469D45BBC6}" type="presOf" srcId="{3F0594E2-D046-43E1-9F3E-DBD92EDB6E36}" destId="{27B7C9CE-26AB-4571-86BA-ECA985312961}" srcOrd="1" destOrd="0" presId="urn:microsoft.com/office/officeart/2005/8/layout/process1"/>
     <dgm:cxn modelId="{54DC4E8E-AA11-4BFB-AE93-1699703B2714}" type="presParOf" srcId="{56F983B9-4FEA-4137-92B0-30EDC00631CB}" destId="{D45BCB76-F478-47EA-B0E1-6BFA6F2C3A14}" srcOrd="0" destOrd="0" presId="urn:microsoft.com/office/officeart/2005/8/layout/process1"/>
     <dgm:cxn modelId="{FFE567AD-DE1F-4EB9-9190-5CF830884D6F}" type="presParOf" srcId="{56F983B9-4FEA-4137-92B0-30EDC00631CB}" destId="{4C95733D-4436-4872-BCF3-0568E5C31ABB}" srcOrd="1" destOrd="0" presId="urn:microsoft.com/office/officeart/2005/8/layout/process1"/>
     <dgm:cxn modelId="{AF1A73D0-C4DA-4458-9CD0-E23E936DD342}" type="presParOf" srcId="{4C95733D-4436-4872-BCF3-0568E5C31ABB}" destId="{B2BA0E98-7C6C-40B6-9FD3-87AA3925BD64}" srcOrd="0" destOrd="0" presId="urn:microsoft.com/office/officeart/2005/8/layout/process1"/>
@@ -6026,6 +6858,188 @@
 </file>
 
 <file path=ppt/diagrams/data6.xml><?xml version="1.0" encoding="utf-8"?>
+<dgm:dataModel xmlns:dgm="http://schemas.openxmlformats.org/drawingml/2006/diagram" xmlns:a="http://schemas.openxmlformats.org/drawingml/2006/main">
+  <dgm:ptLst>
+    <dgm:pt modelId="{18FAC1E6-C5CF-47A9-A33D-7A31614049C3}" type="doc">
+      <dgm:prSet loTypeId="urn:microsoft.com/office/officeart/2005/8/layout/process1" loCatId="process" qsTypeId="urn:microsoft.com/office/officeart/2005/8/quickstyle/3d1" qsCatId="3D" csTypeId="urn:microsoft.com/office/officeart/2005/8/colors/accent1_2" csCatId="accent1" phldr="1"/>
+      <dgm:spPr/>
+    </dgm:pt>
+    <dgm:pt modelId="{0721BB28-D2F8-4DC7-B464-6055BEE33A3F}">
+      <dgm:prSet phldrT="[Text]"/>
+      <dgm:spPr>
+        <a:solidFill>
+          <a:srgbClr val="C00000"/>
+        </a:solidFill>
+      </dgm:spPr>
+      <dgm:t>
+        <a:bodyPr/>
+        <a:lstStyle/>
+        <a:p>
+          <a:endParaRPr lang="de-DE" dirty="0"/>
+        </a:p>
+      </dgm:t>
+    </dgm:pt>
+    <dgm:pt modelId="{D03F987D-83BC-4A17-9F07-0ADA42CCE944}" type="parTrans" cxnId="{4CC92DE0-1A55-4FEC-881B-726D2E69314A}">
+      <dgm:prSet/>
+      <dgm:spPr/>
+      <dgm:t>
+        <a:bodyPr/>
+        <a:lstStyle/>
+        <a:p>
+          <a:endParaRPr lang="de-DE"/>
+        </a:p>
+      </dgm:t>
+    </dgm:pt>
+    <dgm:pt modelId="{A527273E-42AD-4A7E-9118-681D249AAD73}" type="sibTrans" cxnId="{4CC92DE0-1A55-4FEC-881B-726D2E69314A}">
+      <dgm:prSet/>
+      <dgm:spPr>
+        <a:noFill/>
+      </dgm:spPr>
+      <dgm:t>
+        <a:bodyPr/>
+        <a:lstStyle/>
+        <a:p>
+          <a:endParaRPr lang="de-DE"/>
+        </a:p>
+      </dgm:t>
+    </dgm:pt>
+    <dgm:pt modelId="{CA8E837B-E8D6-4AE8-AD5F-4841D7D0B680}">
+      <dgm:prSet phldrT="[Text]"/>
+      <dgm:spPr>
+        <a:solidFill>
+          <a:schemeClr val="bg1">
+            <a:lumMod val="50000"/>
+          </a:schemeClr>
+        </a:solidFill>
+      </dgm:spPr>
+      <dgm:t>
+        <a:bodyPr/>
+        <a:lstStyle/>
+        <a:p>
+          <a:r>
+            <a:rPr lang="de-DE" dirty="0" smtClean="0"/>
+            <a:t>Topology-Editor-Client</a:t>
+          </a:r>
+          <a:endParaRPr lang="de-DE" dirty="0"/>
+        </a:p>
+      </dgm:t>
+    </dgm:pt>
+    <dgm:pt modelId="{A015E625-CD17-4FE2-B14B-3E04B8D1F675}" type="sibTrans" cxnId="{8ED55531-9D3C-4EE7-B456-6ABC1E0A755B}">
+      <dgm:prSet/>
+      <dgm:spPr/>
+      <dgm:t>
+        <a:bodyPr/>
+        <a:lstStyle/>
+        <a:p>
+          <a:endParaRPr lang="de-DE"/>
+        </a:p>
+      </dgm:t>
+    </dgm:pt>
+    <dgm:pt modelId="{6E22C970-CFE9-4898-8D2C-85BAA3176A23}" type="parTrans" cxnId="{8ED55531-9D3C-4EE7-B456-6ABC1E0A755B}">
+      <dgm:prSet/>
+      <dgm:spPr/>
+      <dgm:t>
+        <a:bodyPr/>
+        <a:lstStyle/>
+        <a:p>
+          <a:endParaRPr lang="de-DE"/>
+        </a:p>
+      </dgm:t>
+    </dgm:pt>
+    <dgm:pt modelId="{56F983B9-4FEA-4137-92B0-30EDC00631CB}" type="pres">
+      <dgm:prSet presAssocID="{18FAC1E6-C5CF-47A9-A33D-7A31614049C3}" presName="Name0" presStyleCnt="0">
+        <dgm:presLayoutVars>
+          <dgm:dir/>
+          <dgm:resizeHandles val="exact"/>
+        </dgm:presLayoutVars>
+      </dgm:prSet>
+      <dgm:spPr/>
+    </dgm:pt>
+    <dgm:pt modelId="{D45BCB76-F478-47EA-B0E1-6BFA6F2C3A14}" type="pres">
+      <dgm:prSet presAssocID="{0721BB28-D2F8-4DC7-B464-6055BEE33A3F}" presName="node" presStyleLbl="node1" presStyleIdx="0" presStyleCnt="2" custScaleX="1674426" custScaleY="1081231" custLinFactX="389237" custLinFactNeighborX="400000" custLinFactNeighborY="14508">
+        <dgm:presLayoutVars>
+          <dgm:bulletEnabled val="1"/>
+        </dgm:presLayoutVars>
+      </dgm:prSet>
+      <dgm:spPr>
+        <a:prstGeom prst="corner">
+          <a:avLst/>
+        </a:prstGeom>
+      </dgm:spPr>
+      <dgm:t>
+        <a:bodyPr/>
+        <a:lstStyle/>
+        <a:p>
+          <a:endParaRPr lang="de-DE"/>
+        </a:p>
+      </dgm:t>
+    </dgm:pt>
+    <dgm:pt modelId="{4C95733D-4436-4872-BCF3-0568E5C31ABB}" type="pres">
+      <dgm:prSet presAssocID="{A527273E-42AD-4A7E-9118-681D249AAD73}" presName="sibTrans" presStyleLbl="sibTrans2D1" presStyleIdx="0" presStyleCnt="1" custAng="5220000" custFlipVert="1" custFlipHor="1" custScaleX="37303" custScaleY="746597" custLinFactY="400000" custLinFactNeighborX="1376" custLinFactNeighborY="459228"/>
+      <dgm:spPr>
+        <a:prstGeom prst="upDownArrow">
+          <a:avLst/>
+        </a:prstGeom>
+      </dgm:spPr>
+      <dgm:t>
+        <a:bodyPr/>
+        <a:lstStyle/>
+        <a:p>
+          <a:endParaRPr lang="de-DE"/>
+        </a:p>
+      </dgm:t>
+    </dgm:pt>
+    <dgm:pt modelId="{B2BA0E98-7C6C-40B6-9FD3-87AA3925BD64}" type="pres">
+      <dgm:prSet presAssocID="{A527273E-42AD-4A7E-9118-681D249AAD73}" presName="connectorText" presStyleLbl="sibTrans2D1" presStyleIdx="0" presStyleCnt="1"/>
+      <dgm:spPr/>
+      <dgm:t>
+        <a:bodyPr/>
+        <a:lstStyle/>
+        <a:p>
+          <a:endParaRPr lang="de-DE"/>
+        </a:p>
+      </dgm:t>
+    </dgm:pt>
+    <dgm:pt modelId="{0A97FDCC-82E7-41C1-8687-6E35D8D163B5}" type="pres">
+      <dgm:prSet presAssocID="{CA8E837B-E8D6-4AE8-AD5F-4841D7D0B680}" presName="node" presStyleLbl="node1" presStyleIdx="1" presStyleCnt="2" custFlipHor="1" custScaleX="544853" custScaleY="173564" custLinFactX="-296962" custLinFactY="-100000" custLinFactNeighborX="-300000" custLinFactNeighborY="-155419">
+        <dgm:presLayoutVars>
+          <dgm:bulletEnabled val="1"/>
+        </dgm:presLayoutVars>
+      </dgm:prSet>
+      <dgm:spPr/>
+      <dgm:t>
+        <a:bodyPr/>
+        <a:lstStyle/>
+        <a:p>
+          <a:endParaRPr lang="de-DE"/>
+        </a:p>
+      </dgm:t>
+    </dgm:pt>
+  </dgm:ptLst>
+  <dgm:cxnLst>
+    <dgm:cxn modelId="{0B0E357A-6666-42FB-8742-806AE604CED9}" type="presOf" srcId="{18FAC1E6-C5CF-47A9-A33D-7A31614049C3}" destId="{56F983B9-4FEA-4137-92B0-30EDC00631CB}" srcOrd="0" destOrd="0" presId="urn:microsoft.com/office/officeart/2005/8/layout/process1"/>
+    <dgm:cxn modelId="{264AB117-5DFC-4A66-A0E4-F3911B2C8785}" type="presOf" srcId="{CA8E837B-E8D6-4AE8-AD5F-4841D7D0B680}" destId="{0A97FDCC-82E7-41C1-8687-6E35D8D163B5}" srcOrd="0" destOrd="0" presId="urn:microsoft.com/office/officeart/2005/8/layout/process1"/>
+    <dgm:cxn modelId="{C23D5F49-1A39-401D-B73E-C08116D9E55C}" type="presOf" srcId="{0721BB28-D2F8-4DC7-B464-6055BEE33A3F}" destId="{D45BCB76-F478-47EA-B0E1-6BFA6F2C3A14}" srcOrd="0" destOrd="0" presId="urn:microsoft.com/office/officeart/2005/8/layout/process1"/>
+    <dgm:cxn modelId="{4CC92DE0-1A55-4FEC-881B-726D2E69314A}" srcId="{18FAC1E6-C5CF-47A9-A33D-7A31614049C3}" destId="{0721BB28-D2F8-4DC7-B464-6055BEE33A3F}" srcOrd="0" destOrd="0" parTransId="{D03F987D-83BC-4A17-9F07-0ADA42CCE944}" sibTransId="{A527273E-42AD-4A7E-9118-681D249AAD73}"/>
+    <dgm:cxn modelId="{C6B31597-0CAD-4966-8DC4-A22B00504BC3}" type="presOf" srcId="{A527273E-42AD-4A7E-9118-681D249AAD73}" destId="{4C95733D-4436-4872-BCF3-0568E5C31ABB}" srcOrd="0" destOrd="0" presId="urn:microsoft.com/office/officeart/2005/8/layout/process1"/>
+    <dgm:cxn modelId="{8ED55531-9D3C-4EE7-B456-6ABC1E0A755B}" srcId="{18FAC1E6-C5CF-47A9-A33D-7A31614049C3}" destId="{CA8E837B-E8D6-4AE8-AD5F-4841D7D0B680}" srcOrd="1" destOrd="0" parTransId="{6E22C970-CFE9-4898-8D2C-85BAA3176A23}" sibTransId="{A015E625-CD17-4FE2-B14B-3E04B8D1F675}"/>
+    <dgm:cxn modelId="{A4BB0589-8721-44EA-B3C8-976F63583787}" type="presOf" srcId="{A527273E-42AD-4A7E-9118-681D249AAD73}" destId="{B2BA0E98-7C6C-40B6-9FD3-87AA3925BD64}" srcOrd="1" destOrd="0" presId="urn:microsoft.com/office/officeart/2005/8/layout/process1"/>
+    <dgm:cxn modelId="{54DC4E8E-AA11-4BFB-AE93-1699703B2714}" type="presParOf" srcId="{56F983B9-4FEA-4137-92B0-30EDC00631CB}" destId="{D45BCB76-F478-47EA-B0E1-6BFA6F2C3A14}" srcOrd="0" destOrd="0" presId="urn:microsoft.com/office/officeart/2005/8/layout/process1"/>
+    <dgm:cxn modelId="{FFE567AD-DE1F-4EB9-9190-5CF830884D6F}" type="presParOf" srcId="{56F983B9-4FEA-4137-92B0-30EDC00631CB}" destId="{4C95733D-4436-4872-BCF3-0568E5C31ABB}" srcOrd="1" destOrd="0" presId="urn:microsoft.com/office/officeart/2005/8/layout/process1"/>
+    <dgm:cxn modelId="{AF1A73D0-C4DA-4458-9CD0-E23E936DD342}" type="presParOf" srcId="{4C95733D-4436-4872-BCF3-0568E5C31ABB}" destId="{B2BA0E98-7C6C-40B6-9FD3-87AA3925BD64}" srcOrd="0" destOrd="0" presId="urn:microsoft.com/office/officeart/2005/8/layout/process1"/>
+    <dgm:cxn modelId="{EC50BED9-3666-4A36-82F5-978FD040EF18}" type="presParOf" srcId="{56F983B9-4FEA-4137-92B0-30EDC00631CB}" destId="{0A97FDCC-82E7-41C1-8687-6E35D8D163B5}" srcOrd="2" destOrd="0" presId="urn:microsoft.com/office/officeart/2005/8/layout/process1"/>
+  </dgm:cxnLst>
+  <dgm:bg/>
+  <dgm:whole/>
+  <dgm:extLst>
+    <a:ext uri="http://schemas.microsoft.com/office/drawing/2008/diagram">
+      <dsp:dataModelExt xmlns:dsp="http://schemas.microsoft.com/office/drawing/2008/diagram" relId="rId6" minVer="http://schemas.openxmlformats.org/drawingml/2006/diagram"/>
+    </a:ext>
+  </dgm:extLst>
+</dgm:dataModel>
+</file>
+
+<file path=ppt/diagrams/data7.xml><?xml version="1.0" encoding="utf-8"?>
 <dgm:dataModel xmlns:dgm="http://schemas.openxmlformats.org/drawingml/2006/diagram" xmlns:a="http://schemas.openxmlformats.org/drawingml/2006/main">
   <dgm:ptLst>
     <dgm:pt modelId="{18FAC1E6-C5CF-47A9-A33D-7A31614049C3}" type="doc">
@@ -6204,10 +7218,24 @@
           <a:avLst/>
         </a:prstGeom>
       </dgm:spPr>
+      <dgm:t>
+        <a:bodyPr/>
+        <a:lstStyle/>
+        <a:p>
+          <a:endParaRPr lang="de-DE"/>
+        </a:p>
+      </dgm:t>
     </dgm:pt>
     <dgm:pt modelId="{B2BA0E98-7C6C-40B6-9FD3-87AA3925BD64}" type="pres">
       <dgm:prSet presAssocID="{A527273E-42AD-4A7E-9118-681D249AAD73}" presName="connectorText" presStyleLbl="sibTrans2D1" presStyleIdx="0" presStyleCnt="2"/>
       <dgm:spPr/>
+      <dgm:t>
+        <a:bodyPr/>
+        <a:lstStyle/>
+        <a:p>
+          <a:endParaRPr lang="de-DE"/>
+        </a:p>
+      </dgm:t>
     </dgm:pt>
     <dgm:pt modelId="{E8BCA89B-82EF-454C-A0E7-B837F80BA303}" type="pres">
       <dgm:prSet presAssocID="{A318569D-831F-470B-BAB3-812FDEF6021C}" presName="node" presStyleLbl="node1" presStyleIdx="1" presStyleCnt="3" custScaleX="588546" custScaleY="173939" custLinFactX="-622898" custLinFactY="-95866" custLinFactNeighborX="-700000" custLinFactNeighborY="-100000">
@@ -6231,10 +7259,24 @@
           <a:avLst/>
         </a:prstGeom>
       </dgm:spPr>
+      <dgm:t>
+        <a:bodyPr/>
+        <a:lstStyle/>
+        <a:p>
+          <a:endParaRPr lang="de-DE"/>
+        </a:p>
+      </dgm:t>
     </dgm:pt>
     <dgm:pt modelId="{27B7C9CE-26AB-4571-86BA-ECA985312961}" type="pres">
       <dgm:prSet presAssocID="{3F0594E2-D046-43E1-9F3E-DBD92EDB6E36}" presName="connectorText" presStyleLbl="sibTrans2D1" presStyleIdx="1" presStyleCnt="2"/>
       <dgm:spPr/>
+      <dgm:t>
+        <a:bodyPr/>
+        <a:lstStyle/>
+        <a:p>
+          <a:endParaRPr lang="de-DE"/>
+        </a:p>
+      </dgm:t>
     </dgm:pt>
     <dgm:pt modelId="{0A97FDCC-82E7-41C1-8687-6E35D8D163B5}" type="pres">
       <dgm:prSet presAssocID="{CA8E837B-E8D6-4AE8-AD5F-4841D7D0B680}" presName="node" presStyleLbl="node1" presStyleIdx="2" presStyleCnt="3" custFlipHor="1" custScaleX="544853" custScaleY="173564" custLinFactX="-442891" custLinFactY="-94885" custLinFactNeighborX="-500000" custLinFactNeighborY="-100000">
@@ -6253,17 +7295,17 @@
     </dgm:pt>
   </dgm:ptLst>
   <dgm:cxnLst>
+    <dgm:cxn modelId="{0CCAD3E5-FF5D-45A0-975B-6E469D45BBC6}" type="presOf" srcId="{3F0594E2-D046-43E1-9F3E-DBD92EDB6E36}" destId="{27B7C9CE-26AB-4571-86BA-ECA985312961}" srcOrd="1" destOrd="0" presId="urn:microsoft.com/office/officeart/2005/8/layout/process1"/>
+    <dgm:cxn modelId="{264AB117-5DFC-4A66-A0E4-F3911B2C8785}" type="presOf" srcId="{CA8E837B-E8D6-4AE8-AD5F-4841D7D0B680}" destId="{0A97FDCC-82E7-41C1-8687-6E35D8D163B5}" srcOrd="0" destOrd="0" presId="urn:microsoft.com/office/officeart/2005/8/layout/process1"/>
+    <dgm:cxn modelId="{EF393ADA-FABC-4583-ABC7-C1B2DDDD653F}" srcId="{18FAC1E6-C5CF-47A9-A33D-7A31614049C3}" destId="{A318569D-831F-470B-BAB3-812FDEF6021C}" srcOrd="1" destOrd="0" parTransId="{8826AA37-B320-459A-9CB7-4702B2FCA6AB}" sibTransId="{3F0594E2-D046-43E1-9F3E-DBD92EDB6E36}"/>
+    <dgm:cxn modelId="{C6B31597-0CAD-4966-8DC4-A22B00504BC3}" type="presOf" srcId="{A527273E-42AD-4A7E-9118-681D249AAD73}" destId="{4C95733D-4436-4872-BCF3-0568E5C31ABB}" srcOrd="0" destOrd="0" presId="urn:microsoft.com/office/officeart/2005/8/layout/process1"/>
     <dgm:cxn modelId="{340E2F05-7DF1-4481-95F1-BF9A7DA02E81}" type="presOf" srcId="{3F0594E2-D046-43E1-9F3E-DBD92EDB6E36}" destId="{0751CB5F-0CAD-43C2-8096-ACF69257E054}" srcOrd="0" destOrd="0" presId="urn:microsoft.com/office/officeart/2005/8/layout/process1"/>
+    <dgm:cxn modelId="{6DD379D1-9475-4531-AA76-EA3E25E59E60}" type="presOf" srcId="{A318569D-831F-470B-BAB3-812FDEF6021C}" destId="{E8BCA89B-82EF-454C-A0E7-B837F80BA303}" srcOrd="0" destOrd="0" presId="urn:microsoft.com/office/officeart/2005/8/layout/process1"/>
+    <dgm:cxn modelId="{8ED55531-9D3C-4EE7-B456-6ABC1E0A755B}" srcId="{18FAC1E6-C5CF-47A9-A33D-7A31614049C3}" destId="{CA8E837B-E8D6-4AE8-AD5F-4841D7D0B680}" srcOrd="2" destOrd="0" parTransId="{6E22C970-CFE9-4898-8D2C-85BAA3176A23}" sibTransId="{A015E625-CD17-4FE2-B14B-3E04B8D1F675}"/>
+    <dgm:cxn modelId="{0B0E357A-6666-42FB-8742-806AE604CED9}" type="presOf" srcId="{18FAC1E6-C5CF-47A9-A33D-7A31614049C3}" destId="{56F983B9-4FEA-4137-92B0-30EDC00631CB}" srcOrd="0" destOrd="0" presId="urn:microsoft.com/office/officeart/2005/8/layout/process1"/>
+    <dgm:cxn modelId="{4CC92DE0-1A55-4FEC-881B-726D2E69314A}" srcId="{18FAC1E6-C5CF-47A9-A33D-7A31614049C3}" destId="{0721BB28-D2F8-4DC7-B464-6055BEE33A3F}" srcOrd="0" destOrd="0" parTransId="{D03F987D-83BC-4A17-9F07-0ADA42CCE944}" sibTransId="{A527273E-42AD-4A7E-9118-681D249AAD73}"/>
     <dgm:cxn modelId="{A4BB0589-8721-44EA-B3C8-976F63583787}" type="presOf" srcId="{A527273E-42AD-4A7E-9118-681D249AAD73}" destId="{B2BA0E98-7C6C-40B6-9FD3-87AA3925BD64}" srcOrd="1" destOrd="0" presId="urn:microsoft.com/office/officeart/2005/8/layout/process1"/>
-    <dgm:cxn modelId="{264AB117-5DFC-4A66-A0E4-F3911B2C8785}" type="presOf" srcId="{CA8E837B-E8D6-4AE8-AD5F-4841D7D0B680}" destId="{0A97FDCC-82E7-41C1-8687-6E35D8D163B5}" srcOrd="0" destOrd="0" presId="urn:microsoft.com/office/officeart/2005/8/layout/process1"/>
-    <dgm:cxn modelId="{6DD379D1-9475-4531-AA76-EA3E25E59E60}" type="presOf" srcId="{A318569D-831F-470B-BAB3-812FDEF6021C}" destId="{E8BCA89B-82EF-454C-A0E7-B837F80BA303}" srcOrd="0" destOrd="0" presId="urn:microsoft.com/office/officeart/2005/8/layout/process1"/>
-    <dgm:cxn modelId="{C6B31597-0CAD-4966-8DC4-A22B00504BC3}" type="presOf" srcId="{A527273E-42AD-4A7E-9118-681D249AAD73}" destId="{4C95733D-4436-4872-BCF3-0568E5C31ABB}" srcOrd="0" destOrd="0" presId="urn:microsoft.com/office/officeart/2005/8/layout/process1"/>
-    <dgm:cxn modelId="{EF393ADA-FABC-4583-ABC7-C1B2DDDD653F}" srcId="{18FAC1E6-C5CF-47A9-A33D-7A31614049C3}" destId="{A318569D-831F-470B-BAB3-812FDEF6021C}" srcOrd="1" destOrd="0" parTransId="{8826AA37-B320-459A-9CB7-4702B2FCA6AB}" sibTransId="{3F0594E2-D046-43E1-9F3E-DBD92EDB6E36}"/>
     <dgm:cxn modelId="{C23D5F49-1A39-401D-B73E-C08116D9E55C}" type="presOf" srcId="{0721BB28-D2F8-4DC7-B464-6055BEE33A3F}" destId="{D45BCB76-F478-47EA-B0E1-6BFA6F2C3A14}" srcOrd="0" destOrd="0" presId="urn:microsoft.com/office/officeart/2005/8/layout/process1"/>
-    <dgm:cxn modelId="{8ED55531-9D3C-4EE7-B456-6ABC1E0A755B}" srcId="{18FAC1E6-C5CF-47A9-A33D-7A31614049C3}" destId="{CA8E837B-E8D6-4AE8-AD5F-4841D7D0B680}" srcOrd="2" destOrd="0" parTransId="{6E22C970-CFE9-4898-8D2C-85BAA3176A23}" sibTransId="{A015E625-CD17-4FE2-B14B-3E04B8D1F675}"/>
-    <dgm:cxn modelId="{4CC92DE0-1A55-4FEC-881B-726D2E69314A}" srcId="{18FAC1E6-C5CF-47A9-A33D-7A31614049C3}" destId="{0721BB28-D2F8-4DC7-B464-6055BEE33A3F}" srcOrd="0" destOrd="0" parTransId="{D03F987D-83BC-4A17-9F07-0ADA42CCE944}" sibTransId="{A527273E-42AD-4A7E-9118-681D249AAD73}"/>
-    <dgm:cxn modelId="{0B0E357A-6666-42FB-8742-806AE604CED9}" type="presOf" srcId="{18FAC1E6-C5CF-47A9-A33D-7A31614049C3}" destId="{56F983B9-4FEA-4137-92B0-30EDC00631CB}" srcOrd="0" destOrd="0" presId="urn:microsoft.com/office/officeart/2005/8/layout/process1"/>
-    <dgm:cxn modelId="{0CCAD3E5-FF5D-45A0-975B-6E469D45BBC6}" type="presOf" srcId="{3F0594E2-D046-43E1-9F3E-DBD92EDB6E36}" destId="{27B7C9CE-26AB-4571-86BA-ECA985312961}" srcOrd="1" destOrd="0" presId="urn:microsoft.com/office/officeart/2005/8/layout/process1"/>
     <dgm:cxn modelId="{54DC4E8E-AA11-4BFB-AE93-1699703B2714}" type="presParOf" srcId="{56F983B9-4FEA-4137-92B0-30EDC00631CB}" destId="{D45BCB76-F478-47EA-B0E1-6BFA6F2C3A14}" srcOrd="0" destOrd="0" presId="urn:microsoft.com/office/officeart/2005/8/layout/process1"/>
     <dgm:cxn modelId="{FFE567AD-DE1F-4EB9-9190-5CF830884D6F}" type="presParOf" srcId="{56F983B9-4FEA-4137-92B0-30EDC00631CB}" destId="{4C95733D-4436-4872-BCF3-0568E5C31ABB}" srcOrd="1" destOrd="0" presId="urn:microsoft.com/office/officeart/2005/8/layout/process1"/>
     <dgm:cxn modelId="{AF1A73D0-C4DA-4458-9CD0-E23E936DD342}" type="presParOf" srcId="{4C95733D-4436-4872-BCF3-0568E5C31ABB}" destId="{B2BA0E98-7C6C-40B6-9FD3-87AA3925BD64}" srcOrd="0" destOrd="0" presId="urn:microsoft.com/office/officeart/2005/8/layout/process1"/>
@@ -7691,7 +8733,7 @@
         </a:bodyPr>
         <a:lstStyle/>
         <a:p>
-          <a:pPr lvl="0" algn="ctr" defTabSz="577850">
+          <a:pPr lvl="0" algn="ctr" defTabSz="355600">
             <a:lnSpc>
               <a:spcPct val="90000"/>
             </a:lnSpc>
@@ -7702,7 +8744,7 @@
               <a:spcPct val="35000"/>
             </a:spcAft>
           </a:pPr>
-          <a:endParaRPr lang="de-DE" sz="1300" kern="1200"/>
+          <a:endParaRPr lang="de-DE" sz="800" kern="1200"/>
         </a:p>
       </dsp:txBody>
       <dsp:txXfrm rot="10800000">
@@ -8067,7 +9109,7 @@
         </a:bodyPr>
         <a:lstStyle/>
         <a:p>
-          <a:pPr lvl="0" algn="ctr" defTabSz="577850">
+          <a:pPr lvl="0" algn="ctr" defTabSz="355600">
             <a:lnSpc>
               <a:spcPct val="90000"/>
             </a:lnSpc>
@@ -8078,7 +9120,7 @@
               <a:spcPct val="35000"/>
             </a:spcAft>
           </a:pPr>
-          <a:endParaRPr lang="de-DE" sz="1300" kern="1200"/>
+          <a:endParaRPr lang="de-DE" sz="800" kern="1200"/>
         </a:p>
       </dsp:txBody>
       <dsp:txXfrm rot="10800000">
@@ -8167,6 +9209,228 @@
 </file>
 
 <file path=ppt/diagrams/drawing6.xml><?xml version="1.0" encoding="utf-8"?>
+<dsp:drawing xmlns:dgm="http://schemas.openxmlformats.org/drawingml/2006/diagram" xmlns:dsp="http://schemas.microsoft.com/office/drawing/2008/diagram" xmlns:a="http://schemas.openxmlformats.org/drawingml/2006/main">
+  <dsp:spTree>
+    <dsp:nvGrpSpPr>
+      <dsp:cNvPr id="0" name=""/>
+      <dsp:cNvGrpSpPr/>
+    </dsp:nvGrpSpPr>
+    <dsp:grpSpPr/>
+    <dsp:sp modelId="{D45BCB76-F478-47EA-B0E1-6BFA6F2C3A14}">
+      <dsp:nvSpPr>
+        <dsp:cNvPr id="0" name=""/>
+        <dsp:cNvSpPr/>
+      </dsp:nvSpPr>
+      <dsp:spPr>
+        <a:xfrm>
+          <a:off x="1580788" y="0"/>
+          <a:ext cx="4521269" cy="2144682"/>
+        </a:xfrm>
+        <a:prstGeom prst="corner">
+          <a:avLst/>
+        </a:prstGeom>
+        <a:solidFill>
+          <a:srgbClr val="C00000"/>
+        </a:solidFill>
+        <a:ln>
+          <a:noFill/>
+        </a:ln>
+        <a:effectLst/>
+        <a:scene3d>
+          <a:camera prst="orthographicFront"/>
+          <a:lightRig rig="flat" dir="t"/>
+        </a:scene3d>
+        <a:sp3d prstMaterial="plastic">
+          <a:bevelT w="120900" h="88900"/>
+          <a:bevelB w="88900" h="31750" prst="angle"/>
+        </a:sp3d>
+      </dsp:spPr>
+      <dsp:style>
+        <a:lnRef idx="0">
+          <a:scrgbClr r="0" g="0" b="0"/>
+        </a:lnRef>
+        <a:fillRef idx="3">
+          <a:scrgbClr r="0" g="0" b="0"/>
+        </a:fillRef>
+        <a:effectRef idx="2">
+          <a:scrgbClr r="0" g="0" b="0"/>
+        </a:effectRef>
+        <a:fontRef idx="minor">
+          <a:schemeClr val="lt1"/>
+        </a:fontRef>
+      </dsp:style>
+      <dsp:txBody>
+        <a:bodyPr spcFirstLastPara="0" vert="horz" wrap="square" lIns="38100" tIns="38100" rIns="38100" bIns="38100" numCol="1" spcCol="1270" anchor="ctr" anchorCtr="0">
+          <a:noAutofit/>
+        </a:bodyPr>
+        <a:lstStyle/>
+        <a:p>
+          <a:pPr lvl="0" algn="ctr" defTabSz="444500">
+            <a:lnSpc>
+              <a:spcPct val="90000"/>
+            </a:lnSpc>
+            <a:spcBef>
+              <a:spcPct val="0"/>
+            </a:spcBef>
+            <a:spcAft>
+              <a:spcPct val="35000"/>
+            </a:spcAft>
+          </a:pPr>
+          <a:endParaRPr lang="de-DE" sz="1000" kern="1200" dirty="0"/>
+        </a:p>
+      </dsp:txBody>
+      <dsp:txXfrm>
+        <a:off x="1580788" y="1072341"/>
+        <a:ext cx="4521269" cy="1072341"/>
+      </dsp:txXfrm>
+    </dsp:sp>
+    <dsp:sp modelId="{4C95733D-4436-4872-BCF3-0568E5C31ABB}">
+      <dsp:nvSpPr>
+        <dsp:cNvPr id="0" name=""/>
+        <dsp:cNvSpPr/>
+      </dsp:nvSpPr>
+      <dsp:spPr>
+        <a:xfrm rot="9653996" flipH="1" flipV="1">
+          <a:off x="3571270" y="705388"/>
+          <a:ext cx="151830" cy="499956"/>
+        </a:xfrm>
+        <a:prstGeom prst="upDownArrow">
+          <a:avLst/>
+        </a:prstGeom>
+        <a:noFill/>
+        <a:ln>
+          <a:noFill/>
+        </a:ln>
+        <a:effectLst/>
+        <a:scene3d>
+          <a:camera prst="orthographicFront"/>
+          <a:lightRig rig="flat" dir="t"/>
+        </a:scene3d>
+        <a:sp3d z="-80000" prstMaterial="plastic">
+          <a:bevelT w="50800" h="50800"/>
+          <a:bevelB w="25400" h="25400" prst="angle"/>
+        </a:sp3d>
+      </dsp:spPr>
+      <dsp:style>
+        <a:lnRef idx="0">
+          <a:scrgbClr r="0" g="0" b="0"/>
+        </a:lnRef>
+        <a:fillRef idx="3">
+          <a:scrgbClr r="0" g="0" b="0"/>
+        </a:fillRef>
+        <a:effectRef idx="2">
+          <a:scrgbClr r="0" g="0" b="0"/>
+        </a:effectRef>
+        <a:fontRef idx="minor">
+          <a:schemeClr val="lt1"/>
+        </a:fontRef>
+      </dsp:style>
+      <dsp:txBody>
+        <a:bodyPr spcFirstLastPara="0" vert="horz" wrap="square" lIns="0" tIns="0" rIns="0" bIns="0" numCol="1" spcCol="1270" anchor="ctr" anchorCtr="0">
+          <a:noAutofit/>
+        </a:bodyPr>
+        <a:lstStyle/>
+        <a:p>
+          <a:pPr lvl="0" algn="ctr" defTabSz="355600">
+            <a:lnSpc>
+              <a:spcPct val="90000"/>
+            </a:lnSpc>
+            <a:spcBef>
+              <a:spcPct val="0"/>
+            </a:spcBef>
+            <a:spcAft>
+              <a:spcPct val="35000"/>
+            </a:spcAft>
+          </a:pPr>
+          <a:endParaRPr lang="de-DE" sz="800" kern="1200"/>
+        </a:p>
+      </dsp:txBody>
+      <dsp:txXfrm rot="10800000">
+        <a:off x="3572524" y="812831"/>
+        <a:ext cx="106281" cy="299974"/>
+      </dsp:txXfrm>
+    </dsp:sp>
+    <dsp:sp modelId="{0A97FDCC-82E7-41C1-8687-6E35D8D163B5}">
+      <dsp:nvSpPr>
+        <dsp:cNvPr id="0" name=""/>
+        <dsp:cNvSpPr/>
+      </dsp:nvSpPr>
+      <dsp:spPr>
+        <a:xfrm flipH="1">
+          <a:off x="2959585" y="393566"/>
+          <a:ext cx="1471206" cy="344273"/>
+        </a:xfrm>
+        <a:prstGeom prst="roundRect">
+          <a:avLst>
+            <a:gd name="adj" fmla="val 10000"/>
+          </a:avLst>
+        </a:prstGeom>
+        <a:solidFill>
+          <a:schemeClr val="bg1">
+            <a:lumMod val="50000"/>
+          </a:schemeClr>
+        </a:solidFill>
+        <a:ln>
+          <a:noFill/>
+        </a:ln>
+        <a:effectLst/>
+        <a:scene3d>
+          <a:camera prst="orthographicFront"/>
+          <a:lightRig rig="flat" dir="t"/>
+        </a:scene3d>
+        <a:sp3d prstMaterial="plastic">
+          <a:bevelT w="120900" h="88900"/>
+          <a:bevelB w="88900" h="31750" prst="angle"/>
+        </a:sp3d>
+      </dsp:spPr>
+      <dsp:style>
+        <a:lnRef idx="0">
+          <a:scrgbClr r="0" g="0" b="0"/>
+        </a:lnRef>
+        <a:fillRef idx="3">
+          <a:scrgbClr r="0" g="0" b="0"/>
+        </a:fillRef>
+        <a:effectRef idx="2">
+          <a:scrgbClr r="0" g="0" b="0"/>
+        </a:effectRef>
+        <a:fontRef idx="minor">
+          <a:schemeClr val="lt1"/>
+        </a:fontRef>
+      </dsp:style>
+      <dsp:txBody>
+        <a:bodyPr spcFirstLastPara="0" vert="horz" wrap="square" lIns="38100" tIns="38100" rIns="38100" bIns="38100" numCol="1" spcCol="1270" anchor="ctr" anchorCtr="0">
+          <a:noAutofit/>
+        </a:bodyPr>
+        <a:lstStyle/>
+        <a:p>
+          <a:pPr lvl="0" algn="ctr" defTabSz="444500">
+            <a:lnSpc>
+              <a:spcPct val="90000"/>
+            </a:lnSpc>
+            <a:spcBef>
+              <a:spcPct val="0"/>
+            </a:spcBef>
+            <a:spcAft>
+              <a:spcPct val="35000"/>
+            </a:spcAft>
+          </a:pPr>
+          <a:r>
+            <a:rPr lang="de-DE" sz="1000" kern="1200" dirty="0" smtClean="0"/>
+            <a:t>Topology-Editor-Client</a:t>
+          </a:r>
+          <a:endParaRPr lang="de-DE" sz="1000" kern="1200" dirty="0"/>
+        </a:p>
+      </dsp:txBody>
+      <dsp:txXfrm>
+        <a:off x="2969668" y="403649"/>
+        <a:ext cx="1451040" cy="324107"/>
+      </dsp:txXfrm>
+    </dsp:sp>
+  </dsp:spTree>
+</dsp:drawing>
+</file>
+
+<file path=ppt/diagrams/drawing7.xml><?xml version="1.0" encoding="utf-8"?>
 <dsp:drawing xmlns:dgm="http://schemas.openxmlformats.org/drawingml/2006/diagram" xmlns:dsp="http://schemas.microsoft.com/office/drawing/2008/diagram" xmlns:a="http://schemas.openxmlformats.org/drawingml/2006/main">
   <dsp:spTree>
     <dsp:nvGrpSpPr>
@@ -8441,7 +9705,7 @@
         </a:bodyPr>
         <a:lstStyle/>
         <a:p>
-          <a:pPr lvl="0" algn="ctr" defTabSz="577850">
+          <a:pPr lvl="0" algn="ctr" defTabSz="355600">
             <a:lnSpc>
               <a:spcPct val="90000"/>
             </a:lnSpc>
@@ -8452,7 +9716,7 @@
               <a:spcPct val="35000"/>
             </a:spcAft>
           </a:pPr>
-          <a:endParaRPr lang="de-DE" sz="1300" kern="1200"/>
+          <a:endParaRPr lang="de-DE" sz="800" kern="1200"/>
         </a:p>
       </dsp:txBody>
       <dsp:txXfrm rot="10800000">
@@ -12644,6 +13908,152 @@
 </dgm:layoutDef>
 </file>
 
+<file path=ppt/diagrams/layout7.xml><?xml version="1.0" encoding="utf-8"?>
+<dgm:layoutDef xmlns:dgm="http://schemas.openxmlformats.org/drawingml/2006/diagram" xmlns:a="http://schemas.openxmlformats.org/drawingml/2006/main" uniqueId="urn:microsoft.com/office/officeart/2005/8/layout/process1">
+  <dgm:title val=""/>
+  <dgm:desc val=""/>
+  <dgm:catLst>
+    <dgm:cat type="process" pri="1000"/>
+    <dgm:cat type="convert" pri="15000"/>
+  </dgm:catLst>
+  <dgm:sampData useDef="1">
+    <dgm:dataModel>
+      <dgm:ptLst/>
+      <dgm:bg/>
+      <dgm:whole/>
+    </dgm:dataModel>
+  </dgm:sampData>
+  <dgm:styleData>
+    <dgm:dataModel>
+      <dgm:ptLst>
+        <dgm:pt modelId="0" type="doc"/>
+        <dgm:pt modelId="1"/>
+        <dgm:pt modelId="2"/>
+      </dgm:ptLst>
+      <dgm:cxnLst>
+        <dgm:cxn modelId="3" srcId="0" destId="1" srcOrd="0" destOrd="0"/>
+        <dgm:cxn modelId="4" srcId="0" destId="2" srcOrd="1" destOrd="0"/>
+      </dgm:cxnLst>
+      <dgm:bg/>
+      <dgm:whole/>
+    </dgm:dataModel>
+  </dgm:styleData>
+  <dgm:clrData>
+    <dgm:dataModel>
+      <dgm:ptLst>
+        <dgm:pt modelId="0" type="doc"/>
+        <dgm:pt modelId="1"/>
+        <dgm:pt modelId="2"/>
+        <dgm:pt modelId="3"/>
+        <dgm:pt modelId="4"/>
+      </dgm:ptLst>
+      <dgm:cxnLst>
+        <dgm:cxn modelId="5" srcId="0" destId="1" srcOrd="0" destOrd="0"/>
+        <dgm:cxn modelId="6" srcId="0" destId="2" srcOrd="1" destOrd="0"/>
+        <dgm:cxn modelId="7" srcId="0" destId="3" srcOrd="2" destOrd="0"/>
+        <dgm:cxn modelId="8" srcId="0" destId="4" srcOrd="3" destOrd="0"/>
+      </dgm:cxnLst>
+      <dgm:bg/>
+      <dgm:whole/>
+    </dgm:dataModel>
+  </dgm:clrData>
+  <dgm:layoutNode name="Name0">
+    <dgm:varLst>
+      <dgm:dir/>
+      <dgm:resizeHandles val="exact"/>
+    </dgm:varLst>
+    <dgm:choose name="Name1">
+      <dgm:if name="Name2" func="var" arg="dir" op="equ" val="norm">
+        <dgm:alg type="lin"/>
+      </dgm:if>
+      <dgm:else name="Name3">
+        <dgm:alg type="lin">
+          <dgm:param type="linDir" val="fromR"/>
+        </dgm:alg>
+      </dgm:else>
+    </dgm:choose>
+    <dgm:shape xmlns:r="http://schemas.openxmlformats.org/officeDocument/2006/relationships" r:blip="">
+      <dgm:adjLst/>
+    </dgm:shape>
+    <dgm:presOf/>
+    <dgm:constrLst>
+      <dgm:constr type="w" for="ch" ptType="node" refType="w"/>
+      <dgm:constr type="h" for="ch" ptType="node" op="equ"/>
+      <dgm:constr type="primFontSz" for="ch" ptType="node" op="equ" val="65"/>
+      <dgm:constr type="w" for="ch" ptType="sibTrans" refType="w" refFor="ch" refPtType="node" op="equ" fact="0.4"/>
+      <dgm:constr type="h" for="ch" ptType="sibTrans" op="equ"/>
+      <dgm:constr type="primFontSz" for="des" forName="connectorText" op="equ" val="55"/>
+      <dgm:constr type="primFontSz" for="des" forName="connectorText" refType="primFontSz" refFor="ch" refPtType="node" op="lte" fact="0.8"/>
+    </dgm:constrLst>
+    <dgm:ruleLst/>
+    <dgm:forEach name="nodesForEach" axis="ch" ptType="node">
+      <dgm:layoutNode name="node">
+        <dgm:varLst>
+          <dgm:bulletEnabled val="1"/>
+        </dgm:varLst>
+        <dgm:alg type="tx"/>
+        <dgm:shape xmlns:r="http://schemas.openxmlformats.org/officeDocument/2006/relationships" type="roundRect" r:blip="">
+          <dgm:adjLst>
+            <dgm:adj idx="1" val="0.1"/>
+          </dgm:adjLst>
+        </dgm:shape>
+        <dgm:presOf axis="desOrSelf" ptType="node"/>
+        <dgm:constrLst>
+          <dgm:constr type="h" refType="w" fact="0.6"/>
+          <dgm:constr type="tMarg" refType="primFontSz" fact="0.3"/>
+          <dgm:constr type="bMarg" refType="primFontSz" fact="0.3"/>
+          <dgm:constr type="lMarg" refType="primFontSz" fact="0.3"/>
+          <dgm:constr type="rMarg" refType="primFontSz" fact="0.3"/>
+        </dgm:constrLst>
+        <dgm:ruleLst>
+          <dgm:rule type="primFontSz" val="18" fact="NaN" max="NaN"/>
+          <dgm:rule type="h" val="NaN" fact="1.5" max="NaN"/>
+          <dgm:rule type="primFontSz" val="5" fact="NaN" max="NaN"/>
+          <dgm:rule type="h" val="INF" fact="NaN" max="NaN"/>
+        </dgm:ruleLst>
+      </dgm:layoutNode>
+      <dgm:forEach name="sibTransForEach" axis="followSib" ptType="sibTrans" cnt="1">
+        <dgm:layoutNode name="sibTrans">
+          <dgm:alg type="conn">
+            <dgm:param type="begPts" val="auto"/>
+            <dgm:param type="endPts" val="auto"/>
+          </dgm:alg>
+          <dgm:shape xmlns:r="http://schemas.openxmlformats.org/officeDocument/2006/relationships" type="conn" r:blip="">
+            <dgm:adjLst/>
+          </dgm:shape>
+          <dgm:presOf axis="self"/>
+          <dgm:constrLst>
+            <dgm:constr type="h" refType="w" fact="0.62"/>
+            <dgm:constr type="connDist"/>
+            <dgm:constr type="begPad" refType="connDist" fact="0.25"/>
+            <dgm:constr type="endPad" refType="connDist" fact="0.22"/>
+          </dgm:constrLst>
+          <dgm:ruleLst/>
+          <dgm:layoutNode name="connectorText">
+            <dgm:alg type="tx">
+              <dgm:param type="autoTxRot" val="grav"/>
+            </dgm:alg>
+            <dgm:shape xmlns:r="http://schemas.openxmlformats.org/officeDocument/2006/relationships" type="conn" r:blip="" hideGeom="1">
+              <dgm:adjLst/>
+            </dgm:shape>
+            <dgm:presOf axis="self"/>
+            <dgm:constrLst>
+              <dgm:constr type="lMarg"/>
+              <dgm:constr type="rMarg"/>
+              <dgm:constr type="tMarg"/>
+              <dgm:constr type="bMarg"/>
+            </dgm:constrLst>
+            <dgm:ruleLst>
+              <dgm:rule type="primFontSz" val="5" fact="NaN" max="NaN"/>
+            </dgm:ruleLst>
+          </dgm:layoutNode>
+        </dgm:layoutNode>
+      </dgm:forEach>
+    </dgm:forEach>
+  </dgm:layoutNode>
+</dgm:layoutDef>
+</file>
+
 <file path=ppt/diagrams/quickStyle1.xml><?xml version="1.0" encoding="utf-8"?>
 <dgm:styleDef xmlns:dgm="http://schemas.openxmlformats.org/drawingml/2006/diagram" xmlns:a="http://schemas.openxmlformats.org/drawingml/2006/main" uniqueId="urn:microsoft.com/office/officeart/2005/8/quickstyle/simple1">
   <dgm:title val=""/>
@@ -18064,6 +19474,1123 @@
 </file>
 
 <file path=ppt/diagrams/quickStyle6.xml><?xml version="1.0" encoding="utf-8"?>
+<dgm:styleDef xmlns:dgm="http://schemas.openxmlformats.org/drawingml/2006/diagram" xmlns:a="http://schemas.openxmlformats.org/drawingml/2006/main" uniqueId="urn:microsoft.com/office/officeart/2005/8/quickstyle/3d1">
+  <dgm:title val=""/>
+  <dgm:desc val=""/>
+  <dgm:catLst>
+    <dgm:cat type="3D" pri="11100"/>
+  </dgm:catLst>
+  <dgm:scene3d>
+    <a:camera prst="orthographicFront"/>
+    <a:lightRig rig="threePt" dir="t"/>
+  </dgm:scene3d>
+  <dgm:styleLbl name="node0">
+    <dgm:scene3d>
+      <a:camera prst="orthographicFront"/>
+      <a:lightRig rig="flat" dir="t"/>
+    </dgm:scene3d>
+    <dgm:sp3d prstMaterial="plastic">
+      <a:bevelT w="120900" h="88900"/>
+      <a:bevelB w="88900" h="31750" prst="angle"/>
+    </dgm:sp3d>
+    <dgm:txPr/>
+    <dgm:style>
+      <a:lnRef idx="0">
+        <a:scrgbClr r="0" g="0" b="0"/>
+      </a:lnRef>
+      <a:fillRef idx="3">
+        <a:scrgbClr r="0" g="0" b="0"/>
+      </a:fillRef>
+      <a:effectRef idx="2">
+        <a:scrgbClr r="0" g="0" b="0"/>
+      </a:effectRef>
+      <a:fontRef idx="minor">
+        <a:schemeClr val="lt1"/>
+      </a:fontRef>
+    </dgm:style>
+  </dgm:styleLbl>
+  <dgm:styleLbl name="lnNode1">
+    <dgm:scene3d>
+      <a:camera prst="orthographicFront"/>
+      <a:lightRig rig="flat" dir="t"/>
+    </dgm:scene3d>
+    <dgm:sp3d prstMaterial="plastic">
+      <a:bevelT w="120900" h="88900"/>
+      <a:bevelB w="88900" h="31750" prst="angle"/>
+    </dgm:sp3d>
+    <dgm:txPr/>
+    <dgm:style>
+      <a:lnRef idx="0">
+        <a:scrgbClr r="0" g="0" b="0"/>
+      </a:lnRef>
+      <a:fillRef idx="3">
+        <a:scrgbClr r="0" g="0" b="0"/>
+      </a:fillRef>
+      <a:effectRef idx="1">
+        <a:scrgbClr r="0" g="0" b="0"/>
+      </a:effectRef>
+      <a:fontRef idx="minor">
+        <a:schemeClr val="lt1"/>
+      </a:fontRef>
+    </dgm:style>
+  </dgm:styleLbl>
+  <dgm:styleLbl name="vennNode1">
+    <dgm:scene3d>
+      <a:camera prst="orthographicFront"/>
+      <a:lightRig rig="flat" dir="t"/>
+    </dgm:scene3d>
+    <dgm:sp3d prstMaterial="plastic">
+      <a:bevelT w="120900" h="88900"/>
+      <a:bevelB w="88900" h="31750" prst="angle"/>
+    </dgm:sp3d>
+    <dgm:txPr/>
+    <dgm:style>
+      <a:lnRef idx="0">
+        <a:scrgbClr r="0" g="0" b="0"/>
+      </a:lnRef>
+      <a:fillRef idx="1">
+        <a:scrgbClr r="0" g="0" b="0"/>
+      </a:fillRef>
+      <a:effectRef idx="1">
+        <a:scrgbClr r="0" g="0" b="0"/>
+      </a:effectRef>
+      <a:fontRef idx="minor">
+        <a:schemeClr val="tx1"/>
+      </a:fontRef>
+    </dgm:style>
+  </dgm:styleLbl>
+  <dgm:styleLbl name="alignNode1">
+    <dgm:scene3d>
+      <a:camera prst="orthographicFront"/>
+      <a:lightRig rig="flat" dir="t"/>
+    </dgm:scene3d>
+    <dgm:sp3d prstMaterial="plastic">
+      <a:bevelT w="120900" h="88900"/>
+      <a:bevelB w="88900" h="31750" prst="angle"/>
+    </dgm:sp3d>
+    <dgm:txPr/>
+    <dgm:style>
+      <a:lnRef idx="1">
+        <a:scrgbClr r="0" g="0" b="0"/>
+      </a:lnRef>
+      <a:fillRef idx="3">
+        <a:scrgbClr r="0" g="0" b="0"/>
+      </a:fillRef>
+      <a:effectRef idx="2">
+        <a:scrgbClr r="0" g="0" b="0"/>
+      </a:effectRef>
+      <a:fontRef idx="minor">
+        <a:schemeClr val="lt1"/>
+      </a:fontRef>
+    </dgm:style>
+  </dgm:styleLbl>
+  <dgm:styleLbl name="node1">
+    <dgm:scene3d>
+      <a:camera prst="orthographicFront"/>
+      <a:lightRig rig="flat" dir="t"/>
+    </dgm:scene3d>
+    <dgm:sp3d prstMaterial="plastic">
+      <a:bevelT w="120900" h="88900"/>
+      <a:bevelB w="88900" h="31750" prst="angle"/>
+    </dgm:sp3d>
+    <dgm:txPr/>
+    <dgm:style>
+      <a:lnRef idx="0">
+        <a:scrgbClr r="0" g="0" b="0"/>
+      </a:lnRef>
+      <a:fillRef idx="3">
+        <a:scrgbClr r="0" g="0" b="0"/>
+      </a:fillRef>
+      <a:effectRef idx="2">
+        <a:scrgbClr r="0" g="0" b="0"/>
+      </a:effectRef>
+      <a:fontRef idx="minor">
+        <a:schemeClr val="lt1"/>
+      </a:fontRef>
+    </dgm:style>
+  </dgm:styleLbl>
+  <dgm:styleLbl name="node2">
+    <dgm:scene3d>
+      <a:camera prst="orthographicFront"/>
+      <a:lightRig rig="flat" dir="t"/>
+    </dgm:scene3d>
+    <dgm:sp3d prstMaterial="plastic">
+      <a:bevelT w="120900" h="88900"/>
+      <a:bevelB w="88900" h="31750" prst="angle"/>
+    </dgm:sp3d>
+    <dgm:txPr/>
+    <dgm:style>
+      <a:lnRef idx="0">
+        <a:scrgbClr r="0" g="0" b="0"/>
+      </a:lnRef>
+      <a:fillRef idx="3">
+        <a:scrgbClr r="0" g="0" b="0"/>
+      </a:fillRef>
+      <a:effectRef idx="1">
+        <a:scrgbClr r="0" g="0" b="0"/>
+      </a:effectRef>
+      <a:fontRef idx="minor">
+        <a:schemeClr val="lt1"/>
+      </a:fontRef>
+    </dgm:style>
+  </dgm:styleLbl>
+  <dgm:styleLbl name="node3">
+    <dgm:scene3d>
+      <a:camera prst="orthographicFront"/>
+      <a:lightRig rig="flat" dir="t"/>
+    </dgm:scene3d>
+    <dgm:sp3d prstMaterial="plastic">
+      <a:bevelT w="120900" h="88900"/>
+      <a:bevelB w="88900" h="31750" prst="angle"/>
+    </dgm:sp3d>
+    <dgm:txPr/>
+    <dgm:style>
+      <a:lnRef idx="0">
+        <a:scrgbClr r="0" g="0" b="0"/>
+      </a:lnRef>
+      <a:fillRef idx="3">
+        <a:scrgbClr r="0" g="0" b="0"/>
+      </a:fillRef>
+      <a:effectRef idx="1">
+        <a:scrgbClr r="0" g="0" b="0"/>
+      </a:effectRef>
+      <a:fontRef idx="minor">
+        <a:schemeClr val="lt1"/>
+      </a:fontRef>
+    </dgm:style>
+  </dgm:styleLbl>
+  <dgm:styleLbl name="node4">
+    <dgm:scene3d>
+      <a:camera prst="orthographicFront"/>
+      <a:lightRig rig="flat" dir="t"/>
+    </dgm:scene3d>
+    <dgm:sp3d prstMaterial="plastic">
+      <a:bevelT w="120900" h="88900"/>
+      <a:bevelB w="88900" h="31750" prst="angle"/>
+    </dgm:sp3d>
+    <dgm:txPr/>
+    <dgm:style>
+      <a:lnRef idx="0">
+        <a:scrgbClr r="0" g="0" b="0"/>
+      </a:lnRef>
+      <a:fillRef idx="3">
+        <a:scrgbClr r="0" g="0" b="0"/>
+      </a:fillRef>
+      <a:effectRef idx="1">
+        <a:scrgbClr r="0" g="0" b="0"/>
+      </a:effectRef>
+      <a:fontRef idx="minor">
+        <a:schemeClr val="lt1"/>
+      </a:fontRef>
+    </dgm:style>
+  </dgm:styleLbl>
+  <dgm:styleLbl name="fgImgPlace1">
+    <dgm:scene3d>
+      <a:camera prst="orthographicFront"/>
+      <a:lightRig rig="flat" dir="t"/>
+    </dgm:scene3d>
+    <dgm:sp3d z="127000" prstMaterial="plastic">
+      <a:bevelT w="88900" h="88900"/>
+      <a:bevelB w="88900" h="31750" prst="angle"/>
+    </dgm:sp3d>
+    <dgm:txPr/>
+    <dgm:style>
+      <a:lnRef idx="0">
+        <a:scrgbClr r="0" g="0" b="0"/>
+      </a:lnRef>
+      <a:fillRef idx="3">
+        <a:scrgbClr r="0" g="0" b="0"/>
+      </a:fillRef>
+      <a:effectRef idx="2">
+        <a:scrgbClr r="0" g="0" b="0"/>
+      </a:effectRef>
+      <a:fontRef idx="minor"/>
+    </dgm:style>
+  </dgm:styleLbl>
+  <dgm:styleLbl name="alignImgPlace1">
+    <dgm:scene3d>
+      <a:camera prst="orthographicFront"/>
+      <a:lightRig rig="flat" dir="t"/>
+    </dgm:scene3d>
+    <dgm:sp3d prstMaterial="plastic">
+      <a:bevelT w="88900" h="88900"/>
+      <a:bevelB w="88900" h="31750" prst="angle"/>
+    </dgm:sp3d>
+    <dgm:txPr/>
+    <dgm:style>
+      <a:lnRef idx="0">
+        <a:scrgbClr r="0" g="0" b="0"/>
+      </a:lnRef>
+      <a:fillRef idx="3">
+        <a:scrgbClr r="0" g="0" b="0"/>
+      </a:fillRef>
+      <a:effectRef idx="2">
+        <a:scrgbClr r="0" g="0" b="0"/>
+      </a:effectRef>
+      <a:fontRef idx="minor"/>
+    </dgm:style>
+  </dgm:styleLbl>
+  <dgm:styleLbl name="bgImgPlace1">
+    <dgm:scene3d>
+      <a:camera prst="orthographicFront"/>
+      <a:lightRig rig="flat" dir="t"/>
+    </dgm:scene3d>
+    <dgm:sp3d z="-190500" prstMaterial="plastic">
+      <a:bevelT w="88900" h="88900"/>
+      <a:bevelB w="88900" h="31750" prst="angle"/>
+    </dgm:sp3d>
+    <dgm:txPr/>
+    <dgm:style>
+      <a:lnRef idx="0">
+        <a:scrgbClr r="0" g="0" b="0"/>
+      </a:lnRef>
+      <a:fillRef idx="3">
+        <a:scrgbClr r="0" g="0" b="0"/>
+      </a:fillRef>
+      <a:effectRef idx="2">
+        <a:scrgbClr r="0" g="0" b="0"/>
+      </a:effectRef>
+      <a:fontRef idx="minor"/>
+    </dgm:style>
+  </dgm:styleLbl>
+  <dgm:styleLbl name="sibTrans2D1">
+    <dgm:scene3d>
+      <a:camera prst="orthographicFront"/>
+      <a:lightRig rig="flat" dir="t"/>
+    </dgm:scene3d>
+    <dgm:sp3d z="-80000" prstMaterial="plastic">
+      <a:bevelT w="50800" h="50800"/>
+      <a:bevelB w="25400" h="25400" prst="angle"/>
+    </dgm:sp3d>
+    <dgm:txPr/>
+    <dgm:style>
+      <a:lnRef idx="0">
+        <a:scrgbClr r="0" g="0" b="0"/>
+      </a:lnRef>
+      <a:fillRef idx="3">
+        <a:scrgbClr r="0" g="0" b="0"/>
+      </a:fillRef>
+      <a:effectRef idx="2">
+        <a:scrgbClr r="0" g="0" b="0"/>
+      </a:effectRef>
+      <a:fontRef idx="minor">
+        <a:schemeClr val="lt1"/>
+      </a:fontRef>
+    </dgm:style>
+  </dgm:styleLbl>
+  <dgm:styleLbl name="fgSibTrans2D1">
+    <dgm:scene3d>
+      <a:camera prst="orthographicFront"/>
+      <a:lightRig rig="flat" dir="t"/>
+    </dgm:scene3d>
+    <dgm:sp3d z="127000" prstMaterial="plastic">
+      <a:bevelT w="50800" h="50800"/>
+      <a:bevelB w="25400" h="25400" prst="angle"/>
+    </dgm:sp3d>
+    <dgm:txPr/>
+    <dgm:style>
+      <a:lnRef idx="0">
+        <a:scrgbClr r="0" g="0" b="0"/>
+      </a:lnRef>
+      <a:fillRef idx="3">
+        <a:scrgbClr r="0" g="0" b="0"/>
+      </a:fillRef>
+      <a:effectRef idx="2">
+        <a:scrgbClr r="0" g="0" b="0"/>
+      </a:effectRef>
+      <a:fontRef idx="minor">
+        <a:schemeClr val="lt1"/>
+      </a:fontRef>
+    </dgm:style>
+  </dgm:styleLbl>
+  <dgm:styleLbl name="bgSibTrans2D1">
+    <dgm:scene3d>
+      <a:camera prst="orthographicFront"/>
+      <a:lightRig rig="flat" dir="t"/>
+    </dgm:scene3d>
+    <dgm:sp3d z="-190500" prstMaterial="plastic">
+      <a:bevelT w="50800" h="50800"/>
+      <a:bevelB w="25400" h="25400" prst="angle"/>
+    </dgm:sp3d>
+    <dgm:txPr/>
+    <dgm:style>
+      <a:lnRef idx="0">
+        <a:scrgbClr r="0" g="0" b="0"/>
+      </a:lnRef>
+      <a:fillRef idx="3">
+        <a:scrgbClr r="0" g="0" b="0"/>
+      </a:fillRef>
+      <a:effectRef idx="2">
+        <a:scrgbClr r="0" g="0" b="0"/>
+      </a:effectRef>
+      <a:fontRef idx="minor">
+        <a:schemeClr val="lt1"/>
+      </a:fontRef>
+    </dgm:style>
+  </dgm:styleLbl>
+  <dgm:styleLbl name="sibTrans1D1">
+    <dgm:scene3d>
+      <a:camera prst="orthographicFront"/>
+      <a:lightRig rig="flat" dir="t"/>
+    </dgm:scene3d>
+    <dgm:sp3d z="-40000" prstMaterial="matte"/>
+    <dgm:txPr/>
+    <dgm:style>
+      <a:lnRef idx="1">
+        <a:scrgbClr r="0" g="0" b="0"/>
+      </a:lnRef>
+      <a:fillRef idx="0">
+        <a:scrgbClr r="0" g="0" b="0"/>
+      </a:fillRef>
+      <a:effectRef idx="0">
+        <a:scrgbClr r="0" g="0" b="0"/>
+      </a:effectRef>
+      <a:fontRef idx="minor"/>
+    </dgm:style>
+  </dgm:styleLbl>
+  <dgm:styleLbl name="callout">
+    <dgm:scene3d>
+      <a:camera prst="orthographicFront"/>
+      <a:lightRig rig="threePt" dir="t"/>
+    </dgm:scene3d>
+    <dgm:sp3d z="127000" prstMaterial="matte"/>
+    <dgm:txPr/>
+    <dgm:style>
+      <a:lnRef idx="2">
+        <a:scrgbClr r="0" g="0" b="0"/>
+      </a:lnRef>
+      <a:fillRef idx="1">
+        <a:scrgbClr r="0" g="0" b="0"/>
+      </a:fillRef>
+      <a:effectRef idx="0">
+        <a:scrgbClr r="0" g="0" b="0"/>
+      </a:effectRef>
+      <a:fontRef idx="minor"/>
+    </dgm:style>
+  </dgm:styleLbl>
+  <dgm:styleLbl name="asst0">
+    <dgm:scene3d>
+      <a:camera prst="orthographicFront"/>
+      <a:lightRig rig="flat" dir="t"/>
+    </dgm:scene3d>
+    <dgm:sp3d prstMaterial="plastic">
+      <a:bevelT w="120900" h="88900"/>
+      <a:bevelB w="88900" h="31750" prst="angle"/>
+    </dgm:sp3d>
+    <dgm:txPr/>
+    <dgm:style>
+      <a:lnRef idx="0">
+        <a:scrgbClr r="0" g="0" b="0"/>
+      </a:lnRef>
+      <a:fillRef idx="3">
+        <a:scrgbClr r="0" g="0" b="0"/>
+      </a:fillRef>
+      <a:effectRef idx="1">
+        <a:scrgbClr r="0" g="0" b="0"/>
+      </a:effectRef>
+      <a:fontRef idx="minor">
+        <a:schemeClr val="lt1"/>
+      </a:fontRef>
+    </dgm:style>
+  </dgm:styleLbl>
+  <dgm:styleLbl name="asst1">
+    <dgm:scene3d>
+      <a:camera prst="orthographicFront"/>
+      <a:lightRig rig="flat" dir="t"/>
+    </dgm:scene3d>
+    <dgm:sp3d prstMaterial="plastic">
+      <a:bevelT w="120900" h="88900"/>
+      <a:bevelB w="88900" h="31750" prst="angle"/>
+    </dgm:sp3d>
+    <dgm:txPr/>
+    <dgm:style>
+      <a:lnRef idx="0">
+        <a:scrgbClr r="0" g="0" b="0"/>
+      </a:lnRef>
+      <a:fillRef idx="3">
+        <a:scrgbClr r="0" g="0" b="0"/>
+      </a:fillRef>
+      <a:effectRef idx="1">
+        <a:scrgbClr r="0" g="0" b="0"/>
+      </a:effectRef>
+      <a:fontRef idx="minor">
+        <a:schemeClr val="lt1"/>
+      </a:fontRef>
+    </dgm:style>
+  </dgm:styleLbl>
+  <dgm:styleLbl name="asst2">
+    <dgm:scene3d>
+      <a:camera prst="orthographicFront"/>
+      <a:lightRig rig="flat" dir="t"/>
+    </dgm:scene3d>
+    <dgm:sp3d prstMaterial="plastic">
+      <a:bevelT w="120900" h="88900"/>
+      <a:bevelB w="88900" h="31750" prst="angle"/>
+    </dgm:sp3d>
+    <dgm:txPr/>
+    <dgm:style>
+      <a:lnRef idx="0">
+        <a:scrgbClr r="0" g="0" b="0"/>
+      </a:lnRef>
+      <a:fillRef idx="3">
+        <a:scrgbClr r="0" g="0" b="0"/>
+      </a:fillRef>
+      <a:effectRef idx="1">
+        <a:scrgbClr r="0" g="0" b="0"/>
+      </a:effectRef>
+      <a:fontRef idx="minor">
+        <a:schemeClr val="lt1"/>
+      </a:fontRef>
+    </dgm:style>
+  </dgm:styleLbl>
+  <dgm:styleLbl name="asst3">
+    <dgm:scene3d>
+      <a:camera prst="orthographicFront"/>
+      <a:lightRig rig="flat" dir="t"/>
+    </dgm:scene3d>
+    <dgm:sp3d prstMaterial="plastic">
+      <a:bevelT w="120900" h="88900"/>
+      <a:bevelB w="88900" h="31750" prst="angle"/>
+    </dgm:sp3d>
+    <dgm:txPr/>
+    <dgm:style>
+      <a:lnRef idx="0">
+        <a:scrgbClr r="0" g="0" b="0"/>
+      </a:lnRef>
+      <a:fillRef idx="3">
+        <a:scrgbClr r="0" g="0" b="0"/>
+      </a:fillRef>
+      <a:effectRef idx="1">
+        <a:scrgbClr r="0" g="0" b="0"/>
+      </a:effectRef>
+      <a:fontRef idx="minor">
+        <a:schemeClr val="lt1"/>
+      </a:fontRef>
+    </dgm:style>
+  </dgm:styleLbl>
+  <dgm:styleLbl name="parChTrans2D1">
+    <dgm:scene3d>
+      <a:camera prst="orthographicFront"/>
+      <a:lightRig rig="flat" dir="t"/>
+    </dgm:scene3d>
+    <dgm:sp3d z="-100000" prstMaterial="plastic">
+      <a:bevelT w="120900" h="88900"/>
+      <a:bevelB w="88900" h="31750" prst="angle"/>
+    </dgm:sp3d>
+    <dgm:txPr/>
+    <dgm:style>
+      <a:lnRef idx="0">
+        <a:scrgbClr r="0" g="0" b="0"/>
+      </a:lnRef>
+      <a:fillRef idx="3">
+        <a:scrgbClr r="0" g="0" b="0"/>
+      </a:fillRef>
+      <a:effectRef idx="1">
+        <a:scrgbClr r="0" g="0" b="0"/>
+      </a:effectRef>
+      <a:fontRef idx="minor">
+        <a:schemeClr val="lt1"/>
+      </a:fontRef>
+    </dgm:style>
+  </dgm:styleLbl>
+  <dgm:styleLbl name="parChTrans2D2">
+    <dgm:scene3d>
+      <a:camera prst="orthographicFront"/>
+      <a:lightRig rig="flat" dir="t"/>
+    </dgm:scene3d>
+    <dgm:sp3d z="-60000" prstMaterial="plastic">
+      <a:bevelT w="120900" h="88900"/>
+      <a:bevelB w="88900" h="31750" prst="angle"/>
+    </dgm:sp3d>
+    <dgm:txPr/>
+    <dgm:style>
+      <a:lnRef idx="0">
+        <a:scrgbClr r="0" g="0" b="0"/>
+      </a:lnRef>
+      <a:fillRef idx="3">
+        <a:scrgbClr r="0" g="0" b="0"/>
+      </a:fillRef>
+      <a:effectRef idx="1">
+        <a:scrgbClr r="0" g="0" b="0"/>
+      </a:effectRef>
+      <a:fontRef idx="minor">
+        <a:schemeClr val="lt1"/>
+      </a:fontRef>
+    </dgm:style>
+  </dgm:styleLbl>
+  <dgm:styleLbl name="parChTrans2D3">
+    <dgm:scene3d>
+      <a:camera prst="orthographicFront"/>
+      <a:lightRig rig="flat" dir="t"/>
+    </dgm:scene3d>
+    <dgm:sp3d z="-60000" prstMaterial="plastic">
+      <a:bevelT w="120900" h="88900"/>
+      <a:bevelB w="88900" h="31750" prst="angle"/>
+    </dgm:sp3d>
+    <dgm:txPr/>
+    <dgm:style>
+      <a:lnRef idx="0">
+        <a:scrgbClr r="0" g="0" b="0"/>
+      </a:lnRef>
+      <a:fillRef idx="3">
+        <a:scrgbClr r="0" g="0" b="0"/>
+      </a:fillRef>
+      <a:effectRef idx="1">
+        <a:scrgbClr r="0" g="0" b="0"/>
+      </a:effectRef>
+      <a:fontRef idx="minor">
+        <a:schemeClr val="lt1"/>
+      </a:fontRef>
+    </dgm:style>
+  </dgm:styleLbl>
+  <dgm:styleLbl name="parChTrans2D4">
+    <dgm:scene3d>
+      <a:camera prst="orthographicFront"/>
+      <a:lightRig rig="flat" dir="t"/>
+    </dgm:scene3d>
+    <dgm:sp3d z="-60000" prstMaterial="plastic">
+      <a:bevelT w="120900" h="88900"/>
+      <a:bevelB w="88900" h="31750" prst="angle"/>
+    </dgm:sp3d>
+    <dgm:txPr/>
+    <dgm:style>
+      <a:lnRef idx="0">
+        <a:scrgbClr r="0" g="0" b="0"/>
+      </a:lnRef>
+      <a:fillRef idx="3">
+        <a:scrgbClr r="0" g="0" b="0"/>
+      </a:fillRef>
+      <a:effectRef idx="1">
+        <a:scrgbClr r="0" g="0" b="0"/>
+      </a:effectRef>
+      <a:fontRef idx="minor">
+        <a:schemeClr val="lt1"/>
+      </a:fontRef>
+    </dgm:style>
+  </dgm:styleLbl>
+  <dgm:styleLbl name="parChTrans1D1">
+    <dgm:scene3d>
+      <a:camera prst="orthographicFront"/>
+      <a:lightRig rig="flat" dir="t"/>
+    </dgm:scene3d>
+    <dgm:sp3d prstMaterial="matte"/>
+    <dgm:txPr/>
+    <dgm:style>
+      <a:lnRef idx="2">
+        <a:scrgbClr r="0" g="0" b="0"/>
+      </a:lnRef>
+      <a:fillRef idx="0">
+        <a:scrgbClr r="0" g="0" b="0"/>
+      </a:fillRef>
+      <a:effectRef idx="0">
+        <a:scrgbClr r="0" g="0" b="0"/>
+      </a:effectRef>
+      <a:fontRef idx="minor"/>
+    </dgm:style>
+  </dgm:styleLbl>
+  <dgm:styleLbl name="parChTrans1D2">
+    <dgm:scene3d>
+      <a:camera prst="orthographicFront"/>
+      <a:lightRig rig="flat" dir="t"/>
+    </dgm:scene3d>
+    <dgm:sp3d prstMaterial="matte"/>
+    <dgm:txPr/>
+    <dgm:style>
+      <a:lnRef idx="2">
+        <a:scrgbClr r="0" g="0" b="0"/>
+      </a:lnRef>
+      <a:fillRef idx="0">
+        <a:scrgbClr r="0" g="0" b="0"/>
+      </a:fillRef>
+      <a:effectRef idx="0">
+        <a:scrgbClr r="0" g="0" b="0"/>
+      </a:effectRef>
+      <a:fontRef idx="minor"/>
+    </dgm:style>
+  </dgm:styleLbl>
+  <dgm:styleLbl name="parChTrans1D3">
+    <dgm:scene3d>
+      <a:camera prst="orthographicFront"/>
+      <a:lightRig rig="flat" dir="t"/>
+    </dgm:scene3d>
+    <dgm:sp3d prstMaterial="matte"/>
+    <dgm:txPr/>
+    <dgm:style>
+      <a:lnRef idx="2">
+        <a:scrgbClr r="0" g="0" b="0"/>
+      </a:lnRef>
+      <a:fillRef idx="0">
+        <a:scrgbClr r="0" g="0" b="0"/>
+      </a:fillRef>
+      <a:effectRef idx="0">
+        <a:scrgbClr r="0" g="0" b="0"/>
+      </a:effectRef>
+      <a:fontRef idx="minor"/>
+    </dgm:style>
+  </dgm:styleLbl>
+  <dgm:styleLbl name="parChTrans1D4">
+    <dgm:scene3d>
+      <a:camera prst="orthographicFront"/>
+      <a:lightRig rig="flat" dir="t"/>
+    </dgm:scene3d>
+    <dgm:sp3d prstMaterial="matte"/>
+    <dgm:txPr/>
+    <dgm:style>
+      <a:lnRef idx="2">
+        <a:scrgbClr r="0" g="0" b="0"/>
+      </a:lnRef>
+      <a:fillRef idx="0">
+        <a:scrgbClr r="0" g="0" b="0"/>
+      </a:fillRef>
+      <a:effectRef idx="0">
+        <a:scrgbClr r="0" g="0" b="0"/>
+      </a:effectRef>
+      <a:fontRef idx="minor"/>
+    </dgm:style>
+  </dgm:styleLbl>
+  <dgm:styleLbl name="fgAcc1">
+    <dgm:scene3d>
+      <a:camera prst="orthographicFront"/>
+      <a:lightRig rig="flat" dir="t"/>
+    </dgm:scene3d>
+    <dgm:sp3d z="190500" extrusionH="12700" prstMaterial="plastic">
+      <a:bevelT w="50800" h="50800"/>
+    </dgm:sp3d>
+    <dgm:txPr/>
+    <dgm:style>
+      <a:lnRef idx="1">
+        <a:scrgbClr r="0" g="0" b="0"/>
+      </a:lnRef>
+      <a:fillRef idx="1">
+        <a:scrgbClr r="0" g="0" b="0"/>
+      </a:fillRef>
+      <a:effectRef idx="2">
+        <a:scrgbClr r="0" g="0" b="0"/>
+      </a:effectRef>
+      <a:fontRef idx="minor"/>
+    </dgm:style>
+  </dgm:styleLbl>
+  <dgm:styleLbl name="conFgAcc1">
+    <dgm:scene3d>
+      <a:camera prst="orthographicFront"/>
+      <a:lightRig rig="flat" dir="t"/>
+    </dgm:scene3d>
+    <dgm:sp3d z="190500" extrusionH="12700" prstMaterial="plastic">
+      <a:bevelT w="50800" h="50800"/>
+    </dgm:sp3d>
+    <dgm:txPr/>
+    <dgm:style>
+      <a:lnRef idx="1">
+        <a:scrgbClr r="0" g="0" b="0"/>
+      </a:lnRef>
+      <a:fillRef idx="1">
+        <a:scrgbClr r="0" g="0" b="0"/>
+      </a:fillRef>
+      <a:effectRef idx="2">
+        <a:scrgbClr r="0" g="0" b="0"/>
+      </a:effectRef>
+      <a:fontRef idx="minor"/>
+    </dgm:style>
+  </dgm:styleLbl>
+  <dgm:styleLbl name="alignAcc1">
+    <dgm:scene3d>
+      <a:camera prst="orthographicFront"/>
+      <a:lightRig rig="flat" dir="t"/>
+    </dgm:scene3d>
+    <dgm:sp3d extrusionH="12700" prstMaterial="plastic">
+      <a:bevelT w="50800" h="50800"/>
+    </dgm:sp3d>
+    <dgm:txPr/>
+    <dgm:style>
+      <a:lnRef idx="1">
+        <a:scrgbClr r="0" g="0" b="0"/>
+      </a:lnRef>
+      <a:fillRef idx="1">
+        <a:scrgbClr r="0" g="0" b="0"/>
+      </a:fillRef>
+      <a:effectRef idx="2">
+        <a:scrgbClr r="0" g="0" b="0"/>
+      </a:effectRef>
+      <a:fontRef idx="minor"/>
+    </dgm:style>
+  </dgm:styleLbl>
+  <dgm:styleLbl name="trAlignAcc1">
+    <dgm:scene3d>
+      <a:camera prst="orthographicFront"/>
+      <a:lightRig rig="flat" dir="t"/>
+    </dgm:scene3d>
+    <dgm:sp3d extrusionH="12700" prstMaterial="plastic">
+      <a:bevelT w="50800" h="50800"/>
+    </dgm:sp3d>
+    <dgm:txPr/>
+    <dgm:style>
+      <a:lnRef idx="1">
+        <a:scrgbClr r="0" g="0" b="0"/>
+      </a:lnRef>
+      <a:fillRef idx="1">
+        <a:scrgbClr r="0" g="0" b="0"/>
+      </a:fillRef>
+      <a:effectRef idx="2">
+        <a:scrgbClr r="0" g="0" b="0"/>
+      </a:effectRef>
+      <a:fontRef idx="minor"/>
+    </dgm:style>
+  </dgm:styleLbl>
+  <dgm:styleLbl name="bgAcc1">
+    <dgm:scene3d>
+      <a:camera prst="orthographicFront"/>
+      <a:lightRig rig="flat" dir="t"/>
+    </dgm:scene3d>
+    <dgm:sp3d z="-190500" extrusionH="12700" prstMaterial="plastic">
+      <a:bevelT w="50800" h="50800"/>
+    </dgm:sp3d>
+    <dgm:txPr/>
+    <dgm:style>
+      <a:lnRef idx="1">
+        <a:scrgbClr r="0" g="0" b="0"/>
+      </a:lnRef>
+      <a:fillRef idx="1">
+        <a:scrgbClr r="0" g="0" b="0"/>
+      </a:fillRef>
+      <a:effectRef idx="2">
+        <a:scrgbClr r="0" g="0" b="0"/>
+      </a:effectRef>
+      <a:fontRef idx="minor"/>
+    </dgm:style>
+  </dgm:styleLbl>
+  <dgm:styleLbl name="solidFgAcc1">
+    <dgm:scene3d>
+      <a:camera prst="orthographicFront"/>
+      <a:lightRig rig="flat" dir="t"/>
+    </dgm:scene3d>
+    <dgm:sp3d z="190500" extrusionH="12700" prstMaterial="plastic">
+      <a:bevelT w="50800" h="50800"/>
+    </dgm:sp3d>
+    <dgm:txPr/>
+    <dgm:style>
+      <a:lnRef idx="1">
+        <a:scrgbClr r="0" g="0" b="0"/>
+      </a:lnRef>
+      <a:fillRef idx="1">
+        <a:scrgbClr r="0" g="0" b="0"/>
+      </a:fillRef>
+      <a:effectRef idx="2">
+        <a:scrgbClr r="0" g="0" b="0"/>
+      </a:effectRef>
+      <a:fontRef idx="minor"/>
+    </dgm:style>
+  </dgm:styleLbl>
+  <dgm:styleLbl name="solidAlignAcc1">
+    <dgm:scene3d>
+      <a:camera prst="orthographicFront"/>
+      <a:lightRig rig="flat" dir="t"/>
+    </dgm:scene3d>
+    <dgm:sp3d extrusionH="12700" prstMaterial="plastic">
+      <a:bevelT w="50800" h="50800"/>
+    </dgm:sp3d>
+    <dgm:txPr/>
+    <dgm:style>
+      <a:lnRef idx="1">
+        <a:scrgbClr r="0" g="0" b="0"/>
+      </a:lnRef>
+      <a:fillRef idx="1">
+        <a:scrgbClr r="0" g="0" b="0"/>
+      </a:fillRef>
+      <a:effectRef idx="2">
+        <a:scrgbClr r="0" g="0" b="0"/>
+      </a:effectRef>
+      <a:fontRef idx="minor"/>
+    </dgm:style>
+  </dgm:styleLbl>
+  <dgm:styleLbl name="solidBgAcc1">
+    <dgm:scene3d>
+      <a:camera prst="orthographicFront"/>
+      <a:lightRig rig="flat" dir="t"/>
+    </dgm:scene3d>
+    <dgm:sp3d z="-190500" extrusionH="12700" prstMaterial="plastic">
+      <a:bevelT w="50800" h="50800"/>
+    </dgm:sp3d>
+    <dgm:txPr/>
+    <dgm:style>
+      <a:lnRef idx="1">
+        <a:scrgbClr r="0" g="0" b="0"/>
+      </a:lnRef>
+      <a:fillRef idx="1">
+        <a:scrgbClr r="0" g="0" b="0"/>
+      </a:fillRef>
+      <a:effectRef idx="2">
+        <a:scrgbClr r="0" g="0" b="0"/>
+      </a:effectRef>
+      <a:fontRef idx="minor"/>
+    </dgm:style>
+  </dgm:styleLbl>
+  <dgm:styleLbl name="fgAccFollowNode1">
+    <dgm:scene3d>
+      <a:camera prst="orthographicFront"/>
+      <a:lightRig rig="flat" dir="t"/>
+    </dgm:scene3d>
+    <dgm:sp3d z="190500" extrusionH="12700" prstMaterial="plastic">
+      <a:bevelT w="50800" h="50800"/>
+    </dgm:sp3d>
+    <dgm:txPr/>
+    <dgm:style>
+      <a:lnRef idx="1">
+        <a:scrgbClr r="0" g="0" b="0"/>
+      </a:lnRef>
+      <a:fillRef idx="1">
+        <a:scrgbClr r="0" g="0" b="0"/>
+      </a:fillRef>
+      <a:effectRef idx="2">
+        <a:scrgbClr r="0" g="0" b="0"/>
+      </a:effectRef>
+      <a:fontRef idx="minor"/>
+    </dgm:style>
+  </dgm:styleLbl>
+  <dgm:styleLbl name="alignAccFollowNode1">
+    <dgm:scene3d>
+      <a:camera prst="orthographicFront"/>
+      <a:lightRig rig="flat" dir="t"/>
+    </dgm:scene3d>
+    <dgm:sp3d extrusionH="12700" prstMaterial="plastic">
+      <a:bevelT w="50800" h="50800"/>
+    </dgm:sp3d>
+    <dgm:txPr/>
+    <dgm:style>
+      <a:lnRef idx="1">
+        <a:scrgbClr r="0" g="0" b="0"/>
+      </a:lnRef>
+      <a:fillRef idx="1">
+        <a:scrgbClr r="0" g="0" b="0"/>
+      </a:fillRef>
+      <a:effectRef idx="2">
+        <a:scrgbClr r="0" g="0" b="0"/>
+      </a:effectRef>
+      <a:fontRef idx="minor"/>
+    </dgm:style>
+  </dgm:styleLbl>
+  <dgm:styleLbl name="bgAccFollowNode1">
+    <dgm:scene3d>
+      <a:camera prst="orthographicFront"/>
+      <a:lightRig rig="flat" dir="t"/>
+    </dgm:scene3d>
+    <dgm:sp3d z="-190500" extrusionH="12700" prstMaterial="plastic">
+      <a:bevelT w="50800" h="50800"/>
+    </dgm:sp3d>
+    <dgm:txPr/>
+    <dgm:style>
+      <a:lnRef idx="1">
+        <a:scrgbClr r="0" g="0" b="0"/>
+      </a:lnRef>
+      <a:fillRef idx="1">
+        <a:scrgbClr r="0" g="0" b="0"/>
+      </a:fillRef>
+      <a:effectRef idx="2">
+        <a:scrgbClr r="0" g="0" b="0"/>
+      </a:effectRef>
+      <a:fontRef idx="minor"/>
+    </dgm:style>
+  </dgm:styleLbl>
+  <dgm:styleLbl name="fgAcc0">
+    <dgm:scene3d>
+      <a:camera prst="orthographicFront"/>
+      <a:lightRig rig="flat" dir="t"/>
+    </dgm:scene3d>
+    <dgm:sp3d z="190500" extrusionH="12700" prstMaterial="plastic">
+      <a:bevelT w="50800" h="50800"/>
+    </dgm:sp3d>
+    <dgm:txPr/>
+    <dgm:style>
+      <a:lnRef idx="1">
+        <a:scrgbClr r="0" g="0" b="0"/>
+      </a:lnRef>
+      <a:fillRef idx="1">
+        <a:scrgbClr r="0" g="0" b="0"/>
+      </a:fillRef>
+      <a:effectRef idx="2">
+        <a:scrgbClr r="0" g="0" b="0"/>
+      </a:effectRef>
+      <a:fontRef idx="minor"/>
+    </dgm:style>
+  </dgm:styleLbl>
+  <dgm:styleLbl name="fgAcc2">
+    <dgm:scene3d>
+      <a:camera prst="orthographicFront"/>
+      <a:lightRig rig="flat" dir="t"/>
+    </dgm:scene3d>
+    <dgm:sp3d z="190500" extrusionH="12700" prstMaterial="plastic">
+      <a:bevelT w="50800" h="50800"/>
+    </dgm:sp3d>
+    <dgm:txPr/>
+    <dgm:style>
+      <a:lnRef idx="1">
+        <a:scrgbClr r="0" g="0" b="0"/>
+      </a:lnRef>
+      <a:fillRef idx="1">
+        <a:scrgbClr r="0" g="0" b="0"/>
+      </a:fillRef>
+      <a:effectRef idx="2">
+        <a:scrgbClr r="0" g="0" b="0"/>
+      </a:effectRef>
+      <a:fontRef idx="minor"/>
+    </dgm:style>
+  </dgm:styleLbl>
+  <dgm:styleLbl name="fgAcc3">
+    <dgm:scene3d>
+      <a:camera prst="orthographicFront"/>
+      <a:lightRig rig="flat" dir="t"/>
+    </dgm:scene3d>
+    <dgm:sp3d z="190500" extrusionH="12700" prstMaterial="plastic">
+      <a:bevelT w="50800" h="50800"/>
+    </dgm:sp3d>
+    <dgm:txPr/>
+    <dgm:style>
+      <a:lnRef idx="1">
+        <a:scrgbClr r="0" g="0" b="0"/>
+      </a:lnRef>
+      <a:fillRef idx="1">
+        <a:scrgbClr r="0" g="0" b="0"/>
+      </a:fillRef>
+      <a:effectRef idx="2">
+        <a:scrgbClr r="0" g="0" b="0"/>
+      </a:effectRef>
+      <a:fontRef idx="minor"/>
+    </dgm:style>
+  </dgm:styleLbl>
+  <dgm:styleLbl name="fgAcc4">
+    <dgm:scene3d>
+      <a:camera prst="orthographicFront"/>
+      <a:lightRig rig="flat" dir="t"/>
+    </dgm:scene3d>
+    <dgm:sp3d z="190500" extrusionH="12700" prstMaterial="plastic">
+      <a:bevelT w="50800" h="50800"/>
+    </dgm:sp3d>
+    <dgm:txPr/>
+    <dgm:style>
+      <a:lnRef idx="1">
+        <a:scrgbClr r="0" g="0" b="0"/>
+      </a:lnRef>
+      <a:fillRef idx="1">
+        <a:scrgbClr r="0" g="0" b="0"/>
+      </a:fillRef>
+      <a:effectRef idx="2">
+        <a:scrgbClr r="0" g="0" b="0"/>
+      </a:effectRef>
+      <a:fontRef idx="minor"/>
+    </dgm:style>
+  </dgm:styleLbl>
+  <dgm:styleLbl name="bgShp">
+    <dgm:scene3d>
+      <a:camera prst="orthographicFront"/>
+      <a:lightRig rig="flat" dir="t"/>
+    </dgm:scene3d>
+    <dgm:sp3d z="-190500" extrusionH="12700" prstMaterial="plastic">
+      <a:bevelT w="50800" h="50800"/>
+    </dgm:sp3d>
+    <dgm:txPr/>
+    <dgm:style>
+      <a:lnRef idx="0">
+        <a:scrgbClr r="0" g="0" b="0"/>
+      </a:lnRef>
+      <a:fillRef idx="3">
+        <a:scrgbClr r="0" g="0" b="0"/>
+      </a:fillRef>
+      <a:effectRef idx="0">
+        <a:scrgbClr r="0" g="0" b="0"/>
+      </a:effectRef>
+      <a:fontRef idx="minor"/>
+    </dgm:style>
+  </dgm:styleLbl>
+  <dgm:styleLbl name="dkBgShp">
+    <dgm:scene3d>
+      <a:camera prst="orthographicFront"/>
+      <a:lightRig rig="flat" dir="t"/>
+    </dgm:scene3d>
+    <dgm:sp3d z="-190500" extrusionH="12700" prstMaterial="plastic">
+      <a:bevelT w="50800" h="50800"/>
+    </dgm:sp3d>
+    <dgm:txPr/>
+    <dgm:style>
+      <a:lnRef idx="0">
+        <a:scrgbClr r="0" g="0" b="0"/>
+      </a:lnRef>
+      <a:fillRef idx="2">
+        <a:scrgbClr r="0" g="0" b="0"/>
+      </a:fillRef>
+      <a:effectRef idx="0">
+        <a:scrgbClr r="0" g="0" b="0"/>
+      </a:effectRef>
+      <a:fontRef idx="minor"/>
+    </dgm:style>
+  </dgm:styleLbl>
+  <dgm:styleLbl name="trBgShp">
+    <dgm:scene3d>
+      <a:camera prst="orthographicFront"/>
+      <a:lightRig rig="flat" dir="t"/>
+    </dgm:scene3d>
+    <dgm:sp3d z="-190500" extrusionH="12700" prstMaterial="matte"/>
+    <dgm:txPr/>
+    <dgm:style>
+      <a:lnRef idx="0">
+        <a:scrgbClr r="0" g="0" b="0"/>
+      </a:lnRef>
+      <a:fillRef idx="1">
+        <a:scrgbClr r="0" g="0" b="0"/>
+      </a:fillRef>
+      <a:effectRef idx="0">
+        <a:scrgbClr r="0" g="0" b="0"/>
+      </a:effectRef>
+      <a:fontRef idx="minor"/>
+    </dgm:style>
+  </dgm:styleLbl>
+  <dgm:styleLbl name="fgShp">
+    <dgm:scene3d>
+      <a:camera prst="orthographicFront"/>
+      <a:lightRig rig="flat" dir="t"/>
+    </dgm:scene3d>
+    <dgm:sp3d z="190500" prstMaterial="plastic">
+      <a:bevelT w="120900" h="88900"/>
+      <a:bevelB w="88900" h="31750" prst="angle"/>
+    </dgm:sp3d>
+    <dgm:txPr/>
+    <dgm:style>
+      <a:lnRef idx="0">
+        <a:scrgbClr r="0" g="0" b="0"/>
+      </a:lnRef>
+      <a:fillRef idx="1">
+        <a:scrgbClr r="0" g="0" b="0"/>
+      </a:fillRef>
+      <a:effectRef idx="3">
+        <a:scrgbClr r="0" g="0" b="0"/>
+      </a:effectRef>
+      <a:fontRef idx="minor">
+        <a:schemeClr val="lt1"/>
+      </a:fontRef>
+    </dgm:style>
+  </dgm:styleLbl>
+  <dgm:styleLbl name="revTx">
+    <dgm:scene3d>
+      <a:camera prst="orthographicFront"/>
+      <a:lightRig rig="threePt" dir="t"/>
+    </dgm:scene3d>
+    <dgm:sp3d/>
+    <dgm:txPr/>
+    <dgm:style>
+      <a:lnRef idx="0">
+        <a:scrgbClr r="0" g="0" b="0"/>
+      </a:lnRef>
+      <a:fillRef idx="0">
+        <a:scrgbClr r="0" g="0" b="0"/>
+      </a:fillRef>
+      <a:effectRef idx="0">
+        <a:scrgbClr r="0" g="0" b="0"/>
+      </a:effectRef>
+      <a:fontRef idx="minor"/>
+    </dgm:style>
+  </dgm:styleLbl>
+</dgm:styleDef>
+</file>
+
+<file path=ppt/diagrams/quickStyle7.xml><?xml version="1.0" encoding="utf-8"?>
 <dgm:styleDef xmlns:dgm="http://schemas.openxmlformats.org/drawingml/2006/diagram" xmlns:a="http://schemas.openxmlformats.org/drawingml/2006/main" uniqueId="urn:microsoft.com/office/officeart/2005/8/quickstyle/3d1">
   <dgm:title val=""/>
   <dgm:desc val=""/>
@@ -19311,7 +21838,7 @@
           <a:p>
             <a:fld id="{DAE76C1B-83F1-4715-B1BF-5B63C3EA389F}" type="datetimeFigureOut">
               <a:rPr lang="de-DE" smtClean="0"/>
-              <a:t>26.06.2018</a:t>
+              <a:t>27.06.2018</a:t>
             </a:fld>
             <a:endParaRPr lang="de-DE"/>
           </a:p>
@@ -19481,7 +22008,7 @@
           <a:p>
             <a:fld id="{DAE76C1B-83F1-4715-B1BF-5B63C3EA389F}" type="datetimeFigureOut">
               <a:rPr lang="de-DE" smtClean="0"/>
-              <a:t>26.06.2018</a:t>
+              <a:t>27.06.2018</a:t>
             </a:fld>
             <a:endParaRPr lang="de-DE"/>
           </a:p>
@@ -19661,7 +22188,7 @@
           <a:p>
             <a:fld id="{DAE76C1B-83F1-4715-B1BF-5B63C3EA389F}" type="datetimeFigureOut">
               <a:rPr lang="de-DE" smtClean="0"/>
-              <a:t>26.06.2018</a:t>
+              <a:t>27.06.2018</a:t>
             </a:fld>
             <a:endParaRPr lang="de-DE"/>
           </a:p>
@@ -19831,7 +22358,7 @@
           <a:p>
             <a:fld id="{DAE76C1B-83F1-4715-B1BF-5B63C3EA389F}" type="datetimeFigureOut">
               <a:rPr lang="de-DE" smtClean="0"/>
-              <a:t>26.06.2018</a:t>
+              <a:t>27.06.2018</a:t>
             </a:fld>
             <a:endParaRPr lang="de-DE"/>
           </a:p>
@@ -20077,7 +22604,7 @@
           <a:p>
             <a:fld id="{DAE76C1B-83F1-4715-B1BF-5B63C3EA389F}" type="datetimeFigureOut">
               <a:rPr lang="de-DE" smtClean="0"/>
-              <a:t>26.06.2018</a:t>
+              <a:t>27.06.2018</a:t>
             </a:fld>
             <a:endParaRPr lang="de-DE"/>
           </a:p>
@@ -20309,7 +22836,7 @@
           <a:p>
             <a:fld id="{DAE76C1B-83F1-4715-B1BF-5B63C3EA389F}" type="datetimeFigureOut">
               <a:rPr lang="de-DE" smtClean="0"/>
-              <a:t>26.06.2018</a:t>
+              <a:t>27.06.2018</a:t>
             </a:fld>
             <a:endParaRPr lang="de-DE"/>
           </a:p>
@@ -20676,7 +23203,7 @@
           <a:p>
             <a:fld id="{DAE76C1B-83F1-4715-B1BF-5B63C3EA389F}" type="datetimeFigureOut">
               <a:rPr lang="de-DE" smtClean="0"/>
-              <a:t>26.06.2018</a:t>
+              <a:t>27.06.2018</a:t>
             </a:fld>
             <a:endParaRPr lang="de-DE"/>
           </a:p>
@@ -20794,7 +23321,7 @@
           <a:p>
             <a:fld id="{DAE76C1B-83F1-4715-B1BF-5B63C3EA389F}" type="datetimeFigureOut">
               <a:rPr lang="de-DE" smtClean="0"/>
-              <a:t>26.06.2018</a:t>
+              <a:t>27.06.2018</a:t>
             </a:fld>
             <a:endParaRPr lang="de-DE"/>
           </a:p>
@@ -20889,7 +23416,7 @@
           <a:p>
             <a:fld id="{DAE76C1B-83F1-4715-B1BF-5B63C3EA389F}" type="datetimeFigureOut">
               <a:rPr lang="de-DE" smtClean="0"/>
-              <a:t>26.06.2018</a:t>
+              <a:t>27.06.2018</a:t>
             </a:fld>
             <a:endParaRPr lang="de-DE"/>
           </a:p>
@@ -21166,7 +23693,7 @@
           <a:p>
             <a:fld id="{DAE76C1B-83F1-4715-B1BF-5B63C3EA389F}" type="datetimeFigureOut">
               <a:rPr lang="de-DE" smtClean="0"/>
-              <a:t>26.06.2018</a:t>
+              <a:t>27.06.2018</a:t>
             </a:fld>
             <a:endParaRPr lang="de-DE"/>
           </a:p>
@@ -21419,7 +23946,7 @@
           <a:p>
             <a:fld id="{DAE76C1B-83F1-4715-B1BF-5B63C3EA389F}" type="datetimeFigureOut">
               <a:rPr lang="de-DE" smtClean="0"/>
-              <a:t>26.06.2018</a:t>
+              <a:t>27.06.2018</a:t>
             </a:fld>
             <a:endParaRPr lang="de-DE"/>
           </a:p>
@@ -21632,7 +24159,7 @@
           <a:p>
             <a:fld id="{DAE76C1B-83F1-4715-B1BF-5B63C3EA389F}" type="datetimeFigureOut">
               <a:rPr lang="de-DE" smtClean="0"/>
-              <a:t>26.06.2018</a:t>
+              <a:t>27.06.2018</a:t>
             </a:fld>
             <a:endParaRPr lang="de-DE"/>
           </a:p>
@@ -26977,7 +29504,7 @@
             <a:avLst/>
           </a:prstGeom>
           <a:solidFill>
-            <a:schemeClr val="accent5"/>
+            <a:srgbClr val="C00000"/>
           </a:solidFill>
         </p:spPr>
         <p:style>
@@ -27050,7 +29577,7 @@
             <a:avLst/>
           </a:prstGeom>
           <a:solidFill>
-            <a:schemeClr val="accent5"/>
+            <a:srgbClr val="C00000"/>
           </a:solidFill>
           <a:ln>
             <a:noFill/>
@@ -27168,7 +29695,7 @@
             <a:avLst/>
           </a:prstGeom>
           <a:solidFill>
-            <a:schemeClr val="accent5"/>
+            <a:srgbClr val="C00000"/>
           </a:solidFill>
           <a:ln>
             <a:noFill/>
@@ -27214,7 +29741,7 @@
             <a:avLst/>
           </a:prstGeom>
           <a:solidFill>
-            <a:schemeClr val="accent5"/>
+            <a:srgbClr val="C00000"/>
           </a:solidFill>
           <a:ln>
             <a:noFill/>
@@ -27260,7 +29787,7 @@
             <a:avLst/>
           </a:prstGeom>
           <a:solidFill>
-            <a:schemeClr val="accent5"/>
+            <a:srgbClr val="C00000"/>
           </a:solidFill>
           <a:ln>
             <a:noFill/>
@@ -27336,7 +29863,7 @@
             <a:avLst/>
           </a:prstGeom>
           <a:solidFill>
-            <a:schemeClr val="accent5"/>
+            <a:srgbClr val="C00000"/>
           </a:solidFill>
           <a:ln>
             <a:noFill/>
@@ -27412,7 +29939,7 @@
             <a:avLst/>
           </a:prstGeom>
           <a:solidFill>
-            <a:schemeClr val="accent5"/>
+            <a:srgbClr val="C00000"/>
           </a:solidFill>
           <a:ln>
             <a:noFill/>
@@ -27458,7 +29985,7 @@
             <a:avLst/>
           </a:prstGeom>
           <a:solidFill>
-            <a:schemeClr val="accent5"/>
+            <a:srgbClr val="C00000"/>
           </a:solidFill>
           <a:ln>
             <a:noFill/>
@@ -27533,7 +30060,7 @@
             <a:avLst/>
           </a:prstGeom>
           <a:solidFill>
-            <a:schemeClr val="accent5"/>
+            <a:srgbClr val="C00000"/>
           </a:solidFill>
           <a:ln>
             <a:noFill/>
@@ -27579,7 +30106,7 @@
             <a:avLst/>
           </a:prstGeom>
           <a:solidFill>
-            <a:schemeClr val="accent5"/>
+            <a:srgbClr val="C00000"/>
           </a:solidFill>
           <a:ln>
             <a:noFill/>
@@ -31081,7 +33608,6 @@
               <a:rPr lang="de-DE" sz="1000" dirty="0"/>
               <a:t>die realisiert werden soll</a:t>
             </a:r>
-            <a:endParaRPr lang="de-DE" sz="1000" dirty="0"/>
           </a:p>
         </p:txBody>
       </p:sp>
@@ -31158,7 +33684,6 @@
               <a:rPr lang="de-DE" sz="1000" dirty="0"/>
               <a:t>Externe Komponente außerhalb des Projektumfangs</a:t>
             </a:r>
-            <a:endParaRPr lang="de-DE" sz="1000" dirty="0"/>
           </a:p>
         </p:txBody>
       </p:sp>
@@ -33001,7 +35526,6 @@
               <a:rPr lang="de-DE" sz="1000" dirty="0"/>
               <a:t>die realisiert werden soll</a:t>
             </a:r>
-            <a:endParaRPr lang="de-DE" sz="1000" dirty="0"/>
           </a:p>
         </p:txBody>
       </p:sp>
@@ -33078,7 +35602,6 @@
               <a:rPr lang="de-DE" sz="1000" dirty="0"/>
               <a:t>Externe Komponente außerhalb des Projektumfangs</a:t>
             </a:r>
-            <a:endParaRPr lang="de-DE" sz="1000" dirty="0"/>
           </a:p>
         </p:txBody>
       </p:sp>
@@ -33499,7 +36022,6 @@
               <a:rPr lang="de-DE" sz="1000" dirty="0"/>
               <a:t>die realisiert werden soll</a:t>
             </a:r>
-            <a:endParaRPr lang="de-DE" sz="1000" dirty="0"/>
           </a:p>
         </p:txBody>
       </p:sp>
@@ -33576,7 +36098,6 @@
               <a:rPr lang="de-DE" sz="1000" dirty="0"/>
               <a:t>Externe Komponente außerhalb des Projektumfangs</a:t>
             </a:r>
-            <a:endParaRPr lang="de-DE" sz="1000" dirty="0"/>
           </a:p>
         </p:txBody>
       </p:sp>
@@ -34240,6 +36761,13 @@
   <p:clrMapOvr>
     <a:masterClrMapping/>
   </p:clrMapOvr>
+  <p:timing>
+    <p:tnLst>
+      <p:par>
+        <p:cTn id="1" dur="indefinite" restart="never" nodeType="tmRoot"/>
+      </p:par>
+    </p:tnLst>
+  </p:timing>
 </p:sld>
 </file>
 
@@ -34335,7 +36863,795 @@
               <a:rPr lang="de-DE" sz="1000" dirty="0"/>
               <a:t>die realisiert werden soll</a:t>
             </a:r>
-            <a:endParaRPr lang="de-DE" sz="1000" dirty="0"/>
+          </a:p>
+        </p:txBody>
+      </p:sp>
+      <p:sp>
+        <p:nvSpPr>
+          <p:cNvPr id="4" name="Abgerundetes Rechteck 3"/>
+          <p:cNvSpPr/>
+          <p:nvPr/>
+        </p:nvSpPr>
+        <p:spPr>
+          <a:xfrm>
+            <a:off x="5894972" y="1599881"/>
+            <a:ext cx="326572" cy="206829"/>
+          </a:xfrm>
+          <a:prstGeom prst="roundRect">
+            <a:avLst/>
+          </a:prstGeom>
+          <a:solidFill>
+            <a:srgbClr val="C00000"/>
+          </a:solidFill>
+        </p:spPr>
+        <p:style>
+          <a:lnRef idx="2">
+            <a:schemeClr val="accent1">
+              <a:shade val="50000"/>
+            </a:schemeClr>
+          </a:lnRef>
+          <a:fillRef idx="1">
+            <a:schemeClr val="accent1"/>
+          </a:fillRef>
+          <a:effectRef idx="0">
+            <a:schemeClr val="accent1"/>
+          </a:effectRef>
+          <a:fontRef idx="minor">
+            <a:schemeClr val="lt1"/>
+          </a:fontRef>
+        </p:style>
+        <p:txBody>
+          <a:bodyPr rtlCol="0" anchor="ctr"/>
+          <a:lstStyle/>
+          <a:p>
+            <a:pPr algn="ctr"/>
+            <a:endParaRPr lang="de-DE"/>
+          </a:p>
+        </p:txBody>
+      </p:sp>
+      <p:sp>
+        <p:nvSpPr>
+          <p:cNvPr id="5" name="Textfeld 4"/>
+          <p:cNvSpPr txBox="1"/>
+          <p:nvPr/>
+        </p:nvSpPr>
+        <p:spPr>
+          <a:xfrm>
+            <a:off x="6221544" y="1584491"/>
+            <a:ext cx="3128684" cy="276999"/>
+          </a:xfrm>
+          <a:prstGeom prst="rect">
+            <a:avLst/>
+          </a:prstGeom>
+          <a:noFill/>
+        </p:spPr>
+        <p:txBody>
+          <a:bodyPr wrap="square" rtlCol="0">
+            <a:spAutoFit/>
+          </a:bodyPr>
+          <a:lstStyle/>
+          <a:p>
+            <a:r>
+              <a:rPr lang="de-DE" sz="1200" dirty="0" smtClean="0"/>
+              <a:t> </a:t>
+            </a:r>
+            <a:r>
+              <a:rPr lang="de-DE" sz="1000" dirty="0"/>
+              <a:t>Externe Komponente außerhalb des Projektumfangs</a:t>
+            </a:r>
+          </a:p>
+        </p:txBody>
+      </p:sp>
+      <p:graphicFrame>
+        <p:nvGraphicFramePr>
+          <p:cNvPr id="6" name="Diagramm 5"/>
+          <p:cNvGraphicFramePr/>
+          <p:nvPr>
+            <p:extLst>
+              <p:ext uri="{D42A27DB-BD31-4B8C-83A1-F6EECF244321}">
+                <p14:modId xmlns:p14="http://schemas.microsoft.com/office/powerpoint/2010/main" val="732316836"/>
+              </p:ext>
+            </p:extLst>
+          </p:nvPr>
+        </p:nvGraphicFramePr>
+        <p:xfrm>
+          <a:off x="1259324" y="1998347"/>
+          <a:ext cx="6102058" cy="2144682"/>
+        </p:xfrm>
+        <a:graphic>
+          <a:graphicData uri="http://schemas.openxmlformats.org/drawingml/2006/diagram">
+            <dgm:relIds xmlns:dgm="http://schemas.openxmlformats.org/drawingml/2006/diagram" xmlns:r="http://schemas.openxmlformats.org/officeDocument/2006/relationships" r:dm="rId2" r:lo="rId3" r:qs="rId4" r:cs="rId5"/>
+          </a:graphicData>
+        </a:graphic>
+      </p:graphicFrame>
+      <p:sp>
+        <p:nvSpPr>
+          <p:cNvPr id="18" name="Rechteck 17"/>
+          <p:cNvSpPr/>
+          <p:nvPr/>
+        </p:nvSpPr>
+        <p:spPr>
+          <a:xfrm>
+            <a:off x="6058258" y="1861491"/>
+            <a:ext cx="3796942" cy="466074"/>
+          </a:xfrm>
+          <a:prstGeom prst="rect">
+            <a:avLst/>
+          </a:prstGeom>
+          <a:solidFill>
+            <a:srgbClr val="C00000"/>
+          </a:solidFill>
+        </p:spPr>
+        <p:style>
+          <a:lnRef idx="2">
+            <a:schemeClr val="accent1">
+              <a:shade val="50000"/>
+            </a:schemeClr>
+          </a:lnRef>
+          <a:fillRef idx="1">
+            <a:schemeClr val="accent1"/>
+          </a:fillRef>
+          <a:effectRef idx="0">
+            <a:schemeClr val="accent1"/>
+          </a:effectRef>
+          <a:fontRef idx="minor">
+            <a:schemeClr val="lt1"/>
+          </a:fontRef>
+        </p:style>
+        <p:txBody>
+          <a:bodyPr rtlCol="0" anchor="ctr"/>
+          <a:lstStyle/>
+          <a:p>
+            <a:pPr algn="ctr"/>
+            <a:endParaRPr lang="de-DE"/>
+          </a:p>
+        </p:txBody>
+      </p:sp>
+      <p:cxnSp>
+        <p:nvCxnSpPr>
+          <p:cNvPr id="21" name="Gerader Verbinder 20"/>
+          <p:cNvCxnSpPr/>
+          <p:nvPr/>
+        </p:nvCxnSpPr>
+        <p:spPr>
+          <a:xfrm flipV="1">
+            <a:off x="6040582" y="2207491"/>
+            <a:ext cx="3796145" cy="9236"/>
+          </a:xfrm>
+          <a:prstGeom prst="line">
+            <a:avLst/>
+          </a:prstGeom>
+        </p:spPr>
+        <p:style>
+          <a:lnRef idx="1">
+            <a:schemeClr val="accent1"/>
+          </a:lnRef>
+          <a:fillRef idx="0">
+            <a:schemeClr val="accent1"/>
+          </a:fillRef>
+          <a:effectRef idx="0">
+            <a:schemeClr val="accent1"/>
+          </a:effectRef>
+          <a:fontRef idx="minor">
+            <a:schemeClr val="tx1"/>
+          </a:fontRef>
+        </p:style>
+      </p:cxnSp>
+      <p:sp>
+        <p:nvSpPr>
+          <p:cNvPr id="22" name="Rechteck 21"/>
+          <p:cNvSpPr/>
+          <p:nvPr/>
+        </p:nvSpPr>
+        <p:spPr>
+          <a:xfrm>
+            <a:off x="6058258" y="2327565"/>
+            <a:ext cx="1303124" cy="1815464"/>
+          </a:xfrm>
+          <a:prstGeom prst="rect">
+            <a:avLst/>
+          </a:prstGeom>
+          <a:solidFill>
+            <a:srgbClr val="C00000"/>
+          </a:solidFill>
+        </p:spPr>
+        <p:style>
+          <a:lnRef idx="2">
+            <a:schemeClr val="accent1">
+              <a:shade val="50000"/>
+            </a:schemeClr>
+          </a:lnRef>
+          <a:fillRef idx="1">
+            <a:schemeClr val="accent1"/>
+          </a:fillRef>
+          <a:effectRef idx="0">
+            <a:schemeClr val="accent1"/>
+          </a:effectRef>
+          <a:fontRef idx="minor">
+            <a:schemeClr val="lt1"/>
+          </a:fontRef>
+        </p:style>
+        <p:txBody>
+          <a:bodyPr rtlCol="0" anchor="ctr"/>
+          <a:lstStyle/>
+          <a:p>
+            <a:pPr algn="ctr"/>
+            <a:endParaRPr lang="de-DE"/>
+          </a:p>
+        </p:txBody>
+      </p:sp>
+      <p:sp>
+        <p:nvSpPr>
+          <p:cNvPr id="23" name="Rechteck 22"/>
+          <p:cNvSpPr/>
+          <p:nvPr/>
+        </p:nvSpPr>
+        <p:spPr>
+          <a:xfrm>
+            <a:off x="8913091" y="2327565"/>
+            <a:ext cx="942109" cy="1815464"/>
+          </a:xfrm>
+          <a:prstGeom prst="rect">
+            <a:avLst/>
+          </a:prstGeom>
+          <a:solidFill>
+            <a:srgbClr val="C00000"/>
+          </a:solidFill>
+        </p:spPr>
+        <p:style>
+          <a:lnRef idx="2">
+            <a:schemeClr val="accent1">
+              <a:shade val="50000"/>
+            </a:schemeClr>
+          </a:lnRef>
+          <a:fillRef idx="1">
+            <a:schemeClr val="accent1"/>
+          </a:fillRef>
+          <a:effectRef idx="0">
+            <a:schemeClr val="accent1"/>
+          </a:effectRef>
+          <a:fontRef idx="minor">
+            <a:schemeClr val="lt1"/>
+          </a:fontRef>
+        </p:style>
+        <p:txBody>
+          <a:bodyPr rtlCol="0" anchor="ctr"/>
+          <a:lstStyle/>
+          <a:p>
+            <a:pPr algn="ctr"/>
+            <a:endParaRPr lang="de-DE"/>
+          </a:p>
+        </p:txBody>
+      </p:sp>
+      <p:sp>
+        <p:nvSpPr>
+          <p:cNvPr id="24" name="Rechteck 23"/>
+          <p:cNvSpPr/>
+          <p:nvPr/>
+        </p:nvSpPr>
+        <p:spPr>
+          <a:xfrm>
+            <a:off x="7361382" y="3703782"/>
+            <a:ext cx="1542473" cy="439247"/>
+          </a:xfrm>
+          <a:prstGeom prst="rect">
+            <a:avLst/>
+          </a:prstGeom>
+          <a:solidFill>
+            <a:srgbClr val="C00000"/>
+          </a:solidFill>
+        </p:spPr>
+        <p:style>
+          <a:lnRef idx="2">
+            <a:schemeClr val="accent1">
+              <a:shade val="50000"/>
+            </a:schemeClr>
+          </a:lnRef>
+          <a:fillRef idx="1">
+            <a:schemeClr val="accent1"/>
+          </a:fillRef>
+          <a:effectRef idx="0">
+            <a:schemeClr val="accent1"/>
+          </a:effectRef>
+          <a:fontRef idx="minor">
+            <a:schemeClr val="lt1"/>
+          </a:fontRef>
+        </p:style>
+        <p:txBody>
+          <a:bodyPr rtlCol="0" anchor="ctr"/>
+          <a:lstStyle/>
+          <a:p>
+            <a:pPr algn="ctr"/>
+            <a:endParaRPr lang="de-DE"/>
+          </a:p>
+        </p:txBody>
+      </p:sp>
+      <p:sp>
+        <p:nvSpPr>
+          <p:cNvPr id="25" name="Textfeld 24"/>
+          <p:cNvSpPr txBox="1"/>
+          <p:nvPr/>
+        </p:nvSpPr>
+        <p:spPr>
+          <a:xfrm>
+            <a:off x="6978072" y="1806710"/>
+            <a:ext cx="2101273" cy="276999"/>
+          </a:xfrm>
+          <a:prstGeom prst="rect">
+            <a:avLst/>
+          </a:prstGeom>
+          <a:noFill/>
+        </p:spPr>
+        <p:txBody>
+          <a:bodyPr wrap="square" rtlCol="0">
+            <a:spAutoFit/>
+          </a:bodyPr>
+          <a:lstStyle/>
+          <a:p>
+            <a:r>
+              <a:rPr lang="de-DE" sz="1200" dirty="0" smtClean="0">
+                <a:solidFill>
+                  <a:schemeClr val="bg1"/>
+                </a:solidFill>
+              </a:rPr>
+              <a:t>                     Ribbon </a:t>
+            </a:r>
+            <a:endParaRPr lang="de-DE" sz="1200" dirty="0">
+              <a:solidFill>
+                <a:schemeClr val="bg1"/>
+              </a:solidFill>
+            </a:endParaRPr>
+          </a:p>
+        </p:txBody>
+      </p:sp>
+      <p:sp>
+        <p:nvSpPr>
+          <p:cNvPr id="26" name="Textfeld 25"/>
+          <p:cNvSpPr txBox="1"/>
+          <p:nvPr/>
+        </p:nvSpPr>
+        <p:spPr>
+          <a:xfrm>
+            <a:off x="6221544" y="3042585"/>
+            <a:ext cx="1303124" cy="461665"/>
+          </a:xfrm>
+          <a:prstGeom prst="rect">
+            <a:avLst/>
+          </a:prstGeom>
+          <a:noFill/>
+        </p:spPr>
+        <p:txBody>
+          <a:bodyPr wrap="square" rtlCol="0">
+            <a:spAutoFit/>
+          </a:bodyPr>
+          <a:lstStyle/>
+          <a:p>
+            <a:r>
+              <a:rPr lang="de-DE" sz="1200" dirty="0" smtClean="0">
+                <a:solidFill>
+                  <a:schemeClr val="bg1"/>
+                </a:solidFill>
+              </a:rPr>
+              <a:t>Solution</a:t>
+            </a:r>
+          </a:p>
+          <a:p>
+            <a:r>
+              <a:rPr lang="de-DE" sz="1200" dirty="0" smtClean="0">
+                <a:solidFill>
+                  <a:schemeClr val="bg1"/>
+                </a:solidFill>
+              </a:rPr>
+              <a:t>Explorer</a:t>
+            </a:r>
+            <a:endParaRPr lang="de-DE" sz="1200" dirty="0">
+              <a:solidFill>
+                <a:schemeClr val="bg1"/>
+              </a:solidFill>
+            </a:endParaRPr>
+          </a:p>
+        </p:txBody>
+      </p:sp>
+      <p:sp>
+        <p:nvSpPr>
+          <p:cNvPr id="27" name="Textfeld 26"/>
+          <p:cNvSpPr txBox="1"/>
+          <p:nvPr/>
+        </p:nvSpPr>
+        <p:spPr>
+          <a:xfrm>
+            <a:off x="8903855" y="2650836"/>
+            <a:ext cx="932872" cy="276999"/>
+          </a:xfrm>
+          <a:prstGeom prst="rect">
+            <a:avLst/>
+          </a:prstGeom>
+          <a:noFill/>
+        </p:spPr>
+        <p:txBody>
+          <a:bodyPr wrap="square" rtlCol="0">
+            <a:spAutoFit/>
+          </a:bodyPr>
+          <a:lstStyle/>
+          <a:p>
+            <a:r>
+              <a:rPr lang="de-DE" sz="1200" dirty="0" smtClean="0"/>
+              <a:t>  </a:t>
+            </a:r>
+            <a:r>
+              <a:rPr lang="de-DE" sz="1200" dirty="0" smtClean="0">
+                <a:solidFill>
+                  <a:schemeClr val="bg1"/>
+                </a:solidFill>
+              </a:rPr>
+              <a:t>Properties</a:t>
+            </a:r>
+            <a:endParaRPr lang="de-DE" sz="1200" dirty="0">
+              <a:solidFill>
+                <a:schemeClr val="bg1"/>
+              </a:solidFill>
+            </a:endParaRPr>
+          </a:p>
+        </p:txBody>
+      </p:sp>
+      <p:sp>
+        <p:nvSpPr>
+          <p:cNvPr id="28" name="Textfeld 27"/>
+          <p:cNvSpPr txBox="1"/>
+          <p:nvPr/>
+        </p:nvSpPr>
+        <p:spPr>
+          <a:xfrm>
+            <a:off x="7777018" y="3833091"/>
+            <a:ext cx="969817" cy="276999"/>
+          </a:xfrm>
+          <a:prstGeom prst="rect">
+            <a:avLst/>
+          </a:prstGeom>
+          <a:noFill/>
+        </p:spPr>
+        <p:txBody>
+          <a:bodyPr wrap="square" rtlCol="0">
+            <a:spAutoFit/>
+          </a:bodyPr>
+          <a:lstStyle/>
+          <a:p>
+            <a:r>
+              <a:rPr lang="de-DE" sz="1200" dirty="0" smtClean="0">
+                <a:solidFill>
+                  <a:schemeClr val="bg1"/>
+                </a:solidFill>
+              </a:rPr>
+              <a:t>Output</a:t>
+            </a:r>
+            <a:endParaRPr lang="de-DE" sz="1200" dirty="0">
+              <a:solidFill>
+                <a:schemeClr val="bg1"/>
+              </a:solidFill>
+            </a:endParaRPr>
+          </a:p>
+        </p:txBody>
+      </p:sp>
+      <p:sp>
+        <p:nvSpPr>
+          <p:cNvPr id="29" name="Rechteck 28"/>
+          <p:cNvSpPr/>
+          <p:nvPr/>
+        </p:nvSpPr>
+        <p:spPr>
+          <a:xfrm>
+            <a:off x="7361382" y="2327565"/>
+            <a:ext cx="1542473" cy="1376217"/>
+          </a:xfrm>
+          <a:prstGeom prst="rect">
+            <a:avLst/>
+          </a:prstGeom>
+          <a:solidFill>
+            <a:schemeClr val="bg1">
+              <a:lumMod val="50000"/>
+            </a:schemeClr>
+          </a:solidFill>
+        </p:spPr>
+        <p:style>
+          <a:lnRef idx="2">
+            <a:schemeClr val="accent1">
+              <a:shade val="50000"/>
+            </a:schemeClr>
+          </a:lnRef>
+          <a:fillRef idx="1">
+            <a:schemeClr val="accent1"/>
+          </a:fillRef>
+          <a:effectRef idx="0">
+            <a:schemeClr val="accent1"/>
+          </a:effectRef>
+          <a:fontRef idx="minor">
+            <a:schemeClr val="lt1"/>
+          </a:fontRef>
+        </p:style>
+        <p:txBody>
+          <a:bodyPr rtlCol="0" anchor="ctr"/>
+          <a:lstStyle/>
+          <a:p>
+            <a:pPr algn="ctr"/>
+            <a:endParaRPr lang="de-DE"/>
+          </a:p>
+        </p:txBody>
+      </p:sp>
+      <p:cxnSp>
+        <p:nvCxnSpPr>
+          <p:cNvPr id="31" name="Gerade Verbindung mit Pfeil 30"/>
+          <p:cNvCxnSpPr/>
+          <p:nvPr/>
+        </p:nvCxnSpPr>
+        <p:spPr>
+          <a:xfrm flipH="1" flipV="1">
+            <a:off x="5754257" y="2650838"/>
+            <a:ext cx="1657528" cy="276997"/>
+          </a:xfrm>
+          <a:prstGeom prst="straightConnector1">
+            <a:avLst/>
+          </a:prstGeom>
+          <a:ln w="25400">
+            <a:solidFill>
+              <a:schemeClr val="tx1">
+                <a:alpha val="88000"/>
+              </a:schemeClr>
+            </a:solidFill>
+            <a:tailEnd type="triangle"/>
+          </a:ln>
+        </p:spPr>
+        <p:style>
+          <a:lnRef idx="1">
+            <a:schemeClr val="accent1"/>
+          </a:lnRef>
+          <a:fillRef idx="0">
+            <a:schemeClr val="accent1"/>
+          </a:fillRef>
+          <a:effectRef idx="0">
+            <a:schemeClr val="accent1"/>
+          </a:effectRef>
+          <a:fontRef idx="minor">
+            <a:schemeClr val="tx1"/>
+          </a:fontRef>
+        </p:style>
+      </p:cxnSp>
+      <p:sp>
+        <p:nvSpPr>
+          <p:cNvPr id="32" name="Textfeld 31"/>
+          <p:cNvSpPr txBox="1"/>
+          <p:nvPr/>
+        </p:nvSpPr>
+        <p:spPr>
+          <a:xfrm>
+            <a:off x="7361382" y="2789335"/>
+            <a:ext cx="1551709" cy="461665"/>
+          </a:xfrm>
+          <a:prstGeom prst="rect">
+            <a:avLst/>
+          </a:prstGeom>
+          <a:noFill/>
+        </p:spPr>
+        <p:txBody>
+          <a:bodyPr wrap="square" rtlCol="0">
+            <a:spAutoFit/>
+          </a:bodyPr>
+          <a:lstStyle/>
+          <a:p>
+            <a:r>
+              <a:rPr lang="de-DE" sz="1200" dirty="0" smtClean="0">
+                <a:solidFill>
+                  <a:schemeClr val="bg1"/>
+                </a:solidFill>
+              </a:rPr>
+              <a:t>Client user interface wird hier gehostet</a:t>
+            </a:r>
+            <a:endParaRPr lang="de-DE" sz="1200" dirty="0">
+              <a:solidFill>
+                <a:schemeClr val="bg1"/>
+              </a:solidFill>
+            </a:endParaRPr>
+          </a:p>
+        </p:txBody>
+      </p:sp>
+      <p:sp>
+        <p:nvSpPr>
+          <p:cNvPr id="33" name="Textfeld 32"/>
+          <p:cNvSpPr txBox="1"/>
+          <p:nvPr/>
+        </p:nvSpPr>
+        <p:spPr>
+          <a:xfrm>
+            <a:off x="4812144" y="3315855"/>
+            <a:ext cx="1246113" cy="369332"/>
+          </a:xfrm>
+          <a:prstGeom prst="rect">
+            <a:avLst/>
+          </a:prstGeom>
+          <a:noFill/>
+        </p:spPr>
+        <p:txBody>
+          <a:bodyPr wrap="square" rtlCol="0">
+            <a:spAutoFit/>
+          </a:bodyPr>
+          <a:lstStyle/>
+          <a:p>
+            <a:r>
+              <a:rPr lang="de-DE" b="1" dirty="0" smtClean="0">
+                <a:solidFill>
+                  <a:schemeClr val="bg1"/>
+                </a:solidFill>
+              </a:rPr>
+              <a:t>ComStudio</a:t>
+            </a:r>
+            <a:endParaRPr lang="de-DE" b="1" dirty="0">
+              <a:solidFill>
+                <a:schemeClr val="bg1"/>
+              </a:solidFill>
+            </a:endParaRPr>
+          </a:p>
+        </p:txBody>
+      </p:sp>
+      <p:sp>
+        <p:nvSpPr>
+          <p:cNvPr id="34" name="Rechteck 33"/>
+          <p:cNvSpPr/>
+          <p:nvPr/>
+        </p:nvSpPr>
+        <p:spPr>
+          <a:xfrm>
+            <a:off x="7524668" y="2061023"/>
+            <a:ext cx="2312059" cy="201794"/>
+          </a:xfrm>
+          <a:prstGeom prst="rect">
+            <a:avLst/>
+          </a:prstGeom>
+          <a:solidFill>
+            <a:schemeClr val="bg1">
+              <a:lumMod val="50000"/>
+            </a:schemeClr>
+          </a:solidFill>
+        </p:spPr>
+        <p:style>
+          <a:lnRef idx="2">
+            <a:schemeClr val="accent1">
+              <a:shade val="50000"/>
+            </a:schemeClr>
+          </a:lnRef>
+          <a:fillRef idx="1">
+            <a:schemeClr val="accent1"/>
+          </a:fillRef>
+          <a:effectRef idx="0">
+            <a:schemeClr val="accent1"/>
+          </a:effectRef>
+          <a:fontRef idx="minor">
+            <a:schemeClr val="lt1"/>
+          </a:fontRef>
+        </p:style>
+        <p:txBody>
+          <a:bodyPr rtlCol="0" anchor="ctr"/>
+          <a:lstStyle/>
+          <a:p>
+            <a:pPr algn="ctr"/>
+            <a:r>
+              <a:rPr lang="de-DE" sz="1200" dirty="0" smtClean="0"/>
+              <a:t>Topology-Editor Toolbar</a:t>
+            </a:r>
+            <a:endParaRPr lang="de-DE" sz="1200" dirty="0"/>
+          </a:p>
+        </p:txBody>
+      </p:sp>
+    </p:spTree>
+    <p:extLst>
+      <p:ext uri="{BB962C8B-B14F-4D97-AF65-F5344CB8AC3E}">
+        <p14:creationId xmlns:p14="http://schemas.microsoft.com/office/powerpoint/2010/main" val="301579133"/>
+      </p:ext>
+    </p:extLst>
+  </p:cSld>
+  <p:clrMapOvr>
+    <a:masterClrMapping/>
+  </p:clrMapOvr>
+  <p:timing>
+    <p:tnLst>
+      <p:par>
+        <p:cTn id="1" dur="indefinite" restart="never" nodeType="tmRoot"/>
+      </p:par>
+    </p:tnLst>
+  </p:timing>
+</p:sld>
+</file>
+
+<file path=ppt/slides/slide23.xml><?xml version="1.0" encoding="utf-8"?>
+<p:sld xmlns:a="http://schemas.openxmlformats.org/drawingml/2006/main" xmlns:r="http://schemas.openxmlformats.org/officeDocument/2006/relationships" xmlns:p="http://schemas.openxmlformats.org/presentationml/2006/main">
+  <p:cSld>
+    <p:spTree>
+      <p:nvGrpSpPr>
+        <p:cNvPr id="1" name=""/>
+        <p:cNvGrpSpPr/>
+        <p:nvPr/>
+      </p:nvGrpSpPr>
+      <p:grpSpPr>
+        <a:xfrm>
+          <a:off x="0" y="0"/>
+          <a:ext cx="0" cy="0"/>
+          <a:chOff x="0" y="0"/>
+          <a:chExt cx="0" cy="0"/>
+        </a:xfrm>
+      </p:grpSpPr>
+      <p:sp>
+        <p:nvSpPr>
+          <p:cNvPr id="2" name="Abgerundetes Rechteck 1"/>
+          <p:cNvSpPr/>
+          <p:nvPr/>
+        </p:nvSpPr>
+        <p:spPr>
+          <a:xfrm>
+            <a:off x="3383075" y="1639273"/>
+            <a:ext cx="326572" cy="206829"/>
+          </a:xfrm>
+          <a:prstGeom prst="roundRect">
+            <a:avLst/>
+          </a:prstGeom>
+          <a:solidFill>
+            <a:schemeClr val="bg1">
+              <a:lumMod val="50000"/>
+            </a:schemeClr>
+          </a:solidFill>
+        </p:spPr>
+        <p:style>
+          <a:lnRef idx="2">
+            <a:schemeClr val="accent1">
+              <a:shade val="50000"/>
+            </a:schemeClr>
+          </a:lnRef>
+          <a:fillRef idx="1">
+            <a:schemeClr val="accent1"/>
+          </a:fillRef>
+          <a:effectRef idx="0">
+            <a:schemeClr val="accent1"/>
+          </a:effectRef>
+          <a:fontRef idx="minor">
+            <a:schemeClr val="lt1"/>
+          </a:fontRef>
+        </p:style>
+        <p:txBody>
+          <a:bodyPr rtlCol="0" anchor="ctr"/>
+          <a:lstStyle/>
+          <a:p>
+            <a:pPr algn="ctr"/>
+            <a:endParaRPr lang="de-DE"/>
+          </a:p>
+        </p:txBody>
+      </p:sp>
+      <p:sp>
+        <p:nvSpPr>
+          <p:cNvPr id="3" name="Textfeld 2"/>
+          <p:cNvSpPr txBox="1"/>
+          <p:nvPr/>
+        </p:nvSpPr>
+        <p:spPr>
+          <a:xfrm>
+            <a:off x="3687481" y="1599881"/>
+            <a:ext cx="2534063" cy="246221"/>
+          </a:xfrm>
+          <a:prstGeom prst="rect">
+            <a:avLst/>
+          </a:prstGeom>
+          <a:noFill/>
+        </p:spPr>
+        <p:txBody>
+          <a:bodyPr wrap="square" rtlCol="0">
+            <a:spAutoFit/>
+          </a:bodyPr>
+          <a:lstStyle/>
+          <a:p>
+            <a:r>
+              <a:rPr lang="de-DE" sz="1000" dirty="0" smtClean="0"/>
+              <a:t>Komponente, </a:t>
+            </a:r>
+            <a:r>
+              <a:rPr lang="de-DE" sz="1000" dirty="0"/>
+              <a:t>die realisiert werden soll</a:t>
+            </a:r>
           </a:p>
         </p:txBody>
       </p:sp>
@@ -34584,6 +37900,13 @@
   <p:clrMapOvr>
     <a:masterClrMapping/>
   </p:clrMapOvr>
+  <p:timing>
+    <p:tnLst>
+      <p:par>
+        <p:cTn id="1" dur="indefinite" restart="never" nodeType="tmRoot"/>
+      </p:par>
+    </p:tnLst>
+  </p:timing>
 </p:sld>
 </file>
 

--- a/Masterarbeit_Skizze.pptx
+++ b/Masterarbeit_Skizze.pptx
@@ -31,7 +31,8 @@
     <p:sldId id="278" r:id="rId25"/>
     <p:sldId id="279" r:id="rId26"/>
     <p:sldId id="277" r:id="rId27"/>
-    <p:sldId id="282" r:id="rId28"/>
+    <p:sldId id="284" r:id="rId28"/>
+    <p:sldId id="282" r:id="rId29"/>
   </p:sldIdLst>
   <p:sldSz cx="12192000" cy="6858000"/>
   <p:notesSz cx="6797675" cy="9926638"/>
@@ -1599,6 +1600,788 @@
     <dgm:fillClrLst meth="repeat">
       <a:schemeClr val="accent1">
         <a:tint val="60000"/>
+      </a:schemeClr>
+    </dgm:fillClrLst>
+    <dgm:linClrLst meth="repeat">
+      <a:schemeClr val="lt1"/>
+    </dgm:linClrLst>
+    <dgm:effectClrLst/>
+    <dgm:txLinClrLst/>
+    <dgm:txFillClrLst meth="repeat">
+      <a:schemeClr val="dk1"/>
+    </dgm:txFillClrLst>
+    <dgm:txEffectClrLst/>
+  </dgm:styleLbl>
+  <dgm:styleLbl name="revTx">
+    <dgm:fillClrLst meth="repeat">
+      <a:schemeClr val="lt1">
+        <a:alpha val="0"/>
+      </a:schemeClr>
+    </dgm:fillClrLst>
+    <dgm:linClrLst meth="repeat">
+      <a:schemeClr val="dk1">
+        <a:alpha val="0"/>
+      </a:schemeClr>
+    </dgm:linClrLst>
+    <dgm:effectClrLst/>
+    <dgm:txLinClrLst/>
+    <dgm:txFillClrLst meth="repeat">
+      <a:schemeClr val="tx1"/>
+    </dgm:txFillClrLst>
+    <dgm:txEffectClrLst/>
+  </dgm:styleLbl>
+</dgm:colorsDef>
+</file>
+
+<file path=ppt/diagrams/colors11.xml><?xml version="1.0" encoding="utf-8"?>
+<dgm:colorsDef xmlns:dgm="http://schemas.openxmlformats.org/drawingml/2006/diagram" xmlns:a="http://schemas.openxmlformats.org/drawingml/2006/main" uniqueId="urn:microsoft.com/office/officeart/2005/8/colors/colorful3">
+  <dgm:title val=""/>
+  <dgm:desc val=""/>
+  <dgm:catLst>
+    <dgm:cat type="colorful" pri="10300"/>
+  </dgm:catLst>
+  <dgm:styleLbl name="node0">
+    <dgm:fillClrLst meth="repeat">
+      <a:schemeClr val="accent2"/>
+    </dgm:fillClrLst>
+    <dgm:linClrLst meth="repeat">
+      <a:schemeClr val="lt1"/>
+    </dgm:linClrLst>
+    <dgm:effectClrLst/>
+    <dgm:txLinClrLst/>
+    <dgm:txFillClrLst/>
+    <dgm:txEffectClrLst/>
+  </dgm:styleLbl>
+  <dgm:styleLbl name="node1">
+    <dgm:fillClrLst>
+      <a:schemeClr val="accent3"/>
+      <a:schemeClr val="accent4"/>
+    </dgm:fillClrLst>
+    <dgm:linClrLst meth="repeat">
+      <a:schemeClr val="lt1"/>
+    </dgm:linClrLst>
+    <dgm:effectClrLst/>
+    <dgm:txLinClrLst/>
+    <dgm:txFillClrLst/>
+    <dgm:txEffectClrLst/>
+  </dgm:styleLbl>
+  <dgm:styleLbl name="alignNode1">
+    <dgm:fillClrLst>
+      <a:schemeClr val="accent3"/>
+      <a:schemeClr val="accent4"/>
+    </dgm:fillClrLst>
+    <dgm:linClrLst>
+      <a:schemeClr val="accent3"/>
+      <a:schemeClr val="accent4"/>
+    </dgm:linClrLst>
+    <dgm:effectClrLst/>
+    <dgm:txLinClrLst/>
+    <dgm:txFillClrLst/>
+    <dgm:txEffectClrLst/>
+  </dgm:styleLbl>
+  <dgm:styleLbl name="lnNode1">
+    <dgm:fillClrLst>
+      <a:schemeClr val="accent3"/>
+      <a:schemeClr val="accent4"/>
+    </dgm:fillClrLst>
+    <dgm:linClrLst meth="repeat">
+      <a:schemeClr val="lt1"/>
+    </dgm:linClrLst>
+    <dgm:effectClrLst/>
+    <dgm:txLinClrLst/>
+    <dgm:txFillClrLst/>
+    <dgm:txEffectClrLst/>
+  </dgm:styleLbl>
+  <dgm:styleLbl name="vennNode1">
+    <dgm:fillClrLst>
+      <a:schemeClr val="accent3">
+        <a:alpha val="50000"/>
+      </a:schemeClr>
+      <a:schemeClr val="accent4">
+        <a:alpha val="50000"/>
+      </a:schemeClr>
+    </dgm:fillClrLst>
+    <dgm:linClrLst meth="repeat">
+      <a:schemeClr val="lt1"/>
+    </dgm:linClrLst>
+    <dgm:effectClrLst/>
+    <dgm:txLinClrLst/>
+    <dgm:txFillClrLst/>
+    <dgm:txEffectClrLst/>
+  </dgm:styleLbl>
+  <dgm:styleLbl name="node2">
+    <dgm:fillClrLst>
+      <a:schemeClr val="accent4"/>
+    </dgm:fillClrLst>
+    <dgm:linClrLst meth="repeat">
+      <a:schemeClr val="lt1"/>
+    </dgm:linClrLst>
+    <dgm:effectClrLst/>
+    <dgm:txLinClrLst/>
+    <dgm:txFillClrLst/>
+    <dgm:txEffectClrLst/>
+  </dgm:styleLbl>
+  <dgm:styleLbl name="node3">
+    <dgm:fillClrLst>
+      <a:schemeClr val="accent5"/>
+    </dgm:fillClrLst>
+    <dgm:linClrLst meth="repeat">
+      <a:schemeClr val="lt1"/>
+    </dgm:linClrLst>
+    <dgm:effectClrLst/>
+    <dgm:txLinClrLst/>
+    <dgm:txFillClrLst/>
+    <dgm:txEffectClrLst/>
+  </dgm:styleLbl>
+  <dgm:styleLbl name="node4">
+    <dgm:fillClrLst>
+      <a:schemeClr val="accent6"/>
+    </dgm:fillClrLst>
+    <dgm:linClrLst meth="repeat">
+      <a:schemeClr val="lt1"/>
+    </dgm:linClrLst>
+    <dgm:effectClrLst/>
+    <dgm:txLinClrLst/>
+    <dgm:txFillClrLst/>
+    <dgm:txEffectClrLst/>
+  </dgm:styleLbl>
+  <dgm:styleLbl name="fgImgPlace1">
+    <dgm:fillClrLst>
+      <a:schemeClr val="accent3">
+        <a:tint val="50000"/>
+      </a:schemeClr>
+      <a:schemeClr val="accent4">
+        <a:tint val="50000"/>
+      </a:schemeClr>
+    </dgm:fillClrLst>
+    <dgm:linClrLst meth="repeat">
+      <a:schemeClr val="lt1"/>
+    </dgm:linClrLst>
+    <dgm:effectClrLst/>
+    <dgm:txLinClrLst/>
+    <dgm:txFillClrLst meth="repeat">
+      <a:schemeClr val="lt1"/>
+    </dgm:txFillClrLst>
+    <dgm:txEffectClrLst/>
+  </dgm:styleLbl>
+  <dgm:styleLbl name="alignImgPlace1">
+    <dgm:fillClrLst>
+      <a:schemeClr val="accent3">
+        <a:tint val="50000"/>
+      </a:schemeClr>
+      <a:schemeClr val="accent4">
+        <a:tint val="20000"/>
+      </a:schemeClr>
+    </dgm:fillClrLst>
+    <dgm:linClrLst meth="repeat">
+      <a:schemeClr val="lt1"/>
+    </dgm:linClrLst>
+    <dgm:effectClrLst/>
+    <dgm:txLinClrLst/>
+    <dgm:txFillClrLst meth="repeat">
+      <a:schemeClr val="lt1"/>
+    </dgm:txFillClrLst>
+    <dgm:txEffectClrLst/>
+  </dgm:styleLbl>
+  <dgm:styleLbl name="bgImgPlace1">
+    <dgm:fillClrLst>
+      <a:schemeClr val="accent3">
+        <a:tint val="50000"/>
+      </a:schemeClr>
+      <a:schemeClr val="accent4">
+        <a:tint val="20000"/>
+      </a:schemeClr>
+    </dgm:fillClrLst>
+    <dgm:linClrLst meth="repeat">
+      <a:schemeClr val="lt1"/>
+    </dgm:linClrLst>
+    <dgm:effectClrLst/>
+    <dgm:txLinClrLst/>
+    <dgm:txFillClrLst meth="repeat">
+      <a:schemeClr val="lt1"/>
+    </dgm:txFillClrLst>
+    <dgm:txEffectClrLst/>
+  </dgm:styleLbl>
+  <dgm:styleLbl name="sibTrans2D1">
+    <dgm:fillClrLst>
+      <a:schemeClr val="accent3"/>
+      <a:schemeClr val="accent4"/>
+    </dgm:fillClrLst>
+    <dgm:linClrLst meth="repeat">
+      <a:schemeClr val="lt1"/>
+    </dgm:linClrLst>
+    <dgm:effectClrLst/>
+    <dgm:txLinClrLst/>
+    <dgm:txFillClrLst/>
+    <dgm:txEffectClrLst/>
+  </dgm:styleLbl>
+  <dgm:styleLbl name="fgSibTrans2D1">
+    <dgm:fillClrLst>
+      <a:schemeClr val="accent3"/>
+      <a:schemeClr val="accent4"/>
+    </dgm:fillClrLst>
+    <dgm:linClrLst meth="repeat">
+      <a:schemeClr val="lt1"/>
+    </dgm:linClrLst>
+    <dgm:effectClrLst/>
+    <dgm:txLinClrLst/>
+    <dgm:txFillClrLst meth="repeat">
+      <a:schemeClr val="lt1"/>
+    </dgm:txFillClrLst>
+    <dgm:txEffectClrLst/>
+  </dgm:styleLbl>
+  <dgm:styleLbl name="bgSibTrans2D1">
+    <dgm:fillClrLst>
+      <a:schemeClr val="accent3"/>
+      <a:schemeClr val="accent4"/>
+    </dgm:fillClrLst>
+    <dgm:linClrLst meth="repeat">
+      <a:schemeClr val="lt1"/>
+    </dgm:linClrLst>
+    <dgm:effectClrLst/>
+    <dgm:txLinClrLst/>
+    <dgm:txFillClrLst meth="repeat">
+      <a:schemeClr val="lt1"/>
+    </dgm:txFillClrLst>
+    <dgm:txEffectClrLst/>
+  </dgm:styleLbl>
+  <dgm:styleLbl name="sibTrans1D1">
+    <dgm:fillClrLst/>
+    <dgm:linClrLst>
+      <a:schemeClr val="accent3"/>
+      <a:schemeClr val="accent4"/>
+    </dgm:linClrLst>
+    <dgm:effectClrLst/>
+    <dgm:txLinClrLst/>
+    <dgm:txFillClrLst meth="repeat">
+      <a:schemeClr val="tx1"/>
+    </dgm:txFillClrLst>
+    <dgm:txEffectClrLst/>
+  </dgm:styleLbl>
+  <dgm:styleLbl name="callout">
+    <dgm:fillClrLst meth="repeat">
+      <a:schemeClr val="accent3"/>
+    </dgm:fillClrLst>
+    <dgm:linClrLst meth="repeat">
+      <a:schemeClr val="accent3">
+        <a:tint val="50000"/>
+      </a:schemeClr>
+    </dgm:linClrLst>
+    <dgm:effectClrLst/>
+    <dgm:txLinClrLst/>
+    <dgm:txFillClrLst meth="repeat">
+      <a:schemeClr val="tx1"/>
+    </dgm:txFillClrLst>
+    <dgm:txEffectClrLst/>
+  </dgm:styleLbl>
+  <dgm:styleLbl name="asst0">
+    <dgm:fillClrLst meth="repeat">
+      <a:schemeClr val="accent3"/>
+    </dgm:fillClrLst>
+    <dgm:linClrLst meth="repeat">
+      <a:schemeClr val="lt1">
+        <a:shade val="80000"/>
+      </a:schemeClr>
+    </dgm:linClrLst>
+    <dgm:effectClrLst/>
+    <dgm:txLinClrLst/>
+    <dgm:txFillClrLst/>
+    <dgm:txEffectClrLst/>
+  </dgm:styleLbl>
+  <dgm:styleLbl name="asst1">
+    <dgm:fillClrLst meth="repeat">
+      <a:schemeClr val="accent4"/>
+    </dgm:fillClrLst>
+    <dgm:linClrLst meth="repeat">
+      <a:schemeClr val="lt1">
+        <a:shade val="80000"/>
+      </a:schemeClr>
+    </dgm:linClrLst>
+    <dgm:effectClrLst/>
+    <dgm:txLinClrLst/>
+    <dgm:txFillClrLst/>
+    <dgm:txEffectClrLst/>
+  </dgm:styleLbl>
+  <dgm:styleLbl name="asst2">
+    <dgm:fillClrLst>
+      <a:schemeClr val="accent5"/>
+    </dgm:fillClrLst>
+    <dgm:linClrLst meth="repeat">
+      <a:schemeClr val="lt1"/>
+    </dgm:linClrLst>
+    <dgm:effectClrLst/>
+    <dgm:txLinClrLst/>
+    <dgm:txFillClrLst/>
+    <dgm:txEffectClrLst/>
+  </dgm:styleLbl>
+  <dgm:styleLbl name="asst3">
+    <dgm:fillClrLst>
+      <a:schemeClr val="accent6"/>
+    </dgm:fillClrLst>
+    <dgm:linClrLst meth="repeat">
+      <a:schemeClr val="lt1"/>
+    </dgm:linClrLst>
+    <dgm:effectClrLst/>
+    <dgm:txLinClrLst/>
+    <dgm:txFillClrLst/>
+    <dgm:txEffectClrLst/>
+  </dgm:styleLbl>
+  <dgm:styleLbl name="asst4">
+    <dgm:fillClrLst>
+      <a:schemeClr val="accent1"/>
+    </dgm:fillClrLst>
+    <dgm:linClrLst meth="repeat">
+      <a:schemeClr val="lt1"/>
+    </dgm:linClrLst>
+    <dgm:effectClrLst/>
+    <dgm:txLinClrLst/>
+    <dgm:txFillClrLst/>
+    <dgm:txEffectClrLst/>
+  </dgm:styleLbl>
+  <dgm:styleLbl name="parChTrans2D1">
+    <dgm:fillClrLst meth="repeat">
+      <a:schemeClr val="accent2"/>
+    </dgm:fillClrLst>
+    <dgm:linClrLst meth="repeat">
+      <a:schemeClr val="lt1"/>
+    </dgm:linClrLst>
+    <dgm:effectClrLst/>
+    <dgm:txLinClrLst/>
+    <dgm:txFillClrLst meth="repeat">
+      <a:schemeClr val="lt1"/>
+    </dgm:txFillClrLst>
+    <dgm:txEffectClrLst/>
+  </dgm:styleLbl>
+  <dgm:styleLbl name="parChTrans2D2">
+    <dgm:fillClrLst meth="repeat">
+      <a:schemeClr val="accent3"/>
+    </dgm:fillClrLst>
+    <dgm:linClrLst meth="repeat">
+      <a:schemeClr val="lt1"/>
+    </dgm:linClrLst>
+    <dgm:effectClrLst/>
+    <dgm:txLinClrLst/>
+    <dgm:txFillClrLst/>
+    <dgm:txEffectClrLst/>
+  </dgm:styleLbl>
+  <dgm:styleLbl name="parChTrans2D3">
+    <dgm:fillClrLst meth="repeat">
+      <a:schemeClr val="accent4"/>
+    </dgm:fillClrLst>
+    <dgm:linClrLst meth="repeat">
+      <a:schemeClr val="lt1"/>
+    </dgm:linClrLst>
+    <dgm:effectClrLst/>
+    <dgm:txLinClrLst/>
+    <dgm:txFillClrLst/>
+    <dgm:txEffectClrLst/>
+  </dgm:styleLbl>
+  <dgm:styleLbl name="parChTrans2D4">
+    <dgm:fillClrLst meth="repeat">
+      <a:schemeClr val="accent5"/>
+    </dgm:fillClrLst>
+    <dgm:linClrLst meth="repeat">
+      <a:schemeClr val="lt1"/>
+    </dgm:linClrLst>
+    <dgm:effectClrLst/>
+    <dgm:txLinClrLst/>
+    <dgm:txFillClrLst meth="repeat">
+      <a:schemeClr val="lt1"/>
+    </dgm:txFillClrLst>
+    <dgm:txEffectClrLst/>
+  </dgm:styleLbl>
+  <dgm:styleLbl name="parChTrans1D1">
+    <dgm:fillClrLst meth="repeat">
+      <a:schemeClr val="accent3"/>
+    </dgm:fillClrLst>
+    <dgm:linClrLst meth="repeat">
+      <a:schemeClr val="accent3"/>
+    </dgm:linClrLst>
+    <dgm:effectClrLst/>
+    <dgm:txLinClrLst/>
+    <dgm:txFillClrLst meth="repeat">
+      <a:schemeClr val="tx1"/>
+    </dgm:txFillClrLst>
+    <dgm:txEffectClrLst/>
+  </dgm:styleLbl>
+  <dgm:styleLbl name="parChTrans1D2">
+    <dgm:fillClrLst meth="repeat">
+      <a:schemeClr val="accent2">
+        <a:tint val="90000"/>
+      </a:schemeClr>
+    </dgm:fillClrLst>
+    <dgm:linClrLst meth="repeat">
+      <a:schemeClr val="accent4"/>
+    </dgm:linClrLst>
+    <dgm:effectClrLst/>
+    <dgm:txLinClrLst/>
+    <dgm:txFillClrLst meth="repeat">
+      <a:schemeClr val="tx1"/>
+    </dgm:txFillClrLst>
+    <dgm:txEffectClrLst/>
+  </dgm:styleLbl>
+  <dgm:styleLbl name="parChTrans1D3">
+    <dgm:fillClrLst meth="repeat">
+      <a:schemeClr val="accent2">
+        <a:tint val="70000"/>
+      </a:schemeClr>
+    </dgm:fillClrLst>
+    <dgm:linClrLst meth="repeat">
+      <a:schemeClr val="accent5"/>
+    </dgm:linClrLst>
+    <dgm:effectClrLst/>
+    <dgm:txLinClrLst/>
+    <dgm:txFillClrLst meth="repeat">
+      <a:schemeClr val="tx1"/>
+    </dgm:txFillClrLst>
+    <dgm:txEffectClrLst/>
+  </dgm:styleLbl>
+  <dgm:styleLbl name="parChTrans1D4">
+    <dgm:fillClrLst meth="repeat">
+      <a:schemeClr val="accent6">
+        <a:tint val="50000"/>
+      </a:schemeClr>
+    </dgm:fillClrLst>
+    <dgm:linClrLst meth="repeat">
+      <a:schemeClr val="accent6"/>
+    </dgm:linClrLst>
+    <dgm:effectClrLst/>
+    <dgm:txLinClrLst/>
+    <dgm:txFillClrLst meth="repeat">
+      <a:schemeClr val="tx1"/>
+    </dgm:txFillClrLst>
+    <dgm:txEffectClrLst/>
+  </dgm:styleLbl>
+  <dgm:styleLbl name="fgAcc1">
+    <dgm:fillClrLst meth="repeat">
+      <a:schemeClr val="lt1">
+        <a:alpha val="90000"/>
+      </a:schemeClr>
+    </dgm:fillClrLst>
+    <dgm:linClrLst>
+      <a:schemeClr val="accent3"/>
+      <a:schemeClr val="accent4"/>
+    </dgm:linClrLst>
+    <dgm:effectClrLst/>
+    <dgm:txLinClrLst/>
+    <dgm:txFillClrLst meth="repeat">
+      <a:schemeClr val="dk1"/>
+    </dgm:txFillClrLst>
+    <dgm:txEffectClrLst/>
+  </dgm:styleLbl>
+  <dgm:styleLbl name="conFgAcc1">
+    <dgm:fillClrLst meth="repeat">
+      <a:schemeClr val="lt1">
+        <a:alpha val="90000"/>
+      </a:schemeClr>
+    </dgm:fillClrLst>
+    <dgm:linClrLst>
+      <a:schemeClr val="accent3"/>
+      <a:schemeClr val="accent4"/>
+    </dgm:linClrLst>
+    <dgm:effectClrLst/>
+    <dgm:txLinClrLst/>
+    <dgm:txFillClrLst meth="repeat">
+      <a:schemeClr val="dk1"/>
+    </dgm:txFillClrLst>
+    <dgm:txEffectClrLst/>
+  </dgm:styleLbl>
+  <dgm:styleLbl name="alignAcc1">
+    <dgm:fillClrLst meth="repeat">
+      <a:schemeClr val="lt1">
+        <a:alpha val="90000"/>
+      </a:schemeClr>
+    </dgm:fillClrLst>
+    <dgm:linClrLst>
+      <a:schemeClr val="accent3"/>
+      <a:schemeClr val="accent4"/>
+    </dgm:linClrLst>
+    <dgm:effectClrLst/>
+    <dgm:txLinClrLst/>
+    <dgm:txFillClrLst meth="repeat">
+      <a:schemeClr val="dk1"/>
+    </dgm:txFillClrLst>
+    <dgm:txEffectClrLst/>
+  </dgm:styleLbl>
+  <dgm:styleLbl name="trAlignAcc1">
+    <dgm:fillClrLst meth="repeat">
+      <a:schemeClr val="lt1">
+        <a:alpha val="40000"/>
+      </a:schemeClr>
+    </dgm:fillClrLst>
+    <dgm:linClrLst meth="repeat">
+      <a:schemeClr val="accent2"/>
+    </dgm:linClrLst>
+    <dgm:effectClrLst/>
+    <dgm:txLinClrLst/>
+    <dgm:txFillClrLst meth="repeat">
+      <a:schemeClr val="dk1"/>
+    </dgm:txFillClrLst>
+    <dgm:txEffectClrLst/>
+  </dgm:styleLbl>
+  <dgm:styleLbl name="bgAcc1">
+    <dgm:fillClrLst meth="repeat">
+      <a:schemeClr val="lt1">
+        <a:alpha val="90000"/>
+      </a:schemeClr>
+    </dgm:fillClrLst>
+    <dgm:linClrLst>
+      <a:schemeClr val="accent3"/>
+      <a:schemeClr val="accent4"/>
+    </dgm:linClrLst>
+    <dgm:effectClrLst/>
+    <dgm:txLinClrLst/>
+    <dgm:txFillClrLst meth="repeat">
+      <a:schemeClr val="dk1"/>
+    </dgm:txFillClrLst>
+    <dgm:txEffectClrLst/>
+  </dgm:styleLbl>
+  <dgm:styleLbl name="solidFgAcc1">
+    <dgm:fillClrLst meth="repeat">
+      <a:schemeClr val="lt1"/>
+    </dgm:fillClrLst>
+    <dgm:linClrLst>
+      <a:schemeClr val="accent3"/>
+      <a:schemeClr val="accent4"/>
+    </dgm:linClrLst>
+    <dgm:effectClrLst/>
+    <dgm:txLinClrLst/>
+    <dgm:txFillClrLst meth="repeat">
+      <a:schemeClr val="dk1"/>
+    </dgm:txFillClrLst>
+    <dgm:txEffectClrLst/>
+  </dgm:styleLbl>
+  <dgm:styleLbl name="solidAlignAcc1">
+    <dgm:fillClrLst meth="repeat">
+      <a:schemeClr val="lt1"/>
+    </dgm:fillClrLst>
+    <dgm:linClrLst>
+      <a:schemeClr val="accent3"/>
+      <a:schemeClr val="accent4"/>
+    </dgm:linClrLst>
+    <dgm:effectClrLst/>
+    <dgm:txLinClrLst/>
+    <dgm:txFillClrLst meth="repeat">
+      <a:schemeClr val="dk1"/>
+    </dgm:txFillClrLst>
+    <dgm:txEffectClrLst/>
+  </dgm:styleLbl>
+  <dgm:styleLbl name="solidBgAcc1">
+    <dgm:fillClrLst meth="repeat">
+      <a:schemeClr val="lt1"/>
+    </dgm:fillClrLst>
+    <dgm:linClrLst>
+      <a:schemeClr val="accent3"/>
+      <a:schemeClr val="accent4"/>
+    </dgm:linClrLst>
+    <dgm:effectClrLst/>
+    <dgm:txLinClrLst/>
+    <dgm:txFillClrLst meth="repeat">
+      <a:schemeClr val="dk1"/>
+    </dgm:txFillClrLst>
+    <dgm:txEffectClrLst/>
+  </dgm:styleLbl>
+  <dgm:styleLbl name="fgAccFollowNode1">
+    <dgm:fillClrLst>
+      <a:schemeClr val="accent3">
+        <a:tint val="40000"/>
+        <a:alpha val="90000"/>
+      </a:schemeClr>
+      <a:schemeClr val="accent4">
+        <a:tint val="40000"/>
+        <a:alpha val="90000"/>
+      </a:schemeClr>
+    </dgm:fillClrLst>
+    <dgm:linClrLst>
+      <a:schemeClr val="accent3">
+        <a:tint val="40000"/>
+        <a:alpha val="90000"/>
+      </a:schemeClr>
+      <a:schemeClr val="accent4">
+        <a:tint val="40000"/>
+        <a:alpha val="90000"/>
+      </a:schemeClr>
+    </dgm:linClrLst>
+    <dgm:effectClrLst/>
+    <dgm:txLinClrLst/>
+    <dgm:txFillClrLst meth="repeat">
+      <a:schemeClr val="dk1"/>
+    </dgm:txFillClrLst>
+    <dgm:txEffectClrLst/>
+  </dgm:styleLbl>
+  <dgm:styleLbl name="alignAccFollowNode1">
+    <dgm:fillClrLst>
+      <a:schemeClr val="accent3">
+        <a:tint val="40000"/>
+        <a:alpha val="90000"/>
+      </a:schemeClr>
+      <a:schemeClr val="accent4">
+        <a:tint val="40000"/>
+        <a:alpha val="90000"/>
+      </a:schemeClr>
+    </dgm:fillClrLst>
+    <dgm:linClrLst>
+      <a:schemeClr val="accent3">
+        <a:tint val="40000"/>
+        <a:alpha val="90000"/>
+      </a:schemeClr>
+      <a:schemeClr val="accent4">
+        <a:tint val="40000"/>
+        <a:alpha val="90000"/>
+      </a:schemeClr>
+    </dgm:linClrLst>
+    <dgm:effectClrLst/>
+    <dgm:txLinClrLst/>
+    <dgm:txFillClrLst meth="repeat">
+      <a:schemeClr val="dk1"/>
+    </dgm:txFillClrLst>
+    <dgm:txEffectClrLst/>
+  </dgm:styleLbl>
+  <dgm:styleLbl name="bgAccFollowNode1">
+    <dgm:fillClrLst>
+      <a:schemeClr val="accent3">
+        <a:tint val="40000"/>
+        <a:alpha val="90000"/>
+      </a:schemeClr>
+      <a:schemeClr val="accent4">
+        <a:tint val="40000"/>
+        <a:alpha val="90000"/>
+      </a:schemeClr>
+    </dgm:fillClrLst>
+    <dgm:linClrLst>
+      <a:schemeClr val="accent3">
+        <a:tint val="40000"/>
+        <a:alpha val="90000"/>
+      </a:schemeClr>
+      <a:schemeClr val="accent4">
+        <a:tint val="40000"/>
+        <a:alpha val="90000"/>
+      </a:schemeClr>
+    </dgm:linClrLst>
+    <dgm:effectClrLst/>
+    <dgm:txLinClrLst/>
+    <dgm:txFillClrLst meth="repeat">
+      <a:schemeClr val="dk1"/>
+    </dgm:txFillClrLst>
+    <dgm:txEffectClrLst/>
+  </dgm:styleLbl>
+  <dgm:styleLbl name="fgAcc0">
+    <dgm:fillClrLst meth="repeat">
+      <a:schemeClr val="lt1">
+        <a:alpha val="90000"/>
+      </a:schemeClr>
+    </dgm:fillClrLst>
+    <dgm:linClrLst>
+      <a:schemeClr val="accent2"/>
+    </dgm:linClrLst>
+    <dgm:effectClrLst/>
+    <dgm:txLinClrLst/>
+    <dgm:txFillClrLst meth="repeat">
+      <a:schemeClr val="dk1"/>
+    </dgm:txFillClrLst>
+    <dgm:txEffectClrLst/>
+  </dgm:styleLbl>
+  <dgm:styleLbl name="fgAcc2">
+    <dgm:fillClrLst meth="repeat">
+      <a:schemeClr val="lt1">
+        <a:alpha val="90000"/>
+      </a:schemeClr>
+    </dgm:fillClrLst>
+    <dgm:linClrLst>
+      <a:schemeClr val="accent4"/>
+    </dgm:linClrLst>
+    <dgm:effectClrLst/>
+    <dgm:txLinClrLst/>
+    <dgm:txFillClrLst meth="repeat">
+      <a:schemeClr val="dk1"/>
+    </dgm:txFillClrLst>
+    <dgm:txEffectClrLst/>
+  </dgm:styleLbl>
+  <dgm:styleLbl name="fgAcc3">
+    <dgm:fillClrLst meth="repeat">
+      <a:schemeClr val="lt1">
+        <a:alpha val="90000"/>
+      </a:schemeClr>
+    </dgm:fillClrLst>
+    <dgm:linClrLst>
+      <a:schemeClr val="accent5"/>
+    </dgm:linClrLst>
+    <dgm:effectClrLst/>
+    <dgm:txLinClrLst/>
+    <dgm:txFillClrLst meth="repeat">
+      <a:schemeClr val="dk1"/>
+    </dgm:txFillClrLst>
+    <dgm:txEffectClrLst/>
+  </dgm:styleLbl>
+  <dgm:styleLbl name="fgAcc4">
+    <dgm:fillClrLst meth="repeat">
+      <a:schemeClr val="lt1">
+        <a:alpha val="90000"/>
+      </a:schemeClr>
+    </dgm:fillClrLst>
+    <dgm:linClrLst>
+      <a:schemeClr val="accent6"/>
+    </dgm:linClrLst>
+    <dgm:effectClrLst/>
+    <dgm:txLinClrLst/>
+    <dgm:txFillClrLst meth="repeat">
+      <a:schemeClr val="dk1"/>
+    </dgm:txFillClrLst>
+    <dgm:txEffectClrLst/>
+  </dgm:styleLbl>
+  <dgm:styleLbl name="bgShp">
+    <dgm:fillClrLst meth="repeat">
+      <a:schemeClr val="accent3">
+        <a:tint val="40000"/>
+      </a:schemeClr>
+    </dgm:fillClrLst>
+    <dgm:linClrLst meth="repeat">
+      <a:schemeClr val="dk1"/>
+    </dgm:linClrLst>
+    <dgm:effectClrLst/>
+    <dgm:txLinClrLst/>
+    <dgm:txFillClrLst meth="repeat">
+      <a:schemeClr val="dk1"/>
+    </dgm:txFillClrLst>
+    <dgm:txEffectClrLst/>
+  </dgm:styleLbl>
+  <dgm:styleLbl name="dkBgShp">
+    <dgm:fillClrLst meth="repeat">
+      <a:schemeClr val="accent3">
+        <a:shade val="90000"/>
+      </a:schemeClr>
+    </dgm:fillClrLst>
+    <dgm:linClrLst meth="repeat">
+      <a:schemeClr val="dk1"/>
+    </dgm:linClrLst>
+    <dgm:effectClrLst/>
+    <dgm:txLinClrLst/>
+    <dgm:txFillClrLst meth="repeat">
+      <a:schemeClr val="lt1"/>
+    </dgm:txFillClrLst>
+    <dgm:txEffectClrLst/>
+  </dgm:styleLbl>
+  <dgm:styleLbl name="trBgShp">
+    <dgm:fillClrLst meth="repeat">
+      <a:schemeClr val="accent2">
+        <a:tint val="50000"/>
+        <a:alpha val="40000"/>
+      </a:schemeClr>
+    </dgm:fillClrLst>
+    <dgm:linClrLst meth="repeat">
+      <a:schemeClr val="accent3"/>
+    </dgm:linClrLst>
+    <dgm:effectClrLst/>
+    <dgm:txLinClrLst/>
+    <dgm:txFillClrLst meth="repeat">
+      <a:schemeClr val="lt1"/>
+    </dgm:txFillClrLst>
+    <dgm:txEffectClrLst/>
+  </dgm:styleLbl>
+  <dgm:styleLbl name="fgShp">
+    <dgm:fillClrLst meth="repeat">
+      <a:schemeClr val="accent3">
+        <a:tint val="40000"/>
       </a:schemeClr>
     </dgm:fillClrLst>
     <dgm:linClrLst meth="repeat">
@@ -8102,6 +8885,13 @@
         </dgm:presLayoutVars>
       </dgm:prSet>
       <dgm:spPr/>
+      <dgm:t>
+        <a:bodyPr/>
+        <a:lstStyle/>
+        <a:p>
+          <a:endParaRPr lang="de-DE"/>
+        </a:p>
+      </dgm:t>
     </dgm:pt>
     <dgm:pt modelId="{378369BD-AB71-46A9-B11A-8508488AE867}" type="pres">
       <dgm:prSet presAssocID="{FBC92FBA-4BE1-4658-A102-FFDA5B3C4A34}" presName="root1" presStyleCnt="0"/>
@@ -8129,10 +8919,24 @@
     <dgm:pt modelId="{184AC373-EFA2-47A4-BE6C-4BB807E375A2}" type="pres">
       <dgm:prSet presAssocID="{4C752F21-DC43-4F70-8473-FE77BE851EA2}" presName="conn2-1" presStyleLbl="parChTrans1D2" presStyleIdx="0" presStyleCnt="7"/>
       <dgm:spPr/>
+      <dgm:t>
+        <a:bodyPr/>
+        <a:lstStyle/>
+        <a:p>
+          <a:endParaRPr lang="de-DE"/>
+        </a:p>
+      </dgm:t>
     </dgm:pt>
     <dgm:pt modelId="{64E224CB-2D97-4598-A595-9B5AA1E3A6DB}" type="pres">
       <dgm:prSet presAssocID="{4C752F21-DC43-4F70-8473-FE77BE851EA2}" presName="connTx" presStyleLbl="parChTrans1D2" presStyleIdx="0" presStyleCnt="7"/>
       <dgm:spPr/>
+      <dgm:t>
+        <a:bodyPr/>
+        <a:lstStyle/>
+        <a:p>
+          <a:endParaRPr lang="de-DE"/>
+        </a:p>
+      </dgm:t>
     </dgm:pt>
     <dgm:pt modelId="{FA3E9B20-6A2B-4F17-A152-9DBD01B3A794}" type="pres">
       <dgm:prSet presAssocID="{F9AF7151-7F79-4E5A-ADD8-B2355A6FCAB1}" presName="root2" presStyleCnt="0"/>
@@ -8160,10 +8964,24 @@
     <dgm:pt modelId="{5542A02D-D98B-4129-9035-D03358E6D913}" type="pres">
       <dgm:prSet presAssocID="{A9071D43-696E-4208-A051-E6EE7190890A}" presName="conn2-1" presStyleLbl="parChTrans1D2" presStyleIdx="1" presStyleCnt="7"/>
       <dgm:spPr/>
+      <dgm:t>
+        <a:bodyPr/>
+        <a:lstStyle/>
+        <a:p>
+          <a:endParaRPr lang="de-DE"/>
+        </a:p>
+      </dgm:t>
     </dgm:pt>
     <dgm:pt modelId="{351B15EA-951A-4F39-9FD4-529FA48EE359}" type="pres">
       <dgm:prSet presAssocID="{A9071D43-696E-4208-A051-E6EE7190890A}" presName="connTx" presStyleLbl="parChTrans1D2" presStyleIdx="1" presStyleCnt="7"/>
       <dgm:spPr/>
+      <dgm:t>
+        <a:bodyPr/>
+        <a:lstStyle/>
+        <a:p>
+          <a:endParaRPr lang="de-DE"/>
+        </a:p>
+      </dgm:t>
     </dgm:pt>
     <dgm:pt modelId="{2402891A-2176-43AA-B824-5D1EDD3803E7}" type="pres">
       <dgm:prSet presAssocID="{7DCF3556-16BE-4EF8-A7D4-12D4DE4665D7}" presName="root2" presStyleCnt="0"/>
@@ -8191,10 +9009,24 @@
     <dgm:pt modelId="{7841EF4A-318B-47C9-B9F1-3FFABAC61F9D}" type="pres">
       <dgm:prSet presAssocID="{989B994F-5984-481A-92F1-002819E497E8}" presName="conn2-1" presStyleLbl="parChTrans1D2" presStyleIdx="2" presStyleCnt="7"/>
       <dgm:spPr/>
+      <dgm:t>
+        <a:bodyPr/>
+        <a:lstStyle/>
+        <a:p>
+          <a:endParaRPr lang="de-DE"/>
+        </a:p>
+      </dgm:t>
     </dgm:pt>
     <dgm:pt modelId="{42AEE25C-36A5-4004-8A76-8C4FFCE2B46B}" type="pres">
       <dgm:prSet presAssocID="{989B994F-5984-481A-92F1-002819E497E8}" presName="connTx" presStyleLbl="parChTrans1D2" presStyleIdx="2" presStyleCnt="7"/>
       <dgm:spPr/>
+      <dgm:t>
+        <a:bodyPr/>
+        <a:lstStyle/>
+        <a:p>
+          <a:endParaRPr lang="de-DE"/>
+        </a:p>
+      </dgm:t>
     </dgm:pt>
     <dgm:pt modelId="{7710B3AC-EE20-4BF1-ABF2-F56D63C952BD}" type="pres">
       <dgm:prSet presAssocID="{363C8A34-B015-4731-A90D-4C307DFF7279}" presName="root2" presStyleCnt="0"/>
@@ -8207,6 +9039,13 @@
         </dgm:presLayoutVars>
       </dgm:prSet>
       <dgm:spPr/>
+      <dgm:t>
+        <a:bodyPr/>
+        <a:lstStyle/>
+        <a:p>
+          <a:endParaRPr lang="de-DE"/>
+        </a:p>
+      </dgm:t>
     </dgm:pt>
     <dgm:pt modelId="{8B038112-9C2B-479A-ADA8-70D9BAAB72A9}" type="pres">
       <dgm:prSet presAssocID="{363C8A34-B015-4731-A90D-4C307DFF7279}" presName="level3hierChild" presStyleCnt="0"/>
@@ -8238,10 +9077,24 @@
     <dgm:pt modelId="{F8AB7AB7-8865-4B9C-B4BE-D2B2DBA7FFFF}" type="pres">
       <dgm:prSet presAssocID="{1E68003F-9EC1-4166-9FC4-73E4D6A7C9CF}" presName="conn2-1" presStyleLbl="parChTrans1D2" presStyleIdx="3" presStyleCnt="7"/>
       <dgm:spPr/>
+      <dgm:t>
+        <a:bodyPr/>
+        <a:lstStyle/>
+        <a:p>
+          <a:endParaRPr lang="de-DE"/>
+        </a:p>
+      </dgm:t>
     </dgm:pt>
     <dgm:pt modelId="{21A37C95-5D34-40DA-A5FB-9AF8DC1C1E0A}" type="pres">
       <dgm:prSet presAssocID="{1E68003F-9EC1-4166-9FC4-73E4D6A7C9CF}" presName="connTx" presStyleLbl="parChTrans1D2" presStyleIdx="3" presStyleCnt="7"/>
       <dgm:spPr/>
+      <dgm:t>
+        <a:bodyPr/>
+        <a:lstStyle/>
+        <a:p>
+          <a:endParaRPr lang="de-DE"/>
+        </a:p>
+      </dgm:t>
     </dgm:pt>
     <dgm:pt modelId="{B177F50D-4B75-41C1-9557-0D2CCF28B6A5}" type="pres">
       <dgm:prSet presAssocID="{A8A8A930-9B28-48B5-9551-B76D16F958B5}" presName="root2" presStyleCnt="0"/>
@@ -8269,10 +9122,24 @@
     <dgm:pt modelId="{E34C697A-B4BE-455A-B7E8-9C5517C9DACB}" type="pres">
       <dgm:prSet presAssocID="{64FD664D-0421-40D1-8780-6E167AFBEFB5}" presName="conn2-1" presStyleLbl="parChTrans1D2" presStyleIdx="4" presStyleCnt="7"/>
       <dgm:spPr/>
+      <dgm:t>
+        <a:bodyPr/>
+        <a:lstStyle/>
+        <a:p>
+          <a:endParaRPr lang="de-DE"/>
+        </a:p>
+      </dgm:t>
     </dgm:pt>
     <dgm:pt modelId="{5A28F0D3-6AEF-4406-9466-527D86C3DEF3}" type="pres">
       <dgm:prSet presAssocID="{64FD664D-0421-40D1-8780-6E167AFBEFB5}" presName="connTx" presStyleLbl="parChTrans1D2" presStyleIdx="4" presStyleCnt="7"/>
       <dgm:spPr/>
+      <dgm:t>
+        <a:bodyPr/>
+        <a:lstStyle/>
+        <a:p>
+          <a:endParaRPr lang="de-DE"/>
+        </a:p>
+      </dgm:t>
     </dgm:pt>
     <dgm:pt modelId="{B2E0902D-4A5B-48F1-8A4C-A47026BFE570}" type="pres">
       <dgm:prSet presAssocID="{A480305B-59EB-4430-B83F-654C2BD50227}" presName="root2" presStyleCnt="0"/>
@@ -8300,10 +9167,24 @@
     <dgm:pt modelId="{765CD15B-2B9D-4A70-B77C-D9F7FFB35F3D}" type="pres">
       <dgm:prSet presAssocID="{965DD254-C511-4E4C-9BF2-E71E19EB7D61}" presName="conn2-1" presStyleLbl="parChTrans1D2" presStyleIdx="5" presStyleCnt="7"/>
       <dgm:spPr/>
+      <dgm:t>
+        <a:bodyPr/>
+        <a:lstStyle/>
+        <a:p>
+          <a:endParaRPr lang="de-DE"/>
+        </a:p>
+      </dgm:t>
     </dgm:pt>
     <dgm:pt modelId="{A69B6C2C-3C0D-465F-8109-54BD99DD6579}" type="pres">
       <dgm:prSet presAssocID="{965DD254-C511-4E4C-9BF2-E71E19EB7D61}" presName="connTx" presStyleLbl="parChTrans1D2" presStyleIdx="5" presStyleCnt="7"/>
       <dgm:spPr/>
+      <dgm:t>
+        <a:bodyPr/>
+        <a:lstStyle/>
+        <a:p>
+          <a:endParaRPr lang="de-DE"/>
+        </a:p>
+      </dgm:t>
     </dgm:pt>
     <dgm:pt modelId="{91297F39-F25A-419F-8FF2-C7CE1BDE9851}" type="pres">
       <dgm:prSet presAssocID="{D366436C-A57D-4167-B46A-F9E58A152630}" presName="root2" presStyleCnt="0"/>
@@ -8331,10 +9212,24 @@
     <dgm:pt modelId="{9EFC3E97-29AB-4CF5-B951-F34DC8F33973}" type="pres">
       <dgm:prSet presAssocID="{8EE0715D-46E5-4581-B22E-1928BF5991D9}" presName="conn2-1" presStyleLbl="parChTrans1D2" presStyleIdx="6" presStyleCnt="7"/>
       <dgm:spPr/>
+      <dgm:t>
+        <a:bodyPr/>
+        <a:lstStyle/>
+        <a:p>
+          <a:endParaRPr lang="de-DE"/>
+        </a:p>
+      </dgm:t>
     </dgm:pt>
     <dgm:pt modelId="{780FBF3A-4F2C-4466-97FE-34E07EF21E25}" type="pres">
       <dgm:prSet presAssocID="{8EE0715D-46E5-4581-B22E-1928BF5991D9}" presName="connTx" presStyleLbl="parChTrans1D2" presStyleIdx="6" presStyleCnt="7"/>
       <dgm:spPr/>
+      <dgm:t>
+        <a:bodyPr/>
+        <a:lstStyle/>
+        <a:p>
+          <a:endParaRPr lang="de-DE"/>
+        </a:p>
+      </dgm:t>
     </dgm:pt>
     <dgm:pt modelId="{EB05CB1C-BD39-41B6-B3A2-CBFD3080B738}" type="pres">
       <dgm:prSet presAssocID="{39EE2861-824A-43EE-9DB6-DDAA18BD082A}" presName="root2" presStyleCnt="0"/>
@@ -8347,6 +9242,13 @@
         </dgm:presLayoutVars>
       </dgm:prSet>
       <dgm:spPr/>
+      <dgm:t>
+        <a:bodyPr/>
+        <a:lstStyle/>
+        <a:p>
+          <a:endParaRPr lang="de-DE"/>
+        </a:p>
+      </dgm:t>
     </dgm:pt>
     <dgm:pt modelId="{51F18C00-C2C7-4A6E-868E-5DF3D8E6C666}" type="pres">
       <dgm:prSet presAssocID="{39EE2861-824A-43EE-9DB6-DDAA18BD082A}" presName="level3hierChild" presStyleCnt="0"/>
@@ -8354,39 +9256,39 @@
     </dgm:pt>
   </dgm:ptLst>
   <dgm:cxnLst>
-    <dgm:cxn modelId="{7FF7FEDB-ABA0-479A-81E2-6BDCBC40391F}" type="presOf" srcId="{A480305B-59EB-4430-B83F-654C2BD50227}" destId="{66D566F4-D332-48A5-BCA8-842AF5E62B48}" srcOrd="0" destOrd="0" presId="urn:microsoft.com/office/officeart/2005/8/layout/hierarchy2"/>
-    <dgm:cxn modelId="{0E507AA0-9817-4215-A3C8-51619768B18F}" type="presOf" srcId="{7DCF3556-16BE-4EF8-A7D4-12D4DE4665D7}" destId="{C6F1ABB4-98C0-4023-B949-FFAB0C55AA8C}" srcOrd="0" destOrd="0" presId="urn:microsoft.com/office/officeart/2005/8/layout/hierarchy2"/>
-    <dgm:cxn modelId="{0A0F529A-1215-419C-9A51-172A3865EBE7}" srcId="{91016E94-86CE-4C9D-90BA-6894F2412FDF}" destId="{09E424A6-2B87-46A6-83BF-EDB42EBF4D66}" srcOrd="1" destOrd="0" parTransId="{8B189DE4-47EF-4077-BE47-147D33DCC304}" sibTransId="{578F0149-FC02-4159-9636-02386D56B8A0}"/>
-    <dgm:cxn modelId="{655F4AF5-0911-472F-BF53-1DF2C29B6243}" type="presOf" srcId="{989B994F-5984-481A-92F1-002819E497E8}" destId="{7841EF4A-318B-47C9-B9F1-3FFABAC61F9D}" srcOrd="0" destOrd="0" presId="urn:microsoft.com/office/officeart/2005/8/layout/hierarchy2"/>
-    <dgm:cxn modelId="{8C4BFB37-BCFC-47A6-9474-6812A8A189D1}" type="presOf" srcId="{A9071D43-696E-4208-A051-E6EE7190890A}" destId="{5542A02D-D98B-4129-9035-D03358E6D913}" srcOrd="0" destOrd="0" presId="urn:microsoft.com/office/officeart/2005/8/layout/hierarchy2"/>
-    <dgm:cxn modelId="{6BAF81FF-3899-4F95-8E25-1FC05650684B}" type="presOf" srcId="{D366436C-A57D-4167-B46A-F9E58A152630}" destId="{A386DB6A-7C7D-497A-B3E3-2353B9581DE5}" srcOrd="0" destOrd="0" presId="urn:microsoft.com/office/officeart/2005/8/layout/hierarchy2"/>
-    <dgm:cxn modelId="{DD0F27AC-7284-4704-B1EE-F30E4FD8DE43}" type="presOf" srcId="{989B994F-5984-481A-92F1-002819E497E8}" destId="{42AEE25C-36A5-4004-8A76-8C4FFCE2B46B}" srcOrd="1" destOrd="0" presId="urn:microsoft.com/office/officeart/2005/8/layout/hierarchy2"/>
-    <dgm:cxn modelId="{432D6218-6162-48E9-917B-18724EDE8911}" type="presOf" srcId="{363C8A34-B015-4731-A90D-4C307DFF7279}" destId="{51717E80-E9E5-4D96-B745-8283954563AD}" srcOrd="0" destOrd="0" presId="urn:microsoft.com/office/officeart/2005/8/layout/hierarchy2"/>
+    <dgm:cxn modelId="{0BE86182-4ACB-4D4F-89E9-39ED046332AB}" type="presOf" srcId="{1E68003F-9EC1-4166-9FC4-73E4D6A7C9CF}" destId="{21A37C95-5D34-40DA-A5FB-9AF8DC1C1E0A}" srcOrd="1" destOrd="0" presId="urn:microsoft.com/office/officeart/2005/8/layout/hierarchy2"/>
     <dgm:cxn modelId="{9FCCA98C-556C-4BA5-A1CE-D042D48FD705}" type="presOf" srcId="{4C752F21-DC43-4F70-8473-FE77BE851EA2}" destId="{184AC373-EFA2-47A4-BE6C-4BB807E375A2}" srcOrd="0" destOrd="0" presId="urn:microsoft.com/office/officeart/2005/8/layout/hierarchy2"/>
-    <dgm:cxn modelId="{0AD98457-B01E-4389-AE1F-A2F85485B9B7}" type="presOf" srcId="{965DD254-C511-4E4C-9BF2-E71E19EB7D61}" destId="{765CD15B-2B9D-4A70-B77C-D9F7FFB35F3D}" srcOrd="0" destOrd="0" presId="urn:microsoft.com/office/officeart/2005/8/layout/hierarchy2"/>
-    <dgm:cxn modelId="{650C6A18-4140-4FB2-B278-C746B2654AA8}" type="presOf" srcId="{4C752F21-DC43-4F70-8473-FE77BE851EA2}" destId="{64E224CB-2D97-4598-A595-9B5AA1E3A6DB}" srcOrd="1" destOrd="0" presId="urn:microsoft.com/office/officeart/2005/8/layout/hierarchy2"/>
-    <dgm:cxn modelId="{29C4BD67-3838-4DCC-8333-CB023CE24716}" type="presOf" srcId="{64FD664D-0421-40D1-8780-6E167AFBEFB5}" destId="{5A28F0D3-6AEF-4406-9466-527D86C3DEF3}" srcOrd="1" destOrd="0" presId="urn:microsoft.com/office/officeart/2005/8/layout/hierarchy2"/>
-    <dgm:cxn modelId="{98E02C45-D5AF-4654-8CF2-997B4AE77124}" type="presOf" srcId="{8EE0715D-46E5-4581-B22E-1928BF5991D9}" destId="{780FBF3A-4F2C-4466-97FE-34E07EF21E25}" srcOrd="1" destOrd="0" presId="urn:microsoft.com/office/officeart/2005/8/layout/hierarchy2"/>
-    <dgm:cxn modelId="{942956BE-5BC7-417D-B249-16ACE0509795}" type="presOf" srcId="{1E68003F-9EC1-4166-9FC4-73E4D6A7C9CF}" destId="{F8AB7AB7-8865-4B9C-B4BE-D2B2DBA7FFFF}" srcOrd="0" destOrd="0" presId="urn:microsoft.com/office/officeart/2005/8/layout/hierarchy2"/>
-    <dgm:cxn modelId="{82F2A538-53B6-4535-BC41-D1CACF79955A}" srcId="{FBC92FBA-4BE1-4658-A102-FFDA5B3C4A34}" destId="{F9AF7151-7F79-4E5A-ADD8-B2355A6FCAB1}" srcOrd="0" destOrd="0" parTransId="{4C752F21-DC43-4F70-8473-FE77BE851EA2}" sibTransId="{D29699BA-7857-49DF-99A5-D49EA07C6393}"/>
-    <dgm:cxn modelId="{F749A82A-8436-4F75-B500-E35390868967}" type="presOf" srcId="{F9AF7151-7F79-4E5A-ADD8-B2355A6FCAB1}" destId="{82E59643-610D-44D4-8C60-C8A227202160}" srcOrd="0" destOrd="0" presId="urn:microsoft.com/office/officeart/2005/8/layout/hierarchy2"/>
-    <dgm:cxn modelId="{FECDF224-F734-4858-98B9-66E22E183C0B}" type="presOf" srcId="{A8A8A930-9B28-48B5-9551-B76D16F958B5}" destId="{27F8751E-D35A-4615-9CC4-3195D317BEF0}" srcOrd="0" destOrd="0" presId="urn:microsoft.com/office/officeart/2005/8/layout/hierarchy2"/>
-    <dgm:cxn modelId="{A9AB798E-859E-45A2-8484-E4F10893A63E}" type="presOf" srcId="{8EE0715D-46E5-4581-B22E-1928BF5991D9}" destId="{9EFC3E97-29AB-4CF5-B951-F34DC8F33973}" srcOrd="0" destOrd="0" presId="urn:microsoft.com/office/officeart/2005/8/layout/hierarchy2"/>
-    <dgm:cxn modelId="{5C0007C8-8596-4125-ABD2-3FA94770EAF8}" srcId="{09E424A6-2B87-46A6-83BF-EDB42EBF4D66}" destId="{D366436C-A57D-4167-B46A-F9E58A152630}" srcOrd="2" destOrd="0" parTransId="{965DD254-C511-4E4C-9BF2-E71E19EB7D61}" sibTransId="{B54D246D-F22D-4657-9E5B-2C3CF28C30FD}"/>
-    <dgm:cxn modelId="{B750CDCB-60C8-4571-A322-B25CC68C5184}" type="presOf" srcId="{965DD254-C511-4E4C-9BF2-E71E19EB7D61}" destId="{A69B6C2C-3C0D-465F-8109-54BD99DD6579}" srcOrd="1" destOrd="0" presId="urn:microsoft.com/office/officeart/2005/8/layout/hierarchy2"/>
-    <dgm:cxn modelId="{9DF2D121-B3BF-4897-940C-F56F50D4045B}" srcId="{FBC92FBA-4BE1-4658-A102-FFDA5B3C4A34}" destId="{363C8A34-B015-4731-A90D-4C307DFF7279}" srcOrd="2" destOrd="0" parTransId="{989B994F-5984-481A-92F1-002819E497E8}" sibTransId="{A7CE2412-0F27-4B9A-B018-C18A00BEF62D}"/>
-    <dgm:cxn modelId="{7C0E6C26-97C1-403E-A557-509318DF5299}" type="presOf" srcId="{A9071D43-696E-4208-A051-E6EE7190890A}" destId="{351B15EA-951A-4F39-9FD4-529FA48EE359}" srcOrd="1" destOrd="0" presId="urn:microsoft.com/office/officeart/2005/8/layout/hierarchy2"/>
-    <dgm:cxn modelId="{C3BD7328-A02D-48E0-A866-5FA13D70D930}" type="presOf" srcId="{64FD664D-0421-40D1-8780-6E167AFBEFB5}" destId="{E34C697A-B4BE-455A-B7E8-9C5517C9DACB}" srcOrd="0" destOrd="0" presId="urn:microsoft.com/office/officeart/2005/8/layout/hierarchy2"/>
-    <dgm:cxn modelId="{0BE86182-4ACB-4D4F-89E9-39ED046332AB}" type="presOf" srcId="{1E68003F-9EC1-4166-9FC4-73E4D6A7C9CF}" destId="{21A37C95-5D34-40DA-A5FB-9AF8DC1C1E0A}" srcOrd="1" destOrd="0" presId="urn:microsoft.com/office/officeart/2005/8/layout/hierarchy2"/>
-    <dgm:cxn modelId="{4791D30D-E9CA-4B15-993B-62B8F3C93E2D}" type="presOf" srcId="{FBC92FBA-4BE1-4658-A102-FFDA5B3C4A34}" destId="{91C537BE-7A4A-4251-A37B-8F7A579A3D51}" srcOrd="0" destOrd="0" presId="urn:microsoft.com/office/officeart/2005/8/layout/hierarchy2"/>
-    <dgm:cxn modelId="{4B74AE75-6CDF-4308-9DFA-4E666854484F}" type="presOf" srcId="{39EE2861-824A-43EE-9DB6-DDAA18BD082A}" destId="{4A336130-AA80-44FE-B99C-A35C6277A12A}" srcOrd="0" destOrd="0" presId="urn:microsoft.com/office/officeart/2005/8/layout/hierarchy2"/>
-    <dgm:cxn modelId="{5A3F4D52-3581-4F0B-9A97-DF043EAE56D2}" type="presOf" srcId="{09E424A6-2B87-46A6-83BF-EDB42EBF4D66}" destId="{89A93480-A6DD-4E40-B495-F0A68FEE2C66}" srcOrd="0" destOrd="0" presId="urn:microsoft.com/office/officeart/2005/8/layout/hierarchy2"/>
-    <dgm:cxn modelId="{F8E4E0CE-1B09-4476-9AC3-DBB7E8E54A4A}" srcId="{09E424A6-2B87-46A6-83BF-EDB42EBF4D66}" destId="{A480305B-59EB-4430-B83F-654C2BD50227}" srcOrd="1" destOrd="0" parTransId="{64FD664D-0421-40D1-8780-6E167AFBEFB5}" sibTransId="{E109BF0E-B975-4926-8743-534E30E91265}"/>
-    <dgm:cxn modelId="{9684405A-2303-45B6-AEFE-260D3196088D}" type="presOf" srcId="{91016E94-86CE-4C9D-90BA-6894F2412FDF}" destId="{7EF0CAB6-2675-4AF3-B508-F1308E1E4B6F}" srcOrd="0" destOrd="0" presId="urn:microsoft.com/office/officeart/2005/8/layout/hierarchy2"/>
-    <dgm:cxn modelId="{01C1C44E-3F91-4641-B2DC-2435DA13E2A6}" srcId="{FBC92FBA-4BE1-4658-A102-FFDA5B3C4A34}" destId="{7DCF3556-16BE-4EF8-A7D4-12D4DE4665D7}" srcOrd="1" destOrd="0" parTransId="{A9071D43-696E-4208-A051-E6EE7190890A}" sibTransId="{554C87BC-E876-4DC3-990B-A60292797BE4}"/>
     <dgm:cxn modelId="{FC0E7892-8952-424D-AB74-6C5103DBBB8E}" srcId="{09E424A6-2B87-46A6-83BF-EDB42EBF4D66}" destId="{A8A8A930-9B28-48B5-9551-B76D16F958B5}" srcOrd="0" destOrd="0" parTransId="{1E68003F-9EC1-4166-9FC4-73E4D6A7C9CF}" sibTransId="{F698B7B8-2B6B-4151-94AB-A20CEFD78DAA}"/>
     <dgm:cxn modelId="{3B755E64-EEC6-44BD-9F77-9580A6E2BE3C}" srcId="{91016E94-86CE-4C9D-90BA-6894F2412FDF}" destId="{FBC92FBA-4BE1-4658-A102-FFDA5B3C4A34}" srcOrd="0" destOrd="0" parTransId="{DEF5242E-3B6A-4B85-BC8B-2F68EB757B5A}" sibTransId="{35A350FB-E087-4A82-B535-1DE2438DCCB3}"/>
+    <dgm:cxn modelId="{B750CDCB-60C8-4571-A322-B25CC68C5184}" type="presOf" srcId="{965DD254-C511-4E4C-9BF2-E71E19EB7D61}" destId="{A69B6C2C-3C0D-465F-8109-54BD99DD6579}" srcOrd="1" destOrd="0" presId="urn:microsoft.com/office/officeart/2005/8/layout/hierarchy2"/>
+    <dgm:cxn modelId="{F749A82A-8436-4F75-B500-E35390868967}" type="presOf" srcId="{F9AF7151-7F79-4E5A-ADD8-B2355A6FCAB1}" destId="{82E59643-610D-44D4-8C60-C8A227202160}" srcOrd="0" destOrd="0" presId="urn:microsoft.com/office/officeart/2005/8/layout/hierarchy2"/>
+    <dgm:cxn modelId="{0E507AA0-9817-4215-A3C8-51619768B18F}" type="presOf" srcId="{7DCF3556-16BE-4EF8-A7D4-12D4DE4665D7}" destId="{C6F1ABB4-98C0-4023-B949-FFAB0C55AA8C}" srcOrd="0" destOrd="0" presId="urn:microsoft.com/office/officeart/2005/8/layout/hierarchy2"/>
+    <dgm:cxn modelId="{C3BD7328-A02D-48E0-A866-5FA13D70D930}" type="presOf" srcId="{64FD664D-0421-40D1-8780-6E167AFBEFB5}" destId="{E34C697A-B4BE-455A-B7E8-9C5517C9DACB}" srcOrd="0" destOrd="0" presId="urn:microsoft.com/office/officeart/2005/8/layout/hierarchy2"/>
+    <dgm:cxn modelId="{655F4AF5-0911-472F-BF53-1DF2C29B6243}" type="presOf" srcId="{989B994F-5984-481A-92F1-002819E497E8}" destId="{7841EF4A-318B-47C9-B9F1-3FFABAC61F9D}" srcOrd="0" destOrd="0" presId="urn:microsoft.com/office/officeart/2005/8/layout/hierarchy2"/>
+    <dgm:cxn modelId="{5A3F4D52-3581-4F0B-9A97-DF043EAE56D2}" type="presOf" srcId="{09E424A6-2B87-46A6-83BF-EDB42EBF4D66}" destId="{89A93480-A6DD-4E40-B495-F0A68FEE2C66}" srcOrd="0" destOrd="0" presId="urn:microsoft.com/office/officeart/2005/8/layout/hierarchy2"/>
     <dgm:cxn modelId="{604301A6-0559-4484-A562-B706E2366859}" srcId="{09E424A6-2B87-46A6-83BF-EDB42EBF4D66}" destId="{39EE2861-824A-43EE-9DB6-DDAA18BD082A}" srcOrd="3" destOrd="0" parTransId="{8EE0715D-46E5-4581-B22E-1928BF5991D9}" sibTransId="{F62B5C73-2855-49F6-A523-4FBF37F86C1F}"/>
+    <dgm:cxn modelId="{4B74AE75-6CDF-4308-9DFA-4E666854484F}" type="presOf" srcId="{39EE2861-824A-43EE-9DB6-DDAA18BD082A}" destId="{4A336130-AA80-44FE-B99C-A35C6277A12A}" srcOrd="0" destOrd="0" presId="urn:microsoft.com/office/officeart/2005/8/layout/hierarchy2"/>
+    <dgm:cxn modelId="{432D6218-6162-48E9-917B-18724EDE8911}" type="presOf" srcId="{363C8A34-B015-4731-A90D-4C307DFF7279}" destId="{51717E80-E9E5-4D96-B745-8283954563AD}" srcOrd="0" destOrd="0" presId="urn:microsoft.com/office/officeart/2005/8/layout/hierarchy2"/>
+    <dgm:cxn modelId="{9DF2D121-B3BF-4897-940C-F56F50D4045B}" srcId="{FBC92FBA-4BE1-4658-A102-FFDA5B3C4A34}" destId="{363C8A34-B015-4731-A90D-4C307DFF7279}" srcOrd="2" destOrd="0" parTransId="{989B994F-5984-481A-92F1-002819E497E8}" sibTransId="{A7CE2412-0F27-4B9A-B018-C18A00BEF62D}"/>
+    <dgm:cxn modelId="{0AD98457-B01E-4389-AE1F-A2F85485B9B7}" type="presOf" srcId="{965DD254-C511-4E4C-9BF2-E71E19EB7D61}" destId="{765CD15B-2B9D-4A70-B77C-D9F7FFB35F3D}" srcOrd="0" destOrd="0" presId="urn:microsoft.com/office/officeart/2005/8/layout/hierarchy2"/>
+    <dgm:cxn modelId="{FECDF224-F734-4858-98B9-66E22E183C0B}" type="presOf" srcId="{A8A8A930-9B28-48B5-9551-B76D16F958B5}" destId="{27F8751E-D35A-4615-9CC4-3195D317BEF0}" srcOrd="0" destOrd="0" presId="urn:microsoft.com/office/officeart/2005/8/layout/hierarchy2"/>
+    <dgm:cxn modelId="{4791D30D-E9CA-4B15-993B-62B8F3C93E2D}" type="presOf" srcId="{FBC92FBA-4BE1-4658-A102-FFDA5B3C4A34}" destId="{91C537BE-7A4A-4251-A37B-8F7A579A3D51}" srcOrd="0" destOrd="0" presId="urn:microsoft.com/office/officeart/2005/8/layout/hierarchy2"/>
+    <dgm:cxn modelId="{29C4BD67-3838-4DCC-8333-CB023CE24716}" type="presOf" srcId="{64FD664D-0421-40D1-8780-6E167AFBEFB5}" destId="{5A28F0D3-6AEF-4406-9466-527D86C3DEF3}" srcOrd="1" destOrd="0" presId="urn:microsoft.com/office/officeart/2005/8/layout/hierarchy2"/>
+    <dgm:cxn modelId="{DD0F27AC-7284-4704-B1EE-F30E4FD8DE43}" type="presOf" srcId="{989B994F-5984-481A-92F1-002819E497E8}" destId="{42AEE25C-36A5-4004-8A76-8C4FFCE2B46B}" srcOrd="1" destOrd="0" presId="urn:microsoft.com/office/officeart/2005/8/layout/hierarchy2"/>
+    <dgm:cxn modelId="{650C6A18-4140-4FB2-B278-C746B2654AA8}" type="presOf" srcId="{4C752F21-DC43-4F70-8473-FE77BE851EA2}" destId="{64E224CB-2D97-4598-A595-9B5AA1E3A6DB}" srcOrd="1" destOrd="0" presId="urn:microsoft.com/office/officeart/2005/8/layout/hierarchy2"/>
+    <dgm:cxn modelId="{6BAF81FF-3899-4F95-8E25-1FC05650684B}" type="presOf" srcId="{D366436C-A57D-4167-B46A-F9E58A152630}" destId="{A386DB6A-7C7D-497A-B3E3-2353B9581DE5}" srcOrd="0" destOrd="0" presId="urn:microsoft.com/office/officeart/2005/8/layout/hierarchy2"/>
+    <dgm:cxn modelId="{82F2A538-53B6-4535-BC41-D1CACF79955A}" srcId="{FBC92FBA-4BE1-4658-A102-FFDA5B3C4A34}" destId="{F9AF7151-7F79-4E5A-ADD8-B2355A6FCAB1}" srcOrd="0" destOrd="0" parTransId="{4C752F21-DC43-4F70-8473-FE77BE851EA2}" sibTransId="{D29699BA-7857-49DF-99A5-D49EA07C6393}"/>
+    <dgm:cxn modelId="{7FF7FEDB-ABA0-479A-81E2-6BDCBC40391F}" type="presOf" srcId="{A480305B-59EB-4430-B83F-654C2BD50227}" destId="{66D566F4-D332-48A5-BCA8-842AF5E62B48}" srcOrd="0" destOrd="0" presId="urn:microsoft.com/office/officeart/2005/8/layout/hierarchy2"/>
+    <dgm:cxn modelId="{8C4BFB37-BCFC-47A6-9474-6812A8A189D1}" type="presOf" srcId="{A9071D43-696E-4208-A051-E6EE7190890A}" destId="{5542A02D-D98B-4129-9035-D03358E6D913}" srcOrd="0" destOrd="0" presId="urn:microsoft.com/office/officeart/2005/8/layout/hierarchy2"/>
+    <dgm:cxn modelId="{9684405A-2303-45B6-AEFE-260D3196088D}" type="presOf" srcId="{91016E94-86CE-4C9D-90BA-6894F2412FDF}" destId="{7EF0CAB6-2675-4AF3-B508-F1308E1E4B6F}" srcOrd="0" destOrd="0" presId="urn:microsoft.com/office/officeart/2005/8/layout/hierarchy2"/>
+    <dgm:cxn modelId="{7C0E6C26-97C1-403E-A557-509318DF5299}" type="presOf" srcId="{A9071D43-696E-4208-A051-E6EE7190890A}" destId="{351B15EA-951A-4F39-9FD4-529FA48EE359}" srcOrd="1" destOrd="0" presId="urn:microsoft.com/office/officeart/2005/8/layout/hierarchy2"/>
+    <dgm:cxn modelId="{01C1C44E-3F91-4641-B2DC-2435DA13E2A6}" srcId="{FBC92FBA-4BE1-4658-A102-FFDA5B3C4A34}" destId="{7DCF3556-16BE-4EF8-A7D4-12D4DE4665D7}" srcOrd="1" destOrd="0" parTransId="{A9071D43-696E-4208-A051-E6EE7190890A}" sibTransId="{554C87BC-E876-4DC3-990B-A60292797BE4}"/>
+    <dgm:cxn modelId="{A9AB798E-859E-45A2-8484-E4F10893A63E}" type="presOf" srcId="{8EE0715D-46E5-4581-B22E-1928BF5991D9}" destId="{9EFC3E97-29AB-4CF5-B951-F34DC8F33973}" srcOrd="0" destOrd="0" presId="urn:microsoft.com/office/officeart/2005/8/layout/hierarchy2"/>
+    <dgm:cxn modelId="{F8E4E0CE-1B09-4476-9AC3-DBB7E8E54A4A}" srcId="{09E424A6-2B87-46A6-83BF-EDB42EBF4D66}" destId="{A480305B-59EB-4430-B83F-654C2BD50227}" srcOrd="1" destOrd="0" parTransId="{64FD664D-0421-40D1-8780-6E167AFBEFB5}" sibTransId="{E109BF0E-B975-4926-8743-534E30E91265}"/>
+    <dgm:cxn modelId="{942956BE-5BC7-417D-B249-16ACE0509795}" type="presOf" srcId="{1E68003F-9EC1-4166-9FC4-73E4D6A7C9CF}" destId="{F8AB7AB7-8865-4B9C-B4BE-D2B2DBA7FFFF}" srcOrd="0" destOrd="0" presId="urn:microsoft.com/office/officeart/2005/8/layout/hierarchy2"/>
+    <dgm:cxn modelId="{5C0007C8-8596-4125-ABD2-3FA94770EAF8}" srcId="{09E424A6-2B87-46A6-83BF-EDB42EBF4D66}" destId="{D366436C-A57D-4167-B46A-F9E58A152630}" srcOrd="2" destOrd="0" parTransId="{965DD254-C511-4E4C-9BF2-E71E19EB7D61}" sibTransId="{B54D246D-F22D-4657-9E5B-2C3CF28C30FD}"/>
+    <dgm:cxn modelId="{98E02C45-D5AF-4654-8CF2-997B4AE77124}" type="presOf" srcId="{8EE0715D-46E5-4581-B22E-1928BF5991D9}" destId="{780FBF3A-4F2C-4466-97FE-34E07EF21E25}" srcOrd="1" destOrd="0" presId="urn:microsoft.com/office/officeart/2005/8/layout/hierarchy2"/>
+    <dgm:cxn modelId="{0A0F529A-1215-419C-9A51-172A3865EBE7}" srcId="{91016E94-86CE-4C9D-90BA-6894F2412FDF}" destId="{09E424A6-2B87-46A6-83BF-EDB42EBF4D66}" srcOrd="1" destOrd="0" parTransId="{8B189DE4-47EF-4077-BE47-147D33DCC304}" sibTransId="{578F0149-FC02-4159-9636-02386D56B8A0}"/>
     <dgm:cxn modelId="{42A6EA3F-422D-49C9-9401-182B42A8FEE0}" type="presParOf" srcId="{7EF0CAB6-2675-4AF3-B508-F1308E1E4B6F}" destId="{378369BD-AB71-46A9-B11A-8508488AE867}" srcOrd="0" destOrd="0" presId="urn:microsoft.com/office/officeart/2005/8/layout/hierarchy2"/>
     <dgm:cxn modelId="{AEE58F7F-8D1E-4939-B15D-61872C79EF40}" type="presParOf" srcId="{378369BD-AB71-46A9-B11A-8508488AE867}" destId="{91C537BE-7A4A-4251-A37B-8F7A579A3D51}" srcOrd="0" destOrd="0" presId="urn:microsoft.com/office/officeart/2005/8/layout/hierarchy2"/>
     <dgm:cxn modelId="{72D9FA58-3E7F-4FEE-826A-C36CD04E2D5C}" type="presParOf" srcId="{378369BD-AB71-46A9-B11A-8508488AE867}" destId="{40EE4DA3-A8C1-45E6-A20D-B1278E085BB3}" srcOrd="1" destOrd="0" presId="urn:microsoft.com/office/officeart/2005/8/layout/hierarchy2"/>
@@ -8732,6 +9634,816 @@
   <dgm:extLst>
     <a:ext uri="http://schemas.microsoft.com/office/drawing/2008/diagram">
       <dsp:dataModelExt xmlns:dsp="http://schemas.microsoft.com/office/drawing/2008/diagram" relId="rId6" minVer="http://schemas.openxmlformats.org/drawingml/2006/diagram"/>
+    </a:ext>
+  </dgm:extLst>
+</dgm:dataModel>
+</file>
+
+<file path=ppt/diagrams/data11.xml><?xml version="1.0" encoding="utf-8"?>
+<dgm:dataModel xmlns:dgm="http://schemas.openxmlformats.org/drawingml/2006/diagram" xmlns:a="http://schemas.openxmlformats.org/drawingml/2006/main">
+  <dgm:ptLst>
+    <dgm:pt modelId="{5AC27FDE-E560-4A15-8593-89C3D073EB34}" type="doc">
+      <dgm:prSet loTypeId="urn:microsoft.com/office/officeart/2005/8/layout/chevron2" loCatId="list" qsTypeId="urn:microsoft.com/office/officeart/2005/8/quickstyle/simple5" qsCatId="simple" csTypeId="urn:microsoft.com/office/officeart/2005/8/colors/colorful3" csCatId="colorful" phldr="1"/>
+      <dgm:spPr/>
+      <dgm:t>
+        <a:bodyPr/>
+        <a:lstStyle/>
+        <a:p>
+          <a:endParaRPr lang="de-DE"/>
+        </a:p>
+      </dgm:t>
+    </dgm:pt>
+    <dgm:pt modelId="{40010075-AA85-458A-8F3D-B9F1CCF77495}">
+      <dgm:prSet phldrT="[Text]"/>
+      <dgm:spPr>
+        <a:solidFill>
+          <a:srgbClr val="C00000"/>
+        </a:solidFill>
+      </dgm:spPr>
+      <dgm:t>
+        <a:bodyPr/>
+        <a:lstStyle/>
+        <a:p>
+          <a:r>
+            <a:rPr lang="de-DE" dirty="0" smtClean="0"/>
+            <a:t>Schicht 7</a:t>
+          </a:r>
+          <a:endParaRPr lang="de-DE" dirty="0"/>
+        </a:p>
+      </dgm:t>
+    </dgm:pt>
+    <dgm:pt modelId="{6B3C96D7-571D-4103-9DB2-C082A5F40BE9}" type="parTrans" cxnId="{30D1263A-CFD1-411B-9C3B-4CE832274D33}">
+      <dgm:prSet/>
+      <dgm:spPr/>
+      <dgm:t>
+        <a:bodyPr/>
+        <a:lstStyle/>
+        <a:p>
+          <a:endParaRPr lang="de-DE"/>
+        </a:p>
+      </dgm:t>
+    </dgm:pt>
+    <dgm:pt modelId="{80367F32-8163-49EF-A29A-3D76E2916E91}" type="sibTrans" cxnId="{30D1263A-CFD1-411B-9C3B-4CE832274D33}">
+      <dgm:prSet/>
+      <dgm:spPr/>
+      <dgm:t>
+        <a:bodyPr/>
+        <a:lstStyle/>
+        <a:p>
+          <a:endParaRPr lang="de-DE"/>
+        </a:p>
+      </dgm:t>
+    </dgm:pt>
+    <dgm:pt modelId="{7D2B186E-D6FB-457A-8C26-8B3BCA121B48}">
+      <dgm:prSet phldrT="[Text]" custT="1"/>
+      <dgm:spPr/>
+      <dgm:t>
+        <a:bodyPr/>
+        <a:lstStyle/>
+        <a:p>
+          <a:r>
+            <a:rPr lang="de-DE" sz="1000" b="1" dirty="0" smtClean="0"/>
+            <a:t>PROFOBUS-DP/V0, DP/V1</a:t>
+          </a:r>
+          <a:r>
+            <a:rPr lang="de-DE" sz="1000" b="1" smtClean="0"/>
+            <a:t>, DP/V2</a:t>
+          </a:r>
+          <a:endParaRPr lang="de-DE" sz="1000" b="1" dirty="0"/>
+        </a:p>
+      </dgm:t>
+    </dgm:pt>
+    <dgm:pt modelId="{CE007884-3D1E-404D-AD20-C3010B353C63}" type="parTrans" cxnId="{F98C1584-FC8E-47B5-B646-CAC30E5B0B88}">
+      <dgm:prSet/>
+      <dgm:spPr/>
+      <dgm:t>
+        <a:bodyPr/>
+        <a:lstStyle/>
+        <a:p>
+          <a:endParaRPr lang="de-DE"/>
+        </a:p>
+      </dgm:t>
+    </dgm:pt>
+    <dgm:pt modelId="{A2823DAE-FDDF-4BBC-9E38-BADD3ECC0EA1}" type="sibTrans" cxnId="{F98C1584-FC8E-47B5-B646-CAC30E5B0B88}">
+      <dgm:prSet/>
+      <dgm:spPr/>
+      <dgm:t>
+        <a:bodyPr/>
+        <a:lstStyle/>
+        <a:p>
+          <a:endParaRPr lang="de-DE"/>
+        </a:p>
+      </dgm:t>
+    </dgm:pt>
+    <dgm:pt modelId="{274B0410-6420-4E36-9A13-229D6AB5303C}">
+      <dgm:prSet phldrT="[Text]"/>
+      <dgm:spPr>
+        <a:solidFill>
+          <a:srgbClr val="C00000">
+            <a:alpha val="20000"/>
+          </a:srgbClr>
+        </a:solidFill>
+      </dgm:spPr>
+      <dgm:t>
+        <a:bodyPr/>
+        <a:lstStyle/>
+        <a:p>
+          <a:r>
+            <a:rPr lang="de-DE" dirty="0" smtClean="0"/>
+            <a:t>Schicht  6 </a:t>
+          </a:r>
+          <a:endParaRPr lang="de-DE" dirty="0"/>
+        </a:p>
+      </dgm:t>
+    </dgm:pt>
+    <dgm:pt modelId="{5C913641-AFD9-4652-9892-0696DA9858BC}" type="parTrans" cxnId="{232DA689-A525-427B-9BD7-A63DB4F3973A}">
+      <dgm:prSet/>
+      <dgm:spPr/>
+      <dgm:t>
+        <a:bodyPr/>
+        <a:lstStyle/>
+        <a:p>
+          <a:endParaRPr lang="de-DE"/>
+        </a:p>
+      </dgm:t>
+    </dgm:pt>
+    <dgm:pt modelId="{5574DBD4-6DC5-4C11-BEC3-9526B3E7C1A7}" type="sibTrans" cxnId="{232DA689-A525-427B-9BD7-A63DB4F3973A}">
+      <dgm:prSet/>
+      <dgm:spPr/>
+      <dgm:t>
+        <a:bodyPr/>
+        <a:lstStyle/>
+        <a:p>
+          <a:endParaRPr lang="de-DE"/>
+        </a:p>
+      </dgm:t>
+    </dgm:pt>
+    <dgm:pt modelId="{944A682C-CF7C-4993-BD71-4E528EDAA696}">
+      <dgm:prSet phldrT="[Text]"/>
+      <dgm:spPr>
+        <a:solidFill>
+          <a:srgbClr val="C00000"/>
+        </a:solidFill>
+      </dgm:spPr>
+      <dgm:t>
+        <a:bodyPr/>
+        <a:lstStyle/>
+        <a:p>
+          <a:r>
+            <a:rPr lang="de-DE" dirty="0" smtClean="0"/>
+            <a:t>Schicht 2</a:t>
+          </a:r>
+          <a:endParaRPr lang="de-DE" dirty="0"/>
+        </a:p>
+      </dgm:t>
+    </dgm:pt>
+    <dgm:pt modelId="{54E338CC-D106-4D90-B24A-5BA3D23E86E5}" type="parTrans" cxnId="{3B432106-F288-476B-A263-0B635BB97C3C}">
+      <dgm:prSet/>
+      <dgm:spPr/>
+      <dgm:t>
+        <a:bodyPr/>
+        <a:lstStyle/>
+        <a:p>
+          <a:endParaRPr lang="de-DE"/>
+        </a:p>
+      </dgm:t>
+    </dgm:pt>
+    <dgm:pt modelId="{8314FD57-937F-4BBC-8825-33B994EB3750}" type="sibTrans" cxnId="{3B432106-F288-476B-A263-0B635BB97C3C}">
+      <dgm:prSet/>
+      <dgm:spPr/>
+      <dgm:t>
+        <a:bodyPr/>
+        <a:lstStyle/>
+        <a:p>
+          <a:endParaRPr lang="de-DE"/>
+        </a:p>
+      </dgm:t>
+    </dgm:pt>
+    <dgm:pt modelId="{EE3130FF-D76D-4FF5-9A7A-AB881BBDF57A}">
+      <dgm:prSet phldrT="[Text]" custT="1"/>
+      <dgm:spPr/>
+      <dgm:t>
+        <a:bodyPr/>
+        <a:lstStyle/>
+        <a:p>
+          <a:r>
+            <a:rPr lang="de-DE" sz="1000" b="1" dirty="0" smtClean="0"/>
+            <a:t>Fieldbus Data Link (FDL)</a:t>
+          </a:r>
+          <a:endParaRPr lang="de-DE" sz="1000" b="1" dirty="0"/>
+        </a:p>
+      </dgm:t>
+    </dgm:pt>
+    <dgm:pt modelId="{FBA21FF4-4921-4865-9E01-BC8F99F59919}" type="parTrans" cxnId="{2F6D0433-568D-4CD0-8832-7765B5557412}">
+      <dgm:prSet/>
+      <dgm:spPr/>
+      <dgm:t>
+        <a:bodyPr/>
+        <a:lstStyle/>
+        <a:p>
+          <a:endParaRPr lang="de-DE"/>
+        </a:p>
+      </dgm:t>
+    </dgm:pt>
+    <dgm:pt modelId="{AA6228A8-31C4-4D77-9032-ECFCBE4A8EA9}" type="sibTrans" cxnId="{2F6D0433-568D-4CD0-8832-7765B5557412}">
+      <dgm:prSet/>
+      <dgm:spPr/>
+      <dgm:t>
+        <a:bodyPr/>
+        <a:lstStyle/>
+        <a:p>
+          <a:endParaRPr lang="de-DE"/>
+        </a:p>
+      </dgm:t>
+    </dgm:pt>
+    <dgm:pt modelId="{B36BC441-E957-4F86-8285-7A24754E4D4F}">
+      <dgm:prSet phldrT="[Text]" custT="1"/>
+      <dgm:spPr/>
+      <dgm:t>
+        <a:bodyPr/>
+        <a:lstStyle/>
+        <a:p>
+          <a:r>
+            <a:rPr lang="de-DE" sz="1000" b="1" dirty="0" smtClean="0"/>
+            <a:t>PROFOBUS-FMS</a:t>
+          </a:r>
+          <a:endParaRPr lang="de-DE" sz="1000" b="1" dirty="0"/>
+        </a:p>
+      </dgm:t>
+    </dgm:pt>
+    <dgm:pt modelId="{FBD6B00F-A12B-4E18-BE45-BB9143FCE935}" type="parTrans" cxnId="{3DEB8210-0FA8-4A7C-8F9B-85ECDEB6AA61}">
+      <dgm:prSet/>
+      <dgm:spPr/>
+      <dgm:t>
+        <a:bodyPr/>
+        <a:lstStyle/>
+        <a:p>
+          <a:endParaRPr lang="de-DE"/>
+        </a:p>
+      </dgm:t>
+    </dgm:pt>
+    <dgm:pt modelId="{C77C5BC7-9D1E-4D99-9C8C-037FFBF9E2CA}" type="sibTrans" cxnId="{3DEB8210-0FA8-4A7C-8F9B-85ECDEB6AA61}">
+      <dgm:prSet/>
+      <dgm:spPr/>
+      <dgm:t>
+        <a:bodyPr/>
+        <a:lstStyle/>
+        <a:p>
+          <a:endParaRPr lang="de-DE"/>
+        </a:p>
+      </dgm:t>
+    </dgm:pt>
+    <dgm:pt modelId="{B642EAD8-4F19-4146-8A3D-D65F7AA70EB2}">
+      <dgm:prSet phldrT="[Text]"/>
+      <dgm:spPr>
+        <a:solidFill>
+          <a:srgbClr val="C00000">
+            <a:alpha val="20000"/>
+          </a:srgbClr>
+        </a:solidFill>
+      </dgm:spPr>
+      <dgm:t>
+        <a:bodyPr/>
+        <a:lstStyle/>
+        <a:p>
+          <a:r>
+            <a:rPr lang="de-DE" dirty="0" smtClean="0"/>
+            <a:t>Schicht  5</a:t>
+          </a:r>
+          <a:endParaRPr lang="de-DE" dirty="0"/>
+        </a:p>
+      </dgm:t>
+    </dgm:pt>
+    <dgm:pt modelId="{CA7A8F8B-8F6C-4F1D-B2E3-AABD4D621C7F}" type="parTrans" cxnId="{00A68B13-01A9-44DE-A16E-4387C8797C40}">
+      <dgm:prSet/>
+      <dgm:spPr/>
+      <dgm:t>
+        <a:bodyPr/>
+        <a:lstStyle/>
+        <a:p>
+          <a:endParaRPr lang="de-DE"/>
+        </a:p>
+      </dgm:t>
+    </dgm:pt>
+    <dgm:pt modelId="{F37D323D-6E5D-4C57-9940-4E333DA63660}" type="sibTrans" cxnId="{00A68B13-01A9-44DE-A16E-4387C8797C40}">
+      <dgm:prSet/>
+      <dgm:spPr/>
+      <dgm:t>
+        <a:bodyPr/>
+        <a:lstStyle/>
+        <a:p>
+          <a:endParaRPr lang="de-DE"/>
+        </a:p>
+      </dgm:t>
+    </dgm:pt>
+    <dgm:pt modelId="{5BEB85BD-495B-4AB6-820A-278672473E1E}">
+      <dgm:prSet phldrT="[Text]"/>
+      <dgm:spPr>
+        <a:solidFill>
+          <a:srgbClr val="C00000">
+            <a:alpha val="20000"/>
+          </a:srgbClr>
+        </a:solidFill>
+      </dgm:spPr>
+      <dgm:t>
+        <a:bodyPr/>
+        <a:lstStyle/>
+        <a:p>
+          <a:r>
+            <a:rPr lang="de-DE" dirty="0" smtClean="0"/>
+            <a:t>Schicht  4</a:t>
+          </a:r>
+          <a:endParaRPr lang="de-DE" dirty="0"/>
+        </a:p>
+      </dgm:t>
+    </dgm:pt>
+    <dgm:pt modelId="{921D6C77-ED9C-4C97-BD97-E5F461E3F547}" type="parTrans" cxnId="{04E030C3-BFB8-4A3E-B6A5-D5F8A6A4D2F3}">
+      <dgm:prSet/>
+      <dgm:spPr/>
+      <dgm:t>
+        <a:bodyPr/>
+        <a:lstStyle/>
+        <a:p>
+          <a:endParaRPr lang="de-DE"/>
+        </a:p>
+      </dgm:t>
+    </dgm:pt>
+    <dgm:pt modelId="{DDC1EE5D-92BE-4752-8344-24768358A095}" type="sibTrans" cxnId="{04E030C3-BFB8-4A3E-B6A5-D5F8A6A4D2F3}">
+      <dgm:prSet/>
+      <dgm:spPr/>
+      <dgm:t>
+        <a:bodyPr/>
+        <a:lstStyle/>
+        <a:p>
+          <a:endParaRPr lang="de-DE"/>
+        </a:p>
+      </dgm:t>
+    </dgm:pt>
+    <dgm:pt modelId="{9FF39495-A7E8-43A7-8111-D0A2D88D01E7}">
+      <dgm:prSet phldrT="[Text]"/>
+      <dgm:spPr>
+        <a:solidFill>
+          <a:srgbClr val="C00000">
+            <a:alpha val="19000"/>
+          </a:srgbClr>
+        </a:solidFill>
+      </dgm:spPr>
+      <dgm:t>
+        <a:bodyPr/>
+        <a:lstStyle/>
+        <a:p>
+          <a:r>
+            <a:rPr lang="de-DE" dirty="0" smtClean="0"/>
+            <a:t>Schicht  3</a:t>
+          </a:r>
+          <a:endParaRPr lang="de-DE" dirty="0"/>
+        </a:p>
+      </dgm:t>
+    </dgm:pt>
+    <dgm:pt modelId="{05A22C36-8EC1-4634-A44A-7D39B5928D9A}" type="parTrans" cxnId="{07F11DBE-E54A-42CB-8E4D-EA3C7BB8C26E}">
+      <dgm:prSet/>
+      <dgm:spPr/>
+      <dgm:t>
+        <a:bodyPr/>
+        <a:lstStyle/>
+        <a:p>
+          <a:endParaRPr lang="de-DE"/>
+        </a:p>
+      </dgm:t>
+    </dgm:pt>
+    <dgm:pt modelId="{228334B4-C877-4B32-B92C-0BFA6FEF825A}" type="sibTrans" cxnId="{07F11DBE-E54A-42CB-8E4D-EA3C7BB8C26E}">
+      <dgm:prSet/>
+      <dgm:spPr/>
+      <dgm:t>
+        <a:bodyPr/>
+        <a:lstStyle/>
+        <a:p>
+          <a:endParaRPr lang="de-DE"/>
+        </a:p>
+      </dgm:t>
+    </dgm:pt>
+    <dgm:pt modelId="{34691BCB-7071-4117-A4A9-5E28C29EBBFF}">
+      <dgm:prSet phldrT="[Text]"/>
+      <dgm:spPr>
+        <a:solidFill>
+          <a:srgbClr val="C00000"/>
+        </a:solidFill>
+      </dgm:spPr>
+      <dgm:t>
+        <a:bodyPr/>
+        <a:lstStyle/>
+        <a:p>
+          <a:r>
+            <a:rPr lang="de-DE" dirty="0" smtClean="0"/>
+            <a:t>Schicht 1</a:t>
+          </a:r>
+          <a:endParaRPr lang="de-DE" dirty="0"/>
+        </a:p>
+      </dgm:t>
+    </dgm:pt>
+    <dgm:pt modelId="{E0301CE0-CFF7-420C-88AF-143D60676469}" type="sibTrans" cxnId="{2F62D806-7E28-4B67-A3E2-32095F122266}">
+      <dgm:prSet/>
+      <dgm:spPr/>
+      <dgm:t>
+        <a:bodyPr/>
+        <a:lstStyle/>
+        <a:p>
+          <a:endParaRPr lang="de-DE"/>
+        </a:p>
+      </dgm:t>
+    </dgm:pt>
+    <dgm:pt modelId="{51757A22-6399-4EA8-8941-BB2758333B2B}" type="parTrans" cxnId="{2F62D806-7E28-4B67-A3E2-32095F122266}">
+      <dgm:prSet/>
+      <dgm:spPr/>
+      <dgm:t>
+        <a:bodyPr/>
+        <a:lstStyle/>
+        <a:p>
+          <a:endParaRPr lang="de-DE"/>
+        </a:p>
+      </dgm:t>
+    </dgm:pt>
+    <dgm:pt modelId="{95640CF4-2000-4541-A9E3-28D4C2F7F38F}">
+      <dgm:prSet phldrT="[Text]" custT="1"/>
+      <dgm:spPr/>
+      <dgm:t>
+        <a:bodyPr/>
+        <a:lstStyle/>
+        <a:p>
+          <a:r>
+            <a:rPr lang="de-DE" sz="1000" b="1" dirty="0" smtClean="0"/>
+            <a:t>RS485</a:t>
+          </a:r>
+          <a:endParaRPr lang="de-DE" sz="1000" b="1" dirty="0"/>
+        </a:p>
+      </dgm:t>
+    </dgm:pt>
+    <dgm:pt modelId="{2880B8C3-D4ED-4476-AA06-3B4D51AE527A}" type="parTrans" cxnId="{D8C96AAB-63C4-4A4D-8EAD-BC0468604F1E}">
+      <dgm:prSet/>
+      <dgm:spPr/>
+      <dgm:t>
+        <a:bodyPr/>
+        <a:lstStyle/>
+        <a:p>
+          <a:endParaRPr lang="de-DE"/>
+        </a:p>
+      </dgm:t>
+    </dgm:pt>
+    <dgm:pt modelId="{FEDA0C64-25D4-44A8-A29F-63C992C1780B}" type="sibTrans" cxnId="{D8C96AAB-63C4-4A4D-8EAD-BC0468604F1E}">
+      <dgm:prSet/>
+      <dgm:spPr/>
+      <dgm:t>
+        <a:bodyPr/>
+        <a:lstStyle/>
+        <a:p>
+          <a:endParaRPr lang="de-DE"/>
+        </a:p>
+      </dgm:t>
+    </dgm:pt>
+    <dgm:pt modelId="{1FD64A17-64FD-4F34-82AB-E36A18C3354E}">
+      <dgm:prSet phldrT="[Text]" custT="1"/>
+      <dgm:spPr/>
+      <dgm:t>
+        <a:bodyPr/>
+        <a:lstStyle/>
+        <a:p>
+          <a:r>
+            <a:rPr lang="de-DE" sz="1000" b="1" dirty="0" smtClean="0"/>
+            <a:t>LWL</a:t>
+          </a:r>
+          <a:endParaRPr lang="de-DE" sz="1000" b="1" dirty="0"/>
+        </a:p>
+      </dgm:t>
+    </dgm:pt>
+    <dgm:pt modelId="{24EC1229-D7D9-4902-9C01-848DBD9D2A2F}" type="parTrans" cxnId="{324313FD-74B5-4EC3-995E-998033715ACB}">
+      <dgm:prSet/>
+      <dgm:spPr/>
+      <dgm:t>
+        <a:bodyPr/>
+        <a:lstStyle/>
+        <a:p>
+          <a:endParaRPr lang="de-DE"/>
+        </a:p>
+      </dgm:t>
+    </dgm:pt>
+    <dgm:pt modelId="{8503405E-CD1A-47BD-A2F6-CBF349B05243}" type="sibTrans" cxnId="{324313FD-74B5-4EC3-995E-998033715ACB}">
+      <dgm:prSet/>
+      <dgm:spPr/>
+      <dgm:t>
+        <a:bodyPr/>
+        <a:lstStyle/>
+        <a:p>
+          <a:endParaRPr lang="de-DE"/>
+        </a:p>
+      </dgm:t>
+    </dgm:pt>
+    <dgm:pt modelId="{6406DF71-51F1-4445-A388-95CA50D3A4D0}" type="pres">
+      <dgm:prSet presAssocID="{5AC27FDE-E560-4A15-8593-89C3D073EB34}" presName="linearFlow" presStyleCnt="0">
+        <dgm:presLayoutVars>
+          <dgm:dir/>
+          <dgm:animLvl val="lvl"/>
+          <dgm:resizeHandles val="exact"/>
+        </dgm:presLayoutVars>
+      </dgm:prSet>
+      <dgm:spPr/>
+    </dgm:pt>
+    <dgm:pt modelId="{A2A8728A-C2D4-42DA-87BD-7AD6CD265567}" type="pres">
+      <dgm:prSet presAssocID="{40010075-AA85-458A-8F3D-B9F1CCF77495}" presName="composite" presStyleCnt="0"/>
+      <dgm:spPr/>
+    </dgm:pt>
+    <dgm:pt modelId="{2ABB6B79-B50F-4965-9725-2870FD3CBBC0}" type="pres">
+      <dgm:prSet presAssocID="{40010075-AA85-458A-8F3D-B9F1CCF77495}" presName="parentText" presStyleLbl="alignNode1" presStyleIdx="0" presStyleCnt="7">
+        <dgm:presLayoutVars>
+          <dgm:chMax val="1"/>
+          <dgm:bulletEnabled val="1"/>
+        </dgm:presLayoutVars>
+      </dgm:prSet>
+      <dgm:spPr/>
+    </dgm:pt>
+    <dgm:pt modelId="{93795415-6DA6-46D0-92EE-7A7709DF5323}" type="pres">
+      <dgm:prSet presAssocID="{40010075-AA85-458A-8F3D-B9F1CCF77495}" presName="descendantText" presStyleLbl="alignAcc1" presStyleIdx="0" presStyleCnt="7">
+        <dgm:presLayoutVars>
+          <dgm:bulletEnabled val="1"/>
+        </dgm:presLayoutVars>
+      </dgm:prSet>
+      <dgm:spPr/>
+      <dgm:t>
+        <a:bodyPr/>
+        <a:lstStyle/>
+        <a:p>
+          <a:endParaRPr lang="de-DE"/>
+        </a:p>
+      </dgm:t>
+    </dgm:pt>
+    <dgm:pt modelId="{B23CF3E3-8265-4079-B886-0EB0D5D15418}" type="pres">
+      <dgm:prSet presAssocID="{80367F32-8163-49EF-A29A-3D76E2916E91}" presName="sp" presStyleCnt="0"/>
+      <dgm:spPr/>
+    </dgm:pt>
+    <dgm:pt modelId="{7F13222F-7887-460F-BBD6-8BE371E72391}" type="pres">
+      <dgm:prSet presAssocID="{274B0410-6420-4E36-9A13-229D6AB5303C}" presName="composite" presStyleCnt="0"/>
+      <dgm:spPr/>
+    </dgm:pt>
+    <dgm:pt modelId="{35E63324-9A2D-4846-96DA-3EFC5E59F180}" type="pres">
+      <dgm:prSet presAssocID="{274B0410-6420-4E36-9A13-229D6AB5303C}" presName="parentText" presStyleLbl="alignNode1" presStyleIdx="1" presStyleCnt="7">
+        <dgm:presLayoutVars>
+          <dgm:chMax val="1"/>
+          <dgm:bulletEnabled val="1"/>
+        </dgm:presLayoutVars>
+      </dgm:prSet>
+      <dgm:spPr/>
+    </dgm:pt>
+    <dgm:pt modelId="{0187C112-F771-48C0-9EAC-A4DFD00F94A4}" type="pres">
+      <dgm:prSet presAssocID="{274B0410-6420-4E36-9A13-229D6AB5303C}" presName="descendantText" presStyleLbl="alignAcc1" presStyleIdx="1" presStyleCnt="7">
+        <dgm:presLayoutVars>
+          <dgm:bulletEnabled val="1"/>
+        </dgm:presLayoutVars>
+      </dgm:prSet>
+      <dgm:spPr/>
+      <dgm:t>
+        <a:bodyPr/>
+        <a:lstStyle/>
+        <a:p>
+          <a:endParaRPr lang="de-DE"/>
+        </a:p>
+      </dgm:t>
+    </dgm:pt>
+    <dgm:pt modelId="{781B209A-D4F8-4089-9E38-4B1C474EAA7E}" type="pres">
+      <dgm:prSet presAssocID="{5574DBD4-6DC5-4C11-BEC3-9526B3E7C1A7}" presName="sp" presStyleCnt="0"/>
+      <dgm:spPr/>
+    </dgm:pt>
+    <dgm:pt modelId="{8D0243DA-8651-49EB-86B8-F711AE3DF2F8}" type="pres">
+      <dgm:prSet presAssocID="{B642EAD8-4F19-4146-8A3D-D65F7AA70EB2}" presName="composite" presStyleCnt="0"/>
+      <dgm:spPr/>
+    </dgm:pt>
+    <dgm:pt modelId="{490EA269-77CF-4C4E-8630-2A582437B49E}" type="pres">
+      <dgm:prSet presAssocID="{B642EAD8-4F19-4146-8A3D-D65F7AA70EB2}" presName="parentText" presStyleLbl="alignNode1" presStyleIdx="2" presStyleCnt="7">
+        <dgm:presLayoutVars>
+          <dgm:chMax val="1"/>
+          <dgm:bulletEnabled val="1"/>
+        </dgm:presLayoutVars>
+      </dgm:prSet>
+      <dgm:spPr/>
+      <dgm:t>
+        <a:bodyPr/>
+        <a:lstStyle/>
+        <a:p>
+          <a:endParaRPr lang="de-DE"/>
+        </a:p>
+      </dgm:t>
+    </dgm:pt>
+    <dgm:pt modelId="{61BD3FD9-10DF-41D1-B462-AEFE000100A6}" type="pres">
+      <dgm:prSet presAssocID="{B642EAD8-4F19-4146-8A3D-D65F7AA70EB2}" presName="descendantText" presStyleLbl="alignAcc1" presStyleIdx="2" presStyleCnt="7">
+        <dgm:presLayoutVars>
+          <dgm:bulletEnabled val="1"/>
+        </dgm:presLayoutVars>
+      </dgm:prSet>
+      <dgm:spPr/>
+      <dgm:t>
+        <a:bodyPr/>
+        <a:lstStyle/>
+        <a:p>
+          <a:endParaRPr lang="de-DE"/>
+        </a:p>
+      </dgm:t>
+    </dgm:pt>
+    <dgm:pt modelId="{DD284C28-9DB9-401A-B599-B8CB714EA973}" type="pres">
+      <dgm:prSet presAssocID="{F37D323D-6E5D-4C57-9940-4E333DA63660}" presName="sp" presStyleCnt="0"/>
+      <dgm:spPr/>
+    </dgm:pt>
+    <dgm:pt modelId="{4D6CCB79-C02A-4D52-AD8A-67352E410BB5}" type="pres">
+      <dgm:prSet presAssocID="{5BEB85BD-495B-4AB6-820A-278672473E1E}" presName="composite" presStyleCnt="0"/>
+      <dgm:spPr/>
+    </dgm:pt>
+    <dgm:pt modelId="{1184C3DA-4783-4E22-8122-2FD72C0D9C8D}" type="pres">
+      <dgm:prSet presAssocID="{5BEB85BD-495B-4AB6-820A-278672473E1E}" presName="parentText" presStyleLbl="alignNode1" presStyleIdx="3" presStyleCnt="7">
+        <dgm:presLayoutVars>
+          <dgm:chMax val="1"/>
+          <dgm:bulletEnabled val="1"/>
+        </dgm:presLayoutVars>
+      </dgm:prSet>
+      <dgm:spPr/>
+      <dgm:t>
+        <a:bodyPr/>
+        <a:lstStyle/>
+        <a:p>
+          <a:endParaRPr lang="de-DE"/>
+        </a:p>
+      </dgm:t>
+    </dgm:pt>
+    <dgm:pt modelId="{4AF01DE0-CADE-4E8B-8FFC-31743004A69C}" type="pres">
+      <dgm:prSet presAssocID="{5BEB85BD-495B-4AB6-820A-278672473E1E}" presName="descendantText" presStyleLbl="alignAcc1" presStyleIdx="3" presStyleCnt="7">
+        <dgm:presLayoutVars>
+          <dgm:bulletEnabled val="1"/>
+        </dgm:presLayoutVars>
+      </dgm:prSet>
+      <dgm:spPr/>
+      <dgm:t>
+        <a:bodyPr/>
+        <a:lstStyle/>
+        <a:p>
+          <a:endParaRPr lang="de-DE"/>
+        </a:p>
+      </dgm:t>
+    </dgm:pt>
+    <dgm:pt modelId="{B15B7C50-EA0F-4282-9B92-04AF0DC42116}" type="pres">
+      <dgm:prSet presAssocID="{DDC1EE5D-92BE-4752-8344-24768358A095}" presName="sp" presStyleCnt="0"/>
+      <dgm:spPr/>
+    </dgm:pt>
+    <dgm:pt modelId="{6EF94DC2-37B0-43ED-BFD6-5E2527C7AC1C}" type="pres">
+      <dgm:prSet presAssocID="{9FF39495-A7E8-43A7-8111-D0A2D88D01E7}" presName="composite" presStyleCnt="0"/>
+      <dgm:spPr/>
+    </dgm:pt>
+    <dgm:pt modelId="{C90DC9E5-2C92-4E2B-9B46-6BC6CAFFEDA7}" type="pres">
+      <dgm:prSet presAssocID="{9FF39495-A7E8-43A7-8111-D0A2D88D01E7}" presName="parentText" presStyleLbl="alignNode1" presStyleIdx="4" presStyleCnt="7">
+        <dgm:presLayoutVars>
+          <dgm:chMax val="1"/>
+          <dgm:bulletEnabled val="1"/>
+        </dgm:presLayoutVars>
+      </dgm:prSet>
+      <dgm:spPr/>
+      <dgm:t>
+        <a:bodyPr/>
+        <a:lstStyle/>
+        <a:p>
+          <a:endParaRPr lang="de-DE"/>
+        </a:p>
+      </dgm:t>
+    </dgm:pt>
+    <dgm:pt modelId="{5E000824-A3C5-434A-8C50-B8C151A5C280}" type="pres">
+      <dgm:prSet presAssocID="{9FF39495-A7E8-43A7-8111-D0A2D88D01E7}" presName="descendantText" presStyleLbl="alignAcc1" presStyleIdx="4" presStyleCnt="7">
+        <dgm:presLayoutVars>
+          <dgm:bulletEnabled val="1"/>
+        </dgm:presLayoutVars>
+      </dgm:prSet>
+      <dgm:spPr/>
+    </dgm:pt>
+    <dgm:pt modelId="{3FE97240-83DE-4686-AD2E-41AFF9C69426}" type="pres">
+      <dgm:prSet presAssocID="{228334B4-C877-4B32-B92C-0BFA6FEF825A}" presName="sp" presStyleCnt="0"/>
+      <dgm:spPr/>
+    </dgm:pt>
+    <dgm:pt modelId="{02F0AB39-0251-496C-9E5E-A008926A4E1D}" type="pres">
+      <dgm:prSet presAssocID="{944A682C-CF7C-4993-BD71-4E528EDAA696}" presName="composite" presStyleCnt="0"/>
+      <dgm:spPr/>
+    </dgm:pt>
+    <dgm:pt modelId="{0C8B27AF-286D-4693-A5AB-4B6305D4EA2F}" type="pres">
+      <dgm:prSet presAssocID="{944A682C-CF7C-4993-BD71-4E528EDAA696}" presName="parentText" presStyleLbl="alignNode1" presStyleIdx="5" presStyleCnt="7">
+        <dgm:presLayoutVars>
+          <dgm:chMax val="1"/>
+          <dgm:bulletEnabled val="1"/>
+        </dgm:presLayoutVars>
+      </dgm:prSet>
+      <dgm:spPr/>
+    </dgm:pt>
+    <dgm:pt modelId="{E9BAF97C-0D47-40EC-94BB-B8EEEB1C6836}" type="pres">
+      <dgm:prSet presAssocID="{944A682C-CF7C-4993-BD71-4E528EDAA696}" presName="descendantText" presStyleLbl="alignAcc1" presStyleIdx="5" presStyleCnt="7" custLinFactNeighborX="-620" custLinFactNeighborY="-4922">
+        <dgm:presLayoutVars>
+          <dgm:bulletEnabled val="1"/>
+        </dgm:presLayoutVars>
+      </dgm:prSet>
+      <dgm:spPr/>
+      <dgm:t>
+        <a:bodyPr/>
+        <a:lstStyle/>
+        <a:p>
+          <a:endParaRPr lang="de-DE"/>
+        </a:p>
+      </dgm:t>
+    </dgm:pt>
+    <dgm:pt modelId="{C7784FB1-7CF0-48CC-8B98-7B350F1393A0}" type="pres">
+      <dgm:prSet presAssocID="{8314FD57-937F-4BBC-8825-33B994EB3750}" presName="sp" presStyleCnt="0"/>
+      <dgm:spPr/>
+    </dgm:pt>
+    <dgm:pt modelId="{AC631AD5-168D-4668-A71B-5DB2E50395BE}" type="pres">
+      <dgm:prSet presAssocID="{34691BCB-7071-4117-A4A9-5E28C29EBBFF}" presName="composite" presStyleCnt="0"/>
+      <dgm:spPr/>
+    </dgm:pt>
+    <dgm:pt modelId="{1AFCB018-7B08-4300-8686-4EEC84B5D7BE}" type="pres">
+      <dgm:prSet presAssocID="{34691BCB-7071-4117-A4A9-5E28C29EBBFF}" presName="parentText" presStyleLbl="alignNode1" presStyleIdx="6" presStyleCnt="7">
+        <dgm:presLayoutVars>
+          <dgm:chMax val="1"/>
+          <dgm:bulletEnabled val="1"/>
+        </dgm:presLayoutVars>
+      </dgm:prSet>
+      <dgm:spPr/>
+      <dgm:t>
+        <a:bodyPr/>
+        <a:lstStyle/>
+        <a:p>
+          <a:endParaRPr lang="de-DE"/>
+        </a:p>
+      </dgm:t>
+    </dgm:pt>
+    <dgm:pt modelId="{B1E58D28-CE3E-41FE-8D92-FE07655CBE03}" type="pres">
+      <dgm:prSet presAssocID="{34691BCB-7071-4117-A4A9-5E28C29EBBFF}" presName="descendantText" presStyleLbl="alignAcc1" presStyleIdx="6" presStyleCnt="7">
+        <dgm:presLayoutVars>
+          <dgm:bulletEnabled val="1"/>
+        </dgm:presLayoutVars>
+      </dgm:prSet>
+      <dgm:spPr/>
+    </dgm:pt>
+  </dgm:ptLst>
+  <dgm:cxnLst>
+    <dgm:cxn modelId="{76D7F85E-0D59-4908-BECA-A58F5494BAC3}" type="presOf" srcId="{B36BC441-E957-4F86-8285-7A24754E4D4F}" destId="{93795415-6DA6-46D0-92EE-7A7709DF5323}" srcOrd="0" destOrd="1" presId="urn:microsoft.com/office/officeart/2005/8/layout/chevron2"/>
+    <dgm:cxn modelId="{3B432106-F288-476B-A263-0B635BB97C3C}" srcId="{5AC27FDE-E560-4A15-8593-89C3D073EB34}" destId="{944A682C-CF7C-4993-BD71-4E528EDAA696}" srcOrd="5" destOrd="0" parTransId="{54E338CC-D106-4D90-B24A-5BA3D23E86E5}" sibTransId="{8314FD57-937F-4BBC-8825-33B994EB3750}"/>
+    <dgm:cxn modelId="{9EB34033-5F00-427B-AF2A-347C5FAE041C}" type="presOf" srcId="{5BEB85BD-495B-4AB6-820A-278672473E1E}" destId="{1184C3DA-4783-4E22-8122-2FD72C0D9C8D}" srcOrd="0" destOrd="0" presId="urn:microsoft.com/office/officeart/2005/8/layout/chevron2"/>
+    <dgm:cxn modelId="{2F6D0433-568D-4CD0-8832-7765B5557412}" srcId="{944A682C-CF7C-4993-BD71-4E528EDAA696}" destId="{EE3130FF-D76D-4FF5-9A7A-AB881BBDF57A}" srcOrd="0" destOrd="0" parTransId="{FBA21FF4-4921-4865-9E01-BC8F99F59919}" sibTransId="{AA6228A8-31C4-4D77-9032-ECFCBE4A8EA9}"/>
+    <dgm:cxn modelId="{07F11DBE-E54A-42CB-8E4D-EA3C7BB8C26E}" srcId="{5AC27FDE-E560-4A15-8593-89C3D073EB34}" destId="{9FF39495-A7E8-43A7-8111-D0A2D88D01E7}" srcOrd="4" destOrd="0" parTransId="{05A22C36-8EC1-4634-A44A-7D39B5928D9A}" sibTransId="{228334B4-C877-4B32-B92C-0BFA6FEF825A}"/>
+    <dgm:cxn modelId="{F05E7443-7F17-45BB-B65C-5D6D6D33332C}" type="presOf" srcId="{95640CF4-2000-4541-A9E3-28D4C2F7F38F}" destId="{B1E58D28-CE3E-41FE-8D92-FE07655CBE03}" srcOrd="0" destOrd="0" presId="urn:microsoft.com/office/officeart/2005/8/layout/chevron2"/>
+    <dgm:cxn modelId="{44F5A4D8-34F9-43FC-AA90-A766BC53F360}" type="presOf" srcId="{B642EAD8-4F19-4146-8A3D-D65F7AA70EB2}" destId="{490EA269-77CF-4C4E-8630-2A582437B49E}" srcOrd="0" destOrd="0" presId="urn:microsoft.com/office/officeart/2005/8/layout/chevron2"/>
+    <dgm:cxn modelId="{FF72B49E-DAEA-4E1E-A12D-DB5E05B3E497}" type="presOf" srcId="{274B0410-6420-4E36-9A13-229D6AB5303C}" destId="{35E63324-9A2D-4846-96DA-3EFC5E59F180}" srcOrd="0" destOrd="0" presId="urn:microsoft.com/office/officeart/2005/8/layout/chevron2"/>
+    <dgm:cxn modelId="{49E70EF8-F4C9-4638-803E-E51DFB5A9FE3}" type="presOf" srcId="{34691BCB-7071-4117-A4A9-5E28C29EBBFF}" destId="{1AFCB018-7B08-4300-8686-4EEC84B5D7BE}" srcOrd="0" destOrd="0" presId="urn:microsoft.com/office/officeart/2005/8/layout/chevron2"/>
+    <dgm:cxn modelId="{0E0E662D-8C47-4EC8-8741-BAE7774A6C75}" type="presOf" srcId="{5AC27FDE-E560-4A15-8593-89C3D073EB34}" destId="{6406DF71-51F1-4445-A388-95CA50D3A4D0}" srcOrd="0" destOrd="0" presId="urn:microsoft.com/office/officeart/2005/8/layout/chevron2"/>
+    <dgm:cxn modelId="{2F62D806-7E28-4B67-A3E2-32095F122266}" srcId="{5AC27FDE-E560-4A15-8593-89C3D073EB34}" destId="{34691BCB-7071-4117-A4A9-5E28C29EBBFF}" srcOrd="6" destOrd="0" parTransId="{51757A22-6399-4EA8-8941-BB2758333B2B}" sibTransId="{E0301CE0-CFF7-420C-88AF-143D60676469}"/>
+    <dgm:cxn modelId="{00A68B13-01A9-44DE-A16E-4387C8797C40}" srcId="{5AC27FDE-E560-4A15-8593-89C3D073EB34}" destId="{B642EAD8-4F19-4146-8A3D-D65F7AA70EB2}" srcOrd="2" destOrd="0" parTransId="{CA7A8F8B-8F6C-4F1D-B2E3-AABD4D621C7F}" sibTransId="{F37D323D-6E5D-4C57-9940-4E333DA63660}"/>
+    <dgm:cxn modelId="{A8066159-072D-45FD-83DC-C84B5CF2AA12}" type="presOf" srcId="{944A682C-CF7C-4993-BD71-4E528EDAA696}" destId="{0C8B27AF-286D-4693-A5AB-4B6305D4EA2F}" srcOrd="0" destOrd="0" presId="urn:microsoft.com/office/officeart/2005/8/layout/chevron2"/>
+    <dgm:cxn modelId="{19B15E79-809D-4BFB-89FB-2B500301B6B9}" type="presOf" srcId="{EE3130FF-D76D-4FF5-9A7A-AB881BBDF57A}" destId="{E9BAF97C-0D47-40EC-94BB-B8EEEB1C6836}" srcOrd="0" destOrd="0" presId="urn:microsoft.com/office/officeart/2005/8/layout/chevron2"/>
+    <dgm:cxn modelId="{04E030C3-BFB8-4A3E-B6A5-D5F8A6A4D2F3}" srcId="{5AC27FDE-E560-4A15-8593-89C3D073EB34}" destId="{5BEB85BD-495B-4AB6-820A-278672473E1E}" srcOrd="3" destOrd="0" parTransId="{921D6C77-ED9C-4C97-BD97-E5F461E3F547}" sibTransId="{DDC1EE5D-92BE-4752-8344-24768358A095}"/>
+    <dgm:cxn modelId="{D8C96AAB-63C4-4A4D-8EAD-BC0468604F1E}" srcId="{34691BCB-7071-4117-A4A9-5E28C29EBBFF}" destId="{95640CF4-2000-4541-A9E3-28D4C2F7F38F}" srcOrd="0" destOrd="0" parTransId="{2880B8C3-D4ED-4476-AA06-3B4D51AE527A}" sibTransId="{FEDA0C64-25D4-44A8-A29F-63C992C1780B}"/>
+    <dgm:cxn modelId="{A26DE4BC-8671-4F15-8B10-B208E43E38C7}" type="presOf" srcId="{1FD64A17-64FD-4F34-82AB-E36A18C3354E}" destId="{B1E58D28-CE3E-41FE-8D92-FE07655CBE03}" srcOrd="0" destOrd="1" presId="urn:microsoft.com/office/officeart/2005/8/layout/chevron2"/>
+    <dgm:cxn modelId="{3DEB8210-0FA8-4A7C-8F9B-85ECDEB6AA61}" srcId="{40010075-AA85-458A-8F3D-B9F1CCF77495}" destId="{B36BC441-E957-4F86-8285-7A24754E4D4F}" srcOrd="1" destOrd="0" parTransId="{FBD6B00F-A12B-4E18-BE45-BB9143FCE935}" sibTransId="{C77C5BC7-9D1E-4D99-9C8C-037FFBF9E2CA}"/>
+    <dgm:cxn modelId="{324313FD-74B5-4EC3-995E-998033715ACB}" srcId="{34691BCB-7071-4117-A4A9-5E28C29EBBFF}" destId="{1FD64A17-64FD-4F34-82AB-E36A18C3354E}" srcOrd="1" destOrd="0" parTransId="{24EC1229-D7D9-4902-9C01-848DBD9D2A2F}" sibTransId="{8503405E-CD1A-47BD-A2F6-CBF349B05243}"/>
+    <dgm:cxn modelId="{00A883EC-949D-4059-AE96-6ABAB4A633C2}" type="presOf" srcId="{7D2B186E-D6FB-457A-8C26-8B3BCA121B48}" destId="{93795415-6DA6-46D0-92EE-7A7709DF5323}" srcOrd="0" destOrd="0" presId="urn:microsoft.com/office/officeart/2005/8/layout/chevron2"/>
+    <dgm:cxn modelId="{180A98C5-5392-4613-84E9-44CDA744DBA7}" type="presOf" srcId="{9FF39495-A7E8-43A7-8111-D0A2D88D01E7}" destId="{C90DC9E5-2C92-4E2B-9B46-6BC6CAFFEDA7}" srcOrd="0" destOrd="0" presId="urn:microsoft.com/office/officeart/2005/8/layout/chevron2"/>
+    <dgm:cxn modelId="{8D2C74FD-3D26-4DBA-B1FE-58D42593FB9B}" type="presOf" srcId="{40010075-AA85-458A-8F3D-B9F1CCF77495}" destId="{2ABB6B79-B50F-4965-9725-2870FD3CBBC0}" srcOrd="0" destOrd="0" presId="urn:microsoft.com/office/officeart/2005/8/layout/chevron2"/>
+    <dgm:cxn modelId="{30D1263A-CFD1-411B-9C3B-4CE832274D33}" srcId="{5AC27FDE-E560-4A15-8593-89C3D073EB34}" destId="{40010075-AA85-458A-8F3D-B9F1CCF77495}" srcOrd="0" destOrd="0" parTransId="{6B3C96D7-571D-4103-9DB2-C082A5F40BE9}" sibTransId="{80367F32-8163-49EF-A29A-3D76E2916E91}"/>
+    <dgm:cxn modelId="{F98C1584-FC8E-47B5-B646-CAC30E5B0B88}" srcId="{40010075-AA85-458A-8F3D-B9F1CCF77495}" destId="{7D2B186E-D6FB-457A-8C26-8B3BCA121B48}" srcOrd="0" destOrd="0" parTransId="{CE007884-3D1E-404D-AD20-C3010B353C63}" sibTransId="{A2823DAE-FDDF-4BBC-9E38-BADD3ECC0EA1}"/>
+    <dgm:cxn modelId="{232DA689-A525-427B-9BD7-A63DB4F3973A}" srcId="{5AC27FDE-E560-4A15-8593-89C3D073EB34}" destId="{274B0410-6420-4E36-9A13-229D6AB5303C}" srcOrd="1" destOrd="0" parTransId="{5C913641-AFD9-4652-9892-0696DA9858BC}" sibTransId="{5574DBD4-6DC5-4C11-BEC3-9526B3E7C1A7}"/>
+    <dgm:cxn modelId="{C407AD3D-B4D6-4881-9AC4-7FBB90EFED87}" type="presParOf" srcId="{6406DF71-51F1-4445-A388-95CA50D3A4D0}" destId="{A2A8728A-C2D4-42DA-87BD-7AD6CD265567}" srcOrd="0" destOrd="0" presId="urn:microsoft.com/office/officeart/2005/8/layout/chevron2"/>
+    <dgm:cxn modelId="{D75C8913-14D0-4B88-859B-D917B5A1DDBD}" type="presParOf" srcId="{A2A8728A-C2D4-42DA-87BD-7AD6CD265567}" destId="{2ABB6B79-B50F-4965-9725-2870FD3CBBC0}" srcOrd="0" destOrd="0" presId="urn:microsoft.com/office/officeart/2005/8/layout/chevron2"/>
+    <dgm:cxn modelId="{C674C6E2-D4FB-420A-9583-C0C3E076F794}" type="presParOf" srcId="{A2A8728A-C2D4-42DA-87BD-7AD6CD265567}" destId="{93795415-6DA6-46D0-92EE-7A7709DF5323}" srcOrd="1" destOrd="0" presId="urn:microsoft.com/office/officeart/2005/8/layout/chevron2"/>
+    <dgm:cxn modelId="{A7B613CF-6992-4B93-88FF-DE9E95742CD5}" type="presParOf" srcId="{6406DF71-51F1-4445-A388-95CA50D3A4D0}" destId="{B23CF3E3-8265-4079-B886-0EB0D5D15418}" srcOrd="1" destOrd="0" presId="urn:microsoft.com/office/officeart/2005/8/layout/chevron2"/>
+    <dgm:cxn modelId="{3787FFFD-0D9F-49BC-8EE5-03E22245F217}" type="presParOf" srcId="{6406DF71-51F1-4445-A388-95CA50D3A4D0}" destId="{7F13222F-7887-460F-BBD6-8BE371E72391}" srcOrd="2" destOrd="0" presId="urn:microsoft.com/office/officeart/2005/8/layout/chevron2"/>
+    <dgm:cxn modelId="{CCFEEBDA-3389-4558-B89D-5F8DB26D888B}" type="presParOf" srcId="{7F13222F-7887-460F-BBD6-8BE371E72391}" destId="{35E63324-9A2D-4846-96DA-3EFC5E59F180}" srcOrd="0" destOrd="0" presId="urn:microsoft.com/office/officeart/2005/8/layout/chevron2"/>
+    <dgm:cxn modelId="{4D7B122F-7D70-473E-B068-A62DB7539A48}" type="presParOf" srcId="{7F13222F-7887-460F-BBD6-8BE371E72391}" destId="{0187C112-F771-48C0-9EAC-A4DFD00F94A4}" srcOrd="1" destOrd="0" presId="urn:microsoft.com/office/officeart/2005/8/layout/chevron2"/>
+    <dgm:cxn modelId="{8A1EA377-16F7-4DE8-9F26-9667950B20A6}" type="presParOf" srcId="{6406DF71-51F1-4445-A388-95CA50D3A4D0}" destId="{781B209A-D4F8-4089-9E38-4B1C474EAA7E}" srcOrd="3" destOrd="0" presId="urn:microsoft.com/office/officeart/2005/8/layout/chevron2"/>
+    <dgm:cxn modelId="{22EE7C56-3E22-4E1E-9001-A4D9E0D3A3FB}" type="presParOf" srcId="{6406DF71-51F1-4445-A388-95CA50D3A4D0}" destId="{8D0243DA-8651-49EB-86B8-F711AE3DF2F8}" srcOrd="4" destOrd="0" presId="urn:microsoft.com/office/officeart/2005/8/layout/chevron2"/>
+    <dgm:cxn modelId="{7624D384-BE20-4F9B-9B95-F12D3BF8741F}" type="presParOf" srcId="{8D0243DA-8651-49EB-86B8-F711AE3DF2F8}" destId="{490EA269-77CF-4C4E-8630-2A582437B49E}" srcOrd="0" destOrd="0" presId="urn:microsoft.com/office/officeart/2005/8/layout/chevron2"/>
+    <dgm:cxn modelId="{E4875BBA-E383-4A52-B2B6-7FA9C05A5158}" type="presParOf" srcId="{8D0243DA-8651-49EB-86B8-F711AE3DF2F8}" destId="{61BD3FD9-10DF-41D1-B462-AEFE000100A6}" srcOrd="1" destOrd="0" presId="urn:microsoft.com/office/officeart/2005/8/layout/chevron2"/>
+    <dgm:cxn modelId="{47C458E9-BFFC-4BE7-931F-40DAC032ABA4}" type="presParOf" srcId="{6406DF71-51F1-4445-A388-95CA50D3A4D0}" destId="{DD284C28-9DB9-401A-B599-B8CB714EA973}" srcOrd="5" destOrd="0" presId="urn:microsoft.com/office/officeart/2005/8/layout/chevron2"/>
+    <dgm:cxn modelId="{BF209EC8-56CE-4002-A8F3-11B46597C094}" type="presParOf" srcId="{6406DF71-51F1-4445-A388-95CA50D3A4D0}" destId="{4D6CCB79-C02A-4D52-AD8A-67352E410BB5}" srcOrd="6" destOrd="0" presId="urn:microsoft.com/office/officeart/2005/8/layout/chevron2"/>
+    <dgm:cxn modelId="{4A156893-D7E1-4FF3-9E8A-E9FF38B2B565}" type="presParOf" srcId="{4D6CCB79-C02A-4D52-AD8A-67352E410BB5}" destId="{1184C3DA-4783-4E22-8122-2FD72C0D9C8D}" srcOrd="0" destOrd="0" presId="urn:microsoft.com/office/officeart/2005/8/layout/chevron2"/>
+    <dgm:cxn modelId="{F7D7F87D-5510-4CC3-B17E-042B0DF271D3}" type="presParOf" srcId="{4D6CCB79-C02A-4D52-AD8A-67352E410BB5}" destId="{4AF01DE0-CADE-4E8B-8FFC-31743004A69C}" srcOrd="1" destOrd="0" presId="urn:microsoft.com/office/officeart/2005/8/layout/chevron2"/>
+    <dgm:cxn modelId="{7B75CF0E-7680-4A1D-86C4-C67C2E7DDB4E}" type="presParOf" srcId="{6406DF71-51F1-4445-A388-95CA50D3A4D0}" destId="{B15B7C50-EA0F-4282-9B92-04AF0DC42116}" srcOrd="7" destOrd="0" presId="urn:microsoft.com/office/officeart/2005/8/layout/chevron2"/>
+    <dgm:cxn modelId="{3D769AE1-73A1-4D26-AA45-1DD0C8F89D6D}" type="presParOf" srcId="{6406DF71-51F1-4445-A388-95CA50D3A4D0}" destId="{6EF94DC2-37B0-43ED-BFD6-5E2527C7AC1C}" srcOrd="8" destOrd="0" presId="urn:microsoft.com/office/officeart/2005/8/layout/chevron2"/>
+    <dgm:cxn modelId="{23E356DF-1D5C-43DB-80D4-F212B186F06C}" type="presParOf" srcId="{6EF94DC2-37B0-43ED-BFD6-5E2527C7AC1C}" destId="{C90DC9E5-2C92-4E2B-9B46-6BC6CAFFEDA7}" srcOrd="0" destOrd="0" presId="urn:microsoft.com/office/officeart/2005/8/layout/chevron2"/>
+    <dgm:cxn modelId="{4469FCC5-E038-4DAA-97B1-3DE79011E195}" type="presParOf" srcId="{6EF94DC2-37B0-43ED-BFD6-5E2527C7AC1C}" destId="{5E000824-A3C5-434A-8C50-B8C151A5C280}" srcOrd="1" destOrd="0" presId="urn:microsoft.com/office/officeart/2005/8/layout/chevron2"/>
+    <dgm:cxn modelId="{A63F67A4-94B2-49B6-B30F-E1FD93323066}" type="presParOf" srcId="{6406DF71-51F1-4445-A388-95CA50D3A4D0}" destId="{3FE97240-83DE-4686-AD2E-41AFF9C69426}" srcOrd="9" destOrd="0" presId="urn:microsoft.com/office/officeart/2005/8/layout/chevron2"/>
+    <dgm:cxn modelId="{22B62D1E-B1E9-4503-80FF-80AC372ED868}" type="presParOf" srcId="{6406DF71-51F1-4445-A388-95CA50D3A4D0}" destId="{02F0AB39-0251-496C-9E5E-A008926A4E1D}" srcOrd="10" destOrd="0" presId="urn:microsoft.com/office/officeart/2005/8/layout/chevron2"/>
+    <dgm:cxn modelId="{76FEF4B3-045F-432E-8777-7D9FC16F16CA}" type="presParOf" srcId="{02F0AB39-0251-496C-9E5E-A008926A4E1D}" destId="{0C8B27AF-286D-4693-A5AB-4B6305D4EA2F}" srcOrd="0" destOrd="0" presId="urn:microsoft.com/office/officeart/2005/8/layout/chevron2"/>
+    <dgm:cxn modelId="{77A04C75-4372-4658-9942-1BBDC0B19DD3}" type="presParOf" srcId="{02F0AB39-0251-496C-9E5E-A008926A4E1D}" destId="{E9BAF97C-0D47-40EC-94BB-B8EEEB1C6836}" srcOrd="1" destOrd="0" presId="urn:microsoft.com/office/officeart/2005/8/layout/chevron2"/>
+    <dgm:cxn modelId="{8283F238-027A-49B2-9F21-4D4A203D7F26}" type="presParOf" srcId="{6406DF71-51F1-4445-A388-95CA50D3A4D0}" destId="{C7784FB1-7CF0-48CC-8B98-7B350F1393A0}" srcOrd="11" destOrd="0" presId="urn:microsoft.com/office/officeart/2005/8/layout/chevron2"/>
+    <dgm:cxn modelId="{D700B3FA-FFE7-4A53-BC2F-16ABA310CB84}" type="presParOf" srcId="{6406DF71-51F1-4445-A388-95CA50D3A4D0}" destId="{AC631AD5-168D-4668-A71B-5DB2E50395BE}" srcOrd="12" destOrd="0" presId="urn:microsoft.com/office/officeart/2005/8/layout/chevron2"/>
+    <dgm:cxn modelId="{7F45292E-76AC-453E-92D3-A6F29EF4F0FC}" type="presParOf" srcId="{AC631AD5-168D-4668-A71B-5DB2E50395BE}" destId="{1AFCB018-7B08-4300-8686-4EEC84B5D7BE}" srcOrd="0" destOrd="0" presId="urn:microsoft.com/office/officeart/2005/8/layout/chevron2"/>
+    <dgm:cxn modelId="{0F47CBE8-B784-42E1-BE2C-D4148F327C9F}" type="presParOf" srcId="{AC631AD5-168D-4668-A71B-5DB2E50395BE}" destId="{B1E58D28-CE3E-41FE-8D92-FE07655CBE03}" srcOrd="1" destOrd="0" presId="urn:microsoft.com/office/officeart/2005/8/layout/chevron2"/>
+  </dgm:cxnLst>
+  <dgm:bg/>
+  <dgm:whole/>
+  <dgm:extLst>
+    <a:ext uri="http://schemas.microsoft.com/office/drawing/2008/diagram">
+      <dsp:dataModelExt xmlns:dsp="http://schemas.microsoft.com/office/drawing/2008/diagram" relId="rId6" minVer="http://schemas.openxmlformats.org/drawingml/2006/diagram"/>
+    </a:ext>
+    <a:ext uri="{C62137D5-CB1D-491B-B009-E17868A290BF}">
+      <dgm14:recolorImg xmlns:dgm14="http://schemas.microsoft.com/office/drawing/2010/diagram" val="1"/>
     </a:ext>
   </dgm:extLst>
 </dgm:dataModel>
@@ -9259,8 +10971,8 @@
     <dgm:cxn modelId="{937C4E6C-03A3-49B7-9374-71099B62BCF9}" srcId="{658B8A5C-4510-4F75-9CE7-93793E548519}" destId="{999067F7-20B2-4D0D-9BF1-D592D5C59CFF}" srcOrd="0" destOrd="0" parTransId="{6ABBBA41-8D0A-41E8-8604-9F1F9A62BAD1}" sibTransId="{2137E7A6-1B59-417E-9893-4A5E41180912}"/>
     <dgm:cxn modelId="{AB1B2793-42CE-40CB-ACA8-4F9C245E8792}" srcId="{7AA7CF9E-59CF-42DC-B9AE-7736EE9BBEEE}" destId="{658B8A5C-4510-4F75-9CE7-93793E548519}" srcOrd="0" destOrd="0" parTransId="{533AC5AB-045B-462D-96A8-780767940527}" sibTransId="{33BBA966-025A-4EC2-A7D6-2B567D0A39EF}"/>
     <dgm:cxn modelId="{019C9FA9-88AF-4251-B975-03F67839E51C}" type="presOf" srcId="{999067F7-20B2-4D0D-9BF1-D592D5C59CFF}" destId="{45276177-07F2-466F-8809-674B4C52EF74}" srcOrd="0" destOrd="0" presId="urn:microsoft.com/office/officeart/2005/8/layout/hierarchy3"/>
+    <dgm:cxn modelId="{82D76DA0-0166-4268-AB87-E6921C0E83BD}" type="presOf" srcId="{658B8A5C-4510-4F75-9CE7-93793E548519}" destId="{26F7D67C-E139-430B-9D90-FB5F03D46D9D}" srcOrd="1" destOrd="0" presId="urn:microsoft.com/office/officeart/2005/8/layout/hierarchy3"/>
     <dgm:cxn modelId="{5DEF9A94-E5B6-4672-9FCD-4FF1FAA99550}" type="presOf" srcId="{AB27B75C-296A-470F-84BF-2D2CA920463B}" destId="{8936362A-5F0D-4453-8682-9647967D9FBE}" srcOrd="0" destOrd="0" presId="urn:microsoft.com/office/officeart/2005/8/layout/hierarchy3"/>
-    <dgm:cxn modelId="{82D76DA0-0166-4268-AB87-E6921C0E83BD}" type="presOf" srcId="{658B8A5C-4510-4F75-9CE7-93793E548519}" destId="{26F7D67C-E139-430B-9D90-FB5F03D46D9D}" srcOrd="1" destOrd="0" presId="urn:microsoft.com/office/officeart/2005/8/layout/hierarchy3"/>
     <dgm:cxn modelId="{80EFBFBC-30B4-43F0-B810-0EE37FE75A22}" type="presOf" srcId="{7AA7CF9E-59CF-42DC-B9AE-7736EE9BBEEE}" destId="{86239EDF-F72B-486B-BE65-3BE2D4812E35}" srcOrd="0" destOrd="0" presId="urn:microsoft.com/office/officeart/2005/8/layout/hierarchy3"/>
     <dgm:cxn modelId="{9E68C458-B2F5-410F-A77E-7F88E0D4E95D}" type="presOf" srcId="{D0F819FD-B2B7-4443-A0B0-64AE8AF2AF55}" destId="{CF07E9A6-C55A-4ACC-9373-4B9E95E6E76F}" srcOrd="0" destOrd="0" presId="urn:microsoft.com/office/officeart/2005/8/layout/hierarchy3"/>
     <dgm:cxn modelId="{71FB1D4C-CA4F-4783-B18D-CC405A631CD5}" type="presOf" srcId="{170617C6-330B-4C02-A3B1-C25B465DAE22}" destId="{FCC0D7C1-31F9-48FC-B96C-9972BDEB7776}" srcOrd="0" destOrd="0" presId="urn:microsoft.com/office/officeart/2005/8/layout/hierarchy3"/>
@@ -10943,8 +12655,8 @@
   </dgm:ptLst>
   <dgm:cxnLst>
     <dgm:cxn modelId="{264AB117-5DFC-4A66-A0E4-F3911B2C8785}" type="presOf" srcId="{CA8E837B-E8D6-4AE8-AD5F-4841D7D0B680}" destId="{0A97FDCC-82E7-41C1-8687-6E35D8D163B5}" srcOrd="0" destOrd="0" presId="urn:microsoft.com/office/officeart/2005/8/layout/process1"/>
+    <dgm:cxn modelId="{C6B31597-0CAD-4966-8DC4-A22B00504BC3}" type="presOf" srcId="{A527273E-42AD-4A7E-9118-681D249AAD73}" destId="{4C95733D-4436-4872-BCF3-0568E5C31ABB}" srcOrd="0" destOrd="0" presId="urn:microsoft.com/office/officeart/2005/8/layout/process1"/>
     <dgm:cxn modelId="{4CC92DE0-1A55-4FEC-881B-726D2E69314A}" srcId="{18FAC1E6-C5CF-47A9-A33D-7A31614049C3}" destId="{0721BB28-D2F8-4DC7-B464-6055BEE33A3F}" srcOrd="0" destOrd="0" parTransId="{D03F987D-83BC-4A17-9F07-0ADA42CCE944}" sibTransId="{A527273E-42AD-4A7E-9118-681D249AAD73}"/>
-    <dgm:cxn modelId="{C6B31597-0CAD-4966-8DC4-A22B00504BC3}" type="presOf" srcId="{A527273E-42AD-4A7E-9118-681D249AAD73}" destId="{4C95733D-4436-4872-BCF3-0568E5C31ABB}" srcOrd="0" destOrd="0" presId="urn:microsoft.com/office/officeart/2005/8/layout/process1"/>
     <dgm:cxn modelId="{0B0E357A-6666-42FB-8742-806AE604CED9}" type="presOf" srcId="{18FAC1E6-C5CF-47A9-A33D-7A31614049C3}" destId="{56F983B9-4FEA-4137-92B0-30EDC00631CB}" srcOrd="0" destOrd="0" presId="urn:microsoft.com/office/officeart/2005/8/layout/process1"/>
     <dgm:cxn modelId="{A4BB0589-8721-44EA-B3C8-976F63583787}" type="presOf" srcId="{A527273E-42AD-4A7E-9118-681D249AAD73}" destId="{B2BA0E98-7C6C-40B6-9FD3-87AA3925BD64}" srcOrd="1" destOrd="0" presId="urn:microsoft.com/office/officeart/2005/8/layout/process1"/>
     <dgm:cxn modelId="{8ED55531-9D3C-4EE7-B456-6ABC1E0A755B}" srcId="{18FAC1E6-C5CF-47A9-A33D-7A31614049C3}" destId="{CA8E837B-E8D6-4AE8-AD5F-4841D7D0B680}" srcOrd="1" destOrd="0" parTransId="{6E22C970-CFE9-4898-8D2C-85BAA3176A23}" sibTransId="{A015E625-CD17-4FE2-B14B-3E04B8D1F675}"/>
@@ -12608,6 +14320,1051 @@
       <dsp:txXfrm>
         <a:off x="5389396" y="23704"/>
         <a:ext cx="1338621" cy="619501"/>
+      </dsp:txXfrm>
+    </dsp:sp>
+  </dsp:spTree>
+</dsp:drawing>
+</file>
+
+<file path=ppt/diagrams/drawing11.xml><?xml version="1.0" encoding="utf-8"?>
+<dsp:drawing xmlns:dgm="http://schemas.openxmlformats.org/drawingml/2006/diagram" xmlns:dsp="http://schemas.microsoft.com/office/drawing/2008/diagram" xmlns:a="http://schemas.openxmlformats.org/drawingml/2006/main">
+  <dsp:spTree>
+    <dsp:nvGrpSpPr>
+      <dsp:cNvPr id="0" name=""/>
+      <dsp:cNvGrpSpPr/>
+    </dsp:nvGrpSpPr>
+    <dsp:grpSpPr/>
+    <dsp:sp modelId="{2ABB6B79-B50F-4965-9725-2870FD3CBBC0}">
+      <dsp:nvSpPr>
+        <dsp:cNvPr id="0" name=""/>
+        <dsp:cNvSpPr/>
+      </dsp:nvSpPr>
+      <dsp:spPr>
+        <a:xfrm rot="5400000">
+          <a:off x="-129903" y="131451"/>
+          <a:ext cx="866021" cy="606215"/>
+        </a:xfrm>
+        <a:prstGeom prst="chevron">
+          <a:avLst/>
+        </a:prstGeom>
+        <a:solidFill>
+          <a:srgbClr val="C00000"/>
+        </a:solidFill>
+        <a:ln w="6350" cap="flat" cmpd="sng" algn="ctr">
+          <a:solidFill>
+            <a:schemeClr val="accent3">
+              <a:hueOff val="0"/>
+              <a:satOff val="0"/>
+              <a:lumOff val="0"/>
+              <a:alphaOff val="0"/>
+            </a:schemeClr>
+          </a:solidFill>
+          <a:prstDash val="solid"/>
+          <a:miter lim="800000"/>
+        </a:ln>
+        <a:effectLst>
+          <a:outerShdw blurRad="57150" dist="19050" dir="5400000" algn="ctr" rotWithShape="0">
+            <a:srgbClr val="000000">
+              <a:alpha val="63000"/>
+            </a:srgbClr>
+          </a:outerShdw>
+        </a:effectLst>
+      </dsp:spPr>
+      <dsp:style>
+        <a:lnRef idx="1">
+          <a:scrgbClr r="0" g="0" b="0"/>
+        </a:lnRef>
+        <a:fillRef idx="3">
+          <a:scrgbClr r="0" g="0" b="0"/>
+        </a:fillRef>
+        <a:effectRef idx="3">
+          <a:scrgbClr r="0" g="0" b="0"/>
+        </a:effectRef>
+        <a:fontRef idx="minor">
+          <a:schemeClr val="lt1"/>
+        </a:fontRef>
+      </dsp:style>
+      <dsp:txBody>
+        <a:bodyPr spcFirstLastPara="0" vert="horz" wrap="square" lIns="7620" tIns="7620" rIns="7620" bIns="7620" numCol="1" spcCol="1270" anchor="ctr" anchorCtr="0">
+          <a:noAutofit/>
+        </a:bodyPr>
+        <a:lstStyle/>
+        <a:p>
+          <a:pPr lvl="0" algn="ctr" defTabSz="533400">
+            <a:lnSpc>
+              <a:spcPct val="90000"/>
+            </a:lnSpc>
+            <a:spcBef>
+              <a:spcPct val="0"/>
+            </a:spcBef>
+            <a:spcAft>
+              <a:spcPct val="35000"/>
+            </a:spcAft>
+          </a:pPr>
+          <a:r>
+            <a:rPr lang="de-DE" sz="1200" kern="1200" dirty="0" smtClean="0"/>
+            <a:t>Schicht 7</a:t>
+          </a:r>
+          <a:endParaRPr lang="de-DE" sz="1200" kern="1200" dirty="0"/>
+        </a:p>
+      </dsp:txBody>
+      <dsp:txXfrm rot="-5400000">
+        <a:off x="1" y="304656"/>
+        <a:ext cx="606215" cy="259806"/>
+      </dsp:txXfrm>
+    </dsp:sp>
+    <dsp:sp modelId="{93795415-6DA6-46D0-92EE-7A7709DF5323}">
+      <dsp:nvSpPr>
+        <dsp:cNvPr id="0" name=""/>
+        <dsp:cNvSpPr/>
+      </dsp:nvSpPr>
+      <dsp:spPr>
+        <a:xfrm rot="5400000">
+          <a:off x="1815352" y="-1207588"/>
+          <a:ext cx="562914" cy="2981188"/>
+        </a:xfrm>
+        <a:prstGeom prst="round2SameRect">
+          <a:avLst/>
+        </a:prstGeom>
+        <a:solidFill>
+          <a:schemeClr val="lt1">
+            <a:alpha val="90000"/>
+            <a:hueOff val="0"/>
+            <a:satOff val="0"/>
+            <a:lumOff val="0"/>
+            <a:alphaOff val="0"/>
+          </a:schemeClr>
+        </a:solidFill>
+        <a:ln w="6350" cap="flat" cmpd="sng" algn="ctr">
+          <a:solidFill>
+            <a:schemeClr val="accent3">
+              <a:hueOff val="0"/>
+              <a:satOff val="0"/>
+              <a:lumOff val="0"/>
+              <a:alphaOff val="0"/>
+            </a:schemeClr>
+          </a:solidFill>
+          <a:prstDash val="solid"/>
+          <a:miter lim="800000"/>
+        </a:ln>
+        <a:effectLst/>
+      </dsp:spPr>
+      <dsp:style>
+        <a:lnRef idx="1">
+          <a:scrgbClr r="0" g="0" b="0"/>
+        </a:lnRef>
+        <a:fillRef idx="1">
+          <a:scrgbClr r="0" g="0" b="0"/>
+        </a:fillRef>
+        <a:effectRef idx="2">
+          <a:scrgbClr r="0" g="0" b="0"/>
+        </a:effectRef>
+        <a:fontRef idx="minor"/>
+      </dsp:style>
+      <dsp:txBody>
+        <a:bodyPr spcFirstLastPara="0" vert="horz" wrap="square" lIns="71120" tIns="6350" rIns="6350" bIns="6350" numCol="1" spcCol="1270" anchor="ctr" anchorCtr="0">
+          <a:noAutofit/>
+        </a:bodyPr>
+        <a:lstStyle/>
+        <a:p>
+          <a:pPr marL="57150" lvl="1" indent="-57150" algn="l" defTabSz="444500">
+            <a:lnSpc>
+              <a:spcPct val="90000"/>
+            </a:lnSpc>
+            <a:spcBef>
+              <a:spcPct val="0"/>
+            </a:spcBef>
+            <a:spcAft>
+              <a:spcPct val="15000"/>
+            </a:spcAft>
+            <a:buChar char="••"/>
+          </a:pPr>
+          <a:r>
+            <a:rPr lang="de-DE" sz="1000" b="1" kern="1200" dirty="0" smtClean="0"/>
+            <a:t>PROFOBUS-DP/V0, DP/V1</a:t>
+          </a:r>
+          <a:r>
+            <a:rPr lang="de-DE" sz="1000" b="1" kern="1200" smtClean="0"/>
+            <a:t>, DP/V2</a:t>
+          </a:r>
+          <a:endParaRPr lang="de-DE" sz="1000" b="1" kern="1200" dirty="0"/>
+        </a:p>
+        <a:p>
+          <a:pPr marL="57150" lvl="1" indent="-57150" algn="l" defTabSz="444500">
+            <a:lnSpc>
+              <a:spcPct val="90000"/>
+            </a:lnSpc>
+            <a:spcBef>
+              <a:spcPct val="0"/>
+            </a:spcBef>
+            <a:spcAft>
+              <a:spcPct val="15000"/>
+            </a:spcAft>
+            <a:buChar char="••"/>
+          </a:pPr>
+          <a:r>
+            <a:rPr lang="de-DE" sz="1000" b="1" kern="1200" dirty="0" smtClean="0"/>
+            <a:t>PROFOBUS-FMS</a:t>
+          </a:r>
+          <a:endParaRPr lang="de-DE" sz="1000" b="1" kern="1200" dirty="0"/>
+        </a:p>
+      </dsp:txBody>
+      <dsp:txXfrm rot="-5400000">
+        <a:off x="606216" y="29027"/>
+        <a:ext cx="2953709" cy="507956"/>
+      </dsp:txXfrm>
+    </dsp:sp>
+    <dsp:sp modelId="{35E63324-9A2D-4846-96DA-3EFC5E59F180}">
+      <dsp:nvSpPr>
+        <dsp:cNvPr id="0" name=""/>
+        <dsp:cNvSpPr/>
+      </dsp:nvSpPr>
+      <dsp:spPr>
+        <a:xfrm rot="5400000">
+          <a:off x="-129903" y="889709"/>
+          <a:ext cx="866021" cy="606215"/>
+        </a:xfrm>
+        <a:prstGeom prst="chevron">
+          <a:avLst/>
+        </a:prstGeom>
+        <a:solidFill>
+          <a:srgbClr val="C00000">
+            <a:alpha val="20000"/>
+          </a:srgbClr>
+        </a:solidFill>
+        <a:ln w="6350" cap="flat" cmpd="sng" algn="ctr">
+          <a:solidFill>
+            <a:schemeClr val="accent3">
+              <a:hueOff val="451767"/>
+              <a:satOff val="16667"/>
+              <a:lumOff val="-2451"/>
+              <a:alphaOff val="0"/>
+            </a:schemeClr>
+          </a:solidFill>
+          <a:prstDash val="solid"/>
+          <a:miter lim="800000"/>
+        </a:ln>
+        <a:effectLst>
+          <a:outerShdw blurRad="57150" dist="19050" dir="5400000" algn="ctr" rotWithShape="0">
+            <a:srgbClr val="000000">
+              <a:alpha val="63000"/>
+            </a:srgbClr>
+          </a:outerShdw>
+        </a:effectLst>
+      </dsp:spPr>
+      <dsp:style>
+        <a:lnRef idx="1">
+          <a:scrgbClr r="0" g="0" b="0"/>
+        </a:lnRef>
+        <a:fillRef idx="3">
+          <a:scrgbClr r="0" g="0" b="0"/>
+        </a:fillRef>
+        <a:effectRef idx="3">
+          <a:scrgbClr r="0" g="0" b="0"/>
+        </a:effectRef>
+        <a:fontRef idx="minor">
+          <a:schemeClr val="lt1"/>
+        </a:fontRef>
+      </dsp:style>
+      <dsp:txBody>
+        <a:bodyPr spcFirstLastPara="0" vert="horz" wrap="square" lIns="7620" tIns="7620" rIns="7620" bIns="7620" numCol="1" spcCol="1270" anchor="ctr" anchorCtr="0">
+          <a:noAutofit/>
+        </a:bodyPr>
+        <a:lstStyle/>
+        <a:p>
+          <a:pPr lvl="0" algn="ctr" defTabSz="533400">
+            <a:lnSpc>
+              <a:spcPct val="90000"/>
+            </a:lnSpc>
+            <a:spcBef>
+              <a:spcPct val="0"/>
+            </a:spcBef>
+            <a:spcAft>
+              <a:spcPct val="35000"/>
+            </a:spcAft>
+          </a:pPr>
+          <a:r>
+            <a:rPr lang="de-DE" sz="1200" kern="1200" dirty="0" smtClean="0"/>
+            <a:t>Schicht  6 </a:t>
+          </a:r>
+          <a:endParaRPr lang="de-DE" sz="1200" kern="1200" dirty="0"/>
+        </a:p>
+      </dsp:txBody>
+      <dsp:txXfrm rot="-5400000">
+        <a:off x="1" y="1062914"/>
+        <a:ext cx="606215" cy="259806"/>
+      </dsp:txXfrm>
+    </dsp:sp>
+    <dsp:sp modelId="{0187C112-F771-48C0-9EAC-A4DFD00F94A4}">
+      <dsp:nvSpPr>
+        <dsp:cNvPr id="0" name=""/>
+        <dsp:cNvSpPr/>
+      </dsp:nvSpPr>
+      <dsp:spPr>
+        <a:xfrm rot="5400000">
+          <a:off x="1815352" y="-449330"/>
+          <a:ext cx="562914" cy="2981188"/>
+        </a:xfrm>
+        <a:prstGeom prst="round2SameRect">
+          <a:avLst/>
+        </a:prstGeom>
+        <a:solidFill>
+          <a:schemeClr val="lt1">
+            <a:alpha val="90000"/>
+            <a:hueOff val="0"/>
+            <a:satOff val="0"/>
+            <a:lumOff val="0"/>
+            <a:alphaOff val="0"/>
+          </a:schemeClr>
+        </a:solidFill>
+        <a:ln w="6350" cap="flat" cmpd="sng" algn="ctr">
+          <a:solidFill>
+            <a:schemeClr val="accent3">
+              <a:hueOff val="451767"/>
+              <a:satOff val="16667"/>
+              <a:lumOff val="-2451"/>
+              <a:alphaOff val="0"/>
+            </a:schemeClr>
+          </a:solidFill>
+          <a:prstDash val="solid"/>
+          <a:miter lim="800000"/>
+        </a:ln>
+        <a:effectLst/>
+      </dsp:spPr>
+      <dsp:style>
+        <a:lnRef idx="1">
+          <a:scrgbClr r="0" g="0" b="0"/>
+        </a:lnRef>
+        <a:fillRef idx="1">
+          <a:scrgbClr r="0" g="0" b="0"/>
+        </a:fillRef>
+        <a:effectRef idx="2">
+          <a:scrgbClr r="0" g="0" b="0"/>
+        </a:effectRef>
+        <a:fontRef idx="minor"/>
+      </dsp:style>
+    </dsp:sp>
+    <dsp:sp modelId="{490EA269-77CF-4C4E-8630-2A582437B49E}">
+      <dsp:nvSpPr>
+        <dsp:cNvPr id="0" name=""/>
+        <dsp:cNvSpPr/>
+      </dsp:nvSpPr>
+      <dsp:spPr>
+        <a:xfrm rot="5400000">
+          <a:off x="-129903" y="1647967"/>
+          <a:ext cx="866021" cy="606215"/>
+        </a:xfrm>
+        <a:prstGeom prst="chevron">
+          <a:avLst/>
+        </a:prstGeom>
+        <a:solidFill>
+          <a:srgbClr val="C00000">
+            <a:alpha val="20000"/>
+          </a:srgbClr>
+        </a:solidFill>
+        <a:ln w="6350" cap="flat" cmpd="sng" algn="ctr">
+          <a:solidFill>
+            <a:schemeClr val="accent3">
+              <a:hueOff val="903533"/>
+              <a:satOff val="33333"/>
+              <a:lumOff val="-4902"/>
+              <a:alphaOff val="0"/>
+            </a:schemeClr>
+          </a:solidFill>
+          <a:prstDash val="solid"/>
+          <a:miter lim="800000"/>
+        </a:ln>
+        <a:effectLst>
+          <a:outerShdw blurRad="57150" dist="19050" dir="5400000" algn="ctr" rotWithShape="0">
+            <a:srgbClr val="000000">
+              <a:alpha val="63000"/>
+            </a:srgbClr>
+          </a:outerShdw>
+        </a:effectLst>
+      </dsp:spPr>
+      <dsp:style>
+        <a:lnRef idx="1">
+          <a:scrgbClr r="0" g="0" b="0"/>
+        </a:lnRef>
+        <a:fillRef idx="3">
+          <a:scrgbClr r="0" g="0" b="0"/>
+        </a:fillRef>
+        <a:effectRef idx="3">
+          <a:scrgbClr r="0" g="0" b="0"/>
+        </a:effectRef>
+        <a:fontRef idx="minor">
+          <a:schemeClr val="lt1"/>
+        </a:fontRef>
+      </dsp:style>
+      <dsp:txBody>
+        <a:bodyPr spcFirstLastPara="0" vert="horz" wrap="square" lIns="7620" tIns="7620" rIns="7620" bIns="7620" numCol="1" spcCol="1270" anchor="ctr" anchorCtr="0">
+          <a:noAutofit/>
+        </a:bodyPr>
+        <a:lstStyle/>
+        <a:p>
+          <a:pPr lvl="0" algn="ctr" defTabSz="533400">
+            <a:lnSpc>
+              <a:spcPct val="90000"/>
+            </a:lnSpc>
+            <a:spcBef>
+              <a:spcPct val="0"/>
+            </a:spcBef>
+            <a:spcAft>
+              <a:spcPct val="35000"/>
+            </a:spcAft>
+          </a:pPr>
+          <a:r>
+            <a:rPr lang="de-DE" sz="1200" kern="1200" dirty="0" smtClean="0"/>
+            <a:t>Schicht  5</a:t>
+          </a:r>
+          <a:endParaRPr lang="de-DE" sz="1200" kern="1200" dirty="0"/>
+        </a:p>
+      </dsp:txBody>
+      <dsp:txXfrm rot="-5400000">
+        <a:off x="1" y="1821172"/>
+        <a:ext cx="606215" cy="259806"/>
+      </dsp:txXfrm>
+    </dsp:sp>
+    <dsp:sp modelId="{61BD3FD9-10DF-41D1-B462-AEFE000100A6}">
+      <dsp:nvSpPr>
+        <dsp:cNvPr id="0" name=""/>
+        <dsp:cNvSpPr/>
+      </dsp:nvSpPr>
+      <dsp:spPr>
+        <a:xfrm rot="5400000">
+          <a:off x="1815352" y="308927"/>
+          <a:ext cx="562914" cy="2981188"/>
+        </a:xfrm>
+        <a:prstGeom prst="round2SameRect">
+          <a:avLst/>
+        </a:prstGeom>
+        <a:solidFill>
+          <a:schemeClr val="lt1">
+            <a:alpha val="90000"/>
+            <a:hueOff val="0"/>
+            <a:satOff val="0"/>
+            <a:lumOff val="0"/>
+            <a:alphaOff val="0"/>
+          </a:schemeClr>
+        </a:solidFill>
+        <a:ln w="6350" cap="flat" cmpd="sng" algn="ctr">
+          <a:solidFill>
+            <a:schemeClr val="accent3">
+              <a:hueOff val="903533"/>
+              <a:satOff val="33333"/>
+              <a:lumOff val="-4902"/>
+              <a:alphaOff val="0"/>
+            </a:schemeClr>
+          </a:solidFill>
+          <a:prstDash val="solid"/>
+          <a:miter lim="800000"/>
+        </a:ln>
+        <a:effectLst/>
+      </dsp:spPr>
+      <dsp:style>
+        <a:lnRef idx="1">
+          <a:scrgbClr r="0" g="0" b="0"/>
+        </a:lnRef>
+        <a:fillRef idx="1">
+          <a:scrgbClr r="0" g="0" b="0"/>
+        </a:fillRef>
+        <a:effectRef idx="2">
+          <a:scrgbClr r="0" g="0" b="0"/>
+        </a:effectRef>
+        <a:fontRef idx="minor"/>
+      </dsp:style>
+    </dsp:sp>
+    <dsp:sp modelId="{1184C3DA-4783-4E22-8122-2FD72C0D9C8D}">
+      <dsp:nvSpPr>
+        <dsp:cNvPr id="0" name=""/>
+        <dsp:cNvSpPr/>
+      </dsp:nvSpPr>
+      <dsp:spPr>
+        <a:xfrm rot="5400000">
+          <a:off x="-129903" y="2406225"/>
+          <a:ext cx="866021" cy="606215"/>
+        </a:xfrm>
+        <a:prstGeom prst="chevron">
+          <a:avLst/>
+        </a:prstGeom>
+        <a:solidFill>
+          <a:srgbClr val="C00000">
+            <a:alpha val="20000"/>
+          </a:srgbClr>
+        </a:solidFill>
+        <a:ln w="6350" cap="flat" cmpd="sng" algn="ctr">
+          <a:solidFill>
+            <a:schemeClr val="accent3">
+              <a:hueOff val="1355300"/>
+              <a:satOff val="50000"/>
+              <a:lumOff val="-7353"/>
+              <a:alphaOff val="0"/>
+            </a:schemeClr>
+          </a:solidFill>
+          <a:prstDash val="solid"/>
+          <a:miter lim="800000"/>
+        </a:ln>
+        <a:effectLst>
+          <a:outerShdw blurRad="57150" dist="19050" dir="5400000" algn="ctr" rotWithShape="0">
+            <a:srgbClr val="000000">
+              <a:alpha val="63000"/>
+            </a:srgbClr>
+          </a:outerShdw>
+        </a:effectLst>
+      </dsp:spPr>
+      <dsp:style>
+        <a:lnRef idx="1">
+          <a:scrgbClr r="0" g="0" b="0"/>
+        </a:lnRef>
+        <a:fillRef idx="3">
+          <a:scrgbClr r="0" g="0" b="0"/>
+        </a:fillRef>
+        <a:effectRef idx="3">
+          <a:scrgbClr r="0" g="0" b="0"/>
+        </a:effectRef>
+        <a:fontRef idx="minor">
+          <a:schemeClr val="lt1"/>
+        </a:fontRef>
+      </dsp:style>
+      <dsp:txBody>
+        <a:bodyPr spcFirstLastPara="0" vert="horz" wrap="square" lIns="7620" tIns="7620" rIns="7620" bIns="7620" numCol="1" spcCol="1270" anchor="ctr" anchorCtr="0">
+          <a:noAutofit/>
+        </a:bodyPr>
+        <a:lstStyle/>
+        <a:p>
+          <a:pPr lvl="0" algn="ctr" defTabSz="533400">
+            <a:lnSpc>
+              <a:spcPct val="90000"/>
+            </a:lnSpc>
+            <a:spcBef>
+              <a:spcPct val="0"/>
+            </a:spcBef>
+            <a:spcAft>
+              <a:spcPct val="35000"/>
+            </a:spcAft>
+          </a:pPr>
+          <a:r>
+            <a:rPr lang="de-DE" sz="1200" kern="1200" dirty="0" smtClean="0"/>
+            <a:t>Schicht  4</a:t>
+          </a:r>
+          <a:endParaRPr lang="de-DE" sz="1200" kern="1200" dirty="0"/>
+        </a:p>
+      </dsp:txBody>
+      <dsp:txXfrm rot="-5400000">
+        <a:off x="1" y="2579430"/>
+        <a:ext cx="606215" cy="259806"/>
+      </dsp:txXfrm>
+    </dsp:sp>
+    <dsp:sp modelId="{4AF01DE0-CADE-4E8B-8FFC-31743004A69C}">
+      <dsp:nvSpPr>
+        <dsp:cNvPr id="0" name=""/>
+        <dsp:cNvSpPr/>
+      </dsp:nvSpPr>
+      <dsp:spPr>
+        <a:xfrm rot="5400000">
+          <a:off x="1815352" y="1067185"/>
+          <a:ext cx="562914" cy="2981188"/>
+        </a:xfrm>
+        <a:prstGeom prst="round2SameRect">
+          <a:avLst/>
+        </a:prstGeom>
+        <a:solidFill>
+          <a:schemeClr val="lt1">
+            <a:alpha val="90000"/>
+            <a:hueOff val="0"/>
+            <a:satOff val="0"/>
+            <a:lumOff val="0"/>
+            <a:alphaOff val="0"/>
+          </a:schemeClr>
+        </a:solidFill>
+        <a:ln w="6350" cap="flat" cmpd="sng" algn="ctr">
+          <a:solidFill>
+            <a:schemeClr val="accent3">
+              <a:hueOff val="1355300"/>
+              <a:satOff val="50000"/>
+              <a:lumOff val="-7353"/>
+              <a:alphaOff val="0"/>
+            </a:schemeClr>
+          </a:solidFill>
+          <a:prstDash val="solid"/>
+          <a:miter lim="800000"/>
+        </a:ln>
+        <a:effectLst/>
+      </dsp:spPr>
+      <dsp:style>
+        <a:lnRef idx="1">
+          <a:scrgbClr r="0" g="0" b="0"/>
+        </a:lnRef>
+        <a:fillRef idx="1">
+          <a:scrgbClr r="0" g="0" b="0"/>
+        </a:fillRef>
+        <a:effectRef idx="2">
+          <a:scrgbClr r="0" g="0" b="0"/>
+        </a:effectRef>
+        <a:fontRef idx="minor"/>
+      </dsp:style>
+    </dsp:sp>
+    <dsp:sp modelId="{C90DC9E5-2C92-4E2B-9B46-6BC6CAFFEDA7}">
+      <dsp:nvSpPr>
+        <dsp:cNvPr id="0" name=""/>
+        <dsp:cNvSpPr/>
+      </dsp:nvSpPr>
+      <dsp:spPr>
+        <a:xfrm rot="5400000">
+          <a:off x="-129903" y="3164483"/>
+          <a:ext cx="866021" cy="606215"/>
+        </a:xfrm>
+        <a:prstGeom prst="chevron">
+          <a:avLst/>
+        </a:prstGeom>
+        <a:solidFill>
+          <a:srgbClr val="C00000">
+            <a:alpha val="19000"/>
+          </a:srgbClr>
+        </a:solidFill>
+        <a:ln w="6350" cap="flat" cmpd="sng" algn="ctr">
+          <a:solidFill>
+            <a:schemeClr val="accent3">
+              <a:hueOff val="1807066"/>
+              <a:satOff val="66667"/>
+              <a:lumOff val="-9804"/>
+              <a:alphaOff val="0"/>
+            </a:schemeClr>
+          </a:solidFill>
+          <a:prstDash val="solid"/>
+          <a:miter lim="800000"/>
+        </a:ln>
+        <a:effectLst>
+          <a:outerShdw blurRad="57150" dist="19050" dir="5400000" algn="ctr" rotWithShape="0">
+            <a:srgbClr val="000000">
+              <a:alpha val="63000"/>
+            </a:srgbClr>
+          </a:outerShdw>
+        </a:effectLst>
+      </dsp:spPr>
+      <dsp:style>
+        <a:lnRef idx="1">
+          <a:scrgbClr r="0" g="0" b="0"/>
+        </a:lnRef>
+        <a:fillRef idx="3">
+          <a:scrgbClr r="0" g="0" b="0"/>
+        </a:fillRef>
+        <a:effectRef idx="3">
+          <a:scrgbClr r="0" g="0" b="0"/>
+        </a:effectRef>
+        <a:fontRef idx="minor">
+          <a:schemeClr val="lt1"/>
+        </a:fontRef>
+      </dsp:style>
+      <dsp:txBody>
+        <a:bodyPr spcFirstLastPara="0" vert="horz" wrap="square" lIns="7620" tIns="7620" rIns="7620" bIns="7620" numCol="1" spcCol="1270" anchor="ctr" anchorCtr="0">
+          <a:noAutofit/>
+        </a:bodyPr>
+        <a:lstStyle/>
+        <a:p>
+          <a:pPr lvl="0" algn="ctr" defTabSz="533400">
+            <a:lnSpc>
+              <a:spcPct val="90000"/>
+            </a:lnSpc>
+            <a:spcBef>
+              <a:spcPct val="0"/>
+            </a:spcBef>
+            <a:spcAft>
+              <a:spcPct val="35000"/>
+            </a:spcAft>
+          </a:pPr>
+          <a:r>
+            <a:rPr lang="de-DE" sz="1200" kern="1200" dirty="0" smtClean="0"/>
+            <a:t>Schicht  3</a:t>
+          </a:r>
+          <a:endParaRPr lang="de-DE" sz="1200" kern="1200" dirty="0"/>
+        </a:p>
+      </dsp:txBody>
+      <dsp:txXfrm rot="-5400000">
+        <a:off x="1" y="3337688"/>
+        <a:ext cx="606215" cy="259806"/>
+      </dsp:txXfrm>
+    </dsp:sp>
+    <dsp:sp modelId="{5E000824-A3C5-434A-8C50-B8C151A5C280}">
+      <dsp:nvSpPr>
+        <dsp:cNvPr id="0" name=""/>
+        <dsp:cNvSpPr/>
+      </dsp:nvSpPr>
+      <dsp:spPr>
+        <a:xfrm rot="5400000">
+          <a:off x="1815352" y="1825443"/>
+          <a:ext cx="562914" cy="2981188"/>
+        </a:xfrm>
+        <a:prstGeom prst="round2SameRect">
+          <a:avLst/>
+        </a:prstGeom>
+        <a:solidFill>
+          <a:schemeClr val="lt1">
+            <a:alpha val="90000"/>
+            <a:hueOff val="0"/>
+            <a:satOff val="0"/>
+            <a:lumOff val="0"/>
+            <a:alphaOff val="0"/>
+          </a:schemeClr>
+        </a:solidFill>
+        <a:ln w="6350" cap="flat" cmpd="sng" algn="ctr">
+          <a:solidFill>
+            <a:schemeClr val="accent3">
+              <a:hueOff val="1807066"/>
+              <a:satOff val="66667"/>
+              <a:lumOff val="-9804"/>
+              <a:alphaOff val="0"/>
+            </a:schemeClr>
+          </a:solidFill>
+          <a:prstDash val="solid"/>
+          <a:miter lim="800000"/>
+        </a:ln>
+        <a:effectLst/>
+      </dsp:spPr>
+      <dsp:style>
+        <a:lnRef idx="1">
+          <a:scrgbClr r="0" g="0" b="0"/>
+        </a:lnRef>
+        <a:fillRef idx="1">
+          <a:scrgbClr r="0" g="0" b="0"/>
+        </a:fillRef>
+        <a:effectRef idx="2">
+          <a:scrgbClr r="0" g="0" b="0"/>
+        </a:effectRef>
+        <a:fontRef idx="minor"/>
+      </dsp:style>
+    </dsp:sp>
+    <dsp:sp modelId="{0C8B27AF-286D-4693-A5AB-4B6305D4EA2F}">
+      <dsp:nvSpPr>
+        <dsp:cNvPr id="0" name=""/>
+        <dsp:cNvSpPr/>
+      </dsp:nvSpPr>
+      <dsp:spPr>
+        <a:xfrm rot="5400000">
+          <a:off x="-129903" y="3922741"/>
+          <a:ext cx="866021" cy="606215"/>
+        </a:xfrm>
+        <a:prstGeom prst="chevron">
+          <a:avLst/>
+        </a:prstGeom>
+        <a:solidFill>
+          <a:srgbClr val="C00000"/>
+        </a:solidFill>
+        <a:ln w="6350" cap="flat" cmpd="sng" algn="ctr">
+          <a:solidFill>
+            <a:schemeClr val="accent3">
+              <a:hueOff val="2258833"/>
+              <a:satOff val="83333"/>
+              <a:lumOff val="-12255"/>
+              <a:alphaOff val="0"/>
+            </a:schemeClr>
+          </a:solidFill>
+          <a:prstDash val="solid"/>
+          <a:miter lim="800000"/>
+        </a:ln>
+        <a:effectLst>
+          <a:outerShdw blurRad="57150" dist="19050" dir="5400000" algn="ctr" rotWithShape="0">
+            <a:srgbClr val="000000">
+              <a:alpha val="63000"/>
+            </a:srgbClr>
+          </a:outerShdw>
+        </a:effectLst>
+      </dsp:spPr>
+      <dsp:style>
+        <a:lnRef idx="1">
+          <a:scrgbClr r="0" g="0" b="0"/>
+        </a:lnRef>
+        <a:fillRef idx="3">
+          <a:scrgbClr r="0" g="0" b="0"/>
+        </a:fillRef>
+        <a:effectRef idx="3">
+          <a:scrgbClr r="0" g="0" b="0"/>
+        </a:effectRef>
+        <a:fontRef idx="minor">
+          <a:schemeClr val="lt1"/>
+        </a:fontRef>
+      </dsp:style>
+      <dsp:txBody>
+        <a:bodyPr spcFirstLastPara="0" vert="horz" wrap="square" lIns="7620" tIns="7620" rIns="7620" bIns="7620" numCol="1" spcCol="1270" anchor="ctr" anchorCtr="0">
+          <a:noAutofit/>
+        </a:bodyPr>
+        <a:lstStyle/>
+        <a:p>
+          <a:pPr lvl="0" algn="ctr" defTabSz="533400">
+            <a:lnSpc>
+              <a:spcPct val="90000"/>
+            </a:lnSpc>
+            <a:spcBef>
+              <a:spcPct val="0"/>
+            </a:spcBef>
+            <a:spcAft>
+              <a:spcPct val="35000"/>
+            </a:spcAft>
+          </a:pPr>
+          <a:r>
+            <a:rPr lang="de-DE" sz="1200" kern="1200" dirty="0" smtClean="0"/>
+            <a:t>Schicht 2</a:t>
+          </a:r>
+          <a:endParaRPr lang="de-DE" sz="1200" kern="1200" dirty="0"/>
+        </a:p>
+      </dsp:txBody>
+      <dsp:txXfrm rot="-5400000">
+        <a:off x="1" y="4095946"/>
+        <a:ext cx="606215" cy="259806"/>
+      </dsp:txXfrm>
+    </dsp:sp>
+    <dsp:sp modelId="{E9BAF97C-0D47-40EC-94BB-B8EEEB1C6836}">
+      <dsp:nvSpPr>
+        <dsp:cNvPr id="0" name=""/>
+        <dsp:cNvSpPr/>
+      </dsp:nvSpPr>
+      <dsp:spPr>
+        <a:xfrm rot="5400000">
+          <a:off x="1796869" y="2555994"/>
+          <a:ext cx="562914" cy="2981188"/>
+        </a:xfrm>
+        <a:prstGeom prst="round2SameRect">
+          <a:avLst/>
+        </a:prstGeom>
+        <a:solidFill>
+          <a:schemeClr val="lt1">
+            <a:alpha val="90000"/>
+            <a:hueOff val="0"/>
+            <a:satOff val="0"/>
+            <a:lumOff val="0"/>
+            <a:alphaOff val="0"/>
+          </a:schemeClr>
+        </a:solidFill>
+        <a:ln w="6350" cap="flat" cmpd="sng" algn="ctr">
+          <a:solidFill>
+            <a:schemeClr val="accent3">
+              <a:hueOff val="2258833"/>
+              <a:satOff val="83333"/>
+              <a:lumOff val="-12255"/>
+              <a:alphaOff val="0"/>
+            </a:schemeClr>
+          </a:solidFill>
+          <a:prstDash val="solid"/>
+          <a:miter lim="800000"/>
+        </a:ln>
+        <a:effectLst/>
+      </dsp:spPr>
+      <dsp:style>
+        <a:lnRef idx="1">
+          <a:scrgbClr r="0" g="0" b="0"/>
+        </a:lnRef>
+        <a:fillRef idx="1">
+          <a:scrgbClr r="0" g="0" b="0"/>
+        </a:fillRef>
+        <a:effectRef idx="2">
+          <a:scrgbClr r="0" g="0" b="0"/>
+        </a:effectRef>
+        <a:fontRef idx="minor"/>
+      </dsp:style>
+      <dsp:txBody>
+        <a:bodyPr spcFirstLastPara="0" vert="horz" wrap="square" lIns="71120" tIns="6350" rIns="6350" bIns="6350" numCol="1" spcCol="1270" anchor="ctr" anchorCtr="0">
+          <a:noAutofit/>
+        </a:bodyPr>
+        <a:lstStyle/>
+        <a:p>
+          <a:pPr marL="57150" lvl="1" indent="-57150" algn="l" defTabSz="444500">
+            <a:lnSpc>
+              <a:spcPct val="90000"/>
+            </a:lnSpc>
+            <a:spcBef>
+              <a:spcPct val="0"/>
+            </a:spcBef>
+            <a:spcAft>
+              <a:spcPct val="15000"/>
+            </a:spcAft>
+            <a:buChar char="••"/>
+          </a:pPr>
+          <a:r>
+            <a:rPr lang="de-DE" sz="1000" b="1" kern="1200" dirty="0" smtClean="0"/>
+            <a:t>Fieldbus Data Link (FDL)</a:t>
+          </a:r>
+          <a:endParaRPr lang="de-DE" sz="1000" b="1" kern="1200" dirty="0"/>
+        </a:p>
+      </dsp:txBody>
+      <dsp:txXfrm rot="-5400000">
+        <a:off x="587733" y="3792610"/>
+        <a:ext cx="2953709" cy="507956"/>
+      </dsp:txXfrm>
+    </dsp:sp>
+    <dsp:sp modelId="{1AFCB018-7B08-4300-8686-4EEC84B5D7BE}">
+      <dsp:nvSpPr>
+        <dsp:cNvPr id="0" name=""/>
+        <dsp:cNvSpPr/>
+      </dsp:nvSpPr>
+      <dsp:spPr>
+        <a:xfrm rot="5400000">
+          <a:off x="-129903" y="4680999"/>
+          <a:ext cx="866021" cy="606215"/>
+        </a:xfrm>
+        <a:prstGeom prst="chevron">
+          <a:avLst/>
+        </a:prstGeom>
+        <a:solidFill>
+          <a:srgbClr val="C00000"/>
+        </a:solidFill>
+        <a:ln w="6350" cap="flat" cmpd="sng" algn="ctr">
+          <a:solidFill>
+            <a:schemeClr val="accent3">
+              <a:hueOff val="2710599"/>
+              <a:satOff val="100000"/>
+              <a:lumOff val="-14706"/>
+              <a:alphaOff val="0"/>
+            </a:schemeClr>
+          </a:solidFill>
+          <a:prstDash val="solid"/>
+          <a:miter lim="800000"/>
+        </a:ln>
+        <a:effectLst>
+          <a:outerShdw blurRad="57150" dist="19050" dir="5400000" algn="ctr" rotWithShape="0">
+            <a:srgbClr val="000000">
+              <a:alpha val="63000"/>
+            </a:srgbClr>
+          </a:outerShdw>
+        </a:effectLst>
+      </dsp:spPr>
+      <dsp:style>
+        <a:lnRef idx="1">
+          <a:scrgbClr r="0" g="0" b="0"/>
+        </a:lnRef>
+        <a:fillRef idx="3">
+          <a:scrgbClr r="0" g="0" b="0"/>
+        </a:fillRef>
+        <a:effectRef idx="3">
+          <a:scrgbClr r="0" g="0" b="0"/>
+        </a:effectRef>
+        <a:fontRef idx="minor">
+          <a:schemeClr val="lt1"/>
+        </a:fontRef>
+      </dsp:style>
+      <dsp:txBody>
+        <a:bodyPr spcFirstLastPara="0" vert="horz" wrap="square" lIns="7620" tIns="7620" rIns="7620" bIns="7620" numCol="1" spcCol="1270" anchor="ctr" anchorCtr="0">
+          <a:noAutofit/>
+        </a:bodyPr>
+        <a:lstStyle/>
+        <a:p>
+          <a:pPr lvl="0" algn="ctr" defTabSz="533400">
+            <a:lnSpc>
+              <a:spcPct val="90000"/>
+            </a:lnSpc>
+            <a:spcBef>
+              <a:spcPct val="0"/>
+            </a:spcBef>
+            <a:spcAft>
+              <a:spcPct val="35000"/>
+            </a:spcAft>
+          </a:pPr>
+          <a:r>
+            <a:rPr lang="de-DE" sz="1200" kern="1200" dirty="0" smtClean="0"/>
+            <a:t>Schicht 1</a:t>
+          </a:r>
+          <a:endParaRPr lang="de-DE" sz="1200" kern="1200" dirty="0"/>
+        </a:p>
+      </dsp:txBody>
+      <dsp:txXfrm rot="-5400000">
+        <a:off x="1" y="4854204"/>
+        <a:ext cx="606215" cy="259806"/>
+      </dsp:txXfrm>
+    </dsp:sp>
+    <dsp:sp modelId="{B1E58D28-CE3E-41FE-8D92-FE07655CBE03}">
+      <dsp:nvSpPr>
+        <dsp:cNvPr id="0" name=""/>
+        <dsp:cNvSpPr/>
+      </dsp:nvSpPr>
+      <dsp:spPr>
+        <a:xfrm rot="5400000">
+          <a:off x="1815352" y="3341959"/>
+          <a:ext cx="562914" cy="2981188"/>
+        </a:xfrm>
+        <a:prstGeom prst="round2SameRect">
+          <a:avLst/>
+        </a:prstGeom>
+        <a:solidFill>
+          <a:schemeClr val="lt1">
+            <a:alpha val="90000"/>
+            <a:hueOff val="0"/>
+            <a:satOff val="0"/>
+            <a:lumOff val="0"/>
+            <a:alphaOff val="0"/>
+          </a:schemeClr>
+        </a:solidFill>
+        <a:ln w="6350" cap="flat" cmpd="sng" algn="ctr">
+          <a:solidFill>
+            <a:schemeClr val="accent3">
+              <a:hueOff val="2710599"/>
+              <a:satOff val="100000"/>
+              <a:lumOff val="-14706"/>
+              <a:alphaOff val="0"/>
+            </a:schemeClr>
+          </a:solidFill>
+          <a:prstDash val="solid"/>
+          <a:miter lim="800000"/>
+        </a:ln>
+        <a:effectLst/>
+      </dsp:spPr>
+      <dsp:style>
+        <a:lnRef idx="1">
+          <a:scrgbClr r="0" g="0" b="0"/>
+        </a:lnRef>
+        <a:fillRef idx="1">
+          <a:scrgbClr r="0" g="0" b="0"/>
+        </a:fillRef>
+        <a:effectRef idx="2">
+          <a:scrgbClr r="0" g="0" b="0"/>
+        </a:effectRef>
+        <a:fontRef idx="minor"/>
+      </dsp:style>
+      <dsp:txBody>
+        <a:bodyPr spcFirstLastPara="0" vert="horz" wrap="square" lIns="71120" tIns="6350" rIns="6350" bIns="6350" numCol="1" spcCol="1270" anchor="ctr" anchorCtr="0">
+          <a:noAutofit/>
+        </a:bodyPr>
+        <a:lstStyle/>
+        <a:p>
+          <a:pPr marL="57150" lvl="1" indent="-57150" algn="l" defTabSz="444500">
+            <a:lnSpc>
+              <a:spcPct val="90000"/>
+            </a:lnSpc>
+            <a:spcBef>
+              <a:spcPct val="0"/>
+            </a:spcBef>
+            <a:spcAft>
+              <a:spcPct val="15000"/>
+            </a:spcAft>
+            <a:buChar char="••"/>
+          </a:pPr>
+          <a:r>
+            <a:rPr lang="de-DE" sz="1000" b="1" kern="1200" dirty="0" smtClean="0"/>
+            <a:t>RS485</a:t>
+          </a:r>
+          <a:endParaRPr lang="de-DE" sz="1000" b="1" kern="1200" dirty="0"/>
+        </a:p>
+        <a:p>
+          <a:pPr marL="57150" lvl="1" indent="-57150" algn="l" defTabSz="444500">
+            <a:lnSpc>
+              <a:spcPct val="90000"/>
+            </a:lnSpc>
+            <a:spcBef>
+              <a:spcPct val="0"/>
+            </a:spcBef>
+            <a:spcAft>
+              <a:spcPct val="15000"/>
+            </a:spcAft>
+            <a:buChar char="••"/>
+          </a:pPr>
+          <a:r>
+            <a:rPr lang="de-DE" sz="1000" b="1" kern="1200" dirty="0" smtClean="0"/>
+            <a:t>LWL</a:t>
+          </a:r>
+          <a:endParaRPr lang="de-DE" sz="1000" b="1" kern="1200" dirty="0"/>
+        </a:p>
+      </dsp:txBody>
+      <dsp:txXfrm rot="-5400000">
+        <a:off x="606216" y="4578575"/>
+        <a:ext cx="2953709" cy="507956"/>
       </dsp:txXfrm>
     </dsp:sp>
   </dsp:spTree>
@@ -15973,6 +18730,262 @@
               <dgm:rule type="primFontSz" val="5" fact="NaN" max="NaN"/>
             </dgm:ruleLst>
           </dgm:layoutNode>
+        </dgm:layoutNode>
+      </dgm:forEach>
+    </dgm:forEach>
+  </dgm:layoutNode>
+</dgm:layoutDef>
+</file>
+
+<file path=ppt/diagrams/layout11.xml><?xml version="1.0" encoding="utf-8"?>
+<dgm:layoutDef xmlns:dgm="http://schemas.openxmlformats.org/drawingml/2006/diagram" xmlns:a="http://schemas.openxmlformats.org/drawingml/2006/main" uniqueId="urn:microsoft.com/office/officeart/2005/8/layout/chevron2">
+  <dgm:title val=""/>
+  <dgm:desc val=""/>
+  <dgm:catLst>
+    <dgm:cat type="process" pri="12000"/>
+    <dgm:cat type="list" pri="16000"/>
+    <dgm:cat type="convert" pri="11000"/>
+  </dgm:catLst>
+  <dgm:sampData>
+    <dgm:dataModel>
+      <dgm:ptLst>
+        <dgm:pt modelId="0" type="doc"/>
+        <dgm:pt modelId="1">
+          <dgm:prSet phldr="1"/>
+        </dgm:pt>
+        <dgm:pt modelId="11">
+          <dgm:prSet phldr="1"/>
+        </dgm:pt>
+        <dgm:pt modelId="12">
+          <dgm:prSet phldr="1"/>
+        </dgm:pt>
+        <dgm:pt modelId="2">
+          <dgm:prSet phldr="1"/>
+        </dgm:pt>
+        <dgm:pt modelId="21">
+          <dgm:prSet phldr="1"/>
+        </dgm:pt>
+        <dgm:pt modelId="22">
+          <dgm:prSet phldr="1"/>
+        </dgm:pt>
+        <dgm:pt modelId="3">
+          <dgm:prSet phldr="1"/>
+        </dgm:pt>
+        <dgm:pt modelId="31">
+          <dgm:prSet phldr="1"/>
+        </dgm:pt>
+        <dgm:pt modelId="32">
+          <dgm:prSet phldr="1"/>
+        </dgm:pt>
+      </dgm:ptLst>
+      <dgm:cxnLst>
+        <dgm:cxn modelId="4" srcId="0" destId="1" srcOrd="0" destOrd="0"/>
+        <dgm:cxn modelId="5" srcId="0" destId="2" srcOrd="1" destOrd="0"/>
+        <dgm:cxn modelId="6" srcId="0" destId="3" srcOrd="2" destOrd="0"/>
+        <dgm:cxn modelId="13" srcId="1" destId="11" srcOrd="0" destOrd="0"/>
+        <dgm:cxn modelId="14" srcId="1" destId="12" srcOrd="1" destOrd="0"/>
+        <dgm:cxn modelId="23" srcId="2" destId="21" srcOrd="0" destOrd="0"/>
+        <dgm:cxn modelId="24" srcId="2" destId="22" srcOrd="1" destOrd="0"/>
+        <dgm:cxn modelId="33" srcId="3" destId="31" srcOrd="0" destOrd="0"/>
+        <dgm:cxn modelId="34" srcId="3" destId="32" srcOrd="1" destOrd="0"/>
+      </dgm:cxnLst>
+      <dgm:bg/>
+      <dgm:whole/>
+    </dgm:dataModel>
+  </dgm:sampData>
+  <dgm:styleData>
+    <dgm:dataModel>
+      <dgm:ptLst>
+        <dgm:pt modelId="0" type="doc"/>
+        <dgm:pt modelId="1"/>
+      </dgm:ptLst>
+      <dgm:cxnLst>
+        <dgm:cxn modelId="4" srcId="0" destId="1" srcOrd="0" destOrd="0"/>
+      </dgm:cxnLst>
+      <dgm:bg/>
+      <dgm:whole/>
+    </dgm:dataModel>
+  </dgm:styleData>
+  <dgm:clrData>
+    <dgm:dataModel>
+      <dgm:ptLst>
+        <dgm:pt modelId="0" type="doc"/>
+        <dgm:pt modelId="1"/>
+        <dgm:pt modelId="11"/>
+        <dgm:pt modelId="2"/>
+        <dgm:pt modelId="21"/>
+        <dgm:pt modelId="3"/>
+        <dgm:pt modelId="31"/>
+        <dgm:pt modelId="4"/>
+        <dgm:pt modelId="41"/>
+      </dgm:ptLst>
+      <dgm:cxnLst>
+        <dgm:cxn modelId="5" srcId="0" destId="1" srcOrd="0" destOrd="0"/>
+        <dgm:cxn modelId="6" srcId="0" destId="2" srcOrd="1" destOrd="0"/>
+        <dgm:cxn modelId="7" srcId="0" destId="3" srcOrd="2" destOrd="0"/>
+        <dgm:cxn modelId="8" srcId="0" destId="4" srcOrd="3" destOrd="0"/>
+        <dgm:cxn modelId="13" srcId="1" destId="11" srcOrd="0" destOrd="0"/>
+        <dgm:cxn modelId="23" srcId="2" destId="21" srcOrd="0" destOrd="0"/>
+        <dgm:cxn modelId="33" srcId="3" destId="31" srcOrd="0" destOrd="0"/>
+        <dgm:cxn modelId="43" srcId="4" destId="41" srcOrd="0" destOrd="0"/>
+      </dgm:cxnLst>
+      <dgm:bg/>
+      <dgm:whole/>
+    </dgm:dataModel>
+  </dgm:clrData>
+  <dgm:layoutNode name="linearFlow">
+    <dgm:varLst>
+      <dgm:dir/>
+      <dgm:animLvl val="lvl"/>
+      <dgm:resizeHandles val="exact"/>
+    </dgm:varLst>
+    <dgm:alg type="lin">
+      <dgm:param type="linDir" val="fromT"/>
+      <dgm:param type="nodeHorzAlign" val="l"/>
+    </dgm:alg>
+    <dgm:shape xmlns:r="http://schemas.openxmlformats.org/officeDocument/2006/relationships" r:blip="">
+      <dgm:adjLst/>
+    </dgm:shape>
+    <dgm:presOf/>
+    <dgm:constrLst>
+      <dgm:constr type="h" for="ch" forName="composite" refType="h"/>
+      <dgm:constr type="w" for="ch" forName="composite" refType="w"/>
+      <dgm:constr type="h" for="des" forName="parentText" op="equ"/>
+      <dgm:constr type="h" for="ch" forName="sp" val="-14.88"/>
+      <dgm:constr type="h" for="ch" forName="sp" refType="w" refFor="des" refForName="parentText" op="gte" fact="-0.3"/>
+      <dgm:constr type="primFontSz" for="des" forName="parentText" op="equ" val="65"/>
+      <dgm:constr type="primFontSz" for="des" forName="descendantText" op="equ" val="65"/>
+    </dgm:constrLst>
+    <dgm:ruleLst/>
+    <dgm:forEach name="Name0" axis="ch" ptType="node">
+      <dgm:layoutNode name="composite">
+        <dgm:alg type="composite"/>
+        <dgm:shape xmlns:r="http://schemas.openxmlformats.org/officeDocument/2006/relationships" r:blip="">
+          <dgm:adjLst/>
+        </dgm:shape>
+        <dgm:presOf/>
+        <dgm:choose name="Name1">
+          <dgm:if name="Name2" func="var" arg="dir" op="equ" val="norm">
+            <dgm:constrLst>
+              <dgm:constr type="t" for="ch" forName="parentText"/>
+              <dgm:constr type="l" for="ch" forName="parentText"/>
+              <dgm:constr type="w" for="ch" forName="parentText" refType="w" fact="0.4"/>
+              <dgm:constr type="h" for="ch" forName="parentText" refType="h"/>
+              <dgm:constr type="w" for="ch" forName="parentText" refType="w" op="lte" fact="0.5"/>
+              <dgm:constr type="w" for="ch" forName="parentText" refType="h" refFor="ch" refForName="parentText" op="lte" fact="0.7"/>
+              <dgm:constr type="h" for="ch" forName="parentText" refType="w" refFor="ch" refForName="parentText" op="lte" fact="3"/>
+              <dgm:constr type="l" for="ch" forName="descendantText" refType="w" refFor="ch" refForName="parentText"/>
+              <dgm:constr type="w" for="ch" forName="descendantText" refType="w"/>
+              <dgm:constr type="wOff" for="ch" forName="descendantText" refType="w" refFor="ch" refForName="parentText" fact="-1"/>
+              <dgm:constr type="t" for="ch" forName="descendantText"/>
+              <dgm:constr type="b" for="ch" forName="descendantText" refType="h" refFor="ch" refForName="parentText"/>
+              <dgm:constr type="bOff" for="ch" forName="descendantText" refType="w" refFor="ch" refForName="parentText" fact="-0.5"/>
+            </dgm:constrLst>
+          </dgm:if>
+          <dgm:else name="Name3">
+            <dgm:constrLst>
+              <dgm:constr type="t" for="ch" forName="parentText"/>
+              <dgm:constr type="r" for="ch" forName="parentText" refType="w"/>
+              <dgm:constr type="w" for="ch" forName="parentText" refType="w" fact="0.4"/>
+              <dgm:constr type="h" for="ch" forName="parentText" refType="h"/>
+              <dgm:constr type="w" for="ch" forName="parentText" refType="w" op="lte" fact="0.5"/>
+              <dgm:constr type="w" for="ch" forName="parentText" refType="h" refFor="ch" refForName="parentText" op="lte" fact="0.7"/>
+              <dgm:constr type="h" for="ch" forName="parentText" refType="w" refFor="ch" refForName="parentText" op="lte" fact="3"/>
+              <dgm:constr type="l" for="ch" forName="descendantText"/>
+              <dgm:constr type="w" for="ch" forName="descendantText" refType="w"/>
+              <dgm:constr type="wOff" for="ch" forName="descendantText" refType="w" refFor="ch" refForName="parentText" fact="-1"/>
+              <dgm:constr type="t" for="ch" forName="descendantText"/>
+              <dgm:constr type="b" for="ch" forName="descendantText" refType="h" refFor="ch" refForName="parentText"/>
+              <dgm:constr type="bOff" for="ch" forName="descendantText" refType="w" refFor="ch" refForName="parentText" fact="-0.5"/>
+            </dgm:constrLst>
+          </dgm:else>
+        </dgm:choose>
+        <dgm:ruleLst/>
+        <dgm:layoutNode name="parentText" styleLbl="alignNode1">
+          <dgm:varLst>
+            <dgm:chMax val="1"/>
+            <dgm:bulletEnabled val="1"/>
+          </dgm:varLst>
+          <dgm:alg type="tx"/>
+          <dgm:shape xmlns:r="http://schemas.openxmlformats.org/officeDocument/2006/relationships" rot="90" type="chevron" r:blip="">
+            <dgm:adjLst/>
+          </dgm:shape>
+          <dgm:presOf axis="self" ptType="node"/>
+          <dgm:constrLst>
+            <dgm:constr type="lMarg" refType="primFontSz" fact="0.05"/>
+            <dgm:constr type="rMarg" refType="primFontSz" fact="0.05"/>
+            <dgm:constr type="tMarg" refType="primFontSz" fact="0.05"/>
+            <dgm:constr type="bMarg" refType="primFontSz" fact="0.05"/>
+          </dgm:constrLst>
+          <dgm:ruleLst>
+            <dgm:rule type="h" val="100" fact="NaN" max="NaN"/>
+            <dgm:rule type="primFontSz" val="24" fact="NaN" max="NaN"/>
+            <dgm:rule type="h" val="110" fact="NaN" max="NaN"/>
+            <dgm:rule type="primFontSz" val="18" fact="NaN" max="NaN"/>
+            <dgm:rule type="h" val="INF" fact="NaN" max="NaN"/>
+            <dgm:rule type="primFontSz" val="5" fact="NaN" max="NaN"/>
+          </dgm:ruleLst>
+        </dgm:layoutNode>
+        <dgm:layoutNode name="descendantText" styleLbl="alignAcc1">
+          <dgm:varLst>
+            <dgm:bulletEnabled val="1"/>
+          </dgm:varLst>
+          <dgm:choose name="Name4">
+            <dgm:if name="Name5" func="var" arg="dir" op="equ" val="norm">
+              <dgm:alg type="tx">
+                <dgm:param type="stBulletLvl" val="1"/>
+                <dgm:param type="txAnchorVertCh" val="mid"/>
+              </dgm:alg>
+              <dgm:shape xmlns:r="http://schemas.openxmlformats.org/officeDocument/2006/relationships" rot="90" type="round2SameRect" r:blip="">
+                <dgm:adjLst/>
+              </dgm:shape>
+            </dgm:if>
+            <dgm:else name="Name6">
+              <dgm:alg type="tx">
+                <dgm:param type="stBulletLvl" val="1"/>
+                <dgm:param type="txAnchorVertCh" val="mid"/>
+              </dgm:alg>
+              <dgm:shape xmlns:r="http://schemas.openxmlformats.org/officeDocument/2006/relationships" rot="-90" type="round2SameRect" r:blip="">
+                <dgm:adjLst/>
+              </dgm:shape>
+            </dgm:else>
+          </dgm:choose>
+          <dgm:presOf axis="des" ptType="node"/>
+          <dgm:choose name="Name7">
+            <dgm:if name="Name8" func="var" arg="dir" op="equ" val="norm">
+              <dgm:constrLst>
+                <dgm:constr type="secFontSz" refType="primFontSz"/>
+                <dgm:constr type="tMarg" refType="primFontSz" fact="0.05"/>
+                <dgm:constr type="bMarg" refType="primFontSz" fact="0.05"/>
+                <dgm:constr type="rMarg" refType="primFontSz" fact="0.05"/>
+              </dgm:constrLst>
+            </dgm:if>
+            <dgm:else name="Name9">
+              <dgm:constrLst>
+                <dgm:constr type="secFontSz" refType="primFontSz"/>
+                <dgm:constr type="tMarg" refType="primFontSz" fact="0.05"/>
+                <dgm:constr type="bMarg" refType="primFontSz" fact="0.05"/>
+                <dgm:constr type="lMarg" refType="primFontSz" fact="0.05"/>
+              </dgm:constrLst>
+            </dgm:else>
+          </dgm:choose>
+          <dgm:ruleLst>
+            <dgm:rule type="primFontSz" val="5" fact="NaN" max="NaN"/>
+          </dgm:ruleLst>
+        </dgm:layoutNode>
+      </dgm:layoutNode>
+      <dgm:forEach name="Name10" axis="followSib" ptType="sibTrans" cnt="1">
+        <dgm:layoutNode name="sp">
+          <dgm:alg type="sp"/>
+          <dgm:shape xmlns:r="http://schemas.openxmlformats.org/officeDocument/2006/relationships" r:blip="">
+            <dgm:adjLst/>
+          </dgm:shape>
+          <dgm:presOf axis="self"/>
+          <dgm:constrLst>
+            <dgm:constr type="w" val="1"/>
+            <dgm:constr type="h" val="37.5"/>
+          </dgm:constrLst>
+          <dgm:ruleLst/>
         </dgm:layoutNode>
       </dgm:forEach>
     </dgm:forEach>
@@ -22673,6 +25686,1040 @@
 </dgm:styleDef>
 </file>
 
+<file path=ppt/diagrams/quickStyle11.xml><?xml version="1.0" encoding="utf-8"?>
+<dgm:styleDef xmlns:dgm="http://schemas.openxmlformats.org/drawingml/2006/diagram" xmlns:a="http://schemas.openxmlformats.org/drawingml/2006/main" uniqueId="urn:microsoft.com/office/officeart/2005/8/quickstyle/simple5">
+  <dgm:title val=""/>
+  <dgm:desc val=""/>
+  <dgm:catLst>
+    <dgm:cat type="simple" pri="10500"/>
+  </dgm:catLst>
+  <dgm:scene3d>
+    <a:camera prst="orthographicFront"/>
+    <a:lightRig rig="threePt" dir="t"/>
+  </dgm:scene3d>
+  <dgm:styleLbl name="node0">
+    <dgm:scene3d>
+      <a:camera prst="orthographicFront"/>
+      <a:lightRig rig="threePt" dir="t"/>
+    </dgm:scene3d>
+    <dgm:sp3d/>
+    <dgm:txPr/>
+    <dgm:style>
+      <a:lnRef idx="0">
+        <a:scrgbClr r="0" g="0" b="0"/>
+      </a:lnRef>
+      <a:fillRef idx="3">
+        <a:scrgbClr r="0" g="0" b="0"/>
+      </a:fillRef>
+      <a:effectRef idx="3">
+        <a:scrgbClr r="0" g="0" b="0"/>
+      </a:effectRef>
+      <a:fontRef idx="minor">
+        <a:schemeClr val="lt1"/>
+      </a:fontRef>
+    </dgm:style>
+  </dgm:styleLbl>
+  <dgm:styleLbl name="lnNode1">
+    <dgm:scene3d>
+      <a:camera prst="orthographicFront"/>
+      <a:lightRig rig="threePt" dir="t"/>
+    </dgm:scene3d>
+    <dgm:sp3d/>
+    <dgm:txPr/>
+    <dgm:style>
+      <a:lnRef idx="0">
+        <a:scrgbClr r="0" g="0" b="0"/>
+      </a:lnRef>
+      <a:fillRef idx="3">
+        <a:scrgbClr r="0" g="0" b="0"/>
+      </a:fillRef>
+      <a:effectRef idx="3">
+        <a:scrgbClr r="0" g="0" b="0"/>
+      </a:effectRef>
+      <a:fontRef idx="minor">
+        <a:schemeClr val="lt1"/>
+      </a:fontRef>
+    </dgm:style>
+  </dgm:styleLbl>
+  <dgm:styleLbl name="vennNode1">
+    <dgm:scene3d>
+      <a:camera prst="orthographicFront"/>
+      <a:lightRig rig="threePt" dir="t"/>
+    </dgm:scene3d>
+    <dgm:sp3d/>
+    <dgm:txPr/>
+    <dgm:style>
+      <a:lnRef idx="0">
+        <a:scrgbClr r="0" g="0" b="0"/>
+      </a:lnRef>
+      <a:fillRef idx="3">
+        <a:scrgbClr r="0" g="0" b="0"/>
+      </a:fillRef>
+      <a:effectRef idx="3">
+        <a:scrgbClr r="0" g="0" b="0"/>
+      </a:effectRef>
+      <a:fontRef idx="minor">
+        <a:schemeClr val="tx1"/>
+      </a:fontRef>
+    </dgm:style>
+  </dgm:styleLbl>
+  <dgm:styleLbl name="alignNode1">
+    <dgm:scene3d>
+      <a:camera prst="orthographicFront"/>
+      <a:lightRig rig="threePt" dir="t"/>
+    </dgm:scene3d>
+    <dgm:sp3d/>
+    <dgm:txPr/>
+    <dgm:style>
+      <a:lnRef idx="1">
+        <a:scrgbClr r="0" g="0" b="0"/>
+      </a:lnRef>
+      <a:fillRef idx="3">
+        <a:scrgbClr r="0" g="0" b="0"/>
+      </a:fillRef>
+      <a:effectRef idx="3">
+        <a:scrgbClr r="0" g="0" b="0"/>
+      </a:effectRef>
+      <a:fontRef idx="minor">
+        <a:schemeClr val="lt1"/>
+      </a:fontRef>
+    </dgm:style>
+  </dgm:styleLbl>
+  <dgm:styleLbl name="node1">
+    <dgm:scene3d>
+      <a:camera prst="orthographicFront"/>
+      <a:lightRig rig="threePt" dir="t"/>
+    </dgm:scene3d>
+    <dgm:sp3d/>
+    <dgm:txPr/>
+    <dgm:style>
+      <a:lnRef idx="0">
+        <a:scrgbClr r="0" g="0" b="0"/>
+      </a:lnRef>
+      <a:fillRef idx="3">
+        <a:scrgbClr r="0" g="0" b="0"/>
+      </a:fillRef>
+      <a:effectRef idx="3">
+        <a:scrgbClr r="0" g="0" b="0"/>
+      </a:effectRef>
+      <a:fontRef idx="minor">
+        <a:schemeClr val="lt1"/>
+      </a:fontRef>
+    </dgm:style>
+  </dgm:styleLbl>
+  <dgm:styleLbl name="node2">
+    <dgm:scene3d>
+      <a:camera prst="orthographicFront"/>
+      <a:lightRig rig="threePt" dir="t"/>
+    </dgm:scene3d>
+    <dgm:sp3d/>
+    <dgm:txPr/>
+    <dgm:style>
+      <a:lnRef idx="0">
+        <a:scrgbClr r="0" g="0" b="0"/>
+      </a:lnRef>
+      <a:fillRef idx="3">
+        <a:scrgbClr r="0" g="0" b="0"/>
+      </a:fillRef>
+      <a:effectRef idx="3">
+        <a:scrgbClr r="0" g="0" b="0"/>
+      </a:effectRef>
+      <a:fontRef idx="minor">
+        <a:schemeClr val="lt1"/>
+      </a:fontRef>
+    </dgm:style>
+  </dgm:styleLbl>
+  <dgm:styleLbl name="node3">
+    <dgm:scene3d>
+      <a:camera prst="orthographicFront"/>
+      <a:lightRig rig="threePt" dir="t"/>
+    </dgm:scene3d>
+    <dgm:sp3d/>
+    <dgm:txPr/>
+    <dgm:style>
+      <a:lnRef idx="0">
+        <a:scrgbClr r="0" g="0" b="0"/>
+      </a:lnRef>
+      <a:fillRef idx="3">
+        <a:scrgbClr r="0" g="0" b="0"/>
+      </a:fillRef>
+      <a:effectRef idx="3">
+        <a:scrgbClr r="0" g="0" b="0"/>
+      </a:effectRef>
+      <a:fontRef idx="minor">
+        <a:schemeClr val="lt1"/>
+      </a:fontRef>
+    </dgm:style>
+  </dgm:styleLbl>
+  <dgm:styleLbl name="node4">
+    <dgm:scene3d>
+      <a:camera prst="orthographicFront"/>
+      <a:lightRig rig="threePt" dir="t"/>
+    </dgm:scene3d>
+    <dgm:sp3d/>
+    <dgm:txPr/>
+    <dgm:style>
+      <a:lnRef idx="0">
+        <a:scrgbClr r="0" g="0" b="0"/>
+      </a:lnRef>
+      <a:fillRef idx="3">
+        <a:scrgbClr r="0" g="0" b="0"/>
+      </a:fillRef>
+      <a:effectRef idx="3">
+        <a:scrgbClr r="0" g="0" b="0"/>
+      </a:effectRef>
+      <a:fontRef idx="minor">
+        <a:schemeClr val="lt1"/>
+      </a:fontRef>
+    </dgm:style>
+  </dgm:styleLbl>
+  <dgm:styleLbl name="fgImgPlace1">
+    <dgm:scene3d>
+      <a:camera prst="orthographicFront"/>
+      <a:lightRig rig="threePt" dir="t"/>
+    </dgm:scene3d>
+    <dgm:sp3d/>
+    <dgm:txPr/>
+    <dgm:style>
+      <a:lnRef idx="0">
+        <a:scrgbClr r="0" g="0" b="0"/>
+      </a:lnRef>
+      <a:fillRef idx="1">
+        <a:scrgbClr r="0" g="0" b="0"/>
+      </a:fillRef>
+      <a:effectRef idx="3">
+        <a:scrgbClr r="0" g="0" b="0"/>
+      </a:effectRef>
+      <a:fontRef idx="minor"/>
+    </dgm:style>
+  </dgm:styleLbl>
+  <dgm:styleLbl name="alignImgPlace1">
+    <dgm:scene3d>
+      <a:camera prst="orthographicFront"/>
+      <a:lightRig rig="threePt" dir="t"/>
+    </dgm:scene3d>
+    <dgm:sp3d/>
+    <dgm:txPr/>
+    <dgm:style>
+      <a:lnRef idx="0">
+        <a:scrgbClr r="0" g="0" b="0"/>
+      </a:lnRef>
+      <a:fillRef idx="1">
+        <a:scrgbClr r="0" g="0" b="0"/>
+      </a:fillRef>
+      <a:effectRef idx="3">
+        <a:scrgbClr r="0" g="0" b="0"/>
+      </a:effectRef>
+      <a:fontRef idx="minor"/>
+    </dgm:style>
+  </dgm:styleLbl>
+  <dgm:styleLbl name="bgImgPlace1">
+    <dgm:scene3d>
+      <a:camera prst="orthographicFront"/>
+      <a:lightRig rig="threePt" dir="t"/>
+    </dgm:scene3d>
+    <dgm:sp3d/>
+    <dgm:txPr/>
+    <dgm:style>
+      <a:lnRef idx="0">
+        <a:scrgbClr r="0" g="0" b="0"/>
+      </a:lnRef>
+      <a:fillRef idx="1">
+        <a:scrgbClr r="0" g="0" b="0"/>
+      </a:fillRef>
+      <a:effectRef idx="3">
+        <a:scrgbClr r="0" g="0" b="0"/>
+      </a:effectRef>
+      <a:fontRef idx="minor"/>
+    </dgm:style>
+  </dgm:styleLbl>
+  <dgm:styleLbl name="sibTrans2D1">
+    <dgm:scene3d>
+      <a:camera prst="orthographicFront"/>
+      <a:lightRig rig="threePt" dir="t"/>
+    </dgm:scene3d>
+    <dgm:sp3d/>
+    <dgm:txPr/>
+    <dgm:style>
+      <a:lnRef idx="0">
+        <a:scrgbClr r="0" g="0" b="0"/>
+      </a:lnRef>
+      <a:fillRef idx="3">
+        <a:scrgbClr r="0" g="0" b="0"/>
+      </a:fillRef>
+      <a:effectRef idx="3">
+        <a:scrgbClr r="0" g="0" b="0"/>
+      </a:effectRef>
+      <a:fontRef idx="minor">
+        <a:schemeClr val="lt1"/>
+      </a:fontRef>
+    </dgm:style>
+  </dgm:styleLbl>
+  <dgm:styleLbl name="fgSibTrans2D1">
+    <dgm:scene3d>
+      <a:camera prst="orthographicFront"/>
+      <a:lightRig rig="threePt" dir="t"/>
+    </dgm:scene3d>
+    <dgm:sp3d/>
+    <dgm:txPr/>
+    <dgm:style>
+      <a:lnRef idx="0">
+        <a:scrgbClr r="0" g="0" b="0"/>
+      </a:lnRef>
+      <a:fillRef idx="3">
+        <a:scrgbClr r="0" g="0" b="0"/>
+      </a:fillRef>
+      <a:effectRef idx="3">
+        <a:scrgbClr r="0" g="0" b="0"/>
+      </a:effectRef>
+      <a:fontRef idx="minor">
+        <a:schemeClr val="lt1"/>
+      </a:fontRef>
+    </dgm:style>
+  </dgm:styleLbl>
+  <dgm:styleLbl name="bgSibTrans2D1">
+    <dgm:scene3d>
+      <a:camera prst="orthographicFront"/>
+      <a:lightRig rig="threePt" dir="t"/>
+    </dgm:scene3d>
+    <dgm:sp3d/>
+    <dgm:txPr/>
+    <dgm:style>
+      <a:lnRef idx="0">
+        <a:scrgbClr r="0" g="0" b="0"/>
+      </a:lnRef>
+      <a:fillRef idx="3">
+        <a:scrgbClr r="0" g="0" b="0"/>
+      </a:fillRef>
+      <a:effectRef idx="3">
+        <a:scrgbClr r="0" g="0" b="0"/>
+      </a:effectRef>
+      <a:fontRef idx="minor">
+        <a:schemeClr val="lt1"/>
+      </a:fontRef>
+    </dgm:style>
+  </dgm:styleLbl>
+  <dgm:styleLbl name="sibTrans1D1">
+    <dgm:scene3d>
+      <a:camera prst="orthographicFront"/>
+      <a:lightRig rig="threePt" dir="t"/>
+    </dgm:scene3d>
+    <dgm:sp3d/>
+    <dgm:txPr/>
+    <dgm:style>
+      <a:lnRef idx="1">
+        <a:scrgbClr r="0" g="0" b="0"/>
+      </a:lnRef>
+      <a:fillRef idx="0">
+        <a:scrgbClr r="0" g="0" b="0"/>
+      </a:fillRef>
+      <a:effectRef idx="0">
+        <a:scrgbClr r="0" g="0" b="0"/>
+      </a:effectRef>
+      <a:fontRef idx="minor"/>
+    </dgm:style>
+  </dgm:styleLbl>
+  <dgm:styleLbl name="callout">
+    <dgm:scene3d>
+      <a:camera prst="orthographicFront"/>
+      <a:lightRig rig="threePt" dir="t"/>
+    </dgm:scene3d>
+    <dgm:sp3d/>
+    <dgm:txPr/>
+    <dgm:style>
+      <a:lnRef idx="1">
+        <a:scrgbClr r="0" g="0" b="0"/>
+      </a:lnRef>
+      <a:fillRef idx="0">
+        <a:scrgbClr r="0" g="0" b="0"/>
+      </a:fillRef>
+      <a:effectRef idx="1">
+        <a:scrgbClr r="0" g="0" b="0"/>
+      </a:effectRef>
+      <a:fontRef idx="minor"/>
+    </dgm:style>
+  </dgm:styleLbl>
+  <dgm:styleLbl name="asst0">
+    <dgm:scene3d>
+      <a:camera prst="orthographicFront"/>
+      <a:lightRig rig="threePt" dir="t"/>
+    </dgm:scene3d>
+    <dgm:sp3d/>
+    <dgm:txPr/>
+    <dgm:style>
+      <a:lnRef idx="0">
+        <a:scrgbClr r="0" g="0" b="0"/>
+      </a:lnRef>
+      <a:fillRef idx="3">
+        <a:scrgbClr r="0" g="0" b="0"/>
+      </a:fillRef>
+      <a:effectRef idx="3">
+        <a:scrgbClr r="0" g="0" b="0"/>
+      </a:effectRef>
+      <a:fontRef idx="minor">
+        <a:schemeClr val="lt1"/>
+      </a:fontRef>
+    </dgm:style>
+  </dgm:styleLbl>
+  <dgm:styleLbl name="asst1">
+    <dgm:scene3d>
+      <a:camera prst="orthographicFront"/>
+      <a:lightRig rig="threePt" dir="t"/>
+    </dgm:scene3d>
+    <dgm:sp3d/>
+    <dgm:txPr/>
+    <dgm:style>
+      <a:lnRef idx="0">
+        <a:scrgbClr r="0" g="0" b="0"/>
+      </a:lnRef>
+      <a:fillRef idx="3">
+        <a:scrgbClr r="0" g="0" b="0"/>
+      </a:fillRef>
+      <a:effectRef idx="3">
+        <a:scrgbClr r="0" g="0" b="0"/>
+      </a:effectRef>
+      <a:fontRef idx="minor">
+        <a:schemeClr val="lt1"/>
+      </a:fontRef>
+    </dgm:style>
+  </dgm:styleLbl>
+  <dgm:styleLbl name="asst2">
+    <dgm:scene3d>
+      <a:camera prst="orthographicFront"/>
+      <a:lightRig rig="threePt" dir="t"/>
+    </dgm:scene3d>
+    <dgm:sp3d/>
+    <dgm:txPr/>
+    <dgm:style>
+      <a:lnRef idx="0">
+        <a:scrgbClr r="0" g="0" b="0"/>
+      </a:lnRef>
+      <a:fillRef idx="3">
+        <a:scrgbClr r="0" g="0" b="0"/>
+      </a:fillRef>
+      <a:effectRef idx="3">
+        <a:scrgbClr r="0" g="0" b="0"/>
+      </a:effectRef>
+      <a:fontRef idx="minor">
+        <a:schemeClr val="lt1"/>
+      </a:fontRef>
+    </dgm:style>
+  </dgm:styleLbl>
+  <dgm:styleLbl name="asst3">
+    <dgm:scene3d>
+      <a:camera prst="orthographicFront"/>
+      <a:lightRig rig="threePt" dir="t"/>
+    </dgm:scene3d>
+    <dgm:sp3d/>
+    <dgm:txPr/>
+    <dgm:style>
+      <a:lnRef idx="0">
+        <a:scrgbClr r="0" g="0" b="0"/>
+      </a:lnRef>
+      <a:fillRef idx="3">
+        <a:scrgbClr r="0" g="0" b="0"/>
+      </a:fillRef>
+      <a:effectRef idx="3">
+        <a:scrgbClr r="0" g="0" b="0"/>
+      </a:effectRef>
+      <a:fontRef idx="minor">
+        <a:schemeClr val="lt1"/>
+      </a:fontRef>
+    </dgm:style>
+  </dgm:styleLbl>
+  <dgm:styleLbl name="asst4">
+    <dgm:scene3d>
+      <a:camera prst="orthographicFront"/>
+      <a:lightRig rig="threePt" dir="t"/>
+    </dgm:scene3d>
+    <dgm:sp3d/>
+    <dgm:txPr/>
+    <dgm:style>
+      <a:lnRef idx="0">
+        <a:scrgbClr r="0" g="0" b="0"/>
+      </a:lnRef>
+      <a:fillRef idx="3">
+        <a:scrgbClr r="0" g="0" b="0"/>
+      </a:fillRef>
+      <a:effectRef idx="3">
+        <a:scrgbClr r="0" g="0" b="0"/>
+      </a:effectRef>
+      <a:fontRef idx="minor">
+        <a:schemeClr val="lt1"/>
+      </a:fontRef>
+    </dgm:style>
+  </dgm:styleLbl>
+  <dgm:styleLbl name="parChTrans2D1">
+    <dgm:scene3d>
+      <a:camera prst="orthographicFront"/>
+      <a:lightRig rig="threePt" dir="t"/>
+    </dgm:scene3d>
+    <dgm:sp3d/>
+    <dgm:txPr/>
+    <dgm:style>
+      <a:lnRef idx="0">
+        <a:scrgbClr r="0" g="0" b="0"/>
+      </a:lnRef>
+      <a:fillRef idx="3">
+        <a:scrgbClr r="0" g="0" b="0"/>
+      </a:fillRef>
+      <a:effectRef idx="3">
+        <a:scrgbClr r="0" g="0" b="0"/>
+      </a:effectRef>
+      <a:fontRef idx="minor">
+        <a:schemeClr val="lt1"/>
+      </a:fontRef>
+    </dgm:style>
+  </dgm:styleLbl>
+  <dgm:styleLbl name="parChTrans2D2">
+    <dgm:scene3d>
+      <a:camera prst="orthographicFront"/>
+      <a:lightRig rig="threePt" dir="t"/>
+    </dgm:scene3d>
+    <dgm:sp3d/>
+    <dgm:txPr/>
+    <dgm:style>
+      <a:lnRef idx="0">
+        <a:scrgbClr r="0" g="0" b="0"/>
+      </a:lnRef>
+      <a:fillRef idx="3">
+        <a:scrgbClr r="0" g="0" b="0"/>
+      </a:fillRef>
+      <a:effectRef idx="3">
+        <a:scrgbClr r="0" g="0" b="0"/>
+      </a:effectRef>
+      <a:fontRef idx="minor">
+        <a:schemeClr val="lt1"/>
+      </a:fontRef>
+    </dgm:style>
+  </dgm:styleLbl>
+  <dgm:styleLbl name="parChTrans2D3">
+    <dgm:scene3d>
+      <a:camera prst="orthographicFront"/>
+      <a:lightRig rig="threePt" dir="t"/>
+    </dgm:scene3d>
+    <dgm:sp3d/>
+    <dgm:txPr/>
+    <dgm:style>
+      <a:lnRef idx="0">
+        <a:scrgbClr r="0" g="0" b="0"/>
+      </a:lnRef>
+      <a:fillRef idx="3">
+        <a:scrgbClr r="0" g="0" b="0"/>
+      </a:fillRef>
+      <a:effectRef idx="3">
+        <a:scrgbClr r="0" g="0" b="0"/>
+      </a:effectRef>
+      <a:fontRef idx="minor">
+        <a:schemeClr val="lt1"/>
+      </a:fontRef>
+    </dgm:style>
+  </dgm:styleLbl>
+  <dgm:styleLbl name="parChTrans2D4">
+    <dgm:scene3d>
+      <a:camera prst="orthographicFront"/>
+      <a:lightRig rig="threePt" dir="t"/>
+    </dgm:scene3d>
+    <dgm:sp3d/>
+    <dgm:txPr/>
+    <dgm:style>
+      <a:lnRef idx="0">
+        <a:scrgbClr r="0" g="0" b="0"/>
+      </a:lnRef>
+      <a:fillRef idx="3">
+        <a:scrgbClr r="0" g="0" b="0"/>
+      </a:fillRef>
+      <a:effectRef idx="3">
+        <a:scrgbClr r="0" g="0" b="0"/>
+      </a:effectRef>
+      <a:fontRef idx="minor">
+        <a:schemeClr val="lt1"/>
+      </a:fontRef>
+    </dgm:style>
+  </dgm:styleLbl>
+  <dgm:styleLbl name="parChTrans1D1">
+    <dgm:scene3d>
+      <a:camera prst="orthographicFront"/>
+      <a:lightRig rig="threePt" dir="t"/>
+    </dgm:scene3d>
+    <dgm:sp3d/>
+    <dgm:txPr/>
+    <dgm:style>
+      <a:lnRef idx="2">
+        <a:scrgbClr r="0" g="0" b="0"/>
+      </a:lnRef>
+      <a:fillRef idx="0">
+        <a:scrgbClr r="0" g="0" b="0"/>
+      </a:fillRef>
+      <a:effectRef idx="0">
+        <a:scrgbClr r="0" g="0" b="0"/>
+      </a:effectRef>
+      <a:fontRef idx="minor"/>
+    </dgm:style>
+  </dgm:styleLbl>
+  <dgm:styleLbl name="parChTrans1D2">
+    <dgm:scene3d>
+      <a:camera prst="orthographicFront"/>
+      <a:lightRig rig="threePt" dir="t"/>
+    </dgm:scene3d>
+    <dgm:sp3d/>
+    <dgm:txPr/>
+    <dgm:style>
+      <a:lnRef idx="2">
+        <a:scrgbClr r="0" g="0" b="0"/>
+      </a:lnRef>
+      <a:fillRef idx="0">
+        <a:scrgbClr r="0" g="0" b="0"/>
+      </a:fillRef>
+      <a:effectRef idx="0">
+        <a:scrgbClr r="0" g="0" b="0"/>
+      </a:effectRef>
+      <a:fontRef idx="minor"/>
+    </dgm:style>
+  </dgm:styleLbl>
+  <dgm:styleLbl name="parChTrans1D3">
+    <dgm:scene3d>
+      <a:camera prst="orthographicFront"/>
+      <a:lightRig rig="threePt" dir="t"/>
+    </dgm:scene3d>
+    <dgm:sp3d/>
+    <dgm:txPr/>
+    <dgm:style>
+      <a:lnRef idx="2">
+        <a:scrgbClr r="0" g="0" b="0"/>
+      </a:lnRef>
+      <a:fillRef idx="0">
+        <a:scrgbClr r="0" g="0" b="0"/>
+      </a:fillRef>
+      <a:effectRef idx="0">
+        <a:scrgbClr r="0" g="0" b="0"/>
+      </a:effectRef>
+      <a:fontRef idx="minor"/>
+    </dgm:style>
+  </dgm:styleLbl>
+  <dgm:styleLbl name="parChTrans1D4">
+    <dgm:scene3d>
+      <a:camera prst="orthographicFront"/>
+      <a:lightRig rig="threePt" dir="t"/>
+    </dgm:scene3d>
+    <dgm:sp3d/>
+    <dgm:txPr/>
+    <dgm:style>
+      <a:lnRef idx="2">
+        <a:scrgbClr r="0" g="0" b="0"/>
+      </a:lnRef>
+      <a:fillRef idx="0">
+        <a:scrgbClr r="0" g="0" b="0"/>
+      </a:fillRef>
+      <a:effectRef idx="0">
+        <a:scrgbClr r="0" g="0" b="0"/>
+      </a:effectRef>
+      <a:fontRef idx="minor"/>
+    </dgm:style>
+  </dgm:styleLbl>
+  <dgm:styleLbl name="fgAcc1">
+    <dgm:scene3d>
+      <a:camera prst="orthographicFront"/>
+      <a:lightRig rig="threePt" dir="t"/>
+    </dgm:scene3d>
+    <dgm:sp3d/>
+    <dgm:txPr/>
+    <dgm:style>
+      <a:lnRef idx="1">
+        <a:scrgbClr r="0" g="0" b="0"/>
+      </a:lnRef>
+      <a:fillRef idx="1">
+        <a:scrgbClr r="0" g="0" b="0"/>
+      </a:fillRef>
+      <a:effectRef idx="2">
+        <a:scrgbClr r="0" g="0" b="0"/>
+      </a:effectRef>
+      <a:fontRef idx="minor"/>
+    </dgm:style>
+  </dgm:styleLbl>
+  <dgm:styleLbl name="conFgAcc1">
+    <dgm:scene3d>
+      <a:camera prst="orthographicFront"/>
+      <a:lightRig rig="threePt" dir="t"/>
+    </dgm:scene3d>
+    <dgm:sp3d/>
+    <dgm:txPr/>
+    <dgm:style>
+      <a:lnRef idx="1">
+        <a:scrgbClr r="0" g="0" b="0"/>
+      </a:lnRef>
+      <a:fillRef idx="1">
+        <a:scrgbClr r="0" g="0" b="0"/>
+      </a:fillRef>
+      <a:effectRef idx="2">
+        <a:scrgbClr r="0" g="0" b="0"/>
+      </a:effectRef>
+      <a:fontRef idx="minor"/>
+    </dgm:style>
+  </dgm:styleLbl>
+  <dgm:styleLbl name="alignAcc1">
+    <dgm:scene3d>
+      <a:camera prst="orthographicFront"/>
+      <a:lightRig rig="threePt" dir="t"/>
+    </dgm:scene3d>
+    <dgm:sp3d/>
+    <dgm:txPr/>
+    <dgm:style>
+      <a:lnRef idx="1">
+        <a:scrgbClr r="0" g="0" b="0"/>
+      </a:lnRef>
+      <a:fillRef idx="1">
+        <a:scrgbClr r="0" g="0" b="0"/>
+      </a:fillRef>
+      <a:effectRef idx="2">
+        <a:scrgbClr r="0" g="0" b="0"/>
+      </a:effectRef>
+      <a:fontRef idx="minor"/>
+    </dgm:style>
+  </dgm:styleLbl>
+  <dgm:styleLbl name="trAlignAcc1">
+    <dgm:scene3d>
+      <a:camera prst="orthographicFront"/>
+      <a:lightRig rig="threePt" dir="t"/>
+    </dgm:scene3d>
+    <dgm:sp3d/>
+    <dgm:txPr/>
+    <dgm:style>
+      <a:lnRef idx="1">
+        <a:scrgbClr r="0" g="0" b="0"/>
+      </a:lnRef>
+      <a:fillRef idx="1">
+        <a:scrgbClr r="0" g="0" b="0"/>
+      </a:fillRef>
+      <a:effectRef idx="0">
+        <a:scrgbClr r="0" g="0" b="0"/>
+      </a:effectRef>
+      <a:fontRef idx="minor"/>
+    </dgm:style>
+  </dgm:styleLbl>
+  <dgm:styleLbl name="bgAcc1">
+    <dgm:scene3d>
+      <a:camera prst="orthographicFront"/>
+      <a:lightRig rig="threePt" dir="t"/>
+    </dgm:scene3d>
+    <dgm:sp3d/>
+    <dgm:txPr/>
+    <dgm:style>
+      <a:lnRef idx="1">
+        <a:scrgbClr r="0" g="0" b="0"/>
+      </a:lnRef>
+      <a:fillRef idx="1">
+        <a:scrgbClr r="0" g="0" b="0"/>
+      </a:fillRef>
+      <a:effectRef idx="2">
+        <a:scrgbClr r="0" g="0" b="0"/>
+      </a:effectRef>
+      <a:fontRef idx="minor"/>
+    </dgm:style>
+  </dgm:styleLbl>
+  <dgm:styleLbl name="solidFgAcc1">
+    <dgm:scene3d>
+      <a:camera prst="orthographicFront"/>
+      <a:lightRig rig="threePt" dir="t"/>
+    </dgm:scene3d>
+    <dgm:sp3d/>
+    <dgm:txPr/>
+    <dgm:style>
+      <a:lnRef idx="1">
+        <a:scrgbClr r="0" g="0" b="0"/>
+      </a:lnRef>
+      <a:fillRef idx="1">
+        <a:scrgbClr r="0" g="0" b="0"/>
+      </a:fillRef>
+      <a:effectRef idx="2">
+        <a:scrgbClr r="0" g="0" b="0"/>
+      </a:effectRef>
+      <a:fontRef idx="minor"/>
+    </dgm:style>
+  </dgm:styleLbl>
+  <dgm:styleLbl name="solidAlignAcc1">
+    <dgm:scene3d>
+      <a:camera prst="orthographicFront"/>
+      <a:lightRig rig="threePt" dir="t"/>
+    </dgm:scene3d>
+    <dgm:sp3d/>
+    <dgm:txPr/>
+    <dgm:style>
+      <a:lnRef idx="1">
+        <a:scrgbClr r="0" g="0" b="0"/>
+      </a:lnRef>
+      <a:fillRef idx="1">
+        <a:scrgbClr r="0" g="0" b="0"/>
+      </a:fillRef>
+      <a:effectRef idx="3">
+        <a:scrgbClr r="0" g="0" b="0"/>
+      </a:effectRef>
+      <a:fontRef idx="minor"/>
+    </dgm:style>
+  </dgm:styleLbl>
+  <dgm:styleLbl name="solidBgAcc1">
+    <dgm:scene3d>
+      <a:camera prst="orthographicFront"/>
+      <a:lightRig rig="threePt" dir="t"/>
+    </dgm:scene3d>
+    <dgm:sp3d/>
+    <dgm:txPr/>
+    <dgm:style>
+      <a:lnRef idx="1">
+        <a:scrgbClr r="0" g="0" b="0"/>
+      </a:lnRef>
+      <a:fillRef idx="1">
+        <a:scrgbClr r="0" g="0" b="0"/>
+      </a:fillRef>
+      <a:effectRef idx="3">
+        <a:scrgbClr r="0" g="0" b="0"/>
+      </a:effectRef>
+      <a:fontRef idx="minor"/>
+    </dgm:style>
+  </dgm:styleLbl>
+  <dgm:styleLbl name="fgAccFollowNode1">
+    <dgm:scene3d>
+      <a:camera prst="orthographicFront"/>
+      <a:lightRig rig="threePt" dir="t"/>
+    </dgm:scene3d>
+    <dgm:sp3d/>
+    <dgm:txPr/>
+    <dgm:style>
+      <a:lnRef idx="1">
+        <a:scrgbClr r="0" g="0" b="0"/>
+      </a:lnRef>
+      <a:fillRef idx="1">
+        <a:scrgbClr r="0" g="0" b="0"/>
+      </a:fillRef>
+      <a:effectRef idx="2">
+        <a:scrgbClr r="0" g="0" b="0"/>
+      </a:effectRef>
+      <a:fontRef idx="minor"/>
+    </dgm:style>
+  </dgm:styleLbl>
+  <dgm:styleLbl name="alignAccFollowNode1">
+    <dgm:scene3d>
+      <a:camera prst="orthographicFront"/>
+      <a:lightRig rig="threePt" dir="t"/>
+    </dgm:scene3d>
+    <dgm:sp3d/>
+    <dgm:txPr/>
+    <dgm:style>
+      <a:lnRef idx="1">
+        <a:scrgbClr r="0" g="0" b="0"/>
+      </a:lnRef>
+      <a:fillRef idx="1">
+        <a:scrgbClr r="0" g="0" b="0"/>
+      </a:fillRef>
+      <a:effectRef idx="2">
+        <a:scrgbClr r="0" g="0" b="0"/>
+      </a:effectRef>
+      <a:fontRef idx="minor"/>
+    </dgm:style>
+  </dgm:styleLbl>
+  <dgm:styleLbl name="bgAccFollowNode1">
+    <dgm:scene3d>
+      <a:camera prst="orthographicFront"/>
+      <a:lightRig rig="threePt" dir="t"/>
+    </dgm:scene3d>
+    <dgm:sp3d/>
+    <dgm:txPr/>
+    <dgm:style>
+      <a:lnRef idx="1">
+        <a:scrgbClr r="0" g="0" b="0"/>
+      </a:lnRef>
+      <a:fillRef idx="1">
+        <a:scrgbClr r="0" g="0" b="0"/>
+      </a:fillRef>
+      <a:effectRef idx="2">
+        <a:scrgbClr r="0" g="0" b="0"/>
+      </a:effectRef>
+      <a:fontRef idx="minor"/>
+    </dgm:style>
+  </dgm:styleLbl>
+  <dgm:styleLbl name="fgAcc0">
+    <dgm:scene3d>
+      <a:camera prst="orthographicFront"/>
+      <a:lightRig rig="threePt" dir="t"/>
+    </dgm:scene3d>
+    <dgm:sp3d/>
+    <dgm:txPr/>
+    <dgm:style>
+      <a:lnRef idx="1">
+        <a:scrgbClr r="0" g="0" b="0"/>
+      </a:lnRef>
+      <a:fillRef idx="1">
+        <a:scrgbClr r="0" g="0" b="0"/>
+      </a:fillRef>
+      <a:effectRef idx="2">
+        <a:scrgbClr r="0" g="0" b="0"/>
+      </a:effectRef>
+      <a:fontRef idx="minor"/>
+    </dgm:style>
+  </dgm:styleLbl>
+  <dgm:styleLbl name="fgAcc2">
+    <dgm:scene3d>
+      <a:camera prst="orthographicFront"/>
+      <a:lightRig rig="threePt" dir="t"/>
+    </dgm:scene3d>
+    <dgm:sp3d/>
+    <dgm:txPr/>
+    <dgm:style>
+      <a:lnRef idx="1">
+        <a:scrgbClr r="0" g="0" b="0"/>
+      </a:lnRef>
+      <a:fillRef idx="1">
+        <a:scrgbClr r="0" g="0" b="0"/>
+      </a:fillRef>
+      <a:effectRef idx="2">
+        <a:scrgbClr r="0" g="0" b="0"/>
+      </a:effectRef>
+      <a:fontRef idx="minor"/>
+    </dgm:style>
+  </dgm:styleLbl>
+  <dgm:styleLbl name="fgAcc3">
+    <dgm:scene3d>
+      <a:camera prst="orthographicFront"/>
+      <a:lightRig rig="threePt" dir="t"/>
+    </dgm:scene3d>
+    <dgm:sp3d/>
+    <dgm:txPr/>
+    <dgm:style>
+      <a:lnRef idx="1">
+        <a:scrgbClr r="0" g="0" b="0"/>
+      </a:lnRef>
+      <a:fillRef idx="1">
+        <a:scrgbClr r="0" g="0" b="0"/>
+      </a:fillRef>
+      <a:effectRef idx="2">
+        <a:scrgbClr r="0" g="0" b="0"/>
+      </a:effectRef>
+      <a:fontRef idx="minor"/>
+    </dgm:style>
+  </dgm:styleLbl>
+  <dgm:styleLbl name="fgAcc4">
+    <dgm:scene3d>
+      <a:camera prst="orthographicFront"/>
+      <a:lightRig rig="threePt" dir="t"/>
+    </dgm:scene3d>
+    <dgm:sp3d/>
+    <dgm:txPr/>
+    <dgm:style>
+      <a:lnRef idx="1">
+        <a:scrgbClr r="0" g="0" b="0"/>
+      </a:lnRef>
+      <a:fillRef idx="1">
+        <a:scrgbClr r="0" g="0" b="0"/>
+      </a:fillRef>
+      <a:effectRef idx="2">
+        <a:scrgbClr r="0" g="0" b="0"/>
+      </a:effectRef>
+      <a:fontRef idx="minor"/>
+    </dgm:style>
+  </dgm:styleLbl>
+  <dgm:styleLbl name="bgShp">
+    <dgm:scene3d>
+      <a:camera prst="orthographicFront"/>
+      <a:lightRig rig="threePt" dir="t"/>
+    </dgm:scene3d>
+    <dgm:sp3d/>
+    <dgm:txPr/>
+    <dgm:style>
+      <a:lnRef idx="0">
+        <a:scrgbClr r="0" g="0" b="0"/>
+      </a:lnRef>
+      <a:fillRef idx="1">
+        <a:scrgbClr r="0" g="0" b="0"/>
+      </a:fillRef>
+      <a:effectRef idx="2">
+        <a:scrgbClr r="0" g="0" b="0"/>
+      </a:effectRef>
+      <a:fontRef idx="minor"/>
+    </dgm:style>
+  </dgm:styleLbl>
+  <dgm:styleLbl name="dkBgShp">
+    <dgm:scene3d>
+      <a:camera prst="orthographicFront"/>
+      <a:lightRig rig="threePt" dir="t"/>
+    </dgm:scene3d>
+    <dgm:sp3d/>
+    <dgm:txPr/>
+    <dgm:style>
+      <a:lnRef idx="0">
+        <a:scrgbClr r="0" g="0" b="0"/>
+      </a:lnRef>
+      <a:fillRef idx="1">
+        <a:scrgbClr r="0" g="0" b="0"/>
+      </a:fillRef>
+      <a:effectRef idx="3">
+        <a:scrgbClr r="0" g="0" b="0"/>
+      </a:effectRef>
+      <a:fontRef idx="minor"/>
+    </dgm:style>
+  </dgm:styleLbl>
+  <dgm:styleLbl name="trBgShp">
+    <dgm:scene3d>
+      <a:camera prst="orthographicFront"/>
+      <a:lightRig rig="threePt" dir="t"/>
+    </dgm:scene3d>
+    <dgm:sp3d/>
+    <dgm:txPr/>
+    <dgm:style>
+      <a:lnRef idx="0">
+        <a:scrgbClr r="0" g="0" b="0"/>
+      </a:lnRef>
+      <a:fillRef idx="1">
+        <a:scrgbClr r="0" g="0" b="0"/>
+      </a:fillRef>
+      <a:effectRef idx="0">
+        <a:scrgbClr r="0" g="0" b="0"/>
+      </a:effectRef>
+      <a:fontRef idx="minor"/>
+    </dgm:style>
+  </dgm:styleLbl>
+  <dgm:styleLbl name="fgShp">
+    <dgm:scene3d>
+      <a:camera prst="orthographicFront"/>
+      <a:lightRig rig="threePt" dir="t"/>
+    </dgm:scene3d>
+    <dgm:sp3d/>
+    <dgm:txPr/>
+    <dgm:style>
+      <a:lnRef idx="0">
+        <a:scrgbClr r="0" g="0" b="0"/>
+      </a:lnRef>
+      <a:fillRef idx="3">
+        <a:scrgbClr r="0" g="0" b="0"/>
+      </a:fillRef>
+      <a:effectRef idx="3">
+        <a:scrgbClr r="0" g="0" b="0"/>
+      </a:effectRef>
+      <a:fontRef idx="minor"/>
+    </dgm:style>
+  </dgm:styleLbl>
+  <dgm:styleLbl name="revTx">
+    <dgm:scene3d>
+      <a:camera prst="orthographicFront"/>
+      <a:lightRig rig="threePt" dir="t"/>
+    </dgm:scene3d>
+    <dgm:sp3d/>
+    <dgm:txPr/>
+    <dgm:style>
+      <a:lnRef idx="0">
+        <a:scrgbClr r="0" g="0" b="0"/>
+      </a:lnRef>
+      <a:fillRef idx="0">
+        <a:scrgbClr r="0" g="0" b="0"/>
+      </a:fillRef>
+      <a:effectRef idx="0">
+        <a:scrgbClr r="0" g="0" b="0"/>
+      </a:effectRef>
+      <a:fontRef idx="minor"/>
+    </dgm:style>
+  </dgm:styleLbl>
+</dgm:styleDef>
+</file>
+
 <file path=ppt/diagrams/quickStyle2.xml><?xml version="1.0" encoding="utf-8"?>
 <dgm:styleDef xmlns:dgm="http://schemas.openxmlformats.org/drawingml/2006/diagram" xmlns:a="http://schemas.openxmlformats.org/drawingml/2006/main" uniqueId="urn:microsoft.com/office/officeart/2005/8/quickstyle/3d9">
   <dgm:title val=""/>
@@ -31506,7 +35553,7 @@
           <a:p>
             <a:fld id="{DAE76C1B-83F1-4715-B1BF-5B63C3EA389F}" type="datetimeFigureOut">
               <a:rPr lang="de-DE" smtClean="0"/>
-              <a:t>05.07.2018</a:t>
+              <a:t>06.07.2018</a:t>
             </a:fld>
             <a:endParaRPr lang="de-DE"/>
           </a:p>
@@ -31676,7 +35723,7 @@
           <a:p>
             <a:fld id="{DAE76C1B-83F1-4715-B1BF-5B63C3EA389F}" type="datetimeFigureOut">
               <a:rPr lang="de-DE" smtClean="0"/>
-              <a:t>05.07.2018</a:t>
+              <a:t>06.07.2018</a:t>
             </a:fld>
             <a:endParaRPr lang="de-DE"/>
           </a:p>
@@ -31856,7 +35903,7 @@
           <a:p>
             <a:fld id="{DAE76C1B-83F1-4715-B1BF-5B63C3EA389F}" type="datetimeFigureOut">
               <a:rPr lang="de-DE" smtClean="0"/>
-              <a:t>05.07.2018</a:t>
+              <a:t>06.07.2018</a:t>
             </a:fld>
             <a:endParaRPr lang="de-DE"/>
           </a:p>
@@ -32026,7 +36073,7 @@
           <a:p>
             <a:fld id="{DAE76C1B-83F1-4715-B1BF-5B63C3EA389F}" type="datetimeFigureOut">
               <a:rPr lang="de-DE" smtClean="0"/>
-              <a:t>05.07.2018</a:t>
+              <a:t>06.07.2018</a:t>
             </a:fld>
             <a:endParaRPr lang="de-DE"/>
           </a:p>
@@ -32272,7 +36319,7 @@
           <a:p>
             <a:fld id="{DAE76C1B-83F1-4715-B1BF-5B63C3EA389F}" type="datetimeFigureOut">
               <a:rPr lang="de-DE" smtClean="0"/>
-              <a:t>05.07.2018</a:t>
+              <a:t>06.07.2018</a:t>
             </a:fld>
             <a:endParaRPr lang="de-DE"/>
           </a:p>
@@ -32504,7 +36551,7 @@
           <a:p>
             <a:fld id="{DAE76C1B-83F1-4715-B1BF-5B63C3EA389F}" type="datetimeFigureOut">
               <a:rPr lang="de-DE" smtClean="0"/>
-              <a:t>05.07.2018</a:t>
+              <a:t>06.07.2018</a:t>
             </a:fld>
             <a:endParaRPr lang="de-DE"/>
           </a:p>
@@ -32871,7 +36918,7 @@
           <a:p>
             <a:fld id="{DAE76C1B-83F1-4715-B1BF-5B63C3EA389F}" type="datetimeFigureOut">
               <a:rPr lang="de-DE" smtClean="0"/>
-              <a:t>05.07.2018</a:t>
+              <a:t>06.07.2018</a:t>
             </a:fld>
             <a:endParaRPr lang="de-DE"/>
           </a:p>
@@ -32989,7 +37036,7 @@
           <a:p>
             <a:fld id="{DAE76C1B-83F1-4715-B1BF-5B63C3EA389F}" type="datetimeFigureOut">
               <a:rPr lang="de-DE" smtClean="0"/>
-              <a:t>05.07.2018</a:t>
+              <a:t>06.07.2018</a:t>
             </a:fld>
             <a:endParaRPr lang="de-DE"/>
           </a:p>
@@ -33084,7 +37131,7 @@
           <a:p>
             <a:fld id="{DAE76C1B-83F1-4715-B1BF-5B63C3EA389F}" type="datetimeFigureOut">
               <a:rPr lang="de-DE" smtClean="0"/>
-              <a:t>05.07.2018</a:t>
+              <a:t>06.07.2018</a:t>
             </a:fld>
             <a:endParaRPr lang="de-DE"/>
           </a:p>
@@ -33361,7 +37408,7 @@
           <a:p>
             <a:fld id="{DAE76C1B-83F1-4715-B1BF-5B63C3EA389F}" type="datetimeFigureOut">
               <a:rPr lang="de-DE" smtClean="0"/>
-              <a:t>05.07.2018</a:t>
+              <a:t>06.07.2018</a:t>
             </a:fld>
             <a:endParaRPr lang="de-DE"/>
           </a:p>
@@ -33614,7 +37661,7 @@
           <a:p>
             <a:fld id="{DAE76C1B-83F1-4715-B1BF-5B63C3EA389F}" type="datetimeFigureOut">
               <a:rPr lang="de-DE" smtClean="0"/>
-              <a:t>05.07.2018</a:t>
+              <a:t>06.07.2018</a:t>
             </a:fld>
             <a:endParaRPr lang="de-DE"/>
           </a:p>
@@ -33827,7 +37874,7 @@
           <a:p>
             <a:fld id="{DAE76C1B-83F1-4715-B1BF-5B63C3EA389F}" type="datetimeFigureOut">
               <a:rPr lang="de-DE" smtClean="0"/>
-              <a:t>05.07.2018</a:t>
+              <a:t>06.07.2018</a:t>
             </a:fld>
             <a:endParaRPr lang="de-DE"/>
           </a:p>
@@ -45253,19 +49300,7 @@
                           <a:ea typeface="+mn-ea"/>
                           <a:cs typeface="+mn-cs"/>
                         </a:rPr>
-                        <a:t>FDL (</a:t>
-                      </a:r>
-                      <a:r>
-                        <a:rPr lang="de-DE" sz="1800" b="1" i="0" kern="1200" dirty="0" err="1" smtClean="0">
-                          <a:solidFill>
-                            <a:schemeClr val="dk1"/>
-                          </a:solidFill>
-                          <a:effectLst/>
-                          <a:latin typeface="+mn-lt"/>
-                          <a:ea typeface="+mn-ea"/>
-                          <a:cs typeface="+mn-cs"/>
-                        </a:rPr>
-                        <a:t>Fieldbus</a:t>
+                        <a:t>FDL (Fieldbus</a:t>
                       </a:r>
                       <a:r>
                         <a:rPr lang="de-DE" sz="1800" b="1" i="0" kern="1200" baseline="0" dirty="0" smtClean="0">
@@ -48331,6 +52366,378 @@
           <a:chExt cx="0" cy="0"/>
         </a:xfrm>
       </p:grpSpPr>
+      <p:graphicFrame>
+        <p:nvGraphicFramePr>
+          <p:cNvPr id="2" name="Diagramm 1"/>
+          <p:cNvGraphicFramePr/>
+          <p:nvPr>
+            <p:extLst>
+              <p:ext uri="{D42A27DB-BD31-4B8C-83A1-F6EECF244321}">
+                <p14:modId xmlns:p14="http://schemas.microsoft.com/office/powerpoint/2010/main" val="2982446822"/>
+              </p:ext>
+            </p:extLst>
+          </p:nvPr>
+        </p:nvGraphicFramePr>
+        <p:xfrm>
+          <a:off x="2032000" y="719666"/>
+          <a:ext cx="3587404" cy="5418667"/>
+        </p:xfrm>
+        <a:graphic>
+          <a:graphicData uri="http://schemas.openxmlformats.org/drawingml/2006/diagram">
+            <dgm:relIds xmlns:dgm="http://schemas.openxmlformats.org/drawingml/2006/diagram" xmlns:r="http://schemas.openxmlformats.org/officeDocument/2006/relationships" r:dm="rId2" r:lo="rId3" r:qs="rId4" r:cs="rId5"/>
+          </a:graphicData>
+        </a:graphic>
+      </p:graphicFrame>
+      <p:sp>
+        <p:nvSpPr>
+          <p:cNvPr id="3" name="Textfeld 2"/>
+          <p:cNvSpPr txBox="1"/>
+          <p:nvPr/>
+        </p:nvSpPr>
+        <p:spPr>
+          <a:xfrm>
+            <a:off x="2657301" y="1587731"/>
+            <a:ext cx="2502131" cy="276999"/>
+          </a:xfrm>
+          <a:prstGeom prst="rect">
+            <a:avLst/>
+          </a:prstGeom>
+          <a:noFill/>
+        </p:spPr>
+        <p:txBody>
+          <a:bodyPr wrap="square" rtlCol="0">
+            <a:spAutoFit/>
+          </a:bodyPr>
+          <a:lstStyle/>
+          <a:p>
+            <a:r>
+              <a:rPr lang="de-DE" sz="1200" i="1" dirty="0" smtClean="0"/>
+              <a:t>Darstellung</a:t>
+            </a:r>
+            <a:endParaRPr lang="de-DE" sz="1200" i="1" dirty="0"/>
+          </a:p>
+        </p:txBody>
+      </p:sp>
+      <p:sp>
+        <p:nvSpPr>
+          <p:cNvPr id="4" name="Textfeld 3"/>
+          <p:cNvSpPr txBox="1"/>
+          <p:nvPr/>
+        </p:nvSpPr>
+        <p:spPr>
+          <a:xfrm>
+            <a:off x="2657300" y="2372849"/>
+            <a:ext cx="1403928" cy="276999"/>
+          </a:xfrm>
+          <a:prstGeom prst="rect">
+            <a:avLst/>
+          </a:prstGeom>
+          <a:noFill/>
+        </p:spPr>
+        <p:txBody>
+          <a:bodyPr wrap="square" rtlCol="0">
+            <a:spAutoFit/>
+          </a:bodyPr>
+          <a:lstStyle/>
+          <a:p>
+            <a:r>
+              <a:rPr lang="de-DE" sz="1200" i="1" dirty="0" smtClean="0"/>
+              <a:t>Sitzung</a:t>
+            </a:r>
+            <a:endParaRPr lang="de-DE" sz="1200" i="1" dirty="0"/>
+          </a:p>
+        </p:txBody>
+      </p:sp>
+      <p:sp>
+        <p:nvSpPr>
+          <p:cNvPr id="5" name="Textfeld 4"/>
+          <p:cNvSpPr txBox="1"/>
+          <p:nvPr/>
+        </p:nvSpPr>
+        <p:spPr>
+          <a:xfrm>
+            <a:off x="2624975" y="3140310"/>
+            <a:ext cx="1200727" cy="276999"/>
+          </a:xfrm>
+          <a:prstGeom prst="rect">
+            <a:avLst/>
+          </a:prstGeom>
+          <a:noFill/>
+        </p:spPr>
+        <p:txBody>
+          <a:bodyPr wrap="square" rtlCol="0">
+            <a:spAutoFit/>
+          </a:bodyPr>
+          <a:lstStyle/>
+          <a:p>
+            <a:r>
+              <a:rPr lang="de-DE" sz="1200" i="1" dirty="0" smtClean="0"/>
+              <a:t>Transport</a:t>
+            </a:r>
+            <a:endParaRPr lang="de-DE" sz="1200" i="1" dirty="0"/>
+          </a:p>
+        </p:txBody>
+      </p:sp>
+      <p:sp>
+        <p:nvSpPr>
+          <p:cNvPr id="6" name="Textfeld 5"/>
+          <p:cNvSpPr txBox="1"/>
+          <p:nvPr/>
+        </p:nvSpPr>
+        <p:spPr>
+          <a:xfrm>
+            <a:off x="2624975" y="3852326"/>
+            <a:ext cx="1810327" cy="276999"/>
+          </a:xfrm>
+          <a:prstGeom prst="rect">
+            <a:avLst/>
+          </a:prstGeom>
+          <a:noFill/>
+        </p:spPr>
+        <p:txBody>
+          <a:bodyPr wrap="square" rtlCol="0">
+            <a:spAutoFit/>
+          </a:bodyPr>
+          <a:lstStyle/>
+          <a:p>
+            <a:r>
+              <a:rPr lang="de-DE" sz="1200" i="1" dirty="0" smtClean="0"/>
+              <a:t>Vermittlung</a:t>
+            </a:r>
+            <a:endParaRPr lang="de-DE" sz="1200" i="1" dirty="0"/>
+          </a:p>
+        </p:txBody>
+      </p:sp>
+      <p:cxnSp>
+        <p:nvCxnSpPr>
+          <p:cNvPr id="9" name="Gerade Verbindung mit Pfeil 8"/>
+          <p:cNvCxnSpPr/>
+          <p:nvPr/>
+        </p:nvCxnSpPr>
+        <p:spPr>
+          <a:xfrm>
+            <a:off x="5619403" y="1200627"/>
+            <a:ext cx="458124" cy="2078182"/>
+          </a:xfrm>
+          <a:prstGeom prst="straightConnector1">
+            <a:avLst/>
+          </a:prstGeom>
+          <a:ln>
+            <a:headEnd type="triangle"/>
+            <a:tailEnd type="none"/>
+          </a:ln>
+        </p:spPr>
+        <p:style>
+          <a:lnRef idx="1">
+            <a:schemeClr val="accent1"/>
+          </a:lnRef>
+          <a:fillRef idx="0">
+            <a:schemeClr val="accent1"/>
+          </a:fillRef>
+          <a:effectRef idx="0">
+            <a:schemeClr val="accent1"/>
+          </a:effectRef>
+          <a:fontRef idx="minor">
+            <a:schemeClr val="tx1"/>
+          </a:fontRef>
+        </p:style>
+      </p:cxnSp>
+      <p:cxnSp>
+        <p:nvCxnSpPr>
+          <p:cNvPr id="11" name="Gerade Verbindung mit Pfeil 10"/>
+          <p:cNvCxnSpPr/>
+          <p:nvPr/>
+        </p:nvCxnSpPr>
+        <p:spPr>
+          <a:xfrm flipV="1">
+            <a:off x="5619403" y="3278809"/>
+            <a:ext cx="458124" cy="1505628"/>
+          </a:xfrm>
+          <a:prstGeom prst="straightConnector1">
+            <a:avLst/>
+          </a:prstGeom>
+          <a:ln>
+            <a:headEnd type="triangle"/>
+            <a:tailEnd type="none"/>
+          </a:ln>
+        </p:spPr>
+        <p:style>
+          <a:lnRef idx="1">
+            <a:schemeClr val="accent1"/>
+          </a:lnRef>
+          <a:fillRef idx="0">
+            <a:schemeClr val="accent1"/>
+          </a:fillRef>
+          <a:effectRef idx="0">
+            <a:schemeClr val="accent1"/>
+          </a:effectRef>
+          <a:fontRef idx="minor">
+            <a:schemeClr val="tx1"/>
+          </a:fontRef>
+        </p:style>
+      </p:cxnSp>
+      <p:cxnSp>
+        <p:nvCxnSpPr>
+          <p:cNvPr id="13" name="Gerade Verbindung mit Pfeil 12"/>
+          <p:cNvCxnSpPr/>
+          <p:nvPr/>
+        </p:nvCxnSpPr>
+        <p:spPr>
+          <a:xfrm flipV="1">
+            <a:off x="5619404" y="3278809"/>
+            <a:ext cx="458123" cy="2392318"/>
+          </a:xfrm>
+          <a:prstGeom prst="straightConnector1">
+            <a:avLst/>
+          </a:prstGeom>
+          <a:ln>
+            <a:headEnd type="triangle"/>
+            <a:tailEnd type="none"/>
+          </a:ln>
+        </p:spPr>
+        <p:style>
+          <a:lnRef idx="1">
+            <a:schemeClr val="accent1"/>
+          </a:lnRef>
+          <a:fillRef idx="0">
+            <a:schemeClr val="accent1"/>
+          </a:fillRef>
+          <a:effectRef idx="0">
+            <a:schemeClr val="accent1"/>
+          </a:effectRef>
+          <a:fontRef idx="minor">
+            <a:schemeClr val="tx1"/>
+          </a:fontRef>
+        </p:style>
+      </p:cxnSp>
+      <p:sp>
+        <p:nvSpPr>
+          <p:cNvPr id="19" name="Geschweifte Klammer rechts 18"/>
+          <p:cNvSpPr/>
+          <p:nvPr/>
+        </p:nvSpPr>
+        <p:spPr>
+          <a:xfrm>
+            <a:off x="5689600" y="719666"/>
+            <a:ext cx="158865" cy="545716"/>
+          </a:xfrm>
+          <a:prstGeom prst="rightBrace">
+            <a:avLst/>
+          </a:prstGeom>
+        </p:spPr>
+        <p:style>
+          <a:lnRef idx="1">
+            <a:schemeClr val="accent1"/>
+          </a:lnRef>
+          <a:fillRef idx="0">
+            <a:schemeClr val="accent1"/>
+          </a:fillRef>
+          <a:effectRef idx="0">
+            <a:schemeClr val="accent1"/>
+          </a:effectRef>
+          <a:fontRef idx="minor">
+            <a:schemeClr val="tx1"/>
+          </a:fontRef>
+        </p:style>
+        <p:txBody>
+          <a:bodyPr rtlCol="0" anchor="ctr"/>
+          <a:lstStyle/>
+          <a:p>
+            <a:pPr algn="ctr"/>
+            <a:endParaRPr lang="de-DE"/>
+          </a:p>
+        </p:txBody>
+      </p:sp>
+      <p:sp>
+        <p:nvSpPr>
+          <p:cNvPr id="21" name="Textfeld 20"/>
+          <p:cNvSpPr txBox="1"/>
+          <p:nvPr/>
+        </p:nvSpPr>
+        <p:spPr>
+          <a:xfrm>
+            <a:off x="5848465" y="696632"/>
+            <a:ext cx="1346662" cy="523220"/>
+          </a:xfrm>
+          <a:prstGeom prst="rect">
+            <a:avLst/>
+          </a:prstGeom>
+          <a:noFill/>
+        </p:spPr>
+        <p:txBody>
+          <a:bodyPr wrap="square" rtlCol="0">
+            <a:spAutoFit/>
+          </a:bodyPr>
+          <a:lstStyle/>
+          <a:p>
+            <a:r>
+              <a:rPr lang="de-DE" sz="1400" dirty="0" smtClean="0"/>
+              <a:t>PROFIBUS Variante</a:t>
+            </a:r>
+            <a:endParaRPr lang="de-DE" sz="1400" dirty="0"/>
+          </a:p>
+        </p:txBody>
+      </p:sp>
+      <p:sp>
+        <p:nvSpPr>
+          <p:cNvPr id="22" name="Textfeld 21"/>
+          <p:cNvSpPr txBox="1"/>
+          <p:nvPr/>
+        </p:nvSpPr>
+        <p:spPr>
+          <a:xfrm>
+            <a:off x="6077526" y="3140310"/>
+            <a:ext cx="2549237" cy="461665"/>
+          </a:xfrm>
+          <a:prstGeom prst="rect">
+            <a:avLst/>
+          </a:prstGeom>
+          <a:noFill/>
+        </p:spPr>
+        <p:txBody>
+          <a:bodyPr wrap="square" rtlCol="0">
+            <a:spAutoFit/>
+          </a:bodyPr>
+          <a:lstStyle/>
+          <a:p>
+            <a:r>
+              <a:rPr lang="de-DE" sz="1200" dirty="0" smtClean="0"/>
+              <a:t>Die drei genormten Schichten des PROFIBUS</a:t>
+            </a:r>
+            <a:endParaRPr lang="de-DE" sz="1200" dirty="0"/>
+          </a:p>
+        </p:txBody>
+      </p:sp>
+    </p:spTree>
+    <p:extLst>
+      <p:ext uri="{BB962C8B-B14F-4D97-AF65-F5344CB8AC3E}">
+        <p14:creationId xmlns:p14="http://schemas.microsoft.com/office/powerpoint/2010/main" val="2549101798"/>
+      </p:ext>
+    </p:extLst>
+  </p:cSld>
+  <p:clrMapOvr>
+    <a:masterClrMapping/>
+  </p:clrMapOvr>
+</p:sld>
+</file>
+
+<file path=ppt/slides/slide28.xml><?xml version="1.0" encoding="utf-8"?>
+<p:sld xmlns:a="http://schemas.openxmlformats.org/drawingml/2006/main" xmlns:r="http://schemas.openxmlformats.org/officeDocument/2006/relationships" xmlns:p="http://schemas.openxmlformats.org/presentationml/2006/main">
+  <p:cSld>
+    <p:spTree>
+      <p:nvGrpSpPr>
+        <p:cNvPr id="1" name=""/>
+        <p:cNvGrpSpPr/>
+        <p:nvPr/>
+      </p:nvGrpSpPr>
+      <p:grpSpPr>
+        <a:xfrm>
+          <a:off x="0" y="0"/>
+          <a:ext cx="0" cy="0"/>
+          <a:chOff x="0" y="0"/>
+          <a:chExt cx="0" cy="0"/>
+        </a:xfrm>
+      </p:grpSpPr>
       <p:sp>
         <p:nvSpPr>
           <p:cNvPr id="66" name="Textfeld 65"/>

--- a/Masterarbeit_Skizze.pptx
+++ b/Masterarbeit_Skizze.pptx
@@ -9256,39 +9256,39 @@
     </dgm:pt>
   </dgm:ptLst>
   <dgm:cxnLst>
+    <dgm:cxn modelId="{7FF7FEDB-ABA0-479A-81E2-6BDCBC40391F}" type="presOf" srcId="{A480305B-59EB-4430-B83F-654C2BD50227}" destId="{66D566F4-D332-48A5-BCA8-842AF5E62B48}" srcOrd="0" destOrd="0" presId="urn:microsoft.com/office/officeart/2005/8/layout/hierarchy2"/>
+    <dgm:cxn modelId="{0E507AA0-9817-4215-A3C8-51619768B18F}" type="presOf" srcId="{7DCF3556-16BE-4EF8-A7D4-12D4DE4665D7}" destId="{C6F1ABB4-98C0-4023-B949-FFAB0C55AA8C}" srcOrd="0" destOrd="0" presId="urn:microsoft.com/office/officeart/2005/8/layout/hierarchy2"/>
+    <dgm:cxn modelId="{0A0F529A-1215-419C-9A51-172A3865EBE7}" srcId="{91016E94-86CE-4C9D-90BA-6894F2412FDF}" destId="{09E424A6-2B87-46A6-83BF-EDB42EBF4D66}" srcOrd="1" destOrd="0" parTransId="{8B189DE4-47EF-4077-BE47-147D33DCC304}" sibTransId="{578F0149-FC02-4159-9636-02386D56B8A0}"/>
+    <dgm:cxn modelId="{655F4AF5-0911-472F-BF53-1DF2C29B6243}" type="presOf" srcId="{989B994F-5984-481A-92F1-002819E497E8}" destId="{7841EF4A-318B-47C9-B9F1-3FFABAC61F9D}" srcOrd="0" destOrd="0" presId="urn:microsoft.com/office/officeart/2005/8/layout/hierarchy2"/>
+    <dgm:cxn modelId="{8C4BFB37-BCFC-47A6-9474-6812A8A189D1}" type="presOf" srcId="{A9071D43-696E-4208-A051-E6EE7190890A}" destId="{5542A02D-D98B-4129-9035-D03358E6D913}" srcOrd="0" destOrd="0" presId="urn:microsoft.com/office/officeart/2005/8/layout/hierarchy2"/>
+    <dgm:cxn modelId="{6BAF81FF-3899-4F95-8E25-1FC05650684B}" type="presOf" srcId="{D366436C-A57D-4167-B46A-F9E58A152630}" destId="{A386DB6A-7C7D-497A-B3E3-2353B9581DE5}" srcOrd="0" destOrd="0" presId="urn:microsoft.com/office/officeart/2005/8/layout/hierarchy2"/>
+    <dgm:cxn modelId="{DD0F27AC-7284-4704-B1EE-F30E4FD8DE43}" type="presOf" srcId="{989B994F-5984-481A-92F1-002819E497E8}" destId="{42AEE25C-36A5-4004-8A76-8C4FFCE2B46B}" srcOrd="1" destOrd="0" presId="urn:microsoft.com/office/officeart/2005/8/layout/hierarchy2"/>
+    <dgm:cxn modelId="{432D6218-6162-48E9-917B-18724EDE8911}" type="presOf" srcId="{363C8A34-B015-4731-A90D-4C307DFF7279}" destId="{51717E80-E9E5-4D96-B745-8283954563AD}" srcOrd="0" destOrd="0" presId="urn:microsoft.com/office/officeart/2005/8/layout/hierarchy2"/>
+    <dgm:cxn modelId="{9FCCA98C-556C-4BA5-A1CE-D042D48FD705}" type="presOf" srcId="{4C752F21-DC43-4F70-8473-FE77BE851EA2}" destId="{184AC373-EFA2-47A4-BE6C-4BB807E375A2}" srcOrd="0" destOrd="0" presId="urn:microsoft.com/office/officeart/2005/8/layout/hierarchy2"/>
+    <dgm:cxn modelId="{0AD98457-B01E-4389-AE1F-A2F85485B9B7}" type="presOf" srcId="{965DD254-C511-4E4C-9BF2-E71E19EB7D61}" destId="{765CD15B-2B9D-4A70-B77C-D9F7FFB35F3D}" srcOrd="0" destOrd="0" presId="urn:microsoft.com/office/officeart/2005/8/layout/hierarchy2"/>
+    <dgm:cxn modelId="{650C6A18-4140-4FB2-B278-C746B2654AA8}" type="presOf" srcId="{4C752F21-DC43-4F70-8473-FE77BE851EA2}" destId="{64E224CB-2D97-4598-A595-9B5AA1E3A6DB}" srcOrd="1" destOrd="0" presId="urn:microsoft.com/office/officeart/2005/8/layout/hierarchy2"/>
+    <dgm:cxn modelId="{29C4BD67-3838-4DCC-8333-CB023CE24716}" type="presOf" srcId="{64FD664D-0421-40D1-8780-6E167AFBEFB5}" destId="{5A28F0D3-6AEF-4406-9466-527D86C3DEF3}" srcOrd="1" destOrd="0" presId="urn:microsoft.com/office/officeart/2005/8/layout/hierarchy2"/>
+    <dgm:cxn modelId="{98E02C45-D5AF-4654-8CF2-997B4AE77124}" type="presOf" srcId="{8EE0715D-46E5-4581-B22E-1928BF5991D9}" destId="{780FBF3A-4F2C-4466-97FE-34E07EF21E25}" srcOrd="1" destOrd="0" presId="urn:microsoft.com/office/officeart/2005/8/layout/hierarchy2"/>
+    <dgm:cxn modelId="{942956BE-5BC7-417D-B249-16ACE0509795}" type="presOf" srcId="{1E68003F-9EC1-4166-9FC4-73E4D6A7C9CF}" destId="{F8AB7AB7-8865-4B9C-B4BE-D2B2DBA7FFFF}" srcOrd="0" destOrd="0" presId="urn:microsoft.com/office/officeart/2005/8/layout/hierarchy2"/>
+    <dgm:cxn modelId="{82F2A538-53B6-4535-BC41-D1CACF79955A}" srcId="{FBC92FBA-4BE1-4658-A102-FFDA5B3C4A34}" destId="{F9AF7151-7F79-4E5A-ADD8-B2355A6FCAB1}" srcOrd="0" destOrd="0" parTransId="{4C752F21-DC43-4F70-8473-FE77BE851EA2}" sibTransId="{D29699BA-7857-49DF-99A5-D49EA07C6393}"/>
+    <dgm:cxn modelId="{F749A82A-8436-4F75-B500-E35390868967}" type="presOf" srcId="{F9AF7151-7F79-4E5A-ADD8-B2355A6FCAB1}" destId="{82E59643-610D-44D4-8C60-C8A227202160}" srcOrd="0" destOrd="0" presId="urn:microsoft.com/office/officeart/2005/8/layout/hierarchy2"/>
+    <dgm:cxn modelId="{FECDF224-F734-4858-98B9-66E22E183C0B}" type="presOf" srcId="{A8A8A930-9B28-48B5-9551-B76D16F958B5}" destId="{27F8751E-D35A-4615-9CC4-3195D317BEF0}" srcOrd="0" destOrd="0" presId="urn:microsoft.com/office/officeart/2005/8/layout/hierarchy2"/>
+    <dgm:cxn modelId="{A9AB798E-859E-45A2-8484-E4F10893A63E}" type="presOf" srcId="{8EE0715D-46E5-4581-B22E-1928BF5991D9}" destId="{9EFC3E97-29AB-4CF5-B951-F34DC8F33973}" srcOrd="0" destOrd="0" presId="urn:microsoft.com/office/officeart/2005/8/layout/hierarchy2"/>
+    <dgm:cxn modelId="{5C0007C8-8596-4125-ABD2-3FA94770EAF8}" srcId="{09E424A6-2B87-46A6-83BF-EDB42EBF4D66}" destId="{D366436C-A57D-4167-B46A-F9E58A152630}" srcOrd="2" destOrd="0" parTransId="{965DD254-C511-4E4C-9BF2-E71E19EB7D61}" sibTransId="{B54D246D-F22D-4657-9E5B-2C3CF28C30FD}"/>
+    <dgm:cxn modelId="{B750CDCB-60C8-4571-A322-B25CC68C5184}" type="presOf" srcId="{965DD254-C511-4E4C-9BF2-E71E19EB7D61}" destId="{A69B6C2C-3C0D-465F-8109-54BD99DD6579}" srcOrd="1" destOrd="0" presId="urn:microsoft.com/office/officeart/2005/8/layout/hierarchy2"/>
+    <dgm:cxn modelId="{9DF2D121-B3BF-4897-940C-F56F50D4045B}" srcId="{FBC92FBA-4BE1-4658-A102-FFDA5B3C4A34}" destId="{363C8A34-B015-4731-A90D-4C307DFF7279}" srcOrd="2" destOrd="0" parTransId="{989B994F-5984-481A-92F1-002819E497E8}" sibTransId="{A7CE2412-0F27-4B9A-B018-C18A00BEF62D}"/>
+    <dgm:cxn modelId="{7C0E6C26-97C1-403E-A557-509318DF5299}" type="presOf" srcId="{A9071D43-696E-4208-A051-E6EE7190890A}" destId="{351B15EA-951A-4F39-9FD4-529FA48EE359}" srcOrd="1" destOrd="0" presId="urn:microsoft.com/office/officeart/2005/8/layout/hierarchy2"/>
+    <dgm:cxn modelId="{C3BD7328-A02D-48E0-A866-5FA13D70D930}" type="presOf" srcId="{64FD664D-0421-40D1-8780-6E167AFBEFB5}" destId="{E34C697A-B4BE-455A-B7E8-9C5517C9DACB}" srcOrd="0" destOrd="0" presId="urn:microsoft.com/office/officeart/2005/8/layout/hierarchy2"/>
     <dgm:cxn modelId="{0BE86182-4ACB-4D4F-89E9-39ED046332AB}" type="presOf" srcId="{1E68003F-9EC1-4166-9FC4-73E4D6A7C9CF}" destId="{21A37C95-5D34-40DA-A5FB-9AF8DC1C1E0A}" srcOrd="1" destOrd="0" presId="urn:microsoft.com/office/officeart/2005/8/layout/hierarchy2"/>
-    <dgm:cxn modelId="{9FCCA98C-556C-4BA5-A1CE-D042D48FD705}" type="presOf" srcId="{4C752F21-DC43-4F70-8473-FE77BE851EA2}" destId="{184AC373-EFA2-47A4-BE6C-4BB807E375A2}" srcOrd="0" destOrd="0" presId="urn:microsoft.com/office/officeart/2005/8/layout/hierarchy2"/>
+    <dgm:cxn modelId="{4791D30D-E9CA-4B15-993B-62B8F3C93E2D}" type="presOf" srcId="{FBC92FBA-4BE1-4658-A102-FFDA5B3C4A34}" destId="{91C537BE-7A4A-4251-A37B-8F7A579A3D51}" srcOrd="0" destOrd="0" presId="urn:microsoft.com/office/officeart/2005/8/layout/hierarchy2"/>
+    <dgm:cxn modelId="{4B74AE75-6CDF-4308-9DFA-4E666854484F}" type="presOf" srcId="{39EE2861-824A-43EE-9DB6-DDAA18BD082A}" destId="{4A336130-AA80-44FE-B99C-A35C6277A12A}" srcOrd="0" destOrd="0" presId="urn:microsoft.com/office/officeart/2005/8/layout/hierarchy2"/>
+    <dgm:cxn modelId="{5A3F4D52-3581-4F0B-9A97-DF043EAE56D2}" type="presOf" srcId="{09E424A6-2B87-46A6-83BF-EDB42EBF4D66}" destId="{89A93480-A6DD-4E40-B495-F0A68FEE2C66}" srcOrd="0" destOrd="0" presId="urn:microsoft.com/office/officeart/2005/8/layout/hierarchy2"/>
+    <dgm:cxn modelId="{F8E4E0CE-1B09-4476-9AC3-DBB7E8E54A4A}" srcId="{09E424A6-2B87-46A6-83BF-EDB42EBF4D66}" destId="{A480305B-59EB-4430-B83F-654C2BD50227}" srcOrd="1" destOrd="0" parTransId="{64FD664D-0421-40D1-8780-6E167AFBEFB5}" sibTransId="{E109BF0E-B975-4926-8743-534E30E91265}"/>
+    <dgm:cxn modelId="{9684405A-2303-45B6-AEFE-260D3196088D}" type="presOf" srcId="{91016E94-86CE-4C9D-90BA-6894F2412FDF}" destId="{7EF0CAB6-2675-4AF3-B508-F1308E1E4B6F}" srcOrd="0" destOrd="0" presId="urn:microsoft.com/office/officeart/2005/8/layout/hierarchy2"/>
+    <dgm:cxn modelId="{01C1C44E-3F91-4641-B2DC-2435DA13E2A6}" srcId="{FBC92FBA-4BE1-4658-A102-FFDA5B3C4A34}" destId="{7DCF3556-16BE-4EF8-A7D4-12D4DE4665D7}" srcOrd="1" destOrd="0" parTransId="{A9071D43-696E-4208-A051-E6EE7190890A}" sibTransId="{554C87BC-E876-4DC3-990B-A60292797BE4}"/>
     <dgm:cxn modelId="{FC0E7892-8952-424D-AB74-6C5103DBBB8E}" srcId="{09E424A6-2B87-46A6-83BF-EDB42EBF4D66}" destId="{A8A8A930-9B28-48B5-9551-B76D16F958B5}" srcOrd="0" destOrd="0" parTransId="{1E68003F-9EC1-4166-9FC4-73E4D6A7C9CF}" sibTransId="{F698B7B8-2B6B-4151-94AB-A20CEFD78DAA}"/>
     <dgm:cxn modelId="{3B755E64-EEC6-44BD-9F77-9580A6E2BE3C}" srcId="{91016E94-86CE-4C9D-90BA-6894F2412FDF}" destId="{FBC92FBA-4BE1-4658-A102-FFDA5B3C4A34}" srcOrd="0" destOrd="0" parTransId="{DEF5242E-3B6A-4B85-BC8B-2F68EB757B5A}" sibTransId="{35A350FB-E087-4A82-B535-1DE2438DCCB3}"/>
-    <dgm:cxn modelId="{B750CDCB-60C8-4571-A322-B25CC68C5184}" type="presOf" srcId="{965DD254-C511-4E4C-9BF2-E71E19EB7D61}" destId="{A69B6C2C-3C0D-465F-8109-54BD99DD6579}" srcOrd="1" destOrd="0" presId="urn:microsoft.com/office/officeart/2005/8/layout/hierarchy2"/>
-    <dgm:cxn modelId="{F749A82A-8436-4F75-B500-E35390868967}" type="presOf" srcId="{F9AF7151-7F79-4E5A-ADD8-B2355A6FCAB1}" destId="{82E59643-610D-44D4-8C60-C8A227202160}" srcOrd="0" destOrd="0" presId="urn:microsoft.com/office/officeart/2005/8/layout/hierarchy2"/>
-    <dgm:cxn modelId="{0E507AA0-9817-4215-A3C8-51619768B18F}" type="presOf" srcId="{7DCF3556-16BE-4EF8-A7D4-12D4DE4665D7}" destId="{C6F1ABB4-98C0-4023-B949-FFAB0C55AA8C}" srcOrd="0" destOrd="0" presId="urn:microsoft.com/office/officeart/2005/8/layout/hierarchy2"/>
-    <dgm:cxn modelId="{C3BD7328-A02D-48E0-A866-5FA13D70D930}" type="presOf" srcId="{64FD664D-0421-40D1-8780-6E167AFBEFB5}" destId="{E34C697A-B4BE-455A-B7E8-9C5517C9DACB}" srcOrd="0" destOrd="0" presId="urn:microsoft.com/office/officeart/2005/8/layout/hierarchy2"/>
-    <dgm:cxn modelId="{655F4AF5-0911-472F-BF53-1DF2C29B6243}" type="presOf" srcId="{989B994F-5984-481A-92F1-002819E497E8}" destId="{7841EF4A-318B-47C9-B9F1-3FFABAC61F9D}" srcOrd="0" destOrd="0" presId="urn:microsoft.com/office/officeart/2005/8/layout/hierarchy2"/>
-    <dgm:cxn modelId="{5A3F4D52-3581-4F0B-9A97-DF043EAE56D2}" type="presOf" srcId="{09E424A6-2B87-46A6-83BF-EDB42EBF4D66}" destId="{89A93480-A6DD-4E40-B495-F0A68FEE2C66}" srcOrd="0" destOrd="0" presId="urn:microsoft.com/office/officeart/2005/8/layout/hierarchy2"/>
     <dgm:cxn modelId="{604301A6-0559-4484-A562-B706E2366859}" srcId="{09E424A6-2B87-46A6-83BF-EDB42EBF4D66}" destId="{39EE2861-824A-43EE-9DB6-DDAA18BD082A}" srcOrd="3" destOrd="0" parTransId="{8EE0715D-46E5-4581-B22E-1928BF5991D9}" sibTransId="{F62B5C73-2855-49F6-A523-4FBF37F86C1F}"/>
-    <dgm:cxn modelId="{4B74AE75-6CDF-4308-9DFA-4E666854484F}" type="presOf" srcId="{39EE2861-824A-43EE-9DB6-DDAA18BD082A}" destId="{4A336130-AA80-44FE-B99C-A35C6277A12A}" srcOrd="0" destOrd="0" presId="urn:microsoft.com/office/officeart/2005/8/layout/hierarchy2"/>
-    <dgm:cxn modelId="{432D6218-6162-48E9-917B-18724EDE8911}" type="presOf" srcId="{363C8A34-B015-4731-A90D-4C307DFF7279}" destId="{51717E80-E9E5-4D96-B745-8283954563AD}" srcOrd="0" destOrd="0" presId="urn:microsoft.com/office/officeart/2005/8/layout/hierarchy2"/>
-    <dgm:cxn modelId="{9DF2D121-B3BF-4897-940C-F56F50D4045B}" srcId="{FBC92FBA-4BE1-4658-A102-FFDA5B3C4A34}" destId="{363C8A34-B015-4731-A90D-4C307DFF7279}" srcOrd="2" destOrd="0" parTransId="{989B994F-5984-481A-92F1-002819E497E8}" sibTransId="{A7CE2412-0F27-4B9A-B018-C18A00BEF62D}"/>
-    <dgm:cxn modelId="{0AD98457-B01E-4389-AE1F-A2F85485B9B7}" type="presOf" srcId="{965DD254-C511-4E4C-9BF2-E71E19EB7D61}" destId="{765CD15B-2B9D-4A70-B77C-D9F7FFB35F3D}" srcOrd="0" destOrd="0" presId="urn:microsoft.com/office/officeart/2005/8/layout/hierarchy2"/>
-    <dgm:cxn modelId="{FECDF224-F734-4858-98B9-66E22E183C0B}" type="presOf" srcId="{A8A8A930-9B28-48B5-9551-B76D16F958B5}" destId="{27F8751E-D35A-4615-9CC4-3195D317BEF0}" srcOrd="0" destOrd="0" presId="urn:microsoft.com/office/officeart/2005/8/layout/hierarchy2"/>
-    <dgm:cxn modelId="{4791D30D-E9CA-4B15-993B-62B8F3C93E2D}" type="presOf" srcId="{FBC92FBA-4BE1-4658-A102-FFDA5B3C4A34}" destId="{91C537BE-7A4A-4251-A37B-8F7A579A3D51}" srcOrd="0" destOrd="0" presId="urn:microsoft.com/office/officeart/2005/8/layout/hierarchy2"/>
-    <dgm:cxn modelId="{29C4BD67-3838-4DCC-8333-CB023CE24716}" type="presOf" srcId="{64FD664D-0421-40D1-8780-6E167AFBEFB5}" destId="{5A28F0D3-6AEF-4406-9466-527D86C3DEF3}" srcOrd="1" destOrd="0" presId="urn:microsoft.com/office/officeart/2005/8/layout/hierarchy2"/>
-    <dgm:cxn modelId="{DD0F27AC-7284-4704-B1EE-F30E4FD8DE43}" type="presOf" srcId="{989B994F-5984-481A-92F1-002819E497E8}" destId="{42AEE25C-36A5-4004-8A76-8C4FFCE2B46B}" srcOrd="1" destOrd="0" presId="urn:microsoft.com/office/officeart/2005/8/layout/hierarchy2"/>
-    <dgm:cxn modelId="{650C6A18-4140-4FB2-B278-C746B2654AA8}" type="presOf" srcId="{4C752F21-DC43-4F70-8473-FE77BE851EA2}" destId="{64E224CB-2D97-4598-A595-9B5AA1E3A6DB}" srcOrd="1" destOrd="0" presId="urn:microsoft.com/office/officeart/2005/8/layout/hierarchy2"/>
-    <dgm:cxn modelId="{6BAF81FF-3899-4F95-8E25-1FC05650684B}" type="presOf" srcId="{D366436C-A57D-4167-B46A-F9E58A152630}" destId="{A386DB6A-7C7D-497A-B3E3-2353B9581DE5}" srcOrd="0" destOrd="0" presId="urn:microsoft.com/office/officeart/2005/8/layout/hierarchy2"/>
-    <dgm:cxn modelId="{82F2A538-53B6-4535-BC41-D1CACF79955A}" srcId="{FBC92FBA-4BE1-4658-A102-FFDA5B3C4A34}" destId="{F9AF7151-7F79-4E5A-ADD8-B2355A6FCAB1}" srcOrd="0" destOrd="0" parTransId="{4C752F21-DC43-4F70-8473-FE77BE851EA2}" sibTransId="{D29699BA-7857-49DF-99A5-D49EA07C6393}"/>
-    <dgm:cxn modelId="{7FF7FEDB-ABA0-479A-81E2-6BDCBC40391F}" type="presOf" srcId="{A480305B-59EB-4430-B83F-654C2BD50227}" destId="{66D566F4-D332-48A5-BCA8-842AF5E62B48}" srcOrd="0" destOrd="0" presId="urn:microsoft.com/office/officeart/2005/8/layout/hierarchy2"/>
-    <dgm:cxn modelId="{8C4BFB37-BCFC-47A6-9474-6812A8A189D1}" type="presOf" srcId="{A9071D43-696E-4208-A051-E6EE7190890A}" destId="{5542A02D-D98B-4129-9035-D03358E6D913}" srcOrd="0" destOrd="0" presId="urn:microsoft.com/office/officeart/2005/8/layout/hierarchy2"/>
-    <dgm:cxn modelId="{9684405A-2303-45B6-AEFE-260D3196088D}" type="presOf" srcId="{91016E94-86CE-4C9D-90BA-6894F2412FDF}" destId="{7EF0CAB6-2675-4AF3-B508-F1308E1E4B6F}" srcOrd="0" destOrd="0" presId="urn:microsoft.com/office/officeart/2005/8/layout/hierarchy2"/>
-    <dgm:cxn modelId="{7C0E6C26-97C1-403E-A557-509318DF5299}" type="presOf" srcId="{A9071D43-696E-4208-A051-E6EE7190890A}" destId="{351B15EA-951A-4F39-9FD4-529FA48EE359}" srcOrd="1" destOrd="0" presId="urn:microsoft.com/office/officeart/2005/8/layout/hierarchy2"/>
-    <dgm:cxn modelId="{01C1C44E-3F91-4641-B2DC-2435DA13E2A6}" srcId="{FBC92FBA-4BE1-4658-A102-FFDA5B3C4A34}" destId="{7DCF3556-16BE-4EF8-A7D4-12D4DE4665D7}" srcOrd="1" destOrd="0" parTransId="{A9071D43-696E-4208-A051-E6EE7190890A}" sibTransId="{554C87BC-E876-4DC3-990B-A60292797BE4}"/>
-    <dgm:cxn modelId="{A9AB798E-859E-45A2-8484-E4F10893A63E}" type="presOf" srcId="{8EE0715D-46E5-4581-B22E-1928BF5991D9}" destId="{9EFC3E97-29AB-4CF5-B951-F34DC8F33973}" srcOrd="0" destOrd="0" presId="urn:microsoft.com/office/officeart/2005/8/layout/hierarchy2"/>
-    <dgm:cxn modelId="{F8E4E0CE-1B09-4476-9AC3-DBB7E8E54A4A}" srcId="{09E424A6-2B87-46A6-83BF-EDB42EBF4D66}" destId="{A480305B-59EB-4430-B83F-654C2BD50227}" srcOrd="1" destOrd="0" parTransId="{64FD664D-0421-40D1-8780-6E167AFBEFB5}" sibTransId="{E109BF0E-B975-4926-8743-534E30E91265}"/>
-    <dgm:cxn modelId="{942956BE-5BC7-417D-B249-16ACE0509795}" type="presOf" srcId="{1E68003F-9EC1-4166-9FC4-73E4D6A7C9CF}" destId="{F8AB7AB7-8865-4B9C-B4BE-D2B2DBA7FFFF}" srcOrd="0" destOrd="0" presId="urn:microsoft.com/office/officeart/2005/8/layout/hierarchy2"/>
-    <dgm:cxn modelId="{5C0007C8-8596-4125-ABD2-3FA94770EAF8}" srcId="{09E424A6-2B87-46A6-83BF-EDB42EBF4D66}" destId="{D366436C-A57D-4167-B46A-F9E58A152630}" srcOrd="2" destOrd="0" parTransId="{965DD254-C511-4E4C-9BF2-E71E19EB7D61}" sibTransId="{B54D246D-F22D-4657-9E5B-2C3CF28C30FD}"/>
-    <dgm:cxn modelId="{98E02C45-D5AF-4654-8CF2-997B4AE77124}" type="presOf" srcId="{8EE0715D-46E5-4581-B22E-1928BF5991D9}" destId="{780FBF3A-4F2C-4466-97FE-34E07EF21E25}" srcOrd="1" destOrd="0" presId="urn:microsoft.com/office/officeart/2005/8/layout/hierarchy2"/>
-    <dgm:cxn modelId="{0A0F529A-1215-419C-9A51-172A3865EBE7}" srcId="{91016E94-86CE-4C9D-90BA-6894F2412FDF}" destId="{09E424A6-2B87-46A6-83BF-EDB42EBF4D66}" srcOrd="1" destOrd="0" parTransId="{8B189DE4-47EF-4077-BE47-147D33DCC304}" sibTransId="{578F0149-FC02-4159-9636-02386D56B8A0}"/>
     <dgm:cxn modelId="{42A6EA3F-422D-49C9-9401-182B42A8FEE0}" type="presParOf" srcId="{7EF0CAB6-2675-4AF3-B508-F1308E1E4B6F}" destId="{378369BD-AB71-46A9-B11A-8508488AE867}" srcOrd="0" destOrd="0" presId="urn:microsoft.com/office/officeart/2005/8/layout/hierarchy2"/>
     <dgm:cxn modelId="{AEE58F7F-8D1E-4939-B15D-61872C79EF40}" type="presParOf" srcId="{378369BD-AB71-46A9-B11A-8508488AE867}" destId="{91C537BE-7A4A-4251-A37B-8F7A579A3D51}" srcOrd="0" destOrd="0" presId="urn:microsoft.com/office/officeart/2005/8/layout/hierarchy2"/>
     <dgm:cxn modelId="{72D9FA58-3E7F-4FEE-826A-C36CD04E2D5C}" type="presParOf" srcId="{378369BD-AB71-46A9-B11A-8508488AE867}" destId="{40EE4DA3-A8C1-45E6-A20D-B1278E085BB3}" srcOrd="1" destOrd="0" presId="urn:microsoft.com/office/officeart/2005/8/layout/hierarchy2"/>
@@ -10146,6 +10146,13 @@
         </dgm:presLayoutVars>
       </dgm:prSet>
       <dgm:spPr/>
+      <dgm:t>
+        <a:bodyPr/>
+        <a:lstStyle/>
+        <a:p>
+          <a:endParaRPr lang="de-DE"/>
+        </a:p>
+      </dgm:t>
     </dgm:pt>
     <dgm:pt modelId="{A2A8728A-C2D4-42DA-87BD-7AD6CD265567}" type="pres">
       <dgm:prSet presAssocID="{40010075-AA85-458A-8F3D-B9F1CCF77495}" presName="composite" presStyleCnt="0"/>
@@ -10159,6 +10166,13 @@
         </dgm:presLayoutVars>
       </dgm:prSet>
       <dgm:spPr/>
+      <dgm:t>
+        <a:bodyPr/>
+        <a:lstStyle/>
+        <a:p>
+          <a:endParaRPr lang="de-DE"/>
+        </a:p>
+      </dgm:t>
     </dgm:pt>
     <dgm:pt modelId="{93795415-6DA6-46D0-92EE-7A7709DF5323}" type="pres">
       <dgm:prSet presAssocID="{40010075-AA85-458A-8F3D-B9F1CCF77495}" presName="descendantText" presStyleLbl="alignAcc1" presStyleIdx="0" presStyleCnt="7">
@@ -10191,6 +10205,13 @@
         </dgm:presLayoutVars>
       </dgm:prSet>
       <dgm:spPr/>
+      <dgm:t>
+        <a:bodyPr/>
+        <a:lstStyle/>
+        <a:p>
+          <a:endParaRPr lang="de-DE"/>
+        </a:p>
+      </dgm:t>
     </dgm:pt>
     <dgm:pt modelId="{0187C112-F771-48C0-9EAC-A4DFD00F94A4}" type="pres">
       <dgm:prSet presAssocID="{274B0410-6420-4E36-9A13-229D6AB5303C}" presName="descendantText" presStyleLbl="alignAcc1" presStyleIdx="1" presStyleCnt="7">
@@ -10333,6 +10354,13 @@
         </dgm:presLayoutVars>
       </dgm:prSet>
       <dgm:spPr/>
+      <dgm:t>
+        <a:bodyPr/>
+        <a:lstStyle/>
+        <a:p>
+          <a:endParaRPr lang="de-DE"/>
+        </a:p>
+      </dgm:t>
     </dgm:pt>
     <dgm:pt modelId="{E9BAF97C-0D47-40EC-94BB-B8EEEB1C6836}" type="pres">
       <dgm:prSet presAssocID="{944A682C-CF7C-4993-BD71-4E528EDAA696}" presName="descendantText" presStyleLbl="alignAcc1" presStyleIdx="5" presStyleCnt="7" custLinFactNeighborX="-620" custLinFactNeighborY="-4922">
@@ -10380,6 +10408,13 @@
         </dgm:presLayoutVars>
       </dgm:prSet>
       <dgm:spPr/>
+      <dgm:t>
+        <a:bodyPr/>
+        <a:lstStyle/>
+        <a:p>
+          <a:endParaRPr lang="de-DE"/>
+        </a:p>
+      </dgm:t>
     </dgm:pt>
   </dgm:ptLst>
   <dgm:cxnLst>
@@ -10390,8 +10425,8 @@
     <dgm:cxn modelId="{07F11DBE-E54A-42CB-8E4D-EA3C7BB8C26E}" srcId="{5AC27FDE-E560-4A15-8593-89C3D073EB34}" destId="{9FF39495-A7E8-43A7-8111-D0A2D88D01E7}" srcOrd="4" destOrd="0" parTransId="{05A22C36-8EC1-4634-A44A-7D39B5928D9A}" sibTransId="{228334B4-C877-4B32-B92C-0BFA6FEF825A}"/>
     <dgm:cxn modelId="{F05E7443-7F17-45BB-B65C-5D6D6D33332C}" type="presOf" srcId="{95640CF4-2000-4541-A9E3-28D4C2F7F38F}" destId="{B1E58D28-CE3E-41FE-8D92-FE07655CBE03}" srcOrd="0" destOrd="0" presId="urn:microsoft.com/office/officeart/2005/8/layout/chevron2"/>
     <dgm:cxn modelId="{44F5A4D8-34F9-43FC-AA90-A766BC53F360}" type="presOf" srcId="{B642EAD8-4F19-4146-8A3D-D65F7AA70EB2}" destId="{490EA269-77CF-4C4E-8630-2A582437B49E}" srcOrd="0" destOrd="0" presId="urn:microsoft.com/office/officeart/2005/8/layout/chevron2"/>
+    <dgm:cxn modelId="{49E70EF8-F4C9-4638-803E-E51DFB5A9FE3}" type="presOf" srcId="{34691BCB-7071-4117-A4A9-5E28C29EBBFF}" destId="{1AFCB018-7B08-4300-8686-4EEC84B5D7BE}" srcOrd="0" destOrd="0" presId="urn:microsoft.com/office/officeart/2005/8/layout/chevron2"/>
     <dgm:cxn modelId="{FF72B49E-DAEA-4E1E-A12D-DB5E05B3E497}" type="presOf" srcId="{274B0410-6420-4E36-9A13-229D6AB5303C}" destId="{35E63324-9A2D-4846-96DA-3EFC5E59F180}" srcOrd="0" destOrd="0" presId="urn:microsoft.com/office/officeart/2005/8/layout/chevron2"/>
-    <dgm:cxn modelId="{49E70EF8-F4C9-4638-803E-E51DFB5A9FE3}" type="presOf" srcId="{34691BCB-7071-4117-A4A9-5E28C29EBBFF}" destId="{1AFCB018-7B08-4300-8686-4EEC84B5D7BE}" srcOrd="0" destOrd="0" presId="urn:microsoft.com/office/officeart/2005/8/layout/chevron2"/>
     <dgm:cxn modelId="{0E0E662D-8C47-4EC8-8741-BAE7774A6C75}" type="presOf" srcId="{5AC27FDE-E560-4A15-8593-89C3D073EB34}" destId="{6406DF71-51F1-4445-A388-95CA50D3A4D0}" srcOrd="0" destOrd="0" presId="urn:microsoft.com/office/officeart/2005/8/layout/chevron2"/>
     <dgm:cxn modelId="{2F62D806-7E28-4B67-A3E2-32095F122266}" srcId="{5AC27FDE-E560-4A15-8593-89C3D073EB34}" destId="{34691BCB-7071-4117-A4A9-5E28C29EBBFF}" srcOrd="6" destOrd="0" parTransId="{51757A22-6399-4EA8-8941-BB2758333B2B}" sibTransId="{E0301CE0-CFF7-420C-88AF-143D60676469}"/>
     <dgm:cxn modelId="{00A68B13-01A9-44DE-A16E-4387C8797C40}" srcId="{5AC27FDE-E560-4A15-8593-89C3D073EB34}" destId="{B642EAD8-4F19-4146-8A3D-D65F7AA70EB2}" srcOrd="2" destOrd="0" parTransId="{CA7A8F8B-8F6C-4F1D-B2E3-AABD4D621C7F}" sibTransId="{F37D323D-6E5D-4C57-9940-4E333DA63660}"/>
@@ -10403,8 +10438,8 @@
     <dgm:cxn modelId="{3DEB8210-0FA8-4A7C-8F9B-85ECDEB6AA61}" srcId="{40010075-AA85-458A-8F3D-B9F1CCF77495}" destId="{B36BC441-E957-4F86-8285-7A24754E4D4F}" srcOrd="1" destOrd="0" parTransId="{FBD6B00F-A12B-4E18-BE45-BB9143FCE935}" sibTransId="{C77C5BC7-9D1E-4D99-9C8C-037FFBF9E2CA}"/>
     <dgm:cxn modelId="{324313FD-74B5-4EC3-995E-998033715ACB}" srcId="{34691BCB-7071-4117-A4A9-5E28C29EBBFF}" destId="{1FD64A17-64FD-4F34-82AB-E36A18C3354E}" srcOrd="1" destOrd="0" parTransId="{24EC1229-D7D9-4902-9C01-848DBD9D2A2F}" sibTransId="{8503405E-CD1A-47BD-A2F6-CBF349B05243}"/>
     <dgm:cxn modelId="{00A883EC-949D-4059-AE96-6ABAB4A633C2}" type="presOf" srcId="{7D2B186E-D6FB-457A-8C26-8B3BCA121B48}" destId="{93795415-6DA6-46D0-92EE-7A7709DF5323}" srcOrd="0" destOrd="0" presId="urn:microsoft.com/office/officeart/2005/8/layout/chevron2"/>
+    <dgm:cxn modelId="{8D2C74FD-3D26-4DBA-B1FE-58D42593FB9B}" type="presOf" srcId="{40010075-AA85-458A-8F3D-B9F1CCF77495}" destId="{2ABB6B79-B50F-4965-9725-2870FD3CBBC0}" srcOrd="0" destOrd="0" presId="urn:microsoft.com/office/officeart/2005/8/layout/chevron2"/>
     <dgm:cxn modelId="{180A98C5-5392-4613-84E9-44CDA744DBA7}" type="presOf" srcId="{9FF39495-A7E8-43A7-8111-D0A2D88D01E7}" destId="{C90DC9E5-2C92-4E2B-9B46-6BC6CAFFEDA7}" srcOrd="0" destOrd="0" presId="urn:microsoft.com/office/officeart/2005/8/layout/chevron2"/>
-    <dgm:cxn modelId="{8D2C74FD-3D26-4DBA-B1FE-58D42593FB9B}" type="presOf" srcId="{40010075-AA85-458A-8F3D-B9F1CCF77495}" destId="{2ABB6B79-B50F-4965-9725-2870FD3CBBC0}" srcOrd="0" destOrd="0" presId="urn:microsoft.com/office/officeart/2005/8/layout/chevron2"/>
     <dgm:cxn modelId="{30D1263A-CFD1-411B-9C3B-4CE832274D33}" srcId="{5AC27FDE-E560-4A15-8593-89C3D073EB34}" destId="{40010075-AA85-458A-8F3D-B9F1CCF77495}" srcOrd="0" destOrd="0" parTransId="{6B3C96D7-571D-4103-9DB2-C082A5F40BE9}" sibTransId="{80367F32-8163-49EF-A29A-3D76E2916E91}"/>
     <dgm:cxn modelId="{F98C1584-FC8E-47B5-B646-CAC30E5B0B88}" srcId="{40010075-AA85-458A-8F3D-B9F1CCF77495}" destId="{7D2B186E-D6FB-457A-8C26-8B3BCA121B48}" srcOrd="0" destOrd="0" parTransId="{CE007884-3D1E-404D-AD20-C3010B353C63}" sibTransId="{A2823DAE-FDDF-4BBC-9E38-BADD3ECC0EA1}"/>
     <dgm:cxn modelId="{232DA689-A525-427B-9BD7-A63DB4F3973A}" srcId="{5AC27FDE-E560-4A15-8593-89C3D073EB34}" destId="{274B0410-6420-4E36-9A13-229D6AB5303C}" srcOrd="1" destOrd="0" parTransId="{5C913641-AFD9-4652-9892-0696DA9858BC}" sibTransId="{5574DBD4-6DC5-4C11-BEC3-9526B3E7C1A7}"/>
@@ -12655,8 +12690,8 @@
   </dgm:ptLst>
   <dgm:cxnLst>
     <dgm:cxn modelId="{264AB117-5DFC-4A66-A0E4-F3911B2C8785}" type="presOf" srcId="{CA8E837B-E8D6-4AE8-AD5F-4841D7D0B680}" destId="{0A97FDCC-82E7-41C1-8687-6E35D8D163B5}" srcOrd="0" destOrd="0" presId="urn:microsoft.com/office/officeart/2005/8/layout/process1"/>
+    <dgm:cxn modelId="{4CC92DE0-1A55-4FEC-881B-726D2E69314A}" srcId="{18FAC1E6-C5CF-47A9-A33D-7A31614049C3}" destId="{0721BB28-D2F8-4DC7-B464-6055BEE33A3F}" srcOrd="0" destOrd="0" parTransId="{D03F987D-83BC-4A17-9F07-0ADA42CCE944}" sibTransId="{A527273E-42AD-4A7E-9118-681D249AAD73}"/>
     <dgm:cxn modelId="{C6B31597-0CAD-4966-8DC4-A22B00504BC3}" type="presOf" srcId="{A527273E-42AD-4A7E-9118-681D249AAD73}" destId="{4C95733D-4436-4872-BCF3-0568E5C31ABB}" srcOrd="0" destOrd="0" presId="urn:microsoft.com/office/officeart/2005/8/layout/process1"/>
-    <dgm:cxn modelId="{4CC92DE0-1A55-4FEC-881B-726D2E69314A}" srcId="{18FAC1E6-C5CF-47A9-A33D-7A31614049C3}" destId="{0721BB28-D2F8-4DC7-B464-6055BEE33A3F}" srcOrd="0" destOrd="0" parTransId="{D03F987D-83BC-4A17-9F07-0ADA42CCE944}" sibTransId="{A527273E-42AD-4A7E-9118-681D249AAD73}"/>
     <dgm:cxn modelId="{0B0E357A-6666-42FB-8742-806AE604CED9}" type="presOf" srcId="{18FAC1E6-C5CF-47A9-A33D-7A31614049C3}" destId="{56F983B9-4FEA-4137-92B0-30EDC00631CB}" srcOrd="0" destOrd="0" presId="urn:microsoft.com/office/officeart/2005/8/layout/process1"/>
     <dgm:cxn modelId="{A4BB0589-8721-44EA-B3C8-976F63583787}" type="presOf" srcId="{A527273E-42AD-4A7E-9118-681D249AAD73}" destId="{B2BA0E98-7C6C-40B6-9FD3-87AA3925BD64}" srcOrd="1" destOrd="0" presId="urn:microsoft.com/office/officeart/2005/8/layout/process1"/>
     <dgm:cxn modelId="{8ED55531-9D3C-4EE7-B456-6ABC1E0A755B}" srcId="{18FAC1E6-C5CF-47A9-A33D-7A31614049C3}" destId="{CA8E837B-E8D6-4AE8-AD5F-4841D7D0B680}" srcOrd="1" destOrd="0" parTransId="{6E22C970-CFE9-4898-8D2C-85BAA3176A23}" sibTransId="{A015E625-CD17-4FE2-B14B-3E04B8D1F675}"/>
@@ -35553,7 +35588,7 @@
           <a:p>
             <a:fld id="{DAE76C1B-83F1-4715-B1BF-5B63C3EA389F}" type="datetimeFigureOut">
               <a:rPr lang="de-DE" smtClean="0"/>
-              <a:t>06.07.2018</a:t>
+              <a:t>07.08.2018</a:t>
             </a:fld>
             <a:endParaRPr lang="de-DE"/>
           </a:p>
@@ -35723,7 +35758,7 @@
           <a:p>
             <a:fld id="{DAE76C1B-83F1-4715-B1BF-5B63C3EA389F}" type="datetimeFigureOut">
               <a:rPr lang="de-DE" smtClean="0"/>
-              <a:t>06.07.2018</a:t>
+              <a:t>07.08.2018</a:t>
             </a:fld>
             <a:endParaRPr lang="de-DE"/>
           </a:p>
@@ -35903,7 +35938,7 @@
           <a:p>
             <a:fld id="{DAE76C1B-83F1-4715-B1BF-5B63C3EA389F}" type="datetimeFigureOut">
               <a:rPr lang="de-DE" smtClean="0"/>
-              <a:t>06.07.2018</a:t>
+              <a:t>07.08.2018</a:t>
             </a:fld>
             <a:endParaRPr lang="de-DE"/>
           </a:p>
@@ -36073,7 +36108,7 @@
           <a:p>
             <a:fld id="{DAE76C1B-83F1-4715-B1BF-5B63C3EA389F}" type="datetimeFigureOut">
               <a:rPr lang="de-DE" smtClean="0"/>
-              <a:t>06.07.2018</a:t>
+              <a:t>07.08.2018</a:t>
             </a:fld>
             <a:endParaRPr lang="de-DE"/>
           </a:p>
@@ -36319,7 +36354,7 @@
           <a:p>
             <a:fld id="{DAE76C1B-83F1-4715-B1BF-5B63C3EA389F}" type="datetimeFigureOut">
               <a:rPr lang="de-DE" smtClean="0"/>
-              <a:t>06.07.2018</a:t>
+              <a:t>07.08.2018</a:t>
             </a:fld>
             <a:endParaRPr lang="de-DE"/>
           </a:p>
@@ -36551,7 +36586,7 @@
           <a:p>
             <a:fld id="{DAE76C1B-83F1-4715-B1BF-5B63C3EA389F}" type="datetimeFigureOut">
               <a:rPr lang="de-DE" smtClean="0"/>
-              <a:t>06.07.2018</a:t>
+              <a:t>07.08.2018</a:t>
             </a:fld>
             <a:endParaRPr lang="de-DE"/>
           </a:p>
@@ -36918,7 +36953,7 @@
           <a:p>
             <a:fld id="{DAE76C1B-83F1-4715-B1BF-5B63C3EA389F}" type="datetimeFigureOut">
               <a:rPr lang="de-DE" smtClean="0"/>
-              <a:t>06.07.2018</a:t>
+              <a:t>07.08.2018</a:t>
             </a:fld>
             <a:endParaRPr lang="de-DE"/>
           </a:p>
@@ -37036,7 +37071,7 @@
           <a:p>
             <a:fld id="{DAE76C1B-83F1-4715-B1BF-5B63C3EA389F}" type="datetimeFigureOut">
               <a:rPr lang="de-DE" smtClean="0"/>
-              <a:t>06.07.2018</a:t>
+              <a:t>07.08.2018</a:t>
             </a:fld>
             <a:endParaRPr lang="de-DE"/>
           </a:p>
@@ -37131,7 +37166,7 @@
           <a:p>
             <a:fld id="{DAE76C1B-83F1-4715-B1BF-5B63C3EA389F}" type="datetimeFigureOut">
               <a:rPr lang="de-DE" smtClean="0"/>
-              <a:t>06.07.2018</a:t>
+              <a:t>07.08.2018</a:t>
             </a:fld>
             <a:endParaRPr lang="de-DE"/>
           </a:p>
@@ -37408,7 +37443,7 @@
           <a:p>
             <a:fld id="{DAE76C1B-83F1-4715-B1BF-5B63C3EA389F}" type="datetimeFigureOut">
               <a:rPr lang="de-DE" smtClean="0"/>
-              <a:t>06.07.2018</a:t>
+              <a:t>07.08.2018</a:t>
             </a:fld>
             <a:endParaRPr lang="de-DE"/>
           </a:p>
@@ -37661,7 +37696,7 @@
           <a:p>
             <a:fld id="{DAE76C1B-83F1-4715-B1BF-5B63C3EA389F}" type="datetimeFigureOut">
               <a:rPr lang="de-DE" smtClean="0"/>
-              <a:t>06.07.2018</a:t>
+              <a:t>07.08.2018</a:t>
             </a:fld>
             <a:endParaRPr lang="de-DE"/>
           </a:p>
@@ -37874,7 +37909,7 @@
           <a:p>
             <a:fld id="{DAE76C1B-83F1-4715-B1BF-5B63C3EA389F}" type="datetimeFigureOut">
               <a:rPr lang="de-DE" smtClean="0"/>
-              <a:t>06.07.2018</a:t>
+              <a:t>07.08.2018</a:t>
             </a:fld>
             <a:endParaRPr lang="de-DE"/>
           </a:p>
@@ -48383,10 +48418,18 @@
           <a:lstStyle/>
           <a:p>
             <a:r>
-              <a:rPr lang="de-DE" dirty="0" smtClean="0"/>
+              <a:rPr lang="de-DE" dirty="0" smtClean="0">
+                <a:solidFill>
+                  <a:srgbClr val="C00000"/>
+                </a:solidFill>
+              </a:rPr>
               <a:t>Ribbon</a:t>
             </a:r>
-            <a:endParaRPr lang="de-DE" dirty="0"/>
+            <a:endParaRPr lang="de-DE" dirty="0">
+              <a:solidFill>
+                <a:srgbClr val="C00000"/>
+              </a:solidFill>
+            </a:endParaRPr>
           </a:p>
         </p:txBody>
       </p:sp>
@@ -48413,10 +48456,18 @@
           <a:lstStyle/>
           <a:p>
             <a:r>
-              <a:rPr lang="de-DE" dirty="0" smtClean="0"/>
+              <a:rPr lang="de-DE" dirty="0" smtClean="0">
+                <a:solidFill>
+                  <a:srgbClr val="C00000"/>
+                </a:solidFill>
+              </a:rPr>
               <a:t>Solution Explorer</a:t>
             </a:r>
-            <a:endParaRPr lang="de-DE" dirty="0"/>
+            <a:endParaRPr lang="de-DE" dirty="0">
+              <a:solidFill>
+                <a:srgbClr val="C00000"/>
+              </a:solidFill>
+            </a:endParaRPr>
           </a:p>
         </p:txBody>
       </p:sp>

--- a/Masterarbeit_Skizze.pptx
+++ b/Masterarbeit_Skizze.pptx
@@ -8424,10 +8424,9 @@
         <a:lstStyle/>
         <a:p>
           <a:r>
-            <a:rPr lang="de-DE" sz="1200" b="1" dirty="0" smtClean="0"/>
+            <a:rPr lang="de-DE" sz="1200" b="1" dirty="0"/>
             <a:t>Topologie importieren</a:t>
           </a:r>
-          <a:endParaRPr lang="de-DE" sz="1200" b="1" dirty="0"/>
         </a:p>
       </dgm:t>
     </dgm:pt>
@@ -8476,10 +8475,9 @@
         <a:lstStyle/>
         <a:p>
           <a:r>
-            <a:rPr lang="de-DE" sz="1200" b="1" dirty="0" smtClean="0"/>
+            <a:rPr lang="de-DE" sz="1200" b="1" dirty="0"/>
             <a:t>Projekt anlegen</a:t>
           </a:r>
-          <a:endParaRPr lang="de-DE" sz="1200" b="1" dirty="0"/>
         </a:p>
       </dgm:t>
     </dgm:pt>
@@ -8524,10 +8522,9 @@
         <a:lstStyle/>
         <a:p>
           <a:r>
-            <a:rPr lang="de-DE" sz="1200" b="1" dirty="0" smtClean="0"/>
+            <a:rPr lang="de-DE" sz="1200" b="1" dirty="0"/>
             <a:t>Projekt importieren</a:t>
           </a:r>
-          <a:endParaRPr lang="de-DE" sz="1200" b="1" dirty="0"/>
         </a:p>
       </dgm:t>
     </dgm:pt>
@@ -8572,10 +8569,9 @@
         <a:lstStyle/>
         <a:p>
           <a:r>
-            <a:rPr lang="de-DE" sz="1200" b="1" dirty="0" smtClean="0"/>
+            <a:rPr lang="de-DE" sz="1200" b="1" dirty="0"/>
             <a:t>Device ausblenden/einblenden</a:t>
           </a:r>
-          <a:endParaRPr lang="de-DE" sz="1200" b="1" dirty="0"/>
         </a:p>
       </dgm:t>
     </dgm:pt>
@@ -8614,10 +8610,9 @@
         <a:lstStyle/>
         <a:p>
           <a:r>
-            <a:rPr lang="de-DE" sz="1200" dirty="0" smtClean="0"/>
+            <a:rPr lang="de-DE" sz="1200" dirty="0"/>
             <a:t>DTMs einfügen</a:t>
           </a:r>
-          <a:endParaRPr lang="de-DE" sz="1200" dirty="0"/>
         </a:p>
       </dgm:t>
     </dgm:pt>
@@ -8660,10 +8655,9 @@
         <a:lstStyle/>
         <a:p>
           <a:r>
-            <a:rPr lang="de-DE" sz="1200" dirty="0" smtClean="0"/>
+            <a:rPr lang="de-DE" sz="1200" dirty="0"/>
             <a:t>Topologie aktualisieren</a:t>
           </a:r>
-          <a:endParaRPr lang="de-DE" sz="1200" dirty="0"/>
         </a:p>
       </dgm:t>
     </dgm:pt>
@@ -8718,10 +8712,9 @@
         <a:lstStyle/>
         <a:p>
           <a:r>
-            <a:rPr lang="de-DE" sz="1200" b="1" dirty="0" smtClean="0"/>
+            <a:rPr lang="de-DE" sz="1200" b="1" dirty="0"/>
             <a:t>Topology-Editor starten</a:t>
           </a:r>
-          <a:endParaRPr lang="de-DE" sz="1200" b="1" dirty="0"/>
         </a:p>
       </dgm:t>
     </dgm:pt>
@@ -8771,18 +8764,17 @@
         <a:lstStyle/>
         <a:p>
           <a:r>
-            <a:rPr lang="de-DE" sz="1200" b="1" dirty="0" smtClean="0"/>
+            <a:rPr lang="de-DE" sz="1200" b="1" dirty="0"/>
             <a:t>Devices/DTMs</a:t>
           </a:r>
           <a:r>
-            <a:rPr lang="de-DE" sz="2700" b="1" dirty="0" smtClean="0"/>
+            <a:rPr lang="de-DE" sz="2700" b="1" dirty="0"/>
             <a:t> </a:t>
           </a:r>
           <a:r>
-            <a:rPr lang="de-DE" sz="1200" b="1" dirty="0" smtClean="0"/>
+            <a:rPr lang="de-DE" sz="1200" b="1" dirty="0"/>
             <a:t>einfügen</a:t>
           </a:r>
-          <a:endParaRPr lang="de-DE" sz="1200" b="1" dirty="0"/>
         </a:p>
       </dgm:t>
     </dgm:pt>
@@ -8832,18 +8824,17 @@
         <a:lstStyle/>
         <a:p>
           <a:r>
-            <a:rPr lang="de-DE" sz="1200" b="1" dirty="0" smtClean="0"/>
+            <a:rPr lang="de-DE" sz="1200" b="1" dirty="0"/>
             <a:t>Topologie</a:t>
           </a:r>
           <a:r>
-            <a:rPr lang="de-DE" sz="2200" b="1" dirty="0" smtClean="0"/>
+            <a:rPr lang="de-DE" sz="2200" b="1" dirty="0"/>
             <a:t> </a:t>
           </a:r>
           <a:r>
-            <a:rPr lang="de-DE" sz="1200" b="1" dirty="0" smtClean="0"/>
+            <a:rPr lang="de-DE" sz="1200" b="1" dirty="0"/>
             <a:t>aktualisieren</a:t>
           </a:r>
-          <a:endParaRPr lang="de-DE" sz="1200" b="1" dirty="0"/>
         </a:p>
       </dgm:t>
     </dgm:pt>
@@ -8885,13 +8876,6 @@
         </dgm:presLayoutVars>
       </dgm:prSet>
       <dgm:spPr/>
-      <dgm:t>
-        <a:bodyPr/>
-        <a:lstStyle/>
-        <a:p>
-          <a:endParaRPr lang="de-DE"/>
-        </a:p>
-      </dgm:t>
     </dgm:pt>
     <dgm:pt modelId="{378369BD-AB71-46A9-B11A-8508488AE867}" type="pres">
       <dgm:prSet presAssocID="{FBC92FBA-4BE1-4658-A102-FFDA5B3C4A34}" presName="root1" presStyleCnt="0"/>
@@ -8904,13 +8888,6 @@
         </dgm:presLayoutVars>
       </dgm:prSet>
       <dgm:spPr/>
-      <dgm:t>
-        <a:bodyPr/>
-        <a:lstStyle/>
-        <a:p>
-          <a:endParaRPr lang="de-DE"/>
-        </a:p>
-      </dgm:t>
     </dgm:pt>
     <dgm:pt modelId="{40EE4DA3-A8C1-45E6-A20D-B1278E085BB3}" type="pres">
       <dgm:prSet presAssocID="{FBC92FBA-4BE1-4658-A102-FFDA5B3C4A34}" presName="level2hierChild" presStyleCnt="0"/>
@@ -8919,24 +8896,10 @@
     <dgm:pt modelId="{184AC373-EFA2-47A4-BE6C-4BB807E375A2}" type="pres">
       <dgm:prSet presAssocID="{4C752F21-DC43-4F70-8473-FE77BE851EA2}" presName="conn2-1" presStyleLbl="parChTrans1D2" presStyleIdx="0" presStyleCnt="7"/>
       <dgm:spPr/>
-      <dgm:t>
-        <a:bodyPr/>
-        <a:lstStyle/>
-        <a:p>
-          <a:endParaRPr lang="de-DE"/>
-        </a:p>
-      </dgm:t>
     </dgm:pt>
     <dgm:pt modelId="{64E224CB-2D97-4598-A595-9B5AA1E3A6DB}" type="pres">
       <dgm:prSet presAssocID="{4C752F21-DC43-4F70-8473-FE77BE851EA2}" presName="connTx" presStyleLbl="parChTrans1D2" presStyleIdx="0" presStyleCnt="7"/>
       <dgm:spPr/>
-      <dgm:t>
-        <a:bodyPr/>
-        <a:lstStyle/>
-        <a:p>
-          <a:endParaRPr lang="de-DE"/>
-        </a:p>
-      </dgm:t>
     </dgm:pt>
     <dgm:pt modelId="{FA3E9B20-6A2B-4F17-A152-9DBD01B3A794}" type="pres">
       <dgm:prSet presAssocID="{F9AF7151-7F79-4E5A-ADD8-B2355A6FCAB1}" presName="root2" presStyleCnt="0"/>
@@ -8949,13 +8912,6 @@
         </dgm:presLayoutVars>
       </dgm:prSet>
       <dgm:spPr/>
-      <dgm:t>
-        <a:bodyPr/>
-        <a:lstStyle/>
-        <a:p>
-          <a:endParaRPr lang="de-DE"/>
-        </a:p>
-      </dgm:t>
     </dgm:pt>
     <dgm:pt modelId="{96320C08-9C47-4DB1-AD2E-98C6DF1BB90A}" type="pres">
       <dgm:prSet presAssocID="{F9AF7151-7F79-4E5A-ADD8-B2355A6FCAB1}" presName="level3hierChild" presStyleCnt="0"/>
@@ -8964,24 +8920,10 @@
     <dgm:pt modelId="{5542A02D-D98B-4129-9035-D03358E6D913}" type="pres">
       <dgm:prSet presAssocID="{A9071D43-696E-4208-A051-E6EE7190890A}" presName="conn2-1" presStyleLbl="parChTrans1D2" presStyleIdx="1" presStyleCnt="7"/>
       <dgm:spPr/>
-      <dgm:t>
-        <a:bodyPr/>
-        <a:lstStyle/>
-        <a:p>
-          <a:endParaRPr lang="de-DE"/>
-        </a:p>
-      </dgm:t>
     </dgm:pt>
     <dgm:pt modelId="{351B15EA-951A-4F39-9FD4-529FA48EE359}" type="pres">
       <dgm:prSet presAssocID="{A9071D43-696E-4208-A051-E6EE7190890A}" presName="connTx" presStyleLbl="parChTrans1D2" presStyleIdx="1" presStyleCnt="7"/>
       <dgm:spPr/>
-      <dgm:t>
-        <a:bodyPr/>
-        <a:lstStyle/>
-        <a:p>
-          <a:endParaRPr lang="de-DE"/>
-        </a:p>
-      </dgm:t>
     </dgm:pt>
     <dgm:pt modelId="{2402891A-2176-43AA-B824-5D1EDD3803E7}" type="pres">
       <dgm:prSet presAssocID="{7DCF3556-16BE-4EF8-A7D4-12D4DE4665D7}" presName="root2" presStyleCnt="0"/>
@@ -8994,13 +8936,6 @@
         </dgm:presLayoutVars>
       </dgm:prSet>
       <dgm:spPr/>
-      <dgm:t>
-        <a:bodyPr/>
-        <a:lstStyle/>
-        <a:p>
-          <a:endParaRPr lang="de-DE"/>
-        </a:p>
-      </dgm:t>
     </dgm:pt>
     <dgm:pt modelId="{EBDCC47E-90BE-4570-83D7-95387D34AA2A}" type="pres">
       <dgm:prSet presAssocID="{7DCF3556-16BE-4EF8-A7D4-12D4DE4665D7}" presName="level3hierChild" presStyleCnt="0"/>
@@ -9009,24 +8944,10 @@
     <dgm:pt modelId="{7841EF4A-318B-47C9-B9F1-3FFABAC61F9D}" type="pres">
       <dgm:prSet presAssocID="{989B994F-5984-481A-92F1-002819E497E8}" presName="conn2-1" presStyleLbl="parChTrans1D2" presStyleIdx="2" presStyleCnt="7"/>
       <dgm:spPr/>
-      <dgm:t>
-        <a:bodyPr/>
-        <a:lstStyle/>
-        <a:p>
-          <a:endParaRPr lang="de-DE"/>
-        </a:p>
-      </dgm:t>
     </dgm:pt>
     <dgm:pt modelId="{42AEE25C-36A5-4004-8A76-8C4FFCE2B46B}" type="pres">
       <dgm:prSet presAssocID="{989B994F-5984-481A-92F1-002819E497E8}" presName="connTx" presStyleLbl="parChTrans1D2" presStyleIdx="2" presStyleCnt="7"/>
       <dgm:spPr/>
-      <dgm:t>
-        <a:bodyPr/>
-        <a:lstStyle/>
-        <a:p>
-          <a:endParaRPr lang="de-DE"/>
-        </a:p>
-      </dgm:t>
     </dgm:pt>
     <dgm:pt modelId="{7710B3AC-EE20-4BF1-ABF2-F56D63C952BD}" type="pres">
       <dgm:prSet presAssocID="{363C8A34-B015-4731-A90D-4C307DFF7279}" presName="root2" presStyleCnt="0"/>
@@ -9039,13 +8960,6 @@
         </dgm:presLayoutVars>
       </dgm:prSet>
       <dgm:spPr/>
-      <dgm:t>
-        <a:bodyPr/>
-        <a:lstStyle/>
-        <a:p>
-          <a:endParaRPr lang="de-DE"/>
-        </a:p>
-      </dgm:t>
     </dgm:pt>
     <dgm:pt modelId="{8B038112-9C2B-479A-ADA8-70D9BAAB72A9}" type="pres">
       <dgm:prSet presAssocID="{363C8A34-B015-4731-A90D-4C307DFF7279}" presName="level3hierChild" presStyleCnt="0"/>
@@ -9062,13 +8976,6 @@
         </dgm:presLayoutVars>
       </dgm:prSet>
       <dgm:spPr/>
-      <dgm:t>
-        <a:bodyPr/>
-        <a:lstStyle/>
-        <a:p>
-          <a:endParaRPr lang="de-DE"/>
-        </a:p>
-      </dgm:t>
     </dgm:pt>
     <dgm:pt modelId="{E73EE178-031B-4E9F-85E0-A607C6FDEF5D}" type="pres">
       <dgm:prSet presAssocID="{09E424A6-2B87-46A6-83BF-EDB42EBF4D66}" presName="level2hierChild" presStyleCnt="0"/>
@@ -9077,24 +8984,10 @@
     <dgm:pt modelId="{F8AB7AB7-8865-4B9C-B4BE-D2B2DBA7FFFF}" type="pres">
       <dgm:prSet presAssocID="{1E68003F-9EC1-4166-9FC4-73E4D6A7C9CF}" presName="conn2-1" presStyleLbl="parChTrans1D2" presStyleIdx="3" presStyleCnt="7"/>
       <dgm:spPr/>
-      <dgm:t>
-        <a:bodyPr/>
-        <a:lstStyle/>
-        <a:p>
-          <a:endParaRPr lang="de-DE"/>
-        </a:p>
-      </dgm:t>
     </dgm:pt>
     <dgm:pt modelId="{21A37C95-5D34-40DA-A5FB-9AF8DC1C1E0A}" type="pres">
       <dgm:prSet presAssocID="{1E68003F-9EC1-4166-9FC4-73E4D6A7C9CF}" presName="connTx" presStyleLbl="parChTrans1D2" presStyleIdx="3" presStyleCnt="7"/>
       <dgm:spPr/>
-      <dgm:t>
-        <a:bodyPr/>
-        <a:lstStyle/>
-        <a:p>
-          <a:endParaRPr lang="de-DE"/>
-        </a:p>
-      </dgm:t>
     </dgm:pt>
     <dgm:pt modelId="{B177F50D-4B75-41C1-9557-0D2CCF28B6A5}" type="pres">
       <dgm:prSet presAssocID="{A8A8A930-9B28-48B5-9551-B76D16F958B5}" presName="root2" presStyleCnt="0"/>
@@ -9107,13 +9000,6 @@
         </dgm:presLayoutVars>
       </dgm:prSet>
       <dgm:spPr/>
-      <dgm:t>
-        <a:bodyPr/>
-        <a:lstStyle/>
-        <a:p>
-          <a:endParaRPr lang="de-DE"/>
-        </a:p>
-      </dgm:t>
     </dgm:pt>
     <dgm:pt modelId="{94959468-8743-4029-9A8D-AF6FB352FC11}" type="pres">
       <dgm:prSet presAssocID="{A8A8A930-9B28-48B5-9551-B76D16F958B5}" presName="level3hierChild" presStyleCnt="0"/>
@@ -9122,24 +9008,10 @@
     <dgm:pt modelId="{E34C697A-B4BE-455A-B7E8-9C5517C9DACB}" type="pres">
       <dgm:prSet presAssocID="{64FD664D-0421-40D1-8780-6E167AFBEFB5}" presName="conn2-1" presStyleLbl="parChTrans1D2" presStyleIdx="4" presStyleCnt="7"/>
       <dgm:spPr/>
-      <dgm:t>
-        <a:bodyPr/>
-        <a:lstStyle/>
-        <a:p>
-          <a:endParaRPr lang="de-DE"/>
-        </a:p>
-      </dgm:t>
     </dgm:pt>
     <dgm:pt modelId="{5A28F0D3-6AEF-4406-9466-527D86C3DEF3}" type="pres">
       <dgm:prSet presAssocID="{64FD664D-0421-40D1-8780-6E167AFBEFB5}" presName="connTx" presStyleLbl="parChTrans1D2" presStyleIdx="4" presStyleCnt="7"/>
       <dgm:spPr/>
-      <dgm:t>
-        <a:bodyPr/>
-        <a:lstStyle/>
-        <a:p>
-          <a:endParaRPr lang="de-DE"/>
-        </a:p>
-      </dgm:t>
     </dgm:pt>
     <dgm:pt modelId="{B2E0902D-4A5B-48F1-8A4C-A47026BFE570}" type="pres">
       <dgm:prSet presAssocID="{A480305B-59EB-4430-B83F-654C2BD50227}" presName="root2" presStyleCnt="0"/>
@@ -9152,13 +9024,6 @@
         </dgm:presLayoutVars>
       </dgm:prSet>
       <dgm:spPr/>
-      <dgm:t>
-        <a:bodyPr/>
-        <a:lstStyle/>
-        <a:p>
-          <a:endParaRPr lang="de-DE"/>
-        </a:p>
-      </dgm:t>
     </dgm:pt>
     <dgm:pt modelId="{8D0C4641-C032-49A0-A704-19389C35DC44}" type="pres">
       <dgm:prSet presAssocID="{A480305B-59EB-4430-B83F-654C2BD50227}" presName="level3hierChild" presStyleCnt="0"/>
@@ -9167,24 +9032,10 @@
     <dgm:pt modelId="{765CD15B-2B9D-4A70-B77C-D9F7FFB35F3D}" type="pres">
       <dgm:prSet presAssocID="{965DD254-C511-4E4C-9BF2-E71E19EB7D61}" presName="conn2-1" presStyleLbl="parChTrans1D2" presStyleIdx="5" presStyleCnt="7"/>
       <dgm:spPr/>
-      <dgm:t>
-        <a:bodyPr/>
-        <a:lstStyle/>
-        <a:p>
-          <a:endParaRPr lang="de-DE"/>
-        </a:p>
-      </dgm:t>
     </dgm:pt>
     <dgm:pt modelId="{A69B6C2C-3C0D-465F-8109-54BD99DD6579}" type="pres">
       <dgm:prSet presAssocID="{965DD254-C511-4E4C-9BF2-E71E19EB7D61}" presName="connTx" presStyleLbl="parChTrans1D2" presStyleIdx="5" presStyleCnt="7"/>
       <dgm:spPr/>
-      <dgm:t>
-        <a:bodyPr/>
-        <a:lstStyle/>
-        <a:p>
-          <a:endParaRPr lang="de-DE"/>
-        </a:p>
-      </dgm:t>
     </dgm:pt>
     <dgm:pt modelId="{91297F39-F25A-419F-8FF2-C7CE1BDE9851}" type="pres">
       <dgm:prSet presAssocID="{D366436C-A57D-4167-B46A-F9E58A152630}" presName="root2" presStyleCnt="0"/>
@@ -9197,13 +9048,6 @@
         </dgm:presLayoutVars>
       </dgm:prSet>
       <dgm:spPr/>
-      <dgm:t>
-        <a:bodyPr/>
-        <a:lstStyle/>
-        <a:p>
-          <a:endParaRPr lang="de-DE"/>
-        </a:p>
-      </dgm:t>
     </dgm:pt>
     <dgm:pt modelId="{120ECF88-86E8-4DB7-8AC1-7635CE3BFFA3}" type="pres">
       <dgm:prSet presAssocID="{D366436C-A57D-4167-B46A-F9E58A152630}" presName="level3hierChild" presStyleCnt="0"/>
@@ -9212,24 +9056,10 @@
     <dgm:pt modelId="{9EFC3E97-29AB-4CF5-B951-F34DC8F33973}" type="pres">
       <dgm:prSet presAssocID="{8EE0715D-46E5-4581-B22E-1928BF5991D9}" presName="conn2-1" presStyleLbl="parChTrans1D2" presStyleIdx="6" presStyleCnt="7"/>
       <dgm:spPr/>
-      <dgm:t>
-        <a:bodyPr/>
-        <a:lstStyle/>
-        <a:p>
-          <a:endParaRPr lang="de-DE"/>
-        </a:p>
-      </dgm:t>
     </dgm:pt>
     <dgm:pt modelId="{780FBF3A-4F2C-4466-97FE-34E07EF21E25}" type="pres">
       <dgm:prSet presAssocID="{8EE0715D-46E5-4581-B22E-1928BF5991D9}" presName="connTx" presStyleLbl="parChTrans1D2" presStyleIdx="6" presStyleCnt="7"/>
       <dgm:spPr/>
-      <dgm:t>
-        <a:bodyPr/>
-        <a:lstStyle/>
-        <a:p>
-          <a:endParaRPr lang="de-DE"/>
-        </a:p>
-      </dgm:t>
     </dgm:pt>
     <dgm:pt modelId="{EB05CB1C-BD39-41B6-B3A2-CBFD3080B738}" type="pres">
       <dgm:prSet presAssocID="{39EE2861-824A-43EE-9DB6-DDAA18BD082A}" presName="root2" presStyleCnt="0"/>
@@ -9242,13 +9072,6 @@
         </dgm:presLayoutVars>
       </dgm:prSet>
       <dgm:spPr/>
-      <dgm:t>
-        <a:bodyPr/>
-        <a:lstStyle/>
-        <a:p>
-          <a:endParaRPr lang="de-DE"/>
-        </a:p>
-      </dgm:t>
     </dgm:pt>
     <dgm:pt modelId="{51F18C00-C2C7-4A6E-868E-5DF3D8E6C666}" type="pres">
       <dgm:prSet presAssocID="{39EE2861-824A-43EE-9DB6-DDAA18BD082A}" presName="level3hierChild" presStyleCnt="0"/>
@@ -9256,39 +9079,39 @@
     </dgm:pt>
   </dgm:ptLst>
   <dgm:cxnLst>
-    <dgm:cxn modelId="{7FF7FEDB-ABA0-479A-81E2-6BDCBC40391F}" type="presOf" srcId="{A480305B-59EB-4430-B83F-654C2BD50227}" destId="{66D566F4-D332-48A5-BCA8-842AF5E62B48}" srcOrd="0" destOrd="0" presId="urn:microsoft.com/office/officeart/2005/8/layout/hierarchy2"/>
+    <dgm:cxn modelId="{4791D30D-E9CA-4B15-993B-62B8F3C93E2D}" type="presOf" srcId="{FBC92FBA-4BE1-4658-A102-FFDA5B3C4A34}" destId="{91C537BE-7A4A-4251-A37B-8F7A579A3D51}" srcOrd="0" destOrd="0" presId="urn:microsoft.com/office/officeart/2005/8/layout/hierarchy2"/>
+    <dgm:cxn modelId="{432D6218-6162-48E9-917B-18724EDE8911}" type="presOf" srcId="{363C8A34-B015-4731-A90D-4C307DFF7279}" destId="{51717E80-E9E5-4D96-B745-8283954563AD}" srcOrd="0" destOrd="0" presId="urn:microsoft.com/office/officeart/2005/8/layout/hierarchy2"/>
+    <dgm:cxn modelId="{650C6A18-4140-4FB2-B278-C746B2654AA8}" type="presOf" srcId="{4C752F21-DC43-4F70-8473-FE77BE851EA2}" destId="{64E224CB-2D97-4598-A595-9B5AA1E3A6DB}" srcOrd="1" destOrd="0" presId="urn:microsoft.com/office/officeart/2005/8/layout/hierarchy2"/>
+    <dgm:cxn modelId="{9DF2D121-B3BF-4897-940C-F56F50D4045B}" srcId="{FBC92FBA-4BE1-4658-A102-FFDA5B3C4A34}" destId="{363C8A34-B015-4731-A90D-4C307DFF7279}" srcOrd="2" destOrd="0" parTransId="{989B994F-5984-481A-92F1-002819E497E8}" sibTransId="{A7CE2412-0F27-4B9A-B018-C18A00BEF62D}"/>
+    <dgm:cxn modelId="{FECDF224-F734-4858-98B9-66E22E183C0B}" type="presOf" srcId="{A8A8A930-9B28-48B5-9551-B76D16F958B5}" destId="{27F8751E-D35A-4615-9CC4-3195D317BEF0}" srcOrd="0" destOrd="0" presId="urn:microsoft.com/office/officeart/2005/8/layout/hierarchy2"/>
+    <dgm:cxn modelId="{7C0E6C26-97C1-403E-A557-509318DF5299}" type="presOf" srcId="{A9071D43-696E-4208-A051-E6EE7190890A}" destId="{351B15EA-951A-4F39-9FD4-529FA48EE359}" srcOrd="1" destOrd="0" presId="urn:microsoft.com/office/officeart/2005/8/layout/hierarchy2"/>
+    <dgm:cxn modelId="{C3BD7328-A02D-48E0-A866-5FA13D70D930}" type="presOf" srcId="{64FD664D-0421-40D1-8780-6E167AFBEFB5}" destId="{E34C697A-B4BE-455A-B7E8-9C5517C9DACB}" srcOrd="0" destOrd="0" presId="urn:microsoft.com/office/officeart/2005/8/layout/hierarchy2"/>
+    <dgm:cxn modelId="{F749A82A-8436-4F75-B500-E35390868967}" type="presOf" srcId="{F9AF7151-7F79-4E5A-ADD8-B2355A6FCAB1}" destId="{82E59643-610D-44D4-8C60-C8A227202160}" srcOrd="0" destOrd="0" presId="urn:microsoft.com/office/officeart/2005/8/layout/hierarchy2"/>
+    <dgm:cxn modelId="{8C4BFB37-BCFC-47A6-9474-6812A8A189D1}" type="presOf" srcId="{A9071D43-696E-4208-A051-E6EE7190890A}" destId="{5542A02D-D98B-4129-9035-D03358E6D913}" srcOrd="0" destOrd="0" presId="urn:microsoft.com/office/officeart/2005/8/layout/hierarchy2"/>
+    <dgm:cxn modelId="{82F2A538-53B6-4535-BC41-D1CACF79955A}" srcId="{FBC92FBA-4BE1-4658-A102-FFDA5B3C4A34}" destId="{F9AF7151-7F79-4E5A-ADD8-B2355A6FCAB1}" srcOrd="0" destOrd="0" parTransId="{4C752F21-DC43-4F70-8473-FE77BE851EA2}" sibTransId="{D29699BA-7857-49DF-99A5-D49EA07C6393}"/>
+    <dgm:cxn modelId="{3B755E64-EEC6-44BD-9F77-9580A6E2BE3C}" srcId="{91016E94-86CE-4C9D-90BA-6894F2412FDF}" destId="{FBC92FBA-4BE1-4658-A102-FFDA5B3C4A34}" srcOrd="0" destOrd="0" parTransId="{DEF5242E-3B6A-4B85-BC8B-2F68EB757B5A}" sibTransId="{35A350FB-E087-4A82-B535-1DE2438DCCB3}"/>
+    <dgm:cxn modelId="{98E02C45-D5AF-4654-8CF2-997B4AE77124}" type="presOf" srcId="{8EE0715D-46E5-4581-B22E-1928BF5991D9}" destId="{780FBF3A-4F2C-4466-97FE-34E07EF21E25}" srcOrd="1" destOrd="0" presId="urn:microsoft.com/office/officeart/2005/8/layout/hierarchy2"/>
+    <dgm:cxn modelId="{29C4BD67-3838-4DCC-8333-CB023CE24716}" type="presOf" srcId="{64FD664D-0421-40D1-8780-6E167AFBEFB5}" destId="{5A28F0D3-6AEF-4406-9466-527D86C3DEF3}" srcOrd="1" destOrd="0" presId="urn:microsoft.com/office/officeart/2005/8/layout/hierarchy2"/>
+    <dgm:cxn modelId="{01C1C44E-3F91-4641-B2DC-2435DA13E2A6}" srcId="{FBC92FBA-4BE1-4658-A102-FFDA5B3C4A34}" destId="{7DCF3556-16BE-4EF8-A7D4-12D4DE4665D7}" srcOrd="1" destOrd="0" parTransId="{A9071D43-696E-4208-A051-E6EE7190890A}" sibTransId="{554C87BC-E876-4DC3-990B-A60292797BE4}"/>
+    <dgm:cxn modelId="{5A3F4D52-3581-4F0B-9A97-DF043EAE56D2}" type="presOf" srcId="{09E424A6-2B87-46A6-83BF-EDB42EBF4D66}" destId="{89A93480-A6DD-4E40-B495-F0A68FEE2C66}" srcOrd="0" destOrd="0" presId="urn:microsoft.com/office/officeart/2005/8/layout/hierarchy2"/>
+    <dgm:cxn modelId="{4B74AE75-6CDF-4308-9DFA-4E666854484F}" type="presOf" srcId="{39EE2861-824A-43EE-9DB6-DDAA18BD082A}" destId="{4A336130-AA80-44FE-B99C-A35C6277A12A}" srcOrd="0" destOrd="0" presId="urn:microsoft.com/office/officeart/2005/8/layout/hierarchy2"/>
+    <dgm:cxn modelId="{0AD98457-B01E-4389-AE1F-A2F85485B9B7}" type="presOf" srcId="{965DD254-C511-4E4C-9BF2-E71E19EB7D61}" destId="{765CD15B-2B9D-4A70-B77C-D9F7FFB35F3D}" srcOrd="0" destOrd="0" presId="urn:microsoft.com/office/officeart/2005/8/layout/hierarchy2"/>
+    <dgm:cxn modelId="{9684405A-2303-45B6-AEFE-260D3196088D}" type="presOf" srcId="{91016E94-86CE-4C9D-90BA-6894F2412FDF}" destId="{7EF0CAB6-2675-4AF3-B508-F1308E1E4B6F}" srcOrd="0" destOrd="0" presId="urn:microsoft.com/office/officeart/2005/8/layout/hierarchy2"/>
+    <dgm:cxn modelId="{0BE86182-4ACB-4D4F-89E9-39ED046332AB}" type="presOf" srcId="{1E68003F-9EC1-4166-9FC4-73E4D6A7C9CF}" destId="{21A37C95-5D34-40DA-A5FB-9AF8DC1C1E0A}" srcOrd="1" destOrd="0" presId="urn:microsoft.com/office/officeart/2005/8/layout/hierarchy2"/>
+    <dgm:cxn modelId="{9FCCA98C-556C-4BA5-A1CE-D042D48FD705}" type="presOf" srcId="{4C752F21-DC43-4F70-8473-FE77BE851EA2}" destId="{184AC373-EFA2-47A4-BE6C-4BB807E375A2}" srcOrd="0" destOrd="0" presId="urn:microsoft.com/office/officeart/2005/8/layout/hierarchy2"/>
+    <dgm:cxn modelId="{A9AB798E-859E-45A2-8484-E4F10893A63E}" type="presOf" srcId="{8EE0715D-46E5-4581-B22E-1928BF5991D9}" destId="{9EFC3E97-29AB-4CF5-B951-F34DC8F33973}" srcOrd="0" destOrd="0" presId="urn:microsoft.com/office/officeart/2005/8/layout/hierarchy2"/>
+    <dgm:cxn modelId="{FC0E7892-8952-424D-AB74-6C5103DBBB8E}" srcId="{09E424A6-2B87-46A6-83BF-EDB42EBF4D66}" destId="{A8A8A930-9B28-48B5-9551-B76D16F958B5}" srcOrd="0" destOrd="0" parTransId="{1E68003F-9EC1-4166-9FC4-73E4D6A7C9CF}" sibTransId="{F698B7B8-2B6B-4151-94AB-A20CEFD78DAA}"/>
+    <dgm:cxn modelId="{0A0F529A-1215-419C-9A51-172A3865EBE7}" srcId="{91016E94-86CE-4C9D-90BA-6894F2412FDF}" destId="{09E424A6-2B87-46A6-83BF-EDB42EBF4D66}" srcOrd="1" destOrd="0" parTransId="{8B189DE4-47EF-4077-BE47-147D33DCC304}" sibTransId="{578F0149-FC02-4159-9636-02386D56B8A0}"/>
     <dgm:cxn modelId="{0E507AA0-9817-4215-A3C8-51619768B18F}" type="presOf" srcId="{7DCF3556-16BE-4EF8-A7D4-12D4DE4665D7}" destId="{C6F1ABB4-98C0-4023-B949-FFAB0C55AA8C}" srcOrd="0" destOrd="0" presId="urn:microsoft.com/office/officeart/2005/8/layout/hierarchy2"/>
-    <dgm:cxn modelId="{0A0F529A-1215-419C-9A51-172A3865EBE7}" srcId="{91016E94-86CE-4C9D-90BA-6894F2412FDF}" destId="{09E424A6-2B87-46A6-83BF-EDB42EBF4D66}" srcOrd="1" destOrd="0" parTransId="{8B189DE4-47EF-4077-BE47-147D33DCC304}" sibTransId="{578F0149-FC02-4159-9636-02386D56B8A0}"/>
-    <dgm:cxn modelId="{655F4AF5-0911-472F-BF53-1DF2C29B6243}" type="presOf" srcId="{989B994F-5984-481A-92F1-002819E497E8}" destId="{7841EF4A-318B-47C9-B9F1-3FFABAC61F9D}" srcOrd="0" destOrd="0" presId="urn:microsoft.com/office/officeart/2005/8/layout/hierarchy2"/>
-    <dgm:cxn modelId="{8C4BFB37-BCFC-47A6-9474-6812A8A189D1}" type="presOf" srcId="{A9071D43-696E-4208-A051-E6EE7190890A}" destId="{5542A02D-D98B-4129-9035-D03358E6D913}" srcOrd="0" destOrd="0" presId="urn:microsoft.com/office/officeart/2005/8/layout/hierarchy2"/>
-    <dgm:cxn modelId="{6BAF81FF-3899-4F95-8E25-1FC05650684B}" type="presOf" srcId="{D366436C-A57D-4167-B46A-F9E58A152630}" destId="{A386DB6A-7C7D-497A-B3E3-2353B9581DE5}" srcOrd="0" destOrd="0" presId="urn:microsoft.com/office/officeart/2005/8/layout/hierarchy2"/>
+    <dgm:cxn modelId="{604301A6-0559-4484-A562-B706E2366859}" srcId="{09E424A6-2B87-46A6-83BF-EDB42EBF4D66}" destId="{39EE2861-824A-43EE-9DB6-DDAA18BD082A}" srcOrd="3" destOrd="0" parTransId="{8EE0715D-46E5-4581-B22E-1928BF5991D9}" sibTransId="{F62B5C73-2855-49F6-A523-4FBF37F86C1F}"/>
     <dgm:cxn modelId="{DD0F27AC-7284-4704-B1EE-F30E4FD8DE43}" type="presOf" srcId="{989B994F-5984-481A-92F1-002819E497E8}" destId="{42AEE25C-36A5-4004-8A76-8C4FFCE2B46B}" srcOrd="1" destOrd="0" presId="urn:microsoft.com/office/officeart/2005/8/layout/hierarchy2"/>
-    <dgm:cxn modelId="{432D6218-6162-48E9-917B-18724EDE8911}" type="presOf" srcId="{363C8A34-B015-4731-A90D-4C307DFF7279}" destId="{51717E80-E9E5-4D96-B745-8283954563AD}" srcOrd="0" destOrd="0" presId="urn:microsoft.com/office/officeart/2005/8/layout/hierarchy2"/>
-    <dgm:cxn modelId="{9FCCA98C-556C-4BA5-A1CE-D042D48FD705}" type="presOf" srcId="{4C752F21-DC43-4F70-8473-FE77BE851EA2}" destId="{184AC373-EFA2-47A4-BE6C-4BB807E375A2}" srcOrd="0" destOrd="0" presId="urn:microsoft.com/office/officeart/2005/8/layout/hierarchy2"/>
-    <dgm:cxn modelId="{0AD98457-B01E-4389-AE1F-A2F85485B9B7}" type="presOf" srcId="{965DD254-C511-4E4C-9BF2-E71E19EB7D61}" destId="{765CD15B-2B9D-4A70-B77C-D9F7FFB35F3D}" srcOrd="0" destOrd="0" presId="urn:microsoft.com/office/officeart/2005/8/layout/hierarchy2"/>
-    <dgm:cxn modelId="{650C6A18-4140-4FB2-B278-C746B2654AA8}" type="presOf" srcId="{4C752F21-DC43-4F70-8473-FE77BE851EA2}" destId="{64E224CB-2D97-4598-A595-9B5AA1E3A6DB}" srcOrd="1" destOrd="0" presId="urn:microsoft.com/office/officeart/2005/8/layout/hierarchy2"/>
-    <dgm:cxn modelId="{29C4BD67-3838-4DCC-8333-CB023CE24716}" type="presOf" srcId="{64FD664D-0421-40D1-8780-6E167AFBEFB5}" destId="{5A28F0D3-6AEF-4406-9466-527D86C3DEF3}" srcOrd="1" destOrd="0" presId="urn:microsoft.com/office/officeart/2005/8/layout/hierarchy2"/>
-    <dgm:cxn modelId="{98E02C45-D5AF-4654-8CF2-997B4AE77124}" type="presOf" srcId="{8EE0715D-46E5-4581-B22E-1928BF5991D9}" destId="{780FBF3A-4F2C-4466-97FE-34E07EF21E25}" srcOrd="1" destOrd="0" presId="urn:microsoft.com/office/officeart/2005/8/layout/hierarchy2"/>
     <dgm:cxn modelId="{942956BE-5BC7-417D-B249-16ACE0509795}" type="presOf" srcId="{1E68003F-9EC1-4166-9FC4-73E4D6A7C9CF}" destId="{F8AB7AB7-8865-4B9C-B4BE-D2B2DBA7FFFF}" srcOrd="0" destOrd="0" presId="urn:microsoft.com/office/officeart/2005/8/layout/hierarchy2"/>
-    <dgm:cxn modelId="{82F2A538-53B6-4535-BC41-D1CACF79955A}" srcId="{FBC92FBA-4BE1-4658-A102-FFDA5B3C4A34}" destId="{F9AF7151-7F79-4E5A-ADD8-B2355A6FCAB1}" srcOrd="0" destOrd="0" parTransId="{4C752F21-DC43-4F70-8473-FE77BE851EA2}" sibTransId="{D29699BA-7857-49DF-99A5-D49EA07C6393}"/>
-    <dgm:cxn modelId="{F749A82A-8436-4F75-B500-E35390868967}" type="presOf" srcId="{F9AF7151-7F79-4E5A-ADD8-B2355A6FCAB1}" destId="{82E59643-610D-44D4-8C60-C8A227202160}" srcOrd="0" destOrd="0" presId="urn:microsoft.com/office/officeart/2005/8/layout/hierarchy2"/>
-    <dgm:cxn modelId="{FECDF224-F734-4858-98B9-66E22E183C0B}" type="presOf" srcId="{A8A8A930-9B28-48B5-9551-B76D16F958B5}" destId="{27F8751E-D35A-4615-9CC4-3195D317BEF0}" srcOrd="0" destOrd="0" presId="urn:microsoft.com/office/officeart/2005/8/layout/hierarchy2"/>
-    <dgm:cxn modelId="{A9AB798E-859E-45A2-8484-E4F10893A63E}" type="presOf" srcId="{8EE0715D-46E5-4581-B22E-1928BF5991D9}" destId="{9EFC3E97-29AB-4CF5-B951-F34DC8F33973}" srcOrd="0" destOrd="0" presId="urn:microsoft.com/office/officeart/2005/8/layout/hierarchy2"/>
     <dgm:cxn modelId="{5C0007C8-8596-4125-ABD2-3FA94770EAF8}" srcId="{09E424A6-2B87-46A6-83BF-EDB42EBF4D66}" destId="{D366436C-A57D-4167-B46A-F9E58A152630}" srcOrd="2" destOrd="0" parTransId="{965DD254-C511-4E4C-9BF2-E71E19EB7D61}" sibTransId="{B54D246D-F22D-4657-9E5B-2C3CF28C30FD}"/>
     <dgm:cxn modelId="{B750CDCB-60C8-4571-A322-B25CC68C5184}" type="presOf" srcId="{965DD254-C511-4E4C-9BF2-E71E19EB7D61}" destId="{A69B6C2C-3C0D-465F-8109-54BD99DD6579}" srcOrd="1" destOrd="0" presId="urn:microsoft.com/office/officeart/2005/8/layout/hierarchy2"/>
-    <dgm:cxn modelId="{9DF2D121-B3BF-4897-940C-F56F50D4045B}" srcId="{FBC92FBA-4BE1-4658-A102-FFDA5B3C4A34}" destId="{363C8A34-B015-4731-A90D-4C307DFF7279}" srcOrd="2" destOrd="0" parTransId="{989B994F-5984-481A-92F1-002819E497E8}" sibTransId="{A7CE2412-0F27-4B9A-B018-C18A00BEF62D}"/>
-    <dgm:cxn modelId="{7C0E6C26-97C1-403E-A557-509318DF5299}" type="presOf" srcId="{A9071D43-696E-4208-A051-E6EE7190890A}" destId="{351B15EA-951A-4F39-9FD4-529FA48EE359}" srcOrd="1" destOrd="0" presId="urn:microsoft.com/office/officeart/2005/8/layout/hierarchy2"/>
-    <dgm:cxn modelId="{C3BD7328-A02D-48E0-A866-5FA13D70D930}" type="presOf" srcId="{64FD664D-0421-40D1-8780-6E167AFBEFB5}" destId="{E34C697A-B4BE-455A-B7E8-9C5517C9DACB}" srcOrd="0" destOrd="0" presId="urn:microsoft.com/office/officeart/2005/8/layout/hierarchy2"/>
-    <dgm:cxn modelId="{0BE86182-4ACB-4D4F-89E9-39ED046332AB}" type="presOf" srcId="{1E68003F-9EC1-4166-9FC4-73E4D6A7C9CF}" destId="{21A37C95-5D34-40DA-A5FB-9AF8DC1C1E0A}" srcOrd="1" destOrd="0" presId="urn:microsoft.com/office/officeart/2005/8/layout/hierarchy2"/>
-    <dgm:cxn modelId="{4791D30D-E9CA-4B15-993B-62B8F3C93E2D}" type="presOf" srcId="{FBC92FBA-4BE1-4658-A102-FFDA5B3C4A34}" destId="{91C537BE-7A4A-4251-A37B-8F7A579A3D51}" srcOrd="0" destOrd="0" presId="urn:microsoft.com/office/officeart/2005/8/layout/hierarchy2"/>
-    <dgm:cxn modelId="{4B74AE75-6CDF-4308-9DFA-4E666854484F}" type="presOf" srcId="{39EE2861-824A-43EE-9DB6-DDAA18BD082A}" destId="{4A336130-AA80-44FE-B99C-A35C6277A12A}" srcOrd="0" destOrd="0" presId="urn:microsoft.com/office/officeart/2005/8/layout/hierarchy2"/>
-    <dgm:cxn modelId="{5A3F4D52-3581-4F0B-9A97-DF043EAE56D2}" type="presOf" srcId="{09E424A6-2B87-46A6-83BF-EDB42EBF4D66}" destId="{89A93480-A6DD-4E40-B495-F0A68FEE2C66}" srcOrd="0" destOrd="0" presId="urn:microsoft.com/office/officeart/2005/8/layout/hierarchy2"/>
     <dgm:cxn modelId="{F8E4E0CE-1B09-4476-9AC3-DBB7E8E54A4A}" srcId="{09E424A6-2B87-46A6-83BF-EDB42EBF4D66}" destId="{A480305B-59EB-4430-B83F-654C2BD50227}" srcOrd="1" destOrd="0" parTransId="{64FD664D-0421-40D1-8780-6E167AFBEFB5}" sibTransId="{E109BF0E-B975-4926-8743-534E30E91265}"/>
-    <dgm:cxn modelId="{9684405A-2303-45B6-AEFE-260D3196088D}" type="presOf" srcId="{91016E94-86CE-4C9D-90BA-6894F2412FDF}" destId="{7EF0CAB6-2675-4AF3-B508-F1308E1E4B6F}" srcOrd="0" destOrd="0" presId="urn:microsoft.com/office/officeart/2005/8/layout/hierarchy2"/>
-    <dgm:cxn modelId="{01C1C44E-3F91-4641-B2DC-2435DA13E2A6}" srcId="{FBC92FBA-4BE1-4658-A102-FFDA5B3C4A34}" destId="{7DCF3556-16BE-4EF8-A7D4-12D4DE4665D7}" srcOrd="1" destOrd="0" parTransId="{A9071D43-696E-4208-A051-E6EE7190890A}" sibTransId="{554C87BC-E876-4DC3-990B-A60292797BE4}"/>
-    <dgm:cxn modelId="{FC0E7892-8952-424D-AB74-6C5103DBBB8E}" srcId="{09E424A6-2B87-46A6-83BF-EDB42EBF4D66}" destId="{A8A8A930-9B28-48B5-9551-B76D16F958B5}" srcOrd="0" destOrd="0" parTransId="{1E68003F-9EC1-4166-9FC4-73E4D6A7C9CF}" sibTransId="{F698B7B8-2B6B-4151-94AB-A20CEFD78DAA}"/>
-    <dgm:cxn modelId="{3B755E64-EEC6-44BD-9F77-9580A6E2BE3C}" srcId="{91016E94-86CE-4C9D-90BA-6894F2412FDF}" destId="{FBC92FBA-4BE1-4658-A102-FFDA5B3C4A34}" srcOrd="0" destOrd="0" parTransId="{DEF5242E-3B6A-4B85-BC8B-2F68EB757B5A}" sibTransId="{35A350FB-E087-4A82-B535-1DE2438DCCB3}"/>
-    <dgm:cxn modelId="{604301A6-0559-4484-A562-B706E2366859}" srcId="{09E424A6-2B87-46A6-83BF-EDB42EBF4D66}" destId="{39EE2861-824A-43EE-9DB6-DDAA18BD082A}" srcOrd="3" destOrd="0" parTransId="{8EE0715D-46E5-4581-B22E-1928BF5991D9}" sibTransId="{F62B5C73-2855-49F6-A523-4FBF37F86C1F}"/>
+    <dgm:cxn modelId="{7FF7FEDB-ABA0-479A-81E2-6BDCBC40391F}" type="presOf" srcId="{A480305B-59EB-4430-B83F-654C2BD50227}" destId="{66D566F4-D332-48A5-BCA8-842AF5E62B48}" srcOrd="0" destOrd="0" presId="urn:microsoft.com/office/officeart/2005/8/layout/hierarchy2"/>
+    <dgm:cxn modelId="{655F4AF5-0911-472F-BF53-1DF2C29B6243}" type="presOf" srcId="{989B994F-5984-481A-92F1-002819E497E8}" destId="{7841EF4A-318B-47C9-B9F1-3FFABAC61F9D}" srcOrd="0" destOrd="0" presId="urn:microsoft.com/office/officeart/2005/8/layout/hierarchy2"/>
+    <dgm:cxn modelId="{6BAF81FF-3899-4F95-8E25-1FC05650684B}" type="presOf" srcId="{D366436C-A57D-4167-B46A-F9E58A152630}" destId="{A386DB6A-7C7D-497A-B3E3-2353B9581DE5}" srcOrd="0" destOrd="0" presId="urn:microsoft.com/office/officeart/2005/8/layout/hierarchy2"/>
     <dgm:cxn modelId="{42A6EA3F-422D-49C9-9401-182B42A8FEE0}" type="presParOf" srcId="{7EF0CAB6-2675-4AF3-B508-F1308E1E4B6F}" destId="{378369BD-AB71-46A9-B11A-8508488AE867}" srcOrd="0" destOrd="0" presId="urn:microsoft.com/office/officeart/2005/8/layout/hierarchy2"/>
     <dgm:cxn modelId="{AEE58F7F-8D1E-4939-B15D-61872C79EF40}" type="presParOf" srcId="{378369BD-AB71-46A9-B11A-8508488AE867}" destId="{91C537BE-7A4A-4251-A37B-8F7A579A3D51}" srcOrd="0" destOrd="0" presId="urn:microsoft.com/office/officeart/2005/8/layout/hierarchy2"/>
     <dgm:cxn modelId="{72D9FA58-3E7F-4FEE-826A-C36CD04E2D5C}" type="presParOf" srcId="{378369BD-AB71-46A9-B11A-8508488AE867}" destId="{40EE4DA3-A8C1-45E6-A20D-B1278E085BB3}" srcOrd="1" destOrd="0" presId="urn:microsoft.com/office/officeart/2005/8/layout/hierarchy2"/>
@@ -9375,10 +9198,9 @@
         <a:lstStyle/>
         <a:p>
           <a:r>
-            <a:rPr lang="de-DE" dirty="0" smtClean="0"/>
+            <a:rPr lang="de-DE" dirty="0"/>
             <a:t>Topology-Editor-Server</a:t>
           </a:r>
-          <a:endParaRPr lang="de-DE" dirty="0"/>
         </a:p>
       </dgm:t>
     </dgm:pt>
@@ -9424,10 +9246,9 @@
         <a:lstStyle/>
         <a:p>
           <a:r>
-            <a:rPr lang="de-DE" dirty="0" smtClean="0"/>
+            <a:rPr lang="de-DE" dirty="0"/>
             <a:t>Topology-Editor-Client</a:t>
           </a:r>
-          <a:endParaRPr lang="de-DE" dirty="0"/>
         </a:p>
       </dgm:t>
     </dgm:pt>
@@ -9463,10 +9284,9 @@
         <a:lstStyle/>
         <a:p>
           <a:r>
-            <a:rPr lang="de-DE" dirty="0" smtClean="0"/>
+            <a:rPr lang="de-DE" dirty="0"/>
             <a:t>ComStudio</a:t>
           </a:r>
-          <a:endParaRPr lang="de-DE" dirty="0"/>
         </a:p>
       </dgm:t>
     </dgm:pt>
@@ -9518,13 +9338,6 @@
           <a:avLst/>
         </a:prstGeom>
       </dgm:spPr>
-      <dgm:t>
-        <a:bodyPr/>
-        <a:lstStyle/>
-        <a:p>
-          <a:endParaRPr lang="de-DE"/>
-        </a:p>
-      </dgm:t>
     </dgm:pt>
     <dgm:pt modelId="{4C95733D-4436-4872-BCF3-0568E5C31ABB}" type="pres">
       <dgm:prSet presAssocID="{A527273E-42AD-4A7E-9118-681D249AAD73}" presName="sibTrans" presStyleLbl="sibTrans2D1" presStyleIdx="0" presStyleCnt="2" custAng="5220000" custFlipVert="1" custFlipHor="1" custScaleX="37303" custScaleY="746597" custLinFactY="400000" custLinFactNeighborX="1376" custLinFactNeighborY="459228"/>
@@ -9533,24 +9346,10 @@
           <a:avLst/>
         </a:prstGeom>
       </dgm:spPr>
-      <dgm:t>
-        <a:bodyPr/>
-        <a:lstStyle/>
-        <a:p>
-          <a:endParaRPr lang="de-DE"/>
-        </a:p>
-      </dgm:t>
     </dgm:pt>
     <dgm:pt modelId="{B2BA0E98-7C6C-40B6-9FD3-87AA3925BD64}" type="pres">
       <dgm:prSet presAssocID="{A527273E-42AD-4A7E-9118-681D249AAD73}" presName="connectorText" presStyleLbl="sibTrans2D1" presStyleIdx="0" presStyleCnt="2"/>
       <dgm:spPr/>
-      <dgm:t>
-        <a:bodyPr/>
-        <a:lstStyle/>
-        <a:p>
-          <a:endParaRPr lang="de-DE"/>
-        </a:p>
-      </dgm:t>
     </dgm:pt>
     <dgm:pt modelId="{E8BCA89B-82EF-454C-A0E7-B837F80BA303}" type="pres">
       <dgm:prSet presAssocID="{A318569D-831F-470B-BAB3-812FDEF6021C}" presName="node" presStyleLbl="node1" presStyleIdx="1" presStyleCnt="3" custScaleX="588546" custScaleY="173939" custLinFactX="-622898" custLinFactY="-95866" custLinFactNeighborX="-700000" custLinFactNeighborY="-100000">
@@ -9559,13 +9358,6 @@
         </dgm:presLayoutVars>
       </dgm:prSet>
       <dgm:spPr/>
-      <dgm:t>
-        <a:bodyPr/>
-        <a:lstStyle/>
-        <a:p>
-          <a:endParaRPr lang="de-DE"/>
-        </a:p>
-      </dgm:t>
     </dgm:pt>
     <dgm:pt modelId="{0751CB5F-0CAD-43C2-8096-ACF69257E054}" type="pres">
       <dgm:prSet presAssocID="{3F0594E2-D046-43E1-9F3E-DBD92EDB6E36}" presName="sibTrans" presStyleLbl="sibTrans2D1" presStyleIdx="1" presStyleCnt="2" custFlipVert="1" custFlipHor="1" custScaleX="195674" custScaleY="325342"/>
@@ -9574,24 +9366,10 @@
           <a:avLst/>
         </a:prstGeom>
       </dgm:spPr>
-      <dgm:t>
-        <a:bodyPr/>
-        <a:lstStyle/>
-        <a:p>
-          <a:endParaRPr lang="de-DE"/>
-        </a:p>
-      </dgm:t>
     </dgm:pt>
     <dgm:pt modelId="{27B7C9CE-26AB-4571-86BA-ECA985312961}" type="pres">
       <dgm:prSet presAssocID="{3F0594E2-D046-43E1-9F3E-DBD92EDB6E36}" presName="connectorText" presStyleLbl="sibTrans2D1" presStyleIdx="1" presStyleCnt="2"/>
       <dgm:spPr/>
-      <dgm:t>
-        <a:bodyPr/>
-        <a:lstStyle/>
-        <a:p>
-          <a:endParaRPr lang="de-DE"/>
-        </a:p>
-      </dgm:t>
     </dgm:pt>
     <dgm:pt modelId="{0A97FDCC-82E7-41C1-8687-6E35D8D163B5}" type="pres">
       <dgm:prSet presAssocID="{CA8E837B-E8D6-4AE8-AD5F-4841D7D0B680}" presName="node" presStyleLbl="node1" presStyleIdx="2" presStyleCnt="3" custFlipHor="1" custScaleX="544853" custScaleY="173564" custLinFactX="-442891" custLinFactY="-94885" custLinFactNeighborX="-500000" custLinFactNeighborY="-100000">
@@ -9600,27 +9378,20 @@
         </dgm:presLayoutVars>
       </dgm:prSet>
       <dgm:spPr/>
-      <dgm:t>
-        <a:bodyPr/>
-        <a:lstStyle/>
-        <a:p>
-          <a:endParaRPr lang="de-DE"/>
-        </a:p>
-      </dgm:t>
     </dgm:pt>
   </dgm:ptLst>
   <dgm:cxnLst>
+    <dgm:cxn modelId="{340E2F05-7DF1-4481-95F1-BF9A7DA02E81}" type="presOf" srcId="{3F0594E2-D046-43E1-9F3E-DBD92EDB6E36}" destId="{0751CB5F-0CAD-43C2-8096-ACF69257E054}" srcOrd="0" destOrd="0" presId="urn:microsoft.com/office/officeart/2005/8/layout/process1"/>
+    <dgm:cxn modelId="{264AB117-5DFC-4A66-A0E4-F3911B2C8785}" type="presOf" srcId="{CA8E837B-E8D6-4AE8-AD5F-4841D7D0B680}" destId="{0A97FDCC-82E7-41C1-8687-6E35D8D163B5}" srcOrd="0" destOrd="0" presId="urn:microsoft.com/office/officeart/2005/8/layout/process1"/>
+    <dgm:cxn modelId="{8ED55531-9D3C-4EE7-B456-6ABC1E0A755B}" srcId="{18FAC1E6-C5CF-47A9-A33D-7A31614049C3}" destId="{CA8E837B-E8D6-4AE8-AD5F-4841D7D0B680}" srcOrd="2" destOrd="0" parTransId="{6E22C970-CFE9-4898-8D2C-85BAA3176A23}" sibTransId="{A015E625-CD17-4FE2-B14B-3E04B8D1F675}"/>
+    <dgm:cxn modelId="{C23D5F49-1A39-401D-B73E-C08116D9E55C}" type="presOf" srcId="{0721BB28-D2F8-4DC7-B464-6055BEE33A3F}" destId="{D45BCB76-F478-47EA-B0E1-6BFA6F2C3A14}" srcOrd="0" destOrd="0" presId="urn:microsoft.com/office/officeart/2005/8/layout/process1"/>
+    <dgm:cxn modelId="{0B0E357A-6666-42FB-8742-806AE604CED9}" type="presOf" srcId="{18FAC1E6-C5CF-47A9-A33D-7A31614049C3}" destId="{56F983B9-4FEA-4137-92B0-30EDC00631CB}" srcOrd="0" destOrd="0" presId="urn:microsoft.com/office/officeart/2005/8/layout/process1"/>
+    <dgm:cxn modelId="{A4BB0589-8721-44EA-B3C8-976F63583787}" type="presOf" srcId="{A527273E-42AD-4A7E-9118-681D249AAD73}" destId="{B2BA0E98-7C6C-40B6-9FD3-87AA3925BD64}" srcOrd="1" destOrd="0" presId="urn:microsoft.com/office/officeart/2005/8/layout/process1"/>
+    <dgm:cxn modelId="{C6B31597-0CAD-4966-8DC4-A22B00504BC3}" type="presOf" srcId="{A527273E-42AD-4A7E-9118-681D249AAD73}" destId="{4C95733D-4436-4872-BCF3-0568E5C31ABB}" srcOrd="0" destOrd="0" presId="urn:microsoft.com/office/officeart/2005/8/layout/process1"/>
+    <dgm:cxn modelId="{6DD379D1-9475-4531-AA76-EA3E25E59E60}" type="presOf" srcId="{A318569D-831F-470B-BAB3-812FDEF6021C}" destId="{E8BCA89B-82EF-454C-A0E7-B837F80BA303}" srcOrd="0" destOrd="0" presId="urn:microsoft.com/office/officeart/2005/8/layout/process1"/>
+    <dgm:cxn modelId="{EF393ADA-FABC-4583-ABC7-C1B2DDDD653F}" srcId="{18FAC1E6-C5CF-47A9-A33D-7A31614049C3}" destId="{A318569D-831F-470B-BAB3-812FDEF6021C}" srcOrd="1" destOrd="0" parTransId="{8826AA37-B320-459A-9CB7-4702B2FCA6AB}" sibTransId="{3F0594E2-D046-43E1-9F3E-DBD92EDB6E36}"/>
+    <dgm:cxn modelId="{4CC92DE0-1A55-4FEC-881B-726D2E69314A}" srcId="{18FAC1E6-C5CF-47A9-A33D-7A31614049C3}" destId="{0721BB28-D2F8-4DC7-B464-6055BEE33A3F}" srcOrd="0" destOrd="0" parTransId="{D03F987D-83BC-4A17-9F07-0ADA42CCE944}" sibTransId="{A527273E-42AD-4A7E-9118-681D249AAD73}"/>
     <dgm:cxn modelId="{0CCAD3E5-FF5D-45A0-975B-6E469D45BBC6}" type="presOf" srcId="{3F0594E2-D046-43E1-9F3E-DBD92EDB6E36}" destId="{27B7C9CE-26AB-4571-86BA-ECA985312961}" srcOrd="1" destOrd="0" presId="urn:microsoft.com/office/officeart/2005/8/layout/process1"/>
-    <dgm:cxn modelId="{264AB117-5DFC-4A66-A0E4-F3911B2C8785}" type="presOf" srcId="{CA8E837B-E8D6-4AE8-AD5F-4841D7D0B680}" destId="{0A97FDCC-82E7-41C1-8687-6E35D8D163B5}" srcOrd="0" destOrd="0" presId="urn:microsoft.com/office/officeart/2005/8/layout/process1"/>
-    <dgm:cxn modelId="{EF393ADA-FABC-4583-ABC7-C1B2DDDD653F}" srcId="{18FAC1E6-C5CF-47A9-A33D-7A31614049C3}" destId="{A318569D-831F-470B-BAB3-812FDEF6021C}" srcOrd="1" destOrd="0" parTransId="{8826AA37-B320-459A-9CB7-4702B2FCA6AB}" sibTransId="{3F0594E2-D046-43E1-9F3E-DBD92EDB6E36}"/>
-    <dgm:cxn modelId="{C6B31597-0CAD-4966-8DC4-A22B00504BC3}" type="presOf" srcId="{A527273E-42AD-4A7E-9118-681D249AAD73}" destId="{4C95733D-4436-4872-BCF3-0568E5C31ABB}" srcOrd="0" destOrd="0" presId="urn:microsoft.com/office/officeart/2005/8/layout/process1"/>
-    <dgm:cxn modelId="{340E2F05-7DF1-4481-95F1-BF9A7DA02E81}" type="presOf" srcId="{3F0594E2-D046-43E1-9F3E-DBD92EDB6E36}" destId="{0751CB5F-0CAD-43C2-8096-ACF69257E054}" srcOrd="0" destOrd="0" presId="urn:microsoft.com/office/officeart/2005/8/layout/process1"/>
-    <dgm:cxn modelId="{6DD379D1-9475-4531-AA76-EA3E25E59E60}" type="presOf" srcId="{A318569D-831F-470B-BAB3-812FDEF6021C}" destId="{E8BCA89B-82EF-454C-A0E7-B837F80BA303}" srcOrd="0" destOrd="0" presId="urn:microsoft.com/office/officeart/2005/8/layout/process1"/>
-    <dgm:cxn modelId="{8ED55531-9D3C-4EE7-B456-6ABC1E0A755B}" srcId="{18FAC1E6-C5CF-47A9-A33D-7A31614049C3}" destId="{CA8E837B-E8D6-4AE8-AD5F-4841D7D0B680}" srcOrd="2" destOrd="0" parTransId="{6E22C970-CFE9-4898-8D2C-85BAA3176A23}" sibTransId="{A015E625-CD17-4FE2-B14B-3E04B8D1F675}"/>
-    <dgm:cxn modelId="{0B0E357A-6666-42FB-8742-806AE604CED9}" type="presOf" srcId="{18FAC1E6-C5CF-47A9-A33D-7A31614049C3}" destId="{56F983B9-4FEA-4137-92B0-30EDC00631CB}" srcOrd="0" destOrd="0" presId="urn:microsoft.com/office/officeart/2005/8/layout/process1"/>
-    <dgm:cxn modelId="{4CC92DE0-1A55-4FEC-881B-726D2E69314A}" srcId="{18FAC1E6-C5CF-47A9-A33D-7A31614049C3}" destId="{0721BB28-D2F8-4DC7-B464-6055BEE33A3F}" srcOrd="0" destOrd="0" parTransId="{D03F987D-83BC-4A17-9F07-0ADA42CCE944}" sibTransId="{A527273E-42AD-4A7E-9118-681D249AAD73}"/>
-    <dgm:cxn modelId="{A4BB0589-8721-44EA-B3C8-976F63583787}" type="presOf" srcId="{A527273E-42AD-4A7E-9118-681D249AAD73}" destId="{B2BA0E98-7C6C-40B6-9FD3-87AA3925BD64}" srcOrd="1" destOrd="0" presId="urn:microsoft.com/office/officeart/2005/8/layout/process1"/>
-    <dgm:cxn modelId="{C23D5F49-1A39-401D-B73E-C08116D9E55C}" type="presOf" srcId="{0721BB28-D2F8-4DC7-B464-6055BEE33A3F}" destId="{D45BCB76-F478-47EA-B0E1-6BFA6F2C3A14}" srcOrd="0" destOrd="0" presId="urn:microsoft.com/office/officeart/2005/8/layout/process1"/>
     <dgm:cxn modelId="{54DC4E8E-AA11-4BFB-AE93-1699703B2714}" type="presParOf" srcId="{56F983B9-4FEA-4137-92B0-30EDC00631CB}" destId="{D45BCB76-F478-47EA-B0E1-6BFA6F2C3A14}" srcOrd="0" destOrd="0" presId="urn:microsoft.com/office/officeart/2005/8/layout/process1"/>
     <dgm:cxn modelId="{FFE567AD-DE1F-4EB9-9190-5CF830884D6F}" type="presParOf" srcId="{56F983B9-4FEA-4137-92B0-30EDC00631CB}" destId="{4C95733D-4436-4872-BCF3-0568E5C31ABB}" srcOrd="1" destOrd="0" presId="urn:microsoft.com/office/officeart/2005/8/layout/process1"/>
     <dgm:cxn modelId="{AF1A73D0-C4DA-4458-9CD0-E23E936DD342}" type="presParOf" srcId="{4C95733D-4436-4872-BCF3-0568E5C31ABB}" destId="{B2BA0E98-7C6C-40B6-9FD3-87AA3925BD64}" srcOrd="0" destOrd="0" presId="urn:microsoft.com/office/officeart/2005/8/layout/process1"/>
@@ -9665,10 +9436,9 @@
         <a:lstStyle/>
         <a:p>
           <a:r>
-            <a:rPr lang="de-DE" dirty="0" smtClean="0"/>
+            <a:rPr lang="de-DE" dirty="0"/>
             <a:t>Schicht 7</a:t>
           </a:r>
-          <a:endParaRPr lang="de-DE" dirty="0"/>
         </a:p>
       </dgm:t>
     </dgm:pt>
@@ -9702,11 +9472,11 @@
         <a:lstStyle/>
         <a:p>
           <a:r>
-            <a:rPr lang="de-DE" sz="1000" b="1" dirty="0" smtClean="0"/>
+            <a:rPr lang="de-DE" sz="1000" b="1" dirty="0"/>
             <a:t>PROFOBUS-DP/V0, DP/V1</a:t>
           </a:r>
           <a:r>
-            <a:rPr lang="de-DE" sz="1000" b="1" smtClean="0"/>
+            <a:rPr lang="de-DE" sz="1000" b="1"/>
             <a:t>, DP/V2</a:t>
           </a:r>
           <a:endParaRPr lang="de-DE" sz="1000" b="1" dirty="0"/>
@@ -9749,10 +9519,9 @@
         <a:lstStyle/>
         <a:p>
           <a:r>
-            <a:rPr lang="de-DE" dirty="0" smtClean="0"/>
+            <a:rPr lang="de-DE" dirty="0"/>
             <a:t>Schicht  6 </a:t>
           </a:r>
-          <a:endParaRPr lang="de-DE" dirty="0"/>
         </a:p>
       </dgm:t>
     </dgm:pt>
@@ -9790,10 +9559,9 @@
         <a:lstStyle/>
         <a:p>
           <a:r>
-            <a:rPr lang="de-DE" dirty="0" smtClean="0"/>
+            <a:rPr lang="de-DE" dirty="0"/>
             <a:t>Schicht 2</a:t>
           </a:r>
-          <a:endParaRPr lang="de-DE" dirty="0"/>
         </a:p>
       </dgm:t>
     </dgm:pt>
@@ -9827,10 +9595,9 @@
         <a:lstStyle/>
         <a:p>
           <a:r>
-            <a:rPr lang="de-DE" sz="1000" b="1" dirty="0" smtClean="0"/>
+            <a:rPr lang="de-DE" sz="1000" b="1" dirty="0"/>
             <a:t>Fieldbus Data Link (FDL)</a:t>
           </a:r>
-          <a:endParaRPr lang="de-DE" sz="1000" b="1" dirty="0"/>
         </a:p>
       </dgm:t>
     </dgm:pt>
@@ -9864,10 +9631,9 @@
         <a:lstStyle/>
         <a:p>
           <a:r>
-            <a:rPr lang="de-DE" sz="1000" b="1" dirty="0" smtClean="0"/>
+            <a:rPr lang="de-DE" sz="1000" b="1" dirty="0"/>
             <a:t>PROFOBUS-FMS</a:t>
           </a:r>
-          <a:endParaRPr lang="de-DE" sz="1000" b="1" dirty="0"/>
         </a:p>
       </dgm:t>
     </dgm:pt>
@@ -9907,10 +9673,9 @@
         <a:lstStyle/>
         <a:p>
           <a:r>
-            <a:rPr lang="de-DE" dirty="0" smtClean="0"/>
+            <a:rPr lang="de-DE" dirty="0"/>
             <a:t>Schicht  5</a:t>
           </a:r>
-          <a:endParaRPr lang="de-DE" dirty="0"/>
         </a:p>
       </dgm:t>
     </dgm:pt>
@@ -9950,10 +9715,9 @@
         <a:lstStyle/>
         <a:p>
           <a:r>
-            <a:rPr lang="de-DE" dirty="0" smtClean="0"/>
+            <a:rPr lang="de-DE" dirty="0"/>
             <a:t>Schicht  4</a:t>
           </a:r>
-          <a:endParaRPr lang="de-DE" dirty="0"/>
         </a:p>
       </dgm:t>
     </dgm:pt>
@@ -9993,10 +9757,9 @@
         <a:lstStyle/>
         <a:p>
           <a:r>
-            <a:rPr lang="de-DE" dirty="0" smtClean="0"/>
+            <a:rPr lang="de-DE" dirty="0"/>
             <a:t>Schicht  3</a:t>
           </a:r>
-          <a:endParaRPr lang="de-DE" dirty="0"/>
         </a:p>
       </dgm:t>
     </dgm:pt>
@@ -10034,10 +9797,9 @@
         <a:lstStyle/>
         <a:p>
           <a:r>
-            <a:rPr lang="de-DE" dirty="0" smtClean="0"/>
+            <a:rPr lang="de-DE" dirty="0"/>
             <a:t>Schicht 1</a:t>
           </a:r>
-          <a:endParaRPr lang="de-DE" dirty="0"/>
         </a:p>
       </dgm:t>
     </dgm:pt>
@@ -10071,10 +9833,9 @@
         <a:lstStyle/>
         <a:p>
           <a:r>
-            <a:rPr lang="de-DE" sz="1000" b="1" dirty="0" smtClean="0"/>
+            <a:rPr lang="de-DE" sz="1000" b="1" dirty="0"/>
             <a:t>RS485</a:t>
           </a:r>
-          <a:endParaRPr lang="de-DE" sz="1000" b="1" dirty="0"/>
         </a:p>
       </dgm:t>
     </dgm:pt>
@@ -10108,10 +9869,9 @@
         <a:lstStyle/>
         <a:p>
           <a:r>
-            <a:rPr lang="de-DE" sz="1000" b="1" dirty="0" smtClean="0"/>
+            <a:rPr lang="de-DE" sz="1000" b="1" dirty="0"/>
             <a:t>LWL</a:t>
           </a:r>
-          <a:endParaRPr lang="de-DE" sz="1000" b="1" dirty="0"/>
         </a:p>
       </dgm:t>
     </dgm:pt>
@@ -10146,13 +9906,6 @@
         </dgm:presLayoutVars>
       </dgm:prSet>
       <dgm:spPr/>
-      <dgm:t>
-        <a:bodyPr/>
-        <a:lstStyle/>
-        <a:p>
-          <a:endParaRPr lang="de-DE"/>
-        </a:p>
-      </dgm:t>
     </dgm:pt>
     <dgm:pt modelId="{A2A8728A-C2D4-42DA-87BD-7AD6CD265567}" type="pres">
       <dgm:prSet presAssocID="{40010075-AA85-458A-8F3D-B9F1CCF77495}" presName="composite" presStyleCnt="0"/>
@@ -10166,13 +9919,6 @@
         </dgm:presLayoutVars>
       </dgm:prSet>
       <dgm:spPr/>
-      <dgm:t>
-        <a:bodyPr/>
-        <a:lstStyle/>
-        <a:p>
-          <a:endParaRPr lang="de-DE"/>
-        </a:p>
-      </dgm:t>
     </dgm:pt>
     <dgm:pt modelId="{93795415-6DA6-46D0-92EE-7A7709DF5323}" type="pres">
       <dgm:prSet presAssocID="{40010075-AA85-458A-8F3D-B9F1CCF77495}" presName="descendantText" presStyleLbl="alignAcc1" presStyleIdx="0" presStyleCnt="7">
@@ -10181,13 +9927,6 @@
         </dgm:presLayoutVars>
       </dgm:prSet>
       <dgm:spPr/>
-      <dgm:t>
-        <a:bodyPr/>
-        <a:lstStyle/>
-        <a:p>
-          <a:endParaRPr lang="de-DE"/>
-        </a:p>
-      </dgm:t>
     </dgm:pt>
     <dgm:pt modelId="{B23CF3E3-8265-4079-B886-0EB0D5D15418}" type="pres">
       <dgm:prSet presAssocID="{80367F32-8163-49EF-A29A-3D76E2916E91}" presName="sp" presStyleCnt="0"/>
@@ -10205,13 +9944,6 @@
         </dgm:presLayoutVars>
       </dgm:prSet>
       <dgm:spPr/>
-      <dgm:t>
-        <a:bodyPr/>
-        <a:lstStyle/>
-        <a:p>
-          <a:endParaRPr lang="de-DE"/>
-        </a:p>
-      </dgm:t>
     </dgm:pt>
     <dgm:pt modelId="{0187C112-F771-48C0-9EAC-A4DFD00F94A4}" type="pres">
       <dgm:prSet presAssocID="{274B0410-6420-4E36-9A13-229D6AB5303C}" presName="descendantText" presStyleLbl="alignAcc1" presStyleIdx="1" presStyleCnt="7">
@@ -10220,13 +9952,6 @@
         </dgm:presLayoutVars>
       </dgm:prSet>
       <dgm:spPr/>
-      <dgm:t>
-        <a:bodyPr/>
-        <a:lstStyle/>
-        <a:p>
-          <a:endParaRPr lang="de-DE"/>
-        </a:p>
-      </dgm:t>
     </dgm:pt>
     <dgm:pt modelId="{781B209A-D4F8-4089-9E38-4B1C474EAA7E}" type="pres">
       <dgm:prSet presAssocID="{5574DBD4-6DC5-4C11-BEC3-9526B3E7C1A7}" presName="sp" presStyleCnt="0"/>
@@ -10244,13 +9969,6 @@
         </dgm:presLayoutVars>
       </dgm:prSet>
       <dgm:spPr/>
-      <dgm:t>
-        <a:bodyPr/>
-        <a:lstStyle/>
-        <a:p>
-          <a:endParaRPr lang="de-DE"/>
-        </a:p>
-      </dgm:t>
     </dgm:pt>
     <dgm:pt modelId="{61BD3FD9-10DF-41D1-B462-AEFE000100A6}" type="pres">
       <dgm:prSet presAssocID="{B642EAD8-4F19-4146-8A3D-D65F7AA70EB2}" presName="descendantText" presStyleLbl="alignAcc1" presStyleIdx="2" presStyleCnt="7">
@@ -10259,13 +9977,6 @@
         </dgm:presLayoutVars>
       </dgm:prSet>
       <dgm:spPr/>
-      <dgm:t>
-        <a:bodyPr/>
-        <a:lstStyle/>
-        <a:p>
-          <a:endParaRPr lang="de-DE"/>
-        </a:p>
-      </dgm:t>
     </dgm:pt>
     <dgm:pt modelId="{DD284C28-9DB9-401A-B599-B8CB714EA973}" type="pres">
       <dgm:prSet presAssocID="{F37D323D-6E5D-4C57-9940-4E333DA63660}" presName="sp" presStyleCnt="0"/>
@@ -10283,13 +9994,6 @@
         </dgm:presLayoutVars>
       </dgm:prSet>
       <dgm:spPr/>
-      <dgm:t>
-        <a:bodyPr/>
-        <a:lstStyle/>
-        <a:p>
-          <a:endParaRPr lang="de-DE"/>
-        </a:p>
-      </dgm:t>
     </dgm:pt>
     <dgm:pt modelId="{4AF01DE0-CADE-4E8B-8FFC-31743004A69C}" type="pres">
       <dgm:prSet presAssocID="{5BEB85BD-495B-4AB6-820A-278672473E1E}" presName="descendantText" presStyleLbl="alignAcc1" presStyleIdx="3" presStyleCnt="7">
@@ -10298,13 +10002,6 @@
         </dgm:presLayoutVars>
       </dgm:prSet>
       <dgm:spPr/>
-      <dgm:t>
-        <a:bodyPr/>
-        <a:lstStyle/>
-        <a:p>
-          <a:endParaRPr lang="de-DE"/>
-        </a:p>
-      </dgm:t>
     </dgm:pt>
     <dgm:pt modelId="{B15B7C50-EA0F-4282-9B92-04AF0DC42116}" type="pres">
       <dgm:prSet presAssocID="{DDC1EE5D-92BE-4752-8344-24768358A095}" presName="sp" presStyleCnt="0"/>
@@ -10322,13 +10019,6 @@
         </dgm:presLayoutVars>
       </dgm:prSet>
       <dgm:spPr/>
-      <dgm:t>
-        <a:bodyPr/>
-        <a:lstStyle/>
-        <a:p>
-          <a:endParaRPr lang="de-DE"/>
-        </a:p>
-      </dgm:t>
     </dgm:pt>
     <dgm:pt modelId="{5E000824-A3C5-434A-8C50-B8C151A5C280}" type="pres">
       <dgm:prSet presAssocID="{9FF39495-A7E8-43A7-8111-D0A2D88D01E7}" presName="descendantText" presStyleLbl="alignAcc1" presStyleIdx="4" presStyleCnt="7">
@@ -10354,13 +10044,6 @@
         </dgm:presLayoutVars>
       </dgm:prSet>
       <dgm:spPr/>
-      <dgm:t>
-        <a:bodyPr/>
-        <a:lstStyle/>
-        <a:p>
-          <a:endParaRPr lang="de-DE"/>
-        </a:p>
-      </dgm:t>
     </dgm:pt>
     <dgm:pt modelId="{E9BAF97C-0D47-40EC-94BB-B8EEEB1C6836}" type="pres">
       <dgm:prSet presAssocID="{944A682C-CF7C-4993-BD71-4E528EDAA696}" presName="descendantText" presStyleLbl="alignAcc1" presStyleIdx="5" presStyleCnt="7" custLinFactNeighborX="-620" custLinFactNeighborY="-4922">
@@ -10369,13 +10052,6 @@
         </dgm:presLayoutVars>
       </dgm:prSet>
       <dgm:spPr/>
-      <dgm:t>
-        <a:bodyPr/>
-        <a:lstStyle/>
-        <a:p>
-          <a:endParaRPr lang="de-DE"/>
-        </a:p>
-      </dgm:t>
     </dgm:pt>
     <dgm:pt modelId="{C7784FB1-7CF0-48CC-8B98-7B350F1393A0}" type="pres">
       <dgm:prSet presAssocID="{8314FD57-937F-4BBC-8825-33B994EB3750}" presName="sp" presStyleCnt="0"/>
@@ -10393,13 +10069,6 @@
         </dgm:presLayoutVars>
       </dgm:prSet>
       <dgm:spPr/>
-      <dgm:t>
-        <a:bodyPr/>
-        <a:lstStyle/>
-        <a:p>
-          <a:endParaRPr lang="de-DE"/>
-        </a:p>
-      </dgm:t>
     </dgm:pt>
     <dgm:pt modelId="{B1E58D28-CE3E-41FE-8D92-FE07655CBE03}" type="pres">
       <dgm:prSet presAssocID="{34691BCB-7071-4117-A4A9-5E28C29EBBFF}" presName="descendantText" presStyleLbl="alignAcc1" presStyleIdx="6" presStyleCnt="7">
@@ -10408,41 +10077,34 @@
         </dgm:presLayoutVars>
       </dgm:prSet>
       <dgm:spPr/>
-      <dgm:t>
-        <a:bodyPr/>
-        <a:lstStyle/>
-        <a:p>
-          <a:endParaRPr lang="de-DE"/>
-        </a:p>
-      </dgm:t>
     </dgm:pt>
   </dgm:ptLst>
   <dgm:cxnLst>
+    <dgm:cxn modelId="{3B432106-F288-476B-A263-0B635BB97C3C}" srcId="{5AC27FDE-E560-4A15-8593-89C3D073EB34}" destId="{944A682C-CF7C-4993-BD71-4E528EDAA696}" srcOrd="5" destOrd="0" parTransId="{54E338CC-D106-4D90-B24A-5BA3D23E86E5}" sibTransId="{8314FD57-937F-4BBC-8825-33B994EB3750}"/>
+    <dgm:cxn modelId="{2F62D806-7E28-4B67-A3E2-32095F122266}" srcId="{5AC27FDE-E560-4A15-8593-89C3D073EB34}" destId="{34691BCB-7071-4117-A4A9-5E28C29EBBFF}" srcOrd="6" destOrd="0" parTransId="{51757A22-6399-4EA8-8941-BB2758333B2B}" sibTransId="{E0301CE0-CFF7-420C-88AF-143D60676469}"/>
+    <dgm:cxn modelId="{3DEB8210-0FA8-4A7C-8F9B-85ECDEB6AA61}" srcId="{40010075-AA85-458A-8F3D-B9F1CCF77495}" destId="{B36BC441-E957-4F86-8285-7A24754E4D4F}" srcOrd="1" destOrd="0" parTransId="{FBD6B00F-A12B-4E18-BE45-BB9143FCE935}" sibTransId="{C77C5BC7-9D1E-4D99-9C8C-037FFBF9E2CA}"/>
+    <dgm:cxn modelId="{00A68B13-01A9-44DE-A16E-4387C8797C40}" srcId="{5AC27FDE-E560-4A15-8593-89C3D073EB34}" destId="{B642EAD8-4F19-4146-8A3D-D65F7AA70EB2}" srcOrd="2" destOrd="0" parTransId="{CA7A8F8B-8F6C-4F1D-B2E3-AABD4D621C7F}" sibTransId="{F37D323D-6E5D-4C57-9940-4E333DA63660}"/>
+    <dgm:cxn modelId="{0E0E662D-8C47-4EC8-8741-BAE7774A6C75}" type="presOf" srcId="{5AC27FDE-E560-4A15-8593-89C3D073EB34}" destId="{6406DF71-51F1-4445-A388-95CA50D3A4D0}" srcOrd="0" destOrd="0" presId="urn:microsoft.com/office/officeart/2005/8/layout/chevron2"/>
+    <dgm:cxn modelId="{2F6D0433-568D-4CD0-8832-7765B5557412}" srcId="{944A682C-CF7C-4993-BD71-4E528EDAA696}" destId="{EE3130FF-D76D-4FF5-9A7A-AB881BBDF57A}" srcOrd="0" destOrd="0" parTransId="{FBA21FF4-4921-4865-9E01-BC8F99F59919}" sibTransId="{AA6228A8-31C4-4D77-9032-ECFCBE4A8EA9}"/>
+    <dgm:cxn modelId="{9EB34033-5F00-427B-AF2A-347C5FAE041C}" type="presOf" srcId="{5BEB85BD-495B-4AB6-820A-278672473E1E}" destId="{1184C3DA-4783-4E22-8122-2FD72C0D9C8D}" srcOrd="0" destOrd="0" presId="urn:microsoft.com/office/officeart/2005/8/layout/chevron2"/>
+    <dgm:cxn modelId="{30D1263A-CFD1-411B-9C3B-4CE832274D33}" srcId="{5AC27FDE-E560-4A15-8593-89C3D073EB34}" destId="{40010075-AA85-458A-8F3D-B9F1CCF77495}" srcOrd="0" destOrd="0" parTransId="{6B3C96D7-571D-4103-9DB2-C082A5F40BE9}" sibTransId="{80367F32-8163-49EF-A29A-3D76E2916E91}"/>
     <dgm:cxn modelId="{76D7F85E-0D59-4908-BECA-A58F5494BAC3}" type="presOf" srcId="{B36BC441-E957-4F86-8285-7A24754E4D4F}" destId="{93795415-6DA6-46D0-92EE-7A7709DF5323}" srcOrd="0" destOrd="1" presId="urn:microsoft.com/office/officeart/2005/8/layout/chevron2"/>
-    <dgm:cxn modelId="{3B432106-F288-476B-A263-0B635BB97C3C}" srcId="{5AC27FDE-E560-4A15-8593-89C3D073EB34}" destId="{944A682C-CF7C-4993-BD71-4E528EDAA696}" srcOrd="5" destOrd="0" parTransId="{54E338CC-D106-4D90-B24A-5BA3D23E86E5}" sibTransId="{8314FD57-937F-4BBC-8825-33B994EB3750}"/>
-    <dgm:cxn modelId="{9EB34033-5F00-427B-AF2A-347C5FAE041C}" type="presOf" srcId="{5BEB85BD-495B-4AB6-820A-278672473E1E}" destId="{1184C3DA-4783-4E22-8122-2FD72C0D9C8D}" srcOrd="0" destOrd="0" presId="urn:microsoft.com/office/officeart/2005/8/layout/chevron2"/>
-    <dgm:cxn modelId="{2F6D0433-568D-4CD0-8832-7765B5557412}" srcId="{944A682C-CF7C-4993-BD71-4E528EDAA696}" destId="{EE3130FF-D76D-4FF5-9A7A-AB881BBDF57A}" srcOrd="0" destOrd="0" parTransId="{FBA21FF4-4921-4865-9E01-BC8F99F59919}" sibTransId="{AA6228A8-31C4-4D77-9032-ECFCBE4A8EA9}"/>
-    <dgm:cxn modelId="{07F11DBE-E54A-42CB-8E4D-EA3C7BB8C26E}" srcId="{5AC27FDE-E560-4A15-8593-89C3D073EB34}" destId="{9FF39495-A7E8-43A7-8111-D0A2D88D01E7}" srcOrd="4" destOrd="0" parTransId="{05A22C36-8EC1-4634-A44A-7D39B5928D9A}" sibTransId="{228334B4-C877-4B32-B92C-0BFA6FEF825A}"/>
     <dgm:cxn modelId="{F05E7443-7F17-45BB-B65C-5D6D6D33332C}" type="presOf" srcId="{95640CF4-2000-4541-A9E3-28D4C2F7F38F}" destId="{B1E58D28-CE3E-41FE-8D92-FE07655CBE03}" srcOrd="0" destOrd="0" presId="urn:microsoft.com/office/officeart/2005/8/layout/chevron2"/>
-    <dgm:cxn modelId="{44F5A4D8-34F9-43FC-AA90-A766BC53F360}" type="presOf" srcId="{B642EAD8-4F19-4146-8A3D-D65F7AA70EB2}" destId="{490EA269-77CF-4C4E-8630-2A582437B49E}" srcOrd="0" destOrd="0" presId="urn:microsoft.com/office/officeart/2005/8/layout/chevron2"/>
-    <dgm:cxn modelId="{49E70EF8-F4C9-4638-803E-E51DFB5A9FE3}" type="presOf" srcId="{34691BCB-7071-4117-A4A9-5E28C29EBBFF}" destId="{1AFCB018-7B08-4300-8686-4EEC84B5D7BE}" srcOrd="0" destOrd="0" presId="urn:microsoft.com/office/officeart/2005/8/layout/chevron2"/>
+    <dgm:cxn modelId="{19B15E79-809D-4BFB-89FB-2B500301B6B9}" type="presOf" srcId="{EE3130FF-D76D-4FF5-9A7A-AB881BBDF57A}" destId="{E9BAF97C-0D47-40EC-94BB-B8EEEB1C6836}" srcOrd="0" destOrd="0" presId="urn:microsoft.com/office/officeart/2005/8/layout/chevron2"/>
+    <dgm:cxn modelId="{A8066159-072D-45FD-83DC-C84B5CF2AA12}" type="presOf" srcId="{944A682C-CF7C-4993-BD71-4E528EDAA696}" destId="{0C8B27AF-286D-4693-A5AB-4B6305D4EA2F}" srcOrd="0" destOrd="0" presId="urn:microsoft.com/office/officeart/2005/8/layout/chevron2"/>
+    <dgm:cxn modelId="{F98C1584-FC8E-47B5-B646-CAC30E5B0B88}" srcId="{40010075-AA85-458A-8F3D-B9F1CCF77495}" destId="{7D2B186E-D6FB-457A-8C26-8B3BCA121B48}" srcOrd="0" destOrd="0" parTransId="{CE007884-3D1E-404D-AD20-C3010B353C63}" sibTransId="{A2823DAE-FDDF-4BBC-9E38-BADD3ECC0EA1}"/>
+    <dgm:cxn modelId="{232DA689-A525-427B-9BD7-A63DB4F3973A}" srcId="{5AC27FDE-E560-4A15-8593-89C3D073EB34}" destId="{274B0410-6420-4E36-9A13-229D6AB5303C}" srcOrd="1" destOrd="0" parTransId="{5C913641-AFD9-4652-9892-0696DA9858BC}" sibTransId="{5574DBD4-6DC5-4C11-BEC3-9526B3E7C1A7}"/>
     <dgm:cxn modelId="{FF72B49E-DAEA-4E1E-A12D-DB5E05B3E497}" type="presOf" srcId="{274B0410-6420-4E36-9A13-229D6AB5303C}" destId="{35E63324-9A2D-4846-96DA-3EFC5E59F180}" srcOrd="0" destOrd="0" presId="urn:microsoft.com/office/officeart/2005/8/layout/chevron2"/>
-    <dgm:cxn modelId="{0E0E662D-8C47-4EC8-8741-BAE7774A6C75}" type="presOf" srcId="{5AC27FDE-E560-4A15-8593-89C3D073EB34}" destId="{6406DF71-51F1-4445-A388-95CA50D3A4D0}" srcOrd="0" destOrd="0" presId="urn:microsoft.com/office/officeart/2005/8/layout/chevron2"/>
-    <dgm:cxn modelId="{2F62D806-7E28-4B67-A3E2-32095F122266}" srcId="{5AC27FDE-E560-4A15-8593-89C3D073EB34}" destId="{34691BCB-7071-4117-A4A9-5E28C29EBBFF}" srcOrd="6" destOrd="0" parTransId="{51757A22-6399-4EA8-8941-BB2758333B2B}" sibTransId="{E0301CE0-CFF7-420C-88AF-143D60676469}"/>
-    <dgm:cxn modelId="{00A68B13-01A9-44DE-A16E-4387C8797C40}" srcId="{5AC27FDE-E560-4A15-8593-89C3D073EB34}" destId="{B642EAD8-4F19-4146-8A3D-D65F7AA70EB2}" srcOrd="2" destOrd="0" parTransId="{CA7A8F8B-8F6C-4F1D-B2E3-AABD4D621C7F}" sibTransId="{F37D323D-6E5D-4C57-9940-4E333DA63660}"/>
-    <dgm:cxn modelId="{A8066159-072D-45FD-83DC-C84B5CF2AA12}" type="presOf" srcId="{944A682C-CF7C-4993-BD71-4E528EDAA696}" destId="{0C8B27AF-286D-4693-A5AB-4B6305D4EA2F}" srcOrd="0" destOrd="0" presId="urn:microsoft.com/office/officeart/2005/8/layout/chevron2"/>
-    <dgm:cxn modelId="{19B15E79-809D-4BFB-89FB-2B500301B6B9}" type="presOf" srcId="{EE3130FF-D76D-4FF5-9A7A-AB881BBDF57A}" destId="{E9BAF97C-0D47-40EC-94BB-B8EEEB1C6836}" srcOrd="0" destOrd="0" presId="urn:microsoft.com/office/officeart/2005/8/layout/chevron2"/>
-    <dgm:cxn modelId="{04E030C3-BFB8-4A3E-B6A5-D5F8A6A4D2F3}" srcId="{5AC27FDE-E560-4A15-8593-89C3D073EB34}" destId="{5BEB85BD-495B-4AB6-820A-278672473E1E}" srcOrd="3" destOrd="0" parTransId="{921D6C77-ED9C-4C97-BD97-E5F461E3F547}" sibTransId="{DDC1EE5D-92BE-4752-8344-24768358A095}"/>
     <dgm:cxn modelId="{D8C96AAB-63C4-4A4D-8EAD-BC0468604F1E}" srcId="{34691BCB-7071-4117-A4A9-5E28C29EBBFF}" destId="{95640CF4-2000-4541-A9E3-28D4C2F7F38F}" srcOrd="0" destOrd="0" parTransId="{2880B8C3-D4ED-4476-AA06-3B4D51AE527A}" sibTransId="{FEDA0C64-25D4-44A8-A29F-63C992C1780B}"/>
     <dgm:cxn modelId="{A26DE4BC-8671-4F15-8B10-B208E43E38C7}" type="presOf" srcId="{1FD64A17-64FD-4F34-82AB-E36A18C3354E}" destId="{B1E58D28-CE3E-41FE-8D92-FE07655CBE03}" srcOrd="0" destOrd="1" presId="urn:microsoft.com/office/officeart/2005/8/layout/chevron2"/>
-    <dgm:cxn modelId="{3DEB8210-0FA8-4A7C-8F9B-85ECDEB6AA61}" srcId="{40010075-AA85-458A-8F3D-B9F1CCF77495}" destId="{B36BC441-E957-4F86-8285-7A24754E4D4F}" srcOrd="1" destOrd="0" parTransId="{FBD6B00F-A12B-4E18-BE45-BB9143FCE935}" sibTransId="{C77C5BC7-9D1E-4D99-9C8C-037FFBF9E2CA}"/>
+    <dgm:cxn modelId="{07F11DBE-E54A-42CB-8E4D-EA3C7BB8C26E}" srcId="{5AC27FDE-E560-4A15-8593-89C3D073EB34}" destId="{9FF39495-A7E8-43A7-8111-D0A2D88D01E7}" srcOrd="4" destOrd="0" parTransId="{05A22C36-8EC1-4634-A44A-7D39B5928D9A}" sibTransId="{228334B4-C877-4B32-B92C-0BFA6FEF825A}"/>
+    <dgm:cxn modelId="{04E030C3-BFB8-4A3E-B6A5-D5F8A6A4D2F3}" srcId="{5AC27FDE-E560-4A15-8593-89C3D073EB34}" destId="{5BEB85BD-495B-4AB6-820A-278672473E1E}" srcOrd="3" destOrd="0" parTransId="{921D6C77-ED9C-4C97-BD97-E5F461E3F547}" sibTransId="{DDC1EE5D-92BE-4752-8344-24768358A095}"/>
+    <dgm:cxn modelId="{180A98C5-5392-4613-84E9-44CDA744DBA7}" type="presOf" srcId="{9FF39495-A7E8-43A7-8111-D0A2D88D01E7}" destId="{C90DC9E5-2C92-4E2B-9B46-6BC6CAFFEDA7}" srcOrd="0" destOrd="0" presId="urn:microsoft.com/office/officeart/2005/8/layout/chevron2"/>
+    <dgm:cxn modelId="{44F5A4D8-34F9-43FC-AA90-A766BC53F360}" type="presOf" srcId="{B642EAD8-4F19-4146-8A3D-D65F7AA70EB2}" destId="{490EA269-77CF-4C4E-8630-2A582437B49E}" srcOrd="0" destOrd="0" presId="urn:microsoft.com/office/officeart/2005/8/layout/chevron2"/>
+    <dgm:cxn modelId="{00A883EC-949D-4059-AE96-6ABAB4A633C2}" type="presOf" srcId="{7D2B186E-D6FB-457A-8C26-8B3BCA121B48}" destId="{93795415-6DA6-46D0-92EE-7A7709DF5323}" srcOrd="0" destOrd="0" presId="urn:microsoft.com/office/officeart/2005/8/layout/chevron2"/>
+    <dgm:cxn modelId="{49E70EF8-F4C9-4638-803E-E51DFB5A9FE3}" type="presOf" srcId="{34691BCB-7071-4117-A4A9-5E28C29EBBFF}" destId="{1AFCB018-7B08-4300-8686-4EEC84B5D7BE}" srcOrd="0" destOrd="0" presId="urn:microsoft.com/office/officeart/2005/8/layout/chevron2"/>
     <dgm:cxn modelId="{324313FD-74B5-4EC3-995E-998033715ACB}" srcId="{34691BCB-7071-4117-A4A9-5E28C29EBBFF}" destId="{1FD64A17-64FD-4F34-82AB-E36A18C3354E}" srcOrd="1" destOrd="0" parTransId="{24EC1229-D7D9-4902-9C01-848DBD9D2A2F}" sibTransId="{8503405E-CD1A-47BD-A2F6-CBF349B05243}"/>
-    <dgm:cxn modelId="{00A883EC-949D-4059-AE96-6ABAB4A633C2}" type="presOf" srcId="{7D2B186E-D6FB-457A-8C26-8B3BCA121B48}" destId="{93795415-6DA6-46D0-92EE-7A7709DF5323}" srcOrd="0" destOrd="0" presId="urn:microsoft.com/office/officeart/2005/8/layout/chevron2"/>
     <dgm:cxn modelId="{8D2C74FD-3D26-4DBA-B1FE-58D42593FB9B}" type="presOf" srcId="{40010075-AA85-458A-8F3D-B9F1CCF77495}" destId="{2ABB6B79-B50F-4965-9725-2870FD3CBBC0}" srcOrd="0" destOrd="0" presId="urn:microsoft.com/office/officeart/2005/8/layout/chevron2"/>
-    <dgm:cxn modelId="{180A98C5-5392-4613-84E9-44CDA744DBA7}" type="presOf" srcId="{9FF39495-A7E8-43A7-8111-D0A2D88D01E7}" destId="{C90DC9E5-2C92-4E2B-9B46-6BC6CAFFEDA7}" srcOrd="0" destOrd="0" presId="urn:microsoft.com/office/officeart/2005/8/layout/chevron2"/>
-    <dgm:cxn modelId="{30D1263A-CFD1-411B-9C3B-4CE832274D33}" srcId="{5AC27FDE-E560-4A15-8593-89C3D073EB34}" destId="{40010075-AA85-458A-8F3D-B9F1CCF77495}" srcOrd="0" destOrd="0" parTransId="{6B3C96D7-571D-4103-9DB2-C082A5F40BE9}" sibTransId="{80367F32-8163-49EF-A29A-3D76E2916E91}"/>
-    <dgm:cxn modelId="{F98C1584-FC8E-47B5-B646-CAC30E5B0B88}" srcId="{40010075-AA85-458A-8F3D-B9F1CCF77495}" destId="{7D2B186E-D6FB-457A-8C26-8B3BCA121B48}" srcOrd="0" destOrd="0" parTransId="{CE007884-3D1E-404D-AD20-C3010B353C63}" sibTransId="{A2823DAE-FDDF-4BBC-9E38-BADD3ECC0EA1}"/>
-    <dgm:cxn modelId="{232DA689-A525-427B-9BD7-A63DB4F3973A}" srcId="{5AC27FDE-E560-4A15-8593-89C3D073EB34}" destId="{274B0410-6420-4E36-9A13-229D6AB5303C}" srcOrd="1" destOrd="0" parTransId="{5C913641-AFD9-4652-9892-0696DA9858BC}" sibTransId="{5574DBD4-6DC5-4C11-BEC3-9526B3E7C1A7}"/>
     <dgm:cxn modelId="{C407AD3D-B4D6-4881-9AC4-7FBB90EFED87}" type="presParOf" srcId="{6406DF71-51F1-4445-A388-95CA50D3A4D0}" destId="{A2A8728A-C2D4-42DA-87BD-7AD6CD265567}" srcOrd="0" destOrd="0" presId="urn:microsoft.com/office/officeart/2005/8/layout/chevron2"/>
     <dgm:cxn modelId="{D75C8913-14D0-4B88-859B-D917B5A1DDBD}" type="presParOf" srcId="{A2A8728A-C2D4-42DA-87BD-7AD6CD265567}" destId="{2ABB6B79-B50F-4965-9725-2870FD3CBBC0}" srcOrd="0" destOrd="0" presId="urn:microsoft.com/office/officeart/2005/8/layout/chevron2"/>
     <dgm:cxn modelId="{C674C6E2-D4FB-420A-9583-C0C3E076F794}" type="presParOf" srcId="{A2A8728A-C2D4-42DA-87BD-7AD6CD265567}" destId="{93795415-6DA6-46D0-92EE-7A7709DF5323}" srcOrd="1" destOrd="0" presId="urn:microsoft.com/office/officeart/2005/8/layout/chevron2"/>
@@ -10511,10 +10173,9 @@
         <a:p>
           <a:pPr rtl="0"/>
           <a:r>
-            <a:rPr lang="de-DE" dirty="0" smtClean="0"/>
+            <a:rPr lang="de-DE" dirty="0"/>
             <a:t>ComStudio</a:t>
           </a:r>
-          <a:endParaRPr lang="de-DE" dirty="0"/>
         </a:p>
       </dgm:t>
     </dgm:pt>
@@ -10548,10 +10209,9 @@
         <a:lstStyle/>
         <a:p>
           <a:r>
-            <a:rPr lang="de-DE" dirty="0" smtClean="0"/>
+            <a:rPr lang="de-DE" dirty="0"/>
             <a:t>uses</a:t>
           </a:r>
-          <a:endParaRPr lang="de-DE" dirty="0"/>
         </a:p>
       </dgm:t>
     </dgm:pt>
@@ -10568,10 +10228,9 @@
         <a:p>
           <a:pPr rtl="0"/>
           <a:r>
-            <a:rPr lang="de-DE" dirty="0" smtClean="0"/>
+            <a:rPr lang="de-DE" dirty="0"/>
             <a:t>Variety of Themes</a:t>
           </a:r>
-          <a:endParaRPr lang="de-DE" dirty="0"/>
         </a:p>
       </dgm:t>
     </dgm:pt>
@@ -10605,13 +10264,6 @@
         </dgm:presLayoutVars>
       </dgm:prSet>
       <dgm:spPr/>
-      <dgm:t>
-        <a:bodyPr/>
-        <a:lstStyle/>
-        <a:p>
-          <a:endParaRPr lang="de-DE"/>
-        </a:p>
-      </dgm:t>
     </dgm:pt>
     <dgm:pt modelId="{71146E6A-549D-4BFC-9594-BBD197CABFC1}" type="pres">
       <dgm:prSet presAssocID="{5290D68D-24E3-42EF-B3BD-E4ACD5EEE2ED}" presName="node" presStyleLbl="node1" presStyleIdx="0" presStyleCnt="2">
@@ -10620,35 +10272,14 @@
         </dgm:presLayoutVars>
       </dgm:prSet>
       <dgm:spPr/>
-      <dgm:t>
-        <a:bodyPr/>
-        <a:lstStyle/>
-        <a:p>
-          <a:endParaRPr lang="de-DE"/>
-        </a:p>
-      </dgm:t>
     </dgm:pt>
     <dgm:pt modelId="{8852639E-3E46-4959-9739-F6571B448B92}" type="pres">
       <dgm:prSet presAssocID="{AA384036-5285-4833-9B75-34E730C17267}" presName="sibTrans" presStyleLbl="sibTrans2D1" presStyleIdx="0" presStyleCnt="1" custScaleX="184354"/>
       <dgm:spPr/>
-      <dgm:t>
-        <a:bodyPr/>
-        <a:lstStyle/>
-        <a:p>
-          <a:endParaRPr lang="de-DE"/>
-        </a:p>
-      </dgm:t>
     </dgm:pt>
     <dgm:pt modelId="{724D4179-8E97-42C7-9765-60BD072F6FC9}" type="pres">
       <dgm:prSet presAssocID="{AA384036-5285-4833-9B75-34E730C17267}" presName="connectorText" presStyleLbl="sibTrans2D1" presStyleIdx="0" presStyleCnt="1"/>
       <dgm:spPr/>
-      <dgm:t>
-        <a:bodyPr/>
-        <a:lstStyle/>
-        <a:p>
-          <a:endParaRPr lang="de-DE"/>
-        </a:p>
-      </dgm:t>
     </dgm:pt>
     <dgm:pt modelId="{BACEC455-841A-49E7-A157-AFE156E16F75}" type="pres">
       <dgm:prSet presAssocID="{877A3485-58B3-499F-98A4-8E733A57FFDD}" presName="node" presStyleLbl="node1" presStyleIdx="1" presStyleCnt="2">
@@ -10657,22 +10288,15 @@
         </dgm:presLayoutVars>
       </dgm:prSet>
       <dgm:spPr/>
-      <dgm:t>
-        <a:bodyPr/>
-        <a:lstStyle/>
-        <a:p>
-          <a:endParaRPr lang="de-DE"/>
-        </a:p>
-      </dgm:t>
     </dgm:pt>
   </dgm:ptLst>
   <dgm:cxnLst>
-    <dgm:cxn modelId="{69D70AB1-D1F9-4ECD-9654-CD6E2827C3B2}" srcId="{12ACF81F-3F86-4CBE-85E5-F1CF2939CA60}" destId="{5290D68D-24E3-42EF-B3BD-E4ACD5EEE2ED}" srcOrd="0" destOrd="0" parTransId="{9550F8F2-FF59-4BF2-B51A-36AFA17692DD}" sibTransId="{AA384036-5285-4833-9B75-34E730C17267}"/>
+    <dgm:cxn modelId="{74775800-E942-4E1F-AEA8-B4EE5610D4EE}" type="presOf" srcId="{5290D68D-24E3-42EF-B3BD-E4ACD5EEE2ED}" destId="{71146E6A-549D-4BFC-9594-BBD197CABFC1}" srcOrd="0" destOrd="0" presId="urn:microsoft.com/office/officeart/2005/8/layout/process1"/>
+    <dgm:cxn modelId="{16C97D18-8778-48CA-81A6-F3B71AD79345}" type="presOf" srcId="{AA384036-5285-4833-9B75-34E730C17267}" destId="{8852639E-3E46-4959-9739-F6571B448B92}" srcOrd="0" destOrd="0" presId="urn:microsoft.com/office/officeart/2005/8/layout/process1"/>
+    <dgm:cxn modelId="{E3879A3D-4118-4BF3-BA45-7E5BF2723055}" type="presOf" srcId="{877A3485-58B3-499F-98A4-8E733A57FFDD}" destId="{BACEC455-841A-49E7-A157-AFE156E16F75}" srcOrd="0" destOrd="0" presId="urn:microsoft.com/office/officeart/2005/8/layout/process1"/>
     <dgm:cxn modelId="{4547526C-BFB1-41DF-A577-30E98156F9A4}" type="presOf" srcId="{12ACF81F-3F86-4CBE-85E5-F1CF2939CA60}" destId="{7D624213-095E-405D-B788-7E42A0446336}" srcOrd="0" destOrd="0" presId="urn:microsoft.com/office/officeart/2005/8/layout/process1"/>
     <dgm:cxn modelId="{826CA577-5E1C-44A5-A11A-8B8E52A9E738}" type="presOf" srcId="{AA384036-5285-4833-9B75-34E730C17267}" destId="{724D4179-8E97-42C7-9765-60BD072F6FC9}" srcOrd="1" destOrd="0" presId="urn:microsoft.com/office/officeart/2005/8/layout/process1"/>
-    <dgm:cxn modelId="{74775800-E942-4E1F-AEA8-B4EE5610D4EE}" type="presOf" srcId="{5290D68D-24E3-42EF-B3BD-E4ACD5EEE2ED}" destId="{71146E6A-549D-4BFC-9594-BBD197CABFC1}" srcOrd="0" destOrd="0" presId="urn:microsoft.com/office/officeart/2005/8/layout/process1"/>
-    <dgm:cxn modelId="{E3879A3D-4118-4BF3-BA45-7E5BF2723055}" type="presOf" srcId="{877A3485-58B3-499F-98A4-8E733A57FFDD}" destId="{BACEC455-841A-49E7-A157-AFE156E16F75}" srcOrd="0" destOrd="0" presId="urn:microsoft.com/office/officeart/2005/8/layout/process1"/>
-    <dgm:cxn modelId="{16C97D18-8778-48CA-81A6-F3B71AD79345}" type="presOf" srcId="{AA384036-5285-4833-9B75-34E730C17267}" destId="{8852639E-3E46-4959-9739-F6571B448B92}" srcOrd="0" destOrd="0" presId="urn:microsoft.com/office/officeart/2005/8/layout/process1"/>
+    <dgm:cxn modelId="{69D70AB1-D1F9-4ECD-9654-CD6E2827C3B2}" srcId="{12ACF81F-3F86-4CBE-85E5-F1CF2939CA60}" destId="{5290D68D-24E3-42EF-B3BD-E4ACD5EEE2ED}" srcOrd="0" destOrd="0" parTransId="{9550F8F2-FF59-4BF2-B51A-36AFA17692DD}" sibTransId="{AA384036-5285-4833-9B75-34E730C17267}"/>
     <dgm:cxn modelId="{34324DD2-0B88-4F53-AE3E-72BA57809DC5}" srcId="{12ACF81F-3F86-4CBE-85E5-F1CF2939CA60}" destId="{877A3485-58B3-499F-98A4-8E733A57FFDD}" srcOrd="1" destOrd="0" parTransId="{C324BFD0-CA29-4071-AF47-07FB7654B8B2}" sibTransId="{5CED84CB-87A0-4E3A-B768-6A4EFD28AE1E}"/>
     <dgm:cxn modelId="{915FDB46-6E6B-489F-B33A-7F043E96AF8A}" type="presParOf" srcId="{7D624213-095E-405D-B788-7E42A0446336}" destId="{71146E6A-549D-4BFC-9594-BBD197CABFC1}" srcOrd="0" destOrd="0" presId="urn:microsoft.com/office/officeart/2005/8/layout/process1"/>
     <dgm:cxn modelId="{C868A502-AF6F-4B75-9850-988B6A3845BB}" type="presParOf" srcId="{7D624213-095E-405D-B788-7E42A0446336}" destId="{8852639E-3E46-4959-9739-F6571B448B92}" srcOrd="1" destOrd="0" presId="urn:microsoft.com/office/officeart/2005/8/layout/process1"/>
@@ -10725,10 +10349,9 @@
         <a:lstStyle/>
         <a:p>
           <a:r>
-            <a:rPr lang="de-DE" dirty="0" smtClean="0"/>
+            <a:rPr lang="de-DE" dirty="0"/>
             <a:t>Variety of Theme</a:t>
           </a:r>
-          <a:endParaRPr lang="de-DE" dirty="0"/>
         </a:p>
       </dgm:t>
     </dgm:pt>
@@ -10762,7 +10385,7 @@
         <a:lstStyle/>
         <a:p>
           <a:r>
-            <a:rPr lang="de-DE" b="0" i="0" dirty="0" smtClean="0">
+            <a:rPr lang="de-DE" b="0" i="0" dirty="0">
               <a:hlinkClick xmlns:r="http://schemas.openxmlformats.org/officeDocument/2006/relationships" r:id="rId1"/>
             </a:rPr>
             <a:t>Office 2013</a:t>
@@ -10801,10 +10424,9 @@
         <a:lstStyle/>
         <a:p>
           <a:r>
-            <a:rPr lang="de-DE" dirty="0" smtClean="0"/>
+            <a:rPr lang="de-DE" dirty="0"/>
             <a:t>Hilscher  Theme</a:t>
           </a:r>
-          <a:endParaRPr lang="de-DE" dirty="0"/>
         </a:p>
       </dgm:t>
     </dgm:pt>
@@ -10838,7 +10460,7 @@
         <a:lstStyle/>
         <a:p>
           <a:r>
-            <a:rPr lang="de-DE" b="1" i="0" dirty="0" smtClean="0"/>
+            <a:rPr lang="de-DE" b="1" i="0" dirty="0"/>
             <a:t>Expression Dark</a:t>
           </a:r>
           <a:endParaRPr lang="de-DE" dirty="0"/>
@@ -10878,13 +10500,6 @@
         </dgm:presLayoutVars>
       </dgm:prSet>
       <dgm:spPr/>
-      <dgm:t>
-        <a:bodyPr/>
-        <a:lstStyle/>
-        <a:p>
-          <a:endParaRPr lang="de-DE"/>
-        </a:p>
-      </dgm:t>
     </dgm:pt>
     <dgm:pt modelId="{51688BB0-AEFA-4766-9737-8B82DE6C8CE8}" type="pres">
       <dgm:prSet presAssocID="{658B8A5C-4510-4F75-9CE7-93793E548519}" presName="root" presStyleCnt="0"/>
@@ -10897,24 +10512,10 @@
     <dgm:pt modelId="{A4A66540-B445-41E5-9DAE-F169B4C442E8}" type="pres">
       <dgm:prSet presAssocID="{658B8A5C-4510-4F75-9CE7-93793E548519}" presName="rootText" presStyleLbl="node1" presStyleIdx="0" presStyleCnt="1" custScaleY="31103"/>
       <dgm:spPr/>
-      <dgm:t>
-        <a:bodyPr/>
-        <a:lstStyle/>
-        <a:p>
-          <a:endParaRPr lang="de-DE"/>
-        </a:p>
-      </dgm:t>
     </dgm:pt>
     <dgm:pt modelId="{26F7D67C-E139-430B-9D90-FB5F03D46D9D}" type="pres">
       <dgm:prSet presAssocID="{658B8A5C-4510-4F75-9CE7-93793E548519}" presName="rootConnector" presStyleLbl="node1" presStyleIdx="0" presStyleCnt="1"/>
       <dgm:spPr/>
-      <dgm:t>
-        <a:bodyPr/>
-        <a:lstStyle/>
-        <a:p>
-          <a:endParaRPr lang="de-DE"/>
-        </a:p>
-      </dgm:t>
     </dgm:pt>
     <dgm:pt modelId="{4E10E643-5747-4E56-9A13-7A9282C8581E}" type="pres">
       <dgm:prSet presAssocID="{658B8A5C-4510-4F75-9CE7-93793E548519}" presName="childShape" presStyleCnt="0"/>
@@ -10923,13 +10524,6 @@
     <dgm:pt modelId="{04FA87EC-1A79-459C-A73C-D497AD027D90}" type="pres">
       <dgm:prSet presAssocID="{6ABBBA41-8D0A-41E8-8604-9F1F9A62BAD1}" presName="Name13" presStyleLbl="parChTrans1D2" presStyleIdx="0" presStyleCnt="3"/>
       <dgm:spPr/>
-      <dgm:t>
-        <a:bodyPr/>
-        <a:lstStyle/>
-        <a:p>
-          <a:endParaRPr lang="de-DE"/>
-        </a:p>
-      </dgm:t>
     </dgm:pt>
     <dgm:pt modelId="{45276177-07F2-466F-8809-674B4C52EF74}" type="pres">
       <dgm:prSet presAssocID="{999067F7-20B2-4D0D-9BF1-D592D5C59CFF}" presName="childText" presStyleLbl="bgAcc1" presStyleIdx="0" presStyleCnt="3" custScaleY="48096">
@@ -10938,24 +10532,10 @@
         </dgm:presLayoutVars>
       </dgm:prSet>
       <dgm:spPr/>
-      <dgm:t>
-        <a:bodyPr/>
-        <a:lstStyle/>
-        <a:p>
-          <a:endParaRPr lang="de-DE"/>
-        </a:p>
-      </dgm:t>
     </dgm:pt>
     <dgm:pt modelId="{8936362A-5F0D-4453-8682-9647967D9FBE}" type="pres">
       <dgm:prSet presAssocID="{AB27B75C-296A-470F-84BF-2D2CA920463B}" presName="Name13" presStyleLbl="parChTrans1D2" presStyleIdx="1" presStyleCnt="3"/>
       <dgm:spPr/>
-      <dgm:t>
-        <a:bodyPr/>
-        <a:lstStyle/>
-        <a:p>
-          <a:endParaRPr lang="de-DE"/>
-        </a:p>
-      </dgm:t>
     </dgm:pt>
     <dgm:pt modelId="{FCC0D7C1-31F9-48FC-B96C-9972BDEB7776}" type="pres">
       <dgm:prSet presAssocID="{170617C6-330B-4C02-A3B1-C25B465DAE22}" presName="childText" presStyleLbl="bgAcc1" presStyleIdx="1" presStyleCnt="3" custScaleY="49903">
@@ -10964,24 +10544,10 @@
         </dgm:presLayoutVars>
       </dgm:prSet>
       <dgm:spPr/>
-      <dgm:t>
-        <a:bodyPr/>
-        <a:lstStyle/>
-        <a:p>
-          <a:endParaRPr lang="de-DE"/>
-        </a:p>
-      </dgm:t>
     </dgm:pt>
     <dgm:pt modelId="{A580B225-5769-4B17-BAE6-CF9888F2187E}" type="pres">
       <dgm:prSet presAssocID="{D31D8210-92A0-47D0-B5A4-4FE77013A297}" presName="Name13" presStyleLbl="parChTrans1D2" presStyleIdx="2" presStyleCnt="3"/>
       <dgm:spPr/>
-      <dgm:t>
-        <a:bodyPr/>
-        <a:lstStyle/>
-        <a:p>
-          <a:endParaRPr lang="de-DE"/>
-        </a:p>
-      </dgm:t>
     </dgm:pt>
     <dgm:pt modelId="{CF07E9A6-C55A-4ACC-9373-4B9E95E6E76F}" type="pres">
       <dgm:prSet presAssocID="{D0F819FD-B2B7-4443-A0B0-64AE8AF2AF55}" presName="childText" presStyleLbl="bgAcc1" presStyleIdx="2" presStyleCnt="3" custScaleY="43673">
@@ -10990,29 +10556,22 @@
         </dgm:presLayoutVars>
       </dgm:prSet>
       <dgm:spPr/>
-      <dgm:t>
-        <a:bodyPr/>
-        <a:lstStyle/>
-        <a:p>
-          <a:endParaRPr lang="de-DE"/>
-        </a:p>
-      </dgm:t>
     </dgm:pt>
   </dgm:ptLst>
   <dgm:cxnLst>
+    <dgm:cxn modelId="{F5560A15-1E07-496E-816E-506BD78083F3}" type="presOf" srcId="{D31D8210-92A0-47D0-B5A4-4FE77013A297}" destId="{A580B225-5769-4B17-BAE6-CF9888F2187E}" srcOrd="0" destOrd="0" presId="urn:microsoft.com/office/officeart/2005/8/layout/hierarchy3"/>
+    <dgm:cxn modelId="{94FCC324-4B90-4CA4-9830-516F0D23C4D7}" type="presOf" srcId="{6ABBBA41-8D0A-41E8-8604-9F1F9A62BAD1}" destId="{04FA87EC-1A79-459C-A73C-D497AD027D90}" srcOrd="0" destOrd="0" presId="urn:microsoft.com/office/officeart/2005/8/layout/hierarchy3"/>
     <dgm:cxn modelId="{C9C3CC47-8ACD-47D0-BCEA-96EDE8F30B69}" type="presOf" srcId="{658B8A5C-4510-4F75-9CE7-93793E548519}" destId="{A4A66540-B445-41E5-9DAE-F169B4C442E8}" srcOrd="0" destOrd="0" presId="urn:microsoft.com/office/officeart/2005/8/layout/hierarchy3"/>
-    <dgm:cxn modelId="{F5560A15-1E07-496E-816E-506BD78083F3}" type="presOf" srcId="{D31D8210-92A0-47D0-B5A4-4FE77013A297}" destId="{A580B225-5769-4B17-BAE6-CF9888F2187E}" srcOrd="0" destOrd="0" presId="urn:microsoft.com/office/officeart/2005/8/layout/hierarchy3"/>
+    <dgm:cxn modelId="{71FB1D4C-CA4F-4783-B18D-CC405A631CD5}" type="presOf" srcId="{170617C6-330B-4C02-A3B1-C25B465DAE22}" destId="{FCC0D7C1-31F9-48FC-B96C-9972BDEB7776}" srcOrd="0" destOrd="0" presId="urn:microsoft.com/office/officeart/2005/8/layout/hierarchy3"/>
+    <dgm:cxn modelId="{937C4E6C-03A3-49B7-9374-71099B62BCF9}" srcId="{658B8A5C-4510-4F75-9CE7-93793E548519}" destId="{999067F7-20B2-4D0D-9BF1-D592D5C59CFF}" srcOrd="0" destOrd="0" parTransId="{6ABBBA41-8D0A-41E8-8604-9F1F9A62BAD1}" sibTransId="{2137E7A6-1B59-417E-9893-4A5E41180912}"/>
     <dgm:cxn modelId="{68D6DF4C-638E-4BD4-907F-429358AE1478}" srcId="{658B8A5C-4510-4F75-9CE7-93793E548519}" destId="{D0F819FD-B2B7-4443-A0B0-64AE8AF2AF55}" srcOrd="2" destOrd="0" parTransId="{D31D8210-92A0-47D0-B5A4-4FE77013A297}" sibTransId="{BD6E95EB-E182-4441-A422-37FD68FB6608}"/>
-    <dgm:cxn modelId="{937C4E6C-03A3-49B7-9374-71099B62BCF9}" srcId="{658B8A5C-4510-4F75-9CE7-93793E548519}" destId="{999067F7-20B2-4D0D-9BF1-D592D5C59CFF}" srcOrd="0" destOrd="0" parTransId="{6ABBBA41-8D0A-41E8-8604-9F1F9A62BAD1}" sibTransId="{2137E7A6-1B59-417E-9893-4A5E41180912}"/>
+    <dgm:cxn modelId="{9E68C458-B2F5-410F-A77E-7F88E0D4E95D}" type="presOf" srcId="{D0F819FD-B2B7-4443-A0B0-64AE8AF2AF55}" destId="{CF07E9A6-C55A-4ACC-9373-4B9E95E6E76F}" srcOrd="0" destOrd="0" presId="urn:microsoft.com/office/officeart/2005/8/layout/hierarchy3"/>
+    <dgm:cxn modelId="{531AEA87-A0ED-4832-8B18-AD84FAFE59F5}" srcId="{658B8A5C-4510-4F75-9CE7-93793E548519}" destId="{170617C6-330B-4C02-A3B1-C25B465DAE22}" srcOrd="1" destOrd="0" parTransId="{AB27B75C-296A-470F-84BF-2D2CA920463B}" sibTransId="{EDEE0AFC-8DBA-4D78-B9E3-28B4CF1E7173}"/>
     <dgm:cxn modelId="{AB1B2793-42CE-40CB-ACA8-4F9C245E8792}" srcId="{7AA7CF9E-59CF-42DC-B9AE-7736EE9BBEEE}" destId="{658B8A5C-4510-4F75-9CE7-93793E548519}" srcOrd="0" destOrd="0" parTransId="{533AC5AB-045B-462D-96A8-780767940527}" sibTransId="{33BBA966-025A-4EC2-A7D6-2B567D0A39EF}"/>
+    <dgm:cxn modelId="{5DEF9A94-E5B6-4672-9FCD-4FF1FAA99550}" type="presOf" srcId="{AB27B75C-296A-470F-84BF-2D2CA920463B}" destId="{8936362A-5F0D-4453-8682-9647967D9FBE}" srcOrd="0" destOrd="0" presId="urn:microsoft.com/office/officeart/2005/8/layout/hierarchy3"/>
+    <dgm:cxn modelId="{82D76DA0-0166-4268-AB87-E6921C0E83BD}" type="presOf" srcId="{658B8A5C-4510-4F75-9CE7-93793E548519}" destId="{26F7D67C-E139-430B-9D90-FB5F03D46D9D}" srcOrd="1" destOrd="0" presId="urn:microsoft.com/office/officeart/2005/8/layout/hierarchy3"/>
     <dgm:cxn modelId="{019C9FA9-88AF-4251-B975-03F67839E51C}" type="presOf" srcId="{999067F7-20B2-4D0D-9BF1-D592D5C59CFF}" destId="{45276177-07F2-466F-8809-674B4C52EF74}" srcOrd="0" destOrd="0" presId="urn:microsoft.com/office/officeart/2005/8/layout/hierarchy3"/>
-    <dgm:cxn modelId="{82D76DA0-0166-4268-AB87-E6921C0E83BD}" type="presOf" srcId="{658B8A5C-4510-4F75-9CE7-93793E548519}" destId="{26F7D67C-E139-430B-9D90-FB5F03D46D9D}" srcOrd="1" destOrd="0" presId="urn:microsoft.com/office/officeart/2005/8/layout/hierarchy3"/>
-    <dgm:cxn modelId="{5DEF9A94-E5B6-4672-9FCD-4FF1FAA99550}" type="presOf" srcId="{AB27B75C-296A-470F-84BF-2D2CA920463B}" destId="{8936362A-5F0D-4453-8682-9647967D9FBE}" srcOrd="0" destOrd="0" presId="urn:microsoft.com/office/officeart/2005/8/layout/hierarchy3"/>
     <dgm:cxn modelId="{80EFBFBC-30B4-43F0-B810-0EE37FE75A22}" type="presOf" srcId="{7AA7CF9E-59CF-42DC-B9AE-7736EE9BBEEE}" destId="{86239EDF-F72B-486B-BE65-3BE2D4812E35}" srcOrd="0" destOrd="0" presId="urn:microsoft.com/office/officeart/2005/8/layout/hierarchy3"/>
-    <dgm:cxn modelId="{9E68C458-B2F5-410F-A77E-7F88E0D4E95D}" type="presOf" srcId="{D0F819FD-B2B7-4443-A0B0-64AE8AF2AF55}" destId="{CF07E9A6-C55A-4ACC-9373-4B9E95E6E76F}" srcOrd="0" destOrd="0" presId="urn:microsoft.com/office/officeart/2005/8/layout/hierarchy3"/>
-    <dgm:cxn modelId="{71FB1D4C-CA4F-4783-B18D-CC405A631CD5}" type="presOf" srcId="{170617C6-330B-4C02-A3B1-C25B465DAE22}" destId="{FCC0D7C1-31F9-48FC-B96C-9972BDEB7776}" srcOrd="0" destOrd="0" presId="urn:microsoft.com/office/officeart/2005/8/layout/hierarchy3"/>
-    <dgm:cxn modelId="{94FCC324-4B90-4CA4-9830-516F0D23C4D7}" type="presOf" srcId="{6ABBBA41-8D0A-41E8-8604-9F1F9A62BAD1}" destId="{04FA87EC-1A79-459C-A73C-D497AD027D90}" srcOrd="0" destOrd="0" presId="urn:microsoft.com/office/officeart/2005/8/layout/hierarchy3"/>
-    <dgm:cxn modelId="{531AEA87-A0ED-4832-8B18-AD84FAFE59F5}" srcId="{658B8A5C-4510-4F75-9CE7-93793E548519}" destId="{170617C6-330B-4C02-A3B1-C25B465DAE22}" srcOrd="1" destOrd="0" parTransId="{AB27B75C-296A-470F-84BF-2D2CA920463B}" sibTransId="{EDEE0AFC-8DBA-4D78-B9E3-28B4CF1E7173}"/>
     <dgm:cxn modelId="{D43E3C6F-4656-4C87-9D68-14EE1627E5A1}" type="presParOf" srcId="{86239EDF-F72B-486B-BE65-3BE2D4812E35}" destId="{51688BB0-AEFA-4766-9737-8B82DE6C8CE8}" srcOrd="0" destOrd="0" presId="urn:microsoft.com/office/officeart/2005/8/layout/hierarchy3"/>
     <dgm:cxn modelId="{B9CD6242-3D7E-4D77-948C-3B931B021F99}" type="presParOf" srcId="{51688BB0-AEFA-4766-9737-8B82DE6C8CE8}" destId="{8FC39124-925A-479F-999F-4196E00A2C35}" srcOrd="0" destOrd="0" presId="urn:microsoft.com/office/officeart/2005/8/layout/hierarchy3"/>
     <dgm:cxn modelId="{BF0910F9-18B7-4B94-9311-5D256260D2D5}" type="presParOf" srcId="{8FC39124-925A-479F-999F-4196E00A2C35}" destId="{A4A66540-B445-41E5-9DAE-F169B4C442E8}" srcOrd="0" destOrd="0" presId="urn:microsoft.com/office/officeart/2005/8/layout/hierarchy3"/>
@@ -11058,13 +10617,6 @@
         </dgm:presLayoutVars>
       </dgm:prSet>
       <dgm:spPr/>
-      <dgm:t>
-        <a:bodyPr/>
-        <a:lstStyle/>
-        <a:p>
-          <a:endParaRPr lang="de-DE"/>
-        </a:p>
-      </dgm:t>
     </dgm:pt>
   </dgm:ptLst>
   <dgm:cxnLst>
@@ -11119,10 +10671,9 @@
         <a:lstStyle/>
         <a:p>
           <a:r>
-            <a:rPr lang="de-DE" dirty="0" smtClean="0"/>
+            <a:rPr lang="de-DE" dirty="0"/>
             <a:t>Device-Manager</a:t>
           </a:r>
-          <a:endParaRPr lang="de-DE" dirty="0"/>
         </a:p>
       </dgm:t>
     </dgm:pt>
@@ -11180,11 +10731,11 @@
         <a:lstStyle/>
         <a:p>
           <a:r>
-            <a:rPr lang="de-DE" dirty="0" smtClean="0"/>
+            <a:rPr lang="de-DE" dirty="0"/>
             <a:t>Web-</a:t>
           </a:r>
           <a:r>
-            <a:rPr lang="de-DE" dirty="0" err="1" smtClean="0"/>
+            <a:rPr lang="de-DE" dirty="0" err="1"/>
             <a:t>Diagnostic</a:t>
           </a:r>
           <a:endParaRPr lang="de-DE" dirty="0"/>
@@ -11245,18 +10796,17 @@
         <a:lstStyle/>
         <a:p>
           <a:r>
-            <a:rPr lang="de-DE" dirty="0" smtClean="0"/>
+            <a:rPr lang="de-DE" dirty="0"/>
             <a:t>Web-</a:t>
           </a:r>
           <a:r>
-            <a:rPr lang="de-DE" dirty="0" err="1" smtClean="0"/>
+            <a:rPr lang="de-DE" dirty="0" err="1"/>
             <a:t>Topology</a:t>
           </a:r>
           <a:r>
-            <a:rPr lang="de-DE" dirty="0" smtClean="0"/>
+            <a:rPr lang="de-DE" dirty="0"/>
             <a:t>-Editor</a:t>
           </a:r>
-          <a:endParaRPr lang="de-DE" dirty="0"/>
         </a:p>
       </dgm:t>
     </dgm:pt>
@@ -11314,10 +10864,9 @@
         <a:lstStyle/>
         <a:p>
           <a:r>
-            <a:rPr lang="de-DE" dirty="0" smtClean="0"/>
+            <a:rPr lang="de-DE" dirty="0"/>
             <a:t>ODM</a:t>
           </a:r>
-          <a:endParaRPr lang="de-DE" dirty="0"/>
         </a:p>
       </dgm:t>
     </dgm:pt>
@@ -11375,10 +10924,9 @@
         <a:lstStyle/>
         <a:p>
           <a:r>
-            <a:rPr lang="de-DE" dirty="0" smtClean="0"/>
+            <a:rPr lang="de-DE" dirty="0"/>
             <a:t>OPC UA</a:t>
           </a:r>
-          <a:endParaRPr lang="de-DE" dirty="0"/>
         </a:p>
       </dgm:t>
     </dgm:pt>
@@ -11417,13 +10965,6 @@
     <dgm:pt modelId="{EB889667-D800-4335-9517-FD49D4BE1D6E}" type="pres">
       <dgm:prSet presAssocID="{80A85981-0CA0-43F0-8AA5-A5615284BA07}" presName="wedge1" presStyleLbl="node1" presStyleIdx="0" presStyleCnt="5"/>
       <dgm:spPr/>
-      <dgm:t>
-        <a:bodyPr/>
-        <a:lstStyle/>
-        <a:p>
-          <a:endParaRPr lang="de-DE"/>
-        </a:p>
-      </dgm:t>
     </dgm:pt>
     <dgm:pt modelId="{EB0E30DF-D14E-4378-96C6-176FCE4A864C}" type="pres">
       <dgm:prSet presAssocID="{80A85981-0CA0-43F0-8AA5-A5615284BA07}" presName="dummy1a" presStyleCnt="0"/>
@@ -11442,24 +10983,10 @@
         </dgm:presLayoutVars>
       </dgm:prSet>
       <dgm:spPr/>
-      <dgm:t>
-        <a:bodyPr/>
-        <a:lstStyle/>
-        <a:p>
-          <a:endParaRPr lang="de-DE"/>
-        </a:p>
-      </dgm:t>
     </dgm:pt>
     <dgm:pt modelId="{51AA24A8-0ED5-4108-9996-EA9EC772C4A9}" type="pres">
       <dgm:prSet presAssocID="{80A85981-0CA0-43F0-8AA5-A5615284BA07}" presName="wedge2" presStyleLbl="node1" presStyleIdx="1" presStyleCnt="5"/>
       <dgm:spPr/>
-      <dgm:t>
-        <a:bodyPr/>
-        <a:lstStyle/>
-        <a:p>
-          <a:endParaRPr lang="de-DE"/>
-        </a:p>
-      </dgm:t>
     </dgm:pt>
     <dgm:pt modelId="{E187AC74-8C15-42EB-8C84-0126DF314794}" type="pres">
       <dgm:prSet presAssocID="{80A85981-0CA0-43F0-8AA5-A5615284BA07}" presName="dummy2a" presStyleCnt="0"/>
@@ -11478,24 +11005,10 @@
         </dgm:presLayoutVars>
       </dgm:prSet>
       <dgm:spPr/>
-      <dgm:t>
-        <a:bodyPr/>
-        <a:lstStyle/>
-        <a:p>
-          <a:endParaRPr lang="de-DE"/>
-        </a:p>
-      </dgm:t>
     </dgm:pt>
     <dgm:pt modelId="{9476F227-543E-4098-9045-C6E52BDA7EF8}" type="pres">
       <dgm:prSet presAssocID="{80A85981-0CA0-43F0-8AA5-A5615284BA07}" presName="wedge3" presStyleLbl="node1" presStyleIdx="2" presStyleCnt="5"/>
       <dgm:spPr/>
-      <dgm:t>
-        <a:bodyPr/>
-        <a:lstStyle/>
-        <a:p>
-          <a:endParaRPr lang="de-DE"/>
-        </a:p>
-      </dgm:t>
     </dgm:pt>
     <dgm:pt modelId="{D13BA008-1A70-45EC-A4CD-6868695EC471}" type="pres">
       <dgm:prSet presAssocID="{80A85981-0CA0-43F0-8AA5-A5615284BA07}" presName="dummy3a" presStyleCnt="0"/>
@@ -11514,24 +11027,10 @@
         </dgm:presLayoutVars>
       </dgm:prSet>
       <dgm:spPr/>
-      <dgm:t>
-        <a:bodyPr/>
-        <a:lstStyle/>
-        <a:p>
-          <a:endParaRPr lang="de-DE"/>
-        </a:p>
-      </dgm:t>
     </dgm:pt>
     <dgm:pt modelId="{9EB4172E-3C3E-4C75-B2FC-54BD13FC81C6}" type="pres">
       <dgm:prSet presAssocID="{80A85981-0CA0-43F0-8AA5-A5615284BA07}" presName="wedge4" presStyleLbl="node1" presStyleIdx="3" presStyleCnt="5"/>
       <dgm:spPr/>
-      <dgm:t>
-        <a:bodyPr/>
-        <a:lstStyle/>
-        <a:p>
-          <a:endParaRPr lang="de-DE"/>
-        </a:p>
-      </dgm:t>
     </dgm:pt>
     <dgm:pt modelId="{9A88FD40-7B59-484F-8AF5-8E0374FF9F59}" type="pres">
       <dgm:prSet presAssocID="{80A85981-0CA0-43F0-8AA5-A5615284BA07}" presName="dummy4a" presStyleCnt="0"/>
@@ -11550,24 +11049,10 @@
         </dgm:presLayoutVars>
       </dgm:prSet>
       <dgm:spPr/>
-      <dgm:t>
-        <a:bodyPr/>
-        <a:lstStyle/>
-        <a:p>
-          <a:endParaRPr lang="de-DE"/>
-        </a:p>
-      </dgm:t>
     </dgm:pt>
     <dgm:pt modelId="{0B285613-1B2C-4509-AF19-106CA975293E}" type="pres">
       <dgm:prSet presAssocID="{80A85981-0CA0-43F0-8AA5-A5615284BA07}" presName="wedge5" presStyleLbl="node1" presStyleIdx="4" presStyleCnt="5" custLinFactNeighborX="457" custLinFactNeighborY="-389"/>
       <dgm:spPr/>
-      <dgm:t>
-        <a:bodyPr/>
-        <a:lstStyle/>
-        <a:p>
-          <a:endParaRPr lang="de-DE"/>
-        </a:p>
-      </dgm:t>
     </dgm:pt>
     <dgm:pt modelId="{F4E9D83B-9CCB-4210-BB92-1E426B298521}" type="pres">
       <dgm:prSet presAssocID="{80A85981-0CA0-43F0-8AA5-A5615284BA07}" presName="dummy5a" presStyleCnt="0"/>
@@ -11586,13 +11071,6 @@
         </dgm:presLayoutVars>
       </dgm:prSet>
       <dgm:spPr/>
-      <dgm:t>
-        <a:bodyPr/>
-        <a:lstStyle/>
-        <a:p>
-          <a:endParaRPr lang="de-DE"/>
-        </a:p>
-      </dgm:t>
     </dgm:pt>
     <dgm:pt modelId="{E0C1E151-6446-4940-8C32-1CC13111C18A}" type="pres">
       <dgm:prSet presAssocID="{37196034-220B-4C36-AADA-ED7FEE7F91FC}" presName="arrowWedge1" presStyleLbl="fgSibTrans2D1" presStyleIdx="0" presStyleCnt="5"/>
@@ -11616,22 +11094,22 @@
     </dgm:pt>
   </dgm:ptLst>
   <dgm:cxnLst>
-    <dgm:cxn modelId="{8746CACC-33B7-47AA-8AAB-0FC88DB70FF6}" srcId="{80A85981-0CA0-43F0-8AA5-A5615284BA07}" destId="{CE97CD99-4D59-4B38-B82D-25ECBE61DEA3}" srcOrd="3" destOrd="0" parTransId="{BDBD1410-5742-495C-8F7F-DF3EDBCB5122}" sibTransId="{05B324BD-3AFF-45B5-B42D-B907D1957CB3}"/>
     <dgm:cxn modelId="{DC03C102-B932-49F6-A1A0-1B698C2C2FE3}" type="presOf" srcId="{7AF4F7B3-AD70-4C09-A564-88982B1D1931}" destId="{7408F97A-6843-4384-B536-ABC4367E62B2}" srcOrd="1" destOrd="0" presId="urn:microsoft.com/office/officeart/2005/8/layout/cycle8"/>
     <dgm:cxn modelId="{54DA5F06-7FB5-4BBE-8857-DE660984CD80}" type="presOf" srcId="{2E796A91-23C6-45DB-84E3-C8364D16B11E}" destId="{9476F227-543E-4098-9045-C6E52BDA7EF8}" srcOrd="0" destOrd="0" presId="urn:microsoft.com/office/officeart/2005/8/layout/cycle8"/>
+    <dgm:cxn modelId="{96797A0B-7E38-4801-A31F-E8BEF58E50CB}" srcId="{80A85981-0CA0-43F0-8AA5-A5615284BA07}" destId="{D3830C95-126D-4297-839A-69F131C90EDE}" srcOrd="4" destOrd="0" parTransId="{0A314E49-43BC-4832-AEF2-6D9AAB5700B7}" sibTransId="{A47137EB-57ED-40AB-820A-17242EC66514}"/>
+    <dgm:cxn modelId="{37B40236-14BC-4695-AF6C-8C96E540F8ED}" type="presOf" srcId="{D3830C95-126D-4297-839A-69F131C90EDE}" destId="{103631DD-C00A-4949-B82A-85F1B701E70D}" srcOrd="1" destOrd="0" presId="urn:microsoft.com/office/officeart/2005/8/layout/cycle8"/>
+    <dgm:cxn modelId="{09F00B37-B29C-4C2D-9CC4-CB959DF7FD05}" srcId="{80A85981-0CA0-43F0-8AA5-A5615284BA07}" destId="{7AF4F7B3-AD70-4C09-A564-88982B1D1931}" srcOrd="0" destOrd="0" parTransId="{4DDAE003-2775-4EA3-855B-4D4D09537C2E}" sibTransId="{37196034-220B-4C36-AADA-ED7FEE7F91FC}"/>
+    <dgm:cxn modelId="{CF2CF351-D6ED-4D8A-AC98-E3A993F8AC21}" type="presOf" srcId="{CE97CD99-4D59-4B38-B82D-25ECBE61DEA3}" destId="{A3609D5B-96A9-4220-9294-14979F1E0438}" srcOrd="1" destOrd="0" presId="urn:microsoft.com/office/officeart/2005/8/layout/cycle8"/>
+    <dgm:cxn modelId="{63EA987B-0711-4381-A3EF-D24E5A21DB02}" type="presOf" srcId="{CE97CD99-4D59-4B38-B82D-25ECBE61DEA3}" destId="{9EB4172E-3C3E-4C75-B2FC-54BD13FC81C6}" srcOrd="0" destOrd="0" presId="urn:microsoft.com/office/officeart/2005/8/layout/cycle8"/>
+    <dgm:cxn modelId="{AB9ADA96-DAD3-4DB6-99DA-8E33B2EFA7D7}" type="presOf" srcId="{2E796A91-23C6-45DB-84E3-C8364D16B11E}" destId="{88137506-208A-4E30-A5A9-BD45E324765C}" srcOrd="1" destOrd="0" presId="urn:microsoft.com/office/officeart/2005/8/layout/cycle8"/>
+    <dgm:cxn modelId="{8A5E69C2-3214-43DC-A9CB-FFBE1F14EB8F}" type="presOf" srcId="{D3830C95-126D-4297-839A-69F131C90EDE}" destId="{0B285613-1B2C-4509-AF19-106CA975293E}" srcOrd="0" destOrd="0" presId="urn:microsoft.com/office/officeart/2005/8/layout/cycle8"/>
+    <dgm:cxn modelId="{D9938AC7-D32B-4CD0-907B-4A760A8A009C}" srcId="{80A85981-0CA0-43F0-8AA5-A5615284BA07}" destId="{2E796A91-23C6-45DB-84E3-C8364D16B11E}" srcOrd="2" destOrd="0" parTransId="{369CBAC1-EBD4-4223-AF98-A0164A45611E}" sibTransId="{7E8EC07F-5C00-4340-94F9-ADFE26D1B374}"/>
+    <dgm:cxn modelId="{8746CACC-33B7-47AA-8AAB-0FC88DB70FF6}" srcId="{80A85981-0CA0-43F0-8AA5-A5615284BA07}" destId="{CE97CD99-4D59-4B38-B82D-25ECBE61DEA3}" srcOrd="3" destOrd="0" parTransId="{BDBD1410-5742-495C-8F7F-DF3EDBCB5122}" sibTransId="{05B324BD-3AFF-45B5-B42D-B907D1957CB3}"/>
     <dgm:cxn modelId="{185841D8-996E-4504-B75E-EAF99E5E6772}" type="presOf" srcId="{310FA375-ADC6-4F35-9163-6383E73448BA}" destId="{51AA24A8-0ED5-4108-9996-EA9EC772C4A9}" srcOrd="0" destOrd="0" presId="urn:microsoft.com/office/officeart/2005/8/layout/cycle8"/>
     <dgm:cxn modelId="{80FB1AE0-7410-40EF-B641-F6D060BB067D}" type="presOf" srcId="{310FA375-ADC6-4F35-9163-6383E73448BA}" destId="{26CEC38B-44EF-435A-B1D3-BA4EA30D9CF6}" srcOrd="1" destOrd="0" presId="urn:microsoft.com/office/officeart/2005/8/layout/cycle8"/>
-    <dgm:cxn modelId="{09F00B37-B29C-4C2D-9CC4-CB959DF7FD05}" srcId="{80A85981-0CA0-43F0-8AA5-A5615284BA07}" destId="{7AF4F7B3-AD70-4C09-A564-88982B1D1931}" srcOrd="0" destOrd="0" parTransId="{4DDAE003-2775-4EA3-855B-4D4D09537C2E}" sibTransId="{37196034-220B-4C36-AADA-ED7FEE7F91FC}"/>
+    <dgm:cxn modelId="{F69B1AE5-840E-4086-B09B-F30124628D43}" srcId="{80A85981-0CA0-43F0-8AA5-A5615284BA07}" destId="{310FA375-ADC6-4F35-9163-6383E73448BA}" srcOrd="1" destOrd="0" parTransId="{10B8DC38-B695-4CC8-A2A6-7AB933C7D33B}" sibTransId="{B1F78413-488C-49AF-855E-04EBE2A04DDB}"/>
+    <dgm:cxn modelId="{5C2FFBF2-D5AB-4162-A211-419D520579E1}" type="presOf" srcId="{80A85981-0CA0-43F0-8AA5-A5615284BA07}" destId="{4C1B930D-E238-451A-9F82-A390A117779F}" srcOrd="0" destOrd="0" presId="urn:microsoft.com/office/officeart/2005/8/layout/cycle8"/>
     <dgm:cxn modelId="{2DD03AF5-0744-4C38-83F5-E04F15E6C857}" type="presOf" srcId="{7AF4F7B3-AD70-4C09-A564-88982B1D1931}" destId="{EB889667-D800-4335-9517-FD49D4BE1D6E}" srcOrd="0" destOrd="0" presId="urn:microsoft.com/office/officeart/2005/8/layout/cycle8"/>
-    <dgm:cxn modelId="{AB9ADA96-DAD3-4DB6-99DA-8E33B2EFA7D7}" type="presOf" srcId="{2E796A91-23C6-45DB-84E3-C8364D16B11E}" destId="{88137506-208A-4E30-A5A9-BD45E324765C}" srcOrd="1" destOrd="0" presId="urn:microsoft.com/office/officeart/2005/8/layout/cycle8"/>
-    <dgm:cxn modelId="{8A5E69C2-3214-43DC-A9CB-FFBE1F14EB8F}" type="presOf" srcId="{D3830C95-126D-4297-839A-69F131C90EDE}" destId="{0B285613-1B2C-4509-AF19-106CA975293E}" srcOrd="0" destOrd="0" presId="urn:microsoft.com/office/officeart/2005/8/layout/cycle8"/>
-    <dgm:cxn modelId="{96797A0B-7E38-4801-A31F-E8BEF58E50CB}" srcId="{80A85981-0CA0-43F0-8AA5-A5615284BA07}" destId="{D3830C95-126D-4297-839A-69F131C90EDE}" srcOrd="4" destOrd="0" parTransId="{0A314E49-43BC-4832-AEF2-6D9AAB5700B7}" sibTransId="{A47137EB-57ED-40AB-820A-17242EC66514}"/>
-    <dgm:cxn modelId="{F69B1AE5-840E-4086-B09B-F30124628D43}" srcId="{80A85981-0CA0-43F0-8AA5-A5615284BA07}" destId="{310FA375-ADC6-4F35-9163-6383E73448BA}" srcOrd="1" destOrd="0" parTransId="{10B8DC38-B695-4CC8-A2A6-7AB933C7D33B}" sibTransId="{B1F78413-488C-49AF-855E-04EBE2A04DDB}"/>
-    <dgm:cxn modelId="{CF2CF351-D6ED-4D8A-AC98-E3A993F8AC21}" type="presOf" srcId="{CE97CD99-4D59-4B38-B82D-25ECBE61DEA3}" destId="{A3609D5B-96A9-4220-9294-14979F1E0438}" srcOrd="1" destOrd="0" presId="urn:microsoft.com/office/officeart/2005/8/layout/cycle8"/>
-    <dgm:cxn modelId="{63EA987B-0711-4381-A3EF-D24E5A21DB02}" type="presOf" srcId="{CE97CD99-4D59-4B38-B82D-25ECBE61DEA3}" destId="{9EB4172E-3C3E-4C75-B2FC-54BD13FC81C6}" srcOrd="0" destOrd="0" presId="urn:microsoft.com/office/officeart/2005/8/layout/cycle8"/>
-    <dgm:cxn modelId="{5C2FFBF2-D5AB-4162-A211-419D520579E1}" type="presOf" srcId="{80A85981-0CA0-43F0-8AA5-A5615284BA07}" destId="{4C1B930D-E238-451A-9F82-A390A117779F}" srcOrd="0" destOrd="0" presId="urn:microsoft.com/office/officeart/2005/8/layout/cycle8"/>
-    <dgm:cxn modelId="{37B40236-14BC-4695-AF6C-8C96E540F8ED}" type="presOf" srcId="{D3830C95-126D-4297-839A-69F131C90EDE}" destId="{103631DD-C00A-4949-B82A-85F1B701E70D}" srcOrd="1" destOrd="0" presId="urn:microsoft.com/office/officeart/2005/8/layout/cycle8"/>
-    <dgm:cxn modelId="{D9938AC7-D32B-4CD0-907B-4A760A8A009C}" srcId="{80A85981-0CA0-43F0-8AA5-A5615284BA07}" destId="{2E796A91-23C6-45DB-84E3-C8364D16B11E}" srcOrd="2" destOrd="0" parTransId="{369CBAC1-EBD4-4223-AF98-A0164A45611E}" sibTransId="{7E8EC07F-5C00-4340-94F9-ADFE26D1B374}"/>
     <dgm:cxn modelId="{FD6E1A6D-B9C2-4895-BA7C-274707CB17B3}" type="presParOf" srcId="{4C1B930D-E238-451A-9F82-A390A117779F}" destId="{EB889667-D800-4335-9517-FD49D4BE1D6E}" srcOrd="0" destOrd="0" presId="urn:microsoft.com/office/officeart/2005/8/layout/cycle8"/>
     <dgm:cxn modelId="{2EDAE1A2-6261-4013-B4D4-7294A1C24D13}" type="presParOf" srcId="{4C1B930D-E238-451A-9F82-A390A117779F}" destId="{EB0E30DF-D14E-4378-96C6-176FCE4A864C}" srcOrd="1" destOrd="0" presId="urn:microsoft.com/office/officeart/2005/8/layout/cycle8"/>
     <dgm:cxn modelId="{22508C8D-4F1E-4024-B883-5FB84D66979E}" type="presParOf" srcId="{4C1B930D-E238-451A-9F82-A390A117779F}" destId="{6057C364-CDDD-491E-9E3D-15CF16E62058}" srcOrd="2" destOrd="0" presId="urn:microsoft.com/office/officeart/2005/8/layout/cycle8"/>
@@ -11687,10 +11165,9 @@
         <a:lstStyle/>
         <a:p>
           <a:r>
-            <a:rPr lang="de-DE" dirty="0" smtClean="0"/>
+            <a:rPr lang="de-DE" dirty="0"/>
             <a:t>ComStudio</a:t>
           </a:r>
-          <a:endParaRPr lang="de-DE" dirty="0"/>
         </a:p>
       </dgm:t>
     </dgm:pt>
@@ -11736,10 +11213,9 @@
         <a:lstStyle/>
         <a:p>
           <a:r>
-            <a:rPr lang="de-DE" dirty="0" smtClean="0"/>
+            <a:rPr lang="de-DE" dirty="0"/>
             <a:t>Topology-Editor-Server</a:t>
           </a:r>
-          <a:endParaRPr lang="de-DE" dirty="0"/>
         </a:p>
       </dgm:t>
     </dgm:pt>
@@ -11785,10 +11261,9 @@
         <a:lstStyle/>
         <a:p>
           <a:r>
-            <a:rPr lang="de-DE" dirty="0" smtClean="0"/>
+            <a:rPr lang="de-DE" dirty="0"/>
             <a:t>Topology-Editor-Client</a:t>
           </a:r>
-          <a:endParaRPr lang="de-DE" dirty="0"/>
         </a:p>
       </dgm:t>
     </dgm:pt>
@@ -11834,13 +11309,6 @@
           <a:avLst/>
         </a:prstGeom>
       </dgm:spPr>
-      <dgm:t>
-        <a:bodyPr/>
-        <a:lstStyle/>
-        <a:p>
-          <a:endParaRPr lang="de-DE"/>
-        </a:p>
-      </dgm:t>
     </dgm:pt>
     <dgm:pt modelId="{4C95733D-4436-4872-BCF3-0568E5C31ABB}" type="pres">
       <dgm:prSet presAssocID="{A527273E-42AD-4A7E-9118-681D249AAD73}" presName="sibTrans" presStyleLbl="sibTrans2D1" presStyleIdx="0" presStyleCnt="2" custAng="5220000" custFlipVert="1" custFlipHor="1" custScaleX="37303" custScaleY="746597" custLinFactY="400000" custLinFactNeighborX="1376" custLinFactNeighborY="459228"/>
@@ -11849,24 +11317,10 @@
           <a:avLst/>
         </a:prstGeom>
       </dgm:spPr>
-      <dgm:t>
-        <a:bodyPr/>
-        <a:lstStyle/>
-        <a:p>
-          <a:endParaRPr lang="de-DE"/>
-        </a:p>
-      </dgm:t>
     </dgm:pt>
     <dgm:pt modelId="{B2BA0E98-7C6C-40B6-9FD3-87AA3925BD64}" type="pres">
       <dgm:prSet presAssocID="{A527273E-42AD-4A7E-9118-681D249AAD73}" presName="connectorText" presStyleLbl="sibTrans2D1" presStyleIdx="0" presStyleCnt="2"/>
       <dgm:spPr/>
-      <dgm:t>
-        <a:bodyPr/>
-        <a:lstStyle/>
-        <a:p>
-          <a:endParaRPr lang="de-DE"/>
-        </a:p>
-      </dgm:t>
     </dgm:pt>
     <dgm:pt modelId="{E8BCA89B-82EF-454C-A0E7-B837F80BA303}" type="pres">
       <dgm:prSet presAssocID="{A318569D-831F-470B-BAB3-812FDEF6021C}" presName="node" presStyleLbl="node1" presStyleIdx="1" presStyleCnt="3" custScaleX="588546" custScaleY="173939" custLinFactX="-622898" custLinFactY="-95866" custLinFactNeighborX="-700000" custLinFactNeighborY="-100000">
@@ -11875,13 +11329,6 @@
         </dgm:presLayoutVars>
       </dgm:prSet>
       <dgm:spPr/>
-      <dgm:t>
-        <a:bodyPr/>
-        <a:lstStyle/>
-        <a:p>
-          <a:endParaRPr lang="de-DE"/>
-        </a:p>
-      </dgm:t>
     </dgm:pt>
     <dgm:pt modelId="{0751CB5F-0CAD-43C2-8096-ACF69257E054}" type="pres">
       <dgm:prSet presAssocID="{3F0594E2-D046-43E1-9F3E-DBD92EDB6E36}" presName="sibTrans" presStyleLbl="sibTrans2D1" presStyleIdx="1" presStyleCnt="2" custFlipVert="1" custFlipHor="1" custScaleX="195674" custScaleY="325342"/>
@@ -11890,24 +11337,10 @@
           <a:avLst/>
         </a:prstGeom>
       </dgm:spPr>
-      <dgm:t>
-        <a:bodyPr/>
-        <a:lstStyle/>
-        <a:p>
-          <a:endParaRPr lang="de-DE"/>
-        </a:p>
-      </dgm:t>
     </dgm:pt>
     <dgm:pt modelId="{27B7C9CE-26AB-4571-86BA-ECA985312961}" type="pres">
       <dgm:prSet presAssocID="{3F0594E2-D046-43E1-9F3E-DBD92EDB6E36}" presName="connectorText" presStyleLbl="sibTrans2D1" presStyleIdx="1" presStyleCnt="2"/>
       <dgm:spPr/>
-      <dgm:t>
-        <a:bodyPr/>
-        <a:lstStyle/>
-        <a:p>
-          <a:endParaRPr lang="de-DE"/>
-        </a:p>
-      </dgm:t>
     </dgm:pt>
     <dgm:pt modelId="{0A97FDCC-82E7-41C1-8687-6E35D8D163B5}" type="pres">
       <dgm:prSet presAssocID="{CA8E837B-E8D6-4AE8-AD5F-4841D7D0B680}" presName="node" presStyleLbl="node1" presStyleIdx="2" presStyleCnt="3" custFlipHor="1" custScaleX="544853" custScaleY="173564" custLinFactX="-442891" custLinFactY="-94885" custLinFactNeighborX="-500000" custLinFactNeighborY="-100000">
@@ -11916,27 +11349,20 @@
         </dgm:presLayoutVars>
       </dgm:prSet>
       <dgm:spPr/>
-      <dgm:t>
-        <a:bodyPr/>
-        <a:lstStyle/>
-        <a:p>
-          <a:endParaRPr lang="de-DE"/>
-        </a:p>
-      </dgm:t>
     </dgm:pt>
   </dgm:ptLst>
   <dgm:cxnLst>
+    <dgm:cxn modelId="{340E2F05-7DF1-4481-95F1-BF9A7DA02E81}" type="presOf" srcId="{3F0594E2-D046-43E1-9F3E-DBD92EDB6E36}" destId="{0751CB5F-0CAD-43C2-8096-ACF69257E054}" srcOrd="0" destOrd="0" presId="urn:microsoft.com/office/officeart/2005/8/layout/process1"/>
+    <dgm:cxn modelId="{264AB117-5DFC-4A66-A0E4-F3911B2C8785}" type="presOf" srcId="{CA8E837B-E8D6-4AE8-AD5F-4841D7D0B680}" destId="{0A97FDCC-82E7-41C1-8687-6E35D8D163B5}" srcOrd="0" destOrd="0" presId="urn:microsoft.com/office/officeart/2005/8/layout/process1"/>
+    <dgm:cxn modelId="{8ED55531-9D3C-4EE7-B456-6ABC1E0A755B}" srcId="{18FAC1E6-C5CF-47A9-A33D-7A31614049C3}" destId="{CA8E837B-E8D6-4AE8-AD5F-4841D7D0B680}" srcOrd="2" destOrd="0" parTransId="{6E22C970-CFE9-4898-8D2C-85BAA3176A23}" sibTransId="{A015E625-CD17-4FE2-B14B-3E04B8D1F675}"/>
+    <dgm:cxn modelId="{C23D5F49-1A39-401D-B73E-C08116D9E55C}" type="presOf" srcId="{0721BB28-D2F8-4DC7-B464-6055BEE33A3F}" destId="{D45BCB76-F478-47EA-B0E1-6BFA6F2C3A14}" srcOrd="0" destOrd="0" presId="urn:microsoft.com/office/officeart/2005/8/layout/process1"/>
+    <dgm:cxn modelId="{0B0E357A-6666-42FB-8742-806AE604CED9}" type="presOf" srcId="{18FAC1E6-C5CF-47A9-A33D-7A31614049C3}" destId="{56F983B9-4FEA-4137-92B0-30EDC00631CB}" srcOrd="0" destOrd="0" presId="urn:microsoft.com/office/officeart/2005/8/layout/process1"/>
+    <dgm:cxn modelId="{A4BB0589-8721-44EA-B3C8-976F63583787}" type="presOf" srcId="{A527273E-42AD-4A7E-9118-681D249AAD73}" destId="{B2BA0E98-7C6C-40B6-9FD3-87AA3925BD64}" srcOrd="1" destOrd="0" presId="urn:microsoft.com/office/officeart/2005/8/layout/process1"/>
+    <dgm:cxn modelId="{C6B31597-0CAD-4966-8DC4-A22B00504BC3}" type="presOf" srcId="{A527273E-42AD-4A7E-9118-681D249AAD73}" destId="{4C95733D-4436-4872-BCF3-0568E5C31ABB}" srcOrd="0" destOrd="0" presId="urn:microsoft.com/office/officeart/2005/8/layout/process1"/>
+    <dgm:cxn modelId="{6DD379D1-9475-4531-AA76-EA3E25E59E60}" type="presOf" srcId="{A318569D-831F-470B-BAB3-812FDEF6021C}" destId="{E8BCA89B-82EF-454C-A0E7-B837F80BA303}" srcOrd="0" destOrd="0" presId="urn:microsoft.com/office/officeart/2005/8/layout/process1"/>
+    <dgm:cxn modelId="{EF393ADA-FABC-4583-ABC7-C1B2DDDD653F}" srcId="{18FAC1E6-C5CF-47A9-A33D-7A31614049C3}" destId="{A318569D-831F-470B-BAB3-812FDEF6021C}" srcOrd="1" destOrd="0" parTransId="{8826AA37-B320-459A-9CB7-4702B2FCA6AB}" sibTransId="{3F0594E2-D046-43E1-9F3E-DBD92EDB6E36}"/>
+    <dgm:cxn modelId="{4CC92DE0-1A55-4FEC-881B-726D2E69314A}" srcId="{18FAC1E6-C5CF-47A9-A33D-7A31614049C3}" destId="{0721BB28-D2F8-4DC7-B464-6055BEE33A3F}" srcOrd="0" destOrd="0" parTransId="{D03F987D-83BC-4A17-9F07-0ADA42CCE944}" sibTransId="{A527273E-42AD-4A7E-9118-681D249AAD73}"/>
     <dgm:cxn modelId="{0CCAD3E5-FF5D-45A0-975B-6E469D45BBC6}" type="presOf" srcId="{3F0594E2-D046-43E1-9F3E-DBD92EDB6E36}" destId="{27B7C9CE-26AB-4571-86BA-ECA985312961}" srcOrd="1" destOrd="0" presId="urn:microsoft.com/office/officeart/2005/8/layout/process1"/>
-    <dgm:cxn modelId="{264AB117-5DFC-4A66-A0E4-F3911B2C8785}" type="presOf" srcId="{CA8E837B-E8D6-4AE8-AD5F-4841D7D0B680}" destId="{0A97FDCC-82E7-41C1-8687-6E35D8D163B5}" srcOrd="0" destOrd="0" presId="urn:microsoft.com/office/officeart/2005/8/layout/process1"/>
-    <dgm:cxn modelId="{EF393ADA-FABC-4583-ABC7-C1B2DDDD653F}" srcId="{18FAC1E6-C5CF-47A9-A33D-7A31614049C3}" destId="{A318569D-831F-470B-BAB3-812FDEF6021C}" srcOrd="1" destOrd="0" parTransId="{8826AA37-B320-459A-9CB7-4702B2FCA6AB}" sibTransId="{3F0594E2-D046-43E1-9F3E-DBD92EDB6E36}"/>
-    <dgm:cxn modelId="{C6B31597-0CAD-4966-8DC4-A22B00504BC3}" type="presOf" srcId="{A527273E-42AD-4A7E-9118-681D249AAD73}" destId="{4C95733D-4436-4872-BCF3-0568E5C31ABB}" srcOrd="0" destOrd="0" presId="urn:microsoft.com/office/officeart/2005/8/layout/process1"/>
-    <dgm:cxn modelId="{340E2F05-7DF1-4481-95F1-BF9A7DA02E81}" type="presOf" srcId="{3F0594E2-D046-43E1-9F3E-DBD92EDB6E36}" destId="{0751CB5F-0CAD-43C2-8096-ACF69257E054}" srcOrd="0" destOrd="0" presId="urn:microsoft.com/office/officeart/2005/8/layout/process1"/>
-    <dgm:cxn modelId="{6DD379D1-9475-4531-AA76-EA3E25E59E60}" type="presOf" srcId="{A318569D-831F-470B-BAB3-812FDEF6021C}" destId="{E8BCA89B-82EF-454C-A0E7-B837F80BA303}" srcOrd="0" destOrd="0" presId="urn:microsoft.com/office/officeart/2005/8/layout/process1"/>
-    <dgm:cxn modelId="{8ED55531-9D3C-4EE7-B456-6ABC1E0A755B}" srcId="{18FAC1E6-C5CF-47A9-A33D-7A31614049C3}" destId="{CA8E837B-E8D6-4AE8-AD5F-4841D7D0B680}" srcOrd="2" destOrd="0" parTransId="{6E22C970-CFE9-4898-8D2C-85BAA3176A23}" sibTransId="{A015E625-CD17-4FE2-B14B-3E04B8D1F675}"/>
-    <dgm:cxn modelId="{0B0E357A-6666-42FB-8742-806AE604CED9}" type="presOf" srcId="{18FAC1E6-C5CF-47A9-A33D-7A31614049C3}" destId="{56F983B9-4FEA-4137-92B0-30EDC00631CB}" srcOrd="0" destOrd="0" presId="urn:microsoft.com/office/officeart/2005/8/layout/process1"/>
-    <dgm:cxn modelId="{4CC92DE0-1A55-4FEC-881B-726D2E69314A}" srcId="{18FAC1E6-C5CF-47A9-A33D-7A31614049C3}" destId="{0721BB28-D2F8-4DC7-B464-6055BEE33A3F}" srcOrd="0" destOrd="0" parTransId="{D03F987D-83BC-4A17-9F07-0ADA42CCE944}" sibTransId="{A527273E-42AD-4A7E-9118-681D249AAD73}"/>
-    <dgm:cxn modelId="{A4BB0589-8721-44EA-B3C8-976F63583787}" type="presOf" srcId="{A527273E-42AD-4A7E-9118-681D249AAD73}" destId="{B2BA0E98-7C6C-40B6-9FD3-87AA3925BD64}" srcOrd="1" destOrd="0" presId="urn:microsoft.com/office/officeart/2005/8/layout/process1"/>
-    <dgm:cxn modelId="{C23D5F49-1A39-401D-B73E-C08116D9E55C}" type="presOf" srcId="{0721BB28-D2F8-4DC7-B464-6055BEE33A3F}" destId="{D45BCB76-F478-47EA-B0E1-6BFA6F2C3A14}" srcOrd="0" destOrd="0" presId="urn:microsoft.com/office/officeart/2005/8/layout/process1"/>
     <dgm:cxn modelId="{54DC4E8E-AA11-4BFB-AE93-1699703B2714}" type="presParOf" srcId="{56F983B9-4FEA-4137-92B0-30EDC00631CB}" destId="{D45BCB76-F478-47EA-B0E1-6BFA6F2C3A14}" srcOrd="0" destOrd="0" presId="urn:microsoft.com/office/officeart/2005/8/layout/process1"/>
     <dgm:cxn modelId="{FFE567AD-DE1F-4EB9-9190-5CF830884D6F}" type="presParOf" srcId="{56F983B9-4FEA-4137-92B0-30EDC00631CB}" destId="{4C95733D-4436-4872-BCF3-0568E5C31ABB}" srcOrd="1" destOrd="0" presId="urn:microsoft.com/office/officeart/2005/8/layout/process1"/>
     <dgm:cxn modelId="{AF1A73D0-C4DA-4458-9CD0-E23E936DD342}" type="presParOf" srcId="{4C95733D-4436-4872-BCF3-0568E5C31ABB}" destId="{B2BA0E98-7C6C-40B6-9FD3-87AA3925BD64}" srcOrd="0" destOrd="0" presId="urn:microsoft.com/office/officeart/2005/8/layout/process1"/>
@@ -11974,10 +11400,9 @@
         <a:lstStyle/>
         <a:p>
           <a:r>
-            <a:rPr lang="de-DE" dirty="0" smtClean="0"/>
+            <a:rPr lang="de-DE" dirty="0"/>
             <a:t>ComStudio</a:t>
           </a:r>
-          <a:endParaRPr lang="de-DE" dirty="0"/>
         </a:p>
       </dgm:t>
     </dgm:pt>
@@ -12023,10 +11448,9 @@
         <a:lstStyle/>
         <a:p>
           <a:r>
-            <a:rPr lang="de-DE" dirty="0" smtClean="0"/>
+            <a:rPr lang="de-DE" dirty="0"/>
             <a:t>Topology-Editor-Server</a:t>
           </a:r>
-          <a:endParaRPr lang="de-DE" dirty="0"/>
         </a:p>
       </dgm:t>
     </dgm:pt>
@@ -12072,10 +11496,9 @@
         <a:lstStyle/>
         <a:p>
           <a:r>
-            <a:rPr lang="de-DE" dirty="0" smtClean="0"/>
+            <a:rPr lang="de-DE" dirty="0"/>
             <a:t>Topology-Editor-Client</a:t>
           </a:r>
-          <a:endParaRPr lang="de-DE" dirty="0"/>
         </a:p>
       </dgm:t>
     </dgm:pt>
@@ -12121,13 +11544,6 @@
           <a:avLst/>
         </a:prstGeom>
       </dgm:spPr>
-      <dgm:t>
-        <a:bodyPr/>
-        <a:lstStyle/>
-        <a:p>
-          <a:endParaRPr lang="de-DE"/>
-        </a:p>
-      </dgm:t>
     </dgm:pt>
     <dgm:pt modelId="{4C95733D-4436-4872-BCF3-0568E5C31ABB}" type="pres">
       <dgm:prSet presAssocID="{A527273E-42AD-4A7E-9118-681D249AAD73}" presName="sibTrans" presStyleLbl="sibTrans2D1" presStyleIdx="0" presStyleCnt="2" custAng="5220000" custFlipVert="1" custFlipHor="1" custScaleX="37303" custScaleY="746597" custLinFactY="400000" custLinFactNeighborX="1376" custLinFactNeighborY="459228"/>
@@ -12136,24 +11552,10 @@
           <a:avLst/>
         </a:prstGeom>
       </dgm:spPr>
-      <dgm:t>
-        <a:bodyPr/>
-        <a:lstStyle/>
-        <a:p>
-          <a:endParaRPr lang="de-DE"/>
-        </a:p>
-      </dgm:t>
     </dgm:pt>
     <dgm:pt modelId="{B2BA0E98-7C6C-40B6-9FD3-87AA3925BD64}" type="pres">
       <dgm:prSet presAssocID="{A527273E-42AD-4A7E-9118-681D249AAD73}" presName="connectorText" presStyleLbl="sibTrans2D1" presStyleIdx="0" presStyleCnt="2"/>
       <dgm:spPr/>
-      <dgm:t>
-        <a:bodyPr/>
-        <a:lstStyle/>
-        <a:p>
-          <a:endParaRPr lang="de-DE"/>
-        </a:p>
-      </dgm:t>
     </dgm:pt>
     <dgm:pt modelId="{E8BCA89B-82EF-454C-A0E7-B837F80BA303}" type="pres">
       <dgm:prSet presAssocID="{A318569D-831F-470B-BAB3-812FDEF6021C}" presName="node" presStyleLbl="node1" presStyleIdx="1" presStyleCnt="3" custScaleX="588546" custScaleY="173939" custLinFactX="-622898" custLinFactY="-95866" custLinFactNeighborX="-700000" custLinFactNeighborY="-100000">
@@ -12162,13 +11564,6 @@
         </dgm:presLayoutVars>
       </dgm:prSet>
       <dgm:spPr/>
-      <dgm:t>
-        <a:bodyPr/>
-        <a:lstStyle/>
-        <a:p>
-          <a:endParaRPr lang="de-DE"/>
-        </a:p>
-      </dgm:t>
     </dgm:pt>
     <dgm:pt modelId="{0751CB5F-0CAD-43C2-8096-ACF69257E054}" type="pres">
       <dgm:prSet presAssocID="{3F0594E2-D046-43E1-9F3E-DBD92EDB6E36}" presName="sibTrans" presStyleLbl="sibTrans2D1" presStyleIdx="1" presStyleCnt="2" custFlipVert="1" custFlipHor="1" custScaleX="195674" custScaleY="325342"/>
@@ -12177,24 +11572,10 @@
           <a:avLst/>
         </a:prstGeom>
       </dgm:spPr>
-      <dgm:t>
-        <a:bodyPr/>
-        <a:lstStyle/>
-        <a:p>
-          <a:endParaRPr lang="de-DE"/>
-        </a:p>
-      </dgm:t>
     </dgm:pt>
     <dgm:pt modelId="{27B7C9CE-26AB-4571-86BA-ECA985312961}" type="pres">
       <dgm:prSet presAssocID="{3F0594E2-D046-43E1-9F3E-DBD92EDB6E36}" presName="connectorText" presStyleLbl="sibTrans2D1" presStyleIdx="1" presStyleCnt="2"/>
       <dgm:spPr/>
-      <dgm:t>
-        <a:bodyPr/>
-        <a:lstStyle/>
-        <a:p>
-          <a:endParaRPr lang="de-DE"/>
-        </a:p>
-      </dgm:t>
     </dgm:pt>
     <dgm:pt modelId="{0A97FDCC-82E7-41C1-8687-6E35D8D163B5}" type="pres">
       <dgm:prSet presAssocID="{CA8E837B-E8D6-4AE8-AD5F-4841D7D0B680}" presName="node" presStyleLbl="node1" presStyleIdx="2" presStyleCnt="3" custFlipHor="1" custScaleX="544853" custScaleY="173564" custLinFactX="-442891" custLinFactY="-94885" custLinFactNeighborX="-500000" custLinFactNeighborY="-100000">
@@ -12203,27 +11584,20 @@
         </dgm:presLayoutVars>
       </dgm:prSet>
       <dgm:spPr/>
-      <dgm:t>
-        <a:bodyPr/>
-        <a:lstStyle/>
-        <a:p>
-          <a:endParaRPr lang="de-DE"/>
-        </a:p>
-      </dgm:t>
     </dgm:pt>
   </dgm:ptLst>
   <dgm:cxnLst>
+    <dgm:cxn modelId="{340E2F05-7DF1-4481-95F1-BF9A7DA02E81}" type="presOf" srcId="{3F0594E2-D046-43E1-9F3E-DBD92EDB6E36}" destId="{0751CB5F-0CAD-43C2-8096-ACF69257E054}" srcOrd="0" destOrd="0" presId="urn:microsoft.com/office/officeart/2005/8/layout/process1"/>
+    <dgm:cxn modelId="{264AB117-5DFC-4A66-A0E4-F3911B2C8785}" type="presOf" srcId="{CA8E837B-E8D6-4AE8-AD5F-4841D7D0B680}" destId="{0A97FDCC-82E7-41C1-8687-6E35D8D163B5}" srcOrd="0" destOrd="0" presId="urn:microsoft.com/office/officeart/2005/8/layout/process1"/>
+    <dgm:cxn modelId="{8ED55531-9D3C-4EE7-B456-6ABC1E0A755B}" srcId="{18FAC1E6-C5CF-47A9-A33D-7A31614049C3}" destId="{CA8E837B-E8D6-4AE8-AD5F-4841D7D0B680}" srcOrd="2" destOrd="0" parTransId="{6E22C970-CFE9-4898-8D2C-85BAA3176A23}" sibTransId="{A015E625-CD17-4FE2-B14B-3E04B8D1F675}"/>
+    <dgm:cxn modelId="{C23D5F49-1A39-401D-B73E-C08116D9E55C}" type="presOf" srcId="{0721BB28-D2F8-4DC7-B464-6055BEE33A3F}" destId="{D45BCB76-F478-47EA-B0E1-6BFA6F2C3A14}" srcOrd="0" destOrd="0" presId="urn:microsoft.com/office/officeart/2005/8/layout/process1"/>
+    <dgm:cxn modelId="{0B0E357A-6666-42FB-8742-806AE604CED9}" type="presOf" srcId="{18FAC1E6-C5CF-47A9-A33D-7A31614049C3}" destId="{56F983B9-4FEA-4137-92B0-30EDC00631CB}" srcOrd="0" destOrd="0" presId="urn:microsoft.com/office/officeart/2005/8/layout/process1"/>
+    <dgm:cxn modelId="{A4BB0589-8721-44EA-B3C8-976F63583787}" type="presOf" srcId="{A527273E-42AD-4A7E-9118-681D249AAD73}" destId="{B2BA0E98-7C6C-40B6-9FD3-87AA3925BD64}" srcOrd="1" destOrd="0" presId="urn:microsoft.com/office/officeart/2005/8/layout/process1"/>
+    <dgm:cxn modelId="{C6B31597-0CAD-4966-8DC4-A22B00504BC3}" type="presOf" srcId="{A527273E-42AD-4A7E-9118-681D249AAD73}" destId="{4C95733D-4436-4872-BCF3-0568E5C31ABB}" srcOrd="0" destOrd="0" presId="urn:microsoft.com/office/officeart/2005/8/layout/process1"/>
+    <dgm:cxn modelId="{6DD379D1-9475-4531-AA76-EA3E25E59E60}" type="presOf" srcId="{A318569D-831F-470B-BAB3-812FDEF6021C}" destId="{E8BCA89B-82EF-454C-A0E7-B837F80BA303}" srcOrd="0" destOrd="0" presId="urn:microsoft.com/office/officeart/2005/8/layout/process1"/>
+    <dgm:cxn modelId="{EF393ADA-FABC-4583-ABC7-C1B2DDDD653F}" srcId="{18FAC1E6-C5CF-47A9-A33D-7A31614049C3}" destId="{A318569D-831F-470B-BAB3-812FDEF6021C}" srcOrd="1" destOrd="0" parTransId="{8826AA37-B320-459A-9CB7-4702B2FCA6AB}" sibTransId="{3F0594E2-D046-43E1-9F3E-DBD92EDB6E36}"/>
+    <dgm:cxn modelId="{4CC92DE0-1A55-4FEC-881B-726D2E69314A}" srcId="{18FAC1E6-C5CF-47A9-A33D-7A31614049C3}" destId="{0721BB28-D2F8-4DC7-B464-6055BEE33A3F}" srcOrd="0" destOrd="0" parTransId="{D03F987D-83BC-4A17-9F07-0ADA42CCE944}" sibTransId="{A527273E-42AD-4A7E-9118-681D249AAD73}"/>
     <dgm:cxn modelId="{0CCAD3E5-FF5D-45A0-975B-6E469D45BBC6}" type="presOf" srcId="{3F0594E2-D046-43E1-9F3E-DBD92EDB6E36}" destId="{27B7C9CE-26AB-4571-86BA-ECA985312961}" srcOrd="1" destOrd="0" presId="urn:microsoft.com/office/officeart/2005/8/layout/process1"/>
-    <dgm:cxn modelId="{264AB117-5DFC-4A66-A0E4-F3911B2C8785}" type="presOf" srcId="{CA8E837B-E8D6-4AE8-AD5F-4841D7D0B680}" destId="{0A97FDCC-82E7-41C1-8687-6E35D8D163B5}" srcOrd="0" destOrd="0" presId="urn:microsoft.com/office/officeart/2005/8/layout/process1"/>
-    <dgm:cxn modelId="{EF393ADA-FABC-4583-ABC7-C1B2DDDD653F}" srcId="{18FAC1E6-C5CF-47A9-A33D-7A31614049C3}" destId="{A318569D-831F-470B-BAB3-812FDEF6021C}" srcOrd="1" destOrd="0" parTransId="{8826AA37-B320-459A-9CB7-4702B2FCA6AB}" sibTransId="{3F0594E2-D046-43E1-9F3E-DBD92EDB6E36}"/>
-    <dgm:cxn modelId="{C6B31597-0CAD-4966-8DC4-A22B00504BC3}" type="presOf" srcId="{A527273E-42AD-4A7E-9118-681D249AAD73}" destId="{4C95733D-4436-4872-BCF3-0568E5C31ABB}" srcOrd="0" destOrd="0" presId="urn:microsoft.com/office/officeart/2005/8/layout/process1"/>
-    <dgm:cxn modelId="{340E2F05-7DF1-4481-95F1-BF9A7DA02E81}" type="presOf" srcId="{3F0594E2-D046-43E1-9F3E-DBD92EDB6E36}" destId="{0751CB5F-0CAD-43C2-8096-ACF69257E054}" srcOrd="0" destOrd="0" presId="urn:microsoft.com/office/officeart/2005/8/layout/process1"/>
-    <dgm:cxn modelId="{6DD379D1-9475-4531-AA76-EA3E25E59E60}" type="presOf" srcId="{A318569D-831F-470B-BAB3-812FDEF6021C}" destId="{E8BCA89B-82EF-454C-A0E7-B837F80BA303}" srcOrd="0" destOrd="0" presId="urn:microsoft.com/office/officeart/2005/8/layout/process1"/>
-    <dgm:cxn modelId="{8ED55531-9D3C-4EE7-B456-6ABC1E0A755B}" srcId="{18FAC1E6-C5CF-47A9-A33D-7A31614049C3}" destId="{CA8E837B-E8D6-4AE8-AD5F-4841D7D0B680}" srcOrd="2" destOrd="0" parTransId="{6E22C970-CFE9-4898-8D2C-85BAA3176A23}" sibTransId="{A015E625-CD17-4FE2-B14B-3E04B8D1F675}"/>
-    <dgm:cxn modelId="{0B0E357A-6666-42FB-8742-806AE604CED9}" type="presOf" srcId="{18FAC1E6-C5CF-47A9-A33D-7A31614049C3}" destId="{56F983B9-4FEA-4137-92B0-30EDC00631CB}" srcOrd="0" destOrd="0" presId="urn:microsoft.com/office/officeart/2005/8/layout/process1"/>
-    <dgm:cxn modelId="{4CC92DE0-1A55-4FEC-881B-726D2E69314A}" srcId="{18FAC1E6-C5CF-47A9-A33D-7A31614049C3}" destId="{0721BB28-D2F8-4DC7-B464-6055BEE33A3F}" srcOrd="0" destOrd="0" parTransId="{D03F987D-83BC-4A17-9F07-0ADA42CCE944}" sibTransId="{A527273E-42AD-4A7E-9118-681D249AAD73}"/>
-    <dgm:cxn modelId="{A4BB0589-8721-44EA-B3C8-976F63583787}" type="presOf" srcId="{A527273E-42AD-4A7E-9118-681D249AAD73}" destId="{B2BA0E98-7C6C-40B6-9FD3-87AA3925BD64}" srcOrd="1" destOrd="0" presId="urn:microsoft.com/office/officeart/2005/8/layout/process1"/>
-    <dgm:cxn modelId="{C23D5F49-1A39-401D-B73E-C08116D9E55C}" type="presOf" srcId="{0721BB28-D2F8-4DC7-B464-6055BEE33A3F}" destId="{D45BCB76-F478-47EA-B0E1-6BFA6F2C3A14}" srcOrd="0" destOrd="0" presId="urn:microsoft.com/office/officeart/2005/8/layout/process1"/>
     <dgm:cxn modelId="{54DC4E8E-AA11-4BFB-AE93-1699703B2714}" type="presParOf" srcId="{56F983B9-4FEA-4137-92B0-30EDC00631CB}" destId="{D45BCB76-F478-47EA-B0E1-6BFA6F2C3A14}" srcOrd="0" destOrd="0" presId="urn:microsoft.com/office/officeart/2005/8/layout/process1"/>
     <dgm:cxn modelId="{FFE567AD-DE1F-4EB9-9190-5CF830884D6F}" type="presParOf" srcId="{56F983B9-4FEA-4137-92B0-30EDC00631CB}" destId="{4C95733D-4436-4872-BCF3-0568E5C31ABB}" srcOrd="1" destOrd="0" presId="urn:microsoft.com/office/officeart/2005/8/layout/process1"/>
     <dgm:cxn modelId="{AF1A73D0-C4DA-4458-9CD0-E23E936DD342}" type="presParOf" srcId="{4C95733D-4436-4872-BCF3-0568E5C31ABB}" destId="{B2BA0E98-7C6C-40B6-9FD3-87AA3925BD64}" srcOrd="0" destOrd="0" presId="urn:microsoft.com/office/officeart/2005/8/layout/process1"/>
@@ -12261,10 +11635,9 @@
         <a:lstStyle/>
         <a:p>
           <a:r>
-            <a:rPr lang="de-DE" dirty="0" smtClean="0"/>
+            <a:rPr lang="de-DE" dirty="0"/>
             <a:t>ComStudio</a:t>
           </a:r>
-          <a:endParaRPr lang="de-DE" dirty="0"/>
         </a:p>
       </dgm:t>
     </dgm:pt>
@@ -12310,10 +11683,9 @@
         <a:lstStyle/>
         <a:p>
           <a:r>
-            <a:rPr lang="de-DE" dirty="0" smtClean="0"/>
+            <a:rPr lang="de-DE" dirty="0"/>
             <a:t>Topology-Editor-Server</a:t>
           </a:r>
-          <a:endParaRPr lang="de-DE" dirty="0"/>
         </a:p>
       </dgm:t>
     </dgm:pt>
@@ -12359,10 +11731,9 @@
         <a:lstStyle/>
         <a:p>
           <a:r>
-            <a:rPr lang="de-DE" dirty="0" smtClean="0"/>
+            <a:rPr lang="de-DE" dirty="0"/>
             <a:t>Topology-Editor-Client</a:t>
           </a:r>
-          <a:endParaRPr lang="de-DE" dirty="0"/>
         </a:p>
       </dgm:t>
     </dgm:pt>
@@ -12408,13 +11779,6 @@
           <a:avLst/>
         </a:prstGeom>
       </dgm:spPr>
-      <dgm:t>
-        <a:bodyPr/>
-        <a:lstStyle/>
-        <a:p>
-          <a:endParaRPr lang="de-DE"/>
-        </a:p>
-      </dgm:t>
     </dgm:pt>
     <dgm:pt modelId="{4C95733D-4436-4872-BCF3-0568E5C31ABB}" type="pres">
       <dgm:prSet presAssocID="{A527273E-42AD-4A7E-9118-681D249AAD73}" presName="sibTrans" presStyleLbl="sibTrans2D1" presStyleIdx="0" presStyleCnt="2" custAng="5220000" custFlipVert="1" custFlipHor="1" custScaleX="37303" custScaleY="746597" custLinFactY="400000" custLinFactNeighborX="1376" custLinFactNeighborY="459228"/>
@@ -12423,24 +11787,10 @@
           <a:avLst/>
         </a:prstGeom>
       </dgm:spPr>
-      <dgm:t>
-        <a:bodyPr/>
-        <a:lstStyle/>
-        <a:p>
-          <a:endParaRPr lang="de-DE"/>
-        </a:p>
-      </dgm:t>
     </dgm:pt>
     <dgm:pt modelId="{B2BA0E98-7C6C-40B6-9FD3-87AA3925BD64}" type="pres">
       <dgm:prSet presAssocID="{A527273E-42AD-4A7E-9118-681D249AAD73}" presName="connectorText" presStyleLbl="sibTrans2D1" presStyleIdx="0" presStyleCnt="2"/>
       <dgm:spPr/>
-      <dgm:t>
-        <a:bodyPr/>
-        <a:lstStyle/>
-        <a:p>
-          <a:endParaRPr lang="de-DE"/>
-        </a:p>
-      </dgm:t>
     </dgm:pt>
     <dgm:pt modelId="{E8BCA89B-82EF-454C-A0E7-B837F80BA303}" type="pres">
       <dgm:prSet presAssocID="{A318569D-831F-470B-BAB3-812FDEF6021C}" presName="node" presStyleLbl="node1" presStyleIdx="1" presStyleCnt="3" custScaleX="588546" custScaleY="173939" custLinFactX="-622898" custLinFactY="-95866" custLinFactNeighborX="-700000" custLinFactNeighborY="-100000">
@@ -12449,13 +11799,6 @@
         </dgm:presLayoutVars>
       </dgm:prSet>
       <dgm:spPr/>
-      <dgm:t>
-        <a:bodyPr/>
-        <a:lstStyle/>
-        <a:p>
-          <a:endParaRPr lang="de-DE"/>
-        </a:p>
-      </dgm:t>
     </dgm:pt>
     <dgm:pt modelId="{0751CB5F-0CAD-43C2-8096-ACF69257E054}" type="pres">
       <dgm:prSet presAssocID="{3F0594E2-D046-43E1-9F3E-DBD92EDB6E36}" presName="sibTrans" presStyleLbl="sibTrans2D1" presStyleIdx="1" presStyleCnt="2" custFlipVert="1" custFlipHor="1" custScaleX="195674" custScaleY="325342"/>
@@ -12464,24 +11807,10 @@
           <a:avLst/>
         </a:prstGeom>
       </dgm:spPr>
-      <dgm:t>
-        <a:bodyPr/>
-        <a:lstStyle/>
-        <a:p>
-          <a:endParaRPr lang="de-DE"/>
-        </a:p>
-      </dgm:t>
     </dgm:pt>
     <dgm:pt modelId="{27B7C9CE-26AB-4571-86BA-ECA985312961}" type="pres">
       <dgm:prSet presAssocID="{3F0594E2-D046-43E1-9F3E-DBD92EDB6E36}" presName="connectorText" presStyleLbl="sibTrans2D1" presStyleIdx="1" presStyleCnt="2"/>
       <dgm:spPr/>
-      <dgm:t>
-        <a:bodyPr/>
-        <a:lstStyle/>
-        <a:p>
-          <a:endParaRPr lang="de-DE"/>
-        </a:p>
-      </dgm:t>
     </dgm:pt>
     <dgm:pt modelId="{0A97FDCC-82E7-41C1-8687-6E35D8D163B5}" type="pres">
       <dgm:prSet presAssocID="{CA8E837B-E8D6-4AE8-AD5F-4841D7D0B680}" presName="node" presStyleLbl="node1" presStyleIdx="2" presStyleCnt="3" custFlipHor="1" custScaleX="544853" custScaleY="173564" custLinFactX="-442891" custLinFactY="-94885" custLinFactNeighborX="-500000" custLinFactNeighborY="-100000">
@@ -12490,27 +11819,20 @@
         </dgm:presLayoutVars>
       </dgm:prSet>
       <dgm:spPr/>
-      <dgm:t>
-        <a:bodyPr/>
-        <a:lstStyle/>
-        <a:p>
-          <a:endParaRPr lang="de-DE"/>
-        </a:p>
-      </dgm:t>
     </dgm:pt>
   </dgm:ptLst>
   <dgm:cxnLst>
+    <dgm:cxn modelId="{340E2F05-7DF1-4481-95F1-BF9A7DA02E81}" type="presOf" srcId="{3F0594E2-D046-43E1-9F3E-DBD92EDB6E36}" destId="{0751CB5F-0CAD-43C2-8096-ACF69257E054}" srcOrd="0" destOrd="0" presId="urn:microsoft.com/office/officeart/2005/8/layout/process1"/>
+    <dgm:cxn modelId="{264AB117-5DFC-4A66-A0E4-F3911B2C8785}" type="presOf" srcId="{CA8E837B-E8D6-4AE8-AD5F-4841D7D0B680}" destId="{0A97FDCC-82E7-41C1-8687-6E35D8D163B5}" srcOrd="0" destOrd="0" presId="urn:microsoft.com/office/officeart/2005/8/layout/process1"/>
+    <dgm:cxn modelId="{8ED55531-9D3C-4EE7-B456-6ABC1E0A755B}" srcId="{18FAC1E6-C5CF-47A9-A33D-7A31614049C3}" destId="{CA8E837B-E8D6-4AE8-AD5F-4841D7D0B680}" srcOrd="2" destOrd="0" parTransId="{6E22C970-CFE9-4898-8D2C-85BAA3176A23}" sibTransId="{A015E625-CD17-4FE2-B14B-3E04B8D1F675}"/>
+    <dgm:cxn modelId="{C23D5F49-1A39-401D-B73E-C08116D9E55C}" type="presOf" srcId="{0721BB28-D2F8-4DC7-B464-6055BEE33A3F}" destId="{D45BCB76-F478-47EA-B0E1-6BFA6F2C3A14}" srcOrd="0" destOrd="0" presId="urn:microsoft.com/office/officeart/2005/8/layout/process1"/>
+    <dgm:cxn modelId="{0B0E357A-6666-42FB-8742-806AE604CED9}" type="presOf" srcId="{18FAC1E6-C5CF-47A9-A33D-7A31614049C3}" destId="{56F983B9-4FEA-4137-92B0-30EDC00631CB}" srcOrd="0" destOrd="0" presId="urn:microsoft.com/office/officeart/2005/8/layout/process1"/>
+    <dgm:cxn modelId="{A4BB0589-8721-44EA-B3C8-976F63583787}" type="presOf" srcId="{A527273E-42AD-4A7E-9118-681D249AAD73}" destId="{B2BA0E98-7C6C-40B6-9FD3-87AA3925BD64}" srcOrd="1" destOrd="0" presId="urn:microsoft.com/office/officeart/2005/8/layout/process1"/>
+    <dgm:cxn modelId="{C6B31597-0CAD-4966-8DC4-A22B00504BC3}" type="presOf" srcId="{A527273E-42AD-4A7E-9118-681D249AAD73}" destId="{4C95733D-4436-4872-BCF3-0568E5C31ABB}" srcOrd="0" destOrd="0" presId="urn:microsoft.com/office/officeart/2005/8/layout/process1"/>
+    <dgm:cxn modelId="{6DD379D1-9475-4531-AA76-EA3E25E59E60}" type="presOf" srcId="{A318569D-831F-470B-BAB3-812FDEF6021C}" destId="{E8BCA89B-82EF-454C-A0E7-B837F80BA303}" srcOrd="0" destOrd="0" presId="urn:microsoft.com/office/officeart/2005/8/layout/process1"/>
+    <dgm:cxn modelId="{EF393ADA-FABC-4583-ABC7-C1B2DDDD653F}" srcId="{18FAC1E6-C5CF-47A9-A33D-7A31614049C3}" destId="{A318569D-831F-470B-BAB3-812FDEF6021C}" srcOrd="1" destOrd="0" parTransId="{8826AA37-B320-459A-9CB7-4702B2FCA6AB}" sibTransId="{3F0594E2-D046-43E1-9F3E-DBD92EDB6E36}"/>
+    <dgm:cxn modelId="{4CC92DE0-1A55-4FEC-881B-726D2E69314A}" srcId="{18FAC1E6-C5CF-47A9-A33D-7A31614049C3}" destId="{0721BB28-D2F8-4DC7-B464-6055BEE33A3F}" srcOrd="0" destOrd="0" parTransId="{D03F987D-83BC-4A17-9F07-0ADA42CCE944}" sibTransId="{A527273E-42AD-4A7E-9118-681D249AAD73}"/>
     <dgm:cxn modelId="{0CCAD3E5-FF5D-45A0-975B-6E469D45BBC6}" type="presOf" srcId="{3F0594E2-D046-43E1-9F3E-DBD92EDB6E36}" destId="{27B7C9CE-26AB-4571-86BA-ECA985312961}" srcOrd="1" destOrd="0" presId="urn:microsoft.com/office/officeart/2005/8/layout/process1"/>
-    <dgm:cxn modelId="{264AB117-5DFC-4A66-A0E4-F3911B2C8785}" type="presOf" srcId="{CA8E837B-E8D6-4AE8-AD5F-4841D7D0B680}" destId="{0A97FDCC-82E7-41C1-8687-6E35D8D163B5}" srcOrd="0" destOrd="0" presId="urn:microsoft.com/office/officeart/2005/8/layout/process1"/>
-    <dgm:cxn modelId="{EF393ADA-FABC-4583-ABC7-C1B2DDDD653F}" srcId="{18FAC1E6-C5CF-47A9-A33D-7A31614049C3}" destId="{A318569D-831F-470B-BAB3-812FDEF6021C}" srcOrd="1" destOrd="0" parTransId="{8826AA37-B320-459A-9CB7-4702B2FCA6AB}" sibTransId="{3F0594E2-D046-43E1-9F3E-DBD92EDB6E36}"/>
-    <dgm:cxn modelId="{C6B31597-0CAD-4966-8DC4-A22B00504BC3}" type="presOf" srcId="{A527273E-42AD-4A7E-9118-681D249AAD73}" destId="{4C95733D-4436-4872-BCF3-0568E5C31ABB}" srcOrd="0" destOrd="0" presId="urn:microsoft.com/office/officeart/2005/8/layout/process1"/>
-    <dgm:cxn modelId="{340E2F05-7DF1-4481-95F1-BF9A7DA02E81}" type="presOf" srcId="{3F0594E2-D046-43E1-9F3E-DBD92EDB6E36}" destId="{0751CB5F-0CAD-43C2-8096-ACF69257E054}" srcOrd="0" destOrd="0" presId="urn:microsoft.com/office/officeart/2005/8/layout/process1"/>
-    <dgm:cxn modelId="{6DD379D1-9475-4531-AA76-EA3E25E59E60}" type="presOf" srcId="{A318569D-831F-470B-BAB3-812FDEF6021C}" destId="{E8BCA89B-82EF-454C-A0E7-B837F80BA303}" srcOrd="0" destOrd="0" presId="urn:microsoft.com/office/officeart/2005/8/layout/process1"/>
-    <dgm:cxn modelId="{8ED55531-9D3C-4EE7-B456-6ABC1E0A755B}" srcId="{18FAC1E6-C5CF-47A9-A33D-7A31614049C3}" destId="{CA8E837B-E8D6-4AE8-AD5F-4841D7D0B680}" srcOrd="2" destOrd="0" parTransId="{6E22C970-CFE9-4898-8D2C-85BAA3176A23}" sibTransId="{A015E625-CD17-4FE2-B14B-3E04B8D1F675}"/>
-    <dgm:cxn modelId="{0B0E357A-6666-42FB-8742-806AE604CED9}" type="presOf" srcId="{18FAC1E6-C5CF-47A9-A33D-7A31614049C3}" destId="{56F983B9-4FEA-4137-92B0-30EDC00631CB}" srcOrd="0" destOrd="0" presId="urn:microsoft.com/office/officeart/2005/8/layout/process1"/>
-    <dgm:cxn modelId="{4CC92DE0-1A55-4FEC-881B-726D2E69314A}" srcId="{18FAC1E6-C5CF-47A9-A33D-7A31614049C3}" destId="{0721BB28-D2F8-4DC7-B464-6055BEE33A3F}" srcOrd="0" destOrd="0" parTransId="{D03F987D-83BC-4A17-9F07-0ADA42CCE944}" sibTransId="{A527273E-42AD-4A7E-9118-681D249AAD73}"/>
-    <dgm:cxn modelId="{A4BB0589-8721-44EA-B3C8-976F63583787}" type="presOf" srcId="{A527273E-42AD-4A7E-9118-681D249AAD73}" destId="{B2BA0E98-7C6C-40B6-9FD3-87AA3925BD64}" srcOrd="1" destOrd="0" presId="urn:microsoft.com/office/officeart/2005/8/layout/process1"/>
-    <dgm:cxn modelId="{C23D5F49-1A39-401D-B73E-C08116D9E55C}" type="presOf" srcId="{0721BB28-D2F8-4DC7-B464-6055BEE33A3F}" destId="{D45BCB76-F478-47EA-B0E1-6BFA6F2C3A14}" srcOrd="0" destOrd="0" presId="urn:microsoft.com/office/officeart/2005/8/layout/process1"/>
     <dgm:cxn modelId="{54DC4E8E-AA11-4BFB-AE93-1699703B2714}" type="presParOf" srcId="{56F983B9-4FEA-4137-92B0-30EDC00631CB}" destId="{D45BCB76-F478-47EA-B0E1-6BFA6F2C3A14}" srcOrd="0" destOrd="0" presId="urn:microsoft.com/office/officeart/2005/8/layout/process1"/>
     <dgm:cxn modelId="{FFE567AD-DE1F-4EB9-9190-5CF830884D6F}" type="presParOf" srcId="{56F983B9-4FEA-4137-92B0-30EDC00631CB}" destId="{4C95733D-4436-4872-BCF3-0568E5C31ABB}" srcOrd="1" destOrd="0" presId="urn:microsoft.com/office/officeart/2005/8/layout/process1"/>
     <dgm:cxn modelId="{AF1A73D0-C4DA-4458-9CD0-E23E936DD342}" type="presParOf" srcId="{4C95733D-4436-4872-BCF3-0568E5C31ABB}" destId="{B2BA0E98-7C6C-40B6-9FD3-87AA3925BD64}" srcOrd="0" destOrd="0" presId="urn:microsoft.com/office/officeart/2005/8/layout/process1"/>
@@ -12589,10 +11911,9 @@
         <a:lstStyle/>
         <a:p>
           <a:r>
-            <a:rPr lang="de-DE" dirty="0" smtClean="0"/>
+            <a:rPr lang="de-DE" dirty="0"/>
             <a:t>Topology-Editor-Client</a:t>
           </a:r>
-          <a:endParaRPr lang="de-DE" dirty="0"/>
         </a:p>
       </dgm:t>
     </dgm:pt>
@@ -12638,13 +11959,6 @@
           <a:avLst/>
         </a:prstGeom>
       </dgm:spPr>
-      <dgm:t>
-        <a:bodyPr/>
-        <a:lstStyle/>
-        <a:p>
-          <a:endParaRPr lang="de-DE"/>
-        </a:p>
-      </dgm:t>
     </dgm:pt>
     <dgm:pt modelId="{4C95733D-4436-4872-BCF3-0568E5C31ABB}" type="pres">
       <dgm:prSet presAssocID="{A527273E-42AD-4A7E-9118-681D249AAD73}" presName="sibTrans" presStyleLbl="sibTrans2D1" presStyleIdx="0" presStyleCnt="1" custAng="5220000" custFlipVert="1" custFlipHor="1" custScaleX="37303" custScaleY="746597" custLinFactY="400000" custLinFactNeighborX="1376" custLinFactNeighborY="459228"/>
@@ -12653,24 +11967,10 @@
           <a:avLst/>
         </a:prstGeom>
       </dgm:spPr>
-      <dgm:t>
-        <a:bodyPr/>
-        <a:lstStyle/>
-        <a:p>
-          <a:endParaRPr lang="de-DE"/>
-        </a:p>
-      </dgm:t>
     </dgm:pt>
     <dgm:pt modelId="{B2BA0E98-7C6C-40B6-9FD3-87AA3925BD64}" type="pres">
       <dgm:prSet presAssocID="{A527273E-42AD-4A7E-9118-681D249AAD73}" presName="connectorText" presStyleLbl="sibTrans2D1" presStyleIdx="0" presStyleCnt="1"/>
       <dgm:spPr/>
-      <dgm:t>
-        <a:bodyPr/>
-        <a:lstStyle/>
-        <a:p>
-          <a:endParaRPr lang="de-DE"/>
-        </a:p>
-      </dgm:t>
     </dgm:pt>
     <dgm:pt modelId="{0A97FDCC-82E7-41C1-8687-6E35D8D163B5}" type="pres">
       <dgm:prSet presAssocID="{CA8E837B-E8D6-4AE8-AD5F-4841D7D0B680}" presName="node" presStyleLbl="node1" presStyleIdx="1" presStyleCnt="2" custFlipHor="1" custScaleX="544853" custScaleY="173564" custLinFactX="-296962" custLinFactY="-100000" custLinFactNeighborX="-300000" custLinFactNeighborY="-155419">
@@ -12679,23 +11979,16 @@
         </dgm:presLayoutVars>
       </dgm:prSet>
       <dgm:spPr/>
-      <dgm:t>
-        <a:bodyPr/>
-        <a:lstStyle/>
-        <a:p>
-          <a:endParaRPr lang="de-DE"/>
-        </a:p>
-      </dgm:t>
     </dgm:pt>
   </dgm:ptLst>
   <dgm:cxnLst>
     <dgm:cxn modelId="{264AB117-5DFC-4A66-A0E4-F3911B2C8785}" type="presOf" srcId="{CA8E837B-E8D6-4AE8-AD5F-4841D7D0B680}" destId="{0A97FDCC-82E7-41C1-8687-6E35D8D163B5}" srcOrd="0" destOrd="0" presId="urn:microsoft.com/office/officeart/2005/8/layout/process1"/>
-    <dgm:cxn modelId="{4CC92DE0-1A55-4FEC-881B-726D2E69314A}" srcId="{18FAC1E6-C5CF-47A9-A33D-7A31614049C3}" destId="{0721BB28-D2F8-4DC7-B464-6055BEE33A3F}" srcOrd="0" destOrd="0" parTransId="{D03F987D-83BC-4A17-9F07-0ADA42CCE944}" sibTransId="{A527273E-42AD-4A7E-9118-681D249AAD73}"/>
-    <dgm:cxn modelId="{C6B31597-0CAD-4966-8DC4-A22B00504BC3}" type="presOf" srcId="{A527273E-42AD-4A7E-9118-681D249AAD73}" destId="{4C95733D-4436-4872-BCF3-0568E5C31ABB}" srcOrd="0" destOrd="0" presId="urn:microsoft.com/office/officeart/2005/8/layout/process1"/>
+    <dgm:cxn modelId="{8ED55531-9D3C-4EE7-B456-6ABC1E0A755B}" srcId="{18FAC1E6-C5CF-47A9-A33D-7A31614049C3}" destId="{CA8E837B-E8D6-4AE8-AD5F-4841D7D0B680}" srcOrd="1" destOrd="0" parTransId="{6E22C970-CFE9-4898-8D2C-85BAA3176A23}" sibTransId="{A015E625-CD17-4FE2-B14B-3E04B8D1F675}"/>
+    <dgm:cxn modelId="{C23D5F49-1A39-401D-B73E-C08116D9E55C}" type="presOf" srcId="{0721BB28-D2F8-4DC7-B464-6055BEE33A3F}" destId="{D45BCB76-F478-47EA-B0E1-6BFA6F2C3A14}" srcOrd="0" destOrd="0" presId="urn:microsoft.com/office/officeart/2005/8/layout/process1"/>
     <dgm:cxn modelId="{0B0E357A-6666-42FB-8742-806AE604CED9}" type="presOf" srcId="{18FAC1E6-C5CF-47A9-A33D-7A31614049C3}" destId="{56F983B9-4FEA-4137-92B0-30EDC00631CB}" srcOrd="0" destOrd="0" presId="urn:microsoft.com/office/officeart/2005/8/layout/process1"/>
     <dgm:cxn modelId="{A4BB0589-8721-44EA-B3C8-976F63583787}" type="presOf" srcId="{A527273E-42AD-4A7E-9118-681D249AAD73}" destId="{B2BA0E98-7C6C-40B6-9FD3-87AA3925BD64}" srcOrd="1" destOrd="0" presId="urn:microsoft.com/office/officeart/2005/8/layout/process1"/>
-    <dgm:cxn modelId="{8ED55531-9D3C-4EE7-B456-6ABC1E0A755B}" srcId="{18FAC1E6-C5CF-47A9-A33D-7A31614049C3}" destId="{CA8E837B-E8D6-4AE8-AD5F-4841D7D0B680}" srcOrd="1" destOrd="0" parTransId="{6E22C970-CFE9-4898-8D2C-85BAA3176A23}" sibTransId="{A015E625-CD17-4FE2-B14B-3E04B8D1F675}"/>
-    <dgm:cxn modelId="{C23D5F49-1A39-401D-B73E-C08116D9E55C}" type="presOf" srcId="{0721BB28-D2F8-4DC7-B464-6055BEE33A3F}" destId="{D45BCB76-F478-47EA-B0E1-6BFA6F2C3A14}" srcOrd="0" destOrd="0" presId="urn:microsoft.com/office/officeart/2005/8/layout/process1"/>
+    <dgm:cxn modelId="{C6B31597-0CAD-4966-8DC4-A22B00504BC3}" type="presOf" srcId="{A527273E-42AD-4A7E-9118-681D249AAD73}" destId="{4C95733D-4436-4872-BCF3-0568E5C31ABB}" srcOrd="0" destOrd="0" presId="urn:microsoft.com/office/officeart/2005/8/layout/process1"/>
+    <dgm:cxn modelId="{4CC92DE0-1A55-4FEC-881B-726D2E69314A}" srcId="{18FAC1E6-C5CF-47A9-A33D-7A31614049C3}" destId="{0721BB28-D2F8-4DC7-B464-6055BEE33A3F}" srcOrd="0" destOrd="0" parTransId="{D03F987D-83BC-4A17-9F07-0ADA42CCE944}" sibTransId="{A527273E-42AD-4A7E-9118-681D249AAD73}"/>
     <dgm:cxn modelId="{54DC4E8E-AA11-4BFB-AE93-1699703B2714}" type="presParOf" srcId="{56F983B9-4FEA-4137-92B0-30EDC00631CB}" destId="{D45BCB76-F478-47EA-B0E1-6BFA6F2C3A14}" srcOrd="0" destOrd="0" presId="urn:microsoft.com/office/officeart/2005/8/layout/process1"/>
     <dgm:cxn modelId="{FFE567AD-DE1F-4EB9-9190-5CF830884D6F}" type="presParOf" srcId="{56F983B9-4FEA-4137-92B0-30EDC00631CB}" destId="{4C95733D-4436-4872-BCF3-0568E5C31ABB}" srcOrd="1" destOrd="0" presId="urn:microsoft.com/office/officeart/2005/8/layout/process1"/>
     <dgm:cxn modelId="{AF1A73D0-C4DA-4458-9CD0-E23E936DD342}" type="presParOf" srcId="{4C95733D-4436-4872-BCF3-0568E5C31ABB}" destId="{B2BA0E98-7C6C-40B6-9FD3-87AA3925BD64}" srcOrd="0" destOrd="0" presId="urn:microsoft.com/office/officeart/2005/8/layout/process1"/>
@@ -12777,7 +12070,7 @@
         </a:bodyPr>
         <a:lstStyle/>
         <a:p>
-          <a:pPr lvl="0" algn="ctr" defTabSz="533400">
+          <a:pPr marL="0" lvl="0" indent="0" algn="ctr" defTabSz="533400">
             <a:lnSpc>
               <a:spcPct val="90000"/>
             </a:lnSpc>
@@ -12787,12 +12080,12 @@
             <a:spcAft>
               <a:spcPct val="35000"/>
             </a:spcAft>
+            <a:buNone/>
           </a:pPr>
           <a:r>
-            <a:rPr lang="de-DE" sz="1200" b="1" kern="1200" dirty="0" smtClean="0"/>
+            <a:rPr lang="de-DE" sz="1200" b="1" kern="1200" dirty="0"/>
             <a:t>Projekt anlegen</a:t>
           </a:r>
-          <a:endParaRPr lang="de-DE" sz="1200" b="1" kern="1200" dirty="0"/>
         </a:p>
       </dsp:txBody>
       <dsp:txXfrm>
@@ -12857,7 +12150,7 @@
         </a:bodyPr>
         <a:lstStyle/>
         <a:p>
-          <a:pPr lvl="0" algn="ctr" defTabSz="222250">
+          <a:pPr marL="0" lvl="0" indent="0" algn="ctr" defTabSz="222250">
             <a:lnSpc>
               <a:spcPct val="90000"/>
             </a:lnSpc>
@@ -12867,6 +12160,7 @@
             <a:spcAft>
               <a:spcPct val="35000"/>
             </a:spcAft>
+            <a:buNone/>
           </a:pPr>
           <a:endParaRPr lang="de-DE" sz="500" kern="1200"/>
         </a:p>
@@ -12934,7 +12228,7 @@
         </a:bodyPr>
         <a:lstStyle/>
         <a:p>
-          <a:pPr lvl="0" algn="ctr" defTabSz="533400">
+          <a:pPr marL="0" lvl="0" indent="0" algn="ctr" defTabSz="533400">
             <a:lnSpc>
               <a:spcPct val="90000"/>
             </a:lnSpc>
@@ -12944,12 +12238,12 @@
             <a:spcAft>
               <a:spcPct val="35000"/>
             </a:spcAft>
+            <a:buNone/>
           </a:pPr>
           <a:r>
-            <a:rPr lang="de-DE" sz="1200" b="1" kern="1200" dirty="0" smtClean="0"/>
+            <a:rPr lang="de-DE" sz="1200" b="1" kern="1200" dirty="0"/>
             <a:t>Device ausblenden/einblenden</a:t>
           </a:r>
-          <a:endParaRPr lang="de-DE" sz="1200" b="1" kern="1200" dirty="0"/>
         </a:p>
       </dsp:txBody>
       <dsp:txXfrm>
@@ -13014,7 +12308,7 @@
         </a:bodyPr>
         <a:lstStyle/>
         <a:p>
-          <a:pPr lvl="0" algn="ctr" defTabSz="222250">
+          <a:pPr marL="0" lvl="0" indent="0" algn="ctr" defTabSz="222250">
             <a:lnSpc>
               <a:spcPct val="90000"/>
             </a:lnSpc>
@@ -13024,6 +12318,7 @@
             <a:spcAft>
               <a:spcPct val="35000"/>
             </a:spcAft>
+            <a:buNone/>
           </a:pPr>
           <a:endParaRPr lang="de-DE" sz="500" kern="1200"/>
         </a:p>
@@ -13090,7 +12385,7 @@
         </a:bodyPr>
         <a:lstStyle/>
         <a:p>
-          <a:pPr lvl="0" algn="ctr" defTabSz="533400">
+          <a:pPr marL="0" lvl="0" indent="0" algn="ctr" defTabSz="533400">
             <a:lnSpc>
               <a:spcPct val="90000"/>
             </a:lnSpc>
@@ -13100,12 +12395,12 @@
             <a:spcAft>
               <a:spcPct val="35000"/>
             </a:spcAft>
+            <a:buNone/>
           </a:pPr>
           <a:r>
-            <a:rPr lang="de-DE" sz="1200" kern="1200" dirty="0" smtClean="0"/>
+            <a:rPr lang="de-DE" sz="1200" kern="1200" dirty="0"/>
             <a:t>DTMs einfügen</a:t>
           </a:r>
-          <a:endParaRPr lang="de-DE" sz="1200" kern="1200" dirty="0"/>
         </a:p>
       </dsp:txBody>
       <dsp:txXfrm>
@@ -13170,7 +12465,7 @@
         </a:bodyPr>
         <a:lstStyle/>
         <a:p>
-          <a:pPr lvl="0" algn="ctr" defTabSz="266700">
+          <a:pPr marL="0" lvl="0" indent="0" algn="ctr" defTabSz="266700">
             <a:lnSpc>
               <a:spcPct val="90000"/>
             </a:lnSpc>
@@ -13180,6 +12475,7 @@
             <a:spcAft>
               <a:spcPct val="35000"/>
             </a:spcAft>
+            <a:buNone/>
           </a:pPr>
           <a:endParaRPr lang="de-DE" sz="600" kern="1200"/>
         </a:p>
@@ -13241,7 +12537,7 @@
         </a:bodyPr>
         <a:lstStyle/>
         <a:p>
-          <a:pPr lvl="0" algn="ctr" defTabSz="533400">
+          <a:pPr marL="0" lvl="0" indent="0" algn="ctr" defTabSz="533400">
             <a:lnSpc>
               <a:spcPct val="90000"/>
             </a:lnSpc>
@@ -13251,12 +12547,12 @@
             <a:spcAft>
               <a:spcPct val="35000"/>
             </a:spcAft>
+            <a:buNone/>
           </a:pPr>
           <a:r>
-            <a:rPr lang="de-DE" sz="1200" kern="1200" dirty="0" smtClean="0"/>
+            <a:rPr lang="de-DE" sz="1200" kern="1200" dirty="0"/>
             <a:t>Topologie aktualisieren</a:t>
           </a:r>
-          <a:endParaRPr lang="de-DE" sz="1200" kern="1200" dirty="0"/>
         </a:p>
       </dsp:txBody>
       <dsp:txXfrm>
@@ -13322,7 +12618,7 @@
         </a:bodyPr>
         <a:lstStyle/>
         <a:p>
-          <a:pPr lvl="0" algn="ctr" defTabSz="533400">
+          <a:pPr marL="0" lvl="0" indent="0" algn="ctr" defTabSz="533400">
             <a:lnSpc>
               <a:spcPct val="90000"/>
             </a:lnSpc>
@@ -13332,12 +12628,12 @@
             <a:spcAft>
               <a:spcPct val="35000"/>
             </a:spcAft>
+            <a:buNone/>
           </a:pPr>
           <a:r>
-            <a:rPr lang="de-DE" sz="1200" b="1" kern="1200" dirty="0" smtClean="0"/>
+            <a:rPr lang="de-DE" sz="1200" b="1" kern="1200" dirty="0"/>
             <a:t>Projekt importieren</a:t>
           </a:r>
-          <a:endParaRPr lang="de-DE" sz="1200" b="1" kern="1200" dirty="0"/>
         </a:p>
       </dsp:txBody>
       <dsp:txXfrm>
@@ -13401,7 +12697,7 @@
         </a:bodyPr>
         <a:lstStyle/>
         <a:p>
-          <a:pPr lvl="0" algn="ctr" defTabSz="355600">
+          <a:pPr marL="0" lvl="0" indent="0" algn="ctr" defTabSz="355600">
             <a:lnSpc>
               <a:spcPct val="90000"/>
             </a:lnSpc>
@@ -13411,6 +12707,7 @@
             <a:spcAft>
               <a:spcPct val="35000"/>
             </a:spcAft>
+            <a:buNone/>
           </a:pPr>
           <a:endParaRPr lang="de-DE" sz="800" kern="1200"/>
         </a:p>
@@ -13478,7 +12775,7 @@
         </a:bodyPr>
         <a:lstStyle/>
         <a:p>
-          <a:pPr lvl="0" algn="ctr" defTabSz="533400">
+          <a:pPr marL="0" lvl="0" indent="0" algn="ctr" defTabSz="533400">
             <a:lnSpc>
               <a:spcPct val="90000"/>
             </a:lnSpc>
@@ -13488,12 +12785,12 @@
             <a:spcAft>
               <a:spcPct val="35000"/>
             </a:spcAft>
+            <a:buNone/>
           </a:pPr>
           <a:r>
-            <a:rPr lang="de-DE" sz="1200" b="1" kern="1200" dirty="0" smtClean="0"/>
+            <a:rPr lang="de-DE" sz="1200" b="1" kern="1200" dirty="0"/>
             <a:t>Topologie importieren</a:t>
           </a:r>
-          <a:endParaRPr lang="de-DE" sz="1200" b="1" kern="1200" dirty="0"/>
         </a:p>
       </dsp:txBody>
       <dsp:txXfrm>
@@ -13558,7 +12855,7 @@
         </a:bodyPr>
         <a:lstStyle/>
         <a:p>
-          <a:pPr lvl="0" algn="ctr" defTabSz="222250">
+          <a:pPr marL="0" lvl="0" indent="0" algn="ctr" defTabSz="222250">
             <a:lnSpc>
               <a:spcPct val="90000"/>
             </a:lnSpc>
@@ -13568,6 +12865,7 @@
             <a:spcAft>
               <a:spcPct val="35000"/>
             </a:spcAft>
+            <a:buNone/>
           </a:pPr>
           <a:endParaRPr lang="de-DE" sz="500" kern="1200"/>
         </a:p>
@@ -13630,7 +12928,7 @@
         </a:bodyPr>
         <a:lstStyle/>
         <a:p>
-          <a:pPr lvl="0" algn="ctr" defTabSz="533400">
+          <a:pPr marL="0" lvl="0" indent="0" algn="ctr" defTabSz="533400">
             <a:lnSpc>
               <a:spcPct val="90000"/>
             </a:lnSpc>
@@ -13640,12 +12938,12 @@
             <a:spcAft>
               <a:spcPct val="35000"/>
             </a:spcAft>
+            <a:buNone/>
           </a:pPr>
           <a:r>
-            <a:rPr lang="de-DE" sz="1200" b="1" kern="1200" dirty="0" smtClean="0"/>
+            <a:rPr lang="de-DE" sz="1200" b="1" kern="1200" dirty="0"/>
             <a:t>Topology-Editor starten</a:t>
           </a:r>
-          <a:endParaRPr lang="de-DE" sz="1200" b="1" kern="1200" dirty="0"/>
         </a:p>
       </dsp:txBody>
       <dsp:txXfrm>
@@ -13710,7 +13008,7 @@
         </a:bodyPr>
         <a:lstStyle/>
         <a:p>
-          <a:pPr lvl="0" algn="ctr" defTabSz="266700">
+          <a:pPr marL="0" lvl="0" indent="0" algn="ctr" defTabSz="266700">
             <a:lnSpc>
               <a:spcPct val="90000"/>
             </a:lnSpc>
@@ -13720,6 +13018,7 @@
             <a:spcAft>
               <a:spcPct val="35000"/>
             </a:spcAft>
+            <a:buNone/>
           </a:pPr>
           <a:endParaRPr lang="de-DE" sz="600" kern="1200"/>
         </a:p>
@@ -13787,7 +13086,7 @@
         </a:bodyPr>
         <a:lstStyle/>
         <a:p>
-          <a:pPr lvl="0" algn="ctr" defTabSz="533400">
+          <a:pPr marL="0" lvl="0" indent="0" algn="ctr" defTabSz="533400">
             <a:lnSpc>
               <a:spcPct val="90000"/>
             </a:lnSpc>
@@ -13797,20 +13096,20 @@
             <a:spcAft>
               <a:spcPct val="35000"/>
             </a:spcAft>
+            <a:buNone/>
           </a:pPr>
           <a:r>
-            <a:rPr lang="de-DE" sz="1200" b="1" kern="1200" dirty="0" smtClean="0"/>
+            <a:rPr lang="de-DE" sz="1200" b="1" kern="1200" dirty="0"/>
             <a:t>Devices/DTMs</a:t>
           </a:r>
           <a:r>
-            <a:rPr lang="de-DE" sz="2700" b="1" kern="1200" dirty="0" smtClean="0"/>
+            <a:rPr lang="de-DE" sz="2700" b="1" kern="1200" dirty="0"/>
             <a:t> </a:t>
           </a:r>
           <a:r>
-            <a:rPr lang="de-DE" sz="1200" b="1" kern="1200" dirty="0" smtClean="0"/>
+            <a:rPr lang="de-DE" sz="1200" b="1" kern="1200" dirty="0"/>
             <a:t>einfügen</a:t>
           </a:r>
-          <a:endParaRPr lang="de-DE" sz="1200" b="1" kern="1200" dirty="0"/>
         </a:p>
       </dsp:txBody>
       <dsp:txXfrm>
@@ -13875,7 +13174,7 @@
         </a:bodyPr>
         <a:lstStyle/>
         <a:p>
-          <a:pPr lvl="0" algn="ctr" defTabSz="222250">
+          <a:pPr marL="0" lvl="0" indent="0" algn="ctr" defTabSz="222250">
             <a:lnSpc>
               <a:spcPct val="90000"/>
             </a:lnSpc>
@@ -13885,6 +13184,7 @@
             <a:spcAft>
               <a:spcPct val="35000"/>
             </a:spcAft>
+            <a:buNone/>
           </a:pPr>
           <a:endParaRPr lang="de-DE" sz="500" kern="1200"/>
         </a:p>
@@ -13952,7 +13252,7 @@
         </a:bodyPr>
         <a:lstStyle/>
         <a:p>
-          <a:pPr lvl="0" algn="ctr" defTabSz="533400">
+          <a:pPr marL="0" lvl="0" indent="0" algn="ctr" defTabSz="533400">
             <a:lnSpc>
               <a:spcPct val="90000"/>
             </a:lnSpc>
@@ -13962,20 +13262,20 @@
             <a:spcAft>
               <a:spcPct val="35000"/>
             </a:spcAft>
+            <a:buNone/>
           </a:pPr>
           <a:r>
-            <a:rPr lang="de-DE" sz="1200" b="1" kern="1200" dirty="0" smtClean="0"/>
+            <a:rPr lang="de-DE" sz="1200" b="1" kern="1200" dirty="0"/>
             <a:t>Topologie</a:t>
           </a:r>
           <a:r>
-            <a:rPr lang="de-DE" sz="2200" b="1" kern="1200" dirty="0" smtClean="0"/>
+            <a:rPr lang="de-DE" sz="2200" b="1" kern="1200" dirty="0"/>
             <a:t> </a:t>
           </a:r>
           <a:r>
-            <a:rPr lang="de-DE" sz="1200" b="1" kern="1200" dirty="0" smtClean="0"/>
+            <a:rPr lang="de-DE" sz="1200" b="1" kern="1200" dirty="0"/>
             <a:t>aktualisieren</a:t>
           </a:r>
-          <a:endParaRPr lang="de-DE" sz="1200" b="1" kern="1200" dirty="0"/>
         </a:p>
       </dsp:txBody>
       <dsp:txXfrm>
@@ -14042,7 +13342,7 @@
         </a:bodyPr>
         <a:lstStyle/>
         <a:p>
-          <a:pPr lvl="0" algn="ctr" defTabSz="711200">
+          <a:pPr marL="0" lvl="0" indent="0" algn="ctr" defTabSz="711200">
             <a:lnSpc>
               <a:spcPct val="90000"/>
             </a:lnSpc>
@@ -14052,12 +13352,12 @@
             <a:spcAft>
               <a:spcPct val="35000"/>
             </a:spcAft>
+            <a:buNone/>
           </a:pPr>
           <a:r>
-            <a:rPr lang="de-DE" sz="1600" kern="1200" dirty="0" smtClean="0"/>
+            <a:rPr lang="de-DE" sz="1600" kern="1200" dirty="0"/>
             <a:t>ComStudio</a:t>
           </a:r>
-          <a:endParaRPr lang="de-DE" sz="1600" kern="1200" dirty="0"/>
         </a:p>
       </dsp:txBody>
       <dsp:txXfrm>
@@ -14116,7 +13416,7 @@
         </a:bodyPr>
         <a:lstStyle/>
         <a:p>
-          <a:pPr lvl="0" algn="ctr" defTabSz="577850">
+          <a:pPr marL="0" lvl="0" indent="0" algn="ctr" defTabSz="577850">
             <a:lnSpc>
               <a:spcPct val="90000"/>
             </a:lnSpc>
@@ -14126,6 +13426,7 @@
             <a:spcAft>
               <a:spcPct val="35000"/>
             </a:spcAft>
+            <a:buNone/>
           </a:pPr>
           <a:endParaRPr lang="de-DE" sz="1300" kern="1200"/>
         </a:p>
@@ -14188,7 +13489,7 @@
         </a:bodyPr>
         <a:lstStyle/>
         <a:p>
-          <a:pPr lvl="0" algn="ctr" defTabSz="711200">
+          <a:pPr marL="0" lvl="0" indent="0" algn="ctr" defTabSz="711200">
             <a:lnSpc>
               <a:spcPct val="90000"/>
             </a:lnSpc>
@@ -14198,12 +13499,12 @@
             <a:spcAft>
               <a:spcPct val="35000"/>
             </a:spcAft>
+            <a:buNone/>
           </a:pPr>
           <a:r>
-            <a:rPr lang="de-DE" sz="1600" kern="1200" dirty="0" smtClean="0"/>
+            <a:rPr lang="de-DE" sz="1600" kern="1200" dirty="0"/>
             <a:t>Topology-Editor-Server</a:t>
           </a:r>
-          <a:endParaRPr lang="de-DE" sz="1600" kern="1200" dirty="0"/>
         </a:p>
       </dsp:txBody>
       <dsp:txXfrm>
@@ -14262,7 +13563,7 @@
         </a:bodyPr>
         <a:lstStyle/>
         <a:p>
-          <a:pPr lvl="0" algn="ctr" defTabSz="355600">
+          <a:pPr marL="0" lvl="0" indent="0" algn="ctr" defTabSz="355600">
             <a:lnSpc>
               <a:spcPct val="90000"/>
             </a:lnSpc>
@@ -14272,6 +13573,7 @@
             <a:spcAft>
               <a:spcPct val="35000"/>
             </a:spcAft>
+            <a:buNone/>
           </a:pPr>
           <a:endParaRPr lang="de-DE" sz="800" kern="1200"/>
         </a:p>
@@ -14334,7 +13636,7 @@
         </a:bodyPr>
         <a:lstStyle/>
         <a:p>
-          <a:pPr lvl="0" algn="ctr" defTabSz="711200">
+          <a:pPr marL="0" lvl="0" indent="0" algn="ctr" defTabSz="711200">
             <a:lnSpc>
               <a:spcPct val="90000"/>
             </a:lnSpc>
@@ -14344,12 +13646,12 @@
             <a:spcAft>
               <a:spcPct val="35000"/>
             </a:spcAft>
+            <a:buNone/>
           </a:pPr>
           <a:r>
-            <a:rPr lang="de-DE" sz="1600" kern="1200" dirty="0" smtClean="0"/>
+            <a:rPr lang="de-DE" sz="1600" kern="1200" dirty="0"/>
             <a:t>Topology-Editor-Client</a:t>
           </a:r>
-          <a:endParaRPr lang="de-DE" sz="1600" kern="1200" dirty="0"/>
         </a:p>
       </dsp:txBody>
       <dsp:txXfrm>
@@ -14425,7 +13727,7 @@
         </a:bodyPr>
         <a:lstStyle/>
         <a:p>
-          <a:pPr lvl="0" algn="ctr" defTabSz="533400">
+          <a:pPr marL="0" lvl="0" indent="0" algn="ctr" defTabSz="533400">
             <a:lnSpc>
               <a:spcPct val="90000"/>
             </a:lnSpc>
@@ -14435,12 +13737,12 @@
             <a:spcAft>
               <a:spcPct val="35000"/>
             </a:spcAft>
+            <a:buNone/>
           </a:pPr>
           <a:r>
-            <a:rPr lang="de-DE" sz="1200" kern="1200" dirty="0" smtClean="0"/>
+            <a:rPr lang="de-DE" sz="1200" kern="1200" dirty="0"/>
             <a:t>Schicht 7</a:t>
           </a:r>
-          <a:endParaRPr lang="de-DE" sz="1200" kern="1200" dirty="0"/>
         </a:p>
       </dsp:txBody>
       <dsp:txXfrm rot="-5400000">
@@ -14512,14 +13814,14 @@
             <a:spcAft>
               <a:spcPct val="15000"/>
             </a:spcAft>
-            <a:buChar char="••"/>
+            <a:buChar char="•"/>
           </a:pPr>
           <a:r>
-            <a:rPr lang="de-DE" sz="1000" b="1" kern="1200" dirty="0" smtClean="0"/>
+            <a:rPr lang="de-DE" sz="1000" b="1" kern="1200" dirty="0"/>
             <a:t>PROFOBUS-DP/V0, DP/V1</a:t>
           </a:r>
           <a:r>
-            <a:rPr lang="de-DE" sz="1000" b="1" kern="1200" smtClean="0"/>
+            <a:rPr lang="de-DE" sz="1000" b="1" kern="1200"/>
             <a:t>, DP/V2</a:t>
           </a:r>
           <a:endParaRPr lang="de-DE" sz="1000" b="1" kern="1200" dirty="0"/>
@@ -14535,13 +13837,12 @@
             <a:spcAft>
               <a:spcPct val="15000"/>
             </a:spcAft>
-            <a:buChar char="••"/>
+            <a:buChar char="•"/>
           </a:pPr>
           <a:r>
-            <a:rPr lang="de-DE" sz="1000" b="1" kern="1200" dirty="0" smtClean="0"/>
+            <a:rPr lang="de-DE" sz="1000" b="1" kern="1200" dirty="0"/>
             <a:t>PROFOBUS-FMS</a:t>
           </a:r>
-          <a:endParaRPr lang="de-DE" sz="1000" b="1" kern="1200" dirty="0"/>
         </a:p>
       </dsp:txBody>
       <dsp:txXfrm rot="-5400000">
@@ -14607,7 +13908,7 @@
         </a:bodyPr>
         <a:lstStyle/>
         <a:p>
-          <a:pPr lvl="0" algn="ctr" defTabSz="533400">
+          <a:pPr marL="0" lvl="0" indent="0" algn="ctr" defTabSz="533400">
             <a:lnSpc>
               <a:spcPct val="90000"/>
             </a:lnSpc>
@@ -14617,12 +13918,12 @@
             <a:spcAft>
               <a:spcPct val="35000"/>
             </a:spcAft>
+            <a:buNone/>
           </a:pPr>
           <a:r>
-            <a:rPr lang="de-DE" sz="1200" kern="1200" dirty="0" smtClean="0"/>
+            <a:rPr lang="de-DE" sz="1200" kern="1200" dirty="0"/>
             <a:t>Schicht  6 </a:t>
           </a:r>
-          <a:endParaRPr lang="de-DE" sz="1200" kern="1200" dirty="0"/>
         </a:p>
       </dsp:txBody>
       <dsp:txXfrm rot="-5400000">
@@ -14737,7 +14038,7 @@
         </a:bodyPr>
         <a:lstStyle/>
         <a:p>
-          <a:pPr lvl="0" algn="ctr" defTabSz="533400">
+          <a:pPr marL="0" lvl="0" indent="0" algn="ctr" defTabSz="533400">
             <a:lnSpc>
               <a:spcPct val="90000"/>
             </a:lnSpc>
@@ -14747,12 +14048,12 @@
             <a:spcAft>
               <a:spcPct val="35000"/>
             </a:spcAft>
+            <a:buNone/>
           </a:pPr>
           <a:r>
-            <a:rPr lang="de-DE" sz="1200" kern="1200" dirty="0" smtClean="0"/>
+            <a:rPr lang="de-DE" sz="1200" kern="1200" dirty="0"/>
             <a:t>Schicht  5</a:t>
           </a:r>
-          <a:endParaRPr lang="de-DE" sz="1200" kern="1200" dirty="0"/>
         </a:p>
       </dsp:txBody>
       <dsp:txXfrm rot="-5400000">
@@ -14867,7 +14168,7 @@
         </a:bodyPr>
         <a:lstStyle/>
         <a:p>
-          <a:pPr lvl="0" algn="ctr" defTabSz="533400">
+          <a:pPr marL="0" lvl="0" indent="0" algn="ctr" defTabSz="533400">
             <a:lnSpc>
               <a:spcPct val="90000"/>
             </a:lnSpc>
@@ -14877,12 +14178,12 @@
             <a:spcAft>
               <a:spcPct val="35000"/>
             </a:spcAft>
+            <a:buNone/>
           </a:pPr>
           <a:r>
-            <a:rPr lang="de-DE" sz="1200" kern="1200" dirty="0" smtClean="0"/>
+            <a:rPr lang="de-DE" sz="1200" kern="1200" dirty="0"/>
             <a:t>Schicht  4</a:t>
           </a:r>
-          <a:endParaRPr lang="de-DE" sz="1200" kern="1200" dirty="0"/>
         </a:p>
       </dsp:txBody>
       <dsp:txXfrm rot="-5400000">
@@ -14997,7 +14298,7 @@
         </a:bodyPr>
         <a:lstStyle/>
         <a:p>
-          <a:pPr lvl="0" algn="ctr" defTabSz="533400">
+          <a:pPr marL="0" lvl="0" indent="0" algn="ctr" defTabSz="533400">
             <a:lnSpc>
               <a:spcPct val="90000"/>
             </a:lnSpc>
@@ -15007,12 +14308,12 @@
             <a:spcAft>
               <a:spcPct val="35000"/>
             </a:spcAft>
+            <a:buNone/>
           </a:pPr>
           <a:r>
-            <a:rPr lang="de-DE" sz="1200" kern="1200" dirty="0" smtClean="0"/>
+            <a:rPr lang="de-DE" sz="1200" kern="1200" dirty="0"/>
             <a:t>Schicht  3</a:t>
           </a:r>
-          <a:endParaRPr lang="de-DE" sz="1200" kern="1200" dirty="0"/>
         </a:p>
       </dsp:txBody>
       <dsp:txXfrm rot="-5400000">
@@ -15125,7 +14426,7 @@
         </a:bodyPr>
         <a:lstStyle/>
         <a:p>
-          <a:pPr lvl="0" algn="ctr" defTabSz="533400">
+          <a:pPr marL="0" lvl="0" indent="0" algn="ctr" defTabSz="533400">
             <a:lnSpc>
               <a:spcPct val="90000"/>
             </a:lnSpc>
@@ -15135,12 +14436,12 @@
             <a:spcAft>
               <a:spcPct val="35000"/>
             </a:spcAft>
+            <a:buNone/>
           </a:pPr>
           <a:r>
-            <a:rPr lang="de-DE" sz="1200" kern="1200" dirty="0" smtClean="0"/>
+            <a:rPr lang="de-DE" sz="1200" kern="1200" dirty="0"/>
             <a:t>Schicht 2</a:t>
           </a:r>
-          <a:endParaRPr lang="de-DE" sz="1200" kern="1200" dirty="0"/>
         </a:p>
       </dsp:txBody>
       <dsp:txXfrm rot="-5400000">
@@ -15212,13 +14513,12 @@
             <a:spcAft>
               <a:spcPct val="15000"/>
             </a:spcAft>
-            <a:buChar char="••"/>
+            <a:buChar char="•"/>
           </a:pPr>
           <a:r>
-            <a:rPr lang="de-DE" sz="1000" b="1" kern="1200" dirty="0" smtClean="0"/>
+            <a:rPr lang="de-DE" sz="1000" b="1" kern="1200" dirty="0"/>
             <a:t>Fieldbus Data Link (FDL)</a:t>
           </a:r>
-          <a:endParaRPr lang="de-DE" sz="1000" b="1" kern="1200" dirty="0"/>
         </a:p>
       </dsp:txBody>
       <dsp:txXfrm rot="-5400000">
@@ -15282,7 +14582,7 @@
         </a:bodyPr>
         <a:lstStyle/>
         <a:p>
-          <a:pPr lvl="0" algn="ctr" defTabSz="533400">
+          <a:pPr marL="0" lvl="0" indent="0" algn="ctr" defTabSz="533400">
             <a:lnSpc>
               <a:spcPct val="90000"/>
             </a:lnSpc>
@@ -15292,12 +14592,12 @@
             <a:spcAft>
               <a:spcPct val="35000"/>
             </a:spcAft>
+            <a:buNone/>
           </a:pPr>
           <a:r>
-            <a:rPr lang="de-DE" sz="1200" kern="1200" dirty="0" smtClean="0"/>
+            <a:rPr lang="de-DE" sz="1200" kern="1200" dirty="0"/>
             <a:t>Schicht 1</a:t>
           </a:r>
-          <a:endParaRPr lang="de-DE" sz="1200" kern="1200" dirty="0"/>
         </a:p>
       </dsp:txBody>
       <dsp:txXfrm rot="-5400000">
@@ -15369,13 +14669,12 @@
             <a:spcAft>
               <a:spcPct val="15000"/>
             </a:spcAft>
-            <a:buChar char="••"/>
+            <a:buChar char="•"/>
           </a:pPr>
           <a:r>
-            <a:rPr lang="de-DE" sz="1000" b="1" kern="1200" dirty="0" smtClean="0"/>
+            <a:rPr lang="de-DE" sz="1000" b="1" kern="1200" dirty="0"/>
             <a:t>RS485</a:t>
           </a:r>
-          <a:endParaRPr lang="de-DE" sz="1000" b="1" kern="1200" dirty="0"/>
         </a:p>
         <a:p>
           <a:pPr marL="57150" lvl="1" indent="-57150" algn="l" defTabSz="444500">
@@ -15388,13 +14687,12 @@
             <a:spcAft>
               <a:spcPct val="15000"/>
             </a:spcAft>
-            <a:buChar char="••"/>
+            <a:buChar char="•"/>
           </a:pPr>
           <a:r>
-            <a:rPr lang="de-DE" sz="1000" b="1" kern="1200" dirty="0" smtClean="0"/>
+            <a:rPr lang="de-DE" sz="1000" b="1" kern="1200" dirty="0"/>
             <a:t>LWL</a:t>
           </a:r>
-          <a:endParaRPr lang="de-DE" sz="1000" b="1" kern="1200" dirty="0"/>
         </a:p>
       </dsp:txBody>
       <dsp:txXfrm rot="-5400000">
@@ -15461,7 +14759,7 @@
         </a:bodyPr>
         <a:lstStyle/>
         <a:p>
-          <a:pPr lvl="0" algn="ctr" defTabSz="1066800" rtl="0">
+          <a:pPr marL="0" lvl="0" indent="0" algn="ctr" defTabSz="1066800" rtl="0">
             <a:lnSpc>
               <a:spcPct val="90000"/>
             </a:lnSpc>
@@ -15471,12 +14769,12 @@
             <a:spcAft>
               <a:spcPct val="35000"/>
             </a:spcAft>
+            <a:buNone/>
           </a:pPr>
           <a:r>
-            <a:rPr lang="de-DE" sz="2400" kern="1200" dirty="0" smtClean="0"/>
+            <a:rPr lang="de-DE" sz="2400" kern="1200" dirty="0"/>
             <a:t>ComStudio</a:t>
           </a:r>
-          <a:endParaRPr lang="de-DE" sz="2400" kern="1200" dirty="0"/>
         </a:p>
       </dsp:txBody>
       <dsp:txXfrm>
@@ -15536,7 +14834,7 @@
         </a:bodyPr>
         <a:lstStyle/>
         <a:p>
-          <a:pPr lvl="0" algn="ctr" defTabSz="844550">
+          <a:pPr marL="0" lvl="0" indent="0" algn="ctr" defTabSz="844550">
             <a:lnSpc>
               <a:spcPct val="90000"/>
             </a:lnSpc>
@@ -15546,12 +14844,12 @@
             <a:spcAft>
               <a:spcPct val="35000"/>
             </a:spcAft>
+            <a:buNone/>
           </a:pPr>
           <a:r>
-            <a:rPr lang="de-DE" sz="1900" kern="1200" dirty="0" smtClean="0"/>
+            <a:rPr lang="de-DE" sz="1900" kern="1200" dirty="0"/>
             <a:t>uses</a:t>
           </a:r>
-          <a:endParaRPr lang="de-DE" sz="1900" kern="1200" dirty="0"/>
         </a:p>
       </dsp:txBody>
       <dsp:txXfrm>
@@ -15606,7 +14904,7 @@
         </a:bodyPr>
         <a:lstStyle/>
         <a:p>
-          <a:pPr lvl="0" algn="ctr" defTabSz="1066800" rtl="0">
+          <a:pPr marL="0" lvl="0" indent="0" algn="ctr" defTabSz="1066800" rtl="0">
             <a:lnSpc>
               <a:spcPct val="90000"/>
             </a:lnSpc>
@@ -15616,12 +14914,12 @@
             <a:spcAft>
               <a:spcPct val="35000"/>
             </a:spcAft>
+            <a:buNone/>
           </a:pPr>
           <a:r>
-            <a:rPr lang="de-DE" sz="2400" kern="1200" dirty="0" smtClean="0"/>
+            <a:rPr lang="de-DE" sz="2400" kern="1200" dirty="0"/>
             <a:t>Variety of Themes</a:t>
           </a:r>
-          <a:endParaRPr lang="de-DE" sz="2400" kern="1200" dirty="0"/>
         </a:p>
       </dsp:txBody>
       <dsp:txXfrm>
@@ -15697,7 +14995,7 @@
         </a:bodyPr>
         <a:lstStyle/>
         <a:p>
-          <a:pPr lvl="0" algn="ctr" defTabSz="1689100">
+          <a:pPr marL="0" lvl="0" indent="0" algn="ctr" defTabSz="1689100">
             <a:lnSpc>
               <a:spcPct val="90000"/>
             </a:lnSpc>
@@ -15707,12 +15005,12 @@
             <a:spcAft>
               <a:spcPct val="35000"/>
             </a:spcAft>
+            <a:buNone/>
           </a:pPr>
           <a:r>
-            <a:rPr lang="de-DE" sz="3800" kern="1200" dirty="0" smtClean="0"/>
+            <a:rPr lang="de-DE" sz="3800" kern="1200" dirty="0"/>
             <a:t>Variety of Theme</a:t>
           </a:r>
-          <a:endParaRPr lang="de-DE" sz="3800" kern="1200" dirty="0"/>
         </a:p>
       </dsp:txBody>
       <dsp:txXfrm>
@@ -15855,7 +15153,7 @@
         </a:bodyPr>
         <a:lstStyle/>
         <a:p>
-          <a:pPr lvl="0" algn="ctr" defTabSz="1733550">
+          <a:pPr marL="0" lvl="0" indent="0" algn="ctr" defTabSz="1733550">
             <a:lnSpc>
               <a:spcPct val="90000"/>
             </a:lnSpc>
@@ -15865,9 +15163,10 @@
             <a:spcAft>
               <a:spcPct val="35000"/>
             </a:spcAft>
+            <a:buNone/>
           </a:pPr>
           <a:r>
-            <a:rPr lang="de-DE" sz="3900" b="0" i="0" kern="1200" dirty="0" smtClean="0">
+            <a:rPr lang="de-DE" sz="3900" b="0" i="0" kern="1200" dirty="0">
               <a:hlinkClick xmlns:r="http://schemas.openxmlformats.org/officeDocument/2006/relationships" r:id="rId1"/>
             </a:rPr>
             <a:t>Office 2013</a:t>
@@ -16015,7 +15314,7 @@
         </a:bodyPr>
         <a:lstStyle/>
         <a:p>
-          <a:pPr lvl="0" algn="ctr" defTabSz="1733550">
+          <a:pPr marL="0" lvl="0" indent="0" algn="ctr" defTabSz="1733550">
             <a:lnSpc>
               <a:spcPct val="90000"/>
             </a:lnSpc>
@@ -16025,12 +15324,12 @@
             <a:spcAft>
               <a:spcPct val="35000"/>
             </a:spcAft>
+            <a:buNone/>
           </a:pPr>
           <a:r>
-            <a:rPr lang="de-DE" sz="3900" kern="1200" dirty="0" smtClean="0"/>
+            <a:rPr lang="de-DE" sz="3900" kern="1200" dirty="0"/>
             <a:t>Hilscher  Theme</a:t>
           </a:r>
-          <a:endParaRPr lang="de-DE" sz="3900" kern="1200" dirty="0"/>
         </a:p>
       </dsp:txBody>
       <dsp:txXfrm>
@@ -16173,7 +15472,7 @@
         </a:bodyPr>
         <a:lstStyle/>
         <a:p>
-          <a:pPr lvl="0" algn="ctr" defTabSz="1733550">
+          <a:pPr marL="0" lvl="0" indent="0" algn="ctr" defTabSz="1733550">
             <a:lnSpc>
               <a:spcPct val="90000"/>
             </a:lnSpc>
@@ -16183,9 +15482,10 @@
             <a:spcAft>
               <a:spcPct val="35000"/>
             </a:spcAft>
+            <a:buNone/>
           </a:pPr>
           <a:r>
-            <a:rPr lang="de-DE" sz="3900" b="1" i="0" kern="1200" dirty="0" smtClean="0"/>
+            <a:rPr lang="de-DE" sz="3900" b="1" i="0" kern="1200" dirty="0"/>
             <a:t>Expression Dark</a:t>
           </a:r>
           <a:endParaRPr lang="de-DE" sz="3900" kern="1200" dirty="0"/>
@@ -16293,7 +15593,7 @@
         </a:bodyPr>
         <a:lstStyle/>
         <a:p>
-          <a:pPr lvl="0" algn="ctr" defTabSz="844550">
+          <a:pPr marL="0" lvl="0" indent="0" algn="ctr" defTabSz="844550">
             <a:lnSpc>
               <a:spcPct val="90000"/>
             </a:lnSpc>
@@ -16303,12 +15603,12 @@
             <a:spcAft>
               <a:spcPct val="35000"/>
             </a:spcAft>
+            <a:buNone/>
           </a:pPr>
           <a:r>
-            <a:rPr lang="de-DE" sz="1900" kern="1200" dirty="0" smtClean="0"/>
+            <a:rPr lang="de-DE" sz="1900" kern="1200" dirty="0"/>
             <a:t>Device-Manager</a:t>
           </a:r>
-          <a:endParaRPr lang="de-DE" sz="1900" kern="1200" dirty="0"/>
         </a:p>
       </dsp:txBody>
       <dsp:txXfrm>
@@ -16389,7 +15689,7 @@
         </a:bodyPr>
         <a:lstStyle/>
         <a:p>
-          <a:pPr lvl="0" algn="ctr" defTabSz="844550">
+          <a:pPr marL="0" lvl="0" indent="0" algn="ctr" defTabSz="844550">
             <a:lnSpc>
               <a:spcPct val="90000"/>
             </a:lnSpc>
@@ -16399,13 +15699,14 @@
             <a:spcAft>
               <a:spcPct val="35000"/>
             </a:spcAft>
+            <a:buNone/>
           </a:pPr>
           <a:r>
-            <a:rPr lang="de-DE" sz="1900" kern="1200" dirty="0" smtClean="0"/>
+            <a:rPr lang="de-DE" sz="1900" kern="1200" dirty="0"/>
             <a:t>Web-</a:t>
           </a:r>
           <a:r>
-            <a:rPr lang="de-DE" sz="1900" kern="1200" dirty="0" err="1" smtClean="0"/>
+            <a:rPr lang="de-DE" sz="1900" kern="1200" dirty="0" err="1"/>
             <a:t>Diagnostic</a:t>
           </a:r>
           <a:endParaRPr lang="de-DE" sz="1900" kern="1200" dirty="0"/>
@@ -16489,7 +15790,7 @@
         </a:bodyPr>
         <a:lstStyle/>
         <a:p>
-          <a:pPr lvl="0" algn="ctr" defTabSz="844550">
+          <a:pPr marL="0" lvl="0" indent="0" algn="ctr" defTabSz="844550">
             <a:lnSpc>
               <a:spcPct val="90000"/>
             </a:lnSpc>
@@ -16499,20 +15800,20 @@
             <a:spcAft>
               <a:spcPct val="35000"/>
             </a:spcAft>
+            <a:buNone/>
           </a:pPr>
           <a:r>
-            <a:rPr lang="de-DE" sz="1900" kern="1200" dirty="0" smtClean="0"/>
+            <a:rPr lang="de-DE" sz="1900" kern="1200" dirty="0"/>
             <a:t>Web-</a:t>
           </a:r>
           <a:r>
-            <a:rPr lang="de-DE" sz="1900" kern="1200" dirty="0" err="1" smtClean="0"/>
+            <a:rPr lang="de-DE" sz="1900" kern="1200" dirty="0" err="1"/>
             <a:t>Topology</a:t>
           </a:r>
           <a:r>
-            <a:rPr lang="de-DE" sz="1900" kern="1200" dirty="0" smtClean="0"/>
+            <a:rPr lang="de-DE" sz="1900" kern="1200" dirty="0"/>
             <a:t>-Editor</a:t>
           </a:r>
-          <a:endParaRPr lang="de-DE" sz="1900" kern="1200" dirty="0"/>
         </a:p>
       </dsp:txBody>
       <dsp:txXfrm>
@@ -16593,7 +15894,7 @@
         </a:bodyPr>
         <a:lstStyle/>
         <a:p>
-          <a:pPr lvl="0" algn="ctr" defTabSz="844550">
+          <a:pPr marL="0" lvl="0" indent="0" algn="ctr" defTabSz="844550">
             <a:lnSpc>
               <a:spcPct val="90000"/>
             </a:lnSpc>
@@ -16603,12 +15904,12 @@
             <a:spcAft>
               <a:spcPct val="35000"/>
             </a:spcAft>
+            <a:buNone/>
           </a:pPr>
           <a:r>
-            <a:rPr lang="de-DE" sz="1900" kern="1200" dirty="0" smtClean="0"/>
+            <a:rPr lang="de-DE" sz="1900" kern="1200" dirty="0"/>
             <a:t>ODM</a:t>
           </a:r>
-          <a:endParaRPr lang="de-DE" sz="1900" kern="1200" dirty="0"/>
         </a:p>
       </dsp:txBody>
       <dsp:txXfrm>
@@ -16689,7 +15990,7 @@
         </a:bodyPr>
         <a:lstStyle/>
         <a:p>
-          <a:pPr lvl="0" algn="ctr" defTabSz="844550">
+          <a:pPr marL="0" lvl="0" indent="0" algn="ctr" defTabSz="844550">
             <a:lnSpc>
               <a:spcPct val="90000"/>
             </a:lnSpc>
@@ -16699,12 +16000,12 @@
             <a:spcAft>
               <a:spcPct val="35000"/>
             </a:spcAft>
+            <a:buNone/>
           </a:pPr>
           <a:r>
-            <a:rPr lang="de-DE" sz="1900" kern="1200" dirty="0" smtClean="0"/>
+            <a:rPr lang="de-DE" sz="1900" kern="1200" dirty="0"/>
             <a:t>OPC UA</a:t>
           </a:r>
-          <a:endParaRPr lang="de-DE" sz="1900" kern="1200" dirty="0"/>
         </a:p>
       </dsp:txBody>
       <dsp:txXfrm>
@@ -17013,7 +16314,7 @@
         </a:bodyPr>
         <a:lstStyle/>
         <a:p>
-          <a:pPr lvl="0" algn="ctr" defTabSz="711200">
+          <a:pPr marL="0" lvl="0" indent="0" algn="ctr" defTabSz="711200">
             <a:lnSpc>
               <a:spcPct val="90000"/>
             </a:lnSpc>
@@ -17023,12 +16324,12 @@
             <a:spcAft>
               <a:spcPct val="35000"/>
             </a:spcAft>
+            <a:buNone/>
           </a:pPr>
           <a:r>
-            <a:rPr lang="de-DE" sz="1600" kern="1200" dirty="0" smtClean="0"/>
+            <a:rPr lang="de-DE" sz="1600" kern="1200" dirty="0"/>
             <a:t>ComStudio</a:t>
           </a:r>
-          <a:endParaRPr lang="de-DE" sz="1600" kern="1200" dirty="0"/>
         </a:p>
       </dsp:txBody>
       <dsp:txXfrm>
@@ -17087,7 +16388,7 @@
         </a:bodyPr>
         <a:lstStyle/>
         <a:p>
-          <a:pPr lvl="0" algn="ctr" defTabSz="577850">
+          <a:pPr marL="0" lvl="0" indent="0" algn="ctr" defTabSz="577850">
             <a:lnSpc>
               <a:spcPct val="90000"/>
             </a:lnSpc>
@@ -17097,6 +16398,7 @@
             <a:spcAft>
               <a:spcPct val="35000"/>
             </a:spcAft>
+            <a:buNone/>
           </a:pPr>
           <a:endParaRPr lang="de-DE" sz="1300" kern="1200"/>
         </a:p>
@@ -17159,7 +16461,7 @@
         </a:bodyPr>
         <a:lstStyle/>
         <a:p>
-          <a:pPr lvl="0" algn="ctr" defTabSz="711200">
+          <a:pPr marL="0" lvl="0" indent="0" algn="ctr" defTabSz="711200">
             <a:lnSpc>
               <a:spcPct val="90000"/>
             </a:lnSpc>
@@ -17169,12 +16471,12 @@
             <a:spcAft>
               <a:spcPct val="35000"/>
             </a:spcAft>
+            <a:buNone/>
           </a:pPr>
           <a:r>
-            <a:rPr lang="de-DE" sz="1600" kern="1200" dirty="0" smtClean="0"/>
+            <a:rPr lang="de-DE" sz="1600" kern="1200" dirty="0"/>
             <a:t>Topology-Editor-Server</a:t>
           </a:r>
-          <a:endParaRPr lang="de-DE" sz="1600" kern="1200" dirty="0"/>
         </a:p>
       </dsp:txBody>
       <dsp:txXfrm>
@@ -17233,7 +16535,7 @@
         </a:bodyPr>
         <a:lstStyle/>
         <a:p>
-          <a:pPr lvl="0" algn="ctr" defTabSz="355600">
+          <a:pPr marL="0" lvl="0" indent="0" algn="ctr" defTabSz="355600">
             <a:lnSpc>
               <a:spcPct val="90000"/>
             </a:lnSpc>
@@ -17243,6 +16545,7 @@
             <a:spcAft>
               <a:spcPct val="35000"/>
             </a:spcAft>
+            <a:buNone/>
           </a:pPr>
           <a:endParaRPr lang="de-DE" sz="800" kern="1200"/>
         </a:p>
@@ -17305,7 +16608,7 @@
         </a:bodyPr>
         <a:lstStyle/>
         <a:p>
-          <a:pPr lvl="0" algn="ctr" defTabSz="711200">
+          <a:pPr marL="0" lvl="0" indent="0" algn="ctr" defTabSz="711200">
             <a:lnSpc>
               <a:spcPct val="90000"/>
             </a:lnSpc>
@@ -17315,12 +16618,12 @@
             <a:spcAft>
               <a:spcPct val="35000"/>
             </a:spcAft>
+            <a:buNone/>
           </a:pPr>
           <a:r>
-            <a:rPr lang="de-DE" sz="1600" kern="1200" dirty="0" smtClean="0"/>
+            <a:rPr lang="de-DE" sz="1600" kern="1200" dirty="0"/>
             <a:t>Topology-Editor-Client</a:t>
           </a:r>
-          <a:endParaRPr lang="de-DE" sz="1600" kern="1200" dirty="0"/>
         </a:p>
       </dsp:txBody>
       <dsp:txXfrm>
@@ -17389,7 +16692,7 @@
         </a:bodyPr>
         <a:lstStyle/>
         <a:p>
-          <a:pPr lvl="0" algn="ctr" defTabSz="711200">
+          <a:pPr marL="0" lvl="0" indent="0" algn="ctr" defTabSz="711200">
             <a:lnSpc>
               <a:spcPct val="90000"/>
             </a:lnSpc>
@@ -17399,12 +16702,12 @@
             <a:spcAft>
               <a:spcPct val="35000"/>
             </a:spcAft>
+            <a:buNone/>
           </a:pPr>
           <a:r>
-            <a:rPr lang="de-DE" sz="1600" kern="1200" dirty="0" smtClean="0"/>
+            <a:rPr lang="de-DE" sz="1600" kern="1200" dirty="0"/>
             <a:t>ComStudio</a:t>
           </a:r>
-          <a:endParaRPr lang="de-DE" sz="1600" kern="1200" dirty="0"/>
         </a:p>
       </dsp:txBody>
       <dsp:txXfrm>
@@ -17463,7 +16766,7 @@
         </a:bodyPr>
         <a:lstStyle/>
         <a:p>
-          <a:pPr lvl="0" algn="ctr" defTabSz="577850">
+          <a:pPr marL="0" lvl="0" indent="0" algn="ctr" defTabSz="577850">
             <a:lnSpc>
               <a:spcPct val="90000"/>
             </a:lnSpc>
@@ -17473,6 +16776,7 @@
             <a:spcAft>
               <a:spcPct val="35000"/>
             </a:spcAft>
+            <a:buNone/>
           </a:pPr>
           <a:endParaRPr lang="de-DE" sz="1300" kern="1200"/>
         </a:p>
@@ -17535,7 +16839,7 @@
         </a:bodyPr>
         <a:lstStyle/>
         <a:p>
-          <a:pPr lvl="0" algn="ctr" defTabSz="711200">
+          <a:pPr marL="0" lvl="0" indent="0" algn="ctr" defTabSz="711200">
             <a:lnSpc>
               <a:spcPct val="90000"/>
             </a:lnSpc>
@@ -17545,12 +16849,12 @@
             <a:spcAft>
               <a:spcPct val="35000"/>
             </a:spcAft>
+            <a:buNone/>
           </a:pPr>
           <a:r>
-            <a:rPr lang="de-DE" sz="1600" kern="1200" dirty="0" smtClean="0"/>
+            <a:rPr lang="de-DE" sz="1600" kern="1200" dirty="0"/>
             <a:t>Topology-Editor-Server</a:t>
           </a:r>
-          <a:endParaRPr lang="de-DE" sz="1600" kern="1200" dirty="0"/>
         </a:p>
       </dsp:txBody>
       <dsp:txXfrm>
@@ -17609,7 +16913,7 @@
         </a:bodyPr>
         <a:lstStyle/>
         <a:p>
-          <a:pPr lvl="0" algn="ctr" defTabSz="355600">
+          <a:pPr marL="0" lvl="0" indent="0" algn="ctr" defTabSz="355600">
             <a:lnSpc>
               <a:spcPct val="90000"/>
             </a:lnSpc>
@@ -17619,6 +16923,7 @@
             <a:spcAft>
               <a:spcPct val="35000"/>
             </a:spcAft>
+            <a:buNone/>
           </a:pPr>
           <a:endParaRPr lang="de-DE" sz="800" kern="1200"/>
         </a:p>
@@ -17681,7 +16986,7 @@
         </a:bodyPr>
         <a:lstStyle/>
         <a:p>
-          <a:pPr lvl="0" algn="ctr" defTabSz="711200">
+          <a:pPr marL="0" lvl="0" indent="0" algn="ctr" defTabSz="711200">
             <a:lnSpc>
               <a:spcPct val="90000"/>
             </a:lnSpc>
@@ -17691,12 +16996,12 @@
             <a:spcAft>
               <a:spcPct val="35000"/>
             </a:spcAft>
+            <a:buNone/>
           </a:pPr>
           <a:r>
-            <a:rPr lang="de-DE" sz="1600" kern="1200" dirty="0" smtClean="0"/>
+            <a:rPr lang="de-DE" sz="1600" kern="1200" dirty="0"/>
             <a:t>Topology-Editor-Client</a:t>
           </a:r>
-          <a:endParaRPr lang="de-DE" sz="1600" kern="1200" dirty="0"/>
         </a:p>
       </dsp:txBody>
       <dsp:txXfrm>
@@ -17765,7 +17070,7 @@
         </a:bodyPr>
         <a:lstStyle/>
         <a:p>
-          <a:pPr lvl="0" algn="ctr" defTabSz="711200">
+          <a:pPr marL="0" lvl="0" indent="0" algn="ctr" defTabSz="711200">
             <a:lnSpc>
               <a:spcPct val="90000"/>
             </a:lnSpc>
@@ -17775,12 +17080,12 @@
             <a:spcAft>
               <a:spcPct val="35000"/>
             </a:spcAft>
+            <a:buNone/>
           </a:pPr>
           <a:r>
-            <a:rPr lang="de-DE" sz="1600" kern="1200" dirty="0" smtClean="0"/>
+            <a:rPr lang="de-DE" sz="1600" kern="1200" dirty="0"/>
             <a:t>ComStudio</a:t>
           </a:r>
-          <a:endParaRPr lang="de-DE" sz="1600" kern="1200" dirty="0"/>
         </a:p>
       </dsp:txBody>
       <dsp:txXfrm>
@@ -17839,7 +17144,7 @@
         </a:bodyPr>
         <a:lstStyle/>
         <a:p>
-          <a:pPr lvl="0" algn="ctr" defTabSz="577850">
+          <a:pPr marL="0" lvl="0" indent="0" algn="ctr" defTabSz="577850">
             <a:lnSpc>
               <a:spcPct val="90000"/>
             </a:lnSpc>
@@ -17849,6 +17154,7 @@
             <a:spcAft>
               <a:spcPct val="35000"/>
             </a:spcAft>
+            <a:buNone/>
           </a:pPr>
           <a:endParaRPr lang="de-DE" sz="1300" kern="1200"/>
         </a:p>
@@ -17911,7 +17217,7 @@
         </a:bodyPr>
         <a:lstStyle/>
         <a:p>
-          <a:pPr lvl="0" algn="ctr" defTabSz="711200">
+          <a:pPr marL="0" lvl="0" indent="0" algn="ctr" defTabSz="711200">
             <a:lnSpc>
               <a:spcPct val="90000"/>
             </a:lnSpc>
@@ -17921,12 +17227,12 @@
             <a:spcAft>
               <a:spcPct val="35000"/>
             </a:spcAft>
+            <a:buNone/>
           </a:pPr>
           <a:r>
-            <a:rPr lang="de-DE" sz="1600" kern="1200" dirty="0" smtClean="0"/>
+            <a:rPr lang="de-DE" sz="1600" kern="1200" dirty="0"/>
             <a:t>Topology-Editor-Server</a:t>
           </a:r>
-          <a:endParaRPr lang="de-DE" sz="1600" kern="1200" dirty="0"/>
         </a:p>
       </dsp:txBody>
       <dsp:txXfrm>
@@ -17985,7 +17291,7 @@
         </a:bodyPr>
         <a:lstStyle/>
         <a:p>
-          <a:pPr lvl="0" algn="ctr" defTabSz="355600">
+          <a:pPr marL="0" lvl="0" indent="0" algn="ctr" defTabSz="355600">
             <a:lnSpc>
               <a:spcPct val="90000"/>
             </a:lnSpc>
@@ -17995,6 +17301,7 @@
             <a:spcAft>
               <a:spcPct val="35000"/>
             </a:spcAft>
+            <a:buNone/>
           </a:pPr>
           <a:endParaRPr lang="de-DE" sz="800" kern="1200"/>
         </a:p>
@@ -18057,7 +17364,7 @@
         </a:bodyPr>
         <a:lstStyle/>
         <a:p>
-          <a:pPr lvl="0" algn="ctr" defTabSz="711200">
+          <a:pPr marL="0" lvl="0" indent="0" algn="ctr" defTabSz="711200">
             <a:lnSpc>
               <a:spcPct val="90000"/>
             </a:lnSpc>
@@ -18067,12 +17374,12 @@
             <a:spcAft>
               <a:spcPct val="35000"/>
             </a:spcAft>
+            <a:buNone/>
           </a:pPr>
           <a:r>
-            <a:rPr lang="de-DE" sz="1600" kern="1200" dirty="0" smtClean="0"/>
+            <a:rPr lang="de-DE" sz="1600" kern="1200" dirty="0"/>
             <a:t>Topology-Editor-Client</a:t>
           </a:r>
-          <a:endParaRPr lang="de-DE" sz="1600" kern="1200" dirty="0"/>
         </a:p>
       </dsp:txBody>
       <dsp:txXfrm>
@@ -18141,7 +17448,7 @@
         </a:bodyPr>
         <a:lstStyle/>
         <a:p>
-          <a:pPr lvl="0" algn="ctr" defTabSz="444500">
+          <a:pPr marL="0" lvl="0" indent="0" algn="ctr" defTabSz="444500">
             <a:lnSpc>
               <a:spcPct val="90000"/>
             </a:lnSpc>
@@ -18151,6 +17458,7 @@
             <a:spcAft>
               <a:spcPct val="35000"/>
             </a:spcAft>
+            <a:buNone/>
           </a:pPr>
           <a:endParaRPr lang="de-DE" sz="1000" kern="1200" dirty="0"/>
         </a:p>
@@ -18207,7 +17515,7 @@
         </a:bodyPr>
         <a:lstStyle/>
         <a:p>
-          <a:pPr lvl="0" algn="ctr" defTabSz="355600">
+          <a:pPr marL="0" lvl="0" indent="0" algn="ctr" defTabSz="355600">
             <a:lnSpc>
               <a:spcPct val="90000"/>
             </a:lnSpc>
@@ -18217,6 +17525,7 @@
             <a:spcAft>
               <a:spcPct val="35000"/>
             </a:spcAft>
+            <a:buNone/>
           </a:pPr>
           <a:endParaRPr lang="de-DE" sz="800" kern="1200"/>
         </a:p>
@@ -18279,7 +17588,7 @@
         </a:bodyPr>
         <a:lstStyle/>
         <a:p>
-          <a:pPr lvl="0" algn="ctr" defTabSz="444500">
+          <a:pPr marL="0" lvl="0" indent="0" algn="ctr" defTabSz="444500">
             <a:lnSpc>
               <a:spcPct val="90000"/>
             </a:lnSpc>
@@ -18289,12 +17598,12 @@
             <a:spcAft>
               <a:spcPct val="35000"/>
             </a:spcAft>
+            <a:buNone/>
           </a:pPr>
           <a:r>
-            <a:rPr lang="de-DE" sz="1000" kern="1200" dirty="0" smtClean="0"/>
+            <a:rPr lang="de-DE" sz="1000" kern="1200" dirty="0"/>
             <a:t>Topology-Editor-Client</a:t>
           </a:r>
-          <a:endParaRPr lang="de-DE" sz="1000" kern="1200" dirty="0"/>
         </a:p>
       </dsp:txBody>
       <dsp:txXfrm>
@@ -35499,10 +34808,9 @@
           </a:lstStyle>
           <a:p>
             <a:r>
-              <a:rPr lang="de-DE" smtClean="0"/>
+              <a:rPr lang="de-DE"/>
               <a:t>Titelmasterformat durch Klicken bearbeiten</a:t>
             </a:r>
-            <a:endParaRPr lang="de-DE"/>
           </a:p>
         </p:txBody>
       </p:sp>
@@ -35564,10 +34872,9 @@
           </a:lstStyle>
           <a:p>
             <a:r>
-              <a:rPr lang="de-DE" smtClean="0"/>
+              <a:rPr lang="de-DE"/>
               <a:t>Formatvorlage des Untertitelmasters durch Klicken bearbeiten</a:t>
             </a:r>
-            <a:endParaRPr lang="de-DE"/>
           </a:p>
         </p:txBody>
       </p:sp>
@@ -35588,7 +34895,7 @@
           <a:p>
             <a:fld id="{DAE76C1B-83F1-4715-B1BF-5B63C3EA389F}" type="datetimeFigureOut">
               <a:rPr lang="de-DE" smtClean="0"/>
-              <a:t>07.08.2018</a:t>
+              <a:t>17.08.2018</a:t>
             </a:fld>
             <a:endParaRPr lang="de-DE"/>
           </a:p>
@@ -35682,10 +34989,9 @@
           <a:lstStyle/>
           <a:p>
             <a:r>
-              <a:rPr lang="de-DE" smtClean="0"/>
+              <a:rPr lang="de-DE"/>
               <a:t>Titelmasterformat durch Klicken bearbeiten</a:t>
             </a:r>
-            <a:endParaRPr lang="de-DE"/>
           </a:p>
         </p:txBody>
       </p:sp>
@@ -35706,38 +35012,37 @@
           <a:p>
             <a:pPr lvl="0"/>
             <a:r>
-              <a:rPr lang="de-DE" smtClean="0"/>
+              <a:rPr lang="de-DE"/>
               <a:t>Formatvorlagen des Textmasters bearbeiten</a:t>
             </a:r>
           </a:p>
           <a:p>
             <a:pPr lvl="1"/>
             <a:r>
-              <a:rPr lang="de-DE" smtClean="0"/>
+              <a:rPr lang="de-DE"/>
               <a:t>Zweite Ebene</a:t>
             </a:r>
           </a:p>
           <a:p>
             <a:pPr lvl="2"/>
             <a:r>
-              <a:rPr lang="de-DE" smtClean="0"/>
+              <a:rPr lang="de-DE"/>
               <a:t>Dritte Ebene</a:t>
             </a:r>
           </a:p>
           <a:p>
             <a:pPr lvl="3"/>
             <a:r>
-              <a:rPr lang="de-DE" smtClean="0"/>
+              <a:rPr lang="de-DE"/>
               <a:t>Vierte Ebene</a:t>
             </a:r>
           </a:p>
           <a:p>
             <a:pPr lvl="4"/>
             <a:r>
-              <a:rPr lang="de-DE" smtClean="0"/>
+              <a:rPr lang="de-DE"/>
               <a:t>Fünfte Ebene</a:t>
             </a:r>
-            <a:endParaRPr lang="de-DE"/>
           </a:p>
         </p:txBody>
       </p:sp>
@@ -35758,7 +35063,7 @@
           <a:p>
             <a:fld id="{DAE76C1B-83F1-4715-B1BF-5B63C3EA389F}" type="datetimeFigureOut">
               <a:rPr lang="de-DE" smtClean="0"/>
-              <a:t>07.08.2018</a:t>
+              <a:t>17.08.2018</a:t>
             </a:fld>
             <a:endParaRPr lang="de-DE"/>
           </a:p>
@@ -35857,10 +35162,9 @@
           <a:lstStyle/>
           <a:p>
             <a:r>
-              <a:rPr lang="de-DE" smtClean="0"/>
+              <a:rPr lang="de-DE"/>
               <a:t>Titelmasterformat durch Klicken bearbeiten</a:t>
             </a:r>
-            <a:endParaRPr lang="de-DE"/>
           </a:p>
         </p:txBody>
       </p:sp>
@@ -35886,38 +35190,37 @@
           <a:p>
             <a:pPr lvl="0"/>
             <a:r>
-              <a:rPr lang="de-DE" smtClean="0"/>
+              <a:rPr lang="de-DE"/>
               <a:t>Formatvorlagen des Textmasters bearbeiten</a:t>
             </a:r>
           </a:p>
           <a:p>
             <a:pPr lvl="1"/>
             <a:r>
-              <a:rPr lang="de-DE" smtClean="0"/>
+              <a:rPr lang="de-DE"/>
               <a:t>Zweite Ebene</a:t>
             </a:r>
           </a:p>
           <a:p>
             <a:pPr lvl="2"/>
             <a:r>
-              <a:rPr lang="de-DE" smtClean="0"/>
+              <a:rPr lang="de-DE"/>
               <a:t>Dritte Ebene</a:t>
             </a:r>
           </a:p>
           <a:p>
             <a:pPr lvl="3"/>
             <a:r>
-              <a:rPr lang="de-DE" smtClean="0"/>
+              <a:rPr lang="de-DE"/>
               <a:t>Vierte Ebene</a:t>
             </a:r>
           </a:p>
           <a:p>
             <a:pPr lvl="4"/>
             <a:r>
-              <a:rPr lang="de-DE" smtClean="0"/>
+              <a:rPr lang="de-DE"/>
               <a:t>Fünfte Ebene</a:t>
             </a:r>
-            <a:endParaRPr lang="de-DE"/>
           </a:p>
         </p:txBody>
       </p:sp>
@@ -35938,7 +35241,7 @@
           <a:p>
             <a:fld id="{DAE76C1B-83F1-4715-B1BF-5B63C3EA389F}" type="datetimeFigureOut">
               <a:rPr lang="de-DE" smtClean="0"/>
-              <a:t>07.08.2018</a:t>
+              <a:t>17.08.2018</a:t>
             </a:fld>
             <a:endParaRPr lang="de-DE"/>
           </a:p>
@@ -36032,10 +35335,9 @@
           <a:lstStyle/>
           <a:p>
             <a:r>
-              <a:rPr lang="de-DE" smtClean="0"/>
+              <a:rPr lang="de-DE"/>
               <a:t>Titelmasterformat durch Klicken bearbeiten</a:t>
             </a:r>
-            <a:endParaRPr lang="de-DE"/>
           </a:p>
         </p:txBody>
       </p:sp>
@@ -36056,38 +35358,37 @@
           <a:p>
             <a:pPr lvl="0"/>
             <a:r>
-              <a:rPr lang="de-DE" smtClean="0"/>
+              <a:rPr lang="de-DE"/>
               <a:t>Formatvorlagen des Textmasters bearbeiten</a:t>
             </a:r>
           </a:p>
           <a:p>
             <a:pPr lvl="1"/>
             <a:r>
-              <a:rPr lang="de-DE" smtClean="0"/>
+              <a:rPr lang="de-DE"/>
               <a:t>Zweite Ebene</a:t>
             </a:r>
           </a:p>
           <a:p>
             <a:pPr lvl="2"/>
             <a:r>
-              <a:rPr lang="de-DE" smtClean="0"/>
+              <a:rPr lang="de-DE"/>
               <a:t>Dritte Ebene</a:t>
             </a:r>
           </a:p>
           <a:p>
             <a:pPr lvl="3"/>
             <a:r>
-              <a:rPr lang="de-DE" smtClean="0"/>
+              <a:rPr lang="de-DE"/>
               <a:t>Vierte Ebene</a:t>
             </a:r>
           </a:p>
           <a:p>
             <a:pPr lvl="4"/>
             <a:r>
-              <a:rPr lang="de-DE" smtClean="0"/>
+              <a:rPr lang="de-DE"/>
               <a:t>Fünfte Ebene</a:t>
             </a:r>
-            <a:endParaRPr lang="de-DE"/>
           </a:p>
         </p:txBody>
       </p:sp>
@@ -36108,7 +35409,7 @@
           <a:p>
             <a:fld id="{DAE76C1B-83F1-4715-B1BF-5B63C3EA389F}" type="datetimeFigureOut">
               <a:rPr lang="de-DE" smtClean="0"/>
-              <a:t>07.08.2018</a:t>
+              <a:t>17.08.2018</a:t>
             </a:fld>
             <a:endParaRPr lang="de-DE"/>
           </a:p>
@@ -36211,10 +35512,9 @@
           </a:lstStyle>
           <a:p>
             <a:r>
-              <a:rPr lang="de-DE" smtClean="0"/>
+              <a:rPr lang="de-DE"/>
               <a:t>Titelmasterformat durch Klicken bearbeiten</a:t>
             </a:r>
-            <a:endParaRPr lang="de-DE"/>
           </a:p>
         </p:txBody>
       </p:sp>
@@ -36331,7 +35631,7 @@
           <a:p>
             <a:pPr lvl="0"/>
             <a:r>
-              <a:rPr lang="de-DE" smtClean="0"/>
+              <a:rPr lang="de-DE"/>
               <a:t>Formatvorlagen des Textmasters bearbeiten</a:t>
             </a:r>
           </a:p>
@@ -36354,7 +35654,7 @@
           <a:p>
             <a:fld id="{DAE76C1B-83F1-4715-B1BF-5B63C3EA389F}" type="datetimeFigureOut">
               <a:rPr lang="de-DE" smtClean="0"/>
-              <a:t>07.08.2018</a:t>
+              <a:t>17.08.2018</a:t>
             </a:fld>
             <a:endParaRPr lang="de-DE"/>
           </a:p>
@@ -36448,10 +35748,9 @@
           <a:lstStyle/>
           <a:p>
             <a:r>
-              <a:rPr lang="de-DE" smtClean="0"/>
+              <a:rPr lang="de-DE"/>
               <a:t>Titelmasterformat durch Klicken bearbeiten</a:t>
             </a:r>
-            <a:endParaRPr lang="de-DE"/>
           </a:p>
         </p:txBody>
       </p:sp>
@@ -36477,38 +35776,37 @@
           <a:p>
             <a:pPr lvl="0"/>
             <a:r>
-              <a:rPr lang="de-DE" smtClean="0"/>
+              <a:rPr lang="de-DE"/>
               <a:t>Formatvorlagen des Textmasters bearbeiten</a:t>
             </a:r>
           </a:p>
           <a:p>
             <a:pPr lvl="1"/>
             <a:r>
-              <a:rPr lang="de-DE" smtClean="0"/>
+              <a:rPr lang="de-DE"/>
               <a:t>Zweite Ebene</a:t>
             </a:r>
           </a:p>
           <a:p>
             <a:pPr lvl="2"/>
             <a:r>
-              <a:rPr lang="de-DE" smtClean="0"/>
+              <a:rPr lang="de-DE"/>
               <a:t>Dritte Ebene</a:t>
             </a:r>
           </a:p>
           <a:p>
             <a:pPr lvl="3"/>
             <a:r>
-              <a:rPr lang="de-DE" smtClean="0"/>
+              <a:rPr lang="de-DE"/>
               <a:t>Vierte Ebene</a:t>
             </a:r>
           </a:p>
           <a:p>
             <a:pPr lvl="4"/>
             <a:r>
-              <a:rPr lang="de-DE" smtClean="0"/>
+              <a:rPr lang="de-DE"/>
               <a:t>Fünfte Ebene</a:t>
             </a:r>
-            <a:endParaRPr lang="de-DE"/>
           </a:p>
         </p:txBody>
       </p:sp>
@@ -36534,38 +35832,37 @@
           <a:p>
             <a:pPr lvl="0"/>
             <a:r>
-              <a:rPr lang="de-DE" smtClean="0"/>
+              <a:rPr lang="de-DE"/>
               <a:t>Formatvorlagen des Textmasters bearbeiten</a:t>
             </a:r>
           </a:p>
           <a:p>
             <a:pPr lvl="1"/>
             <a:r>
-              <a:rPr lang="de-DE" smtClean="0"/>
+              <a:rPr lang="de-DE"/>
               <a:t>Zweite Ebene</a:t>
             </a:r>
           </a:p>
           <a:p>
             <a:pPr lvl="2"/>
             <a:r>
-              <a:rPr lang="de-DE" smtClean="0"/>
+              <a:rPr lang="de-DE"/>
               <a:t>Dritte Ebene</a:t>
             </a:r>
           </a:p>
           <a:p>
             <a:pPr lvl="3"/>
             <a:r>
-              <a:rPr lang="de-DE" smtClean="0"/>
+              <a:rPr lang="de-DE"/>
               <a:t>Vierte Ebene</a:t>
             </a:r>
           </a:p>
           <a:p>
             <a:pPr lvl="4"/>
             <a:r>
-              <a:rPr lang="de-DE" smtClean="0"/>
+              <a:rPr lang="de-DE"/>
               <a:t>Fünfte Ebene</a:t>
             </a:r>
-            <a:endParaRPr lang="de-DE"/>
           </a:p>
         </p:txBody>
       </p:sp>
@@ -36586,7 +35883,7 @@
           <a:p>
             <a:fld id="{DAE76C1B-83F1-4715-B1BF-5B63C3EA389F}" type="datetimeFigureOut">
               <a:rPr lang="de-DE" smtClean="0"/>
-              <a:t>07.08.2018</a:t>
+              <a:t>17.08.2018</a:t>
             </a:fld>
             <a:endParaRPr lang="de-DE"/>
           </a:p>
@@ -36685,10 +35982,9 @@
           <a:lstStyle/>
           <a:p>
             <a:r>
-              <a:rPr lang="de-DE" smtClean="0"/>
+              <a:rPr lang="de-DE"/>
               <a:t>Titelmasterformat durch Klicken bearbeiten</a:t>
             </a:r>
-            <a:endParaRPr lang="de-DE"/>
           </a:p>
         </p:txBody>
       </p:sp>
@@ -36751,7 +36047,7 @@
           <a:p>
             <a:pPr lvl="0"/>
             <a:r>
-              <a:rPr lang="de-DE" smtClean="0"/>
+              <a:rPr lang="de-DE"/>
               <a:t>Formatvorlagen des Textmasters bearbeiten</a:t>
             </a:r>
           </a:p>
@@ -36779,38 +36075,37 @@
           <a:p>
             <a:pPr lvl="0"/>
             <a:r>
-              <a:rPr lang="de-DE" smtClean="0"/>
+              <a:rPr lang="de-DE"/>
               <a:t>Formatvorlagen des Textmasters bearbeiten</a:t>
             </a:r>
           </a:p>
           <a:p>
             <a:pPr lvl="1"/>
             <a:r>
-              <a:rPr lang="de-DE" smtClean="0"/>
+              <a:rPr lang="de-DE"/>
               <a:t>Zweite Ebene</a:t>
             </a:r>
           </a:p>
           <a:p>
             <a:pPr lvl="2"/>
             <a:r>
-              <a:rPr lang="de-DE" smtClean="0"/>
+              <a:rPr lang="de-DE"/>
               <a:t>Dritte Ebene</a:t>
             </a:r>
           </a:p>
           <a:p>
             <a:pPr lvl="3"/>
             <a:r>
-              <a:rPr lang="de-DE" smtClean="0"/>
+              <a:rPr lang="de-DE"/>
               <a:t>Vierte Ebene</a:t>
             </a:r>
           </a:p>
           <a:p>
             <a:pPr lvl="4"/>
             <a:r>
-              <a:rPr lang="de-DE" smtClean="0"/>
+              <a:rPr lang="de-DE"/>
               <a:t>Fünfte Ebene</a:t>
             </a:r>
-            <a:endParaRPr lang="de-DE"/>
           </a:p>
         </p:txBody>
       </p:sp>
@@ -36873,7 +36168,7 @@
           <a:p>
             <a:pPr lvl="0"/>
             <a:r>
-              <a:rPr lang="de-DE" smtClean="0"/>
+              <a:rPr lang="de-DE"/>
               <a:t>Formatvorlagen des Textmasters bearbeiten</a:t>
             </a:r>
           </a:p>
@@ -36901,38 +36196,37 @@
           <a:p>
             <a:pPr lvl="0"/>
             <a:r>
-              <a:rPr lang="de-DE" smtClean="0"/>
+              <a:rPr lang="de-DE"/>
               <a:t>Formatvorlagen des Textmasters bearbeiten</a:t>
             </a:r>
           </a:p>
           <a:p>
             <a:pPr lvl="1"/>
             <a:r>
-              <a:rPr lang="de-DE" smtClean="0"/>
+              <a:rPr lang="de-DE"/>
               <a:t>Zweite Ebene</a:t>
             </a:r>
           </a:p>
           <a:p>
             <a:pPr lvl="2"/>
             <a:r>
-              <a:rPr lang="de-DE" smtClean="0"/>
+              <a:rPr lang="de-DE"/>
               <a:t>Dritte Ebene</a:t>
             </a:r>
           </a:p>
           <a:p>
             <a:pPr lvl="3"/>
             <a:r>
-              <a:rPr lang="de-DE" smtClean="0"/>
+              <a:rPr lang="de-DE"/>
               <a:t>Vierte Ebene</a:t>
             </a:r>
           </a:p>
           <a:p>
             <a:pPr lvl="4"/>
             <a:r>
-              <a:rPr lang="de-DE" smtClean="0"/>
+              <a:rPr lang="de-DE"/>
               <a:t>Fünfte Ebene</a:t>
             </a:r>
-            <a:endParaRPr lang="de-DE"/>
           </a:p>
         </p:txBody>
       </p:sp>
@@ -36953,7 +36247,7 @@
           <a:p>
             <a:fld id="{DAE76C1B-83F1-4715-B1BF-5B63C3EA389F}" type="datetimeFigureOut">
               <a:rPr lang="de-DE" smtClean="0"/>
-              <a:t>07.08.2018</a:t>
+              <a:t>17.08.2018</a:t>
             </a:fld>
             <a:endParaRPr lang="de-DE"/>
           </a:p>
@@ -37047,10 +36341,9 @@
           <a:lstStyle/>
           <a:p>
             <a:r>
-              <a:rPr lang="de-DE" smtClean="0"/>
+              <a:rPr lang="de-DE"/>
               <a:t>Titelmasterformat durch Klicken bearbeiten</a:t>
             </a:r>
-            <a:endParaRPr lang="de-DE"/>
           </a:p>
         </p:txBody>
       </p:sp>
@@ -37071,7 +36364,7 @@
           <a:p>
             <a:fld id="{DAE76C1B-83F1-4715-B1BF-5B63C3EA389F}" type="datetimeFigureOut">
               <a:rPr lang="de-DE" smtClean="0"/>
-              <a:t>07.08.2018</a:t>
+              <a:t>17.08.2018</a:t>
             </a:fld>
             <a:endParaRPr lang="de-DE"/>
           </a:p>
@@ -37166,7 +36459,7 @@
           <a:p>
             <a:fld id="{DAE76C1B-83F1-4715-B1BF-5B63C3EA389F}" type="datetimeFigureOut">
               <a:rPr lang="de-DE" smtClean="0"/>
-              <a:t>07.08.2018</a:t>
+              <a:t>17.08.2018</a:t>
             </a:fld>
             <a:endParaRPr lang="de-DE"/>
           </a:p>
@@ -37269,10 +36562,9 @@
           </a:lstStyle>
           <a:p>
             <a:r>
-              <a:rPr lang="de-DE" smtClean="0"/>
+              <a:rPr lang="de-DE"/>
               <a:t>Titelmasterformat durch Klicken bearbeiten</a:t>
             </a:r>
-            <a:endParaRPr lang="de-DE"/>
           </a:p>
         </p:txBody>
       </p:sp>
@@ -37326,38 +36618,37 @@
           <a:p>
             <a:pPr lvl="0"/>
             <a:r>
-              <a:rPr lang="de-DE" smtClean="0"/>
+              <a:rPr lang="de-DE"/>
               <a:t>Formatvorlagen des Textmasters bearbeiten</a:t>
             </a:r>
           </a:p>
           <a:p>
             <a:pPr lvl="1"/>
             <a:r>
-              <a:rPr lang="de-DE" smtClean="0"/>
+              <a:rPr lang="de-DE"/>
               <a:t>Zweite Ebene</a:t>
             </a:r>
           </a:p>
           <a:p>
             <a:pPr lvl="2"/>
             <a:r>
-              <a:rPr lang="de-DE" smtClean="0"/>
+              <a:rPr lang="de-DE"/>
               <a:t>Dritte Ebene</a:t>
             </a:r>
           </a:p>
           <a:p>
             <a:pPr lvl="3"/>
             <a:r>
-              <a:rPr lang="de-DE" smtClean="0"/>
+              <a:rPr lang="de-DE"/>
               <a:t>Vierte Ebene</a:t>
             </a:r>
           </a:p>
           <a:p>
             <a:pPr lvl="4"/>
             <a:r>
-              <a:rPr lang="de-DE" smtClean="0"/>
+              <a:rPr lang="de-DE"/>
               <a:t>Fünfte Ebene</a:t>
             </a:r>
-            <a:endParaRPr lang="de-DE"/>
           </a:p>
         </p:txBody>
       </p:sp>
@@ -37420,7 +36711,7 @@
           <a:p>
             <a:pPr lvl="0"/>
             <a:r>
-              <a:rPr lang="de-DE" smtClean="0"/>
+              <a:rPr lang="de-DE"/>
               <a:t>Formatvorlagen des Textmasters bearbeiten</a:t>
             </a:r>
           </a:p>
@@ -37443,7 +36734,7 @@
           <a:p>
             <a:fld id="{DAE76C1B-83F1-4715-B1BF-5B63C3EA389F}" type="datetimeFigureOut">
               <a:rPr lang="de-DE" smtClean="0"/>
-              <a:t>07.08.2018</a:t>
+              <a:t>17.08.2018</a:t>
             </a:fld>
             <a:endParaRPr lang="de-DE"/>
           </a:p>
@@ -37546,10 +36837,9 @@
           </a:lstStyle>
           <a:p>
             <a:r>
-              <a:rPr lang="de-DE" smtClean="0"/>
+              <a:rPr lang="de-DE"/>
               <a:t>Titelmasterformat durch Klicken bearbeiten</a:t>
             </a:r>
-            <a:endParaRPr lang="de-DE"/>
           </a:p>
         </p:txBody>
       </p:sp>
@@ -37673,7 +36963,7 @@
           <a:p>
             <a:pPr lvl="0"/>
             <a:r>
-              <a:rPr lang="de-DE" smtClean="0"/>
+              <a:rPr lang="de-DE"/>
               <a:t>Formatvorlagen des Textmasters bearbeiten</a:t>
             </a:r>
           </a:p>
@@ -37696,7 +36986,7 @@
           <a:p>
             <a:fld id="{DAE76C1B-83F1-4715-B1BF-5B63C3EA389F}" type="datetimeFigureOut">
               <a:rPr lang="de-DE" smtClean="0"/>
-              <a:t>07.08.2018</a:t>
+              <a:t>17.08.2018</a:t>
             </a:fld>
             <a:endParaRPr lang="de-DE"/>
           </a:p>
@@ -37805,10 +37095,9 @@
           <a:lstStyle/>
           <a:p>
             <a:r>
-              <a:rPr lang="de-DE" smtClean="0"/>
+              <a:rPr lang="de-DE"/>
               <a:t>Titelmasterformat durch Klicken bearbeiten</a:t>
             </a:r>
-            <a:endParaRPr lang="de-DE"/>
           </a:p>
         </p:txBody>
       </p:sp>
@@ -37839,38 +37128,37 @@
           <a:p>
             <a:pPr lvl="0"/>
             <a:r>
-              <a:rPr lang="de-DE" smtClean="0"/>
+              <a:rPr lang="de-DE"/>
               <a:t>Formatvorlagen des Textmasters bearbeiten</a:t>
             </a:r>
           </a:p>
           <a:p>
             <a:pPr lvl="1"/>
             <a:r>
-              <a:rPr lang="de-DE" smtClean="0"/>
+              <a:rPr lang="de-DE"/>
               <a:t>Zweite Ebene</a:t>
             </a:r>
           </a:p>
           <a:p>
             <a:pPr lvl="2"/>
             <a:r>
-              <a:rPr lang="de-DE" smtClean="0"/>
+              <a:rPr lang="de-DE"/>
               <a:t>Dritte Ebene</a:t>
             </a:r>
           </a:p>
           <a:p>
             <a:pPr lvl="3"/>
             <a:r>
-              <a:rPr lang="de-DE" smtClean="0"/>
+              <a:rPr lang="de-DE"/>
               <a:t>Vierte Ebene</a:t>
             </a:r>
           </a:p>
           <a:p>
             <a:pPr lvl="4"/>
             <a:r>
-              <a:rPr lang="de-DE" smtClean="0"/>
+              <a:rPr lang="de-DE"/>
               <a:t>Fünfte Ebene</a:t>
             </a:r>
-            <a:endParaRPr lang="de-DE"/>
           </a:p>
         </p:txBody>
       </p:sp>
@@ -37909,7 +37197,7 @@
           <a:p>
             <a:fld id="{DAE76C1B-83F1-4715-B1BF-5B63C3EA389F}" type="datetimeFigureOut">
               <a:rPr lang="de-DE" smtClean="0"/>
-              <a:t>07.08.2018</a:t>
+              <a:t>17.08.2018</a:t>
             </a:fld>
             <a:endParaRPr lang="de-DE"/>
           </a:p>
@@ -38441,10 +37729,9 @@
           <a:lstStyle/>
           <a:p>
             <a:r>
-              <a:rPr lang="de-DE" sz="1100" dirty="0" smtClean="0"/>
+              <a:rPr lang="de-DE" sz="1100" dirty="0"/>
               <a:t>Adresse des Gerätes</a:t>
             </a:r>
-            <a:endParaRPr lang="de-DE" sz="1100" dirty="0"/>
           </a:p>
         </p:txBody>
       </p:sp>
@@ -38603,10 +37890,9 @@
           <a:lstStyle/>
           <a:p>
             <a:r>
-              <a:rPr lang="de-DE" sz="1100" dirty="0" smtClean="0"/>
+              <a:rPr lang="de-DE" sz="1100" dirty="0"/>
               <a:t>Ports</a:t>
             </a:r>
-            <a:endParaRPr lang="de-DE" sz="1100" dirty="0"/>
           </a:p>
         </p:txBody>
       </p:sp>
@@ -38666,10 +37952,9 @@
           <a:lstStyle/>
           <a:p>
             <a:r>
-              <a:rPr lang="de-DE" sz="1100" dirty="0" smtClean="0"/>
+              <a:rPr lang="de-DE" sz="1100" dirty="0"/>
               <a:t>Kante</a:t>
             </a:r>
-            <a:endParaRPr lang="de-DE" sz="1100" dirty="0"/>
           </a:p>
         </p:txBody>
       </p:sp>
@@ -38718,13 +38003,6 @@
   <p:clrMapOvr>
     <a:masterClrMapping/>
   </p:clrMapOvr>
-  <p:timing>
-    <p:tnLst>
-      <p:par>
-        <p:cTn id="1" dur="indefinite" restart="never" nodeType="tmRoot"/>
-      </p:par>
-    </p:tnLst>
-  </p:timing>
 </p:sld>
 </file>
 
@@ -38850,10 +38128,9 @@
           <a:p>
             <a:pPr algn="ctr"/>
             <a:r>
-              <a:rPr lang="de-DE" dirty="0" smtClean="0"/>
+              <a:rPr lang="de-DE" dirty="0"/>
               <a:t>Gerät 5</a:t>
             </a:r>
-            <a:endParaRPr lang="de-DE" dirty="0"/>
           </a:p>
         </p:txBody>
       </p:sp>
@@ -38917,10 +38194,9 @@
           <a:p>
             <a:pPr algn="ctr"/>
             <a:r>
-              <a:rPr lang="de-DE" dirty="0" smtClean="0"/>
+              <a:rPr lang="de-DE" dirty="0"/>
               <a:t>Gerät 6</a:t>
             </a:r>
-            <a:endParaRPr lang="de-DE" dirty="0"/>
           </a:p>
         </p:txBody>
       </p:sp>
@@ -38984,10 +38260,9 @@
           <a:p>
             <a:pPr algn="ctr"/>
             <a:r>
-              <a:rPr lang="de-DE" dirty="0" smtClean="0"/>
+              <a:rPr lang="de-DE" dirty="0"/>
               <a:t>Gerät 7</a:t>
             </a:r>
-            <a:endParaRPr lang="de-DE" dirty="0"/>
           </a:p>
         </p:txBody>
       </p:sp>
@@ -39051,10 +38326,9 @@
           <a:p>
             <a:pPr algn="ctr"/>
             <a:r>
-              <a:rPr lang="de-DE" dirty="0" smtClean="0"/>
+              <a:rPr lang="de-DE" dirty="0"/>
               <a:t>Gerät 2</a:t>
             </a:r>
-            <a:endParaRPr lang="de-DE" dirty="0"/>
           </a:p>
         </p:txBody>
       </p:sp>
@@ -39118,10 +38392,9 @@
           <a:p>
             <a:pPr algn="ctr"/>
             <a:r>
-              <a:rPr lang="de-DE" dirty="0" smtClean="0"/>
+              <a:rPr lang="de-DE" dirty="0"/>
               <a:t>Gerät 4</a:t>
             </a:r>
-            <a:endParaRPr lang="de-DE" dirty="0"/>
           </a:p>
         </p:txBody>
       </p:sp>
@@ -39185,10 +38458,9 @@
           <a:p>
             <a:pPr algn="ctr"/>
             <a:r>
-              <a:rPr lang="de-DE" dirty="0" smtClean="0"/>
+              <a:rPr lang="de-DE" dirty="0"/>
               <a:t>Gerät 1</a:t>
             </a:r>
-            <a:endParaRPr lang="de-DE" dirty="0"/>
           </a:p>
         </p:txBody>
       </p:sp>
@@ -39252,10 +38524,9 @@
           <a:p>
             <a:pPr algn="ctr"/>
             <a:r>
-              <a:rPr lang="de-DE" dirty="0" smtClean="0"/>
+              <a:rPr lang="de-DE" dirty="0"/>
               <a:t>Gerät 3</a:t>
             </a:r>
-            <a:endParaRPr lang="de-DE" dirty="0"/>
           </a:p>
         </p:txBody>
       </p:sp>
@@ -39505,13 +38776,6 @@
   <p:clrMapOvr>
     <a:masterClrMapping/>
   </p:clrMapOvr>
-  <p:timing>
-    <p:tnLst>
-      <p:par>
-        <p:cTn id="1" dur="indefinite" restart="never" nodeType="tmRoot"/>
-      </p:par>
-    </p:tnLst>
-  </p:timing>
 </p:sld>
 </file>
 
@@ -39637,10 +38901,9 @@
           <a:p>
             <a:pPr algn="ctr"/>
             <a:r>
-              <a:rPr lang="de-DE" dirty="0" smtClean="0"/>
+              <a:rPr lang="de-DE" dirty="0"/>
               <a:t>Gerät 5</a:t>
             </a:r>
-            <a:endParaRPr lang="de-DE" dirty="0"/>
           </a:p>
         </p:txBody>
       </p:sp>
@@ -39704,10 +38967,9 @@
           <a:p>
             <a:pPr algn="ctr"/>
             <a:r>
-              <a:rPr lang="de-DE" dirty="0" smtClean="0"/>
+              <a:rPr lang="de-DE" dirty="0"/>
               <a:t>Gerät 6</a:t>
             </a:r>
-            <a:endParaRPr lang="de-DE" dirty="0"/>
           </a:p>
         </p:txBody>
       </p:sp>
@@ -39771,10 +39033,9 @@
           <a:p>
             <a:pPr algn="ctr"/>
             <a:r>
-              <a:rPr lang="de-DE" dirty="0" smtClean="0"/>
+              <a:rPr lang="de-DE" dirty="0"/>
               <a:t>Gerät 7</a:t>
             </a:r>
-            <a:endParaRPr lang="de-DE" dirty="0"/>
           </a:p>
         </p:txBody>
       </p:sp>
@@ -39838,10 +39099,9 @@
           <a:p>
             <a:pPr algn="ctr"/>
             <a:r>
-              <a:rPr lang="de-DE" dirty="0" smtClean="0"/>
+              <a:rPr lang="de-DE" dirty="0"/>
               <a:t>Gerät 2</a:t>
             </a:r>
-            <a:endParaRPr lang="de-DE" dirty="0"/>
           </a:p>
         </p:txBody>
       </p:sp>
@@ -39905,10 +39165,9 @@
           <a:p>
             <a:pPr algn="ctr"/>
             <a:r>
-              <a:rPr lang="de-DE" dirty="0" smtClean="0"/>
+              <a:rPr lang="de-DE" dirty="0"/>
               <a:t>Gerät 4</a:t>
             </a:r>
-            <a:endParaRPr lang="de-DE" dirty="0"/>
           </a:p>
         </p:txBody>
       </p:sp>
@@ -39972,10 +39231,9 @@
           <a:p>
             <a:pPr algn="ctr"/>
             <a:r>
-              <a:rPr lang="de-DE" dirty="0" smtClean="0"/>
+              <a:rPr lang="de-DE" dirty="0"/>
               <a:t>Gerät 1</a:t>
             </a:r>
-            <a:endParaRPr lang="de-DE" dirty="0"/>
           </a:p>
         </p:txBody>
       </p:sp>
@@ -40039,10 +39297,9 @@
           <a:p>
             <a:pPr algn="ctr"/>
             <a:r>
-              <a:rPr lang="de-DE" dirty="0" smtClean="0"/>
+              <a:rPr lang="de-DE" dirty="0"/>
               <a:t>Gerät 3</a:t>
             </a:r>
-            <a:endParaRPr lang="de-DE" dirty="0"/>
           </a:p>
         </p:txBody>
       </p:sp>
@@ -40484,13 +39741,6 @@
   <p:clrMapOvr>
     <a:masterClrMapping/>
   </p:clrMapOvr>
-  <p:timing>
-    <p:tnLst>
-      <p:par>
-        <p:cTn id="1" dur="indefinite" restart="never" nodeType="tmRoot"/>
-      </p:par>
-    </p:tnLst>
-  </p:timing>
 </p:sld>
 </file>
 
@@ -40628,10 +39878,9 @@
           <a:lstStyle/>
           <a:p>
             <a:r>
-              <a:rPr lang="de-DE" sz="1100" dirty="0" smtClean="0"/>
+              <a:rPr lang="de-DE" sz="1100" dirty="0"/>
               <a:t>Ports</a:t>
             </a:r>
-            <a:endParaRPr lang="de-DE" sz="1100" dirty="0"/>
           </a:p>
         </p:txBody>
       </p:sp>
@@ -40897,13 +40146,6 @@
   <p:clrMapOvr>
     <a:masterClrMapping/>
   </p:clrMapOvr>
-  <p:timing>
-    <p:tnLst>
-      <p:par>
-        <p:cTn id="1" dur="indefinite" restart="never" nodeType="tmRoot"/>
-      </p:par>
-    </p:tnLst>
-  </p:timing>
 </p:sld>
 </file>
 
@@ -41200,7 +40442,7 @@
           <a:p>
             <a:pPr algn="ctr"/>
             <a:r>
-              <a:rPr lang="de-DE" dirty="0" err="1" smtClean="0">
+              <a:rPr lang="de-DE" dirty="0" err="1">
                 <a:solidFill>
                   <a:schemeClr val="tx1"/>
                 </a:solidFill>
@@ -41257,10 +40499,9 @@
           <a:p>
             <a:pPr algn="ctr"/>
             <a:r>
-              <a:rPr lang="de-DE" dirty="0" smtClean="0"/>
+              <a:rPr lang="de-DE" dirty="0"/>
               <a:t>JSON /XML</a:t>
             </a:r>
-            <a:endParaRPr lang="de-DE" dirty="0"/>
           </a:p>
         </p:txBody>
       </p:sp>
@@ -41309,18 +40550,13 @@
           <a:p>
             <a:pPr algn="ctr"/>
             <a:r>
-              <a:rPr lang="de-DE" dirty="0" smtClean="0">
+              <a:rPr lang="de-DE" dirty="0">
                 <a:solidFill>
                   <a:schemeClr val="tx1"/>
                 </a:solidFill>
               </a:rPr>
               <a:t> Angular Applikation</a:t>
             </a:r>
-            <a:endParaRPr lang="de-DE" dirty="0">
-              <a:solidFill>
-                <a:schemeClr val="tx1"/>
-              </a:solidFill>
-            </a:endParaRPr>
           </a:p>
         </p:txBody>
       </p:sp>
@@ -41367,7 +40603,7 @@
           <a:p>
             <a:pPr algn="ctr"/>
             <a:r>
-              <a:rPr lang="de-DE" dirty="0" err="1" smtClean="0">
+              <a:rPr lang="de-DE" dirty="0" err="1">
                 <a:solidFill>
                   <a:schemeClr val="tx1"/>
                 </a:solidFill>
@@ -41732,10 +40968,9 @@
           <a:lstStyle/>
           <a:p>
             <a:r>
-              <a:rPr lang="de-DE" dirty="0" smtClean="0"/>
+              <a:rPr lang="de-DE" dirty="0"/>
               <a:t>Client-Seite</a:t>
             </a:r>
-            <a:endParaRPr lang="de-DE" dirty="0"/>
           </a:p>
         </p:txBody>
       </p:sp>
@@ -41762,10 +40997,9 @@
           <a:lstStyle/>
           <a:p>
             <a:r>
-              <a:rPr lang="de-DE" dirty="0" smtClean="0"/>
+              <a:rPr lang="de-DE" dirty="0"/>
               <a:t>Server-seite</a:t>
             </a:r>
-            <a:endParaRPr lang="de-DE" dirty="0"/>
           </a:p>
         </p:txBody>
       </p:sp>
@@ -41839,13 +41073,6 @@
   <p:clrMapOvr>
     <a:masterClrMapping/>
   </p:clrMapOvr>
-  <p:timing>
-    <p:tnLst>
-      <p:par>
-        <p:cTn id="1" dur="indefinite" restart="never" nodeType="tmRoot"/>
-      </p:par>
-    </p:tnLst>
-  </p:timing>
 </p:sld>
 </file>
 
@@ -42054,18 +41281,13 @@
           <a:p>
             <a:pPr algn="ctr"/>
             <a:r>
-              <a:rPr lang="de-DE" dirty="0" smtClean="0">
+              <a:rPr lang="de-DE" dirty="0">
                 <a:solidFill>
                   <a:schemeClr val="bg1"/>
                 </a:solidFill>
               </a:rPr>
               <a:t>AppModule</a:t>
             </a:r>
-            <a:endParaRPr lang="de-DE" dirty="0">
-              <a:solidFill>
-                <a:schemeClr val="bg1"/>
-              </a:solidFill>
-            </a:endParaRPr>
           </a:p>
         </p:txBody>
       </p:sp>
@@ -42135,18 +41357,13 @@
           <a:p>
             <a:pPr algn="ctr"/>
             <a:r>
-              <a:rPr lang="de-DE" dirty="0" smtClean="0">
+              <a:rPr lang="de-DE" dirty="0">
                 <a:solidFill>
                   <a:schemeClr val="bg1"/>
                 </a:solidFill>
               </a:rPr>
               <a:t>Modules</a:t>
             </a:r>
-            <a:endParaRPr lang="de-DE" dirty="0">
-              <a:solidFill>
-                <a:schemeClr val="bg1"/>
-              </a:solidFill>
-            </a:endParaRPr>
           </a:p>
         </p:txBody>
       </p:sp>
@@ -42216,18 +41433,13 @@
           <a:p>
             <a:pPr algn="ctr"/>
             <a:r>
-              <a:rPr lang="de-DE" dirty="0" smtClean="0">
+              <a:rPr lang="de-DE" dirty="0">
                 <a:solidFill>
                   <a:schemeClr val="bg1"/>
                 </a:solidFill>
               </a:rPr>
               <a:t>Modules</a:t>
             </a:r>
-            <a:endParaRPr lang="de-DE" dirty="0">
-              <a:solidFill>
-                <a:schemeClr val="bg1"/>
-              </a:solidFill>
-            </a:endParaRPr>
           </a:p>
         </p:txBody>
       </p:sp>
@@ -42297,18 +41509,13 @@
           <a:p>
             <a:pPr algn="ctr"/>
             <a:r>
-              <a:rPr lang="de-DE" dirty="0" smtClean="0">
+              <a:rPr lang="de-DE" dirty="0">
                 <a:solidFill>
                   <a:schemeClr val="bg1"/>
                 </a:solidFill>
               </a:rPr>
               <a:t>Modules</a:t>
             </a:r>
-            <a:endParaRPr lang="de-DE" dirty="0">
-              <a:solidFill>
-                <a:schemeClr val="bg1"/>
-              </a:solidFill>
-            </a:endParaRPr>
           </a:p>
         </p:txBody>
       </p:sp>
@@ -42373,10 +41580,9 @@
           <a:lstStyle/>
           <a:p>
             <a:r>
-              <a:rPr lang="de-DE" dirty="0" smtClean="0"/>
+              <a:rPr lang="de-DE" dirty="0"/>
               <a:t>nutzt</a:t>
             </a:r>
-            <a:endParaRPr lang="de-DE" dirty="0"/>
           </a:p>
         </p:txBody>
       </p:sp>
@@ -42498,18 +41704,13 @@
           <a:p>
             <a:pPr algn="ctr"/>
             <a:r>
-              <a:rPr lang="de-DE" dirty="0" smtClean="0">
+              <a:rPr lang="de-DE" dirty="0">
                 <a:solidFill>
                   <a:schemeClr val="bg1"/>
                 </a:solidFill>
               </a:rPr>
               <a:t>Controller</a:t>
             </a:r>
-            <a:endParaRPr lang="de-DE" dirty="0">
-              <a:solidFill>
-                <a:schemeClr val="bg1"/>
-              </a:solidFill>
-            </a:endParaRPr>
           </a:p>
         </p:txBody>
       </p:sp>
@@ -42579,18 +41780,13 @@
           <a:p>
             <a:pPr algn="ctr"/>
             <a:r>
-              <a:rPr lang="de-DE" dirty="0" smtClean="0">
+              <a:rPr lang="de-DE" dirty="0">
                 <a:solidFill>
                   <a:schemeClr val="bg1"/>
                 </a:solidFill>
               </a:rPr>
               <a:t>Model</a:t>
             </a:r>
-            <a:endParaRPr lang="de-DE" dirty="0">
-              <a:solidFill>
-                <a:schemeClr val="bg1"/>
-              </a:solidFill>
-            </a:endParaRPr>
           </a:p>
         </p:txBody>
       </p:sp>
@@ -42660,18 +41856,13 @@
           <a:p>
             <a:pPr algn="ctr"/>
             <a:r>
-              <a:rPr lang="de-DE" dirty="0" smtClean="0">
+              <a:rPr lang="de-DE" dirty="0">
                 <a:solidFill>
                   <a:schemeClr val="bg1"/>
                 </a:solidFill>
               </a:rPr>
               <a:t>Controller</a:t>
             </a:r>
-            <a:endParaRPr lang="de-DE" dirty="0">
-              <a:solidFill>
-                <a:schemeClr val="bg1"/>
-              </a:solidFill>
-            </a:endParaRPr>
           </a:p>
         </p:txBody>
       </p:sp>
@@ -42741,18 +41932,13 @@
           <a:p>
             <a:pPr algn="ctr"/>
             <a:r>
-              <a:rPr lang="de-DE" dirty="0" smtClean="0">
+              <a:rPr lang="de-DE" dirty="0">
                 <a:solidFill>
                   <a:schemeClr val="bg1"/>
                 </a:solidFill>
               </a:rPr>
               <a:t>Controller</a:t>
             </a:r>
-            <a:endParaRPr lang="de-DE" dirty="0">
-              <a:solidFill>
-                <a:schemeClr val="bg1"/>
-              </a:solidFill>
-            </a:endParaRPr>
           </a:p>
         </p:txBody>
       </p:sp>
@@ -42822,18 +42008,13 @@
           <a:p>
             <a:pPr algn="ctr"/>
             <a:r>
-              <a:rPr lang="de-DE" dirty="0" smtClean="0">
+              <a:rPr lang="de-DE" dirty="0">
                 <a:solidFill>
                   <a:schemeClr val="bg1"/>
                 </a:solidFill>
               </a:rPr>
               <a:t>Model</a:t>
             </a:r>
-            <a:endParaRPr lang="de-DE" dirty="0">
-              <a:solidFill>
-                <a:schemeClr val="bg1"/>
-              </a:solidFill>
-            </a:endParaRPr>
           </a:p>
         </p:txBody>
       </p:sp>
@@ -42903,18 +42084,13 @@
           <a:p>
             <a:pPr algn="ctr"/>
             <a:r>
-              <a:rPr lang="de-DE" dirty="0" smtClean="0">
+              <a:rPr lang="de-DE" dirty="0">
                 <a:solidFill>
                   <a:schemeClr val="bg1"/>
                 </a:solidFill>
               </a:rPr>
               <a:t>Model</a:t>
             </a:r>
-            <a:endParaRPr lang="de-DE" dirty="0">
-              <a:solidFill>
-                <a:schemeClr val="bg1"/>
-              </a:solidFill>
-            </a:endParaRPr>
           </a:p>
         </p:txBody>
       </p:sp>
@@ -42984,7 +42160,7 @@
           <a:p>
             <a:pPr algn="ctr"/>
             <a:r>
-              <a:rPr lang="de-DE" dirty="0" err="1" smtClean="0">
+              <a:rPr lang="de-DE" dirty="0" err="1">
                 <a:solidFill>
                   <a:schemeClr val="bg1"/>
                 </a:solidFill>
@@ -43273,18 +42449,13 @@
           <a:p>
             <a:pPr algn="ctr"/>
             <a:r>
-              <a:rPr lang="de-DE" dirty="0" smtClean="0">
+              <a:rPr lang="de-DE" dirty="0">
                 <a:solidFill>
                   <a:schemeClr val="tx1"/>
                 </a:solidFill>
               </a:rPr>
               <a:t>Fieldbusse</a:t>
             </a:r>
-            <a:endParaRPr lang="de-DE" dirty="0">
-              <a:solidFill>
-                <a:schemeClr val="tx1"/>
-              </a:solidFill>
-            </a:endParaRPr>
           </a:p>
         </p:txBody>
       </p:sp>
@@ -43573,10 +42744,9 @@
           <a:lstStyle/>
           <a:p>
             <a:r>
-              <a:rPr lang="de-DE" dirty="0" smtClean="0"/>
+              <a:rPr lang="de-DE" dirty="0"/>
               <a:t>HTTP Anfrage</a:t>
             </a:r>
-            <a:endParaRPr lang="de-DE" dirty="0"/>
           </a:p>
         </p:txBody>
       </p:sp>
@@ -43603,10 +42773,9 @@
           <a:lstStyle/>
           <a:p>
             <a:r>
-              <a:rPr lang="de-DE" dirty="0" smtClean="0"/>
+              <a:rPr lang="de-DE" dirty="0"/>
               <a:t>HTTP Antwort</a:t>
             </a:r>
-            <a:endParaRPr lang="de-DE" dirty="0"/>
           </a:p>
         </p:txBody>
       </p:sp>
@@ -43633,11 +42802,11 @@
           <a:lstStyle/>
           <a:p>
             <a:r>
-              <a:rPr lang="de-DE" dirty="0" smtClean="0"/>
+              <a:rPr lang="de-DE" dirty="0"/>
               <a:t>Angular </a:t>
             </a:r>
             <a:r>
-              <a:rPr lang="de-DE" dirty="0" err="1" smtClean="0"/>
+              <a:rPr lang="de-DE" dirty="0" err="1"/>
               <a:t>app</a:t>
             </a:r>
             <a:endParaRPr lang="de-DE" dirty="0"/>
@@ -43667,11 +42836,11 @@
           <a:lstStyle/>
           <a:p>
             <a:r>
-              <a:rPr lang="de-DE" dirty="0" smtClean="0"/>
+              <a:rPr lang="de-DE" dirty="0"/>
               <a:t>MVC </a:t>
             </a:r>
             <a:r>
-              <a:rPr lang="de-DE" dirty="0" err="1" smtClean="0"/>
+              <a:rPr lang="de-DE" dirty="0" err="1"/>
               <a:t>app</a:t>
             </a:r>
             <a:endParaRPr lang="de-DE" dirty="0"/>
@@ -43853,11 +43022,11 @@
           <a:lstStyle/>
           <a:p>
             <a:r>
-              <a:rPr lang="de-DE" dirty="0" smtClean="0"/>
+              <a:rPr lang="de-DE" dirty="0"/>
               <a:t>Read/</a:t>
             </a:r>
             <a:r>
-              <a:rPr lang="de-DE" dirty="0" err="1" smtClean="0"/>
+              <a:rPr lang="de-DE" dirty="0" err="1"/>
               <a:t>write</a:t>
             </a:r>
             <a:endParaRPr lang="de-DE" dirty="0"/>
@@ -43988,13 +43157,6 @@
   <p:clrMapOvr>
     <a:masterClrMapping/>
   </p:clrMapOvr>
-  <p:timing>
-    <p:tnLst>
-      <p:par>
-        <p:cTn id="1" dur="indefinite" restart="never" nodeType="tmRoot"/>
-      </p:par>
-    </p:tnLst>
-  </p:timing>
 </p:sld>
 </file>
 
@@ -44171,18 +43333,13 @@
           <a:p>
             <a:pPr algn="ctr"/>
             <a:r>
-              <a:rPr lang="de-DE" dirty="0" smtClean="0">
+              <a:rPr lang="de-DE" dirty="0">
                 <a:solidFill>
                   <a:schemeClr val="bg1"/>
                 </a:solidFill>
               </a:rPr>
               <a:t>AppModule</a:t>
             </a:r>
-            <a:endParaRPr lang="de-DE" dirty="0">
-              <a:solidFill>
-                <a:schemeClr val="bg1"/>
-              </a:solidFill>
-            </a:endParaRPr>
           </a:p>
         </p:txBody>
       </p:sp>
@@ -44325,18 +43482,13 @@
           <a:p>
             <a:pPr algn="ctr"/>
             <a:r>
-              <a:rPr lang="de-DE" dirty="0" smtClean="0">
+              <a:rPr lang="de-DE" dirty="0">
                 <a:solidFill>
                   <a:schemeClr val="bg1"/>
                 </a:solidFill>
               </a:rPr>
               <a:t>Module A</a:t>
             </a:r>
-            <a:endParaRPr lang="de-DE" dirty="0">
-              <a:solidFill>
-                <a:schemeClr val="bg1"/>
-              </a:solidFill>
-            </a:endParaRPr>
           </a:p>
         </p:txBody>
       </p:sp>
@@ -44406,18 +43558,13 @@
           <a:p>
             <a:pPr algn="ctr"/>
             <a:r>
-              <a:rPr lang="de-DE" dirty="0" smtClean="0">
+              <a:rPr lang="de-DE" dirty="0">
                 <a:solidFill>
                   <a:schemeClr val="bg1"/>
                 </a:solidFill>
               </a:rPr>
               <a:t>Modules</a:t>
             </a:r>
-            <a:endParaRPr lang="de-DE" dirty="0">
-              <a:solidFill>
-                <a:schemeClr val="bg1"/>
-              </a:solidFill>
-            </a:endParaRPr>
           </a:p>
         </p:txBody>
       </p:sp>
@@ -44818,18 +43965,13 @@
           <a:p>
             <a:pPr algn="ctr"/>
             <a:r>
-              <a:rPr lang="de-DE" dirty="0" smtClean="0">
+              <a:rPr lang="de-DE" dirty="0">
                 <a:solidFill>
                   <a:schemeClr val="bg1"/>
                 </a:solidFill>
               </a:rPr>
               <a:t>Externe Modules</a:t>
             </a:r>
-            <a:endParaRPr lang="de-DE" dirty="0">
-              <a:solidFill>
-                <a:schemeClr val="bg1"/>
-              </a:solidFill>
-            </a:endParaRPr>
           </a:p>
         </p:txBody>
       </p:sp>
@@ -45045,18 +44187,13 @@
           <a:p>
             <a:pPr algn="ctr"/>
             <a:r>
-              <a:rPr lang="de-DE" dirty="0" smtClean="0">
+              <a:rPr lang="de-DE" dirty="0">
                 <a:solidFill>
                   <a:schemeClr val="bg1"/>
                 </a:solidFill>
               </a:rPr>
               <a:t>Angular Modules</a:t>
             </a:r>
-            <a:endParaRPr lang="de-DE" dirty="0">
-              <a:solidFill>
-                <a:schemeClr val="bg1"/>
-              </a:solidFill>
-            </a:endParaRPr>
           </a:p>
         </p:txBody>
       </p:sp>
@@ -45318,18 +44455,9 @@
           <a:lstStyle/>
           <a:p>
             <a:r>
-              <a:rPr lang="de-DE" sz="1200" dirty="0" smtClean="0"/>
-              <a:t> Angular </a:t>
+              <a:rPr lang="de-DE" sz="1200" dirty="0"/>
+              <a:t> Angular bzw. Externe Bibliotheken bieten</a:t>
             </a:r>
-            <a:r>
-              <a:rPr lang="de-DE" sz="1200" dirty="0"/>
-              <a:t>bzw. </a:t>
-            </a:r>
-            <a:r>
-              <a:rPr lang="de-DE" sz="1200" dirty="0" smtClean="0"/>
-              <a:t>Externe Bibliotheken bieten</a:t>
-            </a:r>
-            <a:endParaRPr lang="de-DE" sz="1200" dirty="0"/>
           </a:p>
         </p:txBody>
       </p:sp>
@@ -45372,13 +44500,6 @@
   <p:clrMapOvr>
     <a:masterClrMapping/>
   </p:clrMapOvr>
-  <p:timing>
-    <p:tnLst>
-      <p:par>
-        <p:cTn id="1" dur="indefinite" restart="never" nodeType="tmRoot"/>
-      </p:par>
-    </p:tnLst>
-  </p:timing>
 </p:sld>
 </file>
 
@@ -45560,22 +44681,17 @@
           <a:lstStyle/>
           <a:p>
             <a:r>
-              <a:rPr lang="de-DE" dirty="0" smtClean="0"/>
+              <a:rPr lang="de-DE" dirty="0"/>
               <a:t> </a:t>
             </a:r>
             <a:r>
-              <a:rPr lang="de-DE" b="1" dirty="0" smtClean="0">
+              <a:rPr lang="de-DE" b="1" dirty="0">
                 <a:solidFill>
                   <a:schemeClr val="bg1"/>
                 </a:solidFill>
               </a:rPr>
               <a:t>PROFIBUS</a:t>
             </a:r>
-            <a:endParaRPr lang="de-DE" b="1" dirty="0">
-              <a:solidFill>
-                <a:schemeClr val="bg1"/>
-              </a:solidFill>
-            </a:endParaRPr>
           </a:p>
         </p:txBody>
       </p:sp>
@@ -45846,7 +44962,7 @@
         <p:spPr>
           <a:xfrm>
             <a:off x="2181096" y="4251145"/>
-            <a:ext cx="1409897" cy="1124107"/>
+            <a:ext cx="1442323" cy="1124107"/>
           </a:xfrm>
           <a:prstGeom prst="rect">
             <a:avLst/>
@@ -46119,22 +45235,17 @@
           <a:lstStyle/>
           <a:p>
             <a:r>
-              <a:rPr lang="de-DE" dirty="0" smtClean="0"/>
+              <a:rPr lang="de-DE" dirty="0"/>
               <a:t> </a:t>
             </a:r>
             <a:r>
-              <a:rPr lang="de-DE" b="1" dirty="0" smtClean="0">
+              <a:rPr lang="de-DE" b="1" dirty="0">
                 <a:solidFill>
                   <a:schemeClr val="bg1"/>
                 </a:solidFill>
               </a:rPr>
               <a:t>PROFIBUS</a:t>
             </a:r>
-            <a:endParaRPr lang="de-DE" b="1" dirty="0">
-              <a:solidFill>
-                <a:schemeClr val="bg1"/>
-              </a:solidFill>
-            </a:endParaRPr>
           </a:p>
         </p:txBody>
       </p:sp>
@@ -46148,13 +45259,6 @@
   <p:clrMapOvr>
     <a:masterClrMapping/>
   </p:clrMapOvr>
-  <p:timing>
-    <p:tnLst>
-      <p:par>
-        <p:cTn id="1" dur="indefinite" restart="never" nodeType="tmRoot"/>
-      </p:par>
-    </p:tnLst>
-  </p:timing>
 </p:sld>
 </file>
 
@@ -46243,10 +45347,9 @@
           <a:lstStyle/>
           <a:p>
             <a:r>
-              <a:rPr lang="de-DE" dirty="0" smtClean="0"/>
+              <a:rPr lang="de-DE" dirty="0"/>
               <a:t>Managers</a:t>
             </a:r>
-            <a:endParaRPr lang="de-DE" dirty="0"/>
           </a:p>
         </p:txBody>
       </p:sp>
@@ -46383,10 +45486,9 @@
           <a:lstStyle/>
           <a:p>
             <a:r>
-              <a:rPr lang="de-DE" sz="1400" b="1" dirty="0" smtClean="0"/>
+              <a:rPr lang="de-DE" sz="1400" b="1" dirty="0"/>
               <a:t>CommunicationStudio</a:t>
             </a:r>
-            <a:endParaRPr lang="de-DE" sz="1400" b="1" dirty="0"/>
           </a:p>
         </p:txBody>
       </p:sp>
@@ -46483,10 +45585,9 @@
           <a:lstStyle/>
           <a:p>
             <a:r>
-              <a:rPr lang="de-DE" dirty="0" smtClean="0"/>
+              <a:rPr lang="de-DE" dirty="0"/>
               <a:t>WebAPI(Module)</a:t>
             </a:r>
-            <a:endParaRPr lang="de-DE" dirty="0"/>
           </a:p>
         </p:txBody>
       </p:sp>
@@ -46530,10 +45631,9 @@
           <a:p>
             <a:pPr algn="ctr"/>
             <a:r>
-              <a:rPr lang="de-DE" dirty="0" smtClean="0"/>
+              <a:rPr lang="de-DE" dirty="0"/>
               <a:t>Controllers</a:t>
             </a:r>
-            <a:endParaRPr lang="de-DE" dirty="0"/>
           </a:p>
         </p:txBody>
       </p:sp>
@@ -46565,10 +45665,9 @@
           <a:lstStyle/>
           <a:p>
             <a:r>
-              <a:rPr lang="de-DE" dirty="0" smtClean="0"/>
+              <a:rPr lang="de-DE" dirty="0"/>
               <a:t>Facades</a:t>
             </a:r>
-            <a:endParaRPr lang="de-DE" dirty="0"/>
           </a:p>
         </p:txBody>
       </p:sp>
@@ -46669,10 +45768,9 @@
           <a:lstStyle/>
           <a:p>
             <a:r>
-              <a:rPr lang="de-DE" dirty="0" smtClean="0"/>
+              <a:rPr lang="de-DE" dirty="0"/>
               <a:t>Interfaces</a:t>
             </a:r>
-            <a:endParaRPr lang="de-DE" dirty="0"/>
           </a:p>
         </p:txBody>
       </p:sp>
@@ -46704,10 +45802,9 @@
           <a:lstStyle/>
           <a:p>
             <a:r>
-              <a:rPr lang="de-DE" dirty="0" smtClean="0"/>
+              <a:rPr lang="de-DE" dirty="0"/>
               <a:t>Events</a:t>
             </a:r>
-            <a:endParaRPr lang="de-DE" dirty="0"/>
           </a:p>
         </p:txBody>
       </p:sp>
@@ -46739,10 +45836,9 @@
           <a:lstStyle/>
           <a:p>
             <a:r>
-              <a:rPr lang="de-DE" dirty="0" smtClean="0"/>
+              <a:rPr lang="de-DE" dirty="0"/>
               <a:t>Models</a:t>
             </a:r>
-            <a:endParaRPr lang="de-DE" dirty="0"/>
           </a:p>
         </p:txBody>
       </p:sp>
@@ -46811,10 +45907,9 @@
           <a:p>
             <a:pPr algn="ctr"/>
             <a:r>
-              <a:rPr lang="de-DE" sz="1200" b="1" dirty="0" smtClean="0"/>
+              <a:rPr lang="de-DE" sz="1200" b="1" dirty="0"/>
               <a:t>TopologyEditor Library</a:t>
             </a:r>
-            <a:endParaRPr lang="de-DE" sz="1200" b="1" dirty="0"/>
           </a:p>
         </p:txBody>
       </p:sp>
@@ -46874,14 +45969,13 @@
           <a:lstStyle/>
           <a:p>
             <a:r>
-              <a:rPr lang="de-DE" sz="1400" dirty="0" smtClean="0"/>
+              <a:rPr lang="de-DE" sz="1400" dirty="0"/>
               <a:t>e.g. </a:t>
             </a:r>
             <a:r>
-              <a:rPr lang="de-DE" sz="1200" dirty="0" smtClean="0"/>
+              <a:rPr lang="de-DE" sz="1200" dirty="0"/>
               <a:t>INodeManager</a:t>
             </a:r>
-            <a:endParaRPr lang="de-DE" sz="1200" dirty="0"/>
           </a:p>
         </p:txBody>
       </p:sp>
@@ -47050,10 +46144,9 @@
           <a:lstStyle/>
           <a:p>
             <a:r>
-              <a:rPr lang="de-DE" sz="1200" dirty="0" smtClean="0"/>
+              <a:rPr lang="de-DE" sz="1200" dirty="0"/>
               <a:t>e.g. IDataAccessFassade</a:t>
             </a:r>
-            <a:endParaRPr lang="de-DE" sz="1200" dirty="0"/>
           </a:p>
         </p:txBody>
       </p:sp>
@@ -47113,10 +46206,9 @@
           <a:lstStyle/>
           <a:p>
             <a:r>
-              <a:rPr lang="de-DE" sz="1400" dirty="0" smtClean="0"/>
+              <a:rPr lang="de-DE" sz="1400" dirty="0"/>
               <a:t>e.g. NodeController</a:t>
             </a:r>
-            <a:endParaRPr lang="de-DE" sz="1400" dirty="0"/>
           </a:p>
         </p:txBody>
       </p:sp>
@@ -47181,10 +46273,9 @@
           <a:lstStyle/>
           <a:p>
             <a:r>
-              <a:rPr lang="de-DE" dirty="0" smtClean="0"/>
+              <a:rPr lang="de-DE" dirty="0"/>
               <a:t>Managers</a:t>
             </a:r>
-            <a:endParaRPr lang="de-DE" dirty="0"/>
           </a:p>
         </p:txBody>
       </p:sp>
@@ -47244,10 +46335,9 @@
           <a:lstStyle/>
           <a:p>
             <a:r>
-              <a:rPr lang="de-DE" sz="1400" dirty="0" smtClean="0"/>
+              <a:rPr lang="de-DE" sz="1400" dirty="0"/>
               <a:t>e.g. Node, Link</a:t>
             </a:r>
-            <a:endParaRPr lang="de-DE" sz="1400" dirty="0"/>
           </a:p>
         </p:txBody>
       </p:sp>
@@ -47309,18 +46399,9 @@
           <a:lstStyle/>
           <a:p>
             <a:r>
-              <a:rPr lang="de-DE" sz="1400" dirty="0" smtClean="0"/>
-              <a:t>e.g. </a:t>
+              <a:rPr lang="de-DE" sz="1400" dirty="0"/>
+              <a:t>e.g. OnComplete</a:t>
             </a:r>
-            <a:r>
-              <a:rPr lang="de-DE" sz="1400" dirty="0"/>
-              <a:t>O</a:t>
-            </a:r>
-            <a:r>
-              <a:rPr lang="de-DE" sz="1400" dirty="0" smtClean="0"/>
-              <a:t>nComplete</a:t>
-            </a:r>
-            <a:endParaRPr lang="de-DE" sz="1400" dirty="0"/>
           </a:p>
         </p:txBody>
       </p:sp>
@@ -47352,10 +46433,9 @@
           <a:lstStyle/>
           <a:p>
             <a:r>
-              <a:rPr lang="de-DE" dirty="0" smtClean="0"/>
+              <a:rPr lang="de-DE" dirty="0"/>
               <a:t>Utils</a:t>
             </a:r>
-            <a:endParaRPr lang="de-DE" dirty="0"/>
           </a:p>
         </p:txBody>
       </p:sp>
@@ -47415,10 +46495,9 @@
           <a:lstStyle/>
           <a:p>
             <a:r>
-              <a:rPr lang="de-DE" sz="1400" dirty="0" smtClean="0"/>
+              <a:rPr lang="de-DE" sz="1400" dirty="0"/>
               <a:t>e.g. DataAccessExtension</a:t>
             </a:r>
-            <a:endParaRPr lang="de-DE" sz="1400" dirty="0"/>
           </a:p>
         </p:txBody>
       </p:sp>
@@ -47432,13 +46511,6 @@
   <p:clrMapOvr>
     <a:masterClrMapping/>
   </p:clrMapOvr>
-  <p:timing>
-    <p:tnLst>
-      <p:par>
-        <p:cTn id="1" dur="indefinite" restart="never" nodeType="tmRoot"/>
-      </p:par>
-    </p:tnLst>
-  </p:timing>
 </p:sld>
 </file>
 
@@ -47530,7 +46602,7 @@
           <a:p>
             <a:pPr algn="ctr"/>
             <a:r>
-              <a:rPr lang="de-DE" sz="1200" dirty="0" err="1" smtClean="0"/>
+              <a:rPr lang="de-DE" sz="1200" dirty="0" err="1"/>
               <a:t>CoreModule</a:t>
             </a:r>
             <a:endParaRPr lang="de-DE" sz="1200" dirty="0"/>
@@ -47601,7 +46673,7 @@
           <a:p>
             <a:pPr algn="ctr"/>
             <a:r>
-              <a:rPr lang="de-DE" sz="1200" dirty="0" err="1" smtClean="0"/>
+              <a:rPr lang="de-DE" sz="1200" dirty="0" err="1"/>
               <a:t>TopologyEditorModule</a:t>
             </a:r>
             <a:endParaRPr lang="de-DE" sz="1200" dirty="0"/>
@@ -47650,7 +46722,7 @@
           <a:p>
             <a:pPr algn="ctr"/>
             <a:r>
-              <a:rPr lang="de-DE" sz="1200" dirty="0" err="1" smtClean="0"/>
+              <a:rPr lang="de-DE" sz="1200" dirty="0" err="1"/>
               <a:t>TopologyEditorComponent</a:t>
             </a:r>
             <a:endParaRPr lang="de-DE" sz="1200" dirty="0"/>
@@ -47720,7 +46792,7 @@
           <a:p>
             <a:pPr algn="ctr"/>
             <a:r>
-              <a:rPr lang="de-DE" sz="1200" dirty="0" err="1" smtClean="0"/>
+              <a:rPr lang="de-DE" sz="1200" dirty="0" err="1"/>
               <a:t>TopologyEditorRoutineModule</a:t>
             </a:r>
             <a:endParaRPr lang="de-DE" sz="1200" dirty="0"/>
@@ -47769,7 +46841,7 @@
           <a:p>
             <a:pPr algn="ctr"/>
             <a:r>
-              <a:rPr lang="de-DE" sz="1200" dirty="0" err="1" smtClean="0"/>
+              <a:rPr lang="de-DE" sz="1200" dirty="0" err="1"/>
               <a:t>ToolComponent</a:t>
             </a:r>
             <a:endParaRPr lang="de-DE" sz="1200" dirty="0"/>
@@ -47818,7 +46890,7 @@
           <a:p>
             <a:pPr algn="ctr"/>
             <a:r>
-              <a:rPr lang="de-DE" sz="1200" dirty="0" err="1" smtClean="0"/>
+              <a:rPr lang="de-DE" sz="1200" dirty="0" err="1"/>
               <a:t>DiagramComponent</a:t>
             </a:r>
             <a:endParaRPr lang="de-DE" sz="1200" dirty="0"/>
@@ -47883,10 +46955,9 @@
           <a:lstStyle/>
           <a:p>
             <a:r>
-              <a:rPr lang="de-DE" sz="1200" dirty="0" smtClean="0"/>
+              <a:rPr lang="de-DE" sz="1200" dirty="0"/>
               <a:t>importiert</a:t>
             </a:r>
-            <a:endParaRPr lang="de-DE" sz="1200" dirty="0"/>
           </a:p>
         </p:txBody>
       </p:sp>
@@ -47928,7 +46999,7 @@
           <a:p>
             <a:pPr algn="ctr"/>
             <a:r>
-              <a:rPr lang="de-DE" sz="1200" dirty="0" err="1" smtClean="0">
+              <a:rPr lang="de-DE" sz="1200" dirty="0" err="1">
                 <a:solidFill>
                   <a:schemeClr val="tx1"/>
                 </a:solidFill>
@@ -47936,7 +47007,7 @@
               <a:t>Diagram</a:t>
             </a:r>
             <a:r>
-              <a:rPr lang="de-DE" sz="1200" dirty="0" smtClean="0">
+              <a:rPr lang="de-DE" sz="1200" dirty="0">
                 <a:solidFill>
                   <a:schemeClr val="tx1"/>
                 </a:solidFill>
@@ -47944,7 +47015,7 @@
               <a:t> </a:t>
             </a:r>
             <a:r>
-              <a:rPr lang="de-DE" sz="1200" dirty="0" err="1" smtClean="0">
+              <a:rPr lang="de-DE" sz="1200" dirty="0" err="1">
                 <a:solidFill>
                   <a:schemeClr val="tx1"/>
                 </a:solidFill>
@@ -48001,7 +47072,7 @@
           <a:p>
             <a:pPr algn="ctr"/>
             <a:r>
-              <a:rPr lang="de-DE" sz="1200" dirty="0" err="1" smtClean="0"/>
+              <a:rPr lang="de-DE" sz="1200" dirty="0" err="1"/>
               <a:t>ToolView</a:t>
             </a:r>
             <a:endParaRPr lang="de-DE" sz="1200" dirty="0"/>
@@ -48046,18 +47117,13 @@
           <a:p>
             <a:pPr algn="ctr"/>
             <a:r>
-              <a:rPr lang="de-DE" sz="1200" dirty="0" smtClean="0">
+              <a:rPr lang="de-DE" sz="1200" dirty="0">
                 <a:solidFill>
                   <a:schemeClr val="tx1"/>
                 </a:solidFill>
               </a:rPr>
               <a:t>TopologyEditor View</a:t>
             </a:r>
-            <a:endParaRPr lang="de-DE" sz="1200" dirty="0">
-              <a:solidFill>
-                <a:schemeClr val="tx1"/>
-              </a:solidFill>
-            </a:endParaRPr>
           </a:p>
         </p:txBody>
       </p:sp>
@@ -48189,10 +47255,9 @@
           <a:lstStyle/>
           <a:p>
             <a:r>
-              <a:rPr lang="de-DE" sz="1200" dirty="0" smtClean="0"/>
+              <a:rPr lang="de-DE" sz="1200" dirty="0"/>
               <a:t>deklariert</a:t>
             </a:r>
-            <a:endParaRPr lang="de-DE" sz="1200" dirty="0"/>
           </a:p>
         </p:txBody>
       </p:sp>
@@ -48219,34 +47284,33 @@
           <a:lstStyle/>
           <a:p>
             <a:r>
-              <a:rPr lang="de-DE" sz="1200" dirty="0" smtClean="0"/>
+              <a:rPr lang="de-DE" sz="1200" dirty="0"/>
               <a:t>Beinhalt </a:t>
             </a:r>
             <a:r>
-              <a:rPr lang="de-DE" sz="1200" dirty="0" err="1" smtClean="0"/>
+              <a:rPr lang="de-DE" sz="1200" dirty="0" err="1"/>
               <a:t>Routes</a:t>
             </a:r>
             <a:r>
-              <a:rPr lang="de-DE" sz="1200" dirty="0" smtClean="0"/>
+              <a:rPr lang="de-DE" sz="1200" dirty="0"/>
               <a:t>(</a:t>
             </a:r>
             <a:r>
-              <a:rPr lang="de-DE" sz="1200" dirty="0" err="1" smtClean="0"/>
+              <a:rPr lang="de-DE" sz="1200" dirty="0" err="1"/>
               <a:t>e.g</a:t>
             </a:r>
             <a:r>
-              <a:rPr lang="de-DE" sz="1200" dirty="0" smtClean="0"/>
+              <a:rPr lang="de-DE" sz="1200" dirty="0"/>
               <a:t> </a:t>
             </a:r>
             <a:r>
-              <a:rPr lang="de-DE" sz="1200" dirty="0" err="1" smtClean="0"/>
+              <a:rPr lang="de-DE" sz="1200" dirty="0" err="1"/>
               <a:t>nodeRoute</a:t>
             </a:r>
             <a:r>
-              <a:rPr lang="de-DE" sz="1200" dirty="0" smtClean="0"/>
+              <a:rPr lang="de-DE" sz="1200" dirty="0"/>
               <a:t>)</a:t>
             </a:r>
-            <a:endParaRPr lang="de-DE" sz="1200" dirty="0"/>
           </a:p>
         </p:txBody>
       </p:sp>
@@ -48273,34 +47337,33 @@
           <a:lstStyle/>
           <a:p>
             <a:r>
-              <a:rPr lang="de-DE" sz="1200" dirty="0" smtClean="0"/>
+              <a:rPr lang="de-DE" sz="1200" dirty="0"/>
               <a:t>Beinhalt Modelle(</a:t>
             </a:r>
             <a:r>
-              <a:rPr lang="de-DE" sz="1200" dirty="0" err="1" smtClean="0"/>
+              <a:rPr lang="de-DE" sz="1200" dirty="0" err="1"/>
               <a:t>e.g</a:t>
             </a:r>
             <a:r>
-              <a:rPr lang="de-DE" sz="1200" dirty="0" smtClean="0"/>
+              <a:rPr lang="de-DE" sz="1200" dirty="0"/>
               <a:t> </a:t>
             </a:r>
             <a:r>
-              <a:rPr lang="de-DE" sz="1200" dirty="0" err="1" smtClean="0"/>
+              <a:rPr lang="de-DE" sz="1200" dirty="0" err="1"/>
               <a:t>Node.ts</a:t>
             </a:r>
             <a:r>
-              <a:rPr lang="de-DE" sz="1200" dirty="0" smtClean="0"/>
+              <a:rPr lang="de-DE" sz="1200" dirty="0"/>
               <a:t>) und Services(</a:t>
             </a:r>
             <a:r>
-              <a:rPr lang="de-DE" sz="1200" dirty="0" err="1" smtClean="0"/>
+              <a:rPr lang="de-DE" sz="1200" dirty="0" err="1"/>
               <a:t>NodeService.ts</a:t>
             </a:r>
             <a:r>
-              <a:rPr lang="de-DE" sz="1200" dirty="0" smtClean="0"/>
+              <a:rPr lang="de-DE" sz="1200" dirty="0"/>
               <a:t>)</a:t>
             </a:r>
-            <a:endParaRPr lang="de-DE" sz="1200" dirty="0"/>
           </a:p>
         </p:txBody>
       </p:sp>
@@ -48314,13 +47377,6 @@
   <p:clrMapOvr>
     <a:masterClrMapping/>
   </p:clrMapOvr>
-  <p:timing>
-    <p:tnLst>
-      <p:par>
-        <p:cTn id="1" dur="indefinite" restart="never" nodeType="tmRoot"/>
-      </p:par>
-    </p:tnLst>
-  </p:timing>
 </p:sld>
 </file>
 
@@ -48388,10 +47444,9 @@
           <a:lstStyle/>
           <a:p>
             <a:r>
-              <a:rPr lang="de-DE" dirty="0" smtClean="0"/>
+              <a:rPr lang="de-DE" dirty="0"/>
               <a:t>      Properties</a:t>
             </a:r>
-            <a:endParaRPr lang="de-DE" dirty="0"/>
           </a:p>
         </p:txBody>
       </p:sp>
@@ -48418,18 +47473,13 @@
           <a:lstStyle/>
           <a:p>
             <a:r>
-              <a:rPr lang="de-DE" dirty="0" smtClean="0">
+              <a:rPr lang="de-DE" dirty="0">
                 <a:solidFill>
                   <a:srgbClr val="C00000"/>
                 </a:solidFill>
               </a:rPr>
               <a:t>Ribbon</a:t>
             </a:r>
-            <a:endParaRPr lang="de-DE" dirty="0">
-              <a:solidFill>
-                <a:srgbClr val="C00000"/>
-              </a:solidFill>
-            </a:endParaRPr>
           </a:p>
         </p:txBody>
       </p:sp>
@@ -48456,18 +47506,13 @@
           <a:lstStyle/>
           <a:p>
             <a:r>
-              <a:rPr lang="de-DE" dirty="0" smtClean="0">
+              <a:rPr lang="de-DE" dirty="0">
                 <a:solidFill>
                   <a:srgbClr val="C00000"/>
                 </a:solidFill>
               </a:rPr>
               <a:t>Solution Explorer</a:t>
             </a:r>
-            <a:endParaRPr lang="de-DE" dirty="0">
-              <a:solidFill>
-                <a:srgbClr val="C00000"/>
-              </a:solidFill>
-            </a:endParaRPr>
           </a:p>
         </p:txBody>
       </p:sp>
@@ -48494,10 +47539,9 @@
           <a:lstStyle/>
           <a:p>
             <a:r>
-              <a:rPr lang="de-DE" dirty="0" smtClean="0"/>
+              <a:rPr lang="de-DE" dirty="0"/>
               <a:t>Output</a:t>
             </a:r>
-            <a:endParaRPr lang="de-DE" dirty="0"/>
           </a:p>
         </p:txBody>
       </p:sp>
@@ -48524,10 +47568,9 @@
           <a:lstStyle/>
           <a:p>
             <a:r>
-              <a:rPr lang="de-DE" dirty="0" smtClean="0"/>
+              <a:rPr lang="de-DE" dirty="0"/>
               <a:t>Workspace</a:t>
             </a:r>
-            <a:endParaRPr lang="de-DE" dirty="0"/>
           </a:p>
         </p:txBody>
       </p:sp>
@@ -48541,13 +47584,6 @@
   <p:clrMapOvr>
     <a:masterClrMapping/>
   </p:clrMapOvr>
-  <p:timing>
-    <p:tnLst>
-      <p:par>
-        <p:cTn id="1" dur="indefinite" restart="never" nodeType="tmRoot"/>
-      </p:par>
-    </p:tnLst>
-  </p:timing>
 </p:sld>
 </file>
 
@@ -48740,10 +47776,9 @@
           <a:lstStyle/>
           <a:p>
             <a:r>
-              <a:rPr lang="de-DE" dirty="0" smtClean="0"/>
+              <a:rPr lang="de-DE" dirty="0"/>
               <a:t>include</a:t>
             </a:r>
-            <a:endParaRPr lang="de-DE" dirty="0"/>
           </a:p>
         </p:txBody>
       </p:sp>
@@ -48770,10 +47805,9 @@
           <a:lstStyle/>
           <a:p>
             <a:r>
-              <a:rPr lang="de-DE" dirty="0" smtClean="0"/>
+              <a:rPr lang="de-DE" dirty="0"/>
               <a:t>communicate</a:t>
             </a:r>
-            <a:endParaRPr lang="de-DE" dirty="0"/>
           </a:p>
         </p:txBody>
       </p:sp>
@@ -48800,10 +47834,9 @@
           <a:lstStyle/>
           <a:p>
             <a:r>
-              <a:rPr lang="de-DE" dirty="0" smtClean="0"/>
+              <a:rPr lang="de-DE" dirty="0"/>
               <a:t>System</a:t>
             </a:r>
-            <a:endParaRPr lang="de-DE" dirty="0"/>
           </a:p>
         </p:txBody>
       </p:sp>
@@ -48968,10 +48001,9 @@
           <a:lstStyle/>
           <a:p>
             <a:r>
-              <a:rPr lang="de-DE" dirty="0" smtClean="0"/>
+              <a:rPr lang="de-DE" dirty="0"/>
               <a:t>Ribbon Frame</a:t>
             </a:r>
-            <a:endParaRPr lang="de-DE" dirty="0"/>
           </a:p>
         </p:txBody>
       </p:sp>
@@ -49034,10 +48066,9 @@
           <a:lstStyle/>
           <a:p>
             <a:r>
-              <a:rPr lang="de-DE" dirty="0" smtClean="0"/>
+              <a:rPr lang="de-DE" dirty="0"/>
               <a:t>Topology Editor</a:t>
             </a:r>
-            <a:endParaRPr lang="de-DE" dirty="0"/>
           </a:p>
         </p:txBody>
       </p:sp>
@@ -49051,13 +48082,6 @@
   <p:clrMapOvr>
     <a:masterClrMapping/>
   </p:clrMapOvr>
-  <p:timing>
-    <p:tnLst>
-      <p:par>
-        <p:cTn id="1" dur="indefinite" restart="never" nodeType="tmRoot"/>
-      </p:par>
-    </p:tnLst>
-  </p:timing>
 </p:sld>
 </file>
 
@@ -49123,7 +48147,7 @@
                         <a:buChar char="•"/>
                       </a:pPr>
                       <a:r>
-                        <a:rPr lang="de-DE" sz="1800" b="1" kern="1200" dirty="0" smtClean="0">
+                        <a:rPr lang="de-DE" sz="1800" b="1" kern="1200" dirty="0">
                           <a:solidFill>
                             <a:schemeClr val="dk1"/>
                           </a:solidFill>
@@ -49141,7 +48165,7 @@
                         <a:buChar char="•"/>
                       </a:pPr>
                       <a:r>
-                        <a:rPr lang="de-DE" sz="1800" b="1" kern="1200" dirty="0" smtClean="0">
+                        <a:rPr lang="de-DE" sz="1800" b="1" kern="1200" dirty="0">
                           <a:solidFill>
                             <a:schemeClr val="dk1"/>
                           </a:solidFill>
@@ -49159,7 +48183,7 @@
                         <a:buChar char="•"/>
                       </a:pPr>
                       <a:r>
-                        <a:rPr lang="de-DE" sz="1800" b="1" kern="1200" dirty="0" smtClean="0">
+                        <a:rPr lang="de-DE" sz="1800" b="1" kern="1200" dirty="0">
                           <a:solidFill>
                             <a:schemeClr val="dk1"/>
                           </a:solidFill>
@@ -49177,7 +48201,7 @@
                         <a:buChar char="•"/>
                       </a:pPr>
                       <a:r>
-                        <a:rPr lang="de-DE" sz="1800" b="1" kern="1200" dirty="0" smtClean="0">
+                        <a:rPr lang="de-DE" sz="1800" b="1" kern="1200" dirty="0">
                           <a:solidFill>
                             <a:schemeClr val="dk1"/>
                           </a:solidFill>
@@ -49216,7 +48240,7 @@
                     <a:lstStyle/>
                     <a:p>
                       <a:r>
-                        <a:rPr lang="de-DE" sz="1800" b="0" i="1" kern="1200" dirty="0" smtClean="0">
+                        <a:rPr lang="de-DE" sz="1800" b="0" i="1" kern="1200" dirty="0">
                           <a:solidFill>
                             <a:schemeClr val="dk1"/>
                           </a:solidFill>
@@ -49255,7 +48279,7 @@
                     <a:lstStyle/>
                     <a:p>
                       <a:r>
-                        <a:rPr lang="de-DE" sz="1800" b="0" i="1" kern="1200" dirty="0" smtClean="0">
+                        <a:rPr lang="de-DE" sz="1800" b="0" i="1" kern="1200" dirty="0">
                           <a:solidFill>
                             <a:schemeClr val="dk1"/>
                           </a:solidFill>
@@ -49284,7 +48308,7 @@
                     <a:lstStyle/>
                     <a:p>
                       <a:r>
-                        <a:rPr lang="de-DE" sz="1800" b="0" i="1" kern="1200" dirty="0" smtClean="0">
+                        <a:rPr lang="de-DE" sz="1800" b="0" i="1" kern="1200" dirty="0">
                           <a:solidFill>
                             <a:schemeClr val="dk1"/>
                           </a:solidFill>
@@ -49313,7 +48337,7 @@
                     <a:lstStyle/>
                     <a:p>
                       <a:r>
-                        <a:rPr lang="de-DE" sz="1800" b="0" i="1" kern="1200" dirty="0" smtClean="0">
+                        <a:rPr lang="de-DE" sz="1800" b="0" i="1" kern="1200" dirty="0">
                           <a:solidFill>
                             <a:schemeClr val="dk1"/>
                           </a:solidFill>
@@ -49342,7 +48366,7 @@
                     <a:lstStyle/>
                     <a:p>
                       <a:r>
-                        <a:rPr lang="de-DE" sz="1800" b="1" i="0" kern="1200" dirty="0" smtClean="0">
+                        <a:rPr lang="de-DE" sz="1800" b="1" i="0" kern="1200" dirty="0">
                           <a:solidFill>
                             <a:schemeClr val="dk1"/>
                           </a:solidFill>
@@ -49354,7 +48378,7 @@
                         <a:t>FDL (Fieldbus</a:t>
                       </a:r>
                       <a:r>
-                        <a:rPr lang="de-DE" sz="1800" b="1" i="0" kern="1200" baseline="0" dirty="0" smtClean="0">
+                        <a:rPr lang="de-DE" sz="1800" b="1" i="0" kern="1200" baseline="0" dirty="0">
                           <a:solidFill>
                             <a:schemeClr val="dk1"/>
                           </a:solidFill>
@@ -49366,7 +48390,7 @@
                         <a:t> Data Link)</a:t>
                       </a:r>
                       <a:r>
-                        <a:rPr lang="de-DE" sz="1800" b="1" i="0" kern="1200" dirty="0" smtClean="0">
+                        <a:rPr lang="de-DE" sz="1800" b="1" i="0" kern="1200" dirty="0">
                           <a:solidFill>
                             <a:schemeClr val="dk1"/>
                           </a:solidFill>
@@ -49399,7 +48423,7 @@
                         <a:buChar char="•"/>
                       </a:pPr>
                       <a:r>
-                        <a:rPr lang="de-DE" b="1" dirty="0" smtClean="0"/>
+                        <a:rPr lang="de-DE" b="1" dirty="0"/>
                         <a:t>RS485</a:t>
                       </a:r>
                     </a:p>
@@ -49409,10 +48433,9 @@
                         <a:buChar char="•"/>
                       </a:pPr>
                       <a:r>
-                        <a:rPr lang="de-DE" b="1" dirty="0" smtClean="0"/>
+                        <a:rPr lang="de-DE" b="1" dirty="0"/>
                         <a:t>LWL</a:t>
                       </a:r>
-                      <a:endParaRPr lang="de-DE" b="1" dirty="0"/>
                     </a:p>
                   </a:txBody>
                   <a:tcPr/>
@@ -49450,10 +48473,9 @@
           <a:lstStyle/>
           <a:p>
             <a:r>
-              <a:rPr lang="de-DE" dirty="0" smtClean="0"/>
+              <a:rPr lang="de-DE" dirty="0"/>
               <a:t>Schicht 1</a:t>
             </a:r>
-            <a:endParaRPr lang="de-DE" dirty="0"/>
           </a:p>
         </p:txBody>
       </p:sp>
@@ -49480,13 +48502,8 @@
           <a:p>
             <a:r>
               <a:rPr lang="de-DE" dirty="0"/>
-              <a:t>Schicht </a:t>
+              <a:t>Schicht 2</a:t>
             </a:r>
-            <a:r>
-              <a:rPr lang="de-DE" dirty="0" smtClean="0"/>
-              <a:t>2</a:t>
-            </a:r>
-            <a:endParaRPr lang="de-DE" dirty="0"/>
           </a:p>
           <a:p>
             <a:endParaRPr lang="de-DE" b="1" i="0" dirty="0">
@@ -49521,10 +48538,9 @@
           <a:lstStyle/>
           <a:p>
             <a:r>
-              <a:rPr lang="de-DE" i="1" dirty="0" smtClean="0"/>
+              <a:rPr lang="de-DE" i="1" dirty="0"/>
               <a:t>Schicht 4</a:t>
             </a:r>
-            <a:endParaRPr lang="de-DE" i="1" dirty="0"/>
           </a:p>
         </p:txBody>
       </p:sp>
@@ -49550,10 +48566,9 @@
           <a:lstStyle/>
           <a:p>
             <a:r>
-              <a:rPr lang="de-DE" i="1" dirty="0" smtClean="0"/>
+              <a:rPr lang="de-DE" i="1" dirty="0"/>
               <a:t>   Schicht 5</a:t>
             </a:r>
-            <a:endParaRPr lang="de-DE" i="1" dirty="0"/>
           </a:p>
         </p:txBody>
       </p:sp>
@@ -49579,18 +48594,17 @@
           <a:lstStyle/>
           <a:p>
             <a:r>
-              <a:rPr lang="de-DE" i="1" dirty="0" smtClean="0"/>
+              <a:rPr lang="de-DE" i="1" dirty="0"/>
               <a:t>Schicht</a:t>
             </a:r>
             <a:r>
-              <a:rPr lang="de-DE" dirty="0" smtClean="0"/>
+              <a:rPr lang="de-DE" dirty="0"/>
               <a:t> </a:t>
             </a:r>
             <a:r>
-              <a:rPr lang="de-DE" i="1" dirty="0" smtClean="0"/>
+              <a:rPr lang="de-DE" i="1" dirty="0"/>
               <a:t>3</a:t>
             </a:r>
-            <a:endParaRPr lang="de-DE" i="1" dirty="0"/>
           </a:p>
         </p:txBody>
       </p:sp>
@@ -49616,10 +48630,9 @@
           <a:lstStyle/>
           <a:p>
             <a:r>
-              <a:rPr lang="de-DE" i="1" dirty="0" smtClean="0"/>
+              <a:rPr lang="de-DE" i="1" dirty="0"/>
               <a:t>Schicht 6</a:t>
             </a:r>
-            <a:endParaRPr lang="de-DE" i="1" dirty="0"/>
           </a:p>
         </p:txBody>
       </p:sp>
@@ -49645,10 +48658,9 @@
           <a:lstStyle/>
           <a:p>
             <a:r>
-              <a:rPr lang="de-DE" dirty="0" smtClean="0"/>
+              <a:rPr lang="de-DE" dirty="0"/>
               <a:t>Schicht 7</a:t>
             </a:r>
-            <a:endParaRPr lang="de-DE" dirty="0"/>
           </a:p>
         </p:txBody>
       </p:sp>
@@ -49708,13 +48720,6 @@
   <p:clrMapOvr>
     <a:masterClrMapping/>
   </p:clrMapOvr>
-  <p:timing>
-    <p:tnLst>
-      <p:par>
-        <p:cTn id="1" dur="indefinite" restart="never" nodeType="tmRoot"/>
-      </p:par>
-    </p:tnLst>
-  </p:timing>
 </p:sld>
 </file>
 
@@ -49803,12 +48808,8 @@
           <a:lstStyle/>
           <a:p>
             <a:r>
-              <a:rPr lang="de-DE" sz="1000" dirty="0" smtClean="0"/>
-              <a:t>Komponente, </a:t>
-            </a:r>
-            <a:r>
               <a:rPr lang="de-DE" sz="1000" dirty="0"/>
-              <a:t>die realisiert werden soll</a:t>
+              <a:t>Komponente, die realisiert werden soll</a:t>
             </a:r>
           </a:p>
         </p:txBody>
@@ -49879,7 +48880,7 @@
           <a:lstStyle/>
           <a:p>
             <a:r>
-              <a:rPr lang="de-DE" sz="1200" dirty="0" smtClean="0"/>
+              <a:rPr lang="de-DE" sz="1200" dirty="0"/>
               <a:t> </a:t>
             </a:r>
             <a:r>
@@ -50009,12 +49010,8 @@
           <a:lstStyle/>
           <a:p>
             <a:r>
-              <a:rPr lang="de-DE" sz="1000" dirty="0" smtClean="0"/>
-              <a:t>Komponente, </a:t>
-            </a:r>
-            <a:r>
               <a:rPr lang="de-DE" sz="1000" dirty="0"/>
-              <a:t>die realisiert werden soll</a:t>
+              <a:t>Komponente, die realisiert werden soll</a:t>
             </a:r>
           </a:p>
         </p:txBody>
@@ -50085,7 +49082,7 @@
           <a:lstStyle/>
           <a:p>
             <a:r>
-              <a:rPr lang="de-DE" sz="1200" dirty="0" smtClean="0"/>
+              <a:rPr lang="de-DE" sz="1200" dirty="0"/>
               <a:t> </a:t>
             </a:r>
             <a:r>
@@ -50505,12 +49502,8 @@
           <a:lstStyle/>
           <a:p>
             <a:r>
-              <a:rPr lang="de-DE" sz="1000" dirty="0" smtClean="0"/>
-              <a:t>Komponente, </a:t>
-            </a:r>
-            <a:r>
               <a:rPr lang="de-DE" sz="1000" dirty="0"/>
-              <a:t>die realisiert werden soll</a:t>
+              <a:t>Komponente, die realisiert werden soll</a:t>
             </a:r>
           </a:p>
         </p:txBody>
@@ -50581,7 +49574,7 @@
           <a:lstStyle/>
           <a:p>
             <a:r>
-              <a:rPr lang="de-DE" sz="1200" dirty="0" smtClean="0"/>
+              <a:rPr lang="de-DE" sz="1200" dirty="0"/>
               <a:t> </a:t>
             </a:r>
             <a:r>
@@ -51166,10 +50159,9 @@
           <a:lstStyle/>
           <a:p>
             <a:r>
-              <a:rPr lang="de-DE" sz="1200" dirty="0" smtClean="0"/>
+              <a:rPr lang="de-DE" sz="1200" dirty="0"/>
               <a:t>Read/Write</a:t>
             </a:r>
-            <a:endParaRPr lang="de-DE" sz="1200" dirty="0"/>
           </a:p>
         </p:txBody>
       </p:sp>
@@ -51196,18 +50188,13 @@
           <a:lstStyle/>
           <a:p>
             <a:r>
-              <a:rPr lang="de-DE" sz="1400" dirty="0" smtClean="0">
+              <a:rPr lang="de-DE" sz="1400" dirty="0">
                 <a:solidFill>
                   <a:schemeClr val="bg1"/>
                 </a:solidFill>
               </a:rPr>
               <a:t>Load/Save</a:t>
             </a:r>
-            <a:endParaRPr lang="de-DE" sz="1400" dirty="0">
-              <a:solidFill>
-                <a:schemeClr val="bg1"/>
-              </a:solidFill>
-            </a:endParaRPr>
           </a:p>
         </p:txBody>
       </p:sp>
@@ -51234,10 +50221,9 @@
           <a:lstStyle/>
           <a:p>
             <a:r>
-              <a:rPr lang="de-DE" sz="1400" dirty="0" smtClean="0"/>
+              <a:rPr lang="de-DE" sz="1400" dirty="0"/>
               <a:t>XML Data storage</a:t>
             </a:r>
-            <a:endParaRPr lang="de-DE" sz="1400" dirty="0"/>
           </a:p>
         </p:txBody>
       </p:sp>
@@ -51251,13 +50237,6 @@
   <p:clrMapOvr>
     <a:masterClrMapping/>
   </p:clrMapOvr>
-  <p:timing>
-    <p:tnLst>
-      <p:par>
-        <p:cTn id="1" dur="indefinite" restart="never" nodeType="tmRoot"/>
-      </p:par>
-    </p:tnLst>
-  </p:timing>
 </p:sld>
 </file>
 
@@ -51346,12 +50325,8 @@
           <a:lstStyle/>
           <a:p>
             <a:r>
-              <a:rPr lang="de-DE" sz="1000" dirty="0" smtClean="0"/>
-              <a:t>Komponente, </a:t>
-            </a:r>
-            <a:r>
               <a:rPr lang="de-DE" sz="1000" dirty="0"/>
-              <a:t>die realisiert werden soll</a:t>
+              <a:t>Komponente, die realisiert werden soll</a:t>
             </a:r>
           </a:p>
         </p:txBody>
@@ -51422,7 +50397,7 @@
           <a:lstStyle/>
           <a:p>
             <a:r>
-              <a:rPr lang="de-DE" sz="1200" dirty="0" smtClean="0"/>
+              <a:rPr lang="de-DE" sz="1200" dirty="0"/>
               <a:t> </a:t>
             </a:r>
             <a:r>
@@ -51679,18 +50654,13 @@
           <a:lstStyle/>
           <a:p>
             <a:r>
-              <a:rPr lang="de-DE" sz="1200" dirty="0" smtClean="0">
+              <a:rPr lang="de-DE" sz="1200" dirty="0">
                 <a:solidFill>
                   <a:schemeClr val="bg1"/>
                 </a:solidFill>
               </a:rPr>
               <a:t>                     Ribbon </a:t>
             </a:r>
-            <a:endParaRPr lang="de-DE" sz="1200" dirty="0">
-              <a:solidFill>
-                <a:schemeClr val="bg1"/>
-              </a:solidFill>
-            </a:endParaRPr>
           </a:p>
         </p:txBody>
       </p:sp>
@@ -51717,7 +50687,7 @@
           <a:lstStyle/>
           <a:p>
             <a:r>
-              <a:rPr lang="de-DE" sz="1200" dirty="0" smtClean="0">
+              <a:rPr lang="de-DE" sz="1200" dirty="0">
                 <a:solidFill>
                   <a:schemeClr val="bg1"/>
                 </a:solidFill>
@@ -51727,18 +50697,13 @@
           </a:p>
           <a:p>
             <a:r>
-              <a:rPr lang="de-DE" sz="1200" dirty="0" smtClean="0">
+              <a:rPr lang="de-DE" sz="1200" dirty="0">
                 <a:solidFill>
                   <a:schemeClr val="bg1"/>
                 </a:solidFill>
               </a:rPr>
               <a:t>Explorer</a:t>
             </a:r>
-            <a:endParaRPr lang="de-DE" sz="1200" dirty="0">
-              <a:solidFill>
-                <a:schemeClr val="bg1"/>
-              </a:solidFill>
-            </a:endParaRPr>
           </a:p>
         </p:txBody>
       </p:sp>
@@ -51765,22 +50730,17 @@
           <a:lstStyle/>
           <a:p>
             <a:r>
-              <a:rPr lang="de-DE" sz="1200" dirty="0" smtClean="0"/>
+              <a:rPr lang="de-DE" sz="1200" dirty="0"/>
               <a:t>  </a:t>
             </a:r>
             <a:r>
-              <a:rPr lang="de-DE" sz="1200" dirty="0" smtClean="0">
+              <a:rPr lang="de-DE" sz="1200" dirty="0">
                 <a:solidFill>
                   <a:schemeClr val="bg1"/>
                 </a:solidFill>
               </a:rPr>
               <a:t>Properties</a:t>
             </a:r>
-            <a:endParaRPr lang="de-DE" sz="1200" dirty="0">
-              <a:solidFill>
-                <a:schemeClr val="bg1"/>
-              </a:solidFill>
-            </a:endParaRPr>
           </a:p>
         </p:txBody>
       </p:sp>
@@ -51807,18 +50767,13 @@
           <a:lstStyle/>
           <a:p>
             <a:r>
-              <a:rPr lang="de-DE" sz="1200" dirty="0" smtClean="0">
+              <a:rPr lang="de-DE" sz="1200" dirty="0">
                 <a:solidFill>
                   <a:schemeClr val="bg1"/>
                 </a:solidFill>
               </a:rPr>
               <a:t>Output</a:t>
             </a:r>
-            <a:endParaRPr lang="de-DE" sz="1200" dirty="0">
-              <a:solidFill>
-                <a:schemeClr val="bg1"/>
-              </a:solidFill>
-            </a:endParaRPr>
           </a:p>
         </p:txBody>
       </p:sp>
@@ -51928,18 +50883,13 @@
           <a:lstStyle/>
           <a:p>
             <a:r>
-              <a:rPr lang="de-DE" sz="1200" dirty="0" smtClean="0">
+              <a:rPr lang="de-DE" sz="1200" dirty="0">
                 <a:solidFill>
                   <a:schemeClr val="bg1"/>
                 </a:solidFill>
               </a:rPr>
               <a:t>Client user interface wird hier gehostet</a:t>
             </a:r>
-            <a:endParaRPr lang="de-DE" sz="1200" dirty="0">
-              <a:solidFill>
-                <a:schemeClr val="bg1"/>
-              </a:solidFill>
-            </a:endParaRPr>
           </a:p>
         </p:txBody>
       </p:sp>
@@ -51966,18 +50916,13 @@
           <a:lstStyle/>
           <a:p>
             <a:r>
-              <a:rPr lang="de-DE" b="1" dirty="0" smtClean="0">
+              <a:rPr lang="de-DE" b="1" dirty="0">
                 <a:solidFill>
                   <a:schemeClr val="bg1"/>
                 </a:solidFill>
               </a:rPr>
               <a:t>ComStudio</a:t>
             </a:r>
-            <a:endParaRPr lang="de-DE" b="1" dirty="0">
-              <a:solidFill>
-                <a:schemeClr val="bg1"/>
-              </a:solidFill>
-            </a:endParaRPr>
           </a:p>
         </p:txBody>
       </p:sp>
@@ -52023,10 +50968,9 @@
           <a:p>
             <a:pPr algn="ctr"/>
             <a:r>
-              <a:rPr lang="de-DE" sz="1200" dirty="0" smtClean="0"/>
+              <a:rPr lang="de-DE" sz="1200" dirty="0"/>
               <a:t>Topology-Editor Toolbar</a:t>
             </a:r>
-            <a:endParaRPr lang="de-DE" sz="1200" dirty="0"/>
           </a:p>
         </p:txBody>
       </p:sp>
@@ -52040,13 +50984,6 @@
   <p:clrMapOvr>
     <a:masterClrMapping/>
   </p:clrMapOvr>
-  <p:timing>
-    <p:tnLst>
-      <p:par>
-        <p:cTn id="1" dur="indefinite" restart="never" nodeType="tmRoot"/>
-      </p:par>
-    </p:tnLst>
-  </p:timing>
 </p:sld>
 </file>
 
@@ -52135,12 +51072,8 @@
           <a:lstStyle/>
           <a:p>
             <a:r>
-              <a:rPr lang="de-DE" sz="1000" dirty="0" smtClean="0"/>
-              <a:t>Komponente, </a:t>
-            </a:r>
-            <a:r>
               <a:rPr lang="de-DE" sz="1000" dirty="0"/>
-              <a:t>die realisiert werden soll</a:t>
+              <a:t>Komponente, die realisiert werden soll</a:t>
             </a:r>
           </a:p>
         </p:txBody>
@@ -52343,10 +51276,9 @@
           <a:lstStyle/>
           <a:p>
             <a:r>
-              <a:rPr lang="de-DE" sz="1400" dirty="0" smtClean="0"/>
+              <a:rPr lang="de-DE" sz="1400" dirty="0"/>
               <a:t>Interface_DtmWebApi</a:t>
             </a:r>
-            <a:endParaRPr lang="de-DE" sz="1400" dirty="0"/>
           </a:p>
         </p:txBody>
       </p:sp>
@@ -52373,10 +51305,9 @@
           <a:lstStyle/>
           <a:p>
             <a:r>
-              <a:rPr lang="de-DE" sz="1400" dirty="0" smtClean="0"/>
+              <a:rPr lang="de-DE" sz="1400" dirty="0"/>
               <a:t>JSON with REST</a:t>
             </a:r>
-            <a:endParaRPr lang="de-DE" sz="1400" dirty="0"/>
           </a:p>
         </p:txBody>
       </p:sp>
@@ -52390,13 +51321,6 @@
   <p:clrMapOvr>
     <a:masterClrMapping/>
   </p:clrMapOvr>
-  <p:timing>
-    <p:tnLst>
-      <p:par>
-        <p:cTn id="1" dur="indefinite" restart="never" nodeType="tmRoot"/>
-      </p:par>
-    </p:tnLst>
-  </p:timing>
 </p:sld>
 </file>
 
@@ -52462,10 +51386,9 @@
           <a:lstStyle/>
           <a:p>
             <a:r>
-              <a:rPr lang="de-DE" sz="1200" i="1" dirty="0" smtClean="0"/>
+              <a:rPr lang="de-DE" sz="1200" i="1" dirty="0"/>
               <a:t>Darstellung</a:t>
             </a:r>
-            <a:endParaRPr lang="de-DE" sz="1200" i="1" dirty="0"/>
           </a:p>
         </p:txBody>
       </p:sp>
@@ -52492,10 +51415,9 @@
           <a:lstStyle/>
           <a:p>
             <a:r>
-              <a:rPr lang="de-DE" sz="1200" i="1" dirty="0" smtClean="0"/>
+              <a:rPr lang="de-DE" sz="1200" i="1" dirty="0"/>
               <a:t>Sitzung</a:t>
             </a:r>
-            <a:endParaRPr lang="de-DE" sz="1200" i="1" dirty="0"/>
           </a:p>
         </p:txBody>
       </p:sp>
@@ -52522,10 +51444,9 @@
           <a:lstStyle/>
           <a:p>
             <a:r>
-              <a:rPr lang="de-DE" sz="1200" i="1" dirty="0" smtClean="0"/>
+              <a:rPr lang="de-DE" sz="1200" i="1" dirty="0"/>
               <a:t>Transport</a:t>
             </a:r>
-            <a:endParaRPr lang="de-DE" sz="1200" i="1" dirty="0"/>
           </a:p>
         </p:txBody>
       </p:sp>
@@ -52552,10 +51473,9 @@
           <a:lstStyle/>
           <a:p>
             <a:r>
-              <a:rPr lang="de-DE" sz="1200" i="1" dirty="0" smtClean="0"/>
+              <a:rPr lang="de-DE" sz="1200" i="1" dirty="0"/>
               <a:t>Vermittlung</a:t>
             </a:r>
-            <a:endParaRPr lang="de-DE" sz="1200" i="1" dirty="0"/>
           </a:p>
         </p:txBody>
       </p:sp>
@@ -52722,10 +51642,9 @@
           <a:lstStyle/>
           <a:p>
             <a:r>
-              <a:rPr lang="de-DE" sz="1400" dirty="0" smtClean="0"/>
+              <a:rPr lang="de-DE" sz="1400" dirty="0"/>
               <a:t>PROFIBUS Variante</a:t>
             </a:r>
-            <a:endParaRPr lang="de-DE" sz="1400" dirty="0"/>
           </a:p>
         </p:txBody>
       </p:sp>
@@ -52752,10 +51671,9 @@
           <a:lstStyle/>
           <a:p>
             <a:r>
-              <a:rPr lang="de-DE" sz="1200" dirty="0" smtClean="0"/>
+              <a:rPr lang="de-DE" sz="1200" dirty="0"/>
               <a:t>Die drei genormten Schichten des PROFIBUS</a:t>
             </a:r>
-            <a:endParaRPr lang="de-DE" sz="1200" dirty="0"/>
           </a:p>
         </p:txBody>
       </p:sp>
@@ -52858,10 +51776,9 @@
           <a:p>
             <a:pPr algn="ctr"/>
             <a:r>
-              <a:rPr lang="de-DE" dirty="0" smtClean="0"/>
+              <a:rPr lang="de-DE" dirty="0"/>
               <a:t>Hilschler.TopologyEditor.dll</a:t>
             </a:r>
-            <a:endParaRPr lang="de-DE" dirty="0"/>
           </a:p>
         </p:txBody>
       </p:sp>
@@ -52934,10 +51851,9 @@
           <a:p>
             <a:pPr algn="ctr"/>
             <a:r>
-              <a:rPr lang="de-DE" dirty="0" smtClean="0"/>
+              <a:rPr lang="de-DE" dirty="0"/>
               <a:t>Hilscher.TopologyEditor.AspNet.dll</a:t>
             </a:r>
-            <a:endParaRPr lang="de-DE" dirty="0"/>
           </a:p>
         </p:txBody>
       </p:sp>
@@ -53007,10 +51923,9 @@
           <a:p>
             <a:pPr algn="ctr"/>
             <a:r>
-              <a:rPr lang="de-DE" dirty="0" smtClean="0"/>
+              <a:rPr lang="de-DE" dirty="0"/>
               <a:t>ComStudio.exe</a:t>
             </a:r>
-            <a:endParaRPr lang="de-DE" dirty="0"/>
           </a:p>
         </p:txBody>
       </p:sp>
@@ -53138,10 +52053,9 @@
           <a:p>
             <a:pPr algn="ctr"/>
             <a:r>
-              <a:rPr lang="de-DE" dirty="0" smtClean="0"/>
+              <a:rPr lang="de-DE" dirty="0"/>
               <a:t>Hilscher.IDE.Core.Interface.dll</a:t>
             </a:r>
-            <a:endParaRPr lang="de-DE" dirty="0"/>
           </a:p>
         </p:txBody>
       </p:sp>
@@ -53242,12 +52156,8 @@
           <a:lstStyle/>
           <a:p>
             <a:r>
-              <a:rPr lang="de-DE" sz="1000" dirty="0" smtClean="0"/>
-              <a:t>Komponente, </a:t>
-            </a:r>
-            <a:r>
               <a:rPr lang="de-DE" sz="1000" dirty="0"/>
-              <a:t>die realisiert werden soll</a:t>
+              <a:t>Komponente, die realisiert werden soll</a:t>
             </a:r>
           </a:p>
         </p:txBody>
@@ -53318,7 +52228,7 @@
           <a:lstStyle/>
           <a:p>
             <a:r>
-              <a:rPr lang="de-DE" sz="1200" dirty="0" smtClean="0"/>
+              <a:rPr lang="de-DE" sz="1200" dirty="0"/>
               <a:t> </a:t>
             </a:r>
             <a:r>
@@ -53472,10 +52382,9 @@
           <a:lstStyle/>
           <a:p>
             <a:r>
-              <a:rPr lang="de-DE" sz="1100" dirty="0" smtClean="0"/>
+              <a:rPr lang="de-DE" sz="1100" dirty="0"/>
               <a:t>ITopologyService</a:t>
             </a:r>
-            <a:endParaRPr lang="de-DE" sz="1100" dirty="0"/>
           </a:p>
         </p:txBody>
       </p:sp>
@@ -54044,10 +52953,9 @@
           <a:p>
             <a:pPr algn="ctr"/>
             <a:r>
-              <a:rPr lang="de-DE" dirty="0" smtClean="0"/>
+              <a:rPr lang="de-DE" dirty="0"/>
               <a:t>Devices</a:t>
             </a:r>
-            <a:endParaRPr lang="de-DE" dirty="0"/>
           </a:p>
         </p:txBody>
       </p:sp>
@@ -54093,10 +53001,9 @@
           <a:p>
             <a:pPr algn="ctr"/>
             <a:r>
-              <a:rPr lang="de-DE" dirty="0" smtClean="0"/>
+              <a:rPr lang="de-DE" dirty="0"/>
               <a:t>Links</a:t>
             </a:r>
-            <a:endParaRPr lang="de-DE" dirty="0"/>
           </a:p>
         </p:txBody>
       </p:sp>
@@ -54142,10 +53049,9 @@
           <a:p>
             <a:pPr algn="ctr"/>
             <a:r>
-              <a:rPr lang="de-DE" dirty="0" smtClean="0"/>
+              <a:rPr lang="de-DE" dirty="0"/>
               <a:t>linkTemplate</a:t>
             </a:r>
-            <a:endParaRPr lang="de-DE" dirty="0"/>
           </a:p>
         </p:txBody>
       </p:sp>
@@ -54191,10 +53097,9 @@
           <a:p>
             <a:pPr algn="ctr"/>
             <a:r>
-              <a:rPr lang="de-DE" dirty="0" smtClean="0"/>
+              <a:rPr lang="de-DE" dirty="0"/>
               <a:t>nodeTemplate</a:t>
             </a:r>
-            <a:endParaRPr lang="de-DE" dirty="0"/>
           </a:p>
         </p:txBody>
       </p:sp>
@@ -54240,10 +53145,9 @@
           <a:p>
             <a:pPr algn="ctr"/>
             <a:r>
-              <a:rPr lang="de-DE" dirty="0" smtClean="0"/>
+              <a:rPr lang="de-DE" dirty="0"/>
               <a:t>Links</a:t>
             </a:r>
-            <a:endParaRPr lang="de-DE" dirty="0"/>
           </a:p>
         </p:txBody>
       </p:sp>
@@ -54289,10 +53193,9 @@
           <a:p>
             <a:pPr algn="ctr"/>
             <a:r>
-              <a:rPr lang="de-DE" dirty="0" smtClean="0"/>
+              <a:rPr lang="de-DE" dirty="0"/>
               <a:t>Links</a:t>
             </a:r>
-            <a:endParaRPr lang="de-DE" dirty="0"/>
           </a:p>
         </p:txBody>
       </p:sp>
@@ -54338,10 +53241,9 @@
           <a:p>
             <a:pPr algn="ctr"/>
             <a:r>
-              <a:rPr lang="de-DE" dirty="0" smtClean="0"/>
+              <a:rPr lang="de-DE" dirty="0"/>
               <a:t>Link</a:t>
             </a:r>
-            <a:endParaRPr lang="de-DE" dirty="0"/>
           </a:p>
         </p:txBody>
       </p:sp>
@@ -54427,10 +53329,9 @@
           <a:p>
             <a:pPr algn="ctr"/>
             <a:r>
-              <a:rPr lang="de-DE" dirty="0" smtClean="0"/>
+              <a:rPr lang="de-DE" dirty="0"/>
               <a:t>Device</a:t>
             </a:r>
-            <a:endParaRPr lang="de-DE" dirty="0"/>
           </a:p>
         </p:txBody>
       </p:sp>
@@ -54476,10 +53377,9 @@
           <a:p>
             <a:pPr algn="ctr"/>
             <a:r>
-              <a:rPr lang="de-DE" dirty="0" smtClean="0"/>
+              <a:rPr lang="de-DE" dirty="0"/>
               <a:t>Device</a:t>
             </a:r>
-            <a:endParaRPr lang="de-DE" dirty="0"/>
           </a:p>
         </p:txBody>
       </p:sp>
@@ -54525,10 +53425,9 @@
           <a:p>
             <a:pPr algn="ctr"/>
             <a:r>
-              <a:rPr lang="de-DE" dirty="0" smtClean="0"/>
+              <a:rPr lang="de-DE" dirty="0"/>
               <a:t>Device</a:t>
             </a:r>
-            <a:endParaRPr lang="de-DE" dirty="0"/>
           </a:p>
         </p:txBody>
       </p:sp>
@@ -54658,18 +53557,13 @@
           <a:lstStyle/>
           <a:p>
             <a:r>
-              <a:rPr lang="de-DE" sz="1500" dirty="0" smtClean="0">
+              <a:rPr lang="de-DE" sz="1500" dirty="0">
                 <a:solidFill>
                   <a:schemeClr val="bg1"/>
                 </a:solidFill>
               </a:rPr>
               <a:t>Model</a:t>
             </a:r>
-            <a:endParaRPr lang="de-DE" sz="1500" dirty="0">
-              <a:solidFill>
-                <a:schemeClr val="bg1"/>
-              </a:solidFill>
-            </a:endParaRPr>
           </a:p>
         </p:txBody>
       </p:sp>
@@ -54696,16 +53590,15 @@
           <a:lstStyle/>
           <a:p>
             <a:r>
-              <a:rPr lang="de-DE" dirty="0" smtClean="0"/>
+              <a:rPr lang="de-DE" dirty="0"/>
               <a:t>nameimg</a:t>
             </a:r>
           </a:p>
           <a:p>
             <a:r>
-              <a:rPr lang="de-DE" dirty="0" smtClean="0"/>
+              <a:rPr lang="de-DE" dirty="0"/>
               <a:t>ports</a:t>
             </a:r>
-            <a:endParaRPr lang="de-DE" dirty="0"/>
           </a:p>
         </p:txBody>
       </p:sp>
@@ -54783,10 +53676,9 @@
           <a:p>
             <a:pPr algn="ctr"/>
             <a:r>
-              <a:rPr lang="de-DE" dirty="0" smtClean="0"/>
+              <a:rPr lang="de-DE" dirty="0"/>
               <a:t>TextBox</a:t>
             </a:r>
-            <a:endParaRPr lang="de-DE" dirty="0"/>
           </a:p>
         </p:txBody>
       </p:sp>
@@ -54833,13 +53725,8 @@
             <a:pPr algn="ctr"/>
             <a:r>
               <a:rPr lang="de-DE" dirty="0"/>
-              <a:t>P</a:t>
+              <a:t>Picture</a:t>
             </a:r>
-            <a:r>
-              <a:rPr lang="de-DE" dirty="0" smtClean="0"/>
-              <a:t>icture</a:t>
-            </a:r>
-            <a:endParaRPr lang="de-DE" dirty="0"/>
           </a:p>
         </p:txBody>
       </p:sp>
@@ -54885,10 +53772,9 @@
           <a:p>
             <a:pPr algn="ctr"/>
             <a:r>
-              <a:rPr lang="de-DE" dirty="0" smtClean="0"/>
+              <a:rPr lang="de-DE" dirty="0"/>
               <a:t>portTemplate</a:t>
             </a:r>
-            <a:endParaRPr lang="de-DE" dirty="0"/>
           </a:p>
         </p:txBody>
       </p:sp>
@@ -55085,10 +53971,9 @@
           <a:p>
             <a:pPr algn="ctr"/>
             <a:r>
-              <a:rPr lang="de-DE" dirty="0" smtClean="0"/>
+              <a:rPr lang="de-DE" dirty="0"/>
               <a:t>rectangle</a:t>
             </a:r>
-            <a:endParaRPr lang="de-DE" dirty="0"/>
           </a:p>
         </p:txBody>
       </p:sp>
@@ -55115,10 +54000,9 @@
           <a:lstStyle/>
           <a:p>
             <a:r>
-              <a:rPr lang="de-DE" dirty="0" smtClean="0"/>
+              <a:rPr lang="de-DE" dirty="0"/>
               <a:t>linkColor</a:t>
             </a:r>
-            <a:endParaRPr lang="de-DE" dirty="0"/>
           </a:p>
         </p:txBody>
       </p:sp>
@@ -55186,18 +54070,13 @@
           <a:lstStyle/>
           <a:p>
             <a:r>
-              <a:rPr lang="de-DE" dirty="0" smtClean="0">
+              <a:rPr lang="de-DE" dirty="0">
                 <a:solidFill>
                   <a:schemeClr val="bg1"/>
                 </a:solidFill>
               </a:rPr>
               <a:t>View(Diagramm)</a:t>
             </a:r>
-            <a:endParaRPr lang="de-DE" dirty="0">
-              <a:solidFill>
-                <a:schemeClr val="bg1"/>
-              </a:solidFill>
-            </a:endParaRPr>
           </a:p>
         </p:txBody>
       </p:sp>
@@ -55244,13 +54123,8 @@
             <a:pPr algn="ctr"/>
             <a:r>
               <a:rPr lang="de-DE" dirty="0"/>
-              <a:t>m</a:t>
+              <a:t>model</a:t>
             </a:r>
-            <a:r>
-              <a:rPr lang="de-DE" dirty="0" smtClean="0"/>
-              <a:t>odel</a:t>
-            </a:r>
-            <a:endParaRPr lang="de-DE" dirty="0"/>
           </a:p>
         </p:txBody>
       </p:sp>
@@ -55313,10 +54187,9 @@
           <a:lstStyle/>
           <a:p>
             <a:r>
-              <a:rPr lang="de-DE" sz="1400" dirty="0" smtClean="0"/>
+              <a:rPr lang="de-DE" sz="1400" dirty="0"/>
               <a:t>Zuweisung</a:t>
             </a:r>
-            <a:endParaRPr lang="de-DE" sz="1400" dirty="0"/>
           </a:p>
         </p:txBody>
       </p:sp>
@@ -55442,10 +54315,9 @@
           <a:lstStyle/>
           <a:p>
             <a:r>
-              <a:rPr lang="de-DE" sz="1400" dirty="0" smtClean="0"/>
+              <a:rPr lang="de-DE" sz="1400" dirty="0"/>
               <a:t>Data binding</a:t>
             </a:r>
-            <a:endParaRPr lang="de-DE" sz="1400" dirty="0"/>
           </a:p>
         </p:txBody>
       </p:sp>
@@ -55473,15 +54345,7 @@
           <a:p>
             <a:r>
               <a:rPr lang="de-DE" dirty="0"/>
-              <a:t>Die </a:t>
-            </a:r>
-            <a:r>
-              <a:rPr lang="de-DE" dirty="0" smtClean="0"/>
-              <a:t>wichtigsten </a:t>
-            </a:r>
-            <a:r>
-              <a:rPr lang="de-DE" dirty="0"/>
-              <a:t>Eigenschaften des Diagramms und ihre Interaktion..</a:t>
+              <a:t>Die wichtigsten Eigenschaften des Diagramms und ihre Interaktion..</a:t>
             </a:r>
           </a:p>
         </p:txBody>
@@ -55496,13 +54360,6 @@
   <p:clrMapOvr>
     <a:masterClrMapping/>
   </p:clrMapOvr>
-  <p:timing>
-    <p:tnLst>
-      <p:par>
-        <p:cTn id="1" dur="indefinite" restart="never" nodeType="tmRoot"/>
-      </p:par>
-    </p:tnLst>
-  </p:timing>
 </p:sld>
 </file>
 
@@ -55634,7 +54491,7 @@
           <a:p>
             <a:pPr algn="ctr"/>
             <a:r>
-              <a:rPr lang="de-DE" sz="2000" dirty="0" err="1" smtClean="0">
+              <a:rPr lang="de-DE" sz="2000" dirty="0" err="1">
                 <a:ln>
                   <a:solidFill>
                     <a:srgbClr val="FFFFFF"/>
@@ -55647,7 +54504,7 @@
               <a:t>C</a:t>
             </a:r>
             <a:r>
-              <a:rPr lang="de-DE" sz="2000" b="1" dirty="0" err="1" smtClean="0">
+              <a:rPr lang="de-DE" sz="2000" b="1" dirty="0" err="1">
                 <a:ln>
                   <a:solidFill>
                     <a:srgbClr val="FFFFFF"/>
@@ -55667,7 +54524,7 @@
               <a:t>S</a:t>
             </a:r>
             <a:r>
-              <a:rPr lang="de-DE" sz="2000" b="1" dirty="0" err="1" smtClean="0">
+              <a:rPr lang="de-DE" sz="2000" b="1" dirty="0" err="1">
                 <a:ln>
                   <a:solidFill>
                     <a:srgbClr val="FFFFFF"/>
@@ -55710,13 +54567,6 @@
   <p:clrMapOvr>
     <a:masterClrMapping/>
   </p:clrMapOvr>
-  <p:timing>
-    <p:tnLst>
-      <p:par>
-        <p:cTn id="1" dur="indefinite" restart="never" nodeType="tmRoot"/>
-      </p:par>
-    </p:tnLst>
-  </p:timing>
 </p:sld>
 </file>
 
@@ -55842,10 +54692,9 @@
           <a:p>
             <a:pPr algn="ctr"/>
             <a:r>
-              <a:rPr lang="de-DE" dirty="0" smtClean="0"/>
+              <a:rPr lang="de-DE" dirty="0"/>
               <a:t>Gerät 5</a:t>
             </a:r>
-            <a:endParaRPr lang="de-DE" dirty="0"/>
           </a:p>
         </p:txBody>
       </p:sp>
@@ -55909,10 +54758,9 @@
           <a:p>
             <a:pPr algn="ctr"/>
             <a:r>
-              <a:rPr lang="de-DE" dirty="0" smtClean="0"/>
+              <a:rPr lang="de-DE" dirty="0"/>
               <a:t>Gerät 6</a:t>
             </a:r>
-            <a:endParaRPr lang="de-DE" dirty="0"/>
           </a:p>
         </p:txBody>
       </p:sp>
@@ -55976,10 +54824,9 @@
           <a:p>
             <a:pPr algn="ctr"/>
             <a:r>
-              <a:rPr lang="de-DE" dirty="0" smtClean="0"/>
+              <a:rPr lang="de-DE" dirty="0"/>
               <a:t>Gerät 7</a:t>
             </a:r>
-            <a:endParaRPr lang="de-DE" dirty="0"/>
           </a:p>
         </p:txBody>
       </p:sp>
@@ -56043,10 +54890,9 @@
           <a:p>
             <a:pPr algn="ctr"/>
             <a:r>
-              <a:rPr lang="de-DE" dirty="0" smtClean="0"/>
+              <a:rPr lang="de-DE" dirty="0"/>
               <a:t>Gerät 2</a:t>
             </a:r>
-            <a:endParaRPr lang="de-DE" dirty="0"/>
           </a:p>
         </p:txBody>
       </p:sp>
@@ -56110,10 +54956,9 @@
           <a:p>
             <a:pPr algn="ctr"/>
             <a:r>
-              <a:rPr lang="de-DE" dirty="0" smtClean="0"/>
+              <a:rPr lang="de-DE" dirty="0"/>
               <a:t>Gerät 3</a:t>
             </a:r>
-            <a:endParaRPr lang="de-DE" dirty="0"/>
           </a:p>
         </p:txBody>
       </p:sp>
@@ -56177,10 +55022,9 @@
           <a:p>
             <a:pPr algn="ctr"/>
             <a:r>
-              <a:rPr lang="de-DE" dirty="0" smtClean="0"/>
+              <a:rPr lang="de-DE" dirty="0"/>
               <a:t>Gerät 1</a:t>
             </a:r>
-            <a:endParaRPr lang="de-DE" dirty="0"/>
           </a:p>
         </p:txBody>
       </p:sp>
@@ -56244,10 +55088,9 @@
           <a:p>
             <a:pPr algn="ctr"/>
             <a:r>
-              <a:rPr lang="de-DE" dirty="0" smtClean="0"/>
+              <a:rPr lang="de-DE" dirty="0"/>
               <a:t>Gerät 4</a:t>
             </a:r>
-            <a:endParaRPr lang="de-DE" dirty="0"/>
           </a:p>
         </p:txBody>
       </p:sp>
@@ -56497,13 +55340,6 @@
   <p:clrMapOvr>
     <a:masterClrMapping/>
   </p:clrMapOvr>
-  <p:timing>
-    <p:tnLst>
-      <p:par>
-        <p:cTn id="1" dur="indefinite" restart="never" nodeType="tmRoot"/>
-      </p:par>
-    </p:tnLst>
-  </p:timing>
 </p:sld>
 </file>
 
@@ -56629,10 +55465,9 @@
           <a:p>
             <a:pPr algn="ctr"/>
             <a:r>
-              <a:rPr lang="de-DE" dirty="0" smtClean="0"/>
+              <a:rPr lang="de-DE" dirty="0"/>
               <a:t>Gerät 5</a:t>
             </a:r>
-            <a:endParaRPr lang="de-DE" dirty="0"/>
           </a:p>
         </p:txBody>
       </p:sp>
@@ -56696,10 +55531,9 @@
           <a:p>
             <a:pPr algn="ctr"/>
             <a:r>
-              <a:rPr lang="de-DE" dirty="0" smtClean="0"/>
+              <a:rPr lang="de-DE" dirty="0"/>
               <a:t>Gerät 6</a:t>
             </a:r>
-            <a:endParaRPr lang="de-DE" dirty="0"/>
           </a:p>
         </p:txBody>
       </p:sp>
@@ -56763,10 +55597,9 @@
           <a:p>
             <a:pPr algn="ctr"/>
             <a:r>
-              <a:rPr lang="de-DE" dirty="0" smtClean="0"/>
+              <a:rPr lang="de-DE" dirty="0"/>
               <a:t>Gerät 7</a:t>
             </a:r>
-            <a:endParaRPr lang="de-DE" dirty="0"/>
           </a:p>
         </p:txBody>
       </p:sp>
@@ -56830,10 +55663,9 @@
           <a:p>
             <a:pPr algn="ctr"/>
             <a:r>
-              <a:rPr lang="de-DE" dirty="0" smtClean="0"/>
+              <a:rPr lang="de-DE" dirty="0"/>
               <a:t>Gerät 2</a:t>
             </a:r>
-            <a:endParaRPr lang="de-DE" dirty="0"/>
           </a:p>
         </p:txBody>
       </p:sp>
@@ -56897,10 +55729,9 @@
           <a:p>
             <a:pPr algn="ctr"/>
             <a:r>
-              <a:rPr lang="de-DE" dirty="0" smtClean="0"/>
+              <a:rPr lang="de-DE" dirty="0"/>
               <a:t>Gerät 3</a:t>
             </a:r>
-            <a:endParaRPr lang="de-DE" dirty="0"/>
           </a:p>
         </p:txBody>
       </p:sp>
@@ -56964,10 +55795,9 @@
           <a:p>
             <a:pPr algn="ctr"/>
             <a:r>
-              <a:rPr lang="de-DE" dirty="0" smtClean="0"/>
+              <a:rPr lang="de-DE" dirty="0"/>
               <a:t>Gerät 1</a:t>
             </a:r>
-            <a:endParaRPr lang="de-DE" dirty="0"/>
           </a:p>
         </p:txBody>
       </p:sp>
@@ -57031,10 +55861,9 @@
           <a:p>
             <a:pPr algn="ctr"/>
             <a:r>
-              <a:rPr lang="de-DE" dirty="0" smtClean="0"/>
+              <a:rPr lang="de-DE" dirty="0"/>
               <a:t>Gerät 4</a:t>
             </a:r>
-            <a:endParaRPr lang="de-DE" dirty="0"/>
           </a:p>
         </p:txBody>
       </p:sp>
@@ -57280,13 +56109,6 @@
   <p:clrMapOvr>
     <a:masterClrMapping/>
   </p:clrMapOvr>
-  <p:timing>
-    <p:tnLst>
-      <p:par>
-        <p:cTn id="1" dur="indefinite" restart="never" nodeType="tmRoot"/>
-      </p:par>
-    </p:tnLst>
-  </p:timing>
 </p:sld>
 </file>
 
@@ -57412,10 +56234,9 @@
           <a:p>
             <a:pPr algn="ctr"/>
             <a:r>
-              <a:rPr lang="de-DE" dirty="0" smtClean="0"/>
+              <a:rPr lang="de-DE" dirty="0"/>
               <a:t>Gerät 5</a:t>
             </a:r>
-            <a:endParaRPr lang="de-DE" dirty="0"/>
           </a:p>
         </p:txBody>
       </p:sp>
@@ -57479,10 +56300,9 @@
           <a:p>
             <a:pPr algn="ctr"/>
             <a:r>
-              <a:rPr lang="de-DE" dirty="0" smtClean="0"/>
+              <a:rPr lang="de-DE" dirty="0"/>
               <a:t>Gerät 6</a:t>
             </a:r>
-            <a:endParaRPr lang="de-DE" dirty="0"/>
           </a:p>
         </p:txBody>
       </p:sp>
@@ -57546,10 +56366,9 @@
           <a:p>
             <a:pPr algn="ctr"/>
             <a:r>
-              <a:rPr lang="de-DE" dirty="0" smtClean="0"/>
+              <a:rPr lang="de-DE" dirty="0"/>
               <a:t>Gerät 7</a:t>
             </a:r>
-            <a:endParaRPr lang="de-DE" dirty="0"/>
           </a:p>
         </p:txBody>
       </p:sp>
@@ -57613,10 +56432,9 @@
           <a:p>
             <a:pPr algn="ctr"/>
             <a:r>
-              <a:rPr lang="de-DE" dirty="0" smtClean="0"/>
+              <a:rPr lang="de-DE" dirty="0"/>
               <a:t>Gerät 2</a:t>
             </a:r>
-            <a:endParaRPr lang="de-DE" dirty="0"/>
           </a:p>
         </p:txBody>
       </p:sp>
@@ -57680,10 +56498,9 @@
           <a:p>
             <a:pPr algn="ctr"/>
             <a:r>
-              <a:rPr lang="de-DE" dirty="0" smtClean="0"/>
+              <a:rPr lang="de-DE" dirty="0"/>
               <a:t>Gerät 4</a:t>
             </a:r>
-            <a:endParaRPr lang="de-DE" dirty="0"/>
           </a:p>
         </p:txBody>
       </p:sp>
@@ -57747,10 +56564,9 @@
           <a:p>
             <a:pPr algn="ctr"/>
             <a:r>
-              <a:rPr lang="de-DE" dirty="0" smtClean="0"/>
+              <a:rPr lang="de-DE" dirty="0"/>
               <a:t>Gerät 1</a:t>
             </a:r>
-            <a:endParaRPr lang="de-DE" dirty="0"/>
           </a:p>
         </p:txBody>
       </p:sp>
@@ -57814,10 +56630,9 @@
           <a:p>
             <a:pPr algn="ctr"/>
             <a:r>
-              <a:rPr lang="de-DE" dirty="0" smtClean="0"/>
+              <a:rPr lang="de-DE" dirty="0"/>
               <a:t>Gerät 3</a:t>
             </a:r>
-            <a:endParaRPr lang="de-DE" dirty="0"/>
           </a:p>
         </p:txBody>
       </p:sp>
@@ -58106,13 +56921,6 @@
   <p:clrMapOvr>
     <a:masterClrMapping/>
   </p:clrMapOvr>
-  <p:timing>
-    <p:tnLst>
-      <p:par>
-        <p:cTn id="1" dur="indefinite" restart="never" nodeType="tmRoot"/>
-      </p:par>
-    </p:tnLst>
-  </p:timing>
 </p:sld>
 </file>
 
